--- a/Projet_5_présentation.pptx
+++ b/Projet_5_présentation.pptx
@@ -5,7 +5,7 @@
     <p:sldMasterId id="2147483648" r:id="rId1"/>
   </p:sldMasterIdLst>
   <p:notesMasterIdLst>
-    <p:notesMasterId r:id="rId20"/>
+    <p:notesMasterId r:id="rId28"/>
   </p:notesMasterIdLst>
   <p:sldIdLst>
     <p:sldId id="257" r:id="rId2"/>
@@ -13,19 +13,27 @@
     <p:sldId id="259" r:id="rId4"/>
     <p:sldId id="299" r:id="rId5"/>
     <p:sldId id="300" r:id="rId6"/>
-    <p:sldId id="282" r:id="rId7"/>
-    <p:sldId id="285" r:id="rId8"/>
-    <p:sldId id="297" r:id="rId9"/>
-    <p:sldId id="298" r:id="rId10"/>
-    <p:sldId id="301" r:id="rId11"/>
-    <p:sldId id="289" r:id="rId12"/>
-    <p:sldId id="302" r:id="rId13"/>
-    <p:sldId id="303" r:id="rId14"/>
-    <p:sldId id="304" r:id="rId15"/>
-    <p:sldId id="305" r:id="rId16"/>
-    <p:sldId id="306" r:id="rId17"/>
-    <p:sldId id="307" r:id="rId18"/>
-    <p:sldId id="308" r:id="rId19"/>
+    <p:sldId id="309" r:id="rId7"/>
+    <p:sldId id="297" r:id="rId8"/>
+    <p:sldId id="298" r:id="rId9"/>
+    <p:sldId id="301" r:id="rId10"/>
+    <p:sldId id="310" r:id="rId11"/>
+    <p:sldId id="311" r:id="rId12"/>
+    <p:sldId id="312" r:id="rId13"/>
+    <p:sldId id="317" r:id="rId14"/>
+    <p:sldId id="318" r:id="rId15"/>
+    <p:sldId id="313" r:id="rId16"/>
+    <p:sldId id="314" r:id="rId17"/>
+    <p:sldId id="315" r:id="rId18"/>
+    <p:sldId id="316" r:id="rId19"/>
+    <p:sldId id="289" r:id="rId20"/>
+    <p:sldId id="302" r:id="rId21"/>
+    <p:sldId id="303" r:id="rId22"/>
+    <p:sldId id="304" r:id="rId23"/>
+    <p:sldId id="305" r:id="rId24"/>
+    <p:sldId id="306" r:id="rId25"/>
+    <p:sldId id="307" r:id="rId26"/>
+    <p:sldId id="308" r:id="rId27"/>
   </p:sldIdLst>
   <p:sldSz cx="12192000" cy="6858000"/>
   <p:notesSz cx="6858000" cy="9144000"/>
@@ -124,6 +132,11 @@
       </a:defRPr>
     </a:lvl9pPr>
   </p:defaultTextStyle>
+  <p:extLst>
+    <p:ext uri="{EFAFB233-063F-42B5-8137-9DF3F51BA10A}">
+      <p15:sldGuideLst xmlns:p15="http://schemas.microsoft.com/office/powerpoint/2012/main"/>
+    </p:ext>
+  </p:extLst>
 </p:presentation>
 </file>
 
@@ -209,7 +222,7 @@
           <a:p>
             <a:fld id="{F3F2F135-A303-4DD6-9894-2ECAD9E5DBC9}" type="datetimeFigureOut">
               <a:rPr lang="fr-FR" smtClean="0"/>
-              <a:t>29/03/2019</a:t>
+              <a:t>23/04/2019</a:t>
             </a:fld>
             <a:endParaRPr lang="fr-FR"/>
           </a:p>
@@ -634,7 +647,7 @@
     </p:spTree>
     <p:extLst>
       <p:ext uri="{BB962C8B-B14F-4D97-AF65-F5344CB8AC3E}">
-        <p14:creationId xmlns:p14="http://schemas.microsoft.com/office/powerpoint/2010/main" val="2387038923"/>
+        <p14:creationId xmlns:p14="http://schemas.microsoft.com/office/powerpoint/2010/main" val="4010471913"/>
       </p:ext>
     </p:extLst>
   </p:cSld>
@@ -688,7 +701,10 @@
           <a:bodyPr/>
           <a:lstStyle/>
           <a:p>
-            <a:endParaRPr lang="fr-FR" dirty="0"/>
+            <a:r>
+              <a:rPr lang="fr-FR" dirty="0"/>
+              <a:t>Le cercle n’est pas très lisible sur la partie droite, affichons un zoom ; CLICK</a:t>
+            </a:r>
           </a:p>
         </p:txBody>
       </p:sp>
@@ -707,9 +723,9 @@
           <a:bodyPr/>
           <a:lstStyle/>
           <a:p>
-            <a:fld id="{5F05756B-5F5C-4EED-907C-E25857D58D0B}" type="slidenum">
+            <a:fld id="{F44DFA25-216B-4048-9E14-17772AFFB9C9}" type="slidenum">
               <a:rPr lang="fr-FR" smtClean="0"/>
-              <a:t>7</a:t>
+              <a:t>13</a:t>
             </a:fld>
             <a:endParaRPr lang="fr-FR"/>
           </a:p>
@@ -718,7 +734,7 @@
     </p:spTree>
     <p:extLst>
       <p:ext uri="{BB962C8B-B14F-4D97-AF65-F5344CB8AC3E}">
-        <p14:creationId xmlns:p14="http://schemas.microsoft.com/office/powerpoint/2010/main" val="511173767"/>
+        <p14:creationId xmlns:p14="http://schemas.microsoft.com/office/powerpoint/2010/main" val="999907268"/>
       </p:ext>
     </p:extLst>
   </p:cSld>
@@ -772,6 +788,382 @@
           <a:bodyPr/>
           <a:lstStyle/>
           <a:p>
+            <a:r>
+              <a:rPr lang="fr-FR" dirty="0"/>
+              <a:t>On peut voir sur PC1 que les variables ayant le plus de poids dans l'inertie sont : </a:t>
+            </a:r>
+            <a:br>
+              <a:rPr lang="fr-FR" dirty="0"/>
+            </a:br>
+            <a:endParaRPr lang="fr-FR" dirty="0"/>
+          </a:p>
+          <a:p>
+            <a:r>
+              <a:rPr lang="fr-FR" dirty="0"/>
+              <a:t>La disponibilité en protéines</a:t>
+            </a:r>
+          </a:p>
+          <a:p>
+            <a:r>
+              <a:rPr lang="fr-FR" dirty="0"/>
+              <a:t>La </a:t>
+            </a:r>
+            <a:r>
+              <a:rPr lang="fr-FR" dirty="0" err="1"/>
+              <a:t>disponinibilité</a:t>
+            </a:r>
+            <a:r>
+              <a:rPr lang="fr-FR" dirty="0"/>
+              <a:t> alimentaire totale</a:t>
+            </a:r>
+          </a:p>
+          <a:p>
+            <a:r>
+              <a:rPr lang="fr-FR" dirty="0"/>
+              <a:t>Le ratio de protéines animales / Protéines totales CLICK</a:t>
+            </a:r>
+          </a:p>
+          <a:p>
+            <a:endParaRPr lang="fr-FR" dirty="0"/>
+          </a:p>
+          <a:p>
+            <a:r>
+              <a:rPr lang="fr-FR" dirty="0"/>
+              <a:t>On remarque aussi que le PIB/h est assez élevé (0,41) </a:t>
+            </a:r>
+          </a:p>
+          <a:p>
+            <a:endParaRPr lang="fr-FR" dirty="0"/>
+          </a:p>
+          <a:p>
+            <a:r>
+              <a:rPr lang="fr-FR" dirty="0"/>
+              <a:t>On peut donc conclure que la composante principale PC1 correspond au niveau de richesses du pays</a:t>
+            </a:r>
+          </a:p>
+          <a:p>
+            <a:endParaRPr lang="fr-FR" dirty="0"/>
+          </a:p>
+          <a:p>
+            <a:r>
+              <a:rPr lang="fr-FR" dirty="0"/>
+              <a:t>CLICK</a:t>
+            </a:r>
+          </a:p>
+          <a:p>
+            <a:endParaRPr lang="fr-FR" dirty="0"/>
+          </a:p>
+        </p:txBody>
+      </p:sp>
+      <p:sp>
+        <p:nvSpPr>
+          <p:cNvPr id="4" name="Espace réservé du numéro de diapositive 3"/>
+          <p:cNvSpPr>
+            <a:spLocks noGrp="1"/>
+          </p:cNvSpPr>
+          <p:nvPr>
+            <p:ph type="sldNum" sz="quarter" idx="5"/>
+          </p:nvPr>
+        </p:nvSpPr>
+        <p:spPr/>
+        <p:txBody>
+          <a:bodyPr/>
+          <a:lstStyle/>
+          <a:p>
+            <a:fld id="{F44DFA25-216B-4048-9E14-17772AFFB9C9}" type="slidenum">
+              <a:rPr lang="fr-FR" smtClean="0"/>
+              <a:t>14</a:t>
+            </a:fld>
+            <a:endParaRPr lang="fr-FR"/>
+          </a:p>
+        </p:txBody>
+      </p:sp>
+    </p:spTree>
+    <p:extLst>
+      <p:ext uri="{BB962C8B-B14F-4D97-AF65-F5344CB8AC3E}">
+        <p14:creationId xmlns:p14="http://schemas.microsoft.com/office/powerpoint/2010/main" val="1988068708"/>
+      </p:ext>
+    </p:extLst>
+  </p:cSld>
+  <p:clrMapOvr>
+    <a:masterClrMapping/>
+  </p:clrMapOvr>
+</p:notes>
+</file>
+
+<file path=ppt/notesSlides/notesSlide5.xml><?xml version="1.0" encoding="utf-8"?>
+<p:notes xmlns:a="http://schemas.openxmlformats.org/drawingml/2006/main" xmlns:r="http://schemas.openxmlformats.org/officeDocument/2006/relationships" xmlns:p="http://schemas.openxmlformats.org/presentationml/2006/main">
+  <p:cSld>
+    <p:spTree>
+      <p:nvGrpSpPr>
+        <p:cNvPr id="1" name=""/>
+        <p:cNvGrpSpPr/>
+        <p:nvPr/>
+      </p:nvGrpSpPr>
+      <p:grpSpPr>
+        <a:xfrm>
+          <a:off x="0" y="0"/>
+          <a:ext cx="0" cy="0"/>
+          <a:chOff x="0" y="0"/>
+          <a:chExt cx="0" cy="0"/>
+        </a:xfrm>
+      </p:grpSpPr>
+      <p:sp>
+        <p:nvSpPr>
+          <p:cNvPr id="2" name="Espace réservé de l'image des diapositives 1"/>
+          <p:cNvSpPr>
+            <a:spLocks noGrp="1" noRot="1" noChangeAspect="1"/>
+          </p:cNvSpPr>
+          <p:nvPr>
+            <p:ph type="sldImg"/>
+          </p:nvPr>
+        </p:nvSpPr>
+        <p:spPr/>
+      </p:sp>
+      <p:sp>
+        <p:nvSpPr>
+          <p:cNvPr id="3" name="Espace réservé des notes 2"/>
+          <p:cNvSpPr>
+            <a:spLocks noGrp="1"/>
+          </p:cNvSpPr>
+          <p:nvPr>
+            <p:ph type="body" idx="1"/>
+          </p:nvPr>
+        </p:nvSpPr>
+        <p:spPr/>
+        <p:txBody>
+          <a:bodyPr/>
+          <a:lstStyle/>
+          <a:p>
+            <a:r>
+              <a:rPr lang="fr-FR" dirty="0"/>
+              <a:t>A l'exception du cluster 6, les pays sont regroupés correctement par cluster sur F1. </a:t>
+            </a:r>
+            <a:br>
+              <a:rPr lang="fr-FR" dirty="0"/>
+            </a:br>
+            <a:r>
+              <a:rPr lang="fr-FR" dirty="0"/>
+              <a:t>Si certains semblent être confondus avec les autres, c'est F2 qui nous permet de voir la différence entre ces derniers. </a:t>
+            </a:r>
+          </a:p>
+          <a:p>
+            <a:endParaRPr lang="fr-FR" dirty="0"/>
+          </a:p>
+          <a:p>
+            <a:r>
+              <a:rPr lang="fr-FR" dirty="0"/>
+              <a:t>Dans la partie du </a:t>
+            </a:r>
+            <a:r>
+              <a:rPr lang="fr-FR" dirty="0" err="1"/>
+              <a:t>dendogramme</a:t>
+            </a:r>
+            <a:r>
+              <a:rPr lang="fr-FR" dirty="0"/>
+              <a:t>, nous avons vu que le cluster 7 était celui qui nous intéressait le plus, voyons donc comment sont répartis les pays de ce cluster, et à quoi est-ce qu'ils correspondent, après l'ACP.</a:t>
+            </a:r>
+          </a:p>
+          <a:p>
+            <a:endParaRPr lang="fr-FR" dirty="0"/>
+          </a:p>
+          <a:p>
+            <a:r>
+              <a:rPr lang="fr-FR" dirty="0"/>
+              <a:t>Le cluster 7 représente les pays le plus à droite sur F1, avec donc une forte valeur. </a:t>
+            </a:r>
+            <a:br>
+              <a:rPr lang="fr-FR" dirty="0"/>
+            </a:br>
+            <a:r>
+              <a:rPr lang="fr-FR" dirty="0"/>
+              <a:t>Comme nous l'avons vu </a:t>
+            </a:r>
+            <a:r>
+              <a:rPr lang="fr-FR" dirty="0" err="1"/>
+              <a:t>précédement</a:t>
+            </a:r>
+            <a:r>
+              <a:rPr lang="fr-FR" dirty="0"/>
+              <a:t>, F1 représente le niveau de richesse du pays ; </a:t>
+            </a:r>
+            <a:br>
+              <a:rPr lang="fr-FR" dirty="0"/>
+            </a:br>
+            <a:r>
+              <a:rPr lang="fr-FR" dirty="0"/>
+              <a:t>Les pays du cluster 7 correspondent donc aux pays les plus riches.</a:t>
+            </a:r>
+          </a:p>
+        </p:txBody>
+      </p:sp>
+      <p:sp>
+        <p:nvSpPr>
+          <p:cNvPr id="4" name="Espace réservé du numéro de diapositive 3"/>
+          <p:cNvSpPr>
+            <a:spLocks noGrp="1"/>
+          </p:cNvSpPr>
+          <p:nvPr>
+            <p:ph type="sldNum" sz="quarter" idx="5"/>
+          </p:nvPr>
+        </p:nvSpPr>
+        <p:spPr/>
+        <p:txBody>
+          <a:bodyPr/>
+          <a:lstStyle/>
+          <a:p>
+            <a:fld id="{F44DFA25-216B-4048-9E14-17772AFFB9C9}" type="slidenum">
+              <a:rPr lang="fr-FR" smtClean="0"/>
+              <a:t>15</a:t>
+            </a:fld>
+            <a:endParaRPr lang="fr-FR"/>
+          </a:p>
+        </p:txBody>
+      </p:sp>
+    </p:spTree>
+    <p:extLst>
+      <p:ext uri="{BB962C8B-B14F-4D97-AF65-F5344CB8AC3E}">
+        <p14:creationId xmlns:p14="http://schemas.microsoft.com/office/powerpoint/2010/main" val="3528905593"/>
+      </p:ext>
+    </p:extLst>
+  </p:cSld>
+  <p:clrMapOvr>
+    <a:masterClrMapping/>
+  </p:clrMapOvr>
+</p:notes>
+</file>
+
+<file path=ppt/notesSlides/notesSlide6.xml><?xml version="1.0" encoding="utf-8"?>
+<p:notes xmlns:a="http://schemas.openxmlformats.org/drawingml/2006/main" xmlns:r="http://schemas.openxmlformats.org/officeDocument/2006/relationships" xmlns:p="http://schemas.openxmlformats.org/presentationml/2006/main">
+  <p:cSld>
+    <p:spTree>
+      <p:nvGrpSpPr>
+        <p:cNvPr id="1" name=""/>
+        <p:cNvGrpSpPr/>
+        <p:nvPr/>
+      </p:nvGrpSpPr>
+      <p:grpSpPr>
+        <a:xfrm>
+          <a:off x="0" y="0"/>
+          <a:ext cx="0" cy="0"/>
+          <a:chOff x="0" y="0"/>
+          <a:chExt cx="0" cy="0"/>
+        </a:xfrm>
+      </p:grpSpPr>
+      <p:sp>
+        <p:nvSpPr>
+          <p:cNvPr id="2" name="Espace réservé de l'image des diapositives 1"/>
+          <p:cNvSpPr>
+            <a:spLocks noGrp="1" noRot="1" noChangeAspect="1"/>
+          </p:cNvSpPr>
+          <p:nvPr>
+            <p:ph type="sldImg"/>
+          </p:nvPr>
+        </p:nvSpPr>
+        <p:spPr/>
+      </p:sp>
+      <p:sp>
+        <p:nvSpPr>
+          <p:cNvPr id="3" name="Espace réservé des notes 2"/>
+          <p:cNvSpPr>
+            <a:spLocks noGrp="1"/>
+          </p:cNvSpPr>
+          <p:nvPr>
+            <p:ph type="body" idx="1"/>
+          </p:nvPr>
+        </p:nvSpPr>
+        <p:spPr/>
+        <p:txBody>
+          <a:bodyPr/>
+          <a:lstStyle/>
+          <a:p>
+            <a:r>
+              <a:rPr lang="fr-FR" dirty="0"/>
+              <a:t>Pour rappel, la liste des clusters avec les centroïdes </a:t>
+            </a:r>
+          </a:p>
+        </p:txBody>
+      </p:sp>
+      <p:sp>
+        <p:nvSpPr>
+          <p:cNvPr id="4" name="Espace réservé du numéro de diapositive 3"/>
+          <p:cNvSpPr>
+            <a:spLocks noGrp="1"/>
+          </p:cNvSpPr>
+          <p:nvPr>
+            <p:ph type="sldNum" sz="quarter" idx="5"/>
+          </p:nvPr>
+        </p:nvSpPr>
+        <p:spPr/>
+        <p:txBody>
+          <a:bodyPr/>
+          <a:lstStyle/>
+          <a:p>
+            <a:fld id="{F44DFA25-216B-4048-9E14-17772AFFB9C9}" type="slidenum">
+              <a:rPr lang="fr-FR" smtClean="0"/>
+              <a:t>16</a:t>
+            </a:fld>
+            <a:endParaRPr lang="fr-FR"/>
+          </a:p>
+        </p:txBody>
+      </p:sp>
+    </p:spTree>
+    <p:extLst>
+      <p:ext uri="{BB962C8B-B14F-4D97-AF65-F5344CB8AC3E}">
+        <p14:creationId xmlns:p14="http://schemas.microsoft.com/office/powerpoint/2010/main" val="1567256808"/>
+      </p:ext>
+    </p:extLst>
+  </p:cSld>
+  <p:clrMapOvr>
+    <a:masterClrMapping/>
+  </p:clrMapOvr>
+</p:notes>
+</file>
+
+<file path=ppt/notesSlides/notesSlide7.xml><?xml version="1.0" encoding="utf-8"?>
+<p:notes xmlns:a="http://schemas.openxmlformats.org/drawingml/2006/main" xmlns:r="http://schemas.openxmlformats.org/officeDocument/2006/relationships" xmlns:p="http://schemas.openxmlformats.org/presentationml/2006/main">
+  <p:cSld>
+    <p:spTree>
+      <p:nvGrpSpPr>
+        <p:cNvPr id="1" name=""/>
+        <p:cNvGrpSpPr/>
+        <p:nvPr/>
+      </p:nvGrpSpPr>
+      <p:grpSpPr>
+        <a:xfrm>
+          <a:off x="0" y="0"/>
+          <a:ext cx="0" cy="0"/>
+          <a:chOff x="0" y="0"/>
+          <a:chExt cx="0" cy="0"/>
+        </a:xfrm>
+      </p:grpSpPr>
+      <p:sp>
+        <p:nvSpPr>
+          <p:cNvPr id="2" name="Espace réservé de l'image des diapositives 1"/>
+          <p:cNvSpPr>
+            <a:spLocks noGrp="1" noRot="1" noChangeAspect="1"/>
+          </p:cNvSpPr>
+          <p:nvPr>
+            <p:ph type="sldImg"/>
+          </p:nvPr>
+        </p:nvSpPr>
+        <p:spPr/>
+      </p:sp>
+      <p:sp>
+        <p:nvSpPr>
+          <p:cNvPr id="3" name="Espace réservé des notes 2"/>
+          <p:cNvSpPr>
+            <a:spLocks noGrp="1"/>
+          </p:cNvSpPr>
+          <p:nvPr>
+            <p:ph type="body" idx="1"/>
+          </p:nvPr>
+        </p:nvSpPr>
+        <p:spPr/>
+        <p:txBody>
+          <a:bodyPr/>
+          <a:lstStyle/>
+          <a:p>
             <a:endParaRPr lang="fr-FR" dirty="0"/>
           </a:p>
         </p:txBody>
@@ -793,7 +1185,7 @@
           <a:p>
             <a:fld id="{5F05756B-5F5C-4EED-907C-E25857D58D0B}" type="slidenum">
               <a:rPr lang="fr-FR" smtClean="0"/>
-              <a:t>11</a:t>
+              <a:t>19</a:t>
             </a:fld>
             <a:endParaRPr lang="fr-FR"/>
           </a:p>
@@ -959,7 +1351,7 @@
           <a:p>
             <a:fld id="{E565D739-1F39-46A1-82E5-C30CDDBD57CA}" type="datetimeFigureOut">
               <a:rPr lang="fr-FR" smtClean="0"/>
-              <a:t>29/03/2019</a:t>
+              <a:t>23/04/2019</a:t>
             </a:fld>
             <a:endParaRPr lang="fr-FR"/>
           </a:p>
@@ -1157,7 +1549,7 @@
           <a:p>
             <a:fld id="{E565D739-1F39-46A1-82E5-C30CDDBD57CA}" type="datetimeFigureOut">
               <a:rPr lang="fr-FR" smtClean="0"/>
-              <a:t>29/03/2019</a:t>
+              <a:t>23/04/2019</a:t>
             </a:fld>
             <a:endParaRPr lang="fr-FR"/>
           </a:p>
@@ -1365,7 +1757,7 @@
           <a:p>
             <a:fld id="{E565D739-1F39-46A1-82E5-C30CDDBD57CA}" type="datetimeFigureOut">
               <a:rPr lang="fr-FR" smtClean="0"/>
-              <a:t>29/03/2019</a:t>
+              <a:t>23/04/2019</a:t>
             </a:fld>
             <a:endParaRPr lang="fr-FR"/>
           </a:p>
@@ -1563,7 +1955,7 @@
           <a:p>
             <a:fld id="{E565D739-1F39-46A1-82E5-C30CDDBD57CA}" type="datetimeFigureOut">
               <a:rPr lang="fr-FR" smtClean="0"/>
-              <a:t>29/03/2019</a:t>
+              <a:t>23/04/2019</a:t>
             </a:fld>
             <a:endParaRPr lang="fr-FR"/>
           </a:p>
@@ -1838,7 +2230,7 @@
           <a:p>
             <a:fld id="{E565D739-1F39-46A1-82E5-C30CDDBD57CA}" type="datetimeFigureOut">
               <a:rPr lang="fr-FR" smtClean="0"/>
-              <a:t>29/03/2019</a:t>
+              <a:t>23/04/2019</a:t>
             </a:fld>
             <a:endParaRPr lang="fr-FR"/>
           </a:p>
@@ -2103,7 +2495,7 @@
           <a:p>
             <a:fld id="{E565D739-1F39-46A1-82E5-C30CDDBD57CA}" type="datetimeFigureOut">
               <a:rPr lang="fr-FR" smtClean="0"/>
-              <a:t>29/03/2019</a:t>
+              <a:t>23/04/2019</a:t>
             </a:fld>
             <a:endParaRPr lang="fr-FR"/>
           </a:p>
@@ -2515,7 +2907,7 @@
           <a:p>
             <a:fld id="{E565D739-1F39-46A1-82E5-C30CDDBD57CA}" type="datetimeFigureOut">
               <a:rPr lang="fr-FR" smtClean="0"/>
-              <a:t>29/03/2019</a:t>
+              <a:t>23/04/2019</a:t>
             </a:fld>
             <a:endParaRPr lang="fr-FR"/>
           </a:p>
@@ -2656,7 +3048,7 @@
           <a:p>
             <a:fld id="{E565D739-1F39-46A1-82E5-C30CDDBD57CA}" type="datetimeFigureOut">
               <a:rPr lang="fr-FR" smtClean="0"/>
-              <a:t>29/03/2019</a:t>
+              <a:t>23/04/2019</a:t>
             </a:fld>
             <a:endParaRPr lang="fr-FR"/>
           </a:p>
@@ -2769,7 +3161,7 @@
           <a:p>
             <a:fld id="{E565D739-1F39-46A1-82E5-C30CDDBD57CA}" type="datetimeFigureOut">
               <a:rPr lang="fr-FR" smtClean="0"/>
-              <a:t>29/03/2019</a:t>
+              <a:t>23/04/2019</a:t>
             </a:fld>
             <a:endParaRPr lang="fr-FR"/>
           </a:p>
@@ -3080,7 +3472,7 @@
           <a:p>
             <a:fld id="{E565D739-1F39-46A1-82E5-C30CDDBD57CA}" type="datetimeFigureOut">
               <a:rPr lang="fr-FR" smtClean="0"/>
-              <a:t>29/03/2019</a:t>
+              <a:t>23/04/2019</a:t>
             </a:fld>
             <a:endParaRPr lang="fr-FR"/>
           </a:p>
@@ -3368,7 +3760,7 @@
           <a:p>
             <a:fld id="{E565D739-1F39-46A1-82E5-C30CDDBD57CA}" type="datetimeFigureOut">
               <a:rPr lang="fr-FR" smtClean="0"/>
-              <a:t>29/03/2019</a:t>
+              <a:t>23/04/2019</a:t>
             </a:fld>
             <a:endParaRPr lang="fr-FR"/>
           </a:p>
@@ -3609,7 +4001,7 @@
           <a:p>
             <a:fld id="{E565D739-1F39-46A1-82E5-C30CDDBD57CA}" type="datetimeFigureOut">
               <a:rPr lang="fr-FR" smtClean="0"/>
-              <a:t>29/03/2019</a:t>
+              <a:t>23/04/2019</a:t>
             </a:fld>
             <a:endParaRPr lang="fr-FR"/>
           </a:p>
@@ -4429,41 +4821,19 @@
           </a:xfrm>
         </p:spPr>
         <p:txBody>
-          <a:bodyPr/>
-          <a:lstStyle/>
-          <a:p>
-            <a:endParaRPr lang="fr-FR" dirty="0"/>
-          </a:p>
-        </p:txBody>
-      </p:sp>
-      <p:sp>
-        <p:nvSpPr>
-          <p:cNvPr id="3" name="Sous-titre 2">
-            <a:extLst>
-              <a:ext uri="{FF2B5EF4-FFF2-40B4-BE49-F238E27FC236}">
-                <a16:creationId xmlns:a16="http://schemas.microsoft.com/office/drawing/2014/main" id="{218B9057-36A2-4CEF-8698-A320933B4FB0}"/>
-              </a:ext>
-            </a:extLst>
-          </p:cNvPr>
-          <p:cNvSpPr>
-            <a:spLocks noGrp="1"/>
-          </p:cNvSpPr>
-          <p:nvPr>
-            <p:ph type="subTitle" idx="1"/>
-          </p:nvPr>
-        </p:nvSpPr>
-        <p:spPr>
-          <a:xfrm>
-            <a:off x="1524000" y="1897539"/>
-            <a:ext cx="9245600" cy="3062922"/>
-          </a:xfrm>
-        </p:spPr>
-        <p:txBody>
           <a:bodyPr>
             <a:normAutofit/>
           </a:bodyPr>
           <a:lstStyle/>
           <a:p>
+            <a:r>
+              <a:rPr lang="fr-FR" dirty="0"/>
+              <a:t>Création d’un </a:t>
+            </a:r>
+            <a:r>
+              <a:rPr lang="fr-FR" dirty="0" err="1"/>
+              <a:t>dendogramme</a:t>
+            </a:r>
             <a:endParaRPr lang="fr-FR" dirty="0"/>
           </a:p>
         </p:txBody>
@@ -4504,10 +4874,538 @@
           </a:prstGeom>
         </p:spPr>
       </p:pic>
+      <p:pic>
+        <p:nvPicPr>
+          <p:cNvPr id="6" name="Image 5">
+            <a:extLst>
+              <a:ext uri="{FF2B5EF4-FFF2-40B4-BE49-F238E27FC236}">
+                <a16:creationId xmlns:a16="http://schemas.microsoft.com/office/drawing/2014/main" id="{33845D5E-01D1-4E69-9B87-D3AB9DBEBF48}"/>
+              </a:ext>
+            </a:extLst>
+          </p:cNvPr>
+          <p:cNvPicPr>
+            <a:picLocks noChangeAspect="1"/>
+          </p:cNvPicPr>
+          <p:nvPr/>
+        </p:nvPicPr>
+        <p:blipFill rotWithShape="1">
+          <a:blip r:embed="rId3">
+            <a:extLst>
+              <a:ext uri="{28A0092B-C50C-407E-A947-70E740481C1C}">
+                <a14:useLocalDpi xmlns:a14="http://schemas.microsoft.com/office/drawing/2010/main" val="0"/>
+              </a:ext>
+            </a:extLst>
+          </a:blip>
+          <a:srcRect l="9397" t="12035" r="10090"/>
+          <a:stretch/>
+        </p:blipFill>
+        <p:spPr>
+          <a:xfrm>
+            <a:off x="1" y="0"/>
+            <a:ext cx="12175856" cy="5321148"/>
+          </a:xfrm>
+          <a:prstGeom prst="rect">
+            <a:avLst/>
+          </a:prstGeom>
+        </p:spPr>
+      </p:pic>
+      <p:pic>
+        <p:nvPicPr>
+          <p:cNvPr id="7" name="Image 6">
+            <a:extLst>
+              <a:ext uri="{FF2B5EF4-FFF2-40B4-BE49-F238E27FC236}">
+                <a16:creationId xmlns:a16="http://schemas.microsoft.com/office/drawing/2014/main" id="{B5BE3965-EC5A-436B-8458-A8656E5A92CA}"/>
+              </a:ext>
+            </a:extLst>
+          </p:cNvPr>
+          <p:cNvPicPr>
+            <a:picLocks noChangeAspect="1"/>
+          </p:cNvPicPr>
+          <p:nvPr/>
+        </p:nvPicPr>
+        <p:blipFill rotWithShape="1">
+          <a:blip r:embed="rId3">
+            <a:extLst>
+              <a:ext uri="{28A0092B-C50C-407E-A947-70E740481C1C}">
+                <a14:useLocalDpi xmlns:a14="http://schemas.microsoft.com/office/drawing/2010/main" val="0"/>
+              </a:ext>
+            </a:extLst>
+          </a:blip>
+          <a:srcRect l="74629" t="48207" r="11914"/>
+          <a:stretch/>
+        </p:blipFill>
+        <p:spPr>
+          <a:xfrm rot="16200000">
+            <a:off x="3376998" y="-361768"/>
+            <a:ext cx="5421862" cy="8347116"/>
+          </a:xfrm>
+          <a:prstGeom prst="rect">
+            <a:avLst/>
+          </a:prstGeom>
+        </p:spPr>
+      </p:pic>
+      <p:sp>
+        <p:nvSpPr>
+          <p:cNvPr id="8" name="Rectangle : coins arrondis 7">
+            <a:extLst>
+              <a:ext uri="{FF2B5EF4-FFF2-40B4-BE49-F238E27FC236}">
+                <a16:creationId xmlns:a16="http://schemas.microsoft.com/office/drawing/2014/main" id="{746704FF-AE95-4833-8ABE-CAB97CDD5D61}"/>
+              </a:ext>
+            </a:extLst>
+          </p:cNvPr>
+          <p:cNvSpPr/>
+          <p:nvPr/>
+        </p:nvSpPr>
+        <p:spPr>
+          <a:xfrm>
+            <a:off x="9795510" y="2103120"/>
+            <a:ext cx="2125980" cy="3218028"/>
+          </a:xfrm>
+          <a:prstGeom prst="roundRect">
+            <a:avLst/>
+          </a:prstGeom>
+          <a:noFill/>
+          <a:ln>
+            <a:solidFill>
+              <a:srgbClr val="FF0000"/>
+            </a:solidFill>
+          </a:ln>
+        </p:spPr>
+        <p:style>
+          <a:lnRef idx="2">
+            <a:schemeClr val="accent1">
+              <a:shade val="50000"/>
+            </a:schemeClr>
+          </a:lnRef>
+          <a:fillRef idx="1">
+            <a:schemeClr val="accent1"/>
+          </a:fillRef>
+          <a:effectRef idx="0">
+            <a:schemeClr val="accent1"/>
+          </a:effectRef>
+          <a:fontRef idx="minor">
+            <a:schemeClr val="lt1"/>
+          </a:fontRef>
+        </p:style>
+        <p:txBody>
+          <a:bodyPr rtlCol="0" anchor="ctr"/>
+          <a:lstStyle/>
+          <a:p>
+            <a:pPr algn="ctr"/>
+            <a:endParaRPr lang="fr-FR"/>
+          </a:p>
+        </p:txBody>
+      </p:sp>
     </p:spTree>
     <p:extLst>
       <p:ext uri="{BB962C8B-B14F-4D97-AF65-F5344CB8AC3E}">
-        <p14:creationId xmlns:p14="http://schemas.microsoft.com/office/powerpoint/2010/main" val="553137553"/>
+        <p14:creationId xmlns:p14="http://schemas.microsoft.com/office/powerpoint/2010/main" val="2141656129"/>
+      </p:ext>
+    </p:extLst>
+  </p:cSld>
+  <p:clrMapOvr>
+    <a:masterClrMapping/>
+  </p:clrMapOvr>
+  <p:timing>
+    <p:tnLst>
+      <p:par>
+        <p:cTn id="1" dur="indefinite" restart="never" nodeType="tmRoot">
+          <p:childTnLst>
+            <p:seq concurrent="1" nextAc="seek">
+              <p:cTn id="2" dur="indefinite" nodeType="mainSeq">
+                <p:childTnLst>
+                  <p:par>
+                    <p:cTn id="3" fill="hold">
+                      <p:stCondLst>
+                        <p:cond delay="indefinite"/>
+                      </p:stCondLst>
+                      <p:childTnLst>
+                        <p:par>
+                          <p:cTn id="4" fill="hold">
+                            <p:stCondLst>
+                              <p:cond delay="0"/>
+                            </p:stCondLst>
+                            <p:childTnLst>
+                              <p:par>
+                                <p:cTn id="5" presetID="1" presetClass="entr" presetSubtype="0" fill="hold" nodeType="clickEffect">
+                                  <p:stCondLst>
+                                    <p:cond delay="0"/>
+                                  </p:stCondLst>
+                                  <p:childTnLst>
+                                    <p:set>
+                                      <p:cBhvr>
+                                        <p:cTn id="6" dur="1" fill="hold">
+                                          <p:stCondLst>
+                                            <p:cond delay="0"/>
+                                          </p:stCondLst>
+                                        </p:cTn>
+                                        <p:tgtEl>
+                                          <p:spTgt spid="6"/>
+                                        </p:tgtEl>
+                                        <p:attrNameLst>
+                                          <p:attrName>style.visibility</p:attrName>
+                                        </p:attrNameLst>
+                                      </p:cBhvr>
+                                      <p:to>
+                                        <p:strVal val="visible"/>
+                                      </p:to>
+                                    </p:set>
+                                  </p:childTnLst>
+                                </p:cTn>
+                              </p:par>
+                            </p:childTnLst>
+                          </p:cTn>
+                        </p:par>
+                      </p:childTnLst>
+                    </p:cTn>
+                  </p:par>
+                  <p:par>
+                    <p:cTn id="7" fill="hold">
+                      <p:stCondLst>
+                        <p:cond delay="indefinite"/>
+                      </p:stCondLst>
+                      <p:childTnLst>
+                        <p:par>
+                          <p:cTn id="8" fill="hold">
+                            <p:stCondLst>
+                              <p:cond delay="0"/>
+                            </p:stCondLst>
+                            <p:childTnLst>
+                              <p:par>
+                                <p:cTn id="9" presetID="1" presetClass="entr" presetSubtype="0" fill="hold" grpId="0" nodeType="clickEffect">
+                                  <p:stCondLst>
+                                    <p:cond delay="0"/>
+                                  </p:stCondLst>
+                                  <p:childTnLst>
+                                    <p:set>
+                                      <p:cBhvr>
+                                        <p:cTn id="10" dur="1" fill="hold">
+                                          <p:stCondLst>
+                                            <p:cond delay="0"/>
+                                          </p:stCondLst>
+                                        </p:cTn>
+                                        <p:tgtEl>
+                                          <p:spTgt spid="8"/>
+                                        </p:tgtEl>
+                                        <p:attrNameLst>
+                                          <p:attrName>style.visibility</p:attrName>
+                                        </p:attrNameLst>
+                                      </p:cBhvr>
+                                      <p:to>
+                                        <p:strVal val="visible"/>
+                                      </p:to>
+                                    </p:set>
+                                  </p:childTnLst>
+                                </p:cTn>
+                              </p:par>
+                            </p:childTnLst>
+                          </p:cTn>
+                        </p:par>
+                      </p:childTnLst>
+                    </p:cTn>
+                  </p:par>
+                  <p:par>
+                    <p:cTn id="11" fill="hold">
+                      <p:stCondLst>
+                        <p:cond delay="indefinite"/>
+                      </p:stCondLst>
+                      <p:childTnLst>
+                        <p:par>
+                          <p:cTn id="12" fill="hold">
+                            <p:stCondLst>
+                              <p:cond delay="0"/>
+                            </p:stCondLst>
+                            <p:childTnLst>
+                              <p:par>
+                                <p:cTn id="13" presetID="1" presetClass="exit" presetSubtype="0" fill="hold" nodeType="clickEffect">
+                                  <p:stCondLst>
+                                    <p:cond delay="0"/>
+                                  </p:stCondLst>
+                                  <p:childTnLst>
+                                    <p:set>
+                                      <p:cBhvr>
+                                        <p:cTn id="14" dur="1" fill="hold">
+                                          <p:stCondLst>
+                                            <p:cond delay="0"/>
+                                          </p:stCondLst>
+                                        </p:cTn>
+                                        <p:tgtEl>
+                                          <p:spTgt spid="6"/>
+                                        </p:tgtEl>
+                                        <p:attrNameLst>
+                                          <p:attrName>style.visibility</p:attrName>
+                                        </p:attrNameLst>
+                                      </p:cBhvr>
+                                      <p:to>
+                                        <p:strVal val="hidden"/>
+                                      </p:to>
+                                    </p:set>
+                                  </p:childTnLst>
+                                </p:cTn>
+                              </p:par>
+                              <p:par>
+                                <p:cTn id="15" presetID="1" presetClass="exit" presetSubtype="0" fill="hold" grpId="1" nodeType="withEffect">
+                                  <p:stCondLst>
+                                    <p:cond delay="0"/>
+                                  </p:stCondLst>
+                                  <p:childTnLst>
+                                    <p:set>
+                                      <p:cBhvr>
+                                        <p:cTn id="16" dur="1" fill="hold">
+                                          <p:stCondLst>
+                                            <p:cond delay="0"/>
+                                          </p:stCondLst>
+                                        </p:cTn>
+                                        <p:tgtEl>
+                                          <p:spTgt spid="8"/>
+                                        </p:tgtEl>
+                                        <p:attrNameLst>
+                                          <p:attrName>style.visibility</p:attrName>
+                                        </p:attrNameLst>
+                                      </p:cBhvr>
+                                      <p:to>
+                                        <p:strVal val="hidden"/>
+                                      </p:to>
+                                    </p:set>
+                                  </p:childTnLst>
+                                </p:cTn>
+                              </p:par>
+                              <p:par>
+                                <p:cTn id="17" presetID="1" presetClass="entr" presetSubtype="0" fill="hold" nodeType="withEffect">
+                                  <p:stCondLst>
+                                    <p:cond delay="0"/>
+                                  </p:stCondLst>
+                                  <p:childTnLst>
+                                    <p:set>
+                                      <p:cBhvr>
+                                        <p:cTn id="18" dur="1" fill="hold">
+                                          <p:stCondLst>
+                                            <p:cond delay="0"/>
+                                          </p:stCondLst>
+                                        </p:cTn>
+                                        <p:tgtEl>
+                                          <p:spTgt spid="7"/>
+                                        </p:tgtEl>
+                                        <p:attrNameLst>
+                                          <p:attrName>style.visibility</p:attrName>
+                                        </p:attrNameLst>
+                                      </p:cBhvr>
+                                      <p:to>
+                                        <p:strVal val="visible"/>
+                                      </p:to>
+                                    </p:set>
+                                  </p:childTnLst>
+                                </p:cTn>
+                              </p:par>
+                            </p:childTnLst>
+                          </p:cTn>
+                        </p:par>
+                      </p:childTnLst>
+                    </p:cTn>
+                  </p:par>
+                </p:childTnLst>
+              </p:cTn>
+              <p:prevCondLst>
+                <p:cond evt="onPrev" delay="0">
+                  <p:tgtEl>
+                    <p:sldTgt/>
+                  </p:tgtEl>
+                </p:cond>
+              </p:prevCondLst>
+              <p:nextCondLst>
+                <p:cond evt="onNext" delay="0">
+                  <p:tgtEl>
+                    <p:sldTgt/>
+                  </p:tgtEl>
+                </p:cond>
+              </p:nextCondLst>
+            </p:seq>
+          </p:childTnLst>
+        </p:cTn>
+      </p:par>
+    </p:tnLst>
+    <p:bldLst>
+      <p:bldP spid="8" grpId="0" animBg="1"/>
+      <p:bldP spid="8" grpId="1" animBg="1"/>
+    </p:bldLst>
+  </p:timing>
+</p:sld>
+</file>
+
+<file path=ppt/slides/slide11.xml><?xml version="1.0" encoding="utf-8"?>
+<p:sld xmlns:a="http://schemas.openxmlformats.org/drawingml/2006/main" xmlns:r="http://schemas.openxmlformats.org/officeDocument/2006/relationships" xmlns:p="http://schemas.openxmlformats.org/presentationml/2006/main">
+  <p:cSld>
+    <p:spTree>
+      <p:nvGrpSpPr>
+        <p:cNvPr id="1" name=""/>
+        <p:cNvGrpSpPr/>
+        <p:nvPr/>
+      </p:nvGrpSpPr>
+      <p:grpSpPr>
+        <a:xfrm>
+          <a:off x="0" y="0"/>
+          <a:ext cx="0" cy="0"/>
+          <a:chOff x="0" y="0"/>
+          <a:chExt cx="0" cy="0"/>
+        </a:xfrm>
+      </p:grpSpPr>
+      <p:sp>
+        <p:nvSpPr>
+          <p:cNvPr id="2" name="Titre 1">
+            <a:extLst>
+              <a:ext uri="{FF2B5EF4-FFF2-40B4-BE49-F238E27FC236}">
+                <a16:creationId xmlns:a16="http://schemas.microsoft.com/office/drawing/2014/main" id="{CAA876EA-FED9-49A0-94CB-4283459215B9}"/>
+              </a:ext>
+            </a:extLst>
+          </p:cNvPr>
+          <p:cNvSpPr>
+            <a:spLocks noGrp="1"/>
+          </p:cNvSpPr>
+          <p:nvPr>
+            <p:ph type="ctrTitle"/>
+          </p:nvPr>
+        </p:nvSpPr>
+        <p:spPr>
+          <a:xfrm>
+            <a:off x="617556" y="308472"/>
+            <a:ext cx="11058487" cy="1202063"/>
+          </a:xfrm>
+        </p:spPr>
+        <p:txBody>
+          <a:bodyPr>
+            <a:normAutofit/>
+          </a:bodyPr>
+          <a:lstStyle/>
+          <a:p>
+            <a:r>
+              <a:rPr lang="fr-FR" sz="6600" dirty="0"/>
+              <a:t>Analyse des centroïdes</a:t>
+            </a:r>
+          </a:p>
+        </p:txBody>
+      </p:sp>
+      <p:pic>
+        <p:nvPicPr>
+          <p:cNvPr id="4" name="Image 3">
+            <a:extLst>
+              <a:ext uri="{FF2B5EF4-FFF2-40B4-BE49-F238E27FC236}">
+                <a16:creationId xmlns:a16="http://schemas.microsoft.com/office/drawing/2014/main" id="{D86C892C-1E6D-41AC-9500-A62F2106E5BF}"/>
+              </a:ext>
+            </a:extLst>
+          </p:cNvPr>
+          <p:cNvPicPr>
+            <a:picLocks noChangeAspect="1"/>
+          </p:cNvPicPr>
+          <p:nvPr/>
+        </p:nvPicPr>
+        <p:blipFill>
+          <a:blip r:embed="rId2">
+            <a:extLst>
+              <a:ext uri="{28A0092B-C50C-407E-A947-70E740481C1C}">
+                <a14:useLocalDpi xmlns:a14="http://schemas.microsoft.com/office/drawing/2010/main" val="0"/>
+              </a:ext>
+            </a:extLst>
+          </a:blip>
+          <a:stretch>
+            <a:fillRect/>
+          </a:stretch>
+        </p:blipFill>
+        <p:spPr>
+          <a:xfrm>
+            <a:off x="10769600" y="5435600"/>
+            <a:ext cx="1422400" cy="1422400"/>
+          </a:xfrm>
+          <a:prstGeom prst="rect">
+            <a:avLst/>
+          </a:prstGeom>
+        </p:spPr>
+      </p:pic>
+      <p:pic>
+        <p:nvPicPr>
+          <p:cNvPr id="5" name="Image 4">
+            <a:extLst>
+              <a:ext uri="{FF2B5EF4-FFF2-40B4-BE49-F238E27FC236}">
+                <a16:creationId xmlns:a16="http://schemas.microsoft.com/office/drawing/2014/main" id="{70BE1955-1042-44E1-AD6C-A867D2F8F96E}"/>
+              </a:ext>
+            </a:extLst>
+          </p:cNvPr>
+          <p:cNvPicPr>
+            <a:picLocks noChangeAspect="1"/>
+          </p:cNvPicPr>
+          <p:nvPr/>
+        </p:nvPicPr>
+        <p:blipFill>
+          <a:blip r:embed="rId3"/>
+          <a:stretch>
+            <a:fillRect/>
+          </a:stretch>
+        </p:blipFill>
+        <p:spPr>
+          <a:xfrm>
+            <a:off x="253586" y="2458523"/>
+            <a:ext cx="11684828" cy="2977077"/>
+          </a:xfrm>
+          <a:prstGeom prst="rect">
+            <a:avLst/>
+          </a:prstGeom>
+        </p:spPr>
+      </p:pic>
+      <p:sp>
+        <p:nvSpPr>
+          <p:cNvPr id="6" name="Rectangle 5">
+            <a:extLst>
+              <a:ext uri="{FF2B5EF4-FFF2-40B4-BE49-F238E27FC236}">
+                <a16:creationId xmlns:a16="http://schemas.microsoft.com/office/drawing/2014/main" id="{DF1F40C8-83A6-4496-9F49-BBB4EDC0171B}"/>
+              </a:ext>
+            </a:extLst>
+          </p:cNvPr>
+          <p:cNvSpPr/>
+          <p:nvPr/>
+        </p:nvSpPr>
+        <p:spPr>
+          <a:xfrm>
+            <a:off x="253586" y="5089792"/>
+            <a:ext cx="11684828" cy="345807"/>
+          </a:xfrm>
+          <a:prstGeom prst="rect">
+            <a:avLst/>
+          </a:prstGeom>
+          <a:noFill/>
+          <a:ln>
+            <a:solidFill>
+              <a:srgbClr val="FF0000"/>
+            </a:solidFill>
+          </a:ln>
+        </p:spPr>
+        <p:style>
+          <a:lnRef idx="2">
+            <a:schemeClr val="accent1">
+              <a:shade val="50000"/>
+            </a:schemeClr>
+          </a:lnRef>
+          <a:fillRef idx="1">
+            <a:schemeClr val="accent1"/>
+          </a:fillRef>
+          <a:effectRef idx="0">
+            <a:schemeClr val="accent1"/>
+          </a:effectRef>
+          <a:fontRef idx="minor">
+            <a:schemeClr val="lt1"/>
+          </a:fontRef>
+        </p:style>
+        <p:txBody>
+          <a:bodyPr rtlCol="0" anchor="ctr"/>
+          <a:lstStyle/>
+          <a:p>
+            <a:pPr algn="ctr"/>
+            <a:endParaRPr lang="fr-FR"/>
+          </a:p>
+        </p:txBody>
+      </p:sp>
+    </p:spTree>
+    <p:extLst>
+      <p:ext uri="{BB962C8B-B14F-4D97-AF65-F5344CB8AC3E}">
+        <p14:creationId xmlns:p14="http://schemas.microsoft.com/office/powerpoint/2010/main" val="2562231358"/>
       </p:ext>
     </p:extLst>
   </p:cSld>
@@ -4517,7 +5415,2300 @@
 </p:sld>
 </file>
 
-<file path=ppt/slides/slide11.xml><?xml version="1.0" encoding="utf-8"?>
+<file path=ppt/slides/slide12.xml><?xml version="1.0" encoding="utf-8"?>
+<p:sld xmlns:a="http://schemas.openxmlformats.org/drawingml/2006/main" xmlns:r="http://schemas.openxmlformats.org/officeDocument/2006/relationships" xmlns:p="http://schemas.openxmlformats.org/presentationml/2006/main">
+  <p:cSld>
+    <p:spTree>
+      <p:nvGrpSpPr>
+        <p:cNvPr id="1" name=""/>
+        <p:cNvGrpSpPr/>
+        <p:nvPr/>
+      </p:nvGrpSpPr>
+      <p:grpSpPr>
+        <a:xfrm>
+          <a:off x="0" y="0"/>
+          <a:ext cx="0" cy="0"/>
+          <a:chOff x="0" y="0"/>
+          <a:chExt cx="0" cy="0"/>
+        </a:xfrm>
+      </p:grpSpPr>
+      <p:sp>
+        <p:nvSpPr>
+          <p:cNvPr id="2" name="Titre 1">
+            <a:extLst>
+              <a:ext uri="{FF2B5EF4-FFF2-40B4-BE49-F238E27FC236}">
+                <a16:creationId xmlns:a16="http://schemas.microsoft.com/office/drawing/2014/main" id="{CAA876EA-FED9-49A0-94CB-4283459215B9}"/>
+              </a:ext>
+            </a:extLst>
+          </p:cNvPr>
+          <p:cNvSpPr>
+            <a:spLocks noGrp="1"/>
+          </p:cNvSpPr>
+          <p:nvPr>
+            <p:ph type="ctrTitle"/>
+          </p:nvPr>
+        </p:nvSpPr>
+        <p:spPr>
+          <a:xfrm>
+            <a:off x="1524000" y="335279"/>
+            <a:ext cx="9144000" cy="1041083"/>
+          </a:xfrm>
+        </p:spPr>
+        <p:txBody>
+          <a:bodyPr>
+            <a:normAutofit/>
+          </a:bodyPr>
+          <a:lstStyle/>
+          <a:p>
+            <a:r>
+              <a:rPr lang="fr-FR" dirty="0"/>
+              <a:t>ACP sur les partitions</a:t>
+            </a:r>
+          </a:p>
+        </p:txBody>
+      </p:sp>
+      <p:pic>
+        <p:nvPicPr>
+          <p:cNvPr id="4" name="Image 3">
+            <a:extLst>
+              <a:ext uri="{FF2B5EF4-FFF2-40B4-BE49-F238E27FC236}">
+                <a16:creationId xmlns:a16="http://schemas.microsoft.com/office/drawing/2014/main" id="{D86C892C-1E6D-41AC-9500-A62F2106E5BF}"/>
+              </a:ext>
+            </a:extLst>
+          </p:cNvPr>
+          <p:cNvPicPr>
+            <a:picLocks noChangeAspect="1"/>
+          </p:cNvPicPr>
+          <p:nvPr/>
+        </p:nvPicPr>
+        <p:blipFill>
+          <a:blip r:embed="rId2">
+            <a:extLst>
+              <a:ext uri="{28A0092B-C50C-407E-A947-70E740481C1C}">
+                <a14:useLocalDpi xmlns:a14="http://schemas.microsoft.com/office/drawing/2010/main" val="0"/>
+              </a:ext>
+            </a:extLst>
+          </a:blip>
+          <a:stretch>
+            <a:fillRect/>
+          </a:stretch>
+        </p:blipFill>
+        <p:spPr>
+          <a:xfrm>
+            <a:off x="10769600" y="5435600"/>
+            <a:ext cx="1422400" cy="1422400"/>
+          </a:xfrm>
+          <a:prstGeom prst="rect">
+            <a:avLst/>
+          </a:prstGeom>
+        </p:spPr>
+      </p:pic>
+      <p:pic>
+        <p:nvPicPr>
+          <p:cNvPr id="9" name="Image 8">
+            <a:extLst>
+              <a:ext uri="{FF2B5EF4-FFF2-40B4-BE49-F238E27FC236}">
+                <a16:creationId xmlns:a16="http://schemas.microsoft.com/office/drawing/2014/main" id="{C9230A34-03C6-493D-9CC9-6EAFF5EAD5AD}"/>
+              </a:ext>
+            </a:extLst>
+          </p:cNvPr>
+          <p:cNvPicPr>
+            <a:picLocks noChangeAspect="1"/>
+          </p:cNvPicPr>
+          <p:nvPr/>
+        </p:nvPicPr>
+        <p:blipFill rotWithShape="1">
+          <a:blip r:embed="rId3">
+            <a:extLst>
+              <a:ext uri="{28A0092B-C50C-407E-A947-70E740481C1C}">
+                <a14:useLocalDpi xmlns:a14="http://schemas.microsoft.com/office/drawing/2010/main" val="0"/>
+              </a:ext>
+            </a:extLst>
+          </a:blip>
+          <a:srcRect l="2027" t="4590" r="8322"/>
+          <a:stretch/>
+        </p:blipFill>
+        <p:spPr>
+          <a:xfrm>
+            <a:off x="2475711" y="1385596"/>
+            <a:ext cx="7240578" cy="5137125"/>
+          </a:xfrm>
+          <a:prstGeom prst="rect">
+            <a:avLst/>
+          </a:prstGeom>
+        </p:spPr>
+      </p:pic>
+    </p:spTree>
+    <p:extLst>
+      <p:ext uri="{BB962C8B-B14F-4D97-AF65-F5344CB8AC3E}">
+        <p14:creationId xmlns:p14="http://schemas.microsoft.com/office/powerpoint/2010/main" val="2925701291"/>
+      </p:ext>
+    </p:extLst>
+  </p:cSld>
+  <p:clrMapOvr>
+    <a:masterClrMapping/>
+  </p:clrMapOvr>
+</p:sld>
+</file>
+
+<file path=ppt/slides/slide13.xml><?xml version="1.0" encoding="utf-8"?>
+<p:sld xmlns:a="http://schemas.openxmlformats.org/drawingml/2006/main" xmlns:r="http://schemas.openxmlformats.org/officeDocument/2006/relationships" xmlns:p="http://schemas.openxmlformats.org/presentationml/2006/main">
+  <p:cSld>
+    <p:spTree>
+      <p:nvGrpSpPr>
+        <p:cNvPr id="1" name=""/>
+        <p:cNvGrpSpPr/>
+        <p:nvPr/>
+      </p:nvGrpSpPr>
+      <p:grpSpPr>
+        <a:xfrm>
+          <a:off x="0" y="0"/>
+          <a:ext cx="0" cy="0"/>
+          <a:chOff x="0" y="0"/>
+          <a:chExt cx="0" cy="0"/>
+        </a:xfrm>
+      </p:grpSpPr>
+      <p:sp>
+        <p:nvSpPr>
+          <p:cNvPr id="2" name="Titre 1">
+            <a:extLst>
+              <a:ext uri="{FF2B5EF4-FFF2-40B4-BE49-F238E27FC236}">
+                <a16:creationId xmlns:a16="http://schemas.microsoft.com/office/drawing/2014/main" id="{CAA876EA-FED9-49A0-94CB-4283459215B9}"/>
+              </a:ext>
+            </a:extLst>
+          </p:cNvPr>
+          <p:cNvSpPr>
+            <a:spLocks noGrp="1"/>
+          </p:cNvSpPr>
+          <p:nvPr>
+            <p:ph type="ctrTitle"/>
+          </p:nvPr>
+        </p:nvSpPr>
+        <p:spPr>
+          <a:xfrm>
+            <a:off x="1524000" y="335279"/>
+            <a:ext cx="9144000" cy="1041083"/>
+          </a:xfrm>
+        </p:spPr>
+        <p:txBody>
+          <a:bodyPr>
+            <a:normAutofit/>
+          </a:bodyPr>
+          <a:lstStyle/>
+          <a:p>
+            <a:r>
+              <a:rPr lang="fr-FR" dirty="0"/>
+              <a:t>ACP sur les partitions</a:t>
+            </a:r>
+          </a:p>
+        </p:txBody>
+      </p:sp>
+      <p:pic>
+        <p:nvPicPr>
+          <p:cNvPr id="4" name="Image 3">
+            <a:extLst>
+              <a:ext uri="{FF2B5EF4-FFF2-40B4-BE49-F238E27FC236}">
+                <a16:creationId xmlns:a16="http://schemas.microsoft.com/office/drawing/2014/main" id="{D86C892C-1E6D-41AC-9500-A62F2106E5BF}"/>
+              </a:ext>
+            </a:extLst>
+          </p:cNvPr>
+          <p:cNvPicPr>
+            <a:picLocks noChangeAspect="1"/>
+          </p:cNvPicPr>
+          <p:nvPr/>
+        </p:nvPicPr>
+        <p:blipFill>
+          <a:blip r:embed="rId3">
+            <a:extLst>
+              <a:ext uri="{28A0092B-C50C-407E-A947-70E740481C1C}">
+                <a14:useLocalDpi xmlns:a14="http://schemas.microsoft.com/office/drawing/2010/main" val="0"/>
+              </a:ext>
+            </a:extLst>
+          </a:blip>
+          <a:stretch>
+            <a:fillRect/>
+          </a:stretch>
+        </p:blipFill>
+        <p:spPr>
+          <a:xfrm>
+            <a:off x="10769600" y="5435600"/>
+            <a:ext cx="1422400" cy="1422400"/>
+          </a:xfrm>
+          <a:prstGeom prst="rect">
+            <a:avLst/>
+          </a:prstGeom>
+        </p:spPr>
+      </p:pic>
+      <p:pic>
+        <p:nvPicPr>
+          <p:cNvPr id="5" name="Image 4">
+            <a:extLst>
+              <a:ext uri="{FF2B5EF4-FFF2-40B4-BE49-F238E27FC236}">
+                <a16:creationId xmlns:a16="http://schemas.microsoft.com/office/drawing/2014/main" id="{CE14DD8F-F92A-4ED6-B626-DC4ED2F57B1E}"/>
+              </a:ext>
+            </a:extLst>
+          </p:cNvPr>
+          <p:cNvPicPr>
+            <a:picLocks noChangeAspect="1"/>
+          </p:cNvPicPr>
+          <p:nvPr/>
+        </p:nvPicPr>
+        <p:blipFill rotWithShape="1">
+          <a:blip r:embed="rId4">
+            <a:extLst>
+              <a:ext uri="{28A0092B-C50C-407E-A947-70E740481C1C}">
+                <a14:useLocalDpi xmlns:a14="http://schemas.microsoft.com/office/drawing/2010/main" val="0"/>
+              </a:ext>
+            </a:extLst>
+          </a:blip>
+          <a:srcRect t="7316" r="7382" b="4478"/>
+          <a:stretch/>
+        </p:blipFill>
+        <p:spPr>
+          <a:xfrm>
+            <a:off x="2712538" y="1376362"/>
+            <a:ext cx="6766923" cy="5523876"/>
+          </a:xfrm>
+          <a:prstGeom prst="rect">
+            <a:avLst/>
+          </a:prstGeom>
+        </p:spPr>
+      </p:pic>
+    </p:spTree>
+    <p:extLst>
+      <p:ext uri="{BB962C8B-B14F-4D97-AF65-F5344CB8AC3E}">
+        <p14:creationId xmlns:p14="http://schemas.microsoft.com/office/powerpoint/2010/main" val="2897083410"/>
+      </p:ext>
+    </p:extLst>
+  </p:cSld>
+  <p:clrMapOvr>
+    <a:masterClrMapping/>
+  </p:clrMapOvr>
+</p:sld>
+</file>
+
+<file path=ppt/slides/slide14.xml><?xml version="1.0" encoding="utf-8"?>
+<p:sld xmlns:a="http://schemas.openxmlformats.org/drawingml/2006/main" xmlns:r="http://schemas.openxmlformats.org/officeDocument/2006/relationships" xmlns:p="http://schemas.openxmlformats.org/presentationml/2006/main">
+  <p:cSld>
+    <p:spTree>
+      <p:nvGrpSpPr>
+        <p:cNvPr id="1" name=""/>
+        <p:cNvGrpSpPr/>
+        <p:nvPr/>
+      </p:nvGrpSpPr>
+      <p:grpSpPr>
+        <a:xfrm>
+          <a:off x="0" y="0"/>
+          <a:ext cx="0" cy="0"/>
+          <a:chOff x="0" y="0"/>
+          <a:chExt cx="0" cy="0"/>
+        </a:xfrm>
+      </p:grpSpPr>
+      <p:pic>
+        <p:nvPicPr>
+          <p:cNvPr id="4" name="Image 3">
+            <a:extLst>
+              <a:ext uri="{FF2B5EF4-FFF2-40B4-BE49-F238E27FC236}">
+                <a16:creationId xmlns:a16="http://schemas.microsoft.com/office/drawing/2014/main" id="{D86C892C-1E6D-41AC-9500-A62F2106E5BF}"/>
+              </a:ext>
+            </a:extLst>
+          </p:cNvPr>
+          <p:cNvPicPr>
+            <a:picLocks noChangeAspect="1"/>
+          </p:cNvPicPr>
+          <p:nvPr/>
+        </p:nvPicPr>
+        <p:blipFill>
+          <a:blip r:embed="rId3">
+            <a:extLst>
+              <a:ext uri="{28A0092B-C50C-407E-A947-70E740481C1C}">
+                <a14:useLocalDpi xmlns:a14="http://schemas.microsoft.com/office/drawing/2010/main" val="0"/>
+              </a:ext>
+            </a:extLst>
+          </a:blip>
+          <a:stretch>
+            <a:fillRect/>
+          </a:stretch>
+        </p:blipFill>
+        <p:spPr>
+          <a:xfrm>
+            <a:off x="10769600" y="5435600"/>
+            <a:ext cx="1422400" cy="1422400"/>
+          </a:xfrm>
+          <a:prstGeom prst="rect">
+            <a:avLst/>
+          </a:prstGeom>
+        </p:spPr>
+      </p:pic>
+      <p:pic>
+        <p:nvPicPr>
+          <p:cNvPr id="7" name="Image 6">
+            <a:extLst>
+              <a:ext uri="{FF2B5EF4-FFF2-40B4-BE49-F238E27FC236}">
+                <a16:creationId xmlns:a16="http://schemas.microsoft.com/office/drawing/2014/main" id="{7D278D94-694A-4B5A-A871-FCD61C726A5E}"/>
+              </a:ext>
+            </a:extLst>
+          </p:cNvPr>
+          <p:cNvPicPr>
+            <a:picLocks noChangeAspect="1"/>
+          </p:cNvPicPr>
+          <p:nvPr/>
+        </p:nvPicPr>
+        <p:blipFill rotWithShape="1">
+          <a:blip r:embed="rId4">
+            <a:extLst>
+              <a:ext uri="{28A0092B-C50C-407E-A947-70E740481C1C}">
+                <a14:useLocalDpi xmlns:a14="http://schemas.microsoft.com/office/drawing/2010/main" val="0"/>
+              </a:ext>
+            </a:extLst>
+          </a:blip>
+          <a:srcRect t="6593" r="6350" b="4277"/>
+          <a:stretch/>
+        </p:blipFill>
+        <p:spPr>
+          <a:xfrm>
+            <a:off x="6976749" y="246190"/>
+            <a:ext cx="4964019" cy="4049518"/>
+          </a:xfrm>
+          <a:prstGeom prst="rect">
+            <a:avLst/>
+          </a:prstGeom>
+        </p:spPr>
+      </p:pic>
+      <p:pic>
+        <p:nvPicPr>
+          <p:cNvPr id="10" name="Image 9">
+            <a:extLst>
+              <a:ext uri="{FF2B5EF4-FFF2-40B4-BE49-F238E27FC236}">
+                <a16:creationId xmlns:a16="http://schemas.microsoft.com/office/drawing/2014/main" id="{BA038C8D-93E7-450B-AAB1-F8074F5087D5}"/>
+              </a:ext>
+            </a:extLst>
+          </p:cNvPr>
+          <p:cNvPicPr>
+            <a:picLocks noChangeAspect="1"/>
+          </p:cNvPicPr>
+          <p:nvPr/>
+        </p:nvPicPr>
+        <p:blipFill>
+          <a:blip r:embed="rId5"/>
+          <a:stretch>
+            <a:fillRect/>
+          </a:stretch>
+        </p:blipFill>
+        <p:spPr>
+          <a:xfrm>
+            <a:off x="832792" y="4468209"/>
+            <a:ext cx="10510711" cy="947040"/>
+          </a:xfrm>
+          <a:prstGeom prst="rect">
+            <a:avLst/>
+          </a:prstGeom>
+        </p:spPr>
+      </p:pic>
+      <p:pic>
+        <p:nvPicPr>
+          <p:cNvPr id="11" name="Image 10">
+            <a:extLst>
+              <a:ext uri="{FF2B5EF4-FFF2-40B4-BE49-F238E27FC236}">
+                <a16:creationId xmlns:a16="http://schemas.microsoft.com/office/drawing/2014/main" id="{B30D47B7-EC65-4ED9-A352-B24ECA80C776}"/>
+              </a:ext>
+            </a:extLst>
+          </p:cNvPr>
+          <p:cNvPicPr>
+            <a:picLocks noChangeAspect="1"/>
+          </p:cNvPicPr>
+          <p:nvPr/>
+        </p:nvPicPr>
+        <p:blipFill rotWithShape="1">
+          <a:blip r:embed="rId6">
+            <a:extLst>
+              <a:ext uri="{28A0092B-C50C-407E-A947-70E740481C1C}">
+                <a14:useLocalDpi xmlns:a14="http://schemas.microsoft.com/office/drawing/2010/main" val="0"/>
+              </a:ext>
+            </a:extLst>
+          </a:blip>
+          <a:srcRect t="7316" r="7382" b="4478"/>
+          <a:stretch/>
+        </p:blipFill>
+        <p:spPr>
+          <a:xfrm>
+            <a:off x="251232" y="246190"/>
+            <a:ext cx="4960788" cy="4049518"/>
+          </a:xfrm>
+          <a:prstGeom prst="rect">
+            <a:avLst/>
+          </a:prstGeom>
+        </p:spPr>
+      </p:pic>
+      <p:sp>
+        <p:nvSpPr>
+          <p:cNvPr id="8" name="Rectangle 7">
+            <a:extLst>
+              <a:ext uri="{FF2B5EF4-FFF2-40B4-BE49-F238E27FC236}">
+                <a16:creationId xmlns:a16="http://schemas.microsoft.com/office/drawing/2014/main" id="{1C60012B-E5EB-4736-B185-731AB3970E92}"/>
+              </a:ext>
+            </a:extLst>
+          </p:cNvPr>
+          <p:cNvSpPr/>
+          <p:nvPr/>
+        </p:nvSpPr>
+        <p:spPr>
+          <a:xfrm>
+            <a:off x="2940908" y="1729946"/>
+            <a:ext cx="2271112" cy="630195"/>
+          </a:xfrm>
+          <a:prstGeom prst="rect">
+            <a:avLst/>
+          </a:prstGeom>
+          <a:noFill/>
+          <a:ln>
+            <a:solidFill>
+              <a:srgbClr val="FF0000"/>
+            </a:solidFill>
+          </a:ln>
+        </p:spPr>
+        <p:style>
+          <a:lnRef idx="2">
+            <a:schemeClr val="accent1">
+              <a:shade val="50000"/>
+            </a:schemeClr>
+          </a:lnRef>
+          <a:fillRef idx="1">
+            <a:schemeClr val="accent1"/>
+          </a:fillRef>
+          <a:effectRef idx="0">
+            <a:schemeClr val="accent1"/>
+          </a:effectRef>
+          <a:fontRef idx="minor">
+            <a:schemeClr val="lt1"/>
+          </a:fontRef>
+        </p:style>
+        <p:txBody>
+          <a:bodyPr rtlCol="0" anchor="ctr"/>
+          <a:lstStyle/>
+          <a:p>
+            <a:pPr algn="ctr"/>
+            <a:endParaRPr lang="fr-FR"/>
+          </a:p>
+        </p:txBody>
+      </p:sp>
+      <p:sp>
+        <p:nvSpPr>
+          <p:cNvPr id="12" name="Flèche : droite 11">
+            <a:extLst>
+              <a:ext uri="{FF2B5EF4-FFF2-40B4-BE49-F238E27FC236}">
+                <a16:creationId xmlns:a16="http://schemas.microsoft.com/office/drawing/2014/main" id="{15236EC8-FCC0-41DF-BC90-87C37D338F2A}"/>
+              </a:ext>
+            </a:extLst>
+          </p:cNvPr>
+          <p:cNvSpPr/>
+          <p:nvPr/>
+        </p:nvSpPr>
+        <p:spPr>
+          <a:xfrm>
+            <a:off x="5362832" y="1890584"/>
+            <a:ext cx="1507525" cy="296562"/>
+          </a:xfrm>
+          <a:prstGeom prst="rightArrow">
+            <a:avLst/>
+          </a:prstGeom>
+          <a:solidFill>
+            <a:srgbClr val="FF0000"/>
+          </a:solidFill>
+          <a:ln>
+            <a:solidFill>
+              <a:srgbClr val="FF0000"/>
+            </a:solidFill>
+          </a:ln>
+        </p:spPr>
+        <p:style>
+          <a:lnRef idx="2">
+            <a:schemeClr val="accent1">
+              <a:shade val="50000"/>
+            </a:schemeClr>
+          </a:lnRef>
+          <a:fillRef idx="1">
+            <a:schemeClr val="accent1"/>
+          </a:fillRef>
+          <a:effectRef idx="0">
+            <a:schemeClr val="accent1"/>
+          </a:effectRef>
+          <a:fontRef idx="minor">
+            <a:schemeClr val="lt1"/>
+          </a:fontRef>
+        </p:style>
+        <p:txBody>
+          <a:bodyPr rtlCol="0" anchor="ctr"/>
+          <a:lstStyle/>
+          <a:p>
+            <a:pPr algn="ctr"/>
+            <a:endParaRPr lang="fr-FR"/>
+          </a:p>
+        </p:txBody>
+      </p:sp>
+      <p:sp>
+        <p:nvSpPr>
+          <p:cNvPr id="13" name="Rectangle 12">
+            <a:extLst>
+              <a:ext uri="{FF2B5EF4-FFF2-40B4-BE49-F238E27FC236}">
+                <a16:creationId xmlns:a16="http://schemas.microsoft.com/office/drawing/2014/main" id="{46677593-5076-4EEC-8B27-5339C3C9A9A2}"/>
+              </a:ext>
+            </a:extLst>
+          </p:cNvPr>
+          <p:cNvSpPr/>
+          <p:nvPr/>
+        </p:nvSpPr>
+        <p:spPr>
+          <a:xfrm>
+            <a:off x="4460789" y="4439621"/>
+            <a:ext cx="1062681" cy="995979"/>
+          </a:xfrm>
+          <a:prstGeom prst="rect">
+            <a:avLst/>
+          </a:prstGeom>
+          <a:noFill/>
+          <a:ln>
+            <a:solidFill>
+              <a:srgbClr val="FF0000"/>
+            </a:solidFill>
+          </a:ln>
+        </p:spPr>
+        <p:style>
+          <a:lnRef idx="2">
+            <a:schemeClr val="accent1">
+              <a:shade val="50000"/>
+            </a:schemeClr>
+          </a:lnRef>
+          <a:fillRef idx="1">
+            <a:schemeClr val="accent1"/>
+          </a:fillRef>
+          <a:effectRef idx="0">
+            <a:schemeClr val="accent1"/>
+          </a:effectRef>
+          <a:fontRef idx="minor">
+            <a:schemeClr val="lt1"/>
+          </a:fontRef>
+        </p:style>
+        <p:txBody>
+          <a:bodyPr rtlCol="0" anchor="ctr"/>
+          <a:lstStyle/>
+          <a:p>
+            <a:pPr algn="ctr"/>
+            <a:endParaRPr lang="fr-FR"/>
+          </a:p>
+        </p:txBody>
+      </p:sp>
+      <p:sp>
+        <p:nvSpPr>
+          <p:cNvPr id="14" name="Rectangle 13">
+            <a:extLst>
+              <a:ext uri="{FF2B5EF4-FFF2-40B4-BE49-F238E27FC236}">
+                <a16:creationId xmlns:a16="http://schemas.microsoft.com/office/drawing/2014/main" id="{C950B227-67BF-4D9E-8B32-81B0316AB00B}"/>
+              </a:ext>
+            </a:extLst>
+          </p:cNvPr>
+          <p:cNvSpPr/>
+          <p:nvPr/>
+        </p:nvSpPr>
+        <p:spPr>
+          <a:xfrm>
+            <a:off x="6339016" y="4439621"/>
+            <a:ext cx="1062681" cy="995979"/>
+          </a:xfrm>
+          <a:prstGeom prst="rect">
+            <a:avLst/>
+          </a:prstGeom>
+          <a:noFill/>
+          <a:ln>
+            <a:solidFill>
+              <a:srgbClr val="FF0000"/>
+            </a:solidFill>
+          </a:ln>
+        </p:spPr>
+        <p:style>
+          <a:lnRef idx="2">
+            <a:schemeClr val="accent1">
+              <a:shade val="50000"/>
+            </a:schemeClr>
+          </a:lnRef>
+          <a:fillRef idx="1">
+            <a:schemeClr val="accent1"/>
+          </a:fillRef>
+          <a:effectRef idx="0">
+            <a:schemeClr val="accent1"/>
+          </a:effectRef>
+          <a:fontRef idx="minor">
+            <a:schemeClr val="lt1"/>
+          </a:fontRef>
+        </p:style>
+        <p:txBody>
+          <a:bodyPr rtlCol="0" anchor="ctr"/>
+          <a:lstStyle/>
+          <a:p>
+            <a:pPr algn="ctr"/>
+            <a:endParaRPr lang="fr-FR"/>
+          </a:p>
+        </p:txBody>
+      </p:sp>
+      <p:sp>
+        <p:nvSpPr>
+          <p:cNvPr id="15" name="Rectangle 14">
+            <a:extLst>
+              <a:ext uri="{FF2B5EF4-FFF2-40B4-BE49-F238E27FC236}">
+                <a16:creationId xmlns:a16="http://schemas.microsoft.com/office/drawing/2014/main" id="{890F456B-98FE-4454-9528-C5FC1035000B}"/>
+              </a:ext>
+            </a:extLst>
+          </p:cNvPr>
+          <p:cNvSpPr/>
+          <p:nvPr/>
+        </p:nvSpPr>
+        <p:spPr>
+          <a:xfrm>
+            <a:off x="2821460" y="4439621"/>
+            <a:ext cx="1062681" cy="995979"/>
+          </a:xfrm>
+          <a:prstGeom prst="rect">
+            <a:avLst/>
+          </a:prstGeom>
+          <a:noFill/>
+          <a:ln>
+            <a:solidFill>
+              <a:srgbClr val="FF0000"/>
+            </a:solidFill>
+          </a:ln>
+        </p:spPr>
+        <p:style>
+          <a:lnRef idx="2">
+            <a:schemeClr val="accent1">
+              <a:shade val="50000"/>
+            </a:schemeClr>
+          </a:lnRef>
+          <a:fillRef idx="1">
+            <a:schemeClr val="accent1"/>
+          </a:fillRef>
+          <a:effectRef idx="0">
+            <a:schemeClr val="accent1"/>
+          </a:effectRef>
+          <a:fontRef idx="minor">
+            <a:schemeClr val="lt1"/>
+          </a:fontRef>
+        </p:style>
+        <p:txBody>
+          <a:bodyPr rtlCol="0" anchor="ctr"/>
+          <a:lstStyle/>
+          <a:p>
+            <a:pPr algn="ctr"/>
+            <a:endParaRPr lang="fr-FR"/>
+          </a:p>
+        </p:txBody>
+      </p:sp>
+      <p:sp>
+        <p:nvSpPr>
+          <p:cNvPr id="16" name="Rectangle 15">
+            <a:extLst>
+              <a:ext uri="{FF2B5EF4-FFF2-40B4-BE49-F238E27FC236}">
+                <a16:creationId xmlns:a16="http://schemas.microsoft.com/office/drawing/2014/main" id="{90F84161-BEB2-437E-9EB6-D529FF77C41E}"/>
+              </a:ext>
+            </a:extLst>
+          </p:cNvPr>
+          <p:cNvSpPr/>
+          <p:nvPr/>
+        </p:nvSpPr>
+        <p:spPr>
+          <a:xfrm>
+            <a:off x="9020431" y="4439620"/>
+            <a:ext cx="1329385" cy="995979"/>
+          </a:xfrm>
+          <a:prstGeom prst="rect">
+            <a:avLst/>
+          </a:prstGeom>
+          <a:noFill/>
+          <a:ln>
+            <a:solidFill>
+              <a:srgbClr val="FF0000"/>
+            </a:solidFill>
+          </a:ln>
+        </p:spPr>
+        <p:style>
+          <a:lnRef idx="2">
+            <a:schemeClr val="accent1">
+              <a:shade val="50000"/>
+            </a:schemeClr>
+          </a:lnRef>
+          <a:fillRef idx="1">
+            <a:schemeClr val="accent1"/>
+          </a:fillRef>
+          <a:effectRef idx="0">
+            <a:schemeClr val="accent1"/>
+          </a:effectRef>
+          <a:fontRef idx="minor">
+            <a:schemeClr val="lt1"/>
+          </a:fontRef>
+        </p:style>
+        <p:txBody>
+          <a:bodyPr rtlCol="0" anchor="ctr"/>
+          <a:lstStyle/>
+          <a:p>
+            <a:pPr algn="ctr"/>
+            <a:endParaRPr lang="fr-FR"/>
+          </a:p>
+        </p:txBody>
+      </p:sp>
+    </p:spTree>
+    <p:extLst>
+      <p:ext uri="{BB962C8B-B14F-4D97-AF65-F5344CB8AC3E}">
+        <p14:creationId xmlns:p14="http://schemas.microsoft.com/office/powerpoint/2010/main" val="3417232197"/>
+      </p:ext>
+    </p:extLst>
+  </p:cSld>
+  <p:clrMapOvr>
+    <a:masterClrMapping/>
+  </p:clrMapOvr>
+  <p:timing>
+    <p:tnLst>
+      <p:par>
+        <p:cTn id="1" dur="indefinite" restart="never" nodeType="tmRoot">
+          <p:childTnLst>
+            <p:seq concurrent="1" nextAc="seek">
+              <p:cTn id="2" dur="indefinite" nodeType="mainSeq">
+                <p:childTnLst>
+                  <p:par>
+                    <p:cTn id="3" fill="hold">
+                      <p:stCondLst>
+                        <p:cond delay="indefinite"/>
+                      </p:stCondLst>
+                      <p:childTnLst>
+                        <p:par>
+                          <p:cTn id="4" fill="hold">
+                            <p:stCondLst>
+                              <p:cond delay="0"/>
+                            </p:stCondLst>
+                            <p:childTnLst>
+                              <p:par>
+                                <p:cTn id="5" presetID="1" presetClass="entr" presetSubtype="0" fill="hold" grpId="0" nodeType="clickEffect">
+                                  <p:stCondLst>
+                                    <p:cond delay="0"/>
+                                  </p:stCondLst>
+                                  <p:childTnLst>
+                                    <p:set>
+                                      <p:cBhvr>
+                                        <p:cTn id="6" dur="1" fill="hold">
+                                          <p:stCondLst>
+                                            <p:cond delay="0"/>
+                                          </p:stCondLst>
+                                        </p:cTn>
+                                        <p:tgtEl>
+                                          <p:spTgt spid="8"/>
+                                        </p:tgtEl>
+                                        <p:attrNameLst>
+                                          <p:attrName>style.visibility</p:attrName>
+                                        </p:attrNameLst>
+                                      </p:cBhvr>
+                                      <p:to>
+                                        <p:strVal val="visible"/>
+                                      </p:to>
+                                    </p:set>
+                                  </p:childTnLst>
+                                </p:cTn>
+                              </p:par>
+                              <p:par>
+                                <p:cTn id="7" presetID="1" presetClass="entr" presetSubtype="0" fill="hold" grpId="0" nodeType="withEffect">
+                                  <p:stCondLst>
+                                    <p:cond delay="0"/>
+                                  </p:stCondLst>
+                                  <p:childTnLst>
+                                    <p:set>
+                                      <p:cBhvr>
+                                        <p:cTn id="8" dur="1" fill="hold">
+                                          <p:stCondLst>
+                                            <p:cond delay="0"/>
+                                          </p:stCondLst>
+                                        </p:cTn>
+                                        <p:tgtEl>
+                                          <p:spTgt spid="12"/>
+                                        </p:tgtEl>
+                                        <p:attrNameLst>
+                                          <p:attrName>style.visibility</p:attrName>
+                                        </p:attrNameLst>
+                                      </p:cBhvr>
+                                      <p:to>
+                                        <p:strVal val="visible"/>
+                                      </p:to>
+                                    </p:set>
+                                  </p:childTnLst>
+                                </p:cTn>
+                              </p:par>
+                            </p:childTnLst>
+                          </p:cTn>
+                        </p:par>
+                      </p:childTnLst>
+                    </p:cTn>
+                  </p:par>
+                  <p:par>
+                    <p:cTn id="9" fill="hold">
+                      <p:stCondLst>
+                        <p:cond delay="indefinite"/>
+                      </p:stCondLst>
+                      <p:childTnLst>
+                        <p:par>
+                          <p:cTn id="10" fill="hold">
+                            <p:stCondLst>
+                              <p:cond delay="0"/>
+                            </p:stCondLst>
+                            <p:childTnLst>
+                              <p:par>
+                                <p:cTn id="11" presetID="1" presetClass="entr" presetSubtype="0" fill="hold" nodeType="clickEffect">
+                                  <p:stCondLst>
+                                    <p:cond delay="0"/>
+                                  </p:stCondLst>
+                                  <p:childTnLst>
+                                    <p:set>
+                                      <p:cBhvr>
+                                        <p:cTn id="12" dur="1" fill="hold">
+                                          <p:stCondLst>
+                                            <p:cond delay="0"/>
+                                          </p:stCondLst>
+                                        </p:cTn>
+                                        <p:tgtEl>
+                                          <p:spTgt spid="7"/>
+                                        </p:tgtEl>
+                                        <p:attrNameLst>
+                                          <p:attrName>style.visibility</p:attrName>
+                                        </p:attrNameLst>
+                                      </p:cBhvr>
+                                      <p:to>
+                                        <p:strVal val="visible"/>
+                                      </p:to>
+                                    </p:set>
+                                  </p:childTnLst>
+                                </p:cTn>
+                              </p:par>
+                            </p:childTnLst>
+                          </p:cTn>
+                        </p:par>
+                      </p:childTnLst>
+                    </p:cTn>
+                  </p:par>
+                  <p:par>
+                    <p:cTn id="13" fill="hold">
+                      <p:stCondLst>
+                        <p:cond delay="indefinite"/>
+                      </p:stCondLst>
+                      <p:childTnLst>
+                        <p:par>
+                          <p:cTn id="14" fill="hold">
+                            <p:stCondLst>
+                              <p:cond delay="0"/>
+                            </p:stCondLst>
+                            <p:childTnLst>
+                              <p:par>
+                                <p:cTn id="15" presetID="1" presetClass="entr" presetSubtype="0" fill="hold" nodeType="clickEffect">
+                                  <p:stCondLst>
+                                    <p:cond delay="0"/>
+                                  </p:stCondLst>
+                                  <p:childTnLst>
+                                    <p:set>
+                                      <p:cBhvr>
+                                        <p:cTn id="16" dur="1" fill="hold">
+                                          <p:stCondLst>
+                                            <p:cond delay="0"/>
+                                          </p:stCondLst>
+                                        </p:cTn>
+                                        <p:tgtEl>
+                                          <p:spTgt spid="10"/>
+                                        </p:tgtEl>
+                                        <p:attrNameLst>
+                                          <p:attrName>style.visibility</p:attrName>
+                                        </p:attrNameLst>
+                                      </p:cBhvr>
+                                      <p:to>
+                                        <p:strVal val="visible"/>
+                                      </p:to>
+                                    </p:set>
+                                  </p:childTnLst>
+                                </p:cTn>
+                              </p:par>
+                            </p:childTnLst>
+                          </p:cTn>
+                        </p:par>
+                      </p:childTnLst>
+                    </p:cTn>
+                  </p:par>
+                  <p:par>
+                    <p:cTn id="17" fill="hold">
+                      <p:stCondLst>
+                        <p:cond delay="indefinite"/>
+                      </p:stCondLst>
+                      <p:childTnLst>
+                        <p:par>
+                          <p:cTn id="18" fill="hold">
+                            <p:stCondLst>
+                              <p:cond delay="0"/>
+                            </p:stCondLst>
+                            <p:childTnLst>
+                              <p:par>
+                                <p:cTn id="19" presetID="1" presetClass="entr" presetSubtype="0" fill="hold" grpId="0" nodeType="clickEffect">
+                                  <p:stCondLst>
+                                    <p:cond delay="0"/>
+                                  </p:stCondLst>
+                                  <p:childTnLst>
+                                    <p:set>
+                                      <p:cBhvr>
+                                        <p:cTn id="20" dur="1" fill="hold">
+                                          <p:stCondLst>
+                                            <p:cond delay="0"/>
+                                          </p:stCondLst>
+                                        </p:cTn>
+                                        <p:tgtEl>
+                                          <p:spTgt spid="13"/>
+                                        </p:tgtEl>
+                                        <p:attrNameLst>
+                                          <p:attrName>style.visibility</p:attrName>
+                                        </p:attrNameLst>
+                                      </p:cBhvr>
+                                      <p:to>
+                                        <p:strVal val="visible"/>
+                                      </p:to>
+                                    </p:set>
+                                  </p:childTnLst>
+                                </p:cTn>
+                              </p:par>
+                            </p:childTnLst>
+                          </p:cTn>
+                        </p:par>
+                        <p:par>
+                          <p:cTn id="21" fill="hold">
+                            <p:stCondLst>
+                              <p:cond delay="0"/>
+                            </p:stCondLst>
+                            <p:childTnLst>
+                              <p:par>
+                                <p:cTn id="22" presetID="1" presetClass="entr" presetSubtype="0" fill="hold" grpId="0" nodeType="afterEffect">
+                                  <p:stCondLst>
+                                    <p:cond delay="0"/>
+                                  </p:stCondLst>
+                                  <p:childTnLst>
+                                    <p:set>
+                                      <p:cBhvr>
+                                        <p:cTn id="23" dur="1" fill="hold">
+                                          <p:stCondLst>
+                                            <p:cond delay="0"/>
+                                          </p:stCondLst>
+                                        </p:cTn>
+                                        <p:tgtEl>
+                                          <p:spTgt spid="14"/>
+                                        </p:tgtEl>
+                                        <p:attrNameLst>
+                                          <p:attrName>style.visibility</p:attrName>
+                                        </p:attrNameLst>
+                                      </p:cBhvr>
+                                      <p:to>
+                                        <p:strVal val="visible"/>
+                                      </p:to>
+                                    </p:set>
+                                  </p:childTnLst>
+                                </p:cTn>
+                              </p:par>
+                            </p:childTnLst>
+                          </p:cTn>
+                        </p:par>
+                        <p:par>
+                          <p:cTn id="24" fill="hold">
+                            <p:stCondLst>
+                              <p:cond delay="0"/>
+                            </p:stCondLst>
+                            <p:childTnLst>
+                              <p:par>
+                                <p:cTn id="25" presetID="1" presetClass="entr" presetSubtype="0" fill="hold" grpId="0" nodeType="afterEffect">
+                                  <p:stCondLst>
+                                    <p:cond delay="0"/>
+                                  </p:stCondLst>
+                                  <p:childTnLst>
+                                    <p:set>
+                                      <p:cBhvr>
+                                        <p:cTn id="26" dur="1" fill="hold">
+                                          <p:stCondLst>
+                                            <p:cond delay="0"/>
+                                          </p:stCondLst>
+                                        </p:cTn>
+                                        <p:tgtEl>
+                                          <p:spTgt spid="15"/>
+                                        </p:tgtEl>
+                                        <p:attrNameLst>
+                                          <p:attrName>style.visibility</p:attrName>
+                                        </p:attrNameLst>
+                                      </p:cBhvr>
+                                      <p:to>
+                                        <p:strVal val="visible"/>
+                                      </p:to>
+                                    </p:set>
+                                  </p:childTnLst>
+                                </p:cTn>
+                              </p:par>
+                            </p:childTnLst>
+                          </p:cTn>
+                        </p:par>
+                      </p:childTnLst>
+                    </p:cTn>
+                  </p:par>
+                  <p:par>
+                    <p:cTn id="27" fill="hold">
+                      <p:stCondLst>
+                        <p:cond delay="indefinite"/>
+                      </p:stCondLst>
+                      <p:childTnLst>
+                        <p:par>
+                          <p:cTn id="28" fill="hold">
+                            <p:stCondLst>
+                              <p:cond delay="0"/>
+                            </p:stCondLst>
+                            <p:childTnLst>
+                              <p:par>
+                                <p:cTn id="29" presetID="1" presetClass="entr" presetSubtype="0" fill="hold" grpId="0" nodeType="clickEffect">
+                                  <p:stCondLst>
+                                    <p:cond delay="0"/>
+                                  </p:stCondLst>
+                                  <p:childTnLst>
+                                    <p:set>
+                                      <p:cBhvr>
+                                        <p:cTn id="30" dur="1" fill="hold">
+                                          <p:stCondLst>
+                                            <p:cond delay="0"/>
+                                          </p:stCondLst>
+                                        </p:cTn>
+                                        <p:tgtEl>
+                                          <p:spTgt spid="16"/>
+                                        </p:tgtEl>
+                                        <p:attrNameLst>
+                                          <p:attrName>style.visibility</p:attrName>
+                                        </p:attrNameLst>
+                                      </p:cBhvr>
+                                      <p:to>
+                                        <p:strVal val="visible"/>
+                                      </p:to>
+                                    </p:set>
+                                  </p:childTnLst>
+                                </p:cTn>
+                              </p:par>
+                            </p:childTnLst>
+                          </p:cTn>
+                        </p:par>
+                      </p:childTnLst>
+                    </p:cTn>
+                  </p:par>
+                </p:childTnLst>
+              </p:cTn>
+              <p:prevCondLst>
+                <p:cond evt="onPrev" delay="0">
+                  <p:tgtEl>
+                    <p:sldTgt/>
+                  </p:tgtEl>
+                </p:cond>
+              </p:prevCondLst>
+              <p:nextCondLst>
+                <p:cond evt="onNext" delay="0">
+                  <p:tgtEl>
+                    <p:sldTgt/>
+                  </p:tgtEl>
+                </p:cond>
+              </p:nextCondLst>
+            </p:seq>
+          </p:childTnLst>
+        </p:cTn>
+      </p:par>
+    </p:tnLst>
+    <p:bldLst>
+      <p:bldP spid="8" grpId="0" animBg="1"/>
+      <p:bldP spid="12" grpId="0" animBg="1"/>
+      <p:bldP spid="13" grpId="0" animBg="1"/>
+      <p:bldP spid="14" grpId="0" animBg="1"/>
+      <p:bldP spid="15" grpId="0" animBg="1"/>
+      <p:bldP spid="16" grpId="0" animBg="1"/>
+    </p:bldLst>
+  </p:timing>
+</p:sld>
+</file>
+
+<file path=ppt/slides/slide15.xml><?xml version="1.0" encoding="utf-8"?>
+<p:sld xmlns:a="http://schemas.openxmlformats.org/drawingml/2006/main" xmlns:r="http://schemas.openxmlformats.org/officeDocument/2006/relationships" xmlns:p="http://schemas.openxmlformats.org/presentationml/2006/main">
+  <p:cSld>
+    <p:spTree>
+      <p:nvGrpSpPr>
+        <p:cNvPr id="1" name=""/>
+        <p:cNvGrpSpPr/>
+        <p:nvPr/>
+      </p:nvGrpSpPr>
+      <p:grpSpPr>
+        <a:xfrm>
+          <a:off x="0" y="0"/>
+          <a:ext cx="0" cy="0"/>
+          <a:chOff x="0" y="0"/>
+          <a:chExt cx="0" cy="0"/>
+        </a:xfrm>
+      </p:grpSpPr>
+      <p:sp>
+        <p:nvSpPr>
+          <p:cNvPr id="2" name="Titre 1">
+            <a:extLst>
+              <a:ext uri="{FF2B5EF4-FFF2-40B4-BE49-F238E27FC236}">
+                <a16:creationId xmlns:a16="http://schemas.microsoft.com/office/drawing/2014/main" id="{CAA876EA-FED9-49A0-94CB-4283459215B9}"/>
+              </a:ext>
+            </a:extLst>
+          </p:cNvPr>
+          <p:cNvSpPr>
+            <a:spLocks noGrp="1"/>
+          </p:cNvSpPr>
+          <p:nvPr>
+            <p:ph type="ctrTitle"/>
+          </p:nvPr>
+        </p:nvSpPr>
+        <p:spPr>
+          <a:xfrm>
+            <a:off x="784339" y="480469"/>
+            <a:ext cx="10724921" cy="1041083"/>
+          </a:xfrm>
+        </p:spPr>
+        <p:txBody>
+          <a:bodyPr>
+            <a:normAutofit/>
+          </a:bodyPr>
+          <a:lstStyle/>
+          <a:p>
+            <a:r>
+              <a:rPr lang="fr-FR" dirty="0"/>
+              <a:t>Visualisation des clusters sur F1</a:t>
+            </a:r>
+          </a:p>
+        </p:txBody>
+      </p:sp>
+      <p:pic>
+        <p:nvPicPr>
+          <p:cNvPr id="4" name="Image 3">
+            <a:extLst>
+              <a:ext uri="{FF2B5EF4-FFF2-40B4-BE49-F238E27FC236}">
+                <a16:creationId xmlns:a16="http://schemas.microsoft.com/office/drawing/2014/main" id="{D86C892C-1E6D-41AC-9500-A62F2106E5BF}"/>
+              </a:ext>
+            </a:extLst>
+          </p:cNvPr>
+          <p:cNvPicPr>
+            <a:picLocks noChangeAspect="1"/>
+          </p:cNvPicPr>
+          <p:nvPr/>
+        </p:nvPicPr>
+        <p:blipFill>
+          <a:blip r:embed="rId3">
+            <a:extLst>
+              <a:ext uri="{28A0092B-C50C-407E-A947-70E740481C1C}">
+                <a14:useLocalDpi xmlns:a14="http://schemas.microsoft.com/office/drawing/2010/main" val="0"/>
+              </a:ext>
+            </a:extLst>
+          </a:blip>
+          <a:stretch>
+            <a:fillRect/>
+          </a:stretch>
+        </p:blipFill>
+        <p:spPr>
+          <a:xfrm>
+            <a:off x="10769600" y="5435600"/>
+            <a:ext cx="1422400" cy="1422400"/>
+          </a:xfrm>
+          <a:prstGeom prst="rect">
+            <a:avLst/>
+          </a:prstGeom>
+        </p:spPr>
+      </p:pic>
+      <p:pic>
+        <p:nvPicPr>
+          <p:cNvPr id="6" name="Image 5">
+            <a:extLst>
+              <a:ext uri="{FF2B5EF4-FFF2-40B4-BE49-F238E27FC236}">
+                <a16:creationId xmlns:a16="http://schemas.microsoft.com/office/drawing/2014/main" id="{12F0270D-D057-4DAA-9B16-17BA3394D6D0}"/>
+              </a:ext>
+            </a:extLst>
+          </p:cNvPr>
+          <p:cNvPicPr>
+            <a:picLocks noChangeAspect="1"/>
+          </p:cNvPicPr>
+          <p:nvPr/>
+        </p:nvPicPr>
+        <p:blipFill rotWithShape="1">
+          <a:blip r:embed="rId4">
+            <a:extLst>
+              <a:ext uri="{28A0092B-C50C-407E-A947-70E740481C1C}">
+                <a14:useLocalDpi xmlns:a14="http://schemas.microsoft.com/office/drawing/2010/main" val="0"/>
+              </a:ext>
+            </a:extLst>
+          </a:blip>
+          <a:srcRect l="4000" t="7263" r="8568" b="4177"/>
+          <a:stretch/>
+        </p:blipFill>
+        <p:spPr>
+          <a:xfrm>
+            <a:off x="2321011" y="151541"/>
+            <a:ext cx="7549978" cy="6554918"/>
+          </a:xfrm>
+          <a:prstGeom prst="rect">
+            <a:avLst/>
+          </a:prstGeom>
+        </p:spPr>
+      </p:pic>
+      <p:sp>
+        <p:nvSpPr>
+          <p:cNvPr id="7" name="Rectangle 6">
+            <a:extLst>
+              <a:ext uri="{FF2B5EF4-FFF2-40B4-BE49-F238E27FC236}">
+                <a16:creationId xmlns:a16="http://schemas.microsoft.com/office/drawing/2014/main" id="{466A4146-8EFA-4DFC-8B12-E8573D8B6144}"/>
+              </a:ext>
+            </a:extLst>
+          </p:cNvPr>
+          <p:cNvSpPr/>
+          <p:nvPr/>
+        </p:nvSpPr>
+        <p:spPr>
+          <a:xfrm>
+            <a:off x="7537622" y="1767016"/>
+            <a:ext cx="2026508" cy="2360141"/>
+          </a:xfrm>
+          <a:prstGeom prst="rect">
+            <a:avLst/>
+          </a:prstGeom>
+          <a:noFill/>
+          <a:ln>
+            <a:solidFill>
+              <a:srgbClr val="FF0000"/>
+            </a:solidFill>
+          </a:ln>
+        </p:spPr>
+        <p:style>
+          <a:lnRef idx="2">
+            <a:schemeClr val="accent1">
+              <a:shade val="50000"/>
+            </a:schemeClr>
+          </a:lnRef>
+          <a:fillRef idx="1">
+            <a:schemeClr val="accent1"/>
+          </a:fillRef>
+          <a:effectRef idx="0">
+            <a:schemeClr val="accent1"/>
+          </a:effectRef>
+          <a:fontRef idx="minor">
+            <a:schemeClr val="lt1"/>
+          </a:fontRef>
+        </p:style>
+        <p:txBody>
+          <a:bodyPr rtlCol="0" anchor="ctr"/>
+          <a:lstStyle/>
+          <a:p>
+            <a:pPr algn="ctr"/>
+            <a:endParaRPr lang="fr-FR"/>
+          </a:p>
+        </p:txBody>
+      </p:sp>
+      <p:sp>
+        <p:nvSpPr>
+          <p:cNvPr id="8" name="Rectangle 7">
+            <a:extLst>
+              <a:ext uri="{FF2B5EF4-FFF2-40B4-BE49-F238E27FC236}">
+                <a16:creationId xmlns:a16="http://schemas.microsoft.com/office/drawing/2014/main" id="{D47084E3-0350-4CB4-8392-913D68DCE6A0}"/>
+              </a:ext>
+            </a:extLst>
+          </p:cNvPr>
+          <p:cNvSpPr/>
+          <p:nvPr/>
+        </p:nvSpPr>
+        <p:spPr>
+          <a:xfrm>
+            <a:off x="8106032" y="1576490"/>
+            <a:ext cx="1458098" cy="1041083"/>
+          </a:xfrm>
+          <a:prstGeom prst="rect">
+            <a:avLst/>
+          </a:prstGeom>
+          <a:noFill/>
+          <a:ln>
+            <a:solidFill>
+              <a:srgbClr val="FF0000"/>
+            </a:solidFill>
+          </a:ln>
+        </p:spPr>
+        <p:style>
+          <a:lnRef idx="2">
+            <a:schemeClr val="accent1">
+              <a:shade val="50000"/>
+            </a:schemeClr>
+          </a:lnRef>
+          <a:fillRef idx="1">
+            <a:schemeClr val="accent1"/>
+          </a:fillRef>
+          <a:effectRef idx="0">
+            <a:schemeClr val="accent1"/>
+          </a:effectRef>
+          <a:fontRef idx="minor">
+            <a:schemeClr val="lt1"/>
+          </a:fontRef>
+        </p:style>
+        <p:txBody>
+          <a:bodyPr rtlCol="0" anchor="ctr"/>
+          <a:lstStyle/>
+          <a:p>
+            <a:pPr algn="ctr"/>
+            <a:endParaRPr lang="fr-FR"/>
+          </a:p>
+        </p:txBody>
+      </p:sp>
+    </p:spTree>
+    <p:extLst>
+      <p:ext uri="{BB962C8B-B14F-4D97-AF65-F5344CB8AC3E}">
+        <p14:creationId xmlns:p14="http://schemas.microsoft.com/office/powerpoint/2010/main" val="1316229119"/>
+      </p:ext>
+    </p:extLst>
+  </p:cSld>
+  <p:clrMapOvr>
+    <a:masterClrMapping/>
+  </p:clrMapOvr>
+  <p:timing>
+    <p:tnLst>
+      <p:par>
+        <p:cTn id="1" dur="indefinite" restart="never" nodeType="tmRoot">
+          <p:childTnLst>
+            <p:seq concurrent="1" nextAc="seek">
+              <p:cTn id="2" dur="indefinite" nodeType="mainSeq">
+                <p:childTnLst>
+                  <p:par>
+                    <p:cTn id="3" fill="hold">
+                      <p:stCondLst>
+                        <p:cond delay="indefinite"/>
+                      </p:stCondLst>
+                      <p:childTnLst>
+                        <p:par>
+                          <p:cTn id="4" fill="hold">
+                            <p:stCondLst>
+                              <p:cond delay="0"/>
+                            </p:stCondLst>
+                            <p:childTnLst>
+                              <p:par>
+                                <p:cTn id="5" presetID="1" presetClass="exit" presetSubtype="0" fill="hold" grpId="0" nodeType="clickEffect">
+                                  <p:stCondLst>
+                                    <p:cond delay="0"/>
+                                  </p:stCondLst>
+                                  <p:childTnLst>
+                                    <p:set>
+                                      <p:cBhvr>
+                                        <p:cTn id="6" dur="1" fill="hold">
+                                          <p:stCondLst>
+                                            <p:cond delay="0"/>
+                                          </p:stCondLst>
+                                        </p:cTn>
+                                        <p:tgtEl>
+                                          <p:spTgt spid="2"/>
+                                        </p:tgtEl>
+                                        <p:attrNameLst>
+                                          <p:attrName>style.visibility</p:attrName>
+                                        </p:attrNameLst>
+                                      </p:cBhvr>
+                                      <p:to>
+                                        <p:strVal val="hidden"/>
+                                      </p:to>
+                                    </p:set>
+                                  </p:childTnLst>
+                                </p:cTn>
+                              </p:par>
+                              <p:par>
+                                <p:cTn id="7" presetID="1" presetClass="entr" presetSubtype="0" fill="hold" nodeType="withEffect">
+                                  <p:stCondLst>
+                                    <p:cond delay="0"/>
+                                  </p:stCondLst>
+                                  <p:childTnLst>
+                                    <p:set>
+                                      <p:cBhvr>
+                                        <p:cTn id="8" dur="1" fill="hold">
+                                          <p:stCondLst>
+                                            <p:cond delay="0"/>
+                                          </p:stCondLst>
+                                        </p:cTn>
+                                        <p:tgtEl>
+                                          <p:spTgt spid="6"/>
+                                        </p:tgtEl>
+                                        <p:attrNameLst>
+                                          <p:attrName>style.visibility</p:attrName>
+                                        </p:attrNameLst>
+                                      </p:cBhvr>
+                                      <p:to>
+                                        <p:strVal val="visible"/>
+                                      </p:to>
+                                    </p:set>
+                                  </p:childTnLst>
+                                </p:cTn>
+                              </p:par>
+                            </p:childTnLst>
+                          </p:cTn>
+                        </p:par>
+                      </p:childTnLst>
+                    </p:cTn>
+                  </p:par>
+                  <p:par>
+                    <p:cTn id="9" fill="hold">
+                      <p:stCondLst>
+                        <p:cond delay="indefinite"/>
+                      </p:stCondLst>
+                      <p:childTnLst>
+                        <p:par>
+                          <p:cTn id="10" fill="hold">
+                            <p:stCondLst>
+                              <p:cond delay="0"/>
+                            </p:stCondLst>
+                            <p:childTnLst>
+                              <p:par>
+                                <p:cTn id="11" presetID="1" presetClass="entr" presetSubtype="0" fill="hold" grpId="0" nodeType="clickEffect">
+                                  <p:stCondLst>
+                                    <p:cond delay="0"/>
+                                  </p:stCondLst>
+                                  <p:childTnLst>
+                                    <p:set>
+                                      <p:cBhvr>
+                                        <p:cTn id="12" dur="1" fill="hold">
+                                          <p:stCondLst>
+                                            <p:cond delay="0"/>
+                                          </p:stCondLst>
+                                        </p:cTn>
+                                        <p:tgtEl>
+                                          <p:spTgt spid="7"/>
+                                        </p:tgtEl>
+                                        <p:attrNameLst>
+                                          <p:attrName>style.visibility</p:attrName>
+                                        </p:attrNameLst>
+                                      </p:cBhvr>
+                                      <p:to>
+                                        <p:strVal val="visible"/>
+                                      </p:to>
+                                    </p:set>
+                                  </p:childTnLst>
+                                </p:cTn>
+                              </p:par>
+                            </p:childTnLst>
+                          </p:cTn>
+                        </p:par>
+                      </p:childTnLst>
+                    </p:cTn>
+                  </p:par>
+                  <p:par>
+                    <p:cTn id="13" fill="hold">
+                      <p:stCondLst>
+                        <p:cond delay="indefinite"/>
+                      </p:stCondLst>
+                      <p:childTnLst>
+                        <p:par>
+                          <p:cTn id="14" fill="hold">
+                            <p:stCondLst>
+                              <p:cond delay="0"/>
+                            </p:stCondLst>
+                            <p:childTnLst>
+                              <p:par>
+                                <p:cTn id="15" presetID="1" presetClass="exit" presetSubtype="0" fill="hold" grpId="1" nodeType="clickEffect">
+                                  <p:stCondLst>
+                                    <p:cond delay="0"/>
+                                  </p:stCondLst>
+                                  <p:childTnLst>
+                                    <p:set>
+                                      <p:cBhvr>
+                                        <p:cTn id="16" dur="1" fill="hold">
+                                          <p:stCondLst>
+                                            <p:cond delay="0"/>
+                                          </p:stCondLst>
+                                        </p:cTn>
+                                        <p:tgtEl>
+                                          <p:spTgt spid="7"/>
+                                        </p:tgtEl>
+                                        <p:attrNameLst>
+                                          <p:attrName>style.visibility</p:attrName>
+                                        </p:attrNameLst>
+                                      </p:cBhvr>
+                                      <p:to>
+                                        <p:strVal val="hidden"/>
+                                      </p:to>
+                                    </p:set>
+                                  </p:childTnLst>
+                                </p:cTn>
+                              </p:par>
+                              <p:par>
+                                <p:cTn id="17" presetID="1" presetClass="entr" presetSubtype="0" fill="hold" grpId="0" nodeType="withEffect">
+                                  <p:stCondLst>
+                                    <p:cond delay="0"/>
+                                  </p:stCondLst>
+                                  <p:childTnLst>
+                                    <p:set>
+                                      <p:cBhvr>
+                                        <p:cTn id="18" dur="1" fill="hold">
+                                          <p:stCondLst>
+                                            <p:cond delay="0"/>
+                                          </p:stCondLst>
+                                        </p:cTn>
+                                        <p:tgtEl>
+                                          <p:spTgt spid="8"/>
+                                        </p:tgtEl>
+                                        <p:attrNameLst>
+                                          <p:attrName>style.visibility</p:attrName>
+                                        </p:attrNameLst>
+                                      </p:cBhvr>
+                                      <p:to>
+                                        <p:strVal val="visible"/>
+                                      </p:to>
+                                    </p:set>
+                                  </p:childTnLst>
+                                </p:cTn>
+                              </p:par>
+                            </p:childTnLst>
+                          </p:cTn>
+                        </p:par>
+                      </p:childTnLst>
+                    </p:cTn>
+                  </p:par>
+                </p:childTnLst>
+              </p:cTn>
+              <p:prevCondLst>
+                <p:cond evt="onPrev" delay="0">
+                  <p:tgtEl>
+                    <p:sldTgt/>
+                  </p:tgtEl>
+                </p:cond>
+              </p:prevCondLst>
+              <p:nextCondLst>
+                <p:cond evt="onNext" delay="0">
+                  <p:tgtEl>
+                    <p:sldTgt/>
+                  </p:tgtEl>
+                </p:cond>
+              </p:nextCondLst>
+            </p:seq>
+          </p:childTnLst>
+        </p:cTn>
+      </p:par>
+    </p:tnLst>
+    <p:bldLst>
+      <p:bldP spid="2" grpId="0"/>
+      <p:bldP spid="7" grpId="0" animBg="1"/>
+      <p:bldP spid="7" grpId="1" animBg="1"/>
+      <p:bldP spid="8" grpId="0" animBg="1"/>
+    </p:bldLst>
+  </p:timing>
+</p:sld>
+</file>
+
+<file path=ppt/slides/slide16.xml><?xml version="1.0" encoding="utf-8"?>
+<p:sld xmlns:a="http://schemas.openxmlformats.org/drawingml/2006/main" xmlns:r="http://schemas.openxmlformats.org/officeDocument/2006/relationships" xmlns:p="http://schemas.openxmlformats.org/presentationml/2006/main">
+  <p:cSld>
+    <p:spTree>
+      <p:nvGrpSpPr>
+        <p:cNvPr id="1" name=""/>
+        <p:cNvGrpSpPr/>
+        <p:nvPr/>
+      </p:nvGrpSpPr>
+      <p:grpSpPr>
+        <a:xfrm>
+          <a:off x="0" y="0"/>
+          <a:ext cx="0" cy="0"/>
+          <a:chOff x="0" y="0"/>
+          <a:chExt cx="0" cy="0"/>
+        </a:xfrm>
+      </p:grpSpPr>
+      <p:sp>
+        <p:nvSpPr>
+          <p:cNvPr id="2" name="Titre 1">
+            <a:extLst>
+              <a:ext uri="{FF2B5EF4-FFF2-40B4-BE49-F238E27FC236}">
+                <a16:creationId xmlns:a16="http://schemas.microsoft.com/office/drawing/2014/main" id="{CAA876EA-FED9-49A0-94CB-4283459215B9}"/>
+              </a:ext>
+            </a:extLst>
+          </p:cNvPr>
+          <p:cNvSpPr>
+            <a:spLocks noGrp="1"/>
+          </p:cNvSpPr>
+          <p:nvPr>
+            <p:ph type="ctrTitle"/>
+          </p:nvPr>
+        </p:nvSpPr>
+        <p:spPr>
+          <a:xfrm>
+            <a:off x="1524000" y="335279"/>
+            <a:ext cx="9144000" cy="1041083"/>
+          </a:xfrm>
+        </p:spPr>
+        <p:txBody>
+          <a:bodyPr>
+            <a:normAutofit/>
+          </a:bodyPr>
+          <a:lstStyle/>
+          <a:p>
+            <a:r>
+              <a:rPr lang="fr-FR" dirty="0"/>
+              <a:t>Choix de la liste des pays</a:t>
+            </a:r>
+          </a:p>
+        </p:txBody>
+      </p:sp>
+      <p:pic>
+        <p:nvPicPr>
+          <p:cNvPr id="4" name="Image 3">
+            <a:extLst>
+              <a:ext uri="{FF2B5EF4-FFF2-40B4-BE49-F238E27FC236}">
+                <a16:creationId xmlns:a16="http://schemas.microsoft.com/office/drawing/2014/main" id="{D86C892C-1E6D-41AC-9500-A62F2106E5BF}"/>
+              </a:ext>
+            </a:extLst>
+          </p:cNvPr>
+          <p:cNvPicPr>
+            <a:picLocks noChangeAspect="1"/>
+          </p:cNvPicPr>
+          <p:nvPr/>
+        </p:nvPicPr>
+        <p:blipFill>
+          <a:blip r:embed="rId3">
+            <a:extLst>
+              <a:ext uri="{28A0092B-C50C-407E-A947-70E740481C1C}">
+                <a14:useLocalDpi xmlns:a14="http://schemas.microsoft.com/office/drawing/2010/main" val="0"/>
+              </a:ext>
+            </a:extLst>
+          </a:blip>
+          <a:stretch>
+            <a:fillRect/>
+          </a:stretch>
+        </p:blipFill>
+        <p:spPr>
+          <a:xfrm>
+            <a:off x="10769600" y="5435600"/>
+            <a:ext cx="1422400" cy="1422400"/>
+          </a:xfrm>
+          <a:prstGeom prst="rect">
+            <a:avLst/>
+          </a:prstGeom>
+        </p:spPr>
+      </p:pic>
+      <p:pic>
+        <p:nvPicPr>
+          <p:cNvPr id="5" name="Image 4">
+            <a:extLst>
+              <a:ext uri="{FF2B5EF4-FFF2-40B4-BE49-F238E27FC236}">
+                <a16:creationId xmlns:a16="http://schemas.microsoft.com/office/drawing/2014/main" id="{C920E7A0-66D9-43B0-8D3E-20C2DA342A28}"/>
+              </a:ext>
+            </a:extLst>
+          </p:cNvPr>
+          <p:cNvPicPr>
+            <a:picLocks noChangeAspect="1"/>
+          </p:cNvPicPr>
+          <p:nvPr/>
+        </p:nvPicPr>
+        <p:blipFill>
+          <a:blip r:embed="rId4"/>
+          <a:stretch>
+            <a:fillRect/>
+          </a:stretch>
+        </p:blipFill>
+        <p:spPr>
+          <a:xfrm>
+            <a:off x="253586" y="2458523"/>
+            <a:ext cx="11684828" cy="2977077"/>
+          </a:xfrm>
+          <a:prstGeom prst="rect">
+            <a:avLst/>
+          </a:prstGeom>
+        </p:spPr>
+      </p:pic>
+      <p:pic>
+        <p:nvPicPr>
+          <p:cNvPr id="6" name="Image 5">
+            <a:extLst>
+              <a:ext uri="{FF2B5EF4-FFF2-40B4-BE49-F238E27FC236}">
+                <a16:creationId xmlns:a16="http://schemas.microsoft.com/office/drawing/2014/main" id="{DDC1526B-72D8-4671-98A9-EF46A5FA01C9}"/>
+              </a:ext>
+            </a:extLst>
+          </p:cNvPr>
+          <p:cNvPicPr>
+            <a:picLocks noChangeAspect="1"/>
+          </p:cNvPicPr>
+          <p:nvPr/>
+        </p:nvPicPr>
+        <p:blipFill>
+          <a:blip r:embed="rId5"/>
+          <a:stretch>
+            <a:fillRect/>
+          </a:stretch>
+        </p:blipFill>
+        <p:spPr>
+          <a:xfrm>
+            <a:off x="253586" y="3049267"/>
+            <a:ext cx="11687368" cy="1795590"/>
+          </a:xfrm>
+          <a:prstGeom prst="rect">
+            <a:avLst/>
+          </a:prstGeom>
+        </p:spPr>
+      </p:pic>
+      <p:pic>
+        <p:nvPicPr>
+          <p:cNvPr id="7" name="Image 6">
+            <a:extLst>
+              <a:ext uri="{FF2B5EF4-FFF2-40B4-BE49-F238E27FC236}">
+                <a16:creationId xmlns:a16="http://schemas.microsoft.com/office/drawing/2014/main" id="{DD2ACCD4-4BB7-47F6-ADF5-2278C67468E9}"/>
+              </a:ext>
+            </a:extLst>
+          </p:cNvPr>
+          <p:cNvPicPr>
+            <a:picLocks noChangeAspect="1"/>
+          </p:cNvPicPr>
+          <p:nvPr/>
+        </p:nvPicPr>
+        <p:blipFill>
+          <a:blip r:embed="rId6"/>
+          <a:stretch>
+            <a:fillRect/>
+          </a:stretch>
+        </p:blipFill>
+        <p:spPr>
+          <a:xfrm>
+            <a:off x="249776" y="2301574"/>
+            <a:ext cx="11688638" cy="3134026"/>
+          </a:xfrm>
+          <a:prstGeom prst="rect">
+            <a:avLst/>
+          </a:prstGeom>
+        </p:spPr>
+      </p:pic>
+      <p:sp>
+        <p:nvSpPr>
+          <p:cNvPr id="8" name="ZoneTexte 7">
+            <a:extLst>
+              <a:ext uri="{FF2B5EF4-FFF2-40B4-BE49-F238E27FC236}">
+                <a16:creationId xmlns:a16="http://schemas.microsoft.com/office/drawing/2014/main" id="{639A5ED9-ED07-4AC4-8FB9-5FCD4AB0962D}"/>
+              </a:ext>
+            </a:extLst>
+          </p:cNvPr>
+          <p:cNvSpPr txBox="1"/>
+          <p:nvPr/>
+        </p:nvSpPr>
+        <p:spPr>
+          <a:xfrm>
+            <a:off x="3249827" y="5894173"/>
+            <a:ext cx="3178819" cy="369332"/>
+          </a:xfrm>
+          <a:prstGeom prst="rect">
+            <a:avLst/>
+          </a:prstGeom>
+          <a:noFill/>
+        </p:spPr>
+        <p:txBody>
+          <a:bodyPr wrap="none" rtlCol="0">
+            <a:spAutoFit/>
+          </a:bodyPr>
+          <a:lstStyle/>
+          <a:p>
+            <a:r>
+              <a:rPr lang="fr-FR" b="1" dirty="0"/>
+              <a:t>Importations &gt; 130 000 Tonnes </a:t>
+            </a:r>
+          </a:p>
+        </p:txBody>
+      </p:sp>
+    </p:spTree>
+    <p:extLst>
+      <p:ext uri="{BB962C8B-B14F-4D97-AF65-F5344CB8AC3E}">
+        <p14:creationId xmlns:p14="http://schemas.microsoft.com/office/powerpoint/2010/main" val="1176991514"/>
+      </p:ext>
+    </p:extLst>
+  </p:cSld>
+  <p:clrMapOvr>
+    <a:masterClrMapping/>
+  </p:clrMapOvr>
+  <p:timing>
+    <p:tnLst>
+      <p:par>
+        <p:cTn id="1" dur="indefinite" restart="never" nodeType="tmRoot">
+          <p:childTnLst>
+            <p:seq concurrent="1" nextAc="seek">
+              <p:cTn id="2" dur="indefinite" nodeType="mainSeq">
+                <p:childTnLst>
+                  <p:par>
+                    <p:cTn id="3" fill="hold">
+                      <p:stCondLst>
+                        <p:cond delay="indefinite"/>
+                      </p:stCondLst>
+                      <p:childTnLst>
+                        <p:par>
+                          <p:cTn id="4" fill="hold">
+                            <p:stCondLst>
+                              <p:cond delay="0"/>
+                            </p:stCondLst>
+                            <p:childTnLst>
+                              <p:par>
+                                <p:cTn id="5" presetID="1" presetClass="exit" presetSubtype="0" fill="hold" nodeType="clickEffect">
+                                  <p:stCondLst>
+                                    <p:cond delay="0"/>
+                                  </p:stCondLst>
+                                  <p:childTnLst>
+                                    <p:set>
+                                      <p:cBhvr>
+                                        <p:cTn id="6" dur="1" fill="hold">
+                                          <p:stCondLst>
+                                            <p:cond delay="0"/>
+                                          </p:stCondLst>
+                                        </p:cTn>
+                                        <p:tgtEl>
+                                          <p:spTgt spid="5"/>
+                                        </p:tgtEl>
+                                        <p:attrNameLst>
+                                          <p:attrName>style.visibility</p:attrName>
+                                        </p:attrNameLst>
+                                      </p:cBhvr>
+                                      <p:to>
+                                        <p:strVal val="hidden"/>
+                                      </p:to>
+                                    </p:set>
+                                  </p:childTnLst>
+                                </p:cTn>
+                              </p:par>
+                              <p:par>
+                                <p:cTn id="7" presetID="1" presetClass="entr" presetSubtype="0" fill="hold" nodeType="withEffect">
+                                  <p:stCondLst>
+                                    <p:cond delay="0"/>
+                                  </p:stCondLst>
+                                  <p:childTnLst>
+                                    <p:set>
+                                      <p:cBhvr>
+                                        <p:cTn id="8" dur="1" fill="hold">
+                                          <p:stCondLst>
+                                            <p:cond delay="0"/>
+                                          </p:stCondLst>
+                                        </p:cTn>
+                                        <p:tgtEl>
+                                          <p:spTgt spid="6"/>
+                                        </p:tgtEl>
+                                        <p:attrNameLst>
+                                          <p:attrName>style.visibility</p:attrName>
+                                        </p:attrNameLst>
+                                      </p:cBhvr>
+                                      <p:to>
+                                        <p:strVal val="visible"/>
+                                      </p:to>
+                                    </p:set>
+                                  </p:childTnLst>
+                                </p:cTn>
+                              </p:par>
+                            </p:childTnLst>
+                          </p:cTn>
+                        </p:par>
+                      </p:childTnLst>
+                    </p:cTn>
+                  </p:par>
+                  <p:par>
+                    <p:cTn id="9" fill="hold">
+                      <p:stCondLst>
+                        <p:cond delay="indefinite"/>
+                      </p:stCondLst>
+                      <p:childTnLst>
+                        <p:par>
+                          <p:cTn id="10" fill="hold">
+                            <p:stCondLst>
+                              <p:cond delay="0"/>
+                            </p:stCondLst>
+                            <p:childTnLst>
+                              <p:par>
+                                <p:cTn id="11" presetID="1" presetClass="exit" presetSubtype="0" fill="hold" nodeType="clickEffect">
+                                  <p:stCondLst>
+                                    <p:cond delay="0"/>
+                                  </p:stCondLst>
+                                  <p:childTnLst>
+                                    <p:set>
+                                      <p:cBhvr>
+                                        <p:cTn id="12" dur="1" fill="hold">
+                                          <p:stCondLst>
+                                            <p:cond delay="0"/>
+                                          </p:stCondLst>
+                                        </p:cTn>
+                                        <p:tgtEl>
+                                          <p:spTgt spid="6"/>
+                                        </p:tgtEl>
+                                        <p:attrNameLst>
+                                          <p:attrName>style.visibility</p:attrName>
+                                        </p:attrNameLst>
+                                      </p:cBhvr>
+                                      <p:to>
+                                        <p:strVal val="hidden"/>
+                                      </p:to>
+                                    </p:set>
+                                  </p:childTnLst>
+                                </p:cTn>
+                              </p:par>
+                              <p:par>
+                                <p:cTn id="13" presetID="1" presetClass="entr" presetSubtype="0" fill="hold" nodeType="withEffect">
+                                  <p:stCondLst>
+                                    <p:cond delay="0"/>
+                                  </p:stCondLst>
+                                  <p:childTnLst>
+                                    <p:set>
+                                      <p:cBhvr>
+                                        <p:cTn id="14" dur="1" fill="hold">
+                                          <p:stCondLst>
+                                            <p:cond delay="0"/>
+                                          </p:stCondLst>
+                                        </p:cTn>
+                                        <p:tgtEl>
+                                          <p:spTgt spid="7"/>
+                                        </p:tgtEl>
+                                        <p:attrNameLst>
+                                          <p:attrName>style.visibility</p:attrName>
+                                        </p:attrNameLst>
+                                      </p:cBhvr>
+                                      <p:to>
+                                        <p:strVal val="visible"/>
+                                      </p:to>
+                                    </p:set>
+                                  </p:childTnLst>
+                                </p:cTn>
+                              </p:par>
+                            </p:childTnLst>
+                          </p:cTn>
+                        </p:par>
+                      </p:childTnLst>
+                    </p:cTn>
+                  </p:par>
+                  <p:par>
+                    <p:cTn id="15" fill="hold">
+                      <p:stCondLst>
+                        <p:cond delay="indefinite"/>
+                      </p:stCondLst>
+                      <p:childTnLst>
+                        <p:par>
+                          <p:cTn id="16" fill="hold">
+                            <p:stCondLst>
+                              <p:cond delay="0"/>
+                            </p:stCondLst>
+                            <p:childTnLst>
+                              <p:par>
+                                <p:cTn id="17" presetID="1" presetClass="entr" presetSubtype="0" fill="hold" grpId="0" nodeType="clickEffect">
+                                  <p:stCondLst>
+                                    <p:cond delay="0"/>
+                                  </p:stCondLst>
+                                  <p:childTnLst>
+                                    <p:set>
+                                      <p:cBhvr>
+                                        <p:cTn id="18" dur="1" fill="hold">
+                                          <p:stCondLst>
+                                            <p:cond delay="0"/>
+                                          </p:stCondLst>
+                                        </p:cTn>
+                                        <p:tgtEl>
+                                          <p:spTgt spid="8"/>
+                                        </p:tgtEl>
+                                        <p:attrNameLst>
+                                          <p:attrName>style.visibility</p:attrName>
+                                        </p:attrNameLst>
+                                      </p:cBhvr>
+                                      <p:to>
+                                        <p:strVal val="visible"/>
+                                      </p:to>
+                                    </p:set>
+                                  </p:childTnLst>
+                                </p:cTn>
+                              </p:par>
+                            </p:childTnLst>
+                          </p:cTn>
+                        </p:par>
+                      </p:childTnLst>
+                    </p:cTn>
+                  </p:par>
+                </p:childTnLst>
+              </p:cTn>
+              <p:prevCondLst>
+                <p:cond evt="onPrev" delay="0">
+                  <p:tgtEl>
+                    <p:sldTgt/>
+                  </p:tgtEl>
+                </p:cond>
+              </p:prevCondLst>
+              <p:nextCondLst>
+                <p:cond evt="onNext" delay="0">
+                  <p:tgtEl>
+                    <p:sldTgt/>
+                  </p:tgtEl>
+                </p:cond>
+              </p:nextCondLst>
+            </p:seq>
+          </p:childTnLst>
+        </p:cTn>
+      </p:par>
+    </p:tnLst>
+    <p:bldLst>
+      <p:bldP spid="8" grpId="0"/>
+    </p:bldLst>
+  </p:timing>
+</p:sld>
+</file>
+
+<file path=ppt/slides/slide17.xml><?xml version="1.0" encoding="utf-8"?>
+<p:sld xmlns:a="http://schemas.openxmlformats.org/drawingml/2006/main" xmlns:r="http://schemas.openxmlformats.org/officeDocument/2006/relationships" xmlns:p="http://schemas.openxmlformats.org/presentationml/2006/main">
+  <p:cSld>
+    <p:spTree>
+      <p:nvGrpSpPr>
+        <p:cNvPr id="1" name=""/>
+        <p:cNvGrpSpPr/>
+        <p:nvPr/>
+      </p:nvGrpSpPr>
+      <p:grpSpPr>
+        <a:xfrm>
+          <a:off x="0" y="0"/>
+          <a:ext cx="0" cy="0"/>
+          <a:chOff x="0" y="0"/>
+          <a:chExt cx="0" cy="0"/>
+        </a:xfrm>
+      </p:grpSpPr>
+      <p:sp>
+        <p:nvSpPr>
+          <p:cNvPr id="2" name="Titre 1">
+            <a:extLst>
+              <a:ext uri="{FF2B5EF4-FFF2-40B4-BE49-F238E27FC236}">
+                <a16:creationId xmlns:a16="http://schemas.microsoft.com/office/drawing/2014/main" id="{CAA876EA-FED9-49A0-94CB-4283459215B9}"/>
+              </a:ext>
+            </a:extLst>
+          </p:cNvPr>
+          <p:cNvSpPr>
+            <a:spLocks noGrp="1"/>
+          </p:cNvSpPr>
+          <p:nvPr>
+            <p:ph type="ctrTitle"/>
+          </p:nvPr>
+        </p:nvSpPr>
+        <p:spPr>
+          <a:xfrm>
+            <a:off x="515956" y="381317"/>
+            <a:ext cx="11160087" cy="1041083"/>
+          </a:xfrm>
+        </p:spPr>
+        <p:txBody>
+          <a:bodyPr>
+            <a:normAutofit/>
+          </a:bodyPr>
+          <a:lstStyle/>
+          <a:p>
+            <a:r>
+              <a:rPr lang="fr-FR" dirty="0"/>
+              <a:t>Test d’adéquation sur les variables</a:t>
+            </a:r>
+          </a:p>
+        </p:txBody>
+      </p:sp>
+      <p:sp>
+        <p:nvSpPr>
+          <p:cNvPr id="3" name="Sous-titre 2">
+            <a:extLst>
+              <a:ext uri="{FF2B5EF4-FFF2-40B4-BE49-F238E27FC236}">
+                <a16:creationId xmlns:a16="http://schemas.microsoft.com/office/drawing/2014/main" id="{218B9057-36A2-4CEF-8698-A320933B4FB0}"/>
+              </a:ext>
+            </a:extLst>
+          </p:cNvPr>
+          <p:cNvSpPr>
+            <a:spLocks noGrp="1"/>
+          </p:cNvSpPr>
+          <p:nvPr>
+            <p:ph type="subTitle" idx="1"/>
+          </p:nvPr>
+        </p:nvSpPr>
+        <p:spPr>
+          <a:xfrm>
+            <a:off x="1524000" y="1897539"/>
+            <a:ext cx="9245600" cy="3062922"/>
+          </a:xfrm>
+        </p:spPr>
+        <p:txBody>
+          <a:bodyPr>
+            <a:normAutofit/>
+          </a:bodyPr>
+          <a:lstStyle/>
+          <a:p>
+            <a:endParaRPr lang="fr-FR" dirty="0"/>
+          </a:p>
+        </p:txBody>
+      </p:sp>
+      <p:pic>
+        <p:nvPicPr>
+          <p:cNvPr id="4" name="Image 3">
+            <a:extLst>
+              <a:ext uri="{FF2B5EF4-FFF2-40B4-BE49-F238E27FC236}">
+                <a16:creationId xmlns:a16="http://schemas.microsoft.com/office/drawing/2014/main" id="{D86C892C-1E6D-41AC-9500-A62F2106E5BF}"/>
+              </a:ext>
+            </a:extLst>
+          </p:cNvPr>
+          <p:cNvPicPr>
+            <a:picLocks noChangeAspect="1"/>
+          </p:cNvPicPr>
+          <p:nvPr/>
+        </p:nvPicPr>
+        <p:blipFill>
+          <a:blip r:embed="rId2">
+            <a:extLst>
+              <a:ext uri="{28A0092B-C50C-407E-A947-70E740481C1C}">
+                <a14:useLocalDpi xmlns:a14="http://schemas.microsoft.com/office/drawing/2010/main" val="0"/>
+              </a:ext>
+            </a:extLst>
+          </a:blip>
+          <a:stretch>
+            <a:fillRect/>
+          </a:stretch>
+        </p:blipFill>
+        <p:spPr>
+          <a:xfrm>
+            <a:off x="10769600" y="5435600"/>
+            <a:ext cx="1422400" cy="1422400"/>
+          </a:xfrm>
+          <a:prstGeom prst="rect">
+            <a:avLst/>
+          </a:prstGeom>
+        </p:spPr>
+      </p:pic>
+    </p:spTree>
+    <p:extLst>
+      <p:ext uri="{BB962C8B-B14F-4D97-AF65-F5344CB8AC3E}">
+        <p14:creationId xmlns:p14="http://schemas.microsoft.com/office/powerpoint/2010/main" val="2298550603"/>
+      </p:ext>
+    </p:extLst>
+  </p:cSld>
+  <p:clrMapOvr>
+    <a:masterClrMapping/>
+  </p:clrMapOvr>
+</p:sld>
+</file>
+
+<file path=ppt/slides/slide18.xml><?xml version="1.0" encoding="utf-8"?>
+<p:sld xmlns:a="http://schemas.openxmlformats.org/drawingml/2006/main" xmlns:r="http://schemas.openxmlformats.org/officeDocument/2006/relationships" xmlns:p="http://schemas.openxmlformats.org/presentationml/2006/main">
+  <p:cSld>
+    <p:spTree>
+      <p:nvGrpSpPr>
+        <p:cNvPr id="1" name=""/>
+        <p:cNvGrpSpPr/>
+        <p:nvPr/>
+      </p:nvGrpSpPr>
+      <p:grpSpPr>
+        <a:xfrm>
+          <a:off x="0" y="0"/>
+          <a:ext cx="0" cy="0"/>
+          <a:chOff x="0" y="0"/>
+          <a:chExt cx="0" cy="0"/>
+        </a:xfrm>
+      </p:grpSpPr>
+      <p:sp>
+        <p:nvSpPr>
+          <p:cNvPr id="2" name="Titre 1">
+            <a:extLst>
+              <a:ext uri="{FF2B5EF4-FFF2-40B4-BE49-F238E27FC236}">
+                <a16:creationId xmlns:a16="http://schemas.microsoft.com/office/drawing/2014/main" id="{CAA876EA-FED9-49A0-94CB-4283459215B9}"/>
+              </a:ext>
+            </a:extLst>
+          </p:cNvPr>
+          <p:cNvSpPr>
+            <a:spLocks noGrp="1"/>
+          </p:cNvSpPr>
+          <p:nvPr>
+            <p:ph type="ctrTitle"/>
+          </p:nvPr>
+        </p:nvSpPr>
+        <p:spPr>
+          <a:xfrm>
+            <a:off x="0" y="381317"/>
+            <a:ext cx="12191999" cy="1041083"/>
+          </a:xfrm>
+        </p:spPr>
+        <p:txBody>
+          <a:bodyPr>
+            <a:normAutofit/>
+          </a:bodyPr>
+          <a:lstStyle/>
+          <a:p>
+            <a:r>
+              <a:rPr lang="fr-FR" dirty="0"/>
+              <a:t>Test de comparaison sur les groupes</a:t>
+            </a:r>
+          </a:p>
+        </p:txBody>
+      </p:sp>
+      <p:sp>
+        <p:nvSpPr>
+          <p:cNvPr id="3" name="Sous-titre 2">
+            <a:extLst>
+              <a:ext uri="{FF2B5EF4-FFF2-40B4-BE49-F238E27FC236}">
+                <a16:creationId xmlns:a16="http://schemas.microsoft.com/office/drawing/2014/main" id="{218B9057-36A2-4CEF-8698-A320933B4FB0}"/>
+              </a:ext>
+            </a:extLst>
+          </p:cNvPr>
+          <p:cNvSpPr>
+            <a:spLocks noGrp="1"/>
+          </p:cNvSpPr>
+          <p:nvPr>
+            <p:ph type="subTitle" idx="1"/>
+          </p:nvPr>
+        </p:nvSpPr>
+        <p:spPr>
+          <a:xfrm>
+            <a:off x="1524000" y="1897539"/>
+            <a:ext cx="9245600" cy="3062922"/>
+          </a:xfrm>
+        </p:spPr>
+        <p:txBody>
+          <a:bodyPr>
+            <a:normAutofit/>
+          </a:bodyPr>
+          <a:lstStyle/>
+          <a:p>
+            <a:endParaRPr lang="fr-FR" dirty="0"/>
+          </a:p>
+        </p:txBody>
+      </p:sp>
+      <p:pic>
+        <p:nvPicPr>
+          <p:cNvPr id="4" name="Image 3">
+            <a:extLst>
+              <a:ext uri="{FF2B5EF4-FFF2-40B4-BE49-F238E27FC236}">
+                <a16:creationId xmlns:a16="http://schemas.microsoft.com/office/drawing/2014/main" id="{D86C892C-1E6D-41AC-9500-A62F2106E5BF}"/>
+              </a:ext>
+            </a:extLst>
+          </p:cNvPr>
+          <p:cNvPicPr>
+            <a:picLocks noChangeAspect="1"/>
+          </p:cNvPicPr>
+          <p:nvPr/>
+        </p:nvPicPr>
+        <p:blipFill>
+          <a:blip r:embed="rId2">
+            <a:extLst>
+              <a:ext uri="{28A0092B-C50C-407E-A947-70E740481C1C}">
+                <a14:useLocalDpi xmlns:a14="http://schemas.microsoft.com/office/drawing/2010/main" val="0"/>
+              </a:ext>
+            </a:extLst>
+          </a:blip>
+          <a:stretch>
+            <a:fillRect/>
+          </a:stretch>
+        </p:blipFill>
+        <p:spPr>
+          <a:xfrm>
+            <a:off x="10769600" y="5435600"/>
+            <a:ext cx="1422400" cy="1422400"/>
+          </a:xfrm>
+          <a:prstGeom prst="rect">
+            <a:avLst/>
+          </a:prstGeom>
+        </p:spPr>
+      </p:pic>
+    </p:spTree>
+    <p:extLst>
+      <p:ext uri="{BB962C8B-B14F-4D97-AF65-F5344CB8AC3E}">
+        <p14:creationId xmlns:p14="http://schemas.microsoft.com/office/powerpoint/2010/main" val="2002950817"/>
+      </p:ext>
+    </p:extLst>
+  </p:cSld>
+  <p:clrMapOvr>
+    <a:masterClrMapping/>
+  </p:clrMapOvr>
+</p:sld>
+</file>
+
+<file path=ppt/slides/slide19.xml><?xml version="1.0" encoding="utf-8"?>
 <p:sld xmlns:a="http://schemas.openxmlformats.org/drawingml/2006/main" xmlns:r="http://schemas.openxmlformats.org/officeDocument/2006/relationships" xmlns:p="http://schemas.openxmlformats.org/presentationml/2006/main">
   <p:cSld>
     <p:bg>
@@ -5063,902 +8254,6 @@
     <p:extLst>
       <p:ext uri="{BB962C8B-B14F-4D97-AF65-F5344CB8AC3E}">
         <p14:creationId xmlns:p14="http://schemas.microsoft.com/office/powerpoint/2010/main" val="1730779172"/>
-      </p:ext>
-    </p:extLst>
-  </p:cSld>
-  <p:clrMapOvr>
-    <a:masterClrMapping/>
-  </p:clrMapOvr>
-</p:sld>
-</file>
-
-<file path=ppt/slides/slide12.xml><?xml version="1.0" encoding="utf-8"?>
-<p:sld xmlns:a="http://schemas.openxmlformats.org/drawingml/2006/main" xmlns:r="http://schemas.openxmlformats.org/officeDocument/2006/relationships" xmlns:p="http://schemas.openxmlformats.org/presentationml/2006/main">
-  <p:cSld>
-    <p:spTree>
-      <p:nvGrpSpPr>
-        <p:cNvPr id="1" name=""/>
-        <p:cNvGrpSpPr/>
-        <p:nvPr/>
-      </p:nvGrpSpPr>
-      <p:grpSpPr>
-        <a:xfrm>
-          <a:off x="0" y="0"/>
-          <a:ext cx="0" cy="0"/>
-          <a:chOff x="0" y="0"/>
-          <a:chExt cx="0" cy="0"/>
-        </a:xfrm>
-      </p:grpSpPr>
-      <p:sp>
-        <p:nvSpPr>
-          <p:cNvPr id="2" name="Titre 1">
-            <a:extLst>
-              <a:ext uri="{FF2B5EF4-FFF2-40B4-BE49-F238E27FC236}">
-                <a16:creationId xmlns:a16="http://schemas.microsoft.com/office/drawing/2014/main" id="{CAA876EA-FED9-49A0-94CB-4283459215B9}"/>
-              </a:ext>
-            </a:extLst>
-          </p:cNvPr>
-          <p:cNvSpPr>
-            <a:spLocks noGrp="1"/>
-          </p:cNvSpPr>
-          <p:nvPr>
-            <p:ph type="ctrTitle"/>
-          </p:nvPr>
-        </p:nvSpPr>
-        <p:spPr>
-          <a:xfrm>
-            <a:off x="1524000" y="335279"/>
-            <a:ext cx="9144000" cy="1041083"/>
-          </a:xfrm>
-        </p:spPr>
-        <p:txBody>
-          <a:bodyPr/>
-          <a:lstStyle/>
-          <a:p>
-            <a:endParaRPr lang="fr-FR" dirty="0"/>
-          </a:p>
-        </p:txBody>
-      </p:sp>
-      <p:sp>
-        <p:nvSpPr>
-          <p:cNvPr id="3" name="Sous-titre 2">
-            <a:extLst>
-              <a:ext uri="{FF2B5EF4-FFF2-40B4-BE49-F238E27FC236}">
-                <a16:creationId xmlns:a16="http://schemas.microsoft.com/office/drawing/2014/main" id="{218B9057-36A2-4CEF-8698-A320933B4FB0}"/>
-              </a:ext>
-            </a:extLst>
-          </p:cNvPr>
-          <p:cNvSpPr>
-            <a:spLocks noGrp="1"/>
-          </p:cNvSpPr>
-          <p:nvPr>
-            <p:ph type="subTitle" idx="1"/>
-          </p:nvPr>
-        </p:nvSpPr>
-        <p:spPr>
-          <a:xfrm>
-            <a:off x="1524000" y="1897539"/>
-            <a:ext cx="9245600" cy="3062922"/>
-          </a:xfrm>
-        </p:spPr>
-        <p:txBody>
-          <a:bodyPr>
-            <a:normAutofit/>
-          </a:bodyPr>
-          <a:lstStyle/>
-          <a:p>
-            <a:endParaRPr lang="fr-FR" dirty="0"/>
-          </a:p>
-        </p:txBody>
-      </p:sp>
-      <p:pic>
-        <p:nvPicPr>
-          <p:cNvPr id="4" name="Image 3">
-            <a:extLst>
-              <a:ext uri="{FF2B5EF4-FFF2-40B4-BE49-F238E27FC236}">
-                <a16:creationId xmlns:a16="http://schemas.microsoft.com/office/drawing/2014/main" id="{D86C892C-1E6D-41AC-9500-A62F2106E5BF}"/>
-              </a:ext>
-            </a:extLst>
-          </p:cNvPr>
-          <p:cNvPicPr>
-            <a:picLocks noChangeAspect="1"/>
-          </p:cNvPicPr>
-          <p:nvPr/>
-        </p:nvPicPr>
-        <p:blipFill>
-          <a:blip r:embed="rId2">
-            <a:extLst>
-              <a:ext uri="{28A0092B-C50C-407E-A947-70E740481C1C}">
-                <a14:useLocalDpi xmlns:a14="http://schemas.microsoft.com/office/drawing/2010/main" val="0"/>
-              </a:ext>
-            </a:extLst>
-          </a:blip>
-          <a:stretch>
-            <a:fillRect/>
-          </a:stretch>
-        </p:blipFill>
-        <p:spPr>
-          <a:xfrm>
-            <a:off x="10769600" y="5435600"/>
-            <a:ext cx="1422400" cy="1422400"/>
-          </a:xfrm>
-          <a:prstGeom prst="rect">
-            <a:avLst/>
-          </a:prstGeom>
-        </p:spPr>
-      </p:pic>
-    </p:spTree>
-    <p:extLst>
-      <p:ext uri="{BB962C8B-B14F-4D97-AF65-F5344CB8AC3E}">
-        <p14:creationId xmlns:p14="http://schemas.microsoft.com/office/powerpoint/2010/main" val="650731593"/>
-      </p:ext>
-    </p:extLst>
-  </p:cSld>
-  <p:clrMapOvr>
-    <a:masterClrMapping/>
-  </p:clrMapOvr>
-</p:sld>
-</file>
-
-<file path=ppt/slides/slide13.xml><?xml version="1.0" encoding="utf-8"?>
-<p:sld xmlns:a="http://schemas.openxmlformats.org/drawingml/2006/main" xmlns:r="http://schemas.openxmlformats.org/officeDocument/2006/relationships" xmlns:p="http://schemas.openxmlformats.org/presentationml/2006/main">
-  <p:cSld>
-    <p:spTree>
-      <p:nvGrpSpPr>
-        <p:cNvPr id="1" name=""/>
-        <p:cNvGrpSpPr/>
-        <p:nvPr/>
-      </p:nvGrpSpPr>
-      <p:grpSpPr>
-        <a:xfrm>
-          <a:off x="0" y="0"/>
-          <a:ext cx="0" cy="0"/>
-          <a:chOff x="0" y="0"/>
-          <a:chExt cx="0" cy="0"/>
-        </a:xfrm>
-      </p:grpSpPr>
-      <p:sp>
-        <p:nvSpPr>
-          <p:cNvPr id="2" name="Titre 1">
-            <a:extLst>
-              <a:ext uri="{FF2B5EF4-FFF2-40B4-BE49-F238E27FC236}">
-                <a16:creationId xmlns:a16="http://schemas.microsoft.com/office/drawing/2014/main" id="{CAA876EA-FED9-49A0-94CB-4283459215B9}"/>
-              </a:ext>
-            </a:extLst>
-          </p:cNvPr>
-          <p:cNvSpPr>
-            <a:spLocks noGrp="1"/>
-          </p:cNvSpPr>
-          <p:nvPr>
-            <p:ph type="ctrTitle"/>
-          </p:nvPr>
-        </p:nvSpPr>
-        <p:spPr>
-          <a:xfrm>
-            <a:off x="1524000" y="335279"/>
-            <a:ext cx="9144000" cy="1041083"/>
-          </a:xfrm>
-        </p:spPr>
-        <p:txBody>
-          <a:bodyPr/>
-          <a:lstStyle/>
-          <a:p>
-            <a:endParaRPr lang="fr-FR" dirty="0"/>
-          </a:p>
-        </p:txBody>
-      </p:sp>
-      <p:sp>
-        <p:nvSpPr>
-          <p:cNvPr id="3" name="Sous-titre 2">
-            <a:extLst>
-              <a:ext uri="{FF2B5EF4-FFF2-40B4-BE49-F238E27FC236}">
-                <a16:creationId xmlns:a16="http://schemas.microsoft.com/office/drawing/2014/main" id="{218B9057-36A2-4CEF-8698-A320933B4FB0}"/>
-              </a:ext>
-            </a:extLst>
-          </p:cNvPr>
-          <p:cNvSpPr>
-            <a:spLocks noGrp="1"/>
-          </p:cNvSpPr>
-          <p:nvPr>
-            <p:ph type="subTitle" idx="1"/>
-          </p:nvPr>
-        </p:nvSpPr>
-        <p:spPr>
-          <a:xfrm>
-            <a:off x="1524000" y="1897539"/>
-            <a:ext cx="9245600" cy="3062922"/>
-          </a:xfrm>
-        </p:spPr>
-        <p:txBody>
-          <a:bodyPr>
-            <a:normAutofit/>
-          </a:bodyPr>
-          <a:lstStyle/>
-          <a:p>
-            <a:endParaRPr lang="fr-FR" dirty="0"/>
-          </a:p>
-        </p:txBody>
-      </p:sp>
-      <p:pic>
-        <p:nvPicPr>
-          <p:cNvPr id="4" name="Image 3">
-            <a:extLst>
-              <a:ext uri="{FF2B5EF4-FFF2-40B4-BE49-F238E27FC236}">
-                <a16:creationId xmlns:a16="http://schemas.microsoft.com/office/drawing/2014/main" id="{D86C892C-1E6D-41AC-9500-A62F2106E5BF}"/>
-              </a:ext>
-            </a:extLst>
-          </p:cNvPr>
-          <p:cNvPicPr>
-            <a:picLocks noChangeAspect="1"/>
-          </p:cNvPicPr>
-          <p:nvPr/>
-        </p:nvPicPr>
-        <p:blipFill>
-          <a:blip r:embed="rId2">
-            <a:extLst>
-              <a:ext uri="{28A0092B-C50C-407E-A947-70E740481C1C}">
-                <a14:useLocalDpi xmlns:a14="http://schemas.microsoft.com/office/drawing/2010/main" val="0"/>
-              </a:ext>
-            </a:extLst>
-          </a:blip>
-          <a:stretch>
-            <a:fillRect/>
-          </a:stretch>
-        </p:blipFill>
-        <p:spPr>
-          <a:xfrm>
-            <a:off x="10769600" y="5435600"/>
-            <a:ext cx="1422400" cy="1422400"/>
-          </a:xfrm>
-          <a:prstGeom prst="rect">
-            <a:avLst/>
-          </a:prstGeom>
-        </p:spPr>
-      </p:pic>
-    </p:spTree>
-    <p:extLst>
-      <p:ext uri="{BB962C8B-B14F-4D97-AF65-F5344CB8AC3E}">
-        <p14:creationId xmlns:p14="http://schemas.microsoft.com/office/powerpoint/2010/main" val="2791180461"/>
-      </p:ext>
-    </p:extLst>
-  </p:cSld>
-  <p:clrMapOvr>
-    <a:masterClrMapping/>
-  </p:clrMapOvr>
-</p:sld>
-</file>
-
-<file path=ppt/slides/slide14.xml><?xml version="1.0" encoding="utf-8"?>
-<p:sld xmlns:a="http://schemas.openxmlformats.org/drawingml/2006/main" xmlns:r="http://schemas.openxmlformats.org/officeDocument/2006/relationships" xmlns:p="http://schemas.openxmlformats.org/presentationml/2006/main">
-  <p:cSld>
-    <p:spTree>
-      <p:nvGrpSpPr>
-        <p:cNvPr id="1" name=""/>
-        <p:cNvGrpSpPr/>
-        <p:nvPr/>
-      </p:nvGrpSpPr>
-      <p:grpSpPr>
-        <a:xfrm>
-          <a:off x="0" y="0"/>
-          <a:ext cx="0" cy="0"/>
-          <a:chOff x="0" y="0"/>
-          <a:chExt cx="0" cy="0"/>
-        </a:xfrm>
-      </p:grpSpPr>
-      <p:sp>
-        <p:nvSpPr>
-          <p:cNvPr id="2" name="Titre 1">
-            <a:extLst>
-              <a:ext uri="{FF2B5EF4-FFF2-40B4-BE49-F238E27FC236}">
-                <a16:creationId xmlns:a16="http://schemas.microsoft.com/office/drawing/2014/main" id="{CAA876EA-FED9-49A0-94CB-4283459215B9}"/>
-              </a:ext>
-            </a:extLst>
-          </p:cNvPr>
-          <p:cNvSpPr>
-            <a:spLocks noGrp="1"/>
-          </p:cNvSpPr>
-          <p:nvPr>
-            <p:ph type="ctrTitle"/>
-          </p:nvPr>
-        </p:nvSpPr>
-        <p:spPr>
-          <a:xfrm>
-            <a:off x="1524000" y="335279"/>
-            <a:ext cx="9144000" cy="1041083"/>
-          </a:xfrm>
-        </p:spPr>
-        <p:txBody>
-          <a:bodyPr/>
-          <a:lstStyle/>
-          <a:p>
-            <a:endParaRPr lang="fr-FR" dirty="0"/>
-          </a:p>
-        </p:txBody>
-      </p:sp>
-      <p:sp>
-        <p:nvSpPr>
-          <p:cNvPr id="3" name="Sous-titre 2">
-            <a:extLst>
-              <a:ext uri="{FF2B5EF4-FFF2-40B4-BE49-F238E27FC236}">
-                <a16:creationId xmlns:a16="http://schemas.microsoft.com/office/drawing/2014/main" id="{218B9057-36A2-4CEF-8698-A320933B4FB0}"/>
-              </a:ext>
-            </a:extLst>
-          </p:cNvPr>
-          <p:cNvSpPr>
-            <a:spLocks noGrp="1"/>
-          </p:cNvSpPr>
-          <p:nvPr>
-            <p:ph type="subTitle" idx="1"/>
-          </p:nvPr>
-        </p:nvSpPr>
-        <p:spPr>
-          <a:xfrm>
-            <a:off x="1524000" y="1897539"/>
-            <a:ext cx="9245600" cy="3062922"/>
-          </a:xfrm>
-        </p:spPr>
-        <p:txBody>
-          <a:bodyPr>
-            <a:normAutofit/>
-          </a:bodyPr>
-          <a:lstStyle/>
-          <a:p>
-            <a:endParaRPr lang="fr-FR" dirty="0"/>
-          </a:p>
-        </p:txBody>
-      </p:sp>
-      <p:pic>
-        <p:nvPicPr>
-          <p:cNvPr id="4" name="Image 3">
-            <a:extLst>
-              <a:ext uri="{FF2B5EF4-FFF2-40B4-BE49-F238E27FC236}">
-                <a16:creationId xmlns:a16="http://schemas.microsoft.com/office/drawing/2014/main" id="{D86C892C-1E6D-41AC-9500-A62F2106E5BF}"/>
-              </a:ext>
-            </a:extLst>
-          </p:cNvPr>
-          <p:cNvPicPr>
-            <a:picLocks noChangeAspect="1"/>
-          </p:cNvPicPr>
-          <p:nvPr/>
-        </p:nvPicPr>
-        <p:blipFill>
-          <a:blip r:embed="rId2">
-            <a:extLst>
-              <a:ext uri="{28A0092B-C50C-407E-A947-70E740481C1C}">
-                <a14:useLocalDpi xmlns:a14="http://schemas.microsoft.com/office/drawing/2010/main" val="0"/>
-              </a:ext>
-            </a:extLst>
-          </a:blip>
-          <a:stretch>
-            <a:fillRect/>
-          </a:stretch>
-        </p:blipFill>
-        <p:spPr>
-          <a:xfrm>
-            <a:off x="10769600" y="5435600"/>
-            <a:ext cx="1422400" cy="1422400"/>
-          </a:xfrm>
-          <a:prstGeom prst="rect">
-            <a:avLst/>
-          </a:prstGeom>
-        </p:spPr>
-      </p:pic>
-    </p:spTree>
-    <p:extLst>
-      <p:ext uri="{BB962C8B-B14F-4D97-AF65-F5344CB8AC3E}">
-        <p14:creationId xmlns:p14="http://schemas.microsoft.com/office/powerpoint/2010/main" val="2362791817"/>
-      </p:ext>
-    </p:extLst>
-  </p:cSld>
-  <p:clrMapOvr>
-    <a:masterClrMapping/>
-  </p:clrMapOvr>
-</p:sld>
-</file>
-
-<file path=ppt/slides/slide15.xml><?xml version="1.0" encoding="utf-8"?>
-<p:sld xmlns:a="http://schemas.openxmlformats.org/drawingml/2006/main" xmlns:r="http://schemas.openxmlformats.org/officeDocument/2006/relationships" xmlns:p="http://schemas.openxmlformats.org/presentationml/2006/main">
-  <p:cSld>
-    <p:spTree>
-      <p:nvGrpSpPr>
-        <p:cNvPr id="1" name=""/>
-        <p:cNvGrpSpPr/>
-        <p:nvPr/>
-      </p:nvGrpSpPr>
-      <p:grpSpPr>
-        <a:xfrm>
-          <a:off x="0" y="0"/>
-          <a:ext cx="0" cy="0"/>
-          <a:chOff x="0" y="0"/>
-          <a:chExt cx="0" cy="0"/>
-        </a:xfrm>
-      </p:grpSpPr>
-      <p:sp>
-        <p:nvSpPr>
-          <p:cNvPr id="2" name="Titre 1">
-            <a:extLst>
-              <a:ext uri="{FF2B5EF4-FFF2-40B4-BE49-F238E27FC236}">
-                <a16:creationId xmlns:a16="http://schemas.microsoft.com/office/drawing/2014/main" id="{CAA876EA-FED9-49A0-94CB-4283459215B9}"/>
-              </a:ext>
-            </a:extLst>
-          </p:cNvPr>
-          <p:cNvSpPr>
-            <a:spLocks noGrp="1"/>
-          </p:cNvSpPr>
-          <p:nvPr>
-            <p:ph type="ctrTitle"/>
-          </p:nvPr>
-        </p:nvSpPr>
-        <p:spPr>
-          <a:xfrm>
-            <a:off x="1524000" y="335279"/>
-            <a:ext cx="9144000" cy="1041083"/>
-          </a:xfrm>
-        </p:spPr>
-        <p:txBody>
-          <a:bodyPr/>
-          <a:lstStyle/>
-          <a:p>
-            <a:endParaRPr lang="fr-FR" dirty="0"/>
-          </a:p>
-        </p:txBody>
-      </p:sp>
-      <p:sp>
-        <p:nvSpPr>
-          <p:cNvPr id="3" name="Sous-titre 2">
-            <a:extLst>
-              <a:ext uri="{FF2B5EF4-FFF2-40B4-BE49-F238E27FC236}">
-                <a16:creationId xmlns:a16="http://schemas.microsoft.com/office/drawing/2014/main" id="{218B9057-36A2-4CEF-8698-A320933B4FB0}"/>
-              </a:ext>
-            </a:extLst>
-          </p:cNvPr>
-          <p:cNvSpPr>
-            <a:spLocks noGrp="1"/>
-          </p:cNvSpPr>
-          <p:nvPr>
-            <p:ph type="subTitle" idx="1"/>
-          </p:nvPr>
-        </p:nvSpPr>
-        <p:spPr>
-          <a:xfrm>
-            <a:off x="1524000" y="1897539"/>
-            <a:ext cx="9245600" cy="3062922"/>
-          </a:xfrm>
-        </p:spPr>
-        <p:txBody>
-          <a:bodyPr>
-            <a:normAutofit/>
-          </a:bodyPr>
-          <a:lstStyle/>
-          <a:p>
-            <a:endParaRPr lang="fr-FR" dirty="0"/>
-          </a:p>
-        </p:txBody>
-      </p:sp>
-      <p:pic>
-        <p:nvPicPr>
-          <p:cNvPr id="4" name="Image 3">
-            <a:extLst>
-              <a:ext uri="{FF2B5EF4-FFF2-40B4-BE49-F238E27FC236}">
-                <a16:creationId xmlns:a16="http://schemas.microsoft.com/office/drawing/2014/main" id="{D86C892C-1E6D-41AC-9500-A62F2106E5BF}"/>
-              </a:ext>
-            </a:extLst>
-          </p:cNvPr>
-          <p:cNvPicPr>
-            <a:picLocks noChangeAspect="1"/>
-          </p:cNvPicPr>
-          <p:nvPr/>
-        </p:nvPicPr>
-        <p:blipFill>
-          <a:blip r:embed="rId2">
-            <a:extLst>
-              <a:ext uri="{28A0092B-C50C-407E-A947-70E740481C1C}">
-                <a14:useLocalDpi xmlns:a14="http://schemas.microsoft.com/office/drawing/2010/main" val="0"/>
-              </a:ext>
-            </a:extLst>
-          </a:blip>
-          <a:stretch>
-            <a:fillRect/>
-          </a:stretch>
-        </p:blipFill>
-        <p:spPr>
-          <a:xfrm>
-            <a:off x="10769600" y="5435600"/>
-            <a:ext cx="1422400" cy="1422400"/>
-          </a:xfrm>
-          <a:prstGeom prst="rect">
-            <a:avLst/>
-          </a:prstGeom>
-        </p:spPr>
-      </p:pic>
-    </p:spTree>
-    <p:extLst>
-      <p:ext uri="{BB962C8B-B14F-4D97-AF65-F5344CB8AC3E}">
-        <p14:creationId xmlns:p14="http://schemas.microsoft.com/office/powerpoint/2010/main" val="1368233329"/>
-      </p:ext>
-    </p:extLst>
-  </p:cSld>
-  <p:clrMapOvr>
-    <a:masterClrMapping/>
-  </p:clrMapOvr>
-</p:sld>
-</file>
-
-<file path=ppt/slides/slide16.xml><?xml version="1.0" encoding="utf-8"?>
-<p:sld xmlns:a="http://schemas.openxmlformats.org/drawingml/2006/main" xmlns:r="http://schemas.openxmlformats.org/officeDocument/2006/relationships" xmlns:p="http://schemas.openxmlformats.org/presentationml/2006/main">
-  <p:cSld>
-    <p:spTree>
-      <p:nvGrpSpPr>
-        <p:cNvPr id="1" name=""/>
-        <p:cNvGrpSpPr/>
-        <p:nvPr/>
-      </p:nvGrpSpPr>
-      <p:grpSpPr>
-        <a:xfrm>
-          <a:off x="0" y="0"/>
-          <a:ext cx="0" cy="0"/>
-          <a:chOff x="0" y="0"/>
-          <a:chExt cx="0" cy="0"/>
-        </a:xfrm>
-      </p:grpSpPr>
-      <p:sp>
-        <p:nvSpPr>
-          <p:cNvPr id="2" name="Titre 1">
-            <a:extLst>
-              <a:ext uri="{FF2B5EF4-FFF2-40B4-BE49-F238E27FC236}">
-                <a16:creationId xmlns:a16="http://schemas.microsoft.com/office/drawing/2014/main" id="{CAA876EA-FED9-49A0-94CB-4283459215B9}"/>
-              </a:ext>
-            </a:extLst>
-          </p:cNvPr>
-          <p:cNvSpPr>
-            <a:spLocks noGrp="1"/>
-          </p:cNvSpPr>
-          <p:nvPr>
-            <p:ph type="ctrTitle"/>
-          </p:nvPr>
-        </p:nvSpPr>
-        <p:spPr>
-          <a:xfrm>
-            <a:off x="1524000" y="335279"/>
-            <a:ext cx="9144000" cy="1041083"/>
-          </a:xfrm>
-        </p:spPr>
-        <p:txBody>
-          <a:bodyPr/>
-          <a:lstStyle/>
-          <a:p>
-            <a:endParaRPr lang="fr-FR" dirty="0"/>
-          </a:p>
-        </p:txBody>
-      </p:sp>
-      <p:sp>
-        <p:nvSpPr>
-          <p:cNvPr id="3" name="Sous-titre 2">
-            <a:extLst>
-              <a:ext uri="{FF2B5EF4-FFF2-40B4-BE49-F238E27FC236}">
-                <a16:creationId xmlns:a16="http://schemas.microsoft.com/office/drawing/2014/main" id="{218B9057-36A2-4CEF-8698-A320933B4FB0}"/>
-              </a:ext>
-            </a:extLst>
-          </p:cNvPr>
-          <p:cNvSpPr>
-            <a:spLocks noGrp="1"/>
-          </p:cNvSpPr>
-          <p:nvPr>
-            <p:ph type="subTitle" idx="1"/>
-          </p:nvPr>
-        </p:nvSpPr>
-        <p:spPr>
-          <a:xfrm>
-            <a:off x="1524000" y="1897539"/>
-            <a:ext cx="9245600" cy="3062922"/>
-          </a:xfrm>
-        </p:spPr>
-        <p:txBody>
-          <a:bodyPr>
-            <a:normAutofit/>
-          </a:bodyPr>
-          <a:lstStyle/>
-          <a:p>
-            <a:endParaRPr lang="fr-FR" dirty="0"/>
-          </a:p>
-        </p:txBody>
-      </p:sp>
-      <p:pic>
-        <p:nvPicPr>
-          <p:cNvPr id="4" name="Image 3">
-            <a:extLst>
-              <a:ext uri="{FF2B5EF4-FFF2-40B4-BE49-F238E27FC236}">
-                <a16:creationId xmlns:a16="http://schemas.microsoft.com/office/drawing/2014/main" id="{D86C892C-1E6D-41AC-9500-A62F2106E5BF}"/>
-              </a:ext>
-            </a:extLst>
-          </p:cNvPr>
-          <p:cNvPicPr>
-            <a:picLocks noChangeAspect="1"/>
-          </p:cNvPicPr>
-          <p:nvPr/>
-        </p:nvPicPr>
-        <p:blipFill>
-          <a:blip r:embed="rId2">
-            <a:extLst>
-              <a:ext uri="{28A0092B-C50C-407E-A947-70E740481C1C}">
-                <a14:useLocalDpi xmlns:a14="http://schemas.microsoft.com/office/drawing/2010/main" val="0"/>
-              </a:ext>
-            </a:extLst>
-          </a:blip>
-          <a:stretch>
-            <a:fillRect/>
-          </a:stretch>
-        </p:blipFill>
-        <p:spPr>
-          <a:xfrm>
-            <a:off x="10769600" y="5435600"/>
-            <a:ext cx="1422400" cy="1422400"/>
-          </a:xfrm>
-          <a:prstGeom prst="rect">
-            <a:avLst/>
-          </a:prstGeom>
-        </p:spPr>
-      </p:pic>
-    </p:spTree>
-    <p:extLst>
-      <p:ext uri="{BB962C8B-B14F-4D97-AF65-F5344CB8AC3E}">
-        <p14:creationId xmlns:p14="http://schemas.microsoft.com/office/powerpoint/2010/main" val="2218559134"/>
-      </p:ext>
-    </p:extLst>
-  </p:cSld>
-  <p:clrMapOvr>
-    <a:masterClrMapping/>
-  </p:clrMapOvr>
-</p:sld>
-</file>
-
-<file path=ppt/slides/slide17.xml><?xml version="1.0" encoding="utf-8"?>
-<p:sld xmlns:a="http://schemas.openxmlformats.org/drawingml/2006/main" xmlns:r="http://schemas.openxmlformats.org/officeDocument/2006/relationships" xmlns:p="http://schemas.openxmlformats.org/presentationml/2006/main">
-  <p:cSld>
-    <p:spTree>
-      <p:nvGrpSpPr>
-        <p:cNvPr id="1" name=""/>
-        <p:cNvGrpSpPr/>
-        <p:nvPr/>
-      </p:nvGrpSpPr>
-      <p:grpSpPr>
-        <a:xfrm>
-          <a:off x="0" y="0"/>
-          <a:ext cx="0" cy="0"/>
-          <a:chOff x="0" y="0"/>
-          <a:chExt cx="0" cy="0"/>
-        </a:xfrm>
-      </p:grpSpPr>
-      <p:sp>
-        <p:nvSpPr>
-          <p:cNvPr id="2" name="Titre 1">
-            <a:extLst>
-              <a:ext uri="{FF2B5EF4-FFF2-40B4-BE49-F238E27FC236}">
-                <a16:creationId xmlns:a16="http://schemas.microsoft.com/office/drawing/2014/main" id="{CAA876EA-FED9-49A0-94CB-4283459215B9}"/>
-              </a:ext>
-            </a:extLst>
-          </p:cNvPr>
-          <p:cNvSpPr>
-            <a:spLocks noGrp="1"/>
-          </p:cNvSpPr>
-          <p:nvPr>
-            <p:ph type="ctrTitle"/>
-          </p:nvPr>
-        </p:nvSpPr>
-        <p:spPr>
-          <a:xfrm>
-            <a:off x="1524000" y="335279"/>
-            <a:ext cx="9144000" cy="1041083"/>
-          </a:xfrm>
-        </p:spPr>
-        <p:txBody>
-          <a:bodyPr/>
-          <a:lstStyle/>
-          <a:p>
-            <a:endParaRPr lang="fr-FR" dirty="0"/>
-          </a:p>
-        </p:txBody>
-      </p:sp>
-      <p:sp>
-        <p:nvSpPr>
-          <p:cNvPr id="3" name="Sous-titre 2">
-            <a:extLst>
-              <a:ext uri="{FF2B5EF4-FFF2-40B4-BE49-F238E27FC236}">
-                <a16:creationId xmlns:a16="http://schemas.microsoft.com/office/drawing/2014/main" id="{218B9057-36A2-4CEF-8698-A320933B4FB0}"/>
-              </a:ext>
-            </a:extLst>
-          </p:cNvPr>
-          <p:cNvSpPr>
-            <a:spLocks noGrp="1"/>
-          </p:cNvSpPr>
-          <p:nvPr>
-            <p:ph type="subTitle" idx="1"/>
-          </p:nvPr>
-        </p:nvSpPr>
-        <p:spPr>
-          <a:xfrm>
-            <a:off x="1524000" y="1897539"/>
-            <a:ext cx="9245600" cy="3062922"/>
-          </a:xfrm>
-        </p:spPr>
-        <p:txBody>
-          <a:bodyPr>
-            <a:normAutofit/>
-          </a:bodyPr>
-          <a:lstStyle/>
-          <a:p>
-            <a:endParaRPr lang="fr-FR" dirty="0"/>
-          </a:p>
-        </p:txBody>
-      </p:sp>
-      <p:pic>
-        <p:nvPicPr>
-          <p:cNvPr id="4" name="Image 3">
-            <a:extLst>
-              <a:ext uri="{FF2B5EF4-FFF2-40B4-BE49-F238E27FC236}">
-                <a16:creationId xmlns:a16="http://schemas.microsoft.com/office/drawing/2014/main" id="{D86C892C-1E6D-41AC-9500-A62F2106E5BF}"/>
-              </a:ext>
-            </a:extLst>
-          </p:cNvPr>
-          <p:cNvPicPr>
-            <a:picLocks noChangeAspect="1"/>
-          </p:cNvPicPr>
-          <p:nvPr/>
-        </p:nvPicPr>
-        <p:blipFill>
-          <a:blip r:embed="rId2">
-            <a:extLst>
-              <a:ext uri="{28A0092B-C50C-407E-A947-70E740481C1C}">
-                <a14:useLocalDpi xmlns:a14="http://schemas.microsoft.com/office/drawing/2010/main" val="0"/>
-              </a:ext>
-            </a:extLst>
-          </a:blip>
-          <a:stretch>
-            <a:fillRect/>
-          </a:stretch>
-        </p:blipFill>
-        <p:spPr>
-          <a:xfrm>
-            <a:off x="10769600" y="5435600"/>
-            <a:ext cx="1422400" cy="1422400"/>
-          </a:xfrm>
-          <a:prstGeom prst="rect">
-            <a:avLst/>
-          </a:prstGeom>
-        </p:spPr>
-      </p:pic>
-    </p:spTree>
-    <p:extLst>
-      <p:ext uri="{BB962C8B-B14F-4D97-AF65-F5344CB8AC3E}">
-        <p14:creationId xmlns:p14="http://schemas.microsoft.com/office/powerpoint/2010/main" val="1762302374"/>
-      </p:ext>
-    </p:extLst>
-  </p:cSld>
-  <p:clrMapOvr>
-    <a:masterClrMapping/>
-  </p:clrMapOvr>
-</p:sld>
-</file>
-
-<file path=ppt/slides/slide18.xml><?xml version="1.0" encoding="utf-8"?>
-<p:sld xmlns:a="http://schemas.openxmlformats.org/drawingml/2006/main" xmlns:r="http://schemas.openxmlformats.org/officeDocument/2006/relationships" xmlns:p="http://schemas.openxmlformats.org/presentationml/2006/main">
-  <p:cSld>
-    <p:spTree>
-      <p:nvGrpSpPr>
-        <p:cNvPr id="1" name=""/>
-        <p:cNvGrpSpPr/>
-        <p:nvPr/>
-      </p:nvGrpSpPr>
-      <p:grpSpPr>
-        <a:xfrm>
-          <a:off x="0" y="0"/>
-          <a:ext cx="0" cy="0"/>
-          <a:chOff x="0" y="0"/>
-          <a:chExt cx="0" cy="0"/>
-        </a:xfrm>
-      </p:grpSpPr>
-      <p:sp>
-        <p:nvSpPr>
-          <p:cNvPr id="2" name="Titre 1">
-            <a:extLst>
-              <a:ext uri="{FF2B5EF4-FFF2-40B4-BE49-F238E27FC236}">
-                <a16:creationId xmlns:a16="http://schemas.microsoft.com/office/drawing/2014/main" id="{CAA876EA-FED9-49A0-94CB-4283459215B9}"/>
-              </a:ext>
-            </a:extLst>
-          </p:cNvPr>
-          <p:cNvSpPr>
-            <a:spLocks noGrp="1"/>
-          </p:cNvSpPr>
-          <p:nvPr>
-            <p:ph type="ctrTitle"/>
-          </p:nvPr>
-        </p:nvSpPr>
-        <p:spPr>
-          <a:xfrm>
-            <a:off x="1524000" y="335279"/>
-            <a:ext cx="9144000" cy="1041083"/>
-          </a:xfrm>
-        </p:spPr>
-        <p:txBody>
-          <a:bodyPr/>
-          <a:lstStyle/>
-          <a:p>
-            <a:endParaRPr lang="fr-FR" dirty="0"/>
-          </a:p>
-        </p:txBody>
-      </p:sp>
-      <p:sp>
-        <p:nvSpPr>
-          <p:cNvPr id="3" name="Sous-titre 2">
-            <a:extLst>
-              <a:ext uri="{FF2B5EF4-FFF2-40B4-BE49-F238E27FC236}">
-                <a16:creationId xmlns:a16="http://schemas.microsoft.com/office/drawing/2014/main" id="{218B9057-36A2-4CEF-8698-A320933B4FB0}"/>
-              </a:ext>
-            </a:extLst>
-          </p:cNvPr>
-          <p:cNvSpPr>
-            <a:spLocks noGrp="1"/>
-          </p:cNvSpPr>
-          <p:nvPr>
-            <p:ph type="subTitle" idx="1"/>
-          </p:nvPr>
-        </p:nvSpPr>
-        <p:spPr>
-          <a:xfrm>
-            <a:off x="1524000" y="1897539"/>
-            <a:ext cx="9245600" cy="3062922"/>
-          </a:xfrm>
-        </p:spPr>
-        <p:txBody>
-          <a:bodyPr>
-            <a:normAutofit/>
-          </a:bodyPr>
-          <a:lstStyle/>
-          <a:p>
-            <a:endParaRPr lang="fr-FR" dirty="0"/>
-          </a:p>
-        </p:txBody>
-      </p:sp>
-      <p:pic>
-        <p:nvPicPr>
-          <p:cNvPr id="4" name="Image 3">
-            <a:extLst>
-              <a:ext uri="{FF2B5EF4-FFF2-40B4-BE49-F238E27FC236}">
-                <a16:creationId xmlns:a16="http://schemas.microsoft.com/office/drawing/2014/main" id="{D86C892C-1E6D-41AC-9500-A62F2106E5BF}"/>
-              </a:ext>
-            </a:extLst>
-          </p:cNvPr>
-          <p:cNvPicPr>
-            <a:picLocks noChangeAspect="1"/>
-          </p:cNvPicPr>
-          <p:nvPr/>
-        </p:nvPicPr>
-        <p:blipFill>
-          <a:blip r:embed="rId2">
-            <a:extLst>
-              <a:ext uri="{28A0092B-C50C-407E-A947-70E740481C1C}">
-                <a14:useLocalDpi xmlns:a14="http://schemas.microsoft.com/office/drawing/2010/main" val="0"/>
-              </a:ext>
-            </a:extLst>
-          </a:blip>
-          <a:stretch>
-            <a:fillRect/>
-          </a:stretch>
-        </p:blipFill>
-        <p:spPr>
-          <a:xfrm>
-            <a:off x="10769600" y="5435600"/>
-            <a:ext cx="1422400" cy="1422400"/>
-          </a:xfrm>
-          <a:prstGeom prst="rect">
-            <a:avLst/>
-          </a:prstGeom>
-        </p:spPr>
-      </p:pic>
-    </p:spTree>
-    <p:extLst>
-      <p:ext uri="{BB962C8B-B14F-4D97-AF65-F5344CB8AC3E}">
-        <p14:creationId xmlns:p14="http://schemas.microsoft.com/office/powerpoint/2010/main" val="3731465055"/>
       </p:ext>
     </p:extLst>
   </p:cSld>
@@ -6718,6 +9013,905 @@
 </p:sld>
 </file>
 
+<file path=ppt/slides/slide20.xml><?xml version="1.0" encoding="utf-8"?>
+<p:sld xmlns:a="http://schemas.openxmlformats.org/drawingml/2006/main" xmlns:r="http://schemas.openxmlformats.org/officeDocument/2006/relationships" xmlns:p="http://schemas.openxmlformats.org/presentationml/2006/main">
+  <p:cSld>
+    <p:spTree>
+      <p:nvGrpSpPr>
+        <p:cNvPr id="1" name=""/>
+        <p:cNvGrpSpPr/>
+        <p:nvPr/>
+      </p:nvGrpSpPr>
+      <p:grpSpPr>
+        <a:xfrm>
+          <a:off x="0" y="0"/>
+          <a:ext cx="0" cy="0"/>
+          <a:chOff x="0" y="0"/>
+          <a:chExt cx="0" cy="0"/>
+        </a:xfrm>
+      </p:grpSpPr>
+      <p:sp>
+        <p:nvSpPr>
+          <p:cNvPr id="2" name="Titre 1">
+            <a:extLst>
+              <a:ext uri="{FF2B5EF4-FFF2-40B4-BE49-F238E27FC236}">
+                <a16:creationId xmlns:a16="http://schemas.microsoft.com/office/drawing/2014/main" id="{CAA876EA-FED9-49A0-94CB-4283459215B9}"/>
+              </a:ext>
+            </a:extLst>
+          </p:cNvPr>
+          <p:cNvSpPr>
+            <a:spLocks noGrp="1"/>
+          </p:cNvSpPr>
+          <p:nvPr>
+            <p:ph type="ctrTitle"/>
+          </p:nvPr>
+        </p:nvSpPr>
+        <p:spPr>
+          <a:xfrm>
+            <a:off x="1524000" y="335279"/>
+            <a:ext cx="9144000" cy="1041083"/>
+          </a:xfrm>
+        </p:spPr>
+        <p:txBody>
+          <a:bodyPr/>
+          <a:lstStyle/>
+          <a:p>
+            <a:r>
+              <a:rPr lang="fr-FR" dirty="0"/>
+              <a:t>Voici la liste : </a:t>
+            </a:r>
+          </a:p>
+        </p:txBody>
+      </p:sp>
+      <p:sp>
+        <p:nvSpPr>
+          <p:cNvPr id="3" name="Sous-titre 2">
+            <a:extLst>
+              <a:ext uri="{FF2B5EF4-FFF2-40B4-BE49-F238E27FC236}">
+                <a16:creationId xmlns:a16="http://schemas.microsoft.com/office/drawing/2014/main" id="{218B9057-36A2-4CEF-8698-A320933B4FB0}"/>
+              </a:ext>
+            </a:extLst>
+          </p:cNvPr>
+          <p:cNvSpPr>
+            <a:spLocks noGrp="1"/>
+          </p:cNvSpPr>
+          <p:nvPr>
+            <p:ph type="subTitle" idx="1"/>
+          </p:nvPr>
+        </p:nvSpPr>
+        <p:spPr>
+          <a:xfrm>
+            <a:off x="1524000" y="1897539"/>
+            <a:ext cx="9245600" cy="3062922"/>
+          </a:xfrm>
+        </p:spPr>
+        <p:txBody>
+          <a:bodyPr>
+            <a:normAutofit/>
+          </a:bodyPr>
+          <a:lstStyle/>
+          <a:p>
+            <a:endParaRPr lang="fr-FR" dirty="0"/>
+          </a:p>
+        </p:txBody>
+      </p:sp>
+      <p:pic>
+        <p:nvPicPr>
+          <p:cNvPr id="4" name="Image 3">
+            <a:extLst>
+              <a:ext uri="{FF2B5EF4-FFF2-40B4-BE49-F238E27FC236}">
+                <a16:creationId xmlns:a16="http://schemas.microsoft.com/office/drawing/2014/main" id="{D86C892C-1E6D-41AC-9500-A62F2106E5BF}"/>
+              </a:ext>
+            </a:extLst>
+          </p:cNvPr>
+          <p:cNvPicPr>
+            <a:picLocks noChangeAspect="1"/>
+          </p:cNvPicPr>
+          <p:nvPr/>
+        </p:nvPicPr>
+        <p:blipFill>
+          <a:blip r:embed="rId2">
+            <a:extLst>
+              <a:ext uri="{28A0092B-C50C-407E-A947-70E740481C1C}">
+                <a14:useLocalDpi xmlns:a14="http://schemas.microsoft.com/office/drawing/2010/main" val="0"/>
+              </a:ext>
+            </a:extLst>
+          </a:blip>
+          <a:stretch>
+            <a:fillRect/>
+          </a:stretch>
+        </p:blipFill>
+        <p:spPr>
+          <a:xfrm>
+            <a:off x="10769600" y="5435600"/>
+            <a:ext cx="1422400" cy="1422400"/>
+          </a:xfrm>
+          <a:prstGeom prst="rect">
+            <a:avLst/>
+          </a:prstGeom>
+        </p:spPr>
+      </p:pic>
+    </p:spTree>
+    <p:extLst>
+      <p:ext uri="{BB962C8B-B14F-4D97-AF65-F5344CB8AC3E}">
+        <p14:creationId xmlns:p14="http://schemas.microsoft.com/office/powerpoint/2010/main" val="650731593"/>
+      </p:ext>
+    </p:extLst>
+  </p:cSld>
+  <p:clrMapOvr>
+    <a:masterClrMapping/>
+  </p:clrMapOvr>
+</p:sld>
+</file>
+
+<file path=ppt/slides/slide21.xml><?xml version="1.0" encoding="utf-8"?>
+<p:sld xmlns:a="http://schemas.openxmlformats.org/drawingml/2006/main" xmlns:r="http://schemas.openxmlformats.org/officeDocument/2006/relationships" xmlns:p="http://schemas.openxmlformats.org/presentationml/2006/main">
+  <p:cSld>
+    <p:spTree>
+      <p:nvGrpSpPr>
+        <p:cNvPr id="1" name=""/>
+        <p:cNvGrpSpPr/>
+        <p:nvPr/>
+      </p:nvGrpSpPr>
+      <p:grpSpPr>
+        <a:xfrm>
+          <a:off x="0" y="0"/>
+          <a:ext cx="0" cy="0"/>
+          <a:chOff x="0" y="0"/>
+          <a:chExt cx="0" cy="0"/>
+        </a:xfrm>
+      </p:grpSpPr>
+      <p:sp>
+        <p:nvSpPr>
+          <p:cNvPr id="2" name="Titre 1">
+            <a:extLst>
+              <a:ext uri="{FF2B5EF4-FFF2-40B4-BE49-F238E27FC236}">
+                <a16:creationId xmlns:a16="http://schemas.microsoft.com/office/drawing/2014/main" id="{CAA876EA-FED9-49A0-94CB-4283459215B9}"/>
+              </a:ext>
+            </a:extLst>
+          </p:cNvPr>
+          <p:cNvSpPr>
+            <a:spLocks noGrp="1"/>
+          </p:cNvSpPr>
+          <p:nvPr>
+            <p:ph type="ctrTitle"/>
+          </p:nvPr>
+        </p:nvSpPr>
+        <p:spPr>
+          <a:xfrm>
+            <a:off x="1524000" y="335279"/>
+            <a:ext cx="9144000" cy="1041083"/>
+          </a:xfrm>
+        </p:spPr>
+        <p:txBody>
+          <a:bodyPr/>
+          <a:lstStyle/>
+          <a:p>
+            <a:endParaRPr lang="fr-FR" dirty="0"/>
+          </a:p>
+        </p:txBody>
+      </p:sp>
+      <p:sp>
+        <p:nvSpPr>
+          <p:cNvPr id="3" name="Sous-titre 2">
+            <a:extLst>
+              <a:ext uri="{FF2B5EF4-FFF2-40B4-BE49-F238E27FC236}">
+                <a16:creationId xmlns:a16="http://schemas.microsoft.com/office/drawing/2014/main" id="{218B9057-36A2-4CEF-8698-A320933B4FB0}"/>
+              </a:ext>
+            </a:extLst>
+          </p:cNvPr>
+          <p:cNvSpPr>
+            <a:spLocks noGrp="1"/>
+          </p:cNvSpPr>
+          <p:nvPr>
+            <p:ph type="subTitle" idx="1"/>
+          </p:nvPr>
+        </p:nvSpPr>
+        <p:spPr>
+          <a:xfrm>
+            <a:off x="1524000" y="1897539"/>
+            <a:ext cx="9245600" cy="3062922"/>
+          </a:xfrm>
+        </p:spPr>
+        <p:txBody>
+          <a:bodyPr>
+            <a:normAutofit/>
+          </a:bodyPr>
+          <a:lstStyle/>
+          <a:p>
+            <a:endParaRPr lang="fr-FR" dirty="0"/>
+          </a:p>
+        </p:txBody>
+      </p:sp>
+      <p:pic>
+        <p:nvPicPr>
+          <p:cNvPr id="4" name="Image 3">
+            <a:extLst>
+              <a:ext uri="{FF2B5EF4-FFF2-40B4-BE49-F238E27FC236}">
+                <a16:creationId xmlns:a16="http://schemas.microsoft.com/office/drawing/2014/main" id="{D86C892C-1E6D-41AC-9500-A62F2106E5BF}"/>
+              </a:ext>
+            </a:extLst>
+          </p:cNvPr>
+          <p:cNvPicPr>
+            <a:picLocks noChangeAspect="1"/>
+          </p:cNvPicPr>
+          <p:nvPr/>
+        </p:nvPicPr>
+        <p:blipFill>
+          <a:blip r:embed="rId2">
+            <a:extLst>
+              <a:ext uri="{28A0092B-C50C-407E-A947-70E740481C1C}">
+                <a14:useLocalDpi xmlns:a14="http://schemas.microsoft.com/office/drawing/2010/main" val="0"/>
+              </a:ext>
+            </a:extLst>
+          </a:blip>
+          <a:stretch>
+            <a:fillRect/>
+          </a:stretch>
+        </p:blipFill>
+        <p:spPr>
+          <a:xfrm>
+            <a:off x="10769600" y="5435600"/>
+            <a:ext cx="1422400" cy="1422400"/>
+          </a:xfrm>
+          <a:prstGeom prst="rect">
+            <a:avLst/>
+          </a:prstGeom>
+        </p:spPr>
+      </p:pic>
+    </p:spTree>
+    <p:extLst>
+      <p:ext uri="{BB962C8B-B14F-4D97-AF65-F5344CB8AC3E}">
+        <p14:creationId xmlns:p14="http://schemas.microsoft.com/office/powerpoint/2010/main" val="2791180461"/>
+      </p:ext>
+    </p:extLst>
+  </p:cSld>
+  <p:clrMapOvr>
+    <a:masterClrMapping/>
+  </p:clrMapOvr>
+</p:sld>
+</file>
+
+<file path=ppt/slides/slide22.xml><?xml version="1.0" encoding="utf-8"?>
+<p:sld xmlns:a="http://schemas.openxmlformats.org/drawingml/2006/main" xmlns:r="http://schemas.openxmlformats.org/officeDocument/2006/relationships" xmlns:p="http://schemas.openxmlformats.org/presentationml/2006/main">
+  <p:cSld>
+    <p:spTree>
+      <p:nvGrpSpPr>
+        <p:cNvPr id="1" name=""/>
+        <p:cNvGrpSpPr/>
+        <p:nvPr/>
+      </p:nvGrpSpPr>
+      <p:grpSpPr>
+        <a:xfrm>
+          <a:off x="0" y="0"/>
+          <a:ext cx="0" cy="0"/>
+          <a:chOff x="0" y="0"/>
+          <a:chExt cx="0" cy="0"/>
+        </a:xfrm>
+      </p:grpSpPr>
+      <p:sp>
+        <p:nvSpPr>
+          <p:cNvPr id="2" name="Titre 1">
+            <a:extLst>
+              <a:ext uri="{FF2B5EF4-FFF2-40B4-BE49-F238E27FC236}">
+                <a16:creationId xmlns:a16="http://schemas.microsoft.com/office/drawing/2014/main" id="{CAA876EA-FED9-49A0-94CB-4283459215B9}"/>
+              </a:ext>
+            </a:extLst>
+          </p:cNvPr>
+          <p:cNvSpPr>
+            <a:spLocks noGrp="1"/>
+          </p:cNvSpPr>
+          <p:nvPr>
+            <p:ph type="ctrTitle"/>
+          </p:nvPr>
+        </p:nvSpPr>
+        <p:spPr>
+          <a:xfrm>
+            <a:off x="1524000" y="335279"/>
+            <a:ext cx="9144000" cy="1041083"/>
+          </a:xfrm>
+        </p:spPr>
+        <p:txBody>
+          <a:bodyPr/>
+          <a:lstStyle/>
+          <a:p>
+            <a:endParaRPr lang="fr-FR" dirty="0"/>
+          </a:p>
+        </p:txBody>
+      </p:sp>
+      <p:sp>
+        <p:nvSpPr>
+          <p:cNvPr id="3" name="Sous-titre 2">
+            <a:extLst>
+              <a:ext uri="{FF2B5EF4-FFF2-40B4-BE49-F238E27FC236}">
+                <a16:creationId xmlns:a16="http://schemas.microsoft.com/office/drawing/2014/main" id="{218B9057-36A2-4CEF-8698-A320933B4FB0}"/>
+              </a:ext>
+            </a:extLst>
+          </p:cNvPr>
+          <p:cNvSpPr>
+            <a:spLocks noGrp="1"/>
+          </p:cNvSpPr>
+          <p:nvPr>
+            <p:ph type="subTitle" idx="1"/>
+          </p:nvPr>
+        </p:nvSpPr>
+        <p:spPr>
+          <a:xfrm>
+            <a:off x="1524000" y="1897539"/>
+            <a:ext cx="9245600" cy="3062922"/>
+          </a:xfrm>
+        </p:spPr>
+        <p:txBody>
+          <a:bodyPr>
+            <a:normAutofit/>
+          </a:bodyPr>
+          <a:lstStyle/>
+          <a:p>
+            <a:endParaRPr lang="fr-FR" dirty="0"/>
+          </a:p>
+        </p:txBody>
+      </p:sp>
+      <p:pic>
+        <p:nvPicPr>
+          <p:cNvPr id="4" name="Image 3">
+            <a:extLst>
+              <a:ext uri="{FF2B5EF4-FFF2-40B4-BE49-F238E27FC236}">
+                <a16:creationId xmlns:a16="http://schemas.microsoft.com/office/drawing/2014/main" id="{D86C892C-1E6D-41AC-9500-A62F2106E5BF}"/>
+              </a:ext>
+            </a:extLst>
+          </p:cNvPr>
+          <p:cNvPicPr>
+            <a:picLocks noChangeAspect="1"/>
+          </p:cNvPicPr>
+          <p:nvPr/>
+        </p:nvPicPr>
+        <p:blipFill>
+          <a:blip r:embed="rId2">
+            <a:extLst>
+              <a:ext uri="{28A0092B-C50C-407E-A947-70E740481C1C}">
+                <a14:useLocalDpi xmlns:a14="http://schemas.microsoft.com/office/drawing/2010/main" val="0"/>
+              </a:ext>
+            </a:extLst>
+          </a:blip>
+          <a:stretch>
+            <a:fillRect/>
+          </a:stretch>
+        </p:blipFill>
+        <p:spPr>
+          <a:xfrm>
+            <a:off x="10769600" y="5435600"/>
+            <a:ext cx="1422400" cy="1422400"/>
+          </a:xfrm>
+          <a:prstGeom prst="rect">
+            <a:avLst/>
+          </a:prstGeom>
+        </p:spPr>
+      </p:pic>
+    </p:spTree>
+    <p:extLst>
+      <p:ext uri="{BB962C8B-B14F-4D97-AF65-F5344CB8AC3E}">
+        <p14:creationId xmlns:p14="http://schemas.microsoft.com/office/powerpoint/2010/main" val="2362791817"/>
+      </p:ext>
+    </p:extLst>
+  </p:cSld>
+  <p:clrMapOvr>
+    <a:masterClrMapping/>
+  </p:clrMapOvr>
+</p:sld>
+</file>
+
+<file path=ppt/slides/slide23.xml><?xml version="1.0" encoding="utf-8"?>
+<p:sld xmlns:a="http://schemas.openxmlformats.org/drawingml/2006/main" xmlns:r="http://schemas.openxmlformats.org/officeDocument/2006/relationships" xmlns:p="http://schemas.openxmlformats.org/presentationml/2006/main">
+  <p:cSld>
+    <p:spTree>
+      <p:nvGrpSpPr>
+        <p:cNvPr id="1" name=""/>
+        <p:cNvGrpSpPr/>
+        <p:nvPr/>
+      </p:nvGrpSpPr>
+      <p:grpSpPr>
+        <a:xfrm>
+          <a:off x="0" y="0"/>
+          <a:ext cx="0" cy="0"/>
+          <a:chOff x="0" y="0"/>
+          <a:chExt cx="0" cy="0"/>
+        </a:xfrm>
+      </p:grpSpPr>
+      <p:sp>
+        <p:nvSpPr>
+          <p:cNvPr id="2" name="Titre 1">
+            <a:extLst>
+              <a:ext uri="{FF2B5EF4-FFF2-40B4-BE49-F238E27FC236}">
+                <a16:creationId xmlns:a16="http://schemas.microsoft.com/office/drawing/2014/main" id="{CAA876EA-FED9-49A0-94CB-4283459215B9}"/>
+              </a:ext>
+            </a:extLst>
+          </p:cNvPr>
+          <p:cNvSpPr>
+            <a:spLocks noGrp="1"/>
+          </p:cNvSpPr>
+          <p:nvPr>
+            <p:ph type="ctrTitle"/>
+          </p:nvPr>
+        </p:nvSpPr>
+        <p:spPr>
+          <a:xfrm>
+            <a:off x="1524000" y="335279"/>
+            <a:ext cx="9144000" cy="1041083"/>
+          </a:xfrm>
+        </p:spPr>
+        <p:txBody>
+          <a:bodyPr/>
+          <a:lstStyle/>
+          <a:p>
+            <a:endParaRPr lang="fr-FR" dirty="0"/>
+          </a:p>
+        </p:txBody>
+      </p:sp>
+      <p:sp>
+        <p:nvSpPr>
+          <p:cNvPr id="3" name="Sous-titre 2">
+            <a:extLst>
+              <a:ext uri="{FF2B5EF4-FFF2-40B4-BE49-F238E27FC236}">
+                <a16:creationId xmlns:a16="http://schemas.microsoft.com/office/drawing/2014/main" id="{218B9057-36A2-4CEF-8698-A320933B4FB0}"/>
+              </a:ext>
+            </a:extLst>
+          </p:cNvPr>
+          <p:cNvSpPr>
+            <a:spLocks noGrp="1"/>
+          </p:cNvSpPr>
+          <p:nvPr>
+            <p:ph type="subTitle" idx="1"/>
+          </p:nvPr>
+        </p:nvSpPr>
+        <p:spPr>
+          <a:xfrm>
+            <a:off x="1524000" y="1897539"/>
+            <a:ext cx="9245600" cy="3062922"/>
+          </a:xfrm>
+        </p:spPr>
+        <p:txBody>
+          <a:bodyPr>
+            <a:normAutofit/>
+          </a:bodyPr>
+          <a:lstStyle/>
+          <a:p>
+            <a:endParaRPr lang="fr-FR" dirty="0"/>
+          </a:p>
+        </p:txBody>
+      </p:sp>
+      <p:pic>
+        <p:nvPicPr>
+          <p:cNvPr id="4" name="Image 3">
+            <a:extLst>
+              <a:ext uri="{FF2B5EF4-FFF2-40B4-BE49-F238E27FC236}">
+                <a16:creationId xmlns:a16="http://schemas.microsoft.com/office/drawing/2014/main" id="{D86C892C-1E6D-41AC-9500-A62F2106E5BF}"/>
+              </a:ext>
+            </a:extLst>
+          </p:cNvPr>
+          <p:cNvPicPr>
+            <a:picLocks noChangeAspect="1"/>
+          </p:cNvPicPr>
+          <p:nvPr/>
+        </p:nvPicPr>
+        <p:blipFill>
+          <a:blip r:embed="rId2">
+            <a:extLst>
+              <a:ext uri="{28A0092B-C50C-407E-A947-70E740481C1C}">
+                <a14:useLocalDpi xmlns:a14="http://schemas.microsoft.com/office/drawing/2010/main" val="0"/>
+              </a:ext>
+            </a:extLst>
+          </a:blip>
+          <a:stretch>
+            <a:fillRect/>
+          </a:stretch>
+        </p:blipFill>
+        <p:spPr>
+          <a:xfrm>
+            <a:off x="10769600" y="5435600"/>
+            <a:ext cx="1422400" cy="1422400"/>
+          </a:xfrm>
+          <a:prstGeom prst="rect">
+            <a:avLst/>
+          </a:prstGeom>
+        </p:spPr>
+      </p:pic>
+    </p:spTree>
+    <p:extLst>
+      <p:ext uri="{BB962C8B-B14F-4D97-AF65-F5344CB8AC3E}">
+        <p14:creationId xmlns:p14="http://schemas.microsoft.com/office/powerpoint/2010/main" val="1368233329"/>
+      </p:ext>
+    </p:extLst>
+  </p:cSld>
+  <p:clrMapOvr>
+    <a:masterClrMapping/>
+  </p:clrMapOvr>
+</p:sld>
+</file>
+
+<file path=ppt/slides/slide24.xml><?xml version="1.0" encoding="utf-8"?>
+<p:sld xmlns:a="http://schemas.openxmlformats.org/drawingml/2006/main" xmlns:r="http://schemas.openxmlformats.org/officeDocument/2006/relationships" xmlns:p="http://schemas.openxmlformats.org/presentationml/2006/main">
+  <p:cSld>
+    <p:spTree>
+      <p:nvGrpSpPr>
+        <p:cNvPr id="1" name=""/>
+        <p:cNvGrpSpPr/>
+        <p:nvPr/>
+      </p:nvGrpSpPr>
+      <p:grpSpPr>
+        <a:xfrm>
+          <a:off x="0" y="0"/>
+          <a:ext cx="0" cy="0"/>
+          <a:chOff x="0" y="0"/>
+          <a:chExt cx="0" cy="0"/>
+        </a:xfrm>
+      </p:grpSpPr>
+      <p:sp>
+        <p:nvSpPr>
+          <p:cNvPr id="2" name="Titre 1">
+            <a:extLst>
+              <a:ext uri="{FF2B5EF4-FFF2-40B4-BE49-F238E27FC236}">
+                <a16:creationId xmlns:a16="http://schemas.microsoft.com/office/drawing/2014/main" id="{CAA876EA-FED9-49A0-94CB-4283459215B9}"/>
+              </a:ext>
+            </a:extLst>
+          </p:cNvPr>
+          <p:cNvSpPr>
+            <a:spLocks noGrp="1"/>
+          </p:cNvSpPr>
+          <p:nvPr>
+            <p:ph type="ctrTitle"/>
+          </p:nvPr>
+        </p:nvSpPr>
+        <p:spPr>
+          <a:xfrm>
+            <a:off x="1524000" y="335279"/>
+            <a:ext cx="9144000" cy="1041083"/>
+          </a:xfrm>
+        </p:spPr>
+        <p:txBody>
+          <a:bodyPr/>
+          <a:lstStyle/>
+          <a:p>
+            <a:endParaRPr lang="fr-FR" dirty="0"/>
+          </a:p>
+        </p:txBody>
+      </p:sp>
+      <p:sp>
+        <p:nvSpPr>
+          <p:cNvPr id="3" name="Sous-titre 2">
+            <a:extLst>
+              <a:ext uri="{FF2B5EF4-FFF2-40B4-BE49-F238E27FC236}">
+                <a16:creationId xmlns:a16="http://schemas.microsoft.com/office/drawing/2014/main" id="{218B9057-36A2-4CEF-8698-A320933B4FB0}"/>
+              </a:ext>
+            </a:extLst>
+          </p:cNvPr>
+          <p:cNvSpPr>
+            <a:spLocks noGrp="1"/>
+          </p:cNvSpPr>
+          <p:nvPr>
+            <p:ph type="subTitle" idx="1"/>
+          </p:nvPr>
+        </p:nvSpPr>
+        <p:spPr>
+          <a:xfrm>
+            <a:off x="1524000" y="1897539"/>
+            <a:ext cx="9245600" cy="3062922"/>
+          </a:xfrm>
+        </p:spPr>
+        <p:txBody>
+          <a:bodyPr>
+            <a:normAutofit/>
+          </a:bodyPr>
+          <a:lstStyle/>
+          <a:p>
+            <a:endParaRPr lang="fr-FR" dirty="0"/>
+          </a:p>
+        </p:txBody>
+      </p:sp>
+      <p:pic>
+        <p:nvPicPr>
+          <p:cNvPr id="4" name="Image 3">
+            <a:extLst>
+              <a:ext uri="{FF2B5EF4-FFF2-40B4-BE49-F238E27FC236}">
+                <a16:creationId xmlns:a16="http://schemas.microsoft.com/office/drawing/2014/main" id="{D86C892C-1E6D-41AC-9500-A62F2106E5BF}"/>
+              </a:ext>
+            </a:extLst>
+          </p:cNvPr>
+          <p:cNvPicPr>
+            <a:picLocks noChangeAspect="1"/>
+          </p:cNvPicPr>
+          <p:nvPr/>
+        </p:nvPicPr>
+        <p:blipFill>
+          <a:blip r:embed="rId2">
+            <a:extLst>
+              <a:ext uri="{28A0092B-C50C-407E-A947-70E740481C1C}">
+                <a14:useLocalDpi xmlns:a14="http://schemas.microsoft.com/office/drawing/2010/main" val="0"/>
+              </a:ext>
+            </a:extLst>
+          </a:blip>
+          <a:stretch>
+            <a:fillRect/>
+          </a:stretch>
+        </p:blipFill>
+        <p:spPr>
+          <a:xfrm>
+            <a:off x="10769600" y="5435600"/>
+            <a:ext cx="1422400" cy="1422400"/>
+          </a:xfrm>
+          <a:prstGeom prst="rect">
+            <a:avLst/>
+          </a:prstGeom>
+        </p:spPr>
+      </p:pic>
+    </p:spTree>
+    <p:extLst>
+      <p:ext uri="{BB962C8B-B14F-4D97-AF65-F5344CB8AC3E}">
+        <p14:creationId xmlns:p14="http://schemas.microsoft.com/office/powerpoint/2010/main" val="2218559134"/>
+      </p:ext>
+    </p:extLst>
+  </p:cSld>
+  <p:clrMapOvr>
+    <a:masterClrMapping/>
+  </p:clrMapOvr>
+</p:sld>
+</file>
+
+<file path=ppt/slides/slide25.xml><?xml version="1.0" encoding="utf-8"?>
+<p:sld xmlns:a="http://schemas.openxmlformats.org/drawingml/2006/main" xmlns:r="http://schemas.openxmlformats.org/officeDocument/2006/relationships" xmlns:p="http://schemas.openxmlformats.org/presentationml/2006/main">
+  <p:cSld>
+    <p:spTree>
+      <p:nvGrpSpPr>
+        <p:cNvPr id="1" name=""/>
+        <p:cNvGrpSpPr/>
+        <p:nvPr/>
+      </p:nvGrpSpPr>
+      <p:grpSpPr>
+        <a:xfrm>
+          <a:off x="0" y="0"/>
+          <a:ext cx="0" cy="0"/>
+          <a:chOff x="0" y="0"/>
+          <a:chExt cx="0" cy="0"/>
+        </a:xfrm>
+      </p:grpSpPr>
+      <p:sp>
+        <p:nvSpPr>
+          <p:cNvPr id="2" name="Titre 1">
+            <a:extLst>
+              <a:ext uri="{FF2B5EF4-FFF2-40B4-BE49-F238E27FC236}">
+                <a16:creationId xmlns:a16="http://schemas.microsoft.com/office/drawing/2014/main" id="{CAA876EA-FED9-49A0-94CB-4283459215B9}"/>
+              </a:ext>
+            </a:extLst>
+          </p:cNvPr>
+          <p:cNvSpPr>
+            <a:spLocks noGrp="1"/>
+          </p:cNvSpPr>
+          <p:nvPr>
+            <p:ph type="ctrTitle"/>
+          </p:nvPr>
+        </p:nvSpPr>
+        <p:spPr>
+          <a:xfrm>
+            <a:off x="1524000" y="335279"/>
+            <a:ext cx="9144000" cy="1041083"/>
+          </a:xfrm>
+        </p:spPr>
+        <p:txBody>
+          <a:bodyPr/>
+          <a:lstStyle/>
+          <a:p>
+            <a:endParaRPr lang="fr-FR" dirty="0"/>
+          </a:p>
+        </p:txBody>
+      </p:sp>
+      <p:sp>
+        <p:nvSpPr>
+          <p:cNvPr id="3" name="Sous-titre 2">
+            <a:extLst>
+              <a:ext uri="{FF2B5EF4-FFF2-40B4-BE49-F238E27FC236}">
+                <a16:creationId xmlns:a16="http://schemas.microsoft.com/office/drawing/2014/main" id="{218B9057-36A2-4CEF-8698-A320933B4FB0}"/>
+              </a:ext>
+            </a:extLst>
+          </p:cNvPr>
+          <p:cNvSpPr>
+            <a:spLocks noGrp="1"/>
+          </p:cNvSpPr>
+          <p:nvPr>
+            <p:ph type="subTitle" idx="1"/>
+          </p:nvPr>
+        </p:nvSpPr>
+        <p:spPr>
+          <a:xfrm>
+            <a:off x="1524000" y="1897539"/>
+            <a:ext cx="9245600" cy="3062922"/>
+          </a:xfrm>
+        </p:spPr>
+        <p:txBody>
+          <a:bodyPr>
+            <a:normAutofit/>
+          </a:bodyPr>
+          <a:lstStyle/>
+          <a:p>
+            <a:endParaRPr lang="fr-FR" dirty="0"/>
+          </a:p>
+        </p:txBody>
+      </p:sp>
+      <p:pic>
+        <p:nvPicPr>
+          <p:cNvPr id="4" name="Image 3">
+            <a:extLst>
+              <a:ext uri="{FF2B5EF4-FFF2-40B4-BE49-F238E27FC236}">
+                <a16:creationId xmlns:a16="http://schemas.microsoft.com/office/drawing/2014/main" id="{D86C892C-1E6D-41AC-9500-A62F2106E5BF}"/>
+              </a:ext>
+            </a:extLst>
+          </p:cNvPr>
+          <p:cNvPicPr>
+            <a:picLocks noChangeAspect="1"/>
+          </p:cNvPicPr>
+          <p:nvPr/>
+        </p:nvPicPr>
+        <p:blipFill>
+          <a:blip r:embed="rId2">
+            <a:extLst>
+              <a:ext uri="{28A0092B-C50C-407E-A947-70E740481C1C}">
+                <a14:useLocalDpi xmlns:a14="http://schemas.microsoft.com/office/drawing/2010/main" val="0"/>
+              </a:ext>
+            </a:extLst>
+          </a:blip>
+          <a:stretch>
+            <a:fillRect/>
+          </a:stretch>
+        </p:blipFill>
+        <p:spPr>
+          <a:xfrm>
+            <a:off x="10769600" y="5435600"/>
+            <a:ext cx="1422400" cy="1422400"/>
+          </a:xfrm>
+          <a:prstGeom prst="rect">
+            <a:avLst/>
+          </a:prstGeom>
+        </p:spPr>
+      </p:pic>
+    </p:spTree>
+    <p:extLst>
+      <p:ext uri="{BB962C8B-B14F-4D97-AF65-F5344CB8AC3E}">
+        <p14:creationId xmlns:p14="http://schemas.microsoft.com/office/powerpoint/2010/main" val="1762302374"/>
+      </p:ext>
+    </p:extLst>
+  </p:cSld>
+  <p:clrMapOvr>
+    <a:masterClrMapping/>
+  </p:clrMapOvr>
+</p:sld>
+</file>
+
+<file path=ppt/slides/slide26.xml><?xml version="1.0" encoding="utf-8"?>
+<p:sld xmlns:a="http://schemas.openxmlformats.org/drawingml/2006/main" xmlns:r="http://schemas.openxmlformats.org/officeDocument/2006/relationships" xmlns:p="http://schemas.openxmlformats.org/presentationml/2006/main">
+  <p:cSld>
+    <p:spTree>
+      <p:nvGrpSpPr>
+        <p:cNvPr id="1" name=""/>
+        <p:cNvGrpSpPr/>
+        <p:nvPr/>
+      </p:nvGrpSpPr>
+      <p:grpSpPr>
+        <a:xfrm>
+          <a:off x="0" y="0"/>
+          <a:ext cx="0" cy="0"/>
+          <a:chOff x="0" y="0"/>
+          <a:chExt cx="0" cy="0"/>
+        </a:xfrm>
+      </p:grpSpPr>
+      <p:sp>
+        <p:nvSpPr>
+          <p:cNvPr id="2" name="Titre 1">
+            <a:extLst>
+              <a:ext uri="{FF2B5EF4-FFF2-40B4-BE49-F238E27FC236}">
+                <a16:creationId xmlns:a16="http://schemas.microsoft.com/office/drawing/2014/main" id="{CAA876EA-FED9-49A0-94CB-4283459215B9}"/>
+              </a:ext>
+            </a:extLst>
+          </p:cNvPr>
+          <p:cNvSpPr>
+            <a:spLocks noGrp="1"/>
+          </p:cNvSpPr>
+          <p:nvPr>
+            <p:ph type="ctrTitle"/>
+          </p:nvPr>
+        </p:nvSpPr>
+        <p:spPr>
+          <a:xfrm>
+            <a:off x="1524000" y="335279"/>
+            <a:ext cx="9144000" cy="1041083"/>
+          </a:xfrm>
+        </p:spPr>
+        <p:txBody>
+          <a:bodyPr/>
+          <a:lstStyle/>
+          <a:p>
+            <a:endParaRPr lang="fr-FR" dirty="0"/>
+          </a:p>
+        </p:txBody>
+      </p:sp>
+      <p:sp>
+        <p:nvSpPr>
+          <p:cNvPr id="3" name="Sous-titre 2">
+            <a:extLst>
+              <a:ext uri="{FF2B5EF4-FFF2-40B4-BE49-F238E27FC236}">
+                <a16:creationId xmlns:a16="http://schemas.microsoft.com/office/drawing/2014/main" id="{218B9057-36A2-4CEF-8698-A320933B4FB0}"/>
+              </a:ext>
+            </a:extLst>
+          </p:cNvPr>
+          <p:cNvSpPr>
+            <a:spLocks noGrp="1"/>
+          </p:cNvSpPr>
+          <p:nvPr>
+            <p:ph type="subTitle" idx="1"/>
+          </p:nvPr>
+        </p:nvSpPr>
+        <p:spPr>
+          <a:xfrm>
+            <a:off x="1524000" y="1897539"/>
+            <a:ext cx="9245600" cy="3062922"/>
+          </a:xfrm>
+        </p:spPr>
+        <p:txBody>
+          <a:bodyPr>
+            <a:normAutofit/>
+          </a:bodyPr>
+          <a:lstStyle/>
+          <a:p>
+            <a:endParaRPr lang="fr-FR" dirty="0"/>
+          </a:p>
+        </p:txBody>
+      </p:sp>
+      <p:pic>
+        <p:nvPicPr>
+          <p:cNvPr id="4" name="Image 3">
+            <a:extLst>
+              <a:ext uri="{FF2B5EF4-FFF2-40B4-BE49-F238E27FC236}">
+                <a16:creationId xmlns:a16="http://schemas.microsoft.com/office/drawing/2014/main" id="{D86C892C-1E6D-41AC-9500-A62F2106E5BF}"/>
+              </a:ext>
+            </a:extLst>
+          </p:cNvPr>
+          <p:cNvPicPr>
+            <a:picLocks noChangeAspect="1"/>
+          </p:cNvPicPr>
+          <p:nvPr/>
+        </p:nvPicPr>
+        <p:blipFill>
+          <a:blip r:embed="rId2">
+            <a:extLst>
+              <a:ext uri="{28A0092B-C50C-407E-A947-70E740481C1C}">
+                <a14:useLocalDpi xmlns:a14="http://schemas.microsoft.com/office/drawing/2010/main" val="0"/>
+              </a:ext>
+            </a:extLst>
+          </a:blip>
+          <a:stretch>
+            <a:fillRect/>
+          </a:stretch>
+        </p:blipFill>
+        <p:spPr>
+          <a:xfrm>
+            <a:off x="10769600" y="5435600"/>
+            <a:ext cx="1422400" cy="1422400"/>
+          </a:xfrm>
+          <a:prstGeom prst="rect">
+            <a:avLst/>
+          </a:prstGeom>
+        </p:spPr>
+      </p:pic>
+    </p:spTree>
+    <p:extLst>
+      <p:ext uri="{BB962C8B-B14F-4D97-AF65-F5344CB8AC3E}">
+        <p14:creationId xmlns:p14="http://schemas.microsoft.com/office/powerpoint/2010/main" val="3731465055"/>
+      </p:ext>
+    </p:extLst>
+  </p:cSld>
+  <p:clrMapOvr>
+    <a:masterClrMapping/>
+  </p:clrMapOvr>
+</p:sld>
+</file>
+
 <file path=ppt/slides/slide3.xml><?xml version="1.0" encoding="utf-8"?>
 <p:sld xmlns:a="http://schemas.openxmlformats.org/drawingml/2006/main" xmlns:r="http://schemas.openxmlformats.org/officeDocument/2006/relationships" xmlns:p="http://schemas.openxmlformats.org/presentationml/2006/main">
   <p:cSld>
@@ -7439,7 +10633,7 @@
         </p:spPr>
         <p:txBody>
           <a:bodyPr>
-            <a:normAutofit/>
+            <a:normAutofit fontScale="77500" lnSpcReduction="20000"/>
           </a:bodyPr>
           <a:lstStyle/>
           <a:p>
@@ -7455,6 +10649,18 @@
               <a:rPr lang="fr-FR" dirty="0"/>
               <a:t>Mon étude intervient donc pour faire un premier tri.</a:t>
             </a:r>
+          </a:p>
+          <a:p>
+            <a:pPr algn="l"/>
+            <a:r>
+              <a:rPr lang="fr-FR" dirty="0"/>
+              <a:t>Afin de commencer à s’implanter</a:t>
+            </a:r>
+            <a:r>
+              <a:rPr lang="fr-FR" baseline="0" dirty="0"/>
+              <a:t> à l’international, l’entreprise doit trouver des pays qui sont déjà développé, qui importe déjà de la viande de volaille. Il serait trop compliqué de créer un nouveau marché, et cela prendrait énormément de ressource ; Cela sera dans un deuxième temps quand l’entreprise aura grandit.</a:t>
+            </a:r>
+            <a:endParaRPr lang="fr-FR" dirty="0"/>
           </a:p>
         </p:txBody>
       </p:sp>
@@ -7474,6 +10680,14 @@
 <file path=ppt/slides/slide6.xml><?xml version="1.0" encoding="utf-8"?>
 <p:sld xmlns:a="http://schemas.openxmlformats.org/drawingml/2006/main" xmlns:r="http://schemas.openxmlformats.org/officeDocument/2006/relationships" xmlns:p="http://schemas.openxmlformats.org/presentationml/2006/main">
   <p:cSld>
+    <p:bg>
+      <p:bgPr>
+        <a:solidFill>
+          <a:schemeClr val="bg1"/>
+        </a:solidFill>
+        <a:effectLst/>
+      </p:bgPr>
+    </p:bg>
     <p:spTree>
       <p:nvGrpSpPr>
         <p:cNvPr id="1" name=""/>
@@ -7488,48 +10702,78 @@
           <a:chExt cx="0" cy="0"/>
         </a:xfrm>
       </p:grpSpPr>
-      <p:pic>
-        <p:nvPicPr>
-          <p:cNvPr id="4" name="Image 3">
-            <a:extLst>
-              <a:ext uri="{FF2B5EF4-FFF2-40B4-BE49-F238E27FC236}">
-                <a16:creationId xmlns:a16="http://schemas.microsoft.com/office/drawing/2014/main" id="{7BB25652-98F0-44D9-9CE3-603811FF0BBB}"/>
-              </a:ext>
-            </a:extLst>
-          </p:cNvPr>
-          <p:cNvPicPr>
-            <a:picLocks noChangeAspect="1"/>
-          </p:cNvPicPr>
-          <p:nvPr/>
-        </p:nvPicPr>
-        <p:blipFill>
-          <a:blip r:embed="rId3">
-            <a:extLst>
-              <a:ext uri="{28A0092B-C50C-407E-A947-70E740481C1C}">
-                <a14:useLocalDpi xmlns:a14="http://schemas.microsoft.com/office/drawing/2010/main" val="0"/>
-              </a:ext>
-            </a:extLst>
-          </a:blip>
-          <a:stretch>
-            <a:fillRect/>
-          </a:stretch>
-        </p:blipFill>
+      <p:sp>
+        <p:nvSpPr>
+          <p:cNvPr id="12" name="Rectangle 11">
+            <a:extLst>
+              <a:ext uri="{FF2B5EF4-FFF2-40B4-BE49-F238E27FC236}">
+                <a16:creationId xmlns:a16="http://schemas.microsoft.com/office/drawing/2014/main" id="{C0B27210-D0CA-4654-B3E3-9ABB4F178EA1}"/>
+              </a:ext>
+              <a:ext uri="{C183D7F6-B498-43B3-948B-1728B52AA6E4}">
+                <adec:decorative xmlns:adec="http://schemas.microsoft.com/office/drawing/2017/decorative" val="1"/>
+              </a:ext>
+            </a:extLst>
+          </p:cNvPr>
+          <p:cNvSpPr>
+            <a:spLocks noGrp="1" noRot="1" noChangeAspect="1" noMove="1" noResize="1" noEditPoints="1" noAdjustHandles="1" noChangeArrowheads="1" noChangeShapeType="1" noTextEdit="1"/>
+          </p:cNvSpPr>
+          <p:nvPr>
+            <p:extLst>
+              <p:ext uri="{386F3935-93C4-4BCD-93E2-E3B085C9AB24}">
+                <p16:designElem xmlns:p16="http://schemas.microsoft.com/office/powerpoint/2015/main" val="1"/>
+              </p:ext>
+            </p:extLst>
+          </p:nvPr>
+        </p:nvSpPr>
         <p:spPr>
           <a:xfrm>
-            <a:off x="10769600" y="5435600"/>
-            <a:ext cx="1422400" cy="1422400"/>
+            <a:off x="0" y="0"/>
+            <a:ext cx="12192000" cy="6858000"/>
           </a:xfrm>
           <a:prstGeom prst="rect">
             <a:avLst/>
           </a:prstGeom>
-        </p:spPr>
-      </p:pic>
-      <p:sp>
-        <p:nvSpPr>
-          <p:cNvPr id="5" name="Titre 4">
-            <a:extLst>
-              <a:ext uri="{FF2B5EF4-FFF2-40B4-BE49-F238E27FC236}">
-                <a16:creationId xmlns:a16="http://schemas.microsoft.com/office/drawing/2014/main" id="{AB1504F3-A48F-4D97-8A37-9FEAC2381E14}"/>
+          <a:solidFill>
+            <a:schemeClr val="tx1">
+              <a:lumMod val="75000"/>
+              <a:lumOff val="25000"/>
+            </a:schemeClr>
+          </a:solidFill>
+          <a:ln>
+            <a:noFill/>
+          </a:ln>
+        </p:spPr>
+        <p:style>
+          <a:lnRef idx="2">
+            <a:schemeClr val="accent1">
+              <a:shade val="50000"/>
+            </a:schemeClr>
+          </a:lnRef>
+          <a:fillRef idx="1">
+            <a:schemeClr val="accent1"/>
+          </a:fillRef>
+          <a:effectRef idx="0">
+            <a:schemeClr val="accent1"/>
+          </a:effectRef>
+          <a:fontRef idx="minor">
+            <a:schemeClr val="lt1"/>
+          </a:fontRef>
+        </p:style>
+        <p:txBody>
+          <a:bodyPr rtlCol="0" anchor="ctr"/>
+          <a:lstStyle/>
+          <a:p>
+            <a:pPr algn="ctr"/>
+            <a:endParaRPr lang="en-US"/>
+          </a:p>
+        </p:txBody>
+      </p:sp>
+      <p:sp>
+        <p:nvSpPr>
+          <p:cNvPr id="2" name="Titre 1">
+            <a:extLst>
+              <a:ext uri="{FF2B5EF4-FFF2-40B4-BE49-F238E27FC236}">
+                <a16:creationId xmlns:a16="http://schemas.microsoft.com/office/drawing/2014/main" id="{612FA98D-5214-442A-97A7-973984024AE3}"/>
               </a:ext>
             </a:extLst>
           </p:cNvPr>
@@ -7540,9 +10784,16 @@
             <p:ph type="title"/>
           </p:nvPr>
         </p:nvSpPr>
-        <p:spPr/>
-        <p:txBody>
-          <a:bodyPr/>
+        <p:spPr>
+          <a:xfrm>
+            <a:off x="6859766" y="2235463"/>
+            <a:ext cx="4645250" cy="2387073"/>
+          </a:xfrm>
+        </p:spPr>
+        <p:txBody>
+          <a:bodyPr vert="horz" lIns="91440" tIns="45720" rIns="91440" bIns="45720" rtlCol="0" anchor="b">
+            <a:normAutofit/>
+          </a:bodyPr>
           <a:lstStyle/>
           <a:p>
             <a:r>
@@ -7556,14 +10807,389 @@
               </a:rPr>
               <a:t>Démarche :</a:t>
             </a:r>
-            <a:endParaRPr lang="fr-FR" dirty="0"/>
-          </a:p>
-        </p:txBody>
-      </p:sp>
+            <a:endParaRPr lang="en-US" sz="6000" kern="1200" dirty="0">
+              <a:solidFill>
+                <a:schemeClr val="bg1"/>
+              </a:solidFill>
+              <a:latin typeface="+mj-lt"/>
+              <a:ea typeface="+mj-ea"/>
+              <a:cs typeface="+mj-cs"/>
+            </a:endParaRPr>
+          </a:p>
+        </p:txBody>
+      </p:sp>
+      <p:sp>
+        <p:nvSpPr>
+          <p:cNvPr id="14" name="Freeform: Shape 13">
+            <a:extLst>
+              <a:ext uri="{FF2B5EF4-FFF2-40B4-BE49-F238E27FC236}">
+                <a16:creationId xmlns:a16="http://schemas.microsoft.com/office/drawing/2014/main" id="{1DB7C82F-AB7E-4F0C-B829-FA1B9C415180}"/>
+              </a:ext>
+              <a:ext uri="{C183D7F6-B498-43B3-948B-1728B52AA6E4}">
+                <adec:decorative xmlns:adec="http://schemas.microsoft.com/office/drawing/2017/decorative" val="1"/>
+              </a:ext>
+            </a:extLst>
+          </p:cNvPr>
+          <p:cNvSpPr>
+            <a:spLocks noGrp="1" noRot="1" noChangeAspect="1" noMove="1" noResize="1" noEditPoints="1" noAdjustHandles="1" noChangeArrowheads="1" noChangeShapeType="1" noTextEdit="1"/>
+          </p:cNvSpPr>
+          <p:nvPr>
+            <p:extLst>
+              <p:ext uri="{386F3935-93C4-4BCD-93E2-E3B085C9AB24}">
+                <p16:designElem xmlns:p16="http://schemas.microsoft.com/office/powerpoint/2015/main" val="1"/>
+              </p:ext>
+            </p:extLst>
+          </p:nvPr>
+        </p:nvSpPr>
+        <p:spPr>
+          <a:xfrm flipH="1">
+            <a:off x="0" y="0"/>
+            <a:ext cx="6172782" cy="6858000"/>
+          </a:xfrm>
+          <a:custGeom>
+            <a:avLst/>
+            <a:gdLst>
+              <a:gd name="connsiteX0" fmla="*/ 6172782 w 6172782"/>
+              <a:gd name="connsiteY0" fmla="*/ 0 h 6858000"/>
+              <a:gd name="connsiteX1" fmla="*/ 69075 w 6172782"/>
+              <a:gd name="connsiteY1" fmla="*/ 0 h 6858000"/>
+              <a:gd name="connsiteX2" fmla="*/ 35131 w 6172782"/>
+              <a:gd name="connsiteY2" fmla="*/ 267128 h 6858000"/>
+              <a:gd name="connsiteX3" fmla="*/ 0 w 6172782"/>
+              <a:gd name="connsiteY3" fmla="*/ 962845 h 6858000"/>
+              <a:gd name="connsiteX4" fmla="*/ 3276103 w 6172782"/>
+              <a:gd name="connsiteY4" fmla="*/ 6782205 h 6858000"/>
+              <a:gd name="connsiteX5" fmla="*/ 3407923 w 6172782"/>
+              <a:gd name="connsiteY5" fmla="*/ 6858000 h 6858000"/>
+              <a:gd name="connsiteX6" fmla="*/ 6172782 w 6172782"/>
+              <a:gd name="connsiteY6" fmla="*/ 6858000 h 6858000"/>
+            </a:gdLst>
+            <a:ahLst/>
+            <a:cxnLst>
+              <a:cxn ang="0">
+                <a:pos x="connsiteX0" y="connsiteY0"/>
+              </a:cxn>
+              <a:cxn ang="0">
+                <a:pos x="connsiteX1" y="connsiteY1"/>
+              </a:cxn>
+              <a:cxn ang="0">
+                <a:pos x="connsiteX2" y="connsiteY2"/>
+              </a:cxn>
+              <a:cxn ang="0">
+                <a:pos x="connsiteX3" y="connsiteY3"/>
+              </a:cxn>
+              <a:cxn ang="0">
+                <a:pos x="connsiteX4" y="connsiteY4"/>
+              </a:cxn>
+              <a:cxn ang="0">
+                <a:pos x="connsiteX5" y="connsiteY5"/>
+              </a:cxn>
+              <a:cxn ang="0">
+                <a:pos x="connsiteX6" y="connsiteY6"/>
+              </a:cxn>
+            </a:cxnLst>
+            <a:rect l="l" t="t" r="r" b="b"/>
+            <a:pathLst>
+              <a:path w="6172782" h="6858000">
+                <a:moveTo>
+                  <a:pt x="6172782" y="0"/>
+                </a:moveTo>
+                <a:lnTo>
+                  <a:pt x="69075" y="0"/>
+                </a:lnTo>
+                <a:lnTo>
+                  <a:pt x="35131" y="267128"/>
+                </a:lnTo>
+                <a:cubicBezTo>
+                  <a:pt x="11901" y="495874"/>
+                  <a:pt x="0" y="727970"/>
+                  <a:pt x="0" y="962845"/>
+                </a:cubicBezTo>
+                <a:cubicBezTo>
+                  <a:pt x="0" y="3429034"/>
+                  <a:pt x="1312002" y="5588789"/>
+                  <a:pt x="3276103" y="6782205"/>
+                </a:cubicBezTo>
+                <a:lnTo>
+                  <a:pt x="3407923" y="6858000"/>
+                </a:lnTo>
+                <a:lnTo>
+                  <a:pt x="6172782" y="6858000"/>
+                </a:lnTo>
+                <a:close/>
+              </a:path>
+            </a:pathLst>
+          </a:custGeom>
+          <a:solidFill>
+            <a:schemeClr val="bg1">
+              <a:alpha val="80000"/>
+            </a:schemeClr>
+          </a:solidFill>
+          <a:ln>
+            <a:noFill/>
+          </a:ln>
+        </p:spPr>
+        <p:style>
+          <a:lnRef idx="2">
+            <a:schemeClr val="accent1">
+              <a:shade val="50000"/>
+            </a:schemeClr>
+          </a:lnRef>
+          <a:fillRef idx="1">
+            <a:schemeClr val="accent1"/>
+          </a:fillRef>
+          <a:effectRef idx="0">
+            <a:schemeClr val="accent1"/>
+          </a:effectRef>
+          <a:fontRef idx="minor">
+            <a:schemeClr val="lt1"/>
+          </a:fontRef>
+        </p:style>
+        <p:txBody>
+          <a:bodyPr wrap="square" rtlCol="0" anchor="ctr">
+            <a:noAutofit/>
+          </a:bodyPr>
+          <a:lstStyle/>
+          <a:p>
+            <a:pPr marL="0" marR="0" lvl="0" indent="0" algn="ctr" defTabSz="914400" rtl="0" eaLnBrk="1" fontAlgn="auto" latinLnBrk="0" hangingPunct="1">
+              <a:lnSpc>
+                <a:spcPct val="100000"/>
+              </a:lnSpc>
+              <a:spcBef>
+                <a:spcPts val="0"/>
+              </a:spcBef>
+              <a:spcAft>
+                <a:spcPts val="0"/>
+              </a:spcAft>
+              <a:buClrTx/>
+              <a:buSzTx/>
+              <a:buFontTx/>
+              <a:buNone/>
+              <a:tabLst/>
+              <a:defRPr/>
+            </a:pPr>
+            <a:endParaRPr kumimoji="0" lang="en-US" sz="1800" b="0" i="0" u="none" strike="noStrike" kern="1200" cap="none" spc="0" normalizeH="0" baseline="0" noProof="0">
+              <a:ln>
+                <a:noFill/>
+              </a:ln>
+              <a:solidFill>
+                <a:prstClr val="white"/>
+              </a:solidFill>
+              <a:effectLst/>
+              <a:uLnTx/>
+              <a:uFillTx/>
+              <a:latin typeface="Calibri" panose="020F0502020204030204"/>
+              <a:ea typeface="+mn-ea"/>
+              <a:cs typeface="+mn-cs"/>
+            </a:endParaRPr>
+          </a:p>
+        </p:txBody>
+      </p:sp>
+      <p:sp>
+        <p:nvSpPr>
+          <p:cNvPr id="16" name="Freeform: Shape 15">
+            <a:extLst>
+              <a:ext uri="{FF2B5EF4-FFF2-40B4-BE49-F238E27FC236}">
+                <a16:creationId xmlns:a16="http://schemas.microsoft.com/office/drawing/2014/main" id="{70B66945-4967-4040-926D-DCA44313CDAB}"/>
+              </a:ext>
+              <a:ext uri="{C183D7F6-B498-43B3-948B-1728B52AA6E4}">
+                <adec:decorative xmlns:adec="http://schemas.microsoft.com/office/drawing/2017/decorative" val="1"/>
+              </a:ext>
+            </a:extLst>
+          </p:cNvPr>
+          <p:cNvSpPr>
+            <a:spLocks noGrp="1" noRot="1" noChangeAspect="1" noMove="1" noResize="1" noEditPoints="1" noAdjustHandles="1" noChangeArrowheads="1" noChangeShapeType="1" noTextEdit="1"/>
+          </p:cNvSpPr>
+          <p:nvPr>
+            <p:extLst>
+              <p:ext uri="{386F3935-93C4-4BCD-93E2-E3B085C9AB24}">
+                <p16:designElem xmlns:p16="http://schemas.microsoft.com/office/powerpoint/2015/main" val="1"/>
+              </p:ext>
+            </p:extLst>
+          </p:nvPr>
+        </p:nvSpPr>
+        <p:spPr>
+          <a:xfrm>
+            <a:off x="0" y="0"/>
+            <a:ext cx="6024154" cy="6858000"/>
+          </a:xfrm>
+          <a:custGeom>
+            <a:avLst/>
+            <a:gdLst>
+              <a:gd name="connsiteX0" fmla="*/ 0 w 6024154"/>
+              <a:gd name="connsiteY0" fmla="*/ 0 h 6858000"/>
+              <a:gd name="connsiteX1" fmla="*/ 5953780 w 6024154"/>
+              <a:gd name="connsiteY1" fmla="*/ 0 h 6858000"/>
+              <a:gd name="connsiteX2" fmla="*/ 5989880 w 6024154"/>
+              <a:gd name="connsiteY2" fmla="*/ 284091 h 6858000"/>
+              <a:gd name="connsiteX3" fmla="*/ 6024154 w 6024154"/>
+              <a:gd name="connsiteY3" fmla="*/ 962844 h 6858000"/>
+              <a:gd name="connsiteX4" fmla="*/ 2549934 w 6024154"/>
+              <a:gd name="connsiteY4" fmla="*/ 6800152 h 6858000"/>
+              <a:gd name="connsiteX5" fmla="*/ 2436987 w 6024154"/>
+              <a:gd name="connsiteY5" fmla="*/ 6858000 h 6858000"/>
+              <a:gd name="connsiteX6" fmla="*/ 0 w 6024154"/>
+              <a:gd name="connsiteY6" fmla="*/ 6858000 h 6858000"/>
+            </a:gdLst>
+            <a:ahLst/>
+            <a:cxnLst>
+              <a:cxn ang="0">
+                <a:pos x="connsiteX0" y="connsiteY0"/>
+              </a:cxn>
+              <a:cxn ang="0">
+                <a:pos x="connsiteX1" y="connsiteY1"/>
+              </a:cxn>
+              <a:cxn ang="0">
+                <a:pos x="connsiteX2" y="connsiteY2"/>
+              </a:cxn>
+              <a:cxn ang="0">
+                <a:pos x="connsiteX3" y="connsiteY3"/>
+              </a:cxn>
+              <a:cxn ang="0">
+                <a:pos x="connsiteX4" y="connsiteY4"/>
+              </a:cxn>
+              <a:cxn ang="0">
+                <a:pos x="connsiteX5" y="connsiteY5"/>
+              </a:cxn>
+              <a:cxn ang="0">
+                <a:pos x="connsiteX6" y="connsiteY6"/>
+              </a:cxn>
+            </a:cxnLst>
+            <a:rect l="l" t="t" r="r" b="b"/>
+            <a:pathLst>
+              <a:path w="6024154" h="6858000">
+                <a:moveTo>
+                  <a:pt x="0" y="0"/>
+                </a:moveTo>
+                <a:lnTo>
+                  <a:pt x="5953780" y="0"/>
+                </a:lnTo>
+                <a:lnTo>
+                  <a:pt x="5989880" y="284091"/>
+                </a:lnTo>
+                <a:cubicBezTo>
+                  <a:pt x="6012544" y="507260"/>
+                  <a:pt x="6024154" y="733696"/>
+                  <a:pt x="6024154" y="962844"/>
+                </a:cubicBezTo>
+                <a:cubicBezTo>
+                  <a:pt x="6024154" y="3483472"/>
+                  <a:pt x="4619336" y="5675986"/>
+                  <a:pt x="2549934" y="6800152"/>
+                </a:cubicBezTo>
+                <a:lnTo>
+                  <a:pt x="2436987" y="6858000"/>
+                </a:lnTo>
+                <a:lnTo>
+                  <a:pt x="0" y="6858000"/>
+                </a:lnTo>
+                <a:close/>
+              </a:path>
+            </a:pathLst>
+          </a:custGeom>
+          <a:solidFill>
+            <a:schemeClr val="bg1"/>
+          </a:solidFill>
+          <a:ln>
+            <a:noFill/>
+          </a:ln>
+        </p:spPr>
+        <p:style>
+          <a:lnRef idx="2">
+            <a:schemeClr val="accent1">
+              <a:shade val="50000"/>
+            </a:schemeClr>
+          </a:lnRef>
+          <a:fillRef idx="1">
+            <a:schemeClr val="accent1"/>
+          </a:fillRef>
+          <a:effectRef idx="0">
+            <a:schemeClr val="accent1"/>
+          </a:effectRef>
+          <a:fontRef idx="minor">
+            <a:schemeClr val="lt1"/>
+          </a:fontRef>
+        </p:style>
+        <p:txBody>
+          <a:bodyPr wrap="square" rtlCol="0" anchor="ctr">
+            <a:noAutofit/>
+          </a:bodyPr>
+          <a:lstStyle/>
+          <a:p>
+            <a:pPr marL="0" marR="0" lvl="0" indent="0" algn="ctr" defTabSz="914400" rtl="0" eaLnBrk="1" fontAlgn="auto" latinLnBrk="0" hangingPunct="1">
+              <a:lnSpc>
+                <a:spcPct val="100000"/>
+              </a:lnSpc>
+              <a:spcBef>
+                <a:spcPts val="0"/>
+              </a:spcBef>
+              <a:spcAft>
+                <a:spcPts val="0"/>
+              </a:spcAft>
+              <a:buClrTx/>
+              <a:buSzTx/>
+              <a:buFontTx/>
+              <a:buNone/>
+              <a:tabLst/>
+              <a:defRPr/>
+            </a:pPr>
+            <a:endParaRPr kumimoji="0" lang="en-US" sz="1800" b="0" i="0" u="none" strike="noStrike" kern="1200" cap="none" spc="0" normalizeH="0" baseline="0" noProof="0">
+              <a:ln>
+                <a:noFill/>
+              </a:ln>
+              <a:solidFill>
+                <a:prstClr val="white"/>
+              </a:solidFill>
+              <a:effectLst/>
+              <a:uLnTx/>
+              <a:uFillTx/>
+              <a:latin typeface="Calibri" panose="020F0502020204030204"/>
+              <a:ea typeface="+mn-ea"/>
+              <a:cs typeface="+mn-cs"/>
+            </a:endParaRPr>
+          </a:p>
+        </p:txBody>
+      </p:sp>
+      <p:pic>
+        <p:nvPicPr>
+          <p:cNvPr id="7" name="Image 6">
+            <a:extLst>
+              <a:ext uri="{FF2B5EF4-FFF2-40B4-BE49-F238E27FC236}">
+                <a16:creationId xmlns:a16="http://schemas.microsoft.com/office/drawing/2014/main" id="{F818A171-1B07-4ABB-A4F7-9858C103F667}"/>
+              </a:ext>
+            </a:extLst>
+          </p:cNvPr>
+          <p:cNvPicPr>
+            <a:picLocks noChangeAspect="1"/>
+          </p:cNvPicPr>
+          <p:nvPr/>
+        </p:nvPicPr>
+        <p:blipFill>
+          <a:blip r:embed="rId3">
+            <a:extLst>
+              <a:ext uri="{28A0092B-C50C-407E-A947-70E740481C1C}">
+                <a14:useLocalDpi xmlns:a14="http://schemas.microsoft.com/office/drawing/2010/main" val="0"/>
+              </a:ext>
+            </a:extLst>
+          </a:blip>
+          <a:stretch>
+            <a:fillRect/>
+          </a:stretch>
+        </p:blipFill>
+        <p:spPr>
+          <a:xfrm>
+            <a:off x="419382" y="720993"/>
+            <a:ext cx="4047843" cy="4047843"/>
+          </a:xfrm>
+          <a:prstGeom prst="rect">
+            <a:avLst/>
+          </a:prstGeom>
+        </p:spPr>
+      </p:pic>
     </p:spTree>
     <p:extLst>
       <p:ext uri="{BB962C8B-B14F-4D97-AF65-F5344CB8AC3E}">
-        <p14:creationId xmlns:p14="http://schemas.microsoft.com/office/powerpoint/2010/main" val="2066944497"/>
+        <p14:creationId xmlns:p14="http://schemas.microsoft.com/office/powerpoint/2010/main" val="2685388482"/>
       </p:ext>
     </p:extLst>
   </p:cSld>
@@ -7590,12 +11216,152 @@
           <a:chExt cx="0" cy="0"/>
         </a:xfrm>
       </p:grpSpPr>
+      <p:sp>
+        <p:nvSpPr>
+          <p:cNvPr id="2" name="Titre 1">
+            <a:extLst>
+              <a:ext uri="{FF2B5EF4-FFF2-40B4-BE49-F238E27FC236}">
+                <a16:creationId xmlns:a16="http://schemas.microsoft.com/office/drawing/2014/main" id="{465F4E1D-C2D1-48A3-87E1-EAA86D29F741}"/>
+              </a:ext>
+            </a:extLst>
+          </p:cNvPr>
+          <p:cNvSpPr>
+            <a:spLocks noGrp="1"/>
+          </p:cNvSpPr>
+          <p:nvPr>
+            <p:ph type="ctrTitle"/>
+          </p:nvPr>
+        </p:nvSpPr>
+        <p:spPr>
+          <a:xfrm>
+            <a:off x="1391920" y="396240"/>
+            <a:ext cx="9408160" cy="1046481"/>
+          </a:xfrm>
+        </p:spPr>
+        <p:txBody>
+          <a:bodyPr>
+            <a:normAutofit fontScale="90000"/>
+          </a:bodyPr>
+          <a:lstStyle/>
+          <a:p>
+            <a:r>
+              <a:rPr lang="fr-FR" dirty="0"/>
+              <a:t>Données utilisées pour l’analyse</a:t>
+            </a:r>
+          </a:p>
+        </p:txBody>
+      </p:sp>
+      <p:sp>
+        <p:nvSpPr>
+          <p:cNvPr id="3" name="Sous-titre 2">
+            <a:extLst>
+              <a:ext uri="{FF2B5EF4-FFF2-40B4-BE49-F238E27FC236}">
+                <a16:creationId xmlns:a16="http://schemas.microsoft.com/office/drawing/2014/main" id="{17FAF219-AB1C-4BDD-A381-F70BE8FC4BD3}"/>
+              </a:ext>
+            </a:extLst>
+          </p:cNvPr>
+          <p:cNvSpPr>
+            <a:spLocks noGrp="1"/>
+          </p:cNvSpPr>
+          <p:nvPr>
+            <p:ph type="subTitle" idx="1"/>
+          </p:nvPr>
+        </p:nvSpPr>
+        <p:spPr>
+          <a:xfrm>
+            <a:off x="1391920" y="1999139"/>
+            <a:ext cx="9144000" cy="2859722"/>
+          </a:xfrm>
+        </p:spPr>
+        <p:txBody>
+          <a:bodyPr>
+            <a:normAutofit fontScale="85000" lnSpcReduction="20000"/>
+          </a:bodyPr>
+          <a:lstStyle/>
+          <a:p>
+            <a:pPr algn="l"/>
+            <a:r>
+              <a:rPr lang="fr-FR" dirty="0"/>
+              <a:t>Les données sont toutes extraites de la FAO </a:t>
+            </a:r>
+            <a:endParaRPr lang="fr-FR" baseline="0" dirty="0"/>
+          </a:p>
+          <a:p>
+            <a:pPr marL="342900" indent="-342900" algn="l">
+              <a:buFont typeface="Arial" panose="020B0604020202020204" pitchFamily="34" charset="0"/>
+              <a:buChar char="•"/>
+            </a:pPr>
+            <a:endParaRPr lang="fr-FR" baseline="0" dirty="0"/>
+          </a:p>
+          <a:p>
+            <a:pPr marL="342900" indent="-342900" algn="l">
+              <a:buFont typeface="Arial" panose="020B0604020202020204" pitchFamily="34" charset="0"/>
+              <a:buChar char="•"/>
+            </a:pPr>
+            <a:r>
+              <a:rPr lang="fr-FR" baseline="0" dirty="0"/>
+              <a:t>Le ratio de population (n/n-1)</a:t>
+            </a:r>
+          </a:p>
+          <a:p>
+            <a:pPr marL="342900" indent="-342900" algn="l">
+              <a:buFont typeface="Arial" panose="020B0604020202020204" pitchFamily="34" charset="0"/>
+              <a:buChar char="•"/>
+            </a:pPr>
+            <a:r>
+              <a:rPr lang="fr-FR" dirty="0"/>
+              <a:t>Le ratio de protéines d’origine animale par rapport aux protéines totales</a:t>
+            </a:r>
+          </a:p>
+          <a:p>
+            <a:pPr marL="342900" indent="-342900" algn="l">
+              <a:buFont typeface="Arial" panose="020B0604020202020204" pitchFamily="34" charset="0"/>
+              <a:buChar char="•"/>
+            </a:pPr>
+            <a:r>
+              <a:rPr lang="fr-FR" dirty="0"/>
+              <a:t>La disponibilité en protéines (en kg/personne)</a:t>
+            </a:r>
+            <a:endParaRPr lang="fr-FR" baseline="0" dirty="0"/>
+          </a:p>
+          <a:p>
+            <a:pPr marL="342900" indent="-342900" algn="l">
+              <a:buFont typeface="Arial" panose="020B0604020202020204" pitchFamily="34" charset="0"/>
+              <a:buChar char="•"/>
+            </a:pPr>
+            <a:r>
+              <a:rPr lang="fr-FR" baseline="0" dirty="0"/>
+              <a:t>La disponibilité alimentaire du pays (en kcal/personne)</a:t>
+            </a:r>
+          </a:p>
+          <a:p>
+            <a:pPr marL="342900" indent="-342900" algn="l">
+              <a:buFont typeface="Arial" panose="020B0604020202020204" pitchFamily="34" charset="0"/>
+              <a:buChar char="•"/>
+            </a:pPr>
+            <a:r>
+              <a:rPr lang="fr-FR" dirty="0"/>
+              <a:t>Le PIB par habitant (en $ US)</a:t>
+            </a:r>
+          </a:p>
+          <a:p>
+            <a:pPr marL="342900" indent="-342900" algn="l">
+              <a:buFont typeface="Arial" panose="020B0604020202020204" pitchFamily="34" charset="0"/>
+              <a:buChar char="•"/>
+            </a:pPr>
+            <a:r>
+              <a:rPr lang="fr-FR" dirty="0"/>
+              <a:t>La ratio du PIB (n/n-1)</a:t>
+            </a:r>
+          </a:p>
+        </p:txBody>
+      </p:sp>
       <p:pic>
         <p:nvPicPr>
           <p:cNvPr id="4" name="Image 3">
             <a:extLst>
               <a:ext uri="{FF2B5EF4-FFF2-40B4-BE49-F238E27FC236}">
-                <a16:creationId xmlns:a16="http://schemas.microsoft.com/office/drawing/2014/main" id="{7BB25652-98F0-44D9-9CE3-603811FF0BBB}"/>
+                <a16:creationId xmlns:a16="http://schemas.microsoft.com/office/drawing/2014/main" id="{6D19BF79-1D71-48C5-80A2-A1D39A8C2714}"/>
               </a:ext>
             </a:extLst>
           </p:cNvPr>
@@ -7605,7 +11371,7 @@
           <p:nvPr/>
         </p:nvPicPr>
         <p:blipFill>
-          <a:blip r:embed="rId3">
+          <a:blip r:embed="rId2">
             <a:extLst>
               <a:ext uri="{28A0092B-C50C-407E-A947-70E740481C1C}">
                 <a14:useLocalDpi xmlns:a14="http://schemas.microsoft.com/office/drawing/2010/main" val="0"/>
@@ -7626,40 +11392,10 @@
           </a:prstGeom>
         </p:spPr>
       </p:pic>
-      <p:sp>
-        <p:nvSpPr>
-          <p:cNvPr id="5" name="Titre 4">
-            <a:extLst>
-              <a:ext uri="{FF2B5EF4-FFF2-40B4-BE49-F238E27FC236}">
-                <a16:creationId xmlns:a16="http://schemas.microsoft.com/office/drawing/2014/main" id="{AB1504F3-A48F-4D97-8A37-9FEAC2381E14}"/>
-              </a:ext>
-            </a:extLst>
-          </p:cNvPr>
-          <p:cNvSpPr>
-            <a:spLocks noGrp="1"/>
-          </p:cNvSpPr>
-          <p:nvPr>
-            <p:ph type="title"/>
-          </p:nvPr>
-        </p:nvSpPr>
-        <p:spPr/>
-        <p:txBody>
-          <a:bodyPr>
-            <a:noAutofit/>
-          </a:bodyPr>
-          <a:lstStyle/>
-          <a:p>
-            <a:r>
-              <a:rPr lang="fr-FR" sz="5400" dirty="0"/>
-              <a:t>Les données sont extraites de la FAO </a:t>
-            </a:r>
-          </a:p>
-        </p:txBody>
-      </p:sp>
     </p:spTree>
     <p:extLst>
       <p:ext uri="{BB962C8B-B14F-4D97-AF65-F5344CB8AC3E}">
-        <p14:creationId xmlns:p14="http://schemas.microsoft.com/office/powerpoint/2010/main" val="2068293001"/>
+        <p14:creationId xmlns:p14="http://schemas.microsoft.com/office/powerpoint/2010/main" val="1870895099"/>
       </p:ext>
     </p:extLst>
   </p:cSld>
@@ -7691,7 +11427,7 @@
           <p:cNvPr id="2" name="Titre 1">
             <a:extLst>
               <a:ext uri="{FF2B5EF4-FFF2-40B4-BE49-F238E27FC236}">
-                <a16:creationId xmlns:a16="http://schemas.microsoft.com/office/drawing/2014/main" id="{465F4E1D-C2D1-48A3-87E1-EAA86D29F741}"/>
+                <a16:creationId xmlns:a16="http://schemas.microsoft.com/office/drawing/2014/main" id="{CAA876EA-FED9-49A0-94CB-4283459215B9}"/>
               </a:ext>
             </a:extLst>
           </p:cNvPr>
@@ -7704,129 +11440,17 @@
         </p:nvSpPr>
         <p:spPr>
           <a:xfrm>
-            <a:off x="1391920" y="396240"/>
-            <a:ext cx="9408160" cy="1046481"/>
-          </a:xfrm>
-        </p:spPr>
-        <p:txBody>
-          <a:bodyPr>
-            <a:normAutofit fontScale="90000"/>
-          </a:bodyPr>
-          <a:lstStyle/>
-          <a:p>
-            <a:r>
-              <a:rPr lang="fr-FR" dirty="0"/>
-              <a:t>Données utilisées pour l’analyse</a:t>
-            </a:r>
-          </a:p>
-        </p:txBody>
-      </p:sp>
-      <p:sp>
-        <p:nvSpPr>
-          <p:cNvPr id="3" name="Sous-titre 2">
-            <a:extLst>
-              <a:ext uri="{FF2B5EF4-FFF2-40B4-BE49-F238E27FC236}">
-                <a16:creationId xmlns:a16="http://schemas.microsoft.com/office/drawing/2014/main" id="{17FAF219-AB1C-4BDD-A381-F70BE8FC4BD3}"/>
-              </a:ext>
-            </a:extLst>
-          </p:cNvPr>
-          <p:cNvSpPr>
-            <a:spLocks noGrp="1"/>
-          </p:cNvSpPr>
-          <p:nvPr>
-            <p:ph type="subTitle" idx="1"/>
-          </p:nvPr>
-        </p:nvSpPr>
-        <p:spPr>
-          <a:xfrm>
-            <a:off x="1391920" y="1999139"/>
-            <a:ext cx="9144000" cy="2859722"/>
-          </a:xfrm>
-        </p:spPr>
-        <p:txBody>
-          <a:bodyPr>
-            <a:normAutofit fontScale="85000" lnSpcReduction="20000"/>
-          </a:bodyPr>
-          <a:lstStyle/>
-          <a:p>
-            <a:pPr marL="342900" indent="-342900" algn="l">
-              <a:buFont typeface="Arial" panose="020B0604020202020204" pitchFamily="34" charset="0"/>
-              <a:buChar char="•"/>
-            </a:pPr>
-            <a:r>
-              <a:rPr lang="fr-FR" baseline="0" dirty="0"/>
-              <a:t>Le ratio de population (n/n-1)</a:t>
-            </a:r>
-          </a:p>
-          <a:p>
-            <a:pPr marL="342900" indent="-342900" algn="l">
-              <a:buFont typeface="Arial" panose="020B0604020202020204" pitchFamily="34" charset="0"/>
-              <a:buChar char="•"/>
-            </a:pPr>
-            <a:r>
-              <a:rPr lang="fr-FR" dirty="0"/>
-              <a:t>Le ratio de protéines d’origine animale par rapport aux protéines totales</a:t>
-            </a:r>
-          </a:p>
-          <a:p>
-            <a:pPr marL="342900" indent="-342900" algn="l">
-              <a:buFont typeface="Arial" panose="020B0604020202020204" pitchFamily="34" charset="0"/>
-              <a:buChar char="•"/>
-            </a:pPr>
-            <a:r>
-              <a:rPr lang="fr-FR" dirty="0"/>
-              <a:t>La disponibilité en protéines (en kg/personne)</a:t>
-            </a:r>
-            <a:endParaRPr lang="fr-FR" baseline="0" dirty="0"/>
-          </a:p>
-          <a:p>
-            <a:pPr marL="342900" indent="-342900" algn="l">
-              <a:buFont typeface="Arial" panose="020B0604020202020204" pitchFamily="34" charset="0"/>
-              <a:buChar char="•"/>
-            </a:pPr>
-            <a:r>
-              <a:rPr lang="fr-FR" baseline="0" dirty="0"/>
-              <a:t>La disponibilité alimentaire du pays (en kcal/personne)</a:t>
-            </a:r>
-          </a:p>
-          <a:p>
-            <a:pPr marL="342900" indent="-342900" algn="l">
-              <a:buFont typeface="Arial" panose="020B0604020202020204" pitchFamily="34" charset="0"/>
-              <a:buChar char="•"/>
-            </a:pPr>
-            <a:r>
-              <a:rPr lang="fr-FR" dirty="0"/>
-              <a:t>Est-ce que le pays est importateur ou exportateur (imports – exports &gt; ou &lt; 0)</a:t>
-            </a:r>
-          </a:p>
-          <a:p>
-            <a:pPr marL="342900" indent="-342900" algn="l">
-              <a:buFont typeface="Arial" panose="020B0604020202020204" pitchFamily="34" charset="0"/>
-              <a:buChar char="•"/>
-            </a:pPr>
-            <a:r>
-              <a:rPr lang="fr-FR" dirty="0"/>
-              <a:t>Le PIB par habitant (en $ US)</a:t>
-            </a:r>
-          </a:p>
-          <a:p>
-            <a:pPr marL="342900" indent="-342900" algn="l">
-              <a:buFont typeface="Arial" panose="020B0604020202020204" pitchFamily="34" charset="0"/>
-              <a:buChar char="•"/>
-            </a:pPr>
-            <a:r>
-              <a:rPr lang="fr-FR" dirty="0"/>
-              <a:t>La ratio du PIB (n/n-1)</a:t>
-            </a:r>
-          </a:p>
-          <a:p>
-            <a:pPr marL="342900" indent="-342900" algn="l">
-              <a:buFont typeface="Arial" panose="020B0604020202020204" pitchFamily="34" charset="0"/>
-              <a:buChar char="•"/>
-            </a:pPr>
-            <a:r>
-              <a:rPr lang="fr-FR" dirty="0"/>
-              <a:t>**Le ratio d’imports (n/n-1)**</a:t>
+            <a:off x="1524000" y="2908458"/>
+            <a:ext cx="9144000" cy="1041083"/>
+          </a:xfrm>
+        </p:spPr>
+        <p:txBody>
+          <a:bodyPr/>
+          <a:lstStyle/>
+          <a:p>
+            <a:r>
+              <a:rPr lang="fr-FR" u="sng" dirty="0"/>
+              <a:t>Les étapes de l’étude :</a:t>
             </a:r>
           </a:p>
         </p:txBody>
@@ -7836,7 +11460,7 @@
           <p:cNvPr id="4" name="Image 3">
             <a:extLst>
               <a:ext uri="{FF2B5EF4-FFF2-40B4-BE49-F238E27FC236}">
-                <a16:creationId xmlns:a16="http://schemas.microsoft.com/office/drawing/2014/main" id="{6D19BF79-1D71-48C5-80A2-A1D39A8C2714}"/>
+                <a16:creationId xmlns:a16="http://schemas.microsoft.com/office/drawing/2014/main" id="{D86C892C-1E6D-41AC-9500-A62F2106E5BF}"/>
               </a:ext>
             </a:extLst>
           </p:cNvPr>
@@ -7870,7 +11494,7 @@
     </p:spTree>
     <p:extLst>
       <p:ext uri="{BB962C8B-B14F-4D97-AF65-F5344CB8AC3E}">
-        <p14:creationId xmlns:p14="http://schemas.microsoft.com/office/powerpoint/2010/main" val="1870895099"/>
+        <p14:creationId xmlns:p14="http://schemas.microsoft.com/office/powerpoint/2010/main" val="1334224903"/>
       </p:ext>
     </p:extLst>
   </p:cSld>
@@ -7920,130 +11544,15 @@
           </a:xfrm>
         </p:spPr>
         <p:txBody>
-          <a:bodyPr/>
-          <a:lstStyle/>
-          <a:p>
-            <a:r>
-              <a:rPr lang="fr-FR" dirty="0"/>
-              <a:t>Les étapes de l’étude :</a:t>
-            </a:r>
-          </a:p>
-        </p:txBody>
-      </p:sp>
-      <p:sp>
-        <p:nvSpPr>
-          <p:cNvPr id="3" name="Sous-titre 2">
-            <a:extLst>
-              <a:ext uri="{FF2B5EF4-FFF2-40B4-BE49-F238E27FC236}">
-                <a16:creationId xmlns:a16="http://schemas.microsoft.com/office/drawing/2014/main" id="{218B9057-36A2-4CEF-8698-A320933B4FB0}"/>
-              </a:ext>
-            </a:extLst>
-          </p:cNvPr>
-          <p:cNvSpPr>
-            <a:spLocks noGrp="1"/>
-          </p:cNvSpPr>
-          <p:nvPr>
-            <p:ph type="subTitle" idx="1"/>
-          </p:nvPr>
-        </p:nvSpPr>
-        <p:spPr>
-          <a:xfrm>
-            <a:off x="1524000" y="1897539"/>
-            <a:ext cx="9245600" cy="3062922"/>
-          </a:xfrm>
-        </p:spPr>
-        <p:txBody>
           <a:bodyPr>
-            <a:normAutofit fontScale="92500" lnSpcReduction="20000"/>
+            <a:normAutofit/>
           </a:bodyPr>
           <a:lstStyle/>
           <a:p>
-            <a:pPr marL="342900" indent="-342900" algn="l">
-              <a:buFont typeface="Arial" panose="020B0604020202020204" pitchFamily="34" charset="0"/>
-              <a:buChar char="•"/>
-            </a:pPr>
             <a:r>
               <a:rPr lang="fr-FR" dirty="0"/>
               <a:t>Construction de l’échantillon</a:t>
             </a:r>
-          </a:p>
-          <a:p>
-            <a:pPr marL="342900" indent="-342900" algn="l">
-              <a:buFont typeface="Arial" panose="020B0604020202020204" pitchFamily="34" charset="0"/>
-              <a:buChar char="•"/>
-            </a:pPr>
-            <a:r>
-              <a:rPr lang="fr-FR" dirty="0"/>
-              <a:t>Création d’un </a:t>
-            </a:r>
-            <a:r>
-              <a:rPr lang="fr-FR" dirty="0" err="1"/>
-              <a:t>dendogramme</a:t>
-            </a:r>
-            <a:endParaRPr lang="fr-FR" dirty="0"/>
-          </a:p>
-          <a:p>
-            <a:pPr marL="342900" indent="-342900" algn="l">
-              <a:buFont typeface="Arial" panose="020B0604020202020204" pitchFamily="34" charset="0"/>
-              <a:buChar char="•"/>
-            </a:pPr>
-            <a:r>
-              <a:rPr lang="fr-FR" dirty="0"/>
-              <a:t>Analyse des centroïdes des groupes</a:t>
-            </a:r>
-          </a:p>
-          <a:p>
-            <a:pPr marL="342900" indent="-342900" algn="l">
-              <a:buFont typeface="Arial" panose="020B0604020202020204" pitchFamily="34" charset="0"/>
-              <a:buChar char="•"/>
-            </a:pPr>
-            <a:r>
-              <a:rPr lang="fr-FR" dirty="0"/>
-              <a:t>Première visualisation des clusters</a:t>
-            </a:r>
-          </a:p>
-          <a:p>
-            <a:pPr marL="342900" indent="-342900" algn="l">
-              <a:buFont typeface="Arial" panose="020B0604020202020204" pitchFamily="34" charset="0"/>
-              <a:buChar char="•"/>
-            </a:pPr>
-            <a:r>
-              <a:rPr lang="fr-FR" dirty="0"/>
-              <a:t>ACP sur les partitions</a:t>
-            </a:r>
-          </a:p>
-          <a:p>
-            <a:pPr marL="342900" indent="-342900" algn="l">
-              <a:buFont typeface="Arial" panose="020B0604020202020204" pitchFamily="34" charset="0"/>
-              <a:buChar char="•"/>
-            </a:pPr>
-            <a:r>
-              <a:rPr lang="fr-FR" dirty="0"/>
-              <a:t>Test d’adéquation sur les variables</a:t>
-            </a:r>
-          </a:p>
-          <a:p>
-            <a:pPr marL="342900" indent="-342900" algn="l">
-              <a:buFont typeface="Arial" panose="020B0604020202020204" pitchFamily="34" charset="0"/>
-              <a:buChar char="•"/>
-            </a:pPr>
-            <a:r>
-              <a:rPr lang="fr-FR" dirty="0"/>
-              <a:t>Test de comparaison sur les groupes</a:t>
-            </a:r>
-          </a:p>
-          <a:p>
-            <a:pPr marL="342900" indent="-342900" algn="l">
-              <a:buFont typeface="Arial" panose="020B0604020202020204" pitchFamily="34" charset="0"/>
-              <a:buChar char="•"/>
-            </a:pPr>
-            <a:r>
-              <a:rPr lang="fr-FR" dirty="0"/>
-              <a:t>Conclusion</a:t>
-            </a:r>
-          </a:p>
-          <a:p>
-            <a:endParaRPr lang="fr-FR" dirty="0"/>
           </a:p>
         </p:txBody>
       </p:sp>
@@ -8083,16 +11592,1005 @@
           </a:prstGeom>
         </p:spPr>
       </p:pic>
+      <p:pic>
+        <p:nvPicPr>
+          <p:cNvPr id="5" name="Image 4">
+            <a:extLst>
+              <a:ext uri="{FF2B5EF4-FFF2-40B4-BE49-F238E27FC236}">
+                <a16:creationId xmlns:a16="http://schemas.microsoft.com/office/drawing/2014/main" id="{21BC7AAA-05D9-44BD-A848-87AE1E048C03}"/>
+              </a:ext>
+            </a:extLst>
+          </p:cNvPr>
+          <p:cNvPicPr>
+            <a:picLocks noChangeAspect="1"/>
+          </p:cNvPicPr>
+          <p:nvPr/>
+        </p:nvPicPr>
+        <p:blipFill>
+          <a:blip r:embed="rId3"/>
+          <a:stretch>
+            <a:fillRect/>
+          </a:stretch>
+        </p:blipFill>
+        <p:spPr>
+          <a:xfrm>
+            <a:off x="362465" y="2285696"/>
+            <a:ext cx="11467070" cy="2467300"/>
+          </a:xfrm>
+          <a:prstGeom prst="rect">
+            <a:avLst/>
+          </a:prstGeom>
+        </p:spPr>
+      </p:pic>
+      <p:sp>
+        <p:nvSpPr>
+          <p:cNvPr id="6" name="Rectangle 5">
+            <a:extLst>
+              <a:ext uri="{FF2B5EF4-FFF2-40B4-BE49-F238E27FC236}">
+                <a16:creationId xmlns:a16="http://schemas.microsoft.com/office/drawing/2014/main" id="{8A864841-A1C0-45E5-9ACA-58C9EF51A0B6}"/>
+              </a:ext>
+            </a:extLst>
+          </p:cNvPr>
+          <p:cNvSpPr/>
+          <p:nvPr/>
+        </p:nvSpPr>
+        <p:spPr>
+          <a:xfrm>
+            <a:off x="1524000" y="2285696"/>
+            <a:ext cx="1095632" cy="2467300"/>
+          </a:xfrm>
+          <a:prstGeom prst="rect">
+            <a:avLst/>
+          </a:prstGeom>
+          <a:noFill/>
+          <a:ln>
+            <a:solidFill>
+              <a:srgbClr val="FF0000"/>
+            </a:solidFill>
+          </a:ln>
+        </p:spPr>
+        <p:style>
+          <a:lnRef idx="2">
+            <a:schemeClr val="accent1">
+              <a:shade val="50000"/>
+            </a:schemeClr>
+          </a:lnRef>
+          <a:fillRef idx="1">
+            <a:schemeClr val="accent1"/>
+          </a:fillRef>
+          <a:effectRef idx="0">
+            <a:schemeClr val="accent1"/>
+          </a:effectRef>
+          <a:fontRef idx="minor">
+            <a:schemeClr val="lt1"/>
+          </a:fontRef>
+        </p:style>
+        <p:txBody>
+          <a:bodyPr rtlCol="0" anchor="ctr"/>
+          <a:lstStyle/>
+          <a:p>
+            <a:pPr algn="ctr"/>
+            <a:endParaRPr lang="fr-FR"/>
+          </a:p>
+        </p:txBody>
+      </p:sp>
+      <p:sp>
+        <p:nvSpPr>
+          <p:cNvPr id="7" name="Rectangle 6">
+            <a:extLst>
+              <a:ext uri="{FF2B5EF4-FFF2-40B4-BE49-F238E27FC236}">
+                <a16:creationId xmlns:a16="http://schemas.microsoft.com/office/drawing/2014/main" id="{D7CFE113-F65C-48C1-B0DC-F5250495798C}"/>
+              </a:ext>
+            </a:extLst>
+          </p:cNvPr>
+          <p:cNvSpPr/>
+          <p:nvPr/>
+        </p:nvSpPr>
+        <p:spPr>
+          <a:xfrm>
+            <a:off x="3085070" y="2285696"/>
+            <a:ext cx="1095632" cy="2467300"/>
+          </a:xfrm>
+          <a:prstGeom prst="rect">
+            <a:avLst/>
+          </a:prstGeom>
+          <a:noFill/>
+          <a:ln>
+            <a:solidFill>
+              <a:srgbClr val="FF0000"/>
+            </a:solidFill>
+          </a:ln>
+        </p:spPr>
+        <p:style>
+          <a:lnRef idx="2">
+            <a:schemeClr val="accent1">
+              <a:shade val="50000"/>
+            </a:schemeClr>
+          </a:lnRef>
+          <a:fillRef idx="1">
+            <a:schemeClr val="accent1"/>
+          </a:fillRef>
+          <a:effectRef idx="0">
+            <a:schemeClr val="accent1"/>
+          </a:effectRef>
+          <a:fontRef idx="minor">
+            <a:schemeClr val="lt1"/>
+          </a:fontRef>
+        </p:style>
+        <p:txBody>
+          <a:bodyPr rtlCol="0" anchor="ctr"/>
+          <a:lstStyle/>
+          <a:p>
+            <a:pPr algn="ctr"/>
+            <a:endParaRPr lang="fr-FR"/>
+          </a:p>
+        </p:txBody>
+      </p:sp>
+      <p:sp>
+        <p:nvSpPr>
+          <p:cNvPr id="8" name="Rectangle 7">
+            <a:extLst>
+              <a:ext uri="{FF2B5EF4-FFF2-40B4-BE49-F238E27FC236}">
+                <a16:creationId xmlns:a16="http://schemas.microsoft.com/office/drawing/2014/main" id="{FB50680A-55AC-46AB-8FC6-4227906B3163}"/>
+              </a:ext>
+            </a:extLst>
+          </p:cNvPr>
+          <p:cNvSpPr/>
+          <p:nvPr/>
+        </p:nvSpPr>
+        <p:spPr>
+          <a:xfrm>
+            <a:off x="4800600" y="2285696"/>
+            <a:ext cx="1095632" cy="2467300"/>
+          </a:xfrm>
+          <a:prstGeom prst="rect">
+            <a:avLst/>
+          </a:prstGeom>
+          <a:noFill/>
+          <a:ln>
+            <a:solidFill>
+              <a:srgbClr val="FF0000"/>
+            </a:solidFill>
+          </a:ln>
+        </p:spPr>
+        <p:style>
+          <a:lnRef idx="2">
+            <a:schemeClr val="accent1">
+              <a:shade val="50000"/>
+            </a:schemeClr>
+          </a:lnRef>
+          <a:fillRef idx="1">
+            <a:schemeClr val="accent1"/>
+          </a:fillRef>
+          <a:effectRef idx="0">
+            <a:schemeClr val="accent1"/>
+          </a:effectRef>
+          <a:fontRef idx="minor">
+            <a:schemeClr val="lt1"/>
+          </a:fontRef>
+        </p:style>
+        <p:txBody>
+          <a:bodyPr rtlCol="0" anchor="ctr"/>
+          <a:lstStyle/>
+          <a:p>
+            <a:pPr algn="ctr"/>
+            <a:endParaRPr lang="fr-FR"/>
+          </a:p>
+        </p:txBody>
+      </p:sp>
+      <p:sp>
+        <p:nvSpPr>
+          <p:cNvPr id="9" name="Rectangle 8">
+            <a:extLst>
+              <a:ext uri="{FF2B5EF4-FFF2-40B4-BE49-F238E27FC236}">
+                <a16:creationId xmlns:a16="http://schemas.microsoft.com/office/drawing/2014/main" id="{5AE4D5AC-F8E4-42FA-A32F-DD22A87923FA}"/>
+              </a:ext>
+            </a:extLst>
+          </p:cNvPr>
+          <p:cNvSpPr/>
+          <p:nvPr/>
+        </p:nvSpPr>
+        <p:spPr>
+          <a:xfrm>
+            <a:off x="6599536" y="2285696"/>
+            <a:ext cx="1234647" cy="2467300"/>
+          </a:xfrm>
+          <a:prstGeom prst="rect">
+            <a:avLst/>
+          </a:prstGeom>
+          <a:noFill/>
+          <a:ln>
+            <a:solidFill>
+              <a:srgbClr val="FF0000"/>
+            </a:solidFill>
+          </a:ln>
+        </p:spPr>
+        <p:style>
+          <a:lnRef idx="2">
+            <a:schemeClr val="accent1">
+              <a:shade val="50000"/>
+            </a:schemeClr>
+          </a:lnRef>
+          <a:fillRef idx="1">
+            <a:schemeClr val="accent1"/>
+          </a:fillRef>
+          <a:effectRef idx="0">
+            <a:schemeClr val="accent1"/>
+          </a:effectRef>
+          <a:fontRef idx="minor">
+            <a:schemeClr val="lt1"/>
+          </a:fontRef>
+        </p:style>
+        <p:txBody>
+          <a:bodyPr rtlCol="0" anchor="ctr"/>
+          <a:lstStyle/>
+          <a:p>
+            <a:pPr algn="ctr"/>
+            <a:endParaRPr lang="fr-FR"/>
+          </a:p>
+        </p:txBody>
+      </p:sp>
+      <p:sp>
+        <p:nvSpPr>
+          <p:cNvPr id="10" name="Rectangle 9">
+            <a:extLst>
+              <a:ext uri="{FF2B5EF4-FFF2-40B4-BE49-F238E27FC236}">
+                <a16:creationId xmlns:a16="http://schemas.microsoft.com/office/drawing/2014/main" id="{6619B824-B48F-4F7A-9894-BC0E77DA0A65}"/>
+              </a:ext>
+            </a:extLst>
+          </p:cNvPr>
+          <p:cNvSpPr/>
+          <p:nvPr/>
+        </p:nvSpPr>
+        <p:spPr>
+          <a:xfrm>
+            <a:off x="8188411" y="2285696"/>
+            <a:ext cx="1005016" cy="2467300"/>
+          </a:xfrm>
+          <a:prstGeom prst="rect">
+            <a:avLst/>
+          </a:prstGeom>
+          <a:noFill/>
+          <a:ln>
+            <a:solidFill>
+              <a:srgbClr val="FF0000"/>
+            </a:solidFill>
+          </a:ln>
+        </p:spPr>
+        <p:style>
+          <a:lnRef idx="2">
+            <a:schemeClr val="accent1">
+              <a:shade val="50000"/>
+            </a:schemeClr>
+          </a:lnRef>
+          <a:fillRef idx="1">
+            <a:schemeClr val="accent1"/>
+          </a:fillRef>
+          <a:effectRef idx="0">
+            <a:schemeClr val="accent1"/>
+          </a:effectRef>
+          <a:fontRef idx="minor">
+            <a:schemeClr val="lt1"/>
+          </a:fontRef>
+        </p:style>
+        <p:txBody>
+          <a:bodyPr rtlCol="0" anchor="ctr"/>
+          <a:lstStyle/>
+          <a:p>
+            <a:pPr algn="ctr"/>
+            <a:endParaRPr lang="fr-FR"/>
+          </a:p>
+        </p:txBody>
+      </p:sp>
+      <p:sp>
+        <p:nvSpPr>
+          <p:cNvPr id="11" name="Rectangle 10">
+            <a:extLst>
+              <a:ext uri="{FF2B5EF4-FFF2-40B4-BE49-F238E27FC236}">
+                <a16:creationId xmlns:a16="http://schemas.microsoft.com/office/drawing/2014/main" id="{2E280805-33A7-4FEF-8EC8-E3BD4811F47B}"/>
+              </a:ext>
+            </a:extLst>
+          </p:cNvPr>
+          <p:cNvSpPr/>
+          <p:nvPr/>
+        </p:nvSpPr>
+        <p:spPr>
+          <a:xfrm>
+            <a:off x="9284043" y="2285696"/>
+            <a:ext cx="1383958" cy="2467300"/>
+          </a:xfrm>
+          <a:prstGeom prst="rect">
+            <a:avLst/>
+          </a:prstGeom>
+          <a:noFill/>
+          <a:ln>
+            <a:solidFill>
+              <a:srgbClr val="FF0000"/>
+            </a:solidFill>
+          </a:ln>
+        </p:spPr>
+        <p:style>
+          <a:lnRef idx="2">
+            <a:schemeClr val="accent1">
+              <a:shade val="50000"/>
+            </a:schemeClr>
+          </a:lnRef>
+          <a:fillRef idx="1">
+            <a:schemeClr val="accent1"/>
+          </a:fillRef>
+          <a:effectRef idx="0">
+            <a:schemeClr val="accent1"/>
+          </a:effectRef>
+          <a:fontRef idx="minor">
+            <a:schemeClr val="lt1"/>
+          </a:fontRef>
+        </p:style>
+        <p:txBody>
+          <a:bodyPr rtlCol="0" anchor="ctr"/>
+          <a:lstStyle/>
+          <a:p>
+            <a:pPr algn="ctr"/>
+            <a:endParaRPr lang="fr-FR"/>
+          </a:p>
+        </p:txBody>
+      </p:sp>
+      <p:sp>
+        <p:nvSpPr>
+          <p:cNvPr id="12" name="Rectangle 11">
+            <a:extLst>
+              <a:ext uri="{FF2B5EF4-FFF2-40B4-BE49-F238E27FC236}">
+                <a16:creationId xmlns:a16="http://schemas.microsoft.com/office/drawing/2014/main" id="{397378F9-9BCC-4C5C-8FB0-97E5AA0F291E}"/>
+              </a:ext>
+            </a:extLst>
+          </p:cNvPr>
+          <p:cNvSpPr/>
+          <p:nvPr/>
+        </p:nvSpPr>
+        <p:spPr>
+          <a:xfrm>
+            <a:off x="10786074" y="2285696"/>
+            <a:ext cx="1095632" cy="2467300"/>
+          </a:xfrm>
+          <a:prstGeom prst="rect">
+            <a:avLst/>
+          </a:prstGeom>
+          <a:noFill/>
+          <a:ln>
+            <a:solidFill>
+              <a:srgbClr val="FF0000"/>
+            </a:solidFill>
+          </a:ln>
+        </p:spPr>
+        <p:style>
+          <a:lnRef idx="2">
+            <a:schemeClr val="accent1">
+              <a:shade val="50000"/>
+            </a:schemeClr>
+          </a:lnRef>
+          <a:fillRef idx="1">
+            <a:schemeClr val="accent1"/>
+          </a:fillRef>
+          <a:effectRef idx="0">
+            <a:schemeClr val="accent1"/>
+          </a:effectRef>
+          <a:fontRef idx="minor">
+            <a:schemeClr val="lt1"/>
+          </a:fontRef>
+        </p:style>
+        <p:txBody>
+          <a:bodyPr rtlCol="0" anchor="ctr"/>
+          <a:lstStyle/>
+          <a:p>
+            <a:pPr algn="ctr"/>
+            <a:endParaRPr lang="fr-FR"/>
+          </a:p>
+        </p:txBody>
+      </p:sp>
     </p:spTree>
     <p:extLst>
       <p:ext uri="{BB962C8B-B14F-4D97-AF65-F5344CB8AC3E}">
-        <p14:creationId xmlns:p14="http://schemas.microsoft.com/office/powerpoint/2010/main" val="1334224903"/>
+        <p14:creationId xmlns:p14="http://schemas.microsoft.com/office/powerpoint/2010/main" val="553137553"/>
       </p:ext>
     </p:extLst>
   </p:cSld>
   <p:clrMapOvr>
     <a:masterClrMapping/>
   </p:clrMapOvr>
+  <p:timing>
+    <p:tnLst>
+      <p:par>
+        <p:cTn id="1" dur="indefinite" restart="never" nodeType="tmRoot">
+          <p:childTnLst>
+            <p:seq concurrent="1" nextAc="seek">
+              <p:cTn id="2" dur="indefinite" nodeType="mainSeq">
+                <p:childTnLst>
+                  <p:par>
+                    <p:cTn id="3" fill="hold">
+                      <p:stCondLst>
+                        <p:cond delay="indefinite"/>
+                      </p:stCondLst>
+                      <p:childTnLst>
+                        <p:par>
+                          <p:cTn id="4" fill="hold">
+                            <p:stCondLst>
+                              <p:cond delay="0"/>
+                            </p:stCondLst>
+                            <p:childTnLst>
+                              <p:par>
+                                <p:cTn id="5" presetID="1" presetClass="entr" presetSubtype="0" fill="hold" grpId="0" nodeType="clickEffect">
+                                  <p:stCondLst>
+                                    <p:cond delay="0"/>
+                                  </p:stCondLst>
+                                  <p:childTnLst>
+                                    <p:set>
+                                      <p:cBhvr>
+                                        <p:cTn id="6" dur="1" fill="hold">
+                                          <p:stCondLst>
+                                            <p:cond delay="0"/>
+                                          </p:stCondLst>
+                                        </p:cTn>
+                                        <p:tgtEl>
+                                          <p:spTgt spid="6"/>
+                                        </p:tgtEl>
+                                        <p:attrNameLst>
+                                          <p:attrName>style.visibility</p:attrName>
+                                        </p:attrNameLst>
+                                      </p:cBhvr>
+                                      <p:to>
+                                        <p:strVal val="visible"/>
+                                      </p:to>
+                                    </p:set>
+                                  </p:childTnLst>
+                                </p:cTn>
+                              </p:par>
+                            </p:childTnLst>
+                          </p:cTn>
+                        </p:par>
+                      </p:childTnLst>
+                    </p:cTn>
+                  </p:par>
+                  <p:par>
+                    <p:cTn id="7" fill="hold">
+                      <p:stCondLst>
+                        <p:cond delay="indefinite"/>
+                      </p:stCondLst>
+                      <p:childTnLst>
+                        <p:par>
+                          <p:cTn id="8" fill="hold">
+                            <p:stCondLst>
+                              <p:cond delay="0"/>
+                            </p:stCondLst>
+                            <p:childTnLst>
+                              <p:par>
+                                <p:cTn id="9" presetID="1" presetClass="entr" presetSubtype="0" fill="hold" grpId="0" nodeType="clickEffect">
+                                  <p:stCondLst>
+                                    <p:cond delay="0"/>
+                                  </p:stCondLst>
+                                  <p:childTnLst>
+                                    <p:set>
+                                      <p:cBhvr>
+                                        <p:cTn id="10" dur="1" fill="hold">
+                                          <p:stCondLst>
+                                            <p:cond delay="0"/>
+                                          </p:stCondLst>
+                                        </p:cTn>
+                                        <p:tgtEl>
+                                          <p:spTgt spid="7"/>
+                                        </p:tgtEl>
+                                        <p:attrNameLst>
+                                          <p:attrName>style.visibility</p:attrName>
+                                        </p:attrNameLst>
+                                      </p:cBhvr>
+                                      <p:to>
+                                        <p:strVal val="visible"/>
+                                      </p:to>
+                                    </p:set>
+                                  </p:childTnLst>
+                                </p:cTn>
+                              </p:par>
+                            </p:childTnLst>
+                          </p:cTn>
+                        </p:par>
+                      </p:childTnLst>
+                    </p:cTn>
+                  </p:par>
+                  <p:par>
+                    <p:cTn id="11" fill="hold">
+                      <p:stCondLst>
+                        <p:cond delay="indefinite"/>
+                      </p:stCondLst>
+                      <p:childTnLst>
+                        <p:par>
+                          <p:cTn id="12" fill="hold">
+                            <p:stCondLst>
+                              <p:cond delay="0"/>
+                            </p:stCondLst>
+                            <p:childTnLst>
+                              <p:par>
+                                <p:cTn id="13" presetID="1" presetClass="entr" presetSubtype="0" fill="hold" grpId="0" nodeType="clickEffect">
+                                  <p:stCondLst>
+                                    <p:cond delay="0"/>
+                                  </p:stCondLst>
+                                  <p:childTnLst>
+                                    <p:set>
+                                      <p:cBhvr>
+                                        <p:cTn id="14" dur="1" fill="hold">
+                                          <p:stCondLst>
+                                            <p:cond delay="0"/>
+                                          </p:stCondLst>
+                                        </p:cTn>
+                                        <p:tgtEl>
+                                          <p:spTgt spid="8"/>
+                                        </p:tgtEl>
+                                        <p:attrNameLst>
+                                          <p:attrName>style.visibility</p:attrName>
+                                        </p:attrNameLst>
+                                      </p:cBhvr>
+                                      <p:to>
+                                        <p:strVal val="visible"/>
+                                      </p:to>
+                                    </p:set>
+                                  </p:childTnLst>
+                                </p:cTn>
+                              </p:par>
+                            </p:childTnLst>
+                          </p:cTn>
+                        </p:par>
+                      </p:childTnLst>
+                    </p:cTn>
+                  </p:par>
+                  <p:par>
+                    <p:cTn id="15" fill="hold">
+                      <p:stCondLst>
+                        <p:cond delay="indefinite"/>
+                      </p:stCondLst>
+                      <p:childTnLst>
+                        <p:par>
+                          <p:cTn id="16" fill="hold">
+                            <p:stCondLst>
+                              <p:cond delay="0"/>
+                            </p:stCondLst>
+                            <p:childTnLst>
+                              <p:par>
+                                <p:cTn id="17" presetID="1" presetClass="entr" presetSubtype="0" fill="hold" grpId="0" nodeType="clickEffect">
+                                  <p:stCondLst>
+                                    <p:cond delay="0"/>
+                                  </p:stCondLst>
+                                  <p:childTnLst>
+                                    <p:set>
+                                      <p:cBhvr>
+                                        <p:cTn id="18" dur="1" fill="hold">
+                                          <p:stCondLst>
+                                            <p:cond delay="0"/>
+                                          </p:stCondLst>
+                                        </p:cTn>
+                                        <p:tgtEl>
+                                          <p:spTgt spid="9"/>
+                                        </p:tgtEl>
+                                        <p:attrNameLst>
+                                          <p:attrName>style.visibility</p:attrName>
+                                        </p:attrNameLst>
+                                      </p:cBhvr>
+                                      <p:to>
+                                        <p:strVal val="visible"/>
+                                      </p:to>
+                                    </p:set>
+                                  </p:childTnLst>
+                                </p:cTn>
+                              </p:par>
+                            </p:childTnLst>
+                          </p:cTn>
+                        </p:par>
+                      </p:childTnLst>
+                    </p:cTn>
+                  </p:par>
+                  <p:par>
+                    <p:cTn id="19" fill="hold">
+                      <p:stCondLst>
+                        <p:cond delay="indefinite"/>
+                      </p:stCondLst>
+                      <p:childTnLst>
+                        <p:par>
+                          <p:cTn id="20" fill="hold">
+                            <p:stCondLst>
+                              <p:cond delay="0"/>
+                            </p:stCondLst>
+                            <p:childTnLst>
+                              <p:par>
+                                <p:cTn id="21" presetID="1" presetClass="entr" presetSubtype="0" fill="hold" grpId="0" nodeType="clickEffect">
+                                  <p:stCondLst>
+                                    <p:cond delay="0"/>
+                                  </p:stCondLst>
+                                  <p:childTnLst>
+                                    <p:set>
+                                      <p:cBhvr>
+                                        <p:cTn id="22" dur="1" fill="hold">
+                                          <p:stCondLst>
+                                            <p:cond delay="0"/>
+                                          </p:stCondLst>
+                                        </p:cTn>
+                                        <p:tgtEl>
+                                          <p:spTgt spid="10"/>
+                                        </p:tgtEl>
+                                        <p:attrNameLst>
+                                          <p:attrName>style.visibility</p:attrName>
+                                        </p:attrNameLst>
+                                      </p:cBhvr>
+                                      <p:to>
+                                        <p:strVal val="visible"/>
+                                      </p:to>
+                                    </p:set>
+                                  </p:childTnLst>
+                                </p:cTn>
+                              </p:par>
+                            </p:childTnLst>
+                          </p:cTn>
+                        </p:par>
+                      </p:childTnLst>
+                    </p:cTn>
+                  </p:par>
+                  <p:par>
+                    <p:cTn id="23" fill="hold">
+                      <p:stCondLst>
+                        <p:cond delay="indefinite"/>
+                      </p:stCondLst>
+                      <p:childTnLst>
+                        <p:par>
+                          <p:cTn id="24" fill="hold">
+                            <p:stCondLst>
+                              <p:cond delay="0"/>
+                            </p:stCondLst>
+                            <p:childTnLst>
+                              <p:par>
+                                <p:cTn id="25" presetID="1" presetClass="entr" presetSubtype="0" fill="hold" grpId="0" nodeType="clickEffect">
+                                  <p:stCondLst>
+                                    <p:cond delay="0"/>
+                                  </p:stCondLst>
+                                  <p:childTnLst>
+                                    <p:set>
+                                      <p:cBhvr>
+                                        <p:cTn id="26" dur="1" fill="hold">
+                                          <p:stCondLst>
+                                            <p:cond delay="0"/>
+                                          </p:stCondLst>
+                                        </p:cTn>
+                                        <p:tgtEl>
+                                          <p:spTgt spid="11"/>
+                                        </p:tgtEl>
+                                        <p:attrNameLst>
+                                          <p:attrName>style.visibility</p:attrName>
+                                        </p:attrNameLst>
+                                      </p:cBhvr>
+                                      <p:to>
+                                        <p:strVal val="visible"/>
+                                      </p:to>
+                                    </p:set>
+                                  </p:childTnLst>
+                                </p:cTn>
+                              </p:par>
+                            </p:childTnLst>
+                          </p:cTn>
+                        </p:par>
+                      </p:childTnLst>
+                    </p:cTn>
+                  </p:par>
+                  <p:par>
+                    <p:cTn id="27" fill="hold">
+                      <p:stCondLst>
+                        <p:cond delay="indefinite"/>
+                      </p:stCondLst>
+                      <p:childTnLst>
+                        <p:par>
+                          <p:cTn id="28" fill="hold">
+                            <p:stCondLst>
+                              <p:cond delay="0"/>
+                            </p:stCondLst>
+                            <p:childTnLst>
+                              <p:par>
+                                <p:cTn id="29" presetID="1" presetClass="entr" presetSubtype="0" fill="hold" grpId="0" nodeType="clickEffect">
+                                  <p:stCondLst>
+                                    <p:cond delay="0"/>
+                                  </p:stCondLst>
+                                  <p:childTnLst>
+                                    <p:set>
+                                      <p:cBhvr>
+                                        <p:cTn id="30" dur="1" fill="hold">
+                                          <p:stCondLst>
+                                            <p:cond delay="0"/>
+                                          </p:stCondLst>
+                                        </p:cTn>
+                                        <p:tgtEl>
+                                          <p:spTgt spid="12"/>
+                                        </p:tgtEl>
+                                        <p:attrNameLst>
+                                          <p:attrName>style.visibility</p:attrName>
+                                        </p:attrNameLst>
+                                      </p:cBhvr>
+                                      <p:to>
+                                        <p:strVal val="visible"/>
+                                      </p:to>
+                                    </p:set>
+                                  </p:childTnLst>
+                                </p:cTn>
+                              </p:par>
+                            </p:childTnLst>
+                          </p:cTn>
+                        </p:par>
+                      </p:childTnLst>
+                    </p:cTn>
+                  </p:par>
+                  <p:par>
+                    <p:cTn id="31" fill="hold">
+                      <p:stCondLst>
+                        <p:cond delay="indefinite"/>
+                      </p:stCondLst>
+                      <p:childTnLst>
+                        <p:par>
+                          <p:cTn id="32" fill="hold">
+                            <p:stCondLst>
+                              <p:cond delay="0"/>
+                            </p:stCondLst>
+                            <p:childTnLst>
+                              <p:par>
+                                <p:cTn id="33" presetID="1" presetClass="exit" presetSubtype="0" fill="hold" grpId="1" nodeType="clickEffect">
+                                  <p:stCondLst>
+                                    <p:cond delay="0"/>
+                                  </p:stCondLst>
+                                  <p:childTnLst>
+                                    <p:set>
+                                      <p:cBhvr>
+                                        <p:cTn id="34" dur="1" fill="hold">
+                                          <p:stCondLst>
+                                            <p:cond delay="0"/>
+                                          </p:stCondLst>
+                                        </p:cTn>
+                                        <p:tgtEl>
+                                          <p:spTgt spid="6"/>
+                                        </p:tgtEl>
+                                        <p:attrNameLst>
+                                          <p:attrName>style.visibility</p:attrName>
+                                        </p:attrNameLst>
+                                      </p:cBhvr>
+                                      <p:to>
+                                        <p:strVal val="hidden"/>
+                                      </p:to>
+                                    </p:set>
+                                  </p:childTnLst>
+                                </p:cTn>
+                              </p:par>
+                              <p:par>
+                                <p:cTn id="35" presetID="1" presetClass="exit" presetSubtype="0" fill="hold" grpId="1" nodeType="withEffect">
+                                  <p:stCondLst>
+                                    <p:cond delay="0"/>
+                                  </p:stCondLst>
+                                  <p:childTnLst>
+                                    <p:set>
+                                      <p:cBhvr>
+                                        <p:cTn id="36" dur="1" fill="hold">
+                                          <p:stCondLst>
+                                            <p:cond delay="0"/>
+                                          </p:stCondLst>
+                                        </p:cTn>
+                                        <p:tgtEl>
+                                          <p:spTgt spid="7"/>
+                                        </p:tgtEl>
+                                        <p:attrNameLst>
+                                          <p:attrName>style.visibility</p:attrName>
+                                        </p:attrNameLst>
+                                      </p:cBhvr>
+                                      <p:to>
+                                        <p:strVal val="hidden"/>
+                                      </p:to>
+                                    </p:set>
+                                  </p:childTnLst>
+                                </p:cTn>
+                              </p:par>
+                              <p:par>
+                                <p:cTn id="37" presetID="1" presetClass="exit" presetSubtype="0" fill="hold" grpId="1" nodeType="withEffect">
+                                  <p:stCondLst>
+                                    <p:cond delay="0"/>
+                                  </p:stCondLst>
+                                  <p:childTnLst>
+                                    <p:set>
+                                      <p:cBhvr>
+                                        <p:cTn id="38" dur="1" fill="hold">
+                                          <p:stCondLst>
+                                            <p:cond delay="0"/>
+                                          </p:stCondLst>
+                                        </p:cTn>
+                                        <p:tgtEl>
+                                          <p:spTgt spid="8"/>
+                                        </p:tgtEl>
+                                        <p:attrNameLst>
+                                          <p:attrName>style.visibility</p:attrName>
+                                        </p:attrNameLst>
+                                      </p:cBhvr>
+                                      <p:to>
+                                        <p:strVal val="hidden"/>
+                                      </p:to>
+                                    </p:set>
+                                  </p:childTnLst>
+                                </p:cTn>
+                              </p:par>
+                              <p:par>
+                                <p:cTn id="39" presetID="1" presetClass="exit" presetSubtype="0" fill="hold" grpId="1" nodeType="withEffect">
+                                  <p:stCondLst>
+                                    <p:cond delay="0"/>
+                                  </p:stCondLst>
+                                  <p:childTnLst>
+                                    <p:set>
+                                      <p:cBhvr>
+                                        <p:cTn id="40" dur="1" fill="hold">
+                                          <p:stCondLst>
+                                            <p:cond delay="0"/>
+                                          </p:stCondLst>
+                                        </p:cTn>
+                                        <p:tgtEl>
+                                          <p:spTgt spid="9"/>
+                                        </p:tgtEl>
+                                        <p:attrNameLst>
+                                          <p:attrName>style.visibility</p:attrName>
+                                        </p:attrNameLst>
+                                      </p:cBhvr>
+                                      <p:to>
+                                        <p:strVal val="hidden"/>
+                                      </p:to>
+                                    </p:set>
+                                  </p:childTnLst>
+                                </p:cTn>
+                              </p:par>
+                              <p:par>
+                                <p:cTn id="41" presetID="1" presetClass="exit" presetSubtype="0" fill="hold" grpId="1" nodeType="withEffect">
+                                  <p:stCondLst>
+                                    <p:cond delay="0"/>
+                                  </p:stCondLst>
+                                  <p:childTnLst>
+                                    <p:set>
+                                      <p:cBhvr>
+                                        <p:cTn id="42" dur="1" fill="hold">
+                                          <p:stCondLst>
+                                            <p:cond delay="0"/>
+                                          </p:stCondLst>
+                                        </p:cTn>
+                                        <p:tgtEl>
+                                          <p:spTgt spid="10"/>
+                                        </p:tgtEl>
+                                        <p:attrNameLst>
+                                          <p:attrName>style.visibility</p:attrName>
+                                        </p:attrNameLst>
+                                      </p:cBhvr>
+                                      <p:to>
+                                        <p:strVal val="hidden"/>
+                                      </p:to>
+                                    </p:set>
+                                  </p:childTnLst>
+                                </p:cTn>
+                              </p:par>
+                              <p:par>
+                                <p:cTn id="43" presetID="1" presetClass="exit" presetSubtype="0" fill="hold" grpId="1" nodeType="withEffect">
+                                  <p:stCondLst>
+                                    <p:cond delay="0"/>
+                                  </p:stCondLst>
+                                  <p:childTnLst>
+                                    <p:set>
+                                      <p:cBhvr>
+                                        <p:cTn id="44" dur="1" fill="hold">
+                                          <p:stCondLst>
+                                            <p:cond delay="0"/>
+                                          </p:stCondLst>
+                                        </p:cTn>
+                                        <p:tgtEl>
+                                          <p:spTgt spid="11"/>
+                                        </p:tgtEl>
+                                        <p:attrNameLst>
+                                          <p:attrName>style.visibility</p:attrName>
+                                        </p:attrNameLst>
+                                      </p:cBhvr>
+                                      <p:to>
+                                        <p:strVal val="hidden"/>
+                                      </p:to>
+                                    </p:set>
+                                  </p:childTnLst>
+                                </p:cTn>
+                              </p:par>
+                              <p:par>
+                                <p:cTn id="45" presetID="1" presetClass="exit" presetSubtype="0" fill="hold" grpId="1" nodeType="withEffect">
+                                  <p:stCondLst>
+                                    <p:cond delay="0"/>
+                                  </p:stCondLst>
+                                  <p:childTnLst>
+                                    <p:set>
+                                      <p:cBhvr>
+                                        <p:cTn id="46" dur="1" fill="hold">
+                                          <p:stCondLst>
+                                            <p:cond delay="0"/>
+                                          </p:stCondLst>
+                                        </p:cTn>
+                                        <p:tgtEl>
+                                          <p:spTgt spid="12"/>
+                                        </p:tgtEl>
+                                        <p:attrNameLst>
+                                          <p:attrName>style.visibility</p:attrName>
+                                        </p:attrNameLst>
+                                      </p:cBhvr>
+                                      <p:to>
+                                        <p:strVal val="hidden"/>
+                                      </p:to>
+                                    </p:set>
+                                  </p:childTnLst>
+                                </p:cTn>
+                              </p:par>
+                              <p:par>
+                                <p:cTn id="47" presetID="1" presetClass="exit" presetSubtype="0" fill="hold" nodeType="withEffect">
+                                  <p:stCondLst>
+                                    <p:cond delay="0"/>
+                                  </p:stCondLst>
+                                  <p:childTnLst>
+                                    <p:set>
+                                      <p:cBhvr>
+                                        <p:cTn id="48" dur="1" fill="hold">
+                                          <p:stCondLst>
+                                            <p:cond delay="0"/>
+                                          </p:stCondLst>
+                                        </p:cTn>
+                                        <p:tgtEl>
+                                          <p:spTgt spid="5"/>
+                                        </p:tgtEl>
+                                        <p:attrNameLst>
+                                          <p:attrName>style.visibility</p:attrName>
+                                        </p:attrNameLst>
+                                      </p:cBhvr>
+                                      <p:to>
+                                        <p:strVal val="hidden"/>
+                                      </p:to>
+                                    </p:set>
+                                  </p:childTnLst>
+                                </p:cTn>
+                              </p:par>
+                            </p:childTnLst>
+                          </p:cTn>
+                        </p:par>
+                      </p:childTnLst>
+                    </p:cTn>
+                  </p:par>
+                </p:childTnLst>
+              </p:cTn>
+              <p:prevCondLst>
+                <p:cond evt="onPrev" delay="0">
+                  <p:tgtEl>
+                    <p:sldTgt/>
+                  </p:tgtEl>
+                </p:cond>
+              </p:prevCondLst>
+              <p:nextCondLst>
+                <p:cond evt="onNext" delay="0">
+                  <p:tgtEl>
+                    <p:sldTgt/>
+                  </p:tgtEl>
+                </p:cond>
+              </p:nextCondLst>
+            </p:seq>
+          </p:childTnLst>
+        </p:cTn>
+      </p:par>
+    </p:tnLst>
+    <p:bldLst>
+      <p:bldP spid="6" grpId="0" animBg="1"/>
+      <p:bldP spid="6" grpId="1" animBg="1"/>
+      <p:bldP spid="7" grpId="0" animBg="1"/>
+      <p:bldP spid="7" grpId="1" animBg="1"/>
+      <p:bldP spid="8" grpId="0" animBg="1"/>
+      <p:bldP spid="8" grpId="1" animBg="1"/>
+      <p:bldP spid="9" grpId="0" animBg="1"/>
+      <p:bldP spid="9" grpId="1" animBg="1"/>
+      <p:bldP spid="10" grpId="0" animBg="1"/>
+      <p:bldP spid="10" grpId="1" animBg="1"/>
+      <p:bldP spid="11" grpId="0" animBg="1"/>
+      <p:bldP spid="11" grpId="1" animBg="1"/>
+      <p:bldP spid="12" grpId="0" animBg="1"/>
+      <p:bldP spid="12" grpId="1" animBg="1"/>
+    </p:bldLst>
+  </p:timing>
 </p:sld>
 </file>
 

--- a/Projet_5_présentation.pptx
+++ b/Projet_5_présentation.pptx
@@ -25,15 +25,15 @@
     <p:sldId id="313" r:id="rId16"/>
     <p:sldId id="314" r:id="rId17"/>
     <p:sldId id="315" r:id="rId18"/>
-    <p:sldId id="316" r:id="rId19"/>
-    <p:sldId id="289" r:id="rId20"/>
-    <p:sldId id="302" r:id="rId21"/>
-    <p:sldId id="303" r:id="rId22"/>
-    <p:sldId id="304" r:id="rId23"/>
-    <p:sldId id="305" r:id="rId24"/>
-    <p:sldId id="306" r:id="rId25"/>
-    <p:sldId id="307" r:id="rId26"/>
-    <p:sldId id="308" r:id="rId27"/>
+    <p:sldId id="319" r:id="rId19"/>
+    <p:sldId id="316" r:id="rId20"/>
+    <p:sldId id="321" r:id="rId21"/>
+    <p:sldId id="320" r:id="rId22"/>
+    <p:sldId id="322" r:id="rId23"/>
+    <p:sldId id="323" r:id="rId24"/>
+    <p:sldId id="289" r:id="rId25"/>
+    <p:sldId id="302" r:id="rId26"/>
+    <p:sldId id="303" r:id="rId27"/>
   </p:sldIdLst>
   <p:sldSz cx="12192000" cy="6858000"/>
   <p:notesSz cx="6858000" cy="9144000"/>
@@ -222,7 +222,7 @@
           <a:p>
             <a:fld id="{F3F2F135-A303-4DD6-9894-2ECAD9E5DBC9}" type="datetimeFigureOut">
               <a:rPr lang="fr-FR" smtClean="0"/>
-              <a:t>23/04/2019</a:t>
+              <a:t>24/04/2019</a:t>
             </a:fld>
             <a:endParaRPr lang="fr-FR"/>
           </a:p>
@@ -573,6 +573,644 @@
 </p:notes>
 </file>
 
+<file path=ppt/notesSlides/notesSlide10.xml><?xml version="1.0" encoding="utf-8"?>
+<p:notes xmlns:a="http://schemas.openxmlformats.org/drawingml/2006/main" xmlns:r="http://schemas.openxmlformats.org/officeDocument/2006/relationships" xmlns:p="http://schemas.openxmlformats.org/presentationml/2006/main">
+  <p:cSld>
+    <p:spTree>
+      <p:nvGrpSpPr>
+        <p:cNvPr id="1" name=""/>
+        <p:cNvGrpSpPr/>
+        <p:nvPr/>
+      </p:nvGrpSpPr>
+      <p:grpSpPr>
+        <a:xfrm>
+          <a:off x="0" y="0"/>
+          <a:ext cx="0" cy="0"/>
+          <a:chOff x="0" y="0"/>
+          <a:chExt cx="0" cy="0"/>
+        </a:xfrm>
+      </p:grpSpPr>
+      <p:sp>
+        <p:nvSpPr>
+          <p:cNvPr id="2" name="Espace réservé de l'image des diapositives 1"/>
+          <p:cNvSpPr>
+            <a:spLocks noGrp="1" noRot="1" noChangeAspect="1"/>
+          </p:cNvSpPr>
+          <p:nvPr>
+            <p:ph type="sldImg"/>
+          </p:nvPr>
+        </p:nvSpPr>
+        <p:spPr/>
+      </p:sp>
+      <p:sp>
+        <p:nvSpPr>
+          <p:cNvPr id="3" name="Espace réservé des notes 2"/>
+          <p:cNvSpPr>
+            <a:spLocks noGrp="1"/>
+          </p:cNvSpPr>
+          <p:nvPr>
+            <p:ph type="body" idx="1"/>
+          </p:nvPr>
+        </p:nvSpPr>
+        <p:spPr/>
+        <p:txBody>
+          <a:bodyPr/>
+          <a:lstStyle/>
+          <a:p>
+            <a:r>
+              <a:rPr lang="fr-FR" dirty="0"/>
+              <a:t>Nous nous intéresserons ici à deux Clusters : </a:t>
+            </a:r>
+          </a:p>
+          <a:p>
+            <a:r>
+              <a:rPr lang="fr-FR" dirty="0"/>
+              <a:t>Le 5 et le 7 </a:t>
+            </a:r>
+          </a:p>
+          <a:p>
+            <a:r>
+              <a:rPr lang="fr-FR" dirty="0"/>
+              <a:t>Ainsi qu’à deux variables – </a:t>
+            </a:r>
+            <a:r>
+              <a:rPr lang="fr-FR" dirty="0" err="1"/>
+              <a:t>Ratio_prot</a:t>
+            </a:r>
+            <a:r>
+              <a:rPr lang="fr-FR" dirty="0"/>
+              <a:t> et </a:t>
+            </a:r>
+            <a:r>
+              <a:rPr lang="fr-FR" dirty="0" err="1"/>
+              <a:t>Dispo_alim_tot</a:t>
+            </a:r>
+            <a:endParaRPr lang="fr-FR" dirty="0"/>
+          </a:p>
+          <a:p>
+            <a:r>
+              <a:rPr lang="fr-FR" dirty="0"/>
+              <a:t>Comme vu dans la partie précédente, ces deux variables suivent bien une loi normale.</a:t>
+            </a:r>
+          </a:p>
+        </p:txBody>
+      </p:sp>
+      <p:sp>
+        <p:nvSpPr>
+          <p:cNvPr id="4" name="Espace réservé du numéro de diapositive 3"/>
+          <p:cNvSpPr>
+            <a:spLocks noGrp="1"/>
+          </p:cNvSpPr>
+          <p:nvPr>
+            <p:ph type="sldNum" sz="quarter" idx="5"/>
+          </p:nvPr>
+        </p:nvSpPr>
+        <p:spPr/>
+        <p:txBody>
+          <a:bodyPr/>
+          <a:lstStyle/>
+          <a:p>
+            <a:fld id="{F44DFA25-216B-4048-9E14-17772AFFB9C9}" type="slidenum">
+              <a:rPr lang="fr-FR" smtClean="0"/>
+              <a:t>20</a:t>
+            </a:fld>
+            <a:endParaRPr lang="fr-FR"/>
+          </a:p>
+        </p:txBody>
+      </p:sp>
+    </p:spTree>
+    <p:extLst>
+      <p:ext uri="{BB962C8B-B14F-4D97-AF65-F5344CB8AC3E}">
+        <p14:creationId xmlns:p14="http://schemas.microsoft.com/office/powerpoint/2010/main" val="3671374684"/>
+      </p:ext>
+    </p:extLst>
+  </p:cSld>
+  <p:clrMapOvr>
+    <a:masterClrMapping/>
+  </p:clrMapOvr>
+</p:notes>
+</file>
+
+<file path=ppt/notesSlides/notesSlide11.xml><?xml version="1.0" encoding="utf-8"?>
+<p:notes xmlns:a="http://schemas.openxmlformats.org/drawingml/2006/main" xmlns:r="http://schemas.openxmlformats.org/officeDocument/2006/relationships" xmlns:p="http://schemas.openxmlformats.org/presentationml/2006/main">
+  <p:cSld>
+    <p:spTree>
+      <p:nvGrpSpPr>
+        <p:cNvPr id="1" name=""/>
+        <p:cNvGrpSpPr/>
+        <p:nvPr/>
+      </p:nvGrpSpPr>
+      <p:grpSpPr>
+        <a:xfrm>
+          <a:off x="0" y="0"/>
+          <a:ext cx="0" cy="0"/>
+          <a:chOff x="0" y="0"/>
+          <a:chExt cx="0" cy="0"/>
+        </a:xfrm>
+      </p:grpSpPr>
+      <p:sp>
+        <p:nvSpPr>
+          <p:cNvPr id="2" name="Espace réservé de l'image des diapositives 1"/>
+          <p:cNvSpPr>
+            <a:spLocks noGrp="1" noRot="1" noChangeAspect="1"/>
+          </p:cNvSpPr>
+          <p:nvPr>
+            <p:ph type="sldImg"/>
+          </p:nvPr>
+        </p:nvSpPr>
+        <p:spPr/>
+      </p:sp>
+      <p:sp>
+        <p:nvSpPr>
+          <p:cNvPr id="3" name="Espace réservé des notes 2"/>
+          <p:cNvSpPr>
+            <a:spLocks noGrp="1"/>
+          </p:cNvSpPr>
+          <p:nvPr>
+            <p:ph type="body" idx="1"/>
+          </p:nvPr>
+        </p:nvSpPr>
+        <p:spPr/>
+        <p:txBody>
+          <a:bodyPr/>
+          <a:lstStyle/>
+          <a:p>
+            <a:r>
+              <a:rPr lang="fr-FR" dirty="0"/>
+              <a:t>On utilise ici </a:t>
+            </a:r>
+            <a:r>
+              <a:rPr lang="fr-FR" dirty="0" err="1"/>
+              <a:t>scipy.stats.barlett</a:t>
+            </a:r>
+            <a:r>
+              <a:rPr lang="fr-FR" dirty="0"/>
+              <a:t> pour comparer les deux échantillons ; </a:t>
+            </a:r>
+          </a:p>
+          <a:p>
+            <a:r>
+              <a:rPr lang="fr-FR" dirty="0"/>
+              <a:t>On peut ainsi savoir si les variances sont différentes en comparant Alpha et </a:t>
+            </a:r>
+            <a:r>
+              <a:rPr lang="fr-FR" dirty="0" err="1"/>
+              <a:t>P_valeur</a:t>
+            </a:r>
+            <a:r>
+              <a:rPr lang="fr-FR" dirty="0"/>
+              <a:t> ;</a:t>
+            </a:r>
+          </a:p>
+          <a:p>
+            <a:endParaRPr lang="fr-FR" dirty="0"/>
+          </a:p>
+          <a:p>
+            <a:r>
+              <a:rPr lang="fr-FR" dirty="0"/>
+              <a:t>Ici, avec un niveau de test à 1%, les variances sont bien égales.</a:t>
+            </a:r>
+          </a:p>
+          <a:p>
+            <a:r>
+              <a:rPr lang="fr-FR" dirty="0"/>
+              <a:t>Les deux Clusters suivent donc la même loi normale.</a:t>
+            </a:r>
+          </a:p>
+        </p:txBody>
+      </p:sp>
+      <p:sp>
+        <p:nvSpPr>
+          <p:cNvPr id="4" name="Espace réservé du numéro de diapositive 3"/>
+          <p:cNvSpPr>
+            <a:spLocks noGrp="1"/>
+          </p:cNvSpPr>
+          <p:nvPr>
+            <p:ph type="sldNum" sz="quarter" idx="5"/>
+          </p:nvPr>
+        </p:nvSpPr>
+        <p:spPr/>
+        <p:txBody>
+          <a:bodyPr/>
+          <a:lstStyle/>
+          <a:p>
+            <a:fld id="{F44DFA25-216B-4048-9E14-17772AFFB9C9}" type="slidenum">
+              <a:rPr lang="fr-FR" smtClean="0"/>
+              <a:t>21</a:t>
+            </a:fld>
+            <a:endParaRPr lang="fr-FR"/>
+          </a:p>
+        </p:txBody>
+      </p:sp>
+    </p:spTree>
+    <p:extLst>
+      <p:ext uri="{BB962C8B-B14F-4D97-AF65-F5344CB8AC3E}">
+        <p14:creationId xmlns:p14="http://schemas.microsoft.com/office/powerpoint/2010/main" val="3666263677"/>
+      </p:ext>
+    </p:extLst>
+  </p:cSld>
+  <p:clrMapOvr>
+    <a:masterClrMapping/>
+  </p:clrMapOvr>
+</p:notes>
+</file>
+
+<file path=ppt/notesSlides/notesSlide12.xml><?xml version="1.0" encoding="utf-8"?>
+<p:notes xmlns:a="http://schemas.openxmlformats.org/drawingml/2006/main" xmlns:r="http://schemas.openxmlformats.org/officeDocument/2006/relationships" xmlns:p="http://schemas.openxmlformats.org/presentationml/2006/main">
+  <p:cSld>
+    <p:spTree>
+      <p:nvGrpSpPr>
+        <p:cNvPr id="1" name=""/>
+        <p:cNvGrpSpPr/>
+        <p:nvPr/>
+      </p:nvGrpSpPr>
+      <p:grpSpPr>
+        <a:xfrm>
+          <a:off x="0" y="0"/>
+          <a:ext cx="0" cy="0"/>
+          <a:chOff x="0" y="0"/>
+          <a:chExt cx="0" cy="0"/>
+        </a:xfrm>
+      </p:grpSpPr>
+      <p:sp>
+        <p:nvSpPr>
+          <p:cNvPr id="2" name="Espace réservé de l'image des diapositives 1"/>
+          <p:cNvSpPr>
+            <a:spLocks noGrp="1" noRot="1" noChangeAspect="1"/>
+          </p:cNvSpPr>
+          <p:nvPr>
+            <p:ph type="sldImg"/>
+          </p:nvPr>
+        </p:nvSpPr>
+        <p:spPr/>
+      </p:sp>
+      <p:sp>
+        <p:nvSpPr>
+          <p:cNvPr id="3" name="Espace réservé des notes 2"/>
+          <p:cNvSpPr>
+            <a:spLocks noGrp="1"/>
+          </p:cNvSpPr>
+          <p:nvPr>
+            <p:ph type="body" idx="1"/>
+          </p:nvPr>
+        </p:nvSpPr>
+        <p:spPr/>
+        <p:txBody>
+          <a:bodyPr/>
+          <a:lstStyle/>
+          <a:p>
+            <a:r>
+              <a:rPr lang="fr-FR" dirty="0"/>
+              <a:t>On utilise ici </a:t>
+            </a:r>
+            <a:r>
+              <a:rPr lang="fr-FR" dirty="0" err="1"/>
+              <a:t>scipy.stats.ttest_ind</a:t>
+            </a:r>
+            <a:r>
+              <a:rPr lang="fr-FR" dirty="0"/>
+              <a:t> pour comparer les deux Clusters </a:t>
+            </a:r>
+          </a:p>
+          <a:p>
+            <a:r>
+              <a:rPr lang="fr-FR" dirty="0"/>
+              <a:t>CLICK</a:t>
+            </a:r>
+          </a:p>
+          <a:p>
+            <a:endParaRPr lang="fr-FR" dirty="0"/>
+          </a:p>
+          <a:p>
+            <a:r>
+              <a:rPr lang="fr-FR" dirty="0"/>
+              <a:t>Encore une fois, en comparant alpha et </a:t>
+            </a:r>
+            <a:r>
+              <a:rPr lang="fr-FR" dirty="0" err="1"/>
+              <a:t>p_valeur</a:t>
+            </a:r>
+            <a:r>
+              <a:rPr lang="fr-FR" dirty="0"/>
+              <a:t>, on sait si les moyennes sont égales ou non</a:t>
+            </a:r>
+          </a:p>
+          <a:p>
+            <a:endParaRPr lang="fr-FR" dirty="0"/>
+          </a:p>
+          <a:p>
+            <a:r>
+              <a:rPr lang="fr-FR" dirty="0"/>
+              <a:t>CLICK </a:t>
+            </a:r>
+          </a:p>
+          <a:p>
+            <a:r>
+              <a:rPr lang="fr-FR" dirty="0"/>
+              <a:t>Ici, les moyennes diffèrent bien.</a:t>
+            </a:r>
+          </a:p>
+        </p:txBody>
+      </p:sp>
+      <p:sp>
+        <p:nvSpPr>
+          <p:cNvPr id="4" name="Espace réservé du numéro de diapositive 3"/>
+          <p:cNvSpPr>
+            <a:spLocks noGrp="1"/>
+          </p:cNvSpPr>
+          <p:nvPr>
+            <p:ph type="sldNum" sz="quarter" idx="5"/>
+          </p:nvPr>
+        </p:nvSpPr>
+        <p:spPr/>
+        <p:txBody>
+          <a:bodyPr/>
+          <a:lstStyle/>
+          <a:p>
+            <a:fld id="{F44DFA25-216B-4048-9E14-17772AFFB9C9}" type="slidenum">
+              <a:rPr lang="fr-FR" smtClean="0"/>
+              <a:t>22</a:t>
+            </a:fld>
+            <a:endParaRPr lang="fr-FR"/>
+          </a:p>
+        </p:txBody>
+      </p:sp>
+    </p:spTree>
+    <p:extLst>
+      <p:ext uri="{BB962C8B-B14F-4D97-AF65-F5344CB8AC3E}">
+        <p14:creationId xmlns:p14="http://schemas.microsoft.com/office/powerpoint/2010/main" val="1147614657"/>
+      </p:ext>
+    </p:extLst>
+  </p:cSld>
+  <p:clrMapOvr>
+    <a:masterClrMapping/>
+  </p:clrMapOvr>
+</p:notes>
+</file>
+
+<file path=ppt/notesSlides/notesSlide13.xml><?xml version="1.0" encoding="utf-8"?>
+<p:notes xmlns:a="http://schemas.openxmlformats.org/drawingml/2006/main" xmlns:r="http://schemas.openxmlformats.org/officeDocument/2006/relationships" xmlns:p="http://schemas.openxmlformats.org/presentationml/2006/main">
+  <p:cSld>
+    <p:spTree>
+      <p:nvGrpSpPr>
+        <p:cNvPr id="1" name=""/>
+        <p:cNvGrpSpPr/>
+        <p:nvPr/>
+      </p:nvGrpSpPr>
+      <p:grpSpPr>
+        <a:xfrm>
+          <a:off x="0" y="0"/>
+          <a:ext cx="0" cy="0"/>
+          <a:chOff x="0" y="0"/>
+          <a:chExt cx="0" cy="0"/>
+        </a:xfrm>
+      </p:grpSpPr>
+      <p:sp>
+        <p:nvSpPr>
+          <p:cNvPr id="2" name="Espace réservé de l'image des diapositives 1"/>
+          <p:cNvSpPr>
+            <a:spLocks noGrp="1" noRot="1" noChangeAspect="1"/>
+          </p:cNvSpPr>
+          <p:nvPr>
+            <p:ph type="sldImg"/>
+          </p:nvPr>
+        </p:nvSpPr>
+        <p:spPr/>
+      </p:sp>
+      <p:sp>
+        <p:nvSpPr>
+          <p:cNvPr id="3" name="Espace réservé des notes 2"/>
+          <p:cNvSpPr>
+            <a:spLocks noGrp="1"/>
+          </p:cNvSpPr>
+          <p:nvPr>
+            <p:ph type="body" idx="1"/>
+          </p:nvPr>
+        </p:nvSpPr>
+        <p:spPr/>
+        <p:txBody>
+          <a:bodyPr/>
+          <a:lstStyle/>
+          <a:p>
+            <a:endParaRPr lang="fr-FR" dirty="0"/>
+          </a:p>
+        </p:txBody>
+      </p:sp>
+      <p:sp>
+        <p:nvSpPr>
+          <p:cNvPr id="4" name="Espace réservé du numéro de diapositive 3"/>
+          <p:cNvSpPr>
+            <a:spLocks noGrp="1"/>
+          </p:cNvSpPr>
+          <p:nvPr>
+            <p:ph type="sldNum" sz="quarter" idx="5"/>
+          </p:nvPr>
+        </p:nvSpPr>
+        <p:spPr/>
+        <p:txBody>
+          <a:bodyPr/>
+          <a:lstStyle/>
+          <a:p>
+            <a:fld id="{F44DFA25-216B-4048-9E14-17772AFFB9C9}" type="slidenum">
+              <a:rPr lang="fr-FR" smtClean="0"/>
+              <a:t>23</a:t>
+            </a:fld>
+            <a:endParaRPr lang="fr-FR"/>
+          </a:p>
+        </p:txBody>
+      </p:sp>
+    </p:spTree>
+    <p:extLst>
+      <p:ext uri="{BB962C8B-B14F-4D97-AF65-F5344CB8AC3E}">
+        <p14:creationId xmlns:p14="http://schemas.microsoft.com/office/powerpoint/2010/main" val="910795080"/>
+      </p:ext>
+    </p:extLst>
+  </p:cSld>
+  <p:clrMapOvr>
+    <a:masterClrMapping/>
+  </p:clrMapOvr>
+</p:notes>
+</file>
+
+<file path=ppt/notesSlides/notesSlide14.xml><?xml version="1.0" encoding="utf-8"?>
+<p:notes xmlns:a="http://schemas.openxmlformats.org/drawingml/2006/main" xmlns:r="http://schemas.openxmlformats.org/officeDocument/2006/relationships" xmlns:p="http://schemas.openxmlformats.org/presentationml/2006/main">
+  <p:cSld>
+    <p:spTree>
+      <p:nvGrpSpPr>
+        <p:cNvPr id="1" name=""/>
+        <p:cNvGrpSpPr/>
+        <p:nvPr/>
+      </p:nvGrpSpPr>
+      <p:grpSpPr>
+        <a:xfrm>
+          <a:off x="0" y="0"/>
+          <a:ext cx="0" cy="0"/>
+          <a:chOff x="0" y="0"/>
+          <a:chExt cx="0" cy="0"/>
+        </a:xfrm>
+      </p:grpSpPr>
+      <p:sp>
+        <p:nvSpPr>
+          <p:cNvPr id="2" name="Espace réservé de l'image des diapositives 1"/>
+          <p:cNvSpPr>
+            <a:spLocks noGrp="1" noRot="1" noChangeAspect="1"/>
+          </p:cNvSpPr>
+          <p:nvPr>
+            <p:ph type="sldImg"/>
+          </p:nvPr>
+        </p:nvSpPr>
+        <p:spPr/>
+      </p:sp>
+      <p:sp>
+        <p:nvSpPr>
+          <p:cNvPr id="3" name="Espace réservé des notes 2"/>
+          <p:cNvSpPr>
+            <a:spLocks noGrp="1"/>
+          </p:cNvSpPr>
+          <p:nvPr>
+            <p:ph type="body" idx="1"/>
+          </p:nvPr>
+        </p:nvSpPr>
+        <p:spPr/>
+        <p:txBody>
+          <a:bodyPr/>
+          <a:lstStyle/>
+          <a:p>
+            <a:endParaRPr lang="fr-FR" dirty="0"/>
+          </a:p>
+        </p:txBody>
+      </p:sp>
+      <p:sp>
+        <p:nvSpPr>
+          <p:cNvPr id="4" name="Espace réservé du numéro de diapositive 3"/>
+          <p:cNvSpPr>
+            <a:spLocks noGrp="1"/>
+          </p:cNvSpPr>
+          <p:nvPr>
+            <p:ph type="sldNum" sz="quarter" idx="5"/>
+          </p:nvPr>
+        </p:nvSpPr>
+        <p:spPr/>
+        <p:txBody>
+          <a:bodyPr/>
+          <a:lstStyle/>
+          <a:p>
+            <a:fld id="{5F05756B-5F5C-4EED-907C-E25857D58D0B}" type="slidenum">
+              <a:rPr lang="fr-FR" smtClean="0"/>
+              <a:t>24</a:t>
+            </a:fld>
+            <a:endParaRPr lang="fr-FR"/>
+          </a:p>
+        </p:txBody>
+      </p:sp>
+    </p:spTree>
+    <p:extLst>
+      <p:ext uri="{BB962C8B-B14F-4D97-AF65-F5344CB8AC3E}">
+        <p14:creationId xmlns:p14="http://schemas.microsoft.com/office/powerpoint/2010/main" val="268619433"/>
+      </p:ext>
+    </p:extLst>
+  </p:cSld>
+  <p:clrMapOvr>
+    <a:masterClrMapping/>
+  </p:clrMapOvr>
+</p:notes>
+</file>
+
+<file path=ppt/notesSlides/notesSlide15.xml><?xml version="1.0" encoding="utf-8"?>
+<p:notes xmlns:a="http://schemas.openxmlformats.org/drawingml/2006/main" xmlns:r="http://schemas.openxmlformats.org/officeDocument/2006/relationships" xmlns:p="http://schemas.openxmlformats.org/presentationml/2006/main">
+  <p:cSld>
+    <p:spTree>
+      <p:nvGrpSpPr>
+        <p:cNvPr id="1" name=""/>
+        <p:cNvGrpSpPr/>
+        <p:nvPr/>
+      </p:nvGrpSpPr>
+      <p:grpSpPr>
+        <a:xfrm>
+          <a:off x="0" y="0"/>
+          <a:ext cx="0" cy="0"/>
+          <a:chOff x="0" y="0"/>
+          <a:chExt cx="0" cy="0"/>
+        </a:xfrm>
+      </p:grpSpPr>
+      <p:sp>
+        <p:nvSpPr>
+          <p:cNvPr id="2" name="Espace réservé de l'image des diapositives 1"/>
+          <p:cNvSpPr>
+            <a:spLocks noGrp="1" noRot="1" noChangeAspect="1"/>
+          </p:cNvSpPr>
+          <p:nvPr>
+            <p:ph type="sldImg"/>
+          </p:nvPr>
+        </p:nvSpPr>
+        <p:spPr/>
+      </p:sp>
+      <p:sp>
+        <p:nvSpPr>
+          <p:cNvPr id="3" name="Espace réservé des notes 2"/>
+          <p:cNvSpPr>
+            <a:spLocks noGrp="1"/>
+          </p:cNvSpPr>
+          <p:nvPr>
+            <p:ph type="body" idx="1"/>
+          </p:nvPr>
+        </p:nvSpPr>
+        <p:spPr/>
+        <p:txBody>
+          <a:bodyPr/>
+          <a:lstStyle/>
+          <a:p>
+            <a:r>
+              <a:rPr lang="fr-FR" dirty="0"/>
+              <a:t>Remettre le </a:t>
+            </a:r>
+            <a:r>
+              <a:rPr lang="fr-FR" dirty="0" err="1"/>
+              <a:t>Df</a:t>
+            </a:r>
+            <a:r>
+              <a:rPr lang="fr-FR" dirty="0"/>
+              <a:t> sans la France et voir pour les émirats arabes unis</a:t>
+            </a:r>
+          </a:p>
+        </p:txBody>
+      </p:sp>
+      <p:sp>
+        <p:nvSpPr>
+          <p:cNvPr id="4" name="Espace réservé du numéro de diapositive 3"/>
+          <p:cNvSpPr>
+            <a:spLocks noGrp="1"/>
+          </p:cNvSpPr>
+          <p:nvPr>
+            <p:ph type="sldNum" sz="quarter" idx="5"/>
+          </p:nvPr>
+        </p:nvSpPr>
+        <p:spPr/>
+        <p:txBody>
+          <a:bodyPr/>
+          <a:lstStyle/>
+          <a:p>
+            <a:fld id="{F44DFA25-216B-4048-9E14-17772AFFB9C9}" type="slidenum">
+              <a:rPr lang="fr-FR" smtClean="0"/>
+              <a:t>25</a:t>
+            </a:fld>
+            <a:endParaRPr lang="fr-FR"/>
+          </a:p>
+        </p:txBody>
+      </p:sp>
+    </p:spTree>
+    <p:extLst>
+      <p:ext uri="{BB962C8B-B14F-4D97-AF65-F5344CB8AC3E}">
+        <p14:creationId xmlns:p14="http://schemas.microsoft.com/office/powerpoint/2010/main" val="2302832259"/>
+      </p:ext>
+    </p:extLst>
+  </p:cSld>
+  <p:clrMapOvr>
+    <a:masterClrMapping/>
+  </p:clrMapOvr>
+</p:notes>
+</file>
+
 <file path=ppt/notesSlides/notesSlide2.xml><?xml version="1.0" encoding="utf-8"?>
 <p:notes xmlns:a="http://schemas.openxmlformats.org/drawingml/2006/main" xmlns:r="http://schemas.openxmlformats.org/officeDocument/2006/relationships" xmlns:p="http://schemas.openxmlformats.org/presentationml/2006/main">
   <p:cSld>
@@ -703,7 +1341,13 @@
           <a:p>
             <a:r>
               <a:rPr lang="fr-FR" dirty="0"/>
-              <a:t>Le cercle n’est pas très lisible sur la partie droite, affichons un zoom ; CLICK</a:t>
+              <a:t>CLICK</a:t>
+            </a:r>
+          </a:p>
+          <a:p>
+            <a:r>
+              <a:rPr lang="fr-FR" dirty="0"/>
+              <a:t>Voici le dendrogramme</a:t>
             </a:r>
           </a:p>
         </p:txBody>
@@ -725,7 +1369,7 @@
           <a:p>
             <a:fld id="{F44DFA25-216B-4048-9E14-17772AFFB9C9}" type="slidenum">
               <a:rPr lang="fr-FR" smtClean="0"/>
-              <a:t>13</a:t>
+              <a:t>10</a:t>
             </a:fld>
             <a:endParaRPr lang="fr-FR"/>
           </a:p>
@@ -734,7 +1378,7 @@
     </p:spTree>
     <p:extLst>
       <p:ext uri="{BB962C8B-B14F-4D97-AF65-F5344CB8AC3E}">
-        <p14:creationId xmlns:p14="http://schemas.microsoft.com/office/powerpoint/2010/main" val="999907268"/>
+        <p14:creationId xmlns:p14="http://schemas.microsoft.com/office/powerpoint/2010/main" val="369983837"/>
       </p:ext>
     </p:extLst>
   </p:cSld>
@@ -790,68 +1434,8 @@
           <a:p>
             <a:r>
               <a:rPr lang="fr-FR" dirty="0"/>
-              <a:t>On peut voir sur PC1 que les variables ayant le plus de poids dans l'inertie sont : </a:t>
-            </a:r>
-            <a:br>
-              <a:rPr lang="fr-FR" dirty="0"/>
-            </a:br>
-            <a:endParaRPr lang="fr-FR" dirty="0"/>
-          </a:p>
-          <a:p>
-            <a:r>
-              <a:rPr lang="fr-FR" dirty="0"/>
-              <a:t>La disponibilité en protéines</a:t>
-            </a:r>
-          </a:p>
-          <a:p>
-            <a:r>
-              <a:rPr lang="fr-FR" dirty="0"/>
-              <a:t>La </a:t>
-            </a:r>
-            <a:r>
-              <a:rPr lang="fr-FR" dirty="0" err="1"/>
-              <a:t>disponinibilité</a:t>
-            </a:r>
-            <a:r>
-              <a:rPr lang="fr-FR" dirty="0"/>
-              <a:t> alimentaire totale</a:t>
-            </a:r>
-          </a:p>
-          <a:p>
-            <a:r>
-              <a:rPr lang="fr-FR" dirty="0"/>
-              <a:t>Le ratio de protéines animales / Protéines totales CLICK</a:t>
-            </a:r>
-          </a:p>
-          <a:p>
-            <a:endParaRPr lang="fr-FR" dirty="0"/>
-          </a:p>
-          <a:p>
-            <a:r>
-              <a:rPr lang="fr-FR" dirty="0"/>
-              <a:t>On remarque aussi que le PIB/h est assez élevé (0,41) </a:t>
-            </a:r>
-          </a:p>
-          <a:p>
-            <a:endParaRPr lang="fr-FR" dirty="0"/>
-          </a:p>
-          <a:p>
-            <a:r>
-              <a:rPr lang="fr-FR" dirty="0"/>
-              <a:t>On peut donc conclure que la composante principale PC1 correspond au niveau de richesses du pays</a:t>
-            </a:r>
-          </a:p>
-          <a:p>
-            <a:endParaRPr lang="fr-FR" dirty="0"/>
-          </a:p>
-          <a:p>
-            <a:r>
-              <a:rPr lang="fr-FR" dirty="0"/>
-              <a:t>CLICK</a:t>
-            </a:r>
-          </a:p>
-          <a:p>
-            <a:endParaRPr lang="fr-FR" dirty="0"/>
+              <a:t>Nous avons besoin de 6 composantes principales pour expliquer près de 100% des informations</a:t>
+            </a:r>
           </a:p>
         </p:txBody>
       </p:sp>
@@ -872,7 +1456,7 @@
           <a:p>
             <a:fld id="{F44DFA25-216B-4048-9E14-17772AFFB9C9}" type="slidenum">
               <a:rPr lang="fr-FR" smtClean="0"/>
-              <a:t>14</a:t>
+              <a:t>12</a:t>
             </a:fld>
             <a:endParaRPr lang="fr-FR"/>
           </a:p>
@@ -881,7 +1465,7 @@
     </p:spTree>
     <p:extLst>
       <p:ext uri="{BB962C8B-B14F-4D97-AF65-F5344CB8AC3E}">
-        <p14:creationId xmlns:p14="http://schemas.microsoft.com/office/powerpoint/2010/main" val="1988068708"/>
+        <p14:creationId xmlns:p14="http://schemas.microsoft.com/office/powerpoint/2010/main" val="2838572695"/>
       </p:ext>
     </p:extLst>
   </p:cSld>
@@ -937,62 +1521,7 @@
           <a:p>
             <a:r>
               <a:rPr lang="fr-FR" dirty="0"/>
-              <a:t>A l'exception du cluster 6, les pays sont regroupés correctement par cluster sur F1. </a:t>
-            </a:r>
-            <a:br>
-              <a:rPr lang="fr-FR" dirty="0"/>
-            </a:br>
-            <a:r>
-              <a:rPr lang="fr-FR" dirty="0"/>
-              <a:t>Si certains semblent être confondus avec les autres, c'est F2 qui nous permet de voir la différence entre ces derniers. </a:t>
-            </a:r>
-          </a:p>
-          <a:p>
-            <a:endParaRPr lang="fr-FR" dirty="0"/>
-          </a:p>
-          <a:p>
-            <a:r>
-              <a:rPr lang="fr-FR" dirty="0"/>
-              <a:t>Dans la partie du </a:t>
-            </a:r>
-            <a:r>
-              <a:rPr lang="fr-FR" dirty="0" err="1"/>
-              <a:t>dendogramme</a:t>
-            </a:r>
-            <a:r>
-              <a:rPr lang="fr-FR" dirty="0"/>
-              <a:t>, nous avons vu que le cluster 7 était celui qui nous intéressait le plus, voyons donc comment sont répartis les pays de ce cluster, et à quoi est-ce qu'ils correspondent, après l'ACP.</a:t>
-            </a:r>
-          </a:p>
-          <a:p>
-            <a:endParaRPr lang="fr-FR" dirty="0"/>
-          </a:p>
-          <a:p>
-            <a:r>
-              <a:rPr lang="fr-FR" dirty="0"/>
-              <a:t>Le cluster 7 représente les pays le plus à droite sur F1, avec donc une forte valeur. </a:t>
-            </a:r>
-            <a:br>
-              <a:rPr lang="fr-FR" dirty="0"/>
-            </a:br>
-            <a:r>
-              <a:rPr lang="fr-FR" dirty="0"/>
-              <a:t>Comme nous l'avons vu </a:t>
-            </a:r>
-            <a:r>
-              <a:rPr lang="fr-FR" dirty="0" err="1"/>
-              <a:t>précédement</a:t>
-            </a:r>
-            <a:r>
-              <a:rPr lang="fr-FR" dirty="0"/>
-              <a:t>, F1 représente le niveau de richesse du pays ; </a:t>
-            </a:r>
-            <a:br>
-              <a:rPr lang="fr-FR" dirty="0"/>
-            </a:br>
-            <a:r>
-              <a:rPr lang="fr-FR" dirty="0"/>
-              <a:t>Les pays du cluster 7 correspondent donc aux pays les plus riches.</a:t>
+              <a:t>Le cercle n’est pas très lisible sur la partie droite, affichons un zoom ; CLICK</a:t>
             </a:r>
           </a:p>
         </p:txBody>
@@ -1014,7 +1543,7 @@
           <a:p>
             <a:fld id="{F44DFA25-216B-4048-9E14-17772AFFB9C9}" type="slidenum">
               <a:rPr lang="fr-FR" smtClean="0"/>
-              <a:t>15</a:t>
+              <a:t>13</a:t>
             </a:fld>
             <a:endParaRPr lang="fr-FR"/>
           </a:p>
@@ -1023,7 +1552,7 @@
     </p:spTree>
     <p:extLst>
       <p:ext uri="{BB962C8B-B14F-4D97-AF65-F5344CB8AC3E}">
-        <p14:creationId xmlns:p14="http://schemas.microsoft.com/office/powerpoint/2010/main" val="3528905593"/>
+        <p14:creationId xmlns:p14="http://schemas.microsoft.com/office/powerpoint/2010/main" val="999907268"/>
       </p:ext>
     </p:extLst>
   </p:cSld>
@@ -1079,8 +1608,68 @@
           <a:p>
             <a:r>
               <a:rPr lang="fr-FR" dirty="0"/>
-              <a:t>Pour rappel, la liste des clusters avec les centroïdes </a:t>
-            </a:r>
+              <a:t>On peut voir sur PC1 que les variables ayant le plus de poids dans l'inertie sont : </a:t>
+            </a:r>
+            <a:br>
+              <a:rPr lang="fr-FR" dirty="0"/>
+            </a:br>
+            <a:endParaRPr lang="fr-FR" dirty="0"/>
+          </a:p>
+          <a:p>
+            <a:r>
+              <a:rPr lang="fr-FR" dirty="0"/>
+              <a:t>La disponibilité en protéines</a:t>
+            </a:r>
+          </a:p>
+          <a:p>
+            <a:r>
+              <a:rPr lang="fr-FR" dirty="0"/>
+              <a:t>La </a:t>
+            </a:r>
+            <a:r>
+              <a:rPr lang="fr-FR" dirty="0" err="1"/>
+              <a:t>disponinibilité</a:t>
+            </a:r>
+            <a:r>
+              <a:rPr lang="fr-FR" dirty="0"/>
+              <a:t> alimentaire totale</a:t>
+            </a:r>
+          </a:p>
+          <a:p>
+            <a:r>
+              <a:rPr lang="fr-FR" dirty="0"/>
+              <a:t>Le ratio de protéines animales / Protéines totales CLICK</a:t>
+            </a:r>
+          </a:p>
+          <a:p>
+            <a:endParaRPr lang="fr-FR" dirty="0"/>
+          </a:p>
+          <a:p>
+            <a:r>
+              <a:rPr lang="fr-FR" dirty="0"/>
+              <a:t>On remarque aussi que le PIB/h est assez élevé (0,41) </a:t>
+            </a:r>
+          </a:p>
+          <a:p>
+            <a:endParaRPr lang="fr-FR" dirty="0"/>
+          </a:p>
+          <a:p>
+            <a:r>
+              <a:rPr lang="fr-FR" dirty="0"/>
+              <a:t>On peut donc conclure que la composante principale PC1 correspond au niveau de richesses du pays</a:t>
+            </a:r>
+          </a:p>
+          <a:p>
+            <a:endParaRPr lang="fr-FR" dirty="0"/>
+          </a:p>
+          <a:p>
+            <a:r>
+              <a:rPr lang="fr-FR" dirty="0"/>
+              <a:t>CLICK</a:t>
+            </a:r>
+          </a:p>
+          <a:p>
+            <a:endParaRPr lang="fr-FR" dirty="0"/>
           </a:p>
         </p:txBody>
       </p:sp>
@@ -1101,7 +1690,7 @@
           <a:p>
             <a:fld id="{F44DFA25-216B-4048-9E14-17772AFFB9C9}" type="slidenum">
               <a:rPr lang="fr-FR" smtClean="0"/>
-              <a:t>16</a:t>
+              <a:t>14</a:t>
             </a:fld>
             <a:endParaRPr lang="fr-FR"/>
           </a:p>
@@ -1110,7 +1699,7 @@
     </p:spTree>
     <p:extLst>
       <p:ext uri="{BB962C8B-B14F-4D97-AF65-F5344CB8AC3E}">
-        <p14:creationId xmlns:p14="http://schemas.microsoft.com/office/powerpoint/2010/main" val="1567256808"/>
+        <p14:creationId xmlns:p14="http://schemas.microsoft.com/office/powerpoint/2010/main" val="1988068708"/>
       </p:ext>
     </p:extLst>
   </p:cSld>
@@ -1164,7 +1753,65 @@
           <a:bodyPr/>
           <a:lstStyle/>
           <a:p>
+            <a:r>
+              <a:rPr lang="fr-FR" dirty="0"/>
+              <a:t>A l'exception du cluster 6, les pays sont regroupés correctement par cluster sur F1. </a:t>
+            </a:r>
+            <a:br>
+              <a:rPr lang="fr-FR" dirty="0"/>
+            </a:br>
+            <a:r>
+              <a:rPr lang="fr-FR" dirty="0"/>
+              <a:t>Si certains semblent être confondus avec les autres, c'est F2 qui nous permet de voir la différence entre ces derniers. </a:t>
+            </a:r>
+          </a:p>
+          <a:p>
             <a:endParaRPr lang="fr-FR" dirty="0"/>
+          </a:p>
+          <a:p>
+            <a:r>
+              <a:rPr lang="fr-FR" dirty="0"/>
+              <a:t>Dans la partie du </a:t>
+            </a:r>
+            <a:r>
+              <a:rPr lang="fr-FR" dirty="0" err="1"/>
+              <a:t>dendogramme</a:t>
+            </a:r>
+            <a:r>
+              <a:rPr lang="fr-FR" dirty="0"/>
+              <a:t>, nous avons vu que le cluster 7 était celui qui nous intéressait le plus, voyons donc comment sont répartis les pays de ce cluster, et à quoi est-ce qu'ils correspondent, après l'ACP.</a:t>
+            </a:r>
+          </a:p>
+          <a:p>
+            <a:endParaRPr lang="fr-FR" dirty="0"/>
+          </a:p>
+          <a:p>
+            <a:r>
+              <a:rPr lang="fr-FR" dirty="0"/>
+              <a:t>Le cluster 7 représente les pays le plus à droite sur F1, avec donc une forte valeur. </a:t>
+            </a:r>
+            <a:br>
+              <a:rPr lang="fr-FR" dirty="0"/>
+            </a:br>
+            <a:r>
+              <a:rPr lang="fr-FR" dirty="0"/>
+              <a:t>Comme nous l'avons vu </a:t>
+            </a:r>
+            <a:r>
+              <a:rPr lang="fr-FR" dirty="0" err="1"/>
+              <a:t>précédement</a:t>
+            </a:r>
+            <a:r>
+              <a:rPr lang="fr-FR" dirty="0"/>
+              <a:t>, F1 représente le niveau de richesse du pays ; </a:t>
+            </a:r>
+            <a:br>
+              <a:rPr lang="fr-FR" dirty="0"/>
+            </a:br>
+            <a:r>
+              <a:rPr lang="fr-FR" dirty="0"/>
+              <a:t>Les pays du cluster 7 correspondent donc aux pays les plus riches.</a:t>
+            </a:r>
           </a:p>
         </p:txBody>
       </p:sp>
@@ -1183,9 +1830,9 @@
           <a:bodyPr/>
           <a:lstStyle/>
           <a:p>
-            <a:fld id="{5F05756B-5F5C-4EED-907C-E25857D58D0B}" type="slidenum">
+            <a:fld id="{F44DFA25-216B-4048-9E14-17772AFFB9C9}" type="slidenum">
               <a:rPr lang="fr-FR" smtClean="0"/>
-              <a:t>19</a:t>
+              <a:t>15</a:t>
             </a:fld>
             <a:endParaRPr lang="fr-FR"/>
           </a:p>
@@ -1194,7 +1841,512 @@
     </p:spTree>
     <p:extLst>
       <p:ext uri="{BB962C8B-B14F-4D97-AF65-F5344CB8AC3E}">
-        <p14:creationId xmlns:p14="http://schemas.microsoft.com/office/powerpoint/2010/main" val="268619433"/>
+        <p14:creationId xmlns:p14="http://schemas.microsoft.com/office/powerpoint/2010/main" val="3528905593"/>
+      </p:ext>
+    </p:extLst>
+  </p:cSld>
+  <p:clrMapOvr>
+    <a:masterClrMapping/>
+  </p:clrMapOvr>
+</p:notes>
+</file>
+
+<file path=ppt/notesSlides/notesSlide8.xml><?xml version="1.0" encoding="utf-8"?>
+<p:notes xmlns:a="http://schemas.openxmlformats.org/drawingml/2006/main" xmlns:r="http://schemas.openxmlformats.org/officeDocument/2006/relationships" xmlns:p="http://schemas.openxmlformats.org/presentationml/2006/main">
+  <p:cSld>
+    <p:spTree>
+      <p:nvGrpSpPr>
+        <p:cNvPr id="1" name=""/>
+        <p:cNvGrpSpPr/>
+        <p:nvPr/>
+      </p:nvGrpSpPr>
+      <p:grpSpPr>
+        <a:xfrm>
+          <a:off x="0" y="0"/>
+          <a:ext cx="0" cy="0"/>
+          <a:chOff x="0" y="0"/>
+          <a:chExt cx="0" cy="0"/>
+        </a:xfrm>
+      </p:grpSpPr>
+      <p:sp>
+        <p:nvSpPr>
+          <p:cNvPr id="2" name="Espace réservé de l'image des diapositives 1"/>
+          <p:cNvSpPr>
+            <a:spLocks noGrp="1" noRot="1" noChangeAspect="1"/>
+          </p:cNvSpPr>
+          <p:nvPr>
+            <p:ph type="sldImg"/>
+          </p:nvPr>
+        </p:nvSpPr>
+        <p:spPr/>
+      </p:sp>
+      <p:sp>
+        <p:nvSpPr>
+          <p:cNvPr id="3" name="Espace réservé des notes 2"/>
+          <p:cNvSpPr>
+            <a:spLocks noGrp="1"/>
+          </p:cNvSpPr>
+          <p:nvPr>
+            <p:ph type="body" idx="1"/>
+          </p:nvPr>
+        </p:nvSpPr>
+        <p:spPr/>
+        <p:txBody>
+          <a:bodyPr/>
+          <a:lstStyle/>
+          <a:p>
+            <a:r>
+              <a:rPr lang="fr-FR" dirty="0"/>
+              <a:t>Pour rappel, la liste des clusters avec les centroïdes </a:t>
+            </a:r>
+          </a:p>
+        </p:txBody>
+      </p:sp>
+      <p:sp>
+        <p:nvSpPr>
+          <p:cNvPr id="4" name="Espace réservé du numéro de diapositive 3"/>
+          <p:cNvSpPr>
+            <a:spLocks noGrp="1"/>
+          </p:cNvSpPr>
+          <p:nvPr>
+            <p:ph type="sldNum" sz="quarter" idx="5"/>
+          </p:nvPr>
+        </p:nvSpPr>
+        <p:spPr/>
+        <p:txBody>
+          <a:bodyPr/>
+          <a:lstStyle/>
+          <a:p>
+            <a:fld id="{F44DFA25-216B-4048-9E14-17772AFFB9C9}" type="slidenum">
+              <a:rPr lang="fr-FR" smtClean="0"/>
+              <a:t>16</a:t>
+            </a:fld>
+            <a:endParaRPr lang="fr-FR"/>
+          </a:p>
+        </p:txBody>
+      </p:sp>
+    </p:spTree>
+    <p:extLst>
+      <p:ext uri="{BB962C8B-B14F-4D97-AF65-F5344CB8AC3E}">
+        <p14:creationId xmlns:p14="http://schemas.microsoft.com/office/powerpoint/2010/main" val="1567256808"/>
+      </p:ext>
+    </p:extLst>
+  </p:cSld>
+  <p:clrMapOvr>
+    <a:masterClrMapping/>
+  </p:clrMapOvr>
+</p:notes>
+</file>
+
+<file path=ppt/notesSlides/notesSlide9.xml><?xml version="1.0" encoding="utf-8"?>
+<p:notes xmlns:a="http://schemas.openxmlformats.org/drawingml/2006/main" xmlns:r="http://schemas.openxmlformats.org/officeDocument/2006/relationships" xmlns:p="http://schemas.openxmlformats.org/presentationml/2006/main">
+  <p:cSld>
+    <p:spTree>
+      <p:nvGrpSpPr>
+        <p:cNvPr id="1" name=""/>
+        <p:cNvGrpSpPr/>
+        <p:nvPr/>
+      </p:nvGrpSpPr>
+      <p:grpSpPr>
+        <a:xfrm>
+          <a:off x="0" y="0"/>
+          <a:ext cx="0" cy="0"/>
+          <a:chOff x="0" y="0"/>
+          <a:chExt cx="0" cy="0"/>
+        </a:xfrm>
+      </p:grpSpPr>
+      <p:sp>
+        <p:nvSpPr>
+          <p:cNvPr id="2" name="Espace réservé de l'image des diapositives 1"/>
+          <p:cNvSpPr>
+            <a:spLocks noGrp="1" noRot="1" noChangeAspect="1"/>
+          </p:cNvSpPr>
+          <p:nvPr>
+            <p:ph type="sldImg"/>
+          </p:nvPr>
+        </p:nvSpPr>
+        <p:spPr/>
+      </p:sp>
+      <p:sp>
+        <p:nvSpPr>
+          <p:cNvPr id="3" name="Espace réservé des notes 2"/>
+          <p:cNvSpPr>
+            <a:spLocks noGrp="1"/>
+          </p:cNvSpPr>
+          <p:nvPr>
+            <p:ph type="body" idx="1"/>
+          </p:nvPr>
+        </p:nvSpPr>
+        <p:spPr/>
+        <p:txBody>
+          <a:bodyPr/>
+          <a:lstStyle/>
+          <a:p>
+            <a:pPr marL="0" marR="0" lvl="0" indent="0" algn="l" defTabSz="914400" rtl="0" eaLnBrk="1" fontAlgn="auto" latinLnBrk="0" hangingPunct="1">
+              <a:lnSpc>
+                <a:spcPct val="100000"/>
+              </a:lnSpc>
+              <a:spcBef>
+                <a:spcPts val="0"/>
+              </a:spcBef>
+              <a:spcAft>
+                <a:spcPts val="0"/>
+              </a:spcAft>
+              <a:buClrTx/>
+              <a:buSzTx/>
+              <a:buFontTx/>
+              <a:buNone/>
+              <a:tabLst/>
+              <a:defRPr/>
+            </a:pPr>
+            <a:r>
+              <a:rPr lang="fr-FR" dirty="0"/>
+              <a:t>CLICK</a:t>
+            </a:r>
+          </a:p>
+          <a:p>
+            <a:pPr marL="0" marR="0" lvl="0" indent="0" algn="l" defTabSz="914400" rtl="0" eaLnBrk="1" fontAlgn="auto" latinLnBrk="0" hangingPunct="1">
+              <a:lnSpc>
+                <a:spcPct val="100000"/>
+              </a:lnSpc>
+              <a:spcBef>
+                <a:spcPts val="0"/>
+              </a:spcBef>
+              <a:spcAft>
+                <a:spcPts val="0"/>
+              </a:spcAft>
+              <a:buClrTx/>
+              <a:buSzTx/>
+              <a:buFontTx/>
+              <a:buNone/>
+              <a:tabLst/>
+              <a:defRPr/>
+            </a:pPr>
+            <a:r>
+              <a:rPr lang="fr-FR" dirty="0" err="1"/>
+              <a:t>Np.random.seed</a:t>
+            </a:r>
+            <a:r>
+              <a:rPr lang="fr-FR" dirty="0"/>
+              <a:t>(1) permet de bloquer le nombre de lancés aléatoires à 1 (afin d’éviter d’avoir des résultats différent entre chaque exécution)</a:t>
+            </a:r>
+          </a:p>
+          <a:p>
+            <a:pPr marL="0" marR="0" lvl="0" indent="0" algn="l" defTabSz="914400" rtl="0" eaLnBrk="1" fontAlgn="auto" latinLnBrk="0" hangingPunct="1">
+              <a:lnSpc>
+                <a:spcPct val="100000"/>
+              </a:lnSpc>
+              <a:spcBef>
+                <a:spcPts val="0"/>
+              </a:spcBef>
+              <a:spcAft>
+                <a:spcPts val="0"/>
+              </a:spcAft>
+              <a:buClrTx/>
+              <a:buSzTx/>
+              <a:buFontTx/>
+              <a:buNone/>
+              <a:tabLst/>
+              <a:defRPr/>
+            </a:pPr>
+            <a:endParaRPr lang="fr-FR" dirty="0"/>
+          </a:p>
+          <a:p>
+            <a:pPr marL="0" marR="0" lvl="0" indent="0" algn="l" defTabSz="914400" rtl="0" eaLnBrk="1" fontAlgn="auto" latinLnBrk="0" hangingPunct="1">
+              <a:lnSpc>
+                <a:spcPct val="100000"/>
+              </a:lnSpc>
+              <a:spcBef>
+                <a:spcPts val="0"/>
+              </a:spcBef>
+              <a:spcAft>
+                <a:spcPts val="0"/>
+              </a:spcAft>
+              <a:buClrTx/>
+              <a:buSzTx/>
+              <a:buFontTx/>
+              <a:buNone/>
+              <a:tabLst/>
+              <a:defRPr/>
+            </a:pPr>
+            <a:r>
+              <a:rPr lang="fr-FR" dirty="0"/>
+              <a:t>CLICK</a:t>
+            </a:r>
+          </a:p>
+          <a:p>
+            <a:pPr marL="0" marR="0" lvl="0" indent="0" algn="l" defTabSz="914400" rtl="0" eaLnBrk="1" fontAlgn="auto" latinLnBrk="0" hangingPunct="1">
+              <a:lnSpc>
+                <a:spcPct val="100000"/>
+              </a:lnSpc>
+              <a:spcBef>
+                <a:spcPts val="0"/>
+              </a:spcBef>
+              <a:spcAft>
+                <a:spcPts val="0"/>
+              </a:spcAft>
+              <a:buClrTx/>
+              <a:buSzTx/>
+              <a:buFontTx/>
+              <a:buNone/>
+              <a:tabLst/>
+              <a:defRPr/>
+            </a:pPr>
+            <a:r>
+              <a:rPr lang="fr-FR" dirty="0"/>
+              <a:t>On utilise ensuite ks_2amp pour savoir si la variable suit une loi normale ou non : </a:t>
+            </a:r>
+          </a:p>
+          <a:p>
+            <a:pPr marL="0" marR="0" lvl="0" indent="0" algn="l" defTabSz="914400" rtl="0" eaLnBrk="1" fontAlgn="auto" latinLnBrk="0" hangingPunct="1">
+              <a:lnSpc>
+                <a:spcPct val="100000"/>
+              </a:lnSpc>
+              <a:spcBef>
+                <a:spcPts val="0"/>
+              </a:spcBef>
+              <a:spcAft>
+                <a:spcPts val="0"/>
+              </a:spcAft>
+              <a:buClrTx/>
+              <a:buSzTx/>
+              <a:buFontTx/>
+              <a:buNone/>
+              <a:tabLst/>
+              <a:defRPr/>
+            </a:pPr>
+            <a:endParaRPr lang="fr-FR" dirty="0"/>
+          </a:p>
+          <a:p>
+            <a:pPr marL="0" marR="0" lvl="0" indent="0" algn="l" defTabSz="914400" rtl="0" eaLnBrk="1" fontAlgn="auto" latinLnBrk="0" hangingPunct="1">
+              <a:lnSpc>
+                <a:spcPct val="100000"/>
+              </a:lnSpc>
+              <a:spcBef>
+                <a:spcPts val="0"/>
+              </a:spcBef>
+              <a:spcAft>
+                <a:spcPts val="0"/>
+              </a:spcAft>
+              <a:buClrTx/>
+              <a:buSzTx/>
+              <a:buFontTx/>
+              <a:buNone/>
+              <a:tabLst/>
+              <a:defRPr/>
+            </a:pPr>
+            <a:r>
+              <a:rPr lang="fr-FR" dirty="0"/>
+              <a:t>CLICK</a:t>
+            </a:r>
+          </a:p>
+          <a:p>
+            <a:pPr marL="0" marR="0" lvl="0" indent="0" algn="l" defTabSz="914400" rtl="0" eaLnBrk="1" fontAlgn="auto" latinLnBrk="0" hangingPunct="1">
+              <a:lnSpc>
+                <a:spcPct val="100000"/>
+              </a:lnSpc>
+              <a:spcBef>
+                <a:spcPts val="0"/>
+              </a:spcBef>
+              <a:spcAft>
+                <a:spcPts val="0"/>
+              </a:spcAft>
+              <a:buClrTx/>
+              <a:buSzTx/>
+              <a:buFontTx/>
+              <a:buNone/>
+              <a:tabLst/>
+              <a:defRPr/>
+            </a:pPr>
+            <a:r>
+              <a:rPr lang="fr-FR" dirty="0"/>
+              <a:t>On prend d’abord notre échantillon (avec la colonne que l’on veut tester) </a:t>
+            </a:r>
+          </a:p>
+          <a:p>
+            <a:pPr marL="0" marR="0" lvl="0" indent="0" algn="l" defTabSz="914400" rtl="0" eaLnBrk="1" fontAlgn="auto" latinLnBrk="0" hangingPunct="1">
+              <a:lnSpc>
+                <a:spcPct val="100000"/>
+              </a:lnSpc>
+              <a:spcBef>
+                <a:spcPts val="0"/>
+              </a:spcBef>
+              <a:spcAft>
+                <a:spcPts val="0"/>
+              </a:spcAft>
+              <a:buClrTx/>
+              <a:buSzTx/>
+              <a:buFontTx/>
+              <a:buNone/>
+              <a:tabLst/>
+              <a:defRPr/>
+            </a:pPr>
+            <a:endParaRPr lang="fr-FR" dirty="0"/>
+          </a:p>
+          <a:p>
+            <a:pPr marL="0" marR="0" lvl="0" indent="0" algn="l" defTabSz="914400" rtl="0" eaLnBrk="1" fontAlgn="auto" latinLnBrk="0" hangingPunct="1">
+              <a:lnSpc>
+                <a:spcPct val="100000"/>
+              </a:lnSpc>
+              <a:spcBef>
+                <a:spcPts val="0"/>
+              </a:spcBef>
+              <a:spcAft>
+                <a:spcPts val="0"/>
+              </a:spcAft>
+              <a:buClrTx/>
+              <a:buSzTx/>
+              <a:buFontTx/>
+              <a:buNone/>
+              <a:tabLst/>
+              <a:defRPr/>
+            </a:pPr>
+            <a:r>
+              <a:rPr lang="fr-FR" dirty="0"/>
+              <a:t>CLICK</a:t>
+            </a:r>
+          </a:p>
+          <a:p>
+            <a:pPr marL="0" marR="0" lvl="0" indent="0" algn="l" defTabSz="914400" rtl="0" eaLnBrk="1" fontAlgn="auto" latinLnBrk="0" hangingPunct="1">
+              <a:lnSpc>
+                <a:spcPct val="100000"/>
+              </a:lnSpc>
+              <a:spcBef>
+                <a:spcPts val="0"/>
+              </a:spcBef>
+              <a:spcAft>
+                <a:spcPts val="0"/>
+              </a:spcAft>
+              <a:buClrTx/>
+              <a:buSzTx/>
+              <a:buFontTx/>
+              <a:buNone/>
+              <a:tabLst/>
+              <a:defRPr/>
+            </a:pPr>
+            <a:r>
+              <a:rPr lang="fr-FR" dirty="0"/>
+              <a:t>Puis, en deuxième valeur, on transforme notre échantillon en échantillon suivant une loi normale, afin de comparer les deux.</a:t>
+            </a:r>
+          </a:p>
+          <a:p>
+            <a:pPr marL="0" marR="0" lvl="0" indent="0" algn="l" defTabSz="914400" rtl="0" eaLnBrk="1" fontAlgn="auto" latinLnBrk="0" hangingPunct="1">
+              <a:lnSpc>
+                <a:spcPct val="100000"/>
+              </a:lnSpc>
+              <a:spcBef>
+                <a:spcPts val="0"/>
+              </a:spcBef>
+              <a:spcAft>
+                <a:spcPts val="0"/>
+              </a:spcAft>
+              <a:buClrTx/>
+              <a:buSzTx/>
+              <a:buFontTx/>
+              <a:buNone/>
+              <a:tabLst/>
+              <a:defRPr/>
+            </a:pPr>
+            <a:endParaRPr lang="fr-FR" dirty="0"/>
+          </a:p>
+          <a:p>
+            <a:pPr marL="0" marR="0" lvl="0" indent="0" algn="l" defTabSz="914400" rtl="0" eaLnBrk="1" fontAlgn="auto" latinLnBrk="0" hangingPunct="1">
+              <a:lnSpc>
+                <a:spcPct val="100000"/>
+              </a:lnSpc>
+              <a:spcBef>
+                <a:spcPts val="0"/>
+              </a:spcBef>
+              <a:spcAft>
+                <a:spcPts val="0"/>
+              </a:spcAft>
+              <a:buClrTx/>
+              <a:buSzTx/>
+              <a:buFontTx/>
+              <a:buNone/>
+              <a:tabLst/>
+              <a:defRPr/>
+            </a:pPr>
+            <a:r>
+              <a:rPr lang="fr-FR" dirty="0"/>
+              <a:t>CLICK</a:t>
+            </a:r>
+          </a:p>
+          <a:p>
+            <a:pPr marL="0" marR="0" lvl="0" indent="0" algn="l" defTabSz="914400" rtl="0" eaLnBrk="1" fontAlgn="auto" latinLnBrk="0" hangingPunct="1">
+              <a:lnSpc>
+                <a:spcPct val="100000"/>
+              </a:lnSpc>
+              <a:spcBef>
+                <a:spcPts val="0"/>
+              </a:spcBef>
+              <a:spcAft>
+                <a:spcPts val="0"/>
+              </a:spcAft>
+              <a:buClrTx/>
+              <a:buSzTx/>
+              <a:buFontTx/>
+              <a:buNone/>
+              <a:tabLst/>
+              <a:defRPr/>
+            </a:pPr>
+            <a:r>
+              <a:rPr lang="fr-FR" dirty="0"/>
+              <a:t>Enfin, on utilise une condition IF pour afficher si la variable suit une loi normale ou non (grâce à la comparaison entre Alpha et </a:t>
+            </a:r>
+            <a:r>
+              <a:rPr lang="fr-FR" dirty="0" err="1"/>
+              <a:t>P_valeur</a:t>
+            </a:r>
+            <a:r>
+              <a:rPr lang="fr-FR" dirty="0"/>
+              <a:t>)</a:t>
+            </a:r>
+          </a:p>
+          <a:p>
+            <a:endParaRPr lang="fr-FR" dirty="0"/>
+          </a:p>
+          <a:p>
+            <a:r>
+              <a:rPr lang="fr-FR" dirty="0"/>
+              <a:t>CLICK</a:t>
+            </a:r>
+          </a:p>
+          <a:p>
+            <a:r>
+              <a:rPr lang="fr-FR" dirty="0"/>
+              <a:t>Ce qui nous donne le tableau suivant pour nos variables </a:t>
+            </a:r>
+          </a:p>
+        </p:txBody>
+      </p:sp>
+      <p:sp>
+        <p:nvSpPr>
+          <p:cNvPr id="4" name="Espace réservé du numéro de diapositive 3"/>
+          <p:cNvSpPr>
+            <a:spLocks noGrp="1"/>
+          </p:cNvSpPr>
+          <p:nvPr>
+            <p:ph type="sldNum" sz="quarter" idx="5"/>
+          </p:nvPr>
+        </p:nvSpPr>
+        <p:spPr/>
+        <p:txBody>
+          <a:bodyPr/>
+          <a:lstStyle/>
+          <a:p>
+            <a:fld id="{F44DFA25-216B-4048-9E14-17772AFFB9C9}" type="slidenum">
+              <a:rPr lang="fr-FR" smtClean="0"/>
+              <a:t>18</a:t>
+            </a:fld>
+            <a:endParaRPr lang="fr-FR"/>
+          </a:p>
+        </p:txBody>
+      </p:sp>
+    </p:spTree>
+    <p:extLst>
+      <p:ext uri="{BB962C8B-B14F-4D97-AF65-F5344CB8AC3E}">
+        <p14:creationId xmlns:p14="http://schemas.microsoft.com/office/powerpoint/2010/main" val="821450017"/>
       </p:ext>
     </p:extLst>
   </p:cSld>
@@ -1351,7 +2503,7 @@
           <a:p>
             <a:fld id="{E565D739-1F39-46A1-82E5-C30CDDBD57CA}" type="datetimeFigureOut">
               <a:rPr lang="fr-FR" smtClean="0"/>
-              <a:t>23/04/2019</a:t>
+              <a:t>24/04/2019</a:t>
             </a:fld>
             <a:endParaRPr lang="fr-FR"/>
           </a:p>
@@ -1549,7 +2701,7 @@
           <a:p>
             <a:fld id="{E565D739-1F39-46A1-82E5-C30CDDBD57CA}" type="datetimeFigureOut">
               <a:rPr lang="fr-FR" smtClean="0"/>
-              <a:t>23/04/2019</a:t>
+              <a:t>24/04/2019</a:t>
             </a:fld>
             <a:endParaRPr lang="fr-FR"/>
           </a:p>
@@ -1757,7 +2909,7 @@
           <a:p>
             <a:fld id="{E565D739-1F39-46A1-82E5-C30CDDBD57CA}" type="datetimeFigureOut">
               <a:rPr lang="fr-FR" smtClean="0"/>
-              <a:t>23/04/2019</a:t>
+              <a:t>24/04/2019</a:t>
             </a:fld>
             <a:endParaRPr lang="fr-FR"/>
           </a:p>
@@ -1955,7 +3107,7 @@
           <a:p>
             <a:fld id="{E565D739-1F39-46A1-82E5-C30CDDBD57CA}" type="datetimeFigureOut">
               <a:rPr lang="fr-FR" smtClean="0"/>
-              <a:t>23/04/2019</a:t>
+              <a:t>24/04/2019</a:t>
             </a:fld>
             <a:endParaRPr lang="fr-FR"/>
           </a:p>
@@ -2230,7 +3382,7 @@
           <a:p>
             <a:fld id="{E565D739-1F39-46A1-82E5-C30CDDBD57CA}" type="datetimeFigureOut">
               <a:rPr lang="fr-FR" smtClean="0"/>
-              <a:t>23/04/2019</a:t>
+              <a:t>24/04/2019</a:t>
             </a:fld>
             <a:endParaRPr lang="fr-FR"/>
           </a:p>
@@ -2495,7 +3647,7 @@
           <a:p>
             <a:fld id="{E565D739-1F39-46A1-82E5-C30CDDBD57CA}" type="datetimeFigureOut">
               <a:rPr lang="fr-FR" smtClean="0"/>
-              <a:t>23/04/2019</a:t>
+              <a:t>24/04/2019</a:t>
             </a:fld>
             <a:endParaRPr lang="fr-FR"/>
           </a:p>
@@ -2907,7 +4059,7 @@
           <a:p>
             <a:fld id="{E565D739-1F39-46A1-82E5-C30CDDBD57CA}" type="datetimeFigureOut">
               <a:rPr lang="fr-FR" smtClean="0"/>
-              <a:t>23/04/2019</a:t>
+              <a:t>24/04/2019</a:t>
             </a:fld>
             <a:endParaRPr lang="fr-FR"/>
           </a:p>
@@ -3048,7 +4200,7 @@
           <a:p>
             <a:fld id="{E565D739-1F39-46A1-82E5-C30CDDBD57CA}" type="datetimeFigureOut">
               <a:rPr lang="fr-FR" smtClean="0"/>
-              <a:t>23/04/2019</a:t>
+              <a:t>24/04/2019</a:t>
             </a:fld>
             <a:endParaRPr lang="fr-FR"/>
           </a:p>
@@ -3161,7 +4313,7 @@
           <a:p>
             <a:fld id="{E565D739-1F39-46A1-82E5-C30CDDBD57CA}" type="datetimeFigureOut">
               <a:rPr lang="fr-FR" smtClean="0"/>
-              <a:t>23/04/2019</a:t>
+              <a:t>24/04/2019</a:t>
             </a:fld>
             <a:endParaRPr lang="fr-FR"/>
           </a:p>
@@ -3472,7 +4624,7 @@
           <a:p>
             <a:fld id="{E565D739-1F39-46A1-82E5-C30CDDBD57CA}" type="datetimeFigureOut">
               <a:rPr lang="fr-FR" smtClean="0"/>
-              <a:t>23/04/2019</a:t>
+              <a:t>24/04/2019</a:t>
             </a:fld>
             <a:endParaRPr lang="fr-FR"/>
           </a:p>
@@ -3760,7 +4912,7 @@
           <a:p>
             <a:fld id="{E565D739-1F39-46A1-82E5-C30CDDBD57CA}" type="datetimeFigureOut">
               <a:rPr lang="fr-FR" smtClean="0"/>
-              <a:t>23/04/2019</a:t>
+              <a:t>24/04/2019</a:t>
             </a:fld>
             <a:endParaRPr lang="fr-FR"/>
           </a:p>
@@ -4001,7 +5153,7 @@
           <a:p>
             <a:fld id="{E565D739-1F39-46A1-82E5-C30CDDBD57CA}" type="datetimeFigureOut">
               <a:rPr lang="fr-FR" smtClean="0"/>
-              <a:t>23/04/2019</a:t>
+              <a:t>24/04/2019</a:t>
             </a:fld>
             <a:endParaRPr lang="fr-FR"/>
           </a:p>
@@ -4816,25 +5968,20 @@
         </p:nvSpPr>
         <p:spPr>
           <a:xfrm>
-            <a:off x="1524000" y="335279"/>
+            <a:off x="1524000" y="261137"/>
             <a:ext cx="9144000" cy="1041083"/>
           </a:xfrm>
         </p:spPr>
         <p:txBody>
           <a:bodyPr>
-            <a:normAutofit/>
+            <a:normAutofit fontScale="90000"/>
           </a:bodyPr>
           <a:lstStyle/>
           <a:p>
             <a:r>
               <a:rPr lang="fr-FR" dirty="0"/>
-              <a:t>Création d’un </a:t>
-            </a:r>
-            <a:r>
-              <a:rPr lang="fr-FR" dirty="0" err="1"/>
-              <a:t>dendogramme</a:t>
-            </a:r>
-            <a:endParaRPr lang="fr-FR" dirty="0"/>
+              <a:t>Création d’un dendrogramme</a:t>
+            </a:r>
           </a:p>
         </p:txBody>
       </p:sp>
@@ -4853,7 +6000,7 @@
           <p:nvPr/>
         </p:nvPicPr>
         <p:blipFill>
-          <a:blip r:embed="rId2">
+          <a:blip r:embed="rId3">
             <a:extLst>
               <a:ext uri="{28A0092B-C50C-407E-A947-70E740481C1C}">
                 <a14:useLocalDpi xmlns:a14="http://schemas.microsoft.com/office/drawing/2010/main" val="0"/>
@@ -4889,7 +6036,7 @@
           <p:nvPr/>
         </p:nvPicPr>
         <p:blipFill rotWithShape="1">
-          <a:blip r:embed="rId3">
+          <a:blip r:embed="rId4">
             <a:extLst>
               <a:ext uri="{28A0092B-C50C-407E-A947-70E740481C1C}">
                 <a14:useLocalDpi xmlns:a14="http://schemas.microsoft.com/office/drawing/2010/main" val="0"/>
@@ -4901,7 +6048,7 @@
         </p:blipFill>
         <p:spPr>
           <a:xfrm>
-            <a:off x="1" y="0"/>
+            <a:off x="16144" y="114452"/>
             <a:ext cx="12175856" cy="5321148"/>
           </a:xfrm>
           <a:prstGeom prst="rect">
@@ -4924,20 +6071,20 @@
           <p:nvPr/>
         </p:nvPicPr>
         <p:blipFill rotWithShape="1">
-          <a:blip r:embed="rId3">
+          <a:blip r:embed="rId4">
             <a:extLst>
               <a:ext uri="{28A0092B-C50C-407E-A947-70E740481C1C}">
                 <a14:useLocalDpi xmlns:a14="http://schemas.microsoft.com/office/drawing/2010/main" val="0"/>
               </a:ext>
             </a:extLst>
           </a:blip>
-          <a:srcRect l="74629" t="48207" r="11914"/>
+          <a:srcRect l="74879" t="48207" r="11914"/>
           <a:stretch/>
         </p:blipFill>
         <p:spPr>
           <a:xfrm rot="16200000">
-            <a:off x="3376998" y="-361768"/>
-            <a:ext cx="5421862" cy="8347116"/>
+            <a:off x="3427355" y="-276198"/>
+            <a:ext cx="5321148" cy="8347116"/>
           </a:xfrm>
           <a:prstGeom prst="rect">
             <a:avLst/>
@@ -5412,6 +6559,84 @@
   <p:clrMapOvr>
     <a:masterClrMapping/>
   </p:clrMapOvr>
+  <p:timing>
+    <p:tnLst>
+      <p:par>
+        <p:cTn id="1" dur="indefinite" restart="never" nodeType="tmRoot">
+          <p:childTnLst>
+            <p:seq concurrent="1" nextAc="seek">
+              <p:cTn id="2" dur="indefinite" nodeType="mainSeq">
+                <p:childTnLst>
+                  <p:par>
+                    <p:cTn id="3" fill="hold">
+                      <p:stCondLst>
+                        <p:cond delay="indefinite"/>
+                      </p:stCondLst>
+                      <p:childTnLst>
+                        <p:par>
+                          <p:cTn id="4" fill="hold">
+                            <p:stCondLst>
+                              <p:cond delay="0"/>
+                            </p:stCondLst>
+                            <p:childTnLst>
+                              <p:par>
+                                <p:cTn id="5" presetID="1" presetClass="entr" presetSubtype="0" fill="hold" grpId="0" nodeType="clickEffect">
+                                  <p:stCondLst>
+                                    <p:cond delay="0"/>
+                                  </p:stCondLst>
+                                  <p:childTnLst>
+                                    <p:set>
+                                      <p:cBhvr>
+                                        <p:cTn id="6" dur="1" fill="hold">
+                                          <p:stCondLst>
+                                            <p:cond delay="0"/>
+                                          </p:stCondLst>
+                                        </p:cTn>
+                                        <p:tgtEl>
+                                          <p:spTgt spid="6"/>
+                                        </p:tgtEl>
+                                        <p:attrNameLst>
+                                          <p:attrName>style.visibility</p:attrName>
+                                        </p:attrNameLst>
+                                      </p:cBhvr>
+                                      <p:to>
+                                        <p:strVal val="visible"/>
+                                      </p:to>
+                                    </p:set>
+                                  </p:childTnLst>
+                                </p:cTn>
+                              </p:par>
+                            </p:childTnLst>
+                          </p:cTn>
+                        </p:par>
+                      </p:childTnLst>
+                    </p:cTn>
+                  </p:par>
+                </p:childTnLst>
+              </p:cTn>
+              <p:prevCondLst>
+                <p:cond evt="onPrev" delay="0">
+                  <p:tgtEl>
+                    <p:sldTgt/>
+                  </p:tgtEl>
+                </p:cond>
+              </p:prevCondLst>
+              <p:nextCondLst>
+                <p:cond evt="onNext" delay="0">
+                  <p:tgtEl>
+                    <p:sldTgt/>
+                  </p:tgtEl>
+                </p:cond>
+              </p:nextCondLst>
+            </p:seq>
+          </p:childTnLst>
+        </p:cTn>
+      </p:par>
+    </p:tnLst>
+    <p:bldLst>
+      <p:bldP spid="6" grpId="0" animBg="1"/>
+    </p:bldLst>
+  </p:timing>
 </p:sld>
 </file>
 
@@ -5482,7 +6707,7 @@
           <p:nvPr/>
         </p:nvPicPr>
         <p:blipFill>
-          <a:blip r:embed="rId2">
+          <a:blip r:embed="rId3">
             <a:extLst>
               <a:ext uri="{28A0092B-C50C-407E-A947-70E740481C1C}">
                 <a14:useLocalDpi xmlns:a14="http://schemas.microsoft.com/office/drawing/2010/main" val="0"/>
@@ -5518,7 +6743,7 @@
           <p:nvPr/>
         </p:nvPicPr>
         <p:blipFill rotWithShape="1">
-          <a:blip r:embed="rId3">
+          <a:blip r:embed="rId4">
             <a:extLst>
               <a:ext uri="{28A0092B-C50C-407E-A947-70E740481C1C}">
                 <a14:useLocalDpi xmlns:a14="http://schemas.microsoft.com/office/drawing/2010/main" val="0"/>
@@ -7522,7 +8747,37 @@
           </a:bodyPr>
           <a:lstStyle/>
           <a:p>
+            <a:r>
+              <a:rPr lang="fr-FR" dirty="0"/>
+              <a:t>On cherche dans cette partie si les variables suivent ou non une loi normale</a:t>
+            </a:r>
+          </a:p>
+          <a:p>
+            <a:r>
+              <a:rPr lang="fr-FR" dirty="0"/>
+              <a:t>Pour cela, posons deux hypothèses :</a:t>
+            </a:r>
+          </a:p>
+          <a:p>
+            <a:r>
+              <a:rPr lang="fr-FR" dirty="0"/>
+              <a:t>H0 : La variable suit une loi normale</a:t>
+            </a:r>
+          </a:p>
+          <a:p>
+            <a:r>
+              <a:rPr lang="fr-FR" dirty="0"/>
+              <a:t>H1 : La variable ne suit pas une loi normale</a:t>
+            </a:r>
+          </a:p>
+          <a:p>
             <a:endParaRPr lang="fr-FR" dirty="0"/>
+          </a:p>
+          <a:p>
+            <a:r>
+              <a:rPr lang="fr-FR" dirty="0"/>
+              <a:t>Le niveau de test est de 1%</a:t>
+            </a:r>
           </a:p>
         </p:txBody>
       </p:sp>
@@ -7572,6 +8827,245 @@
   <p:clrMapOvr>
     <a:masterClrMapping/>
   </p:clrMapOvr>
+  <p:timing>
+    <p:tnLst>
+      <p:par>
+        <p:cTn id="1" dur="indefinite" restart="never" nodeType="tmRoot">
+          <p:childTnLst>
+            <p:seq concurrent="1" nextAc="seek">
+              <p:cTn id="2" dur="indefinite" nodeType="mainSeq">
+                <p:childTnLst>
+                  <p:par>
+                    <p:cTn id="3" fill="hold">
+                      <p:stCondLst>
+                        <p:cond delay="indefinite"/>
+                      </p:stCondLst>
+                      <p:childTnLst>
+                        <p:par>
+                          <p:cTn id="4" fill="hold">
+                            <p:stCondLst>
+                              <p:cond delay="0"/>
+                            </p:stCondLst>
+                            <p:childTnLst>
+                              <p:par>
+                                <p:cTn id="5" presetID="1" presetClass="entr" presetSubtype="0" fill="hold" nodeType="clickEffect">
+                                  <p:stCondLst>
+                                    <p:cond delay="0"/>
+                                  </p:stCondLst>
+                                  <p:childTnLst>
+                                    <p:set>
+                                      <p:cBhvr>
+                                        <p:cTn id="6" dur="1" fill="hold">
+                                          <p:stCondLst>
+                                            <p:cond delay="0"/>
+                                          </p:stCondLst>
+                                        </p:cTn>
+                                        <p:tgtEl>
+                                          <p:spTgt spid="3">
+                                            <p:txEl>
+                                              <p:pRg st="0" end="0"/>
+                                            </p:txEl>
+                                          </p:spTgt>
+                                        </p:tgtEl>
+                                        <p:attrNameLst>
+                                          <p:attrName>style.visibility</p:attrName>
+                                        </p:attrNameLst>
+                                      </p:cBhvr>
+                                      <p:to>
+                                        <p:strVal val="visible"/>
+                                      </p:to>
+                                    </p:set>
+                                  </p:childTnLst>
+                                </p:cTn>
+                              </p:par>
+                            </p:childTnLst>
+                          </p:cTn>
+                        </p:par>
+                      </p:childTnLst>
+                    </p:cTn>
+                  </p:par>
+                  <p:par>
+                    <p:cTn id="7" fill="hold">
+                      <p:stCondLst>
+                        <p:cond delay="indefinite"/>
+                      </p:stCondLst>
+                      <p:childTnLst>
+                        <p:par>
+                          <p:cTn id="8" fill="hold">
+                            <p:stCondLst>
+                              <p:cond delay="0"/>
+                            </p:stCondLst>
+                            <p:childTnLst>
+                              <p:par>
+                                <p:cTn id="9" presetID="1" presetClass="entr" presetSubtype="0" fill="hold" nodeType="clickEffect">
+                                  <p:stCondLst>
+                                    <p:cond delay="0"/>
+                                  </p:stCondLst>
+                                  <p:childTnLst>
+                                    <p:set>
+                                      <p:cBhvr>
+                                        <p:cTn id="10" dur="1" fill="hold">
+                                          <p:stCondLst>
+                                            <p:cond delay="0"/>
+                                          </p:stCondLst>
+                                        </p:cTn>
+                                        <p:tgtEl>
+                                          <p:spTgt spid="3">
+                                            <p:txEl>
+                                              <p:pRg st="1" end="1"/>
+                                            </p:txEl>
+                                          </p:spTgt>
+                                        </p:tgtEl>
+                                        <p:attrNameLst>
+                                          <p:attrName>style.visibility</p:attrName>
+                                        </p:attrNameLst>
+                                      </p:cBhvr>
+                                      <p:to>
+                                        <p:strVal val="visible"/>
+                                      </p:to>
+                                    </p:set>
+                                  </p:childTnLst>
+                                </p:cTn>
+                              </p:par>
+                              <p:par>
+                                <p:cTn id="11" presetID="1" presetClass="entr" presetSubtype="0" fill="hold" nodeType="withEffect">
+                                  <p:stCondLst>
+                                    <p:cond delay="0"/>
+                                  </p:stCondLst>
+                                  <p:childTnLst>
+                                    <p:set>
+                                      <p:cBhvr>
+                                        <p:cTn id="12" dur="1" fill="hold">
+                                          <p:stCondLst>
+                                            <p:cond delay="0"/>
+                                          </p:stCondLst>
+                                        </p:cTn>
+                                        <p:tgtEl>
+                                          <p:spTgt spid="3">
+                                            <p:txEl>
+                                              <p:pRg st="2" end="2"/>
+                                            </p:txEl>
+                                          </p:spTgt>
+                                        </p:tgtEl>
+                                        <p:attrNameLst>
+                                          <p:attrName>style.visibility</p:attrName>
+                                        </p:attrNameLst>
+                                      </p:cBhvr>
+                                      <p:to>
+                                        <p:strVal val="visible"/>
+                                      </p:to>
+                                    </p:set>
+                                  </p:childTnLst>
+                                </p:cTn>
+                              </p:par>
+                              <p:par>
+                                <p:cTn id="13" presetID="1" presetClass="entr" presetSubtype="0" fill="hold" nodeType="withEffect">
+                                  <p:stCondLst>
+                                    <p:cond delay="0"/>
+                                  </p:stCondLst>
+                                  <p:childTnLst>
+                                    <p:set>
+                                      <p:cBhvr>
+                                        <p:cTn id="14" dur="1" fill="hold">
+                                          <p:stCondLst>
+                                            <p:cond delay="0"/>
+                                          </p:stCondLst>
+                                        </p:cTn>
+                                        <p:tgtEl>
+                                          <p:spTgt spid="3">
+                                            <p:txEl>
+                                              <p:pRg st="3" end="3"/>
+                                            </p:txEl>
+                                          </p:spTgt>
+                                        </p:tgtEl>
+                                        <p:attrNameLst>
+                                          <p:attrName>style.visibility</p:attrName>
+                                        </p:attrNameLst>
+                                      </p:cBhvr>
+                                      <p:to>
+                                        <p:strVal val="visible"/>
+                                      </p:to>
+                                    </p:set>
+                                  </p:childTnLst>
+                                </p:cTn>
+                              </p:par>
+                            </p:childTnLst>
+                          </p:cTn>
+                        </p:par>
+                      </p:childTnLst>
+                    </p:cTn>
+                  </p:par>
+                  <p:par>
+                    <p:cTn id="15" fill="hold">
+                      <p:stCondLst>
+                        <p:cond delay="indefinite"/>
+                      </p:stCondLst>
+                      <p:childTnLst>
+                        <p:par>
+                          <p:cTn id="16" fill="hold">
+                            <p:stCondLst>
+                              <p:cond delay="0"/>
+                            </p:stCondLst>
+                            <p:childTnLst>
+                              <p:par>
+                                <p:cTn id="17" presetID="1" presetClass="entr" presetSubtype="0" fill="hold" nodeType="clickEffect">
+                                  <p:stCondLst>
+                                    <p:cond delay="0"/>
+                                  </p:stCondLst>
+                                  <p:childTnLst>
+                                    <p:set>
+                                      <p:cBhvr>
+                                        <p:cTn id="18" dur="1" fill="hold">
+                                          <p:stCondLst>
+                                            <p:cond delay="0"/>
+                                          </p:stCondLst>
+                                        </p:cTn>
+                                        <p:tgtEl>
+                                          <p:spTgt spid="3">
+                                            <p:txEl>
+                                              <p:pRg st="5" end="5"/>
+                                            </p:txEl>
+                                          </p:spTgt>
+                                        </p:tgtEl>
+                                        <p:attrNameLst>
+                                          <p:attrName>style.visibility</p:attrName>
+                                        </p:attrNameLst>
+                                      </p:cBhvr>
+                                      <p:to>
+                                        <p:strVal val="visible"/>
+                                      </p:to>
+                                    </p:set>
+                                  </p:childTnLst>
+                                </p:cTn>
+                              </p:par>
+                            </p:childTnLst>
+                          </p:cTn>
+                        </p:par>
+                      </p:childTnLst>
+                    </p:cTn>
+                  </p:par>
+                </p:childTnLst>
+              </p:cTn>
+              <p:prevCondLst>
+                <p:cond evt="onPrev" delay="0">
+                  <p:tgtEl>
+                    <p:sldTgt/>
+                  </p:tgtEl>
+                </p:cond>
+              </p:prevCondLst>
+              <p:nextCondLst>
+                <p:cond evt="onNext" delay="0">
+                  <p:tgtEl>
+                    <p:sldTgt/>
+                  </p:tgtEl>
+                </p:cond>
+              </p:nextCondLst>
+            </p:seq>
+          </p:childTnLst>
+        </p:cTn>
+      </p:par>
+    </p:tnLst>
+  </p:timing>
 </p:sld>
 </file>
 
@@ -7592,73 +9086,6 @@
           <a:chExt cx="0" cy="0"/>
         </a:xfrm>
       </p:grpSpPr>
-      <p:sp>
-        <p:nvSpPr>
-          <p:cNvPr id="2" name="Titre 1">
-            <a:extLst>
-              <a:ext uri="{FF2B5EF4-FFF2-40B4-BE49-F238E27FC236}">
-                <a16:creationId xmlns:a16="http://schemas.microsoft.com/office/drawing/2014/main" id="{CAA876EA-FED9-49A0-94CB-4283459215B9}"/>
-              </a:ext>
-            </a:extLst>
-          </p:cNvPr>
-          <p:cNvSpPr>
-            <a:spLocks noGrp="1"/>
-          </p:cNvSpPr>
-          <p:nvPr>
-            <p:ph type="ctrTitle"/>
-          </p:nvPr>
-        </p:nvSpPr>
-        <p:spPr>
-          <a:xfrm>
-            <a:off x="0" y="381317"/>
-            <a:ext cx="12191999" cy="1041083"/>
-          </a:xfrm>
-        </p:spPr>
-        <p:txBody>
-          <a:bodyPr>
-            <a:normAutofit/>
-          </a:bodyPr>
-          <a:lstStyle/>
-          <a:p>
-            <a:r>
-              <a:rPr lang="fr-FR" dirty="0"/>
-              <a:t>Test de comparaison sur les groupes</a:t>
-            </a:r>
-          </a:p>
-        </p:txBody>
-      </p:sp>
-      <p:sp>
-        <p:nvSpPr>
-          <p:cNvPr id="3" name="Sous-titre 2">
-            <a:extLst>
-              <a:ext uri="{FF2B5EF4-FFF2-40B4-BE49-F238E27FC236}">
-                <a16:creationId xmlns:a16="http://schemas.microsoft.com/office/drawing/2014/main" id="{218B9057-36A2-4CEF-8698-A320933B4FB0}"/>
-              </a:ext>
-            </a:extLst>
-          </p:cNvPr>
-          <p:cNvSpPr>
-            <a:spLocks noGrp="1"/>
-          </p:cNvSpPr>
-          <p:nvPr>
-            <p:ph type="subTitle" idx="1"/>
-          </p:nvPr>
-        </p:nvSpPr>
-        <p:spPr>
-          <a:xfrm>
-            <a:off x="1524000" y="1897539"/>
-            <a:ext cx="9245600" cy="3062922"/>
-          </a:xfrm>
-        </p:spPr>
-        <p:txBody>
-          <a:bodyPr>
-            <a:normAutofit/>
-          </a:bodyPr>
-          <a:lstStyle/>
-          <a:p>
-            <a:endParaRPr lang="fr-FR" dirty="0"/>
-          </a:p>
-        </p:txBody>
-      </p:sp>
       <p:pic>
         <p:nvPicPr>
           <p:cNvPr id="4" name="Image 3">
@@ -7674,7 +9101,7 @@
           <p:nvPr/>
         </p:nvPicPr>
         <p:blipFill>
-          <a:blip r:embed="rId2">
+          <a:blip r:embed="rId3">
             <a:extLst>
               <a:ext uri="{28A0092B-C50C-407E-A947-70E740481C1C}">
                 <a14:useLocalDpi xmlns:a14="http://schemas.microsoft.com/office/drawing/2010/main" val="0"/>
@@ -7695,83 +9122,61 @@
           </a:prstGeom>
         </p:spPr>
       </p:pic>
-    </p:spTree>
-    <p:extLst>
-      <p:ext uri="{BB962C8B-B14F-4D97-AF65-F5344CB8AC3E}">
-        <p14:creationId xmlns:p14="http://schemas.microsoft.com/office/powerpoint/2010/main" val="2002950817"/>
-      </p:ext>
-    </p:extLst>
-  </p:cSld>
-  <p:clrMapOvr>
-    <a:masterClrMapping/>
-  </p:clrMapOvr>
-</p:sld>
-</file>
-
-<file path=ppt/slides/slide19.xml><?xml version="1.0" encoding="utf-8"?>
-<p:sld xmlns:a="http://schemas.openxmlformats.org/drawingml/2006/main" xmlns:r="http://schemas.openxmlformats.org/officeDocument/2006/relationships" xmlns:p="http://schemas.openxmlformats.org/presentationml/2006/main">
-  <p:cSld>
-    <p:bg>
-      <p:bgPr>
-        <a:solidFill>
-          <a:schemeClr val="bg1"/>
-        </a:solidFill>
-        <a:effectLst/>
-      </p:bgPr>
-    </p:bg>
-    <p:spTree>
-      <p:nvGrpSpPr>
-        <p:cNvPr id="1" name=""/>
-        <p:cNvGrpSpPr/>
-        <p:nvPr/>
-      </p:nvGrpSpPr>
-      <p:grpSpPr>
-        <a:xfrm>
-          <a:off x="0" y="0"/>
-          <a:ext cx="0" cy="0"/>
-          <a:chOff x="0" y="0"/>
-          <a:chExt cx="0" cy="0"/>
-        </a:xfrm>
-      </p:grpSpPr>
-      <p:sp>
-        <p:nvSpPr>
-          <p:cNvPr id="12" name="Rectangle 11">
-            <a:extLst>
-              <a:ext uri="{FF2B5EF4-FFF2-40B4-BE49-F238E27FC236}">
-                <a16:creationId xmlns:a16="http://schemas.microsoft.com/office/drawing/2014/main" id="{C0B27210-D0CA-4654-B3E3-9ABB4F178EA1}"/>
-              </a:ext>
-              <a:ext uri="{C183D7F6-B498-43B3-948B-1728B52AA6E4}">
-                <adec:decorative xmlns:adec="http://schemas.microsoft.com/office/drawing/2017/decorative" val="1"/>
-              </a:ext>
-            </a:extLst>
-          </p:cNvPr>
-          <p:cNvSpPr>
-            <a:spLocks noGrp="1" noRot="1" noChangeAspect="1" noMove="1" noResize="1" noEditPoints="1" noAdjustHandles="1" noChangeArrowheads="1" noChangeShapeType="1" noTextEdit="1"/>
-          </p:cNvSpPr>
-          <p:nvPr>
-            <p:extLst>
-              <p:ext uri="{386F3935-93C4-4BCD-93E2-E3B085C9AB24}">
-                <p16:designElem xmlns:p16="http://schemas.microsoft.com/office/powerpoint/2015/main" val="1"/>
-              </p:ext>
-            </p:extLst>
-          </p:nvPr>
-        </p:nvSpPr>
+      <p:pic>
+        <p:nvPicPr>
+          <p:cNvPr id="10" name="Image 9">
+            <a:extLst>
+              <a:ext uri="{FF2B5EF4-FFF2-40B4-BE49-F238E27FC236}">
+                <a16:creationId xmlns:a16="http://schemas.microsoft.com/office/drawing/2014/main" id="{F75428F1-5598-4770-8103-6029590804E4}"/>
+              </a:ext>
+            </a:extLst>
+          </p:cNvPr>
+          <p:cNvPicPr>
+            <a:picLocks noChangeAspect="1"/>
+          </p:cNvPicPr>
+          <p:nvPr/>
+        </p:nvPicPr>
+        <p:blipFill>
+          <a:blip r:embed="rId4"/>
+          <a:stretch>
+            <a:fillRect/>
+          </a:stretch>
+        </p:blipFill>
         <p:spPr>
           <a:xfrm>
-            <a:off x="0" y="0"/>
-            <a:ext cx="12192000" cy="6858000"/>
+            <a:off x="481012" y="265552"/>
+            <a:ext cx="11229975" cy="2381250"/>
           </a:xfrm>
           <a:prstGeom prst="rect">
             <a:avLst/>
           </a:prstGeom>
-          <a:solidFill>
-            <a:schemeClr val="tx1">
-              <a:lumMod val="75000"/>
-              <a:lumOff val="25000"/>
-            </a:schemeClr>
-          </a:solidFill>
+        </p:spPr>
+      </p:pic>
+      <p:sp>
+        <p:nvSpPr>
+          <p:cNvPr id="12" name="Rectangle 11">
+            <a:extLst>
+              <a:ext uri="{FF2B5EF4-FFF2-40B4-BE49-F238E27FC236}">
+                <a16:creationId xmlns:a16="http://schemas.microsoft.com/office/drawing/2014/main" id="{FC245D41-4D04-455A-98AC-9436A5CDEEDB}"/>
+              </a:ext>
+            </a:extLst>
+          </p:cNvPr>
+          <p:cNvSpPr/>
+          <p:nvPr/>
+        </p:nvSpPr>
+        <p:spPr>
+          <a:xfrm>
+            <a:off x="481012" y="352540"/>
+            <a:ext cx="2196087" cy="242371"/>
+          </a:xfrm>
+          <a:prstGeom prst="rect">
+            <a:avLst/>
+          </a:prstGeom>
+          <a:noFill/>
           <a:ln>
-            <a:noFill/>
+            <a:solidFill>
+              <a:srgbClr val="FF0000"/>
+            </a:solidFill>
           </a:ln>
         </p:spPr>
         <p:style>
@@ -7795,202 +9200,35 @@
           <a:lstStyle/>
           <a:p>
             <a:pPr algn="ctr"/>
-            <a:endParaRPr lang="en-US"/>
-          </a:p>
-        </p:txBody>
-      </p:sp>
-      <p:sp>
-        <p:nvSpPr>
-          <p:cNvPr id="2" name="Titre 1">
-            <a:extLst>
-              <a:ext uri="{FF2B5EF4-FFF2-40B4-BE49-F238E27FC236}">
-                <a16:creationId xmlns:a16="http://schemas.microsoft.com/office/drawing/2014/main" id="{612FA98D-5214-442A-97A7-973984024AE3}"/>
-              </a:ext>
-            </a:extLst>
-          </p:cNvPr>
-          <p:cNvSpPr>
-            <a:spLocks noGrp="1"/>
-          </p:cNvSpPr>
-          <p:nvPr>
-            <p:ph type="title"/>
-          </p:nvPr>
+            <a:endParaRPr lang="fr-FR"/>
+          </a:p>
+        </p:txBody>
+      </p:sp>
+      <p:sp>
+        <p:nvSpPr>
+          <p:cNvPr id="13" name="Rectangle 12">
+            <a:extLst>
+              <a:ext uri="{FF2B5EF4-FFF2-40B4-BE49-F238E27FC236}">
+                <a16:creationId xmlns:a16="http://schemas.microsoft.com/office/drawing/2014/main" id="{6A4E765E-177C-4648-A181-F7932E134A24}"/>
+              </a:ext>
+            </a:extLst>
+          </p:cNvPr>
+          <p:cNvSpPr/>
+          <p:nvPr/>
         </p:nvSpPr>
         <p:spPr>
           <a:xfrm>
-            <a:off x="6746628" y="1783959"/>
-            <a:ext cx="4645250" cy="2889114"/>
+            <a:off x="2418146" y="594911"/>
+            <a:ext cx="1096236" cy="242371"/>
           </a:xfrm>
-        </p:spPr>
-        <p:txBody>
-          <a:bodyPr vert="horz" lIns="91440" tIns="45720" rIns="91440" bIns="45720" rtlCol="0" anchor="b">
-            <a:normAutofit/>
-          </a:bodyPr>
-          <a:lstStyle/>
-          <a:p>
-            <a:r>
-              <a:rPr lang="en-US" sz="6000" b="1" u="sng" kern="1200" dirty="0" err="1">
-                <a:solidFill>
-                  <a:schemeClr val="bg1"/>
-                </a:solidFill>
-                <a:latin typeface="+mj-lt"/>
-                <a:ea typeface="+mj-ea"/>
-                <a:cs typeface="+mj-cs"/>
-              </a:rPr>
-              <a:t>Résultats</a:t>
-            </a:r>
-            <a:r>
-              <a:rPr lang="en-US" sz="6000" b="1" u="sng" kern="1200" dirty="0">
-                <a:solidFill>
-                  <a:schemeClr val="bg1"/>
-                </a:solidFill>
-                <a:latin typeface="+mj-lt"/>
-                <a:ea typeface="+mj-ea"/>
-                <a:cs typeface="+mj-cs"/>
-              </a:rPr>
-              <a:t> de </a:t>
-            </a:r>
-            <a:r>
-              <a:rPr lang="en-US" sz="6000" b="1" u="sng" kern="1200" dirty="0" err="1">
-                <a:solidFill>
-                  <a:schemeClr val="bg1"/>
-                </a:solidFill>
-                <a:latin typeface="+mj-lt"/>
-                <a:ea typeface="+mj-ea"/>
-                <a:cs typeface="+mj-cs"/>
-              </a:rPr>
-              <a:t>l’étude</a:t>
-            </a:r>
-            <a:r>
-              <a:rPr lang="en-US" sz="6000" b="1" u="sng" kern="1200" dirty="0">
-                <a:solidFill>
-                  <a:schemeClr val="bg1"/>
-                </a:solidFill>
-                <a:latin typeface="+mj-lt"/>
-                <a:ea typeface="+mj-ea"/>
-                <a:cs typeface="+mj-cs"/>
-              </a:rPr>
-              <a:t> :</a:t>
-            </a:r>
-            <a:endParaRPr lang="en-US" sz="6000" kern="1200" dirty="0">
-              <a:solidFill>
-                <a:schemeClr val="bg1"/>
-              </a:solidFill>
-              <a:latin typeface="+mj-lt"/>
-              <a:ea typeface="+mj-ea"/>
-              <a:cs typeface="+mj-cs"/>
-            </a:endParaRPr>
-          </a:p>
-        </p:txBody>
-      </p:sp>
-      <p:sp>
-        <p:nvSpPr>
-          <p:cNvPr id="14" name="Freeform: Shape 13">
-            <a:extLst>
-              <a:ext uri="{FF2B5EF4-FFF2-40B4-BE49-F238E27FC236}">
-                <a16:creationId xmlns:a16="http://schemas.microsoft.com/office/drawing/2014/main" id="{1DB7C82F-AB7E-4F0C-B829-FA1B9C415180}"/>
-              </a:ext>
-              <a:ext uri="{C183D7F6-B498-43B3-948B-1728B52AA6E4}">
-                <adec:decorative xmlns:adec="http://schemas.microsoft.com/office/drawing/2017/decorative" val="1"/>
-              </a:ext>
-            </a:extLst>
-          </p:cNvPr>
-          <p:cNvSpPr>
-            <a:spLocks noGrp="1" noRot="1" noChangeAspect="1" noMove="1" noResize="1" noEditPoints="1" noAdjustHandles="1" noChangeArrowheads="1" noChangeShapeType="1" noTextEdit="1"/>
-          </p:cNvSpPr>
-          <p:nvPr>
-            <p:extLst>
-              <p:ext uri="{386F3935-93C4-4BCD-93E2-E3B085C9AB24}">
-                <p16:designElem xmlns:p16="http://schemas.microsoft.com/office/powerpoint/2015/main" val="1"/>
-              </p:ext>
-            </p:extLst>
-          </p:nvPr>
-        </p:nvSpPr>
-        <p:spPr>
-          <a:xfrm flipH="1">
-            <a:off x="0" y="0"/>
-            <a:ext cx="6172782" cy="6858000"/>
-          </a:xfrm>
-          <a:custGeom>
+          <a:prstGeom prst="rect">
             <a:avLst/>
-            <a:gdLst>
-              <a:gd name="connsiteX0" fmla="*/ 6172782 w 6172782"/>
-              <a:gd name="connsiteY0" fmla="*/ 0 h 6858000"/>
-              <a:gd name="connsiteX1" fmla="*/ 69075 w 6172782"/>
-              <a:gd name="connsiteY1" fmla="*/ 0 h 6858000"/>
-              <a:gd name="connsiteX2" fmla="*/ 35131 w 6172782"/>
-              <a:gd name="connsiteY2" fmla="*/ 267128 h 6858000"/>
-              <a:gd name="connsiteX3" fmla="*/ 0 w 6172782"/>
-              <a:gd name="connsiteY3" fmla="*/ 962845 h 6858000"/>
-              <a:gd name="connsiteX4" fmla="*/ 3276103 w 6172782"/>
-              <a:gd name="connsiteY4" fmla="*/ 6782205 h 6858000"/>
-              <a:gd name="connsiteX5" fmla="*/ 3407923 w 6172782"/>
-              <a:gd name="connsiteY5" fmla="*/ 6858000 h 6858000"/>
-              <a:gd name="connsiteX6" fmla="*/ 6172782 w 6172782"/>
-              <a:gd name="connsiteY6" fmla="*/ 6858000 h 6858000"/>
-            </a:gdLst>
-            <a:ahLst/>
-            <a:cxnLst>
-              <a:cxn ang="0">
-                <a:pos x="connsiteX0" y="connsiteY0"/>
-              </a:cxn>
-              <a:cxn ang="0">
-                <a:pos x="connsiteX1" y="connsiteY1"/>
-              </a:cxn>
-              <a:cxn ang="0">
-                <a:pos x="connsiteX2" y="connsiteY2"/>
-              </a:cxn>
-              <a:cxn ang="0">
-                <a:pos x="connsiteX3" y="connsiteY3"/>
-              </a:cxn>
-              <a:cxn ang="0">
-                <a:pos x="connsiteX4" y="connsiteY4"/>
-              </a:cxn>
-              <a:cxn ang="0">
-                <a:pos x="connsiteX5" y="connsiteY5"/>
-              </a:cxn>
-              <a:cxn ang="0">
-                <a:pos x="connsiteX6" y="connsiteY6"/>
-              </a:cxn>
-            </a:cxnLst>
-            <a:rect l="l" t="t" r="r" b="b"/>
-            <a:pathLst>
-              <a:path w="6172782" h="6858000">
-                <a:moveTo>
-                  <a:pt x="6172782" y="0"/>
-                </a:moveTo>
-                <a:lnTo>
-                  <a:pt x="69075" y="0"/>
-                </a:lnTo>
-                <a:lnTo>
-                  <a:pt x="35131" y="267128"/>
-                </a:lnTo>
-                <a:cubicBezTo>
-                  <a:pt x="11901" y="495874"/>
-                  <a:pt x="0" y="727970"/>
-                  <a:pt x="0" y="962845"/>
-                </a:cubicBezTo>
-                <a:cubicBezTo>
-                  <a:pt x="0" y="3429034"/>
-                  <a:pt x="1312002" y="5588789"/>
-                  <a:pt x="3276103" y="6782205"/>
-                </a:cubicBezTo>
-                <a:lnTo>
-                  <a:pt x="3407923" y="6858000"/>
-                </a:lnTo>
-                <a:lnTo>
-                  <a:pt x="6172782" y="6858000"/>
-                </a:lnTo>
-                <a:close/>
-              </a:path>
-            </a:pathLst>
-          </a:custGeom>
-          <a:solidFill>
-            <a:schemeClr val="bg1">
-              <a:alpha val="80000"/>
-            </a:schemeClr>
-          </a:solidFill>
+          </a:prstGeom>
+          <a:noFill/>
           <a:ln>
-            <a:noFill/>
+            <a:solidFill>
+              <a:srgbClr val="FF0000"/>
+            </a:solidFill>
           </a:ln>
         </p:spPr>
         <p:style>
@@ -8010,152 +9248,39 @@
           </a:fontRef>
         </p:style>
         <p:txBody>
-          <a:bodyPr wrap="square" rtlCol="0" anchor="ctr">
-            <a:noAutofit/>
-          </a:bodyPr>
+          <a:bodyPr rtlCol="0" anchor="ctr"/>
           <a:lstStyle/>
           <a:p>
-            <a:pPr marL="0" marR="0" lvl="0" indent="0" algn="ctr" defTabSz="914400" rtl="0" eaLnBrk="1" fontAlgn="auto" latinLnBrk="0" hangingPunct="1">
-              <a:lnSpc>
-                <a:spcPct val="100000"/>
-              </a:lnSpc>
-              <a:spcBef>
-                <a:spcPts val="0"/>
-              </a:spcBef>
-              <a:spcAft>
-                <a:spcPts val="0"/>
-              </a:spcAft>
-              <a:buClrTx/>
-              <a:buSzTx/>
-              <a:buFontTx/>
-              <a:buNone/>
-              <a:tabLst/>
-              <a:defRPr/>
-            </a:pPr>
-            <a:endParaRPr kumimoji="0" lang="en-US" sz="1800" b="0" i="0" u="none" strike="noStrike" kern="1200" cap="none" spc="0" normalizeH="0" baseline="0" noProof="0">
-              <a:ln>
-                <a:noFill/>
-              </a:ln>
-              <a:solidFill>
-                <a:prstClr val="white"/>
-              </a:solidFill>
-              <a:effectLst/>
-              <a:uLnTx/>
-              <a:uFillTx/>
-              <a:latin typeface="Calibri" panose="020F0502020204030204"/>
-              <a:ea typeface="+mn-ea"/>
-              <a:cs typeface="+mn-cs"/>
-            </a:endParaRPr>
-          </a:p>
-        </p:txBody>
-      </p:sp>
-      <p:sp>
-        <p:nvSpPr>
-          <p:cNvPr id="16" name="Freeform: Shape 15">
-            <a:extLst>
-              <a:ext uri="{FF2B5EF4-FFF2-40B4-BE49-F238E27FC236}">
-                <a16:creationId xmlns:a16="http://schemas.microsoft.com/office/drawing/2014/main" id="{70B66945-4967-4040-926D-DCA44313CDAB}"/>
-              </a:ext>
-              <a:ext uri="{C183D7F6-B498-43B3-948B-1728B52AA6E4}">
-                <adec:decorative xmlns:adec="http://schemas.microsoft.com/office/drawing/2017/decorative" val="1"/>
-              </a:ext>
-            </a:extLst>
-          </p:cNvPr>
-          <p:cNvSpPr>
-            <a:spLocks noGrp="1" noRot="1" noChangeAspect="1" noMove="1" noResize="1" noEditPoints="1" noAdjustHandles="1" noChangeArrowheads="1" noChangeShapeType="1" noTextEdit="1"/>
-          </p:cNvSpPr>
-          <p:nvPr>
-            <p:extLst>
-              <p:ext uri="{386F3935-93C4-4BCD-93E2-E3B085C9AB24}">
-                <p16:designElem xmlns:p16="http://schemas.microsoft.com/office/powerpoint/2015/main" val="1"/>
-              </p:ext>
-            </p:extLst>
-          </p:nvPr>
+            <a:pPr algn="ctr"/>
+            <a:endParaRPr lang="fr-FR"/>
+          </a:p>
+        </p:txBody>
+      </p:sp>
+      <p:sp>
+        <p:nvSpPr>
+          <p:cNvPr id="14" name="Rectangle 13">
+            <a:extLst>
+              <a:ext uri="{FF2B5EF4-FFF2-40B4-BE49-F238E27FC236}">
+                <a16:creationId xmlns:a16="http://schemas.microsoft.com/office/drawing/2014/main" id="{F369A425-737C-473B-BC5B-955EBDB8D398}"/>
+              </a:ext>
+            </a:extLst>
+          </p:cNvPr>
+          <p:cNvSpPr/>
+          <p:nvPr/>
         </p:nvSpPr>
         <p:spPr>
           <a:xfrm>
-            <a:off x="0" y="0"/>
-            <a:ext cx="6024154" cy="6858000"/>
+            <a:off x="3516189" y="594911"/>
+            <a:ext cx="3413421" cy="242371"/>
           </a:xfrm>
-          <a:custGeom>
+          <a:prstGeom prst="rect">
             <a:avLst/>
-            <a:gdLst>
-              <a:gd name="connsiteX0" fmla="*/ 0 w 6024154"/>
-              <a:gd name="connsiteY0" fmla="*/ 0 h 6858000"/>
-              <a:gd name="connsiteX1" fmla="*/ 5953780 w 6024154"/>
-              <a:gd name="connsiteY1" fmla="*/ 0 h 6858000"/>
-              <a:gd name="connsiteX2" fmla="*/ 5989880 w 6024154"/>
-              <a:gd name="connsiteY2" fmla="*/ 284091 h 6858000"/>
-              <a:gd name="connsiteX3" fmla="*/ 6024154 w 6024154"/>
-              <a:gd name="connsiteY3" fmla="*/ 962844 h 6858000"/>
-              <a:gd name="connsiteX4" fmla="*/ 2549934 w 6024154"/>
-              <a:gd name="connsiteY4" fmla="*/ 6800152 h 6858000"/>
-              <a:gd name="connsiteX5" fmla="*/ 2436987 w 6024154"/>
-              <a:gd name="connsiteY5" fmla="*/ 6858000 h 6858000"/>
-              <a:gd name="connsiteX6" fmla="*/ 0 w 6024154"/>
-              <a:gd name="connsiteY6" fmla="*/ 6858000 h 6858000"/>
-            </a:gdLst>
-            <a:ahLst/>
-            <a:cxnLst>
-              <a:cxn ang="0">
-                <a:pos x="connsiteX0" y="connsiteY0"/>
-              </a:cxn>
-              <a:cxn ang="0">
-                <a:pos x="connsiteX1" y="connsiteY1"/>
-              </a:cxn>
-              <a:cxn ang="0">
-                <a:pos x="connsiteX2" y="connsiteY2"/>
-              </a:cxn>
-              <a:cxn ang="0">
-                <a:pos x="connsiteX3" y="connsiteY3"/>
-              </a:cxn>
-              <a:cxn ang="0">
-                <a:pos x="connsiteX4" y="connsiteY4"/>
-              </a:cxn>
-              <a:cxn ang="0">
-                <a:pos x="connsiteX5" y="connsiteY5"/>
-              </a:cxn>
-              <a:cxn ang="0">
-                <a:pos x="connsiteX6" y="connsiteY6"/>
-              </a:cxn>
-            </a:cxnLst>
-            <a:rect l="l" t="t" r="r" b="b"/>
-            <a:pathLst>
-              <a:path w="6024154" h="6858000">
-                <a:moveTo>
-                  <a:pt x="0" y="0"/>
-                </a:moveTo>
-                <a:lnTo>
-                  <a:pt x="5953780" y="0"/>
-                </a:lnTo>
-                <a:lnTo>
-                  <a:pt x="5989880" y="284091"/>
-                </a:lnTo>
-                <a:cubicBezTo>
-                  <a:pt x="6012544" y="507260"/>
-                  <a:pt x="6024154" y="733696"/>
-                  <a:pt x="6024154" y="962844"/>
-                </a:cubicBezTo>
-                <a:cubicBezTo>
-                  <a:pt x="6024154" y="3483472"/>
-                  <a:pt x="4619336" y="5675986"/>
-                  <a:pt x="2549934" y="6800152"/>
-                </a:cubicBezTo>
-                <a:lnTo>
-                  <a:pt x="2436987" y="6858000"/>
-                </a:lnTo>
-                <a:lnTo>
-                  <a:pt x="0" y="6858000"/>
-                </a:lnTo>
-                <a:close/>
-              </a:path>
-            </a:pathLst>
-          </a:custGeom>
-          <a:solidFill>
-            <a:schemeClr val="bg1"/>
-          </a:solidFill>
+          </a:prstGeom>
+          <a:noFill/>
           <a:ln>
-            <a:noFill/>
+            <a:solidFill>
+              <a:srgbClr val="FF0000"/>
+            </a:solidFill>
           </a:ln>
         </p:spPr>
         <p:style>
@@ -8175,51 +9300,777 @@
           </a:fontRef>
         </p:style>
         <p:txBody>
-          <a:bodyPr wrap="square" rtlCol="0" anchor="ctr">
-            <a:noAutofit/>
+          <a:bodyPr rtlCol="0" anchor="ctr"/>
+          <a:lstStyle/>
+          <a:p>
+            <a:pPr algn="ctr"/>
+            <a:endParaRPr lang="fr-FR"/>
+          </a:p>
+        </p:txBody>
+      </p:sp>
+      <p:sp>
+        <p:nvSpPr>
+          <p:cNvPr id="15" name="Rectangle 14">
+            <a:extLst>
+              <a:ext uri="{FF2B5EF4-FFF2-40B4-BE49-F238E27FC236}">
+                <a16:creationId xmlns:a16="http://schemas.microsoft.com/office/drawing/2014/main" id="{0D15C45F-8EC5-4530-B77C-2984B32BB964}"/>
+              </a:ext>
+            </a:extLst>
+          </p:cNvPr>
+          <p:cNvSpPr/>
+          <p:nvPr/>
+        </p:nvSpPr>
+        <p:spPr>
+          <a:xfrm>
+            <a:off x="3514382" y="841986"/>
+            <a:ext cx="8108413" cy="491055"/>
+          </a:xfrm>
+          <a:prstGeom prst="rect">
+            <a:avLst/>
+          </a:prstGeom>
+          <a:noFill/>
+          <a:ln>
+            <a:solidFill>
+              <a:srgbClr val="FF0000"/>
+            </a:solidFill>
+          </a:ln>
+        </p:spPr>
+        <p:style>
+          <a:lnRef idx="2">
+            <a:schemeClr val="accent1">
+              <a:shade val="50000"/>
+            </a:schemeClr>
+          </a:lnRef>
+          <a:fillRef idx="1">
+            <a:schemeClr val="accent1"/>
+          </a:fillRef>
+          <a:effectRef idx="0">
+            <a:schemeClr val="accent1"/>
+          </a:effectRef>
+          <a:fontRef idx="minor">
+            <a:schemeClr val="lt1"/>
+          </a:fontRef>
+        </p:style>
+        <p:txBody>
+          <a:bodyPr rtlCol="0" anchor="ctr"/>
+          <a:lstStyle/>
+          <a:p>
+            <a:pPr algn="ctr"/>
+            <a:endParaRPr lang="fr-FR"/>
+          </a:p>
+        </p:txBody>
+      </p:sp>
+      <p:sp>
+        <p:nvSpPr>
+          <p:cNvPr id="16" name="Rectangle 15">
+            <a:extLst>
+              <a:ext uri="{FF2B5EF4-FFF2-40B4-BE49-F238E27FC236}">
+                <a16:creationId xmlns:a16="http://schemas.microsoft.com/office/drawing/2014/main" id="{CC20CF28-8AD2-4C1D-B3B9-1A642E4FD2E4}"/>
+              </a:ext>
+            </a:extLst>
+          </p:cNvPr>
+          <p:cNvSpPr/>
+          <p:nvPr/>
+        </p:nvSpPr>
+        <p:spPr>
+          <a:xfrm>
+            <a:off x="526857" y="1572963"/>
+            <a:ext cx="6402753" cy="1073839"/>
+          </a:xfrm>
+          <a:prstGeom prst="rect">
+            <a:avLst/>
+          </a:prstGeom>
+          <a:noFill/>
+          <a:ln>
+            <a:solidFill>
+              <a:srgbClr val="FF0000"/>
+            </a:solidFill>
+          </a:ln>
+        </p:spPr>
+        <p:style>
+          <a:lnRef idx="2">
+            <a:schemeClr val="accent1">
+              <a:shade val="50000"/>
+            </a:schemeClr>
+          </a:lnRef>
+          <a:fillRef idx="1">
+            <a:schemeClr val="accent1"/>
+          </a:fillRef>
+          <a:effectRef idx="0">
+            <a:schemeClr val="accent1"/>
+          </a:effectRef>
+          <a:fontRef idx="minor">
+            <a:schemeClr val="lt1"/>
+          </a:fontRef>
+        </p:style>
+        <p:txBody>
+          <a:bodyPr rtlCol="0" anchor="ctr"/>
+          <a:lstStyle/>
+          <a:p>
+            <a:pPr algn="ctr"/>
+            <a:endParaRPr lang="fr-FR"/>
+          </a:p>
+        </p:txBody>
+      </p:sp>
+      <p:graphicFrame>
+        <p:nvGraphicFramePr>
+          <p:cNvPr id="18" name="Tableau 17">
+            <a:extLst>
+              <a:ext uri="{FF2B5EF4-FFF2-40B4-BE49-F238E27FC236}">
+                <a16:creationId xmlns:a16="http://schemas.microsoft.com/office/drawing/2014/main" id="{2394C7B0-FC49-4EA1-98C5-85B4ADBCAB84}"/>
+              </a:ext>
+            </a:extLst>
+          </p:cNvPr>
+          <p:cNvGraphicFramePr>
+            <a:graphicFrameLocks noGrp="1"/>
+          </p:cNvGraphicFramePr>
+          <p:nvPr>
+            <p:extLst>
+              <p:ext uri="{D42A27DB-BD31-4B8C-83A1-F6EECF244321}">
+                <p14:modId xmlns:p14="http://schemas.microsoft.com/office/powerpoint/2010/main" val="2083897203"/>
+              </p:ext>
+            </p:extLst>
+          </p:nvPr>
+        </p:nvGraphicFramePr>
+        <p:xfrm>
+          <a:off x="3200806" y="2815584"/>
+          <a:ext cx="5790386" cy="3776864"/>
+        </p:xfrm>
+        <a:graphic>
+          <a:graphicData uri="http://schemas.openxmlformats.org/drawingml/2006/table">
+            <a:tbl>
+              <a:tblPr firstRow="1" bandRow="1">
+                <a:tableStyleId>{793D81CF-94F2-401A-BA57-92F5A7B2D0C5}</a:tableStyleId>
+              </a:tblPr>
+              <a:tblGrid>
+                <a:gridCol w="2895193">
+                  <a:extLst>
+                    <a:ext uri="{9D8B030D-6E8A-4147-A177-3AD203B41FA5}">
+                      <a16:colId xmlns:a16="http://schemas.microsoft.com/office/drawing/2014/main" val="3262618202"/>
+                    </a:ext>
+                  </a:extLst>
+                </a:gridCol>
+                <a:gridCol w="2895193">
+                  <a:extLst>
+                    <a:ext uri="{9D8B030D-6E8A-4147-A177-3AD203B41FA5}">
+                      <a16:colId xmlns:a16="http://schemas.microsoft.com/office/drawing/2014/main" val="189924069"/>
+                    </a:ext>
+                  </a:extLst>
+                </a:gridCol>
+              </a:tblGrid>
+              <a:tr h="472108">
+                <a:tc>
+                  <a:txBody>
+                    <a:bodyPr/>
+                    <a:lstStyle/>
+                    <a:p>
+                      <a:r>
+                        <a:rPr lang="fr-FR" u="sng" dirty="0"/>
+                        <a:t>Variable </a:t>
+                      </a:r>
+                    </a:p>
+                  </a:txBody>
+                  <a:tcPr/>
+                </a:tc>
+                <a:tc>
+                  <a:txBody>
+                    <a:bodyPr/>
+                    <a:lstStyle/>
+                    <a:p>
+                      <a:r>
+                        <a:rPr lang="fr-FR" u="sng" dirty="0"/>
+                        <a:t>Suit une loi normale</a:t>
+                      </a:r>
+                    </a:p>
+                  </a:txBody>
+                  <a:tcPr/>
+                </a:tc>
+                <a:extLst>
+                  <a:ext uri="{0D108BD9-81ED-4DB2-BD59-A6C34878D82A}">
+                    <a16:rowId xmlns:a16="http://schemas.microsoft.com/office/drawing/2014/main" val="2352717407"/>
+                  </a:ext>
+                </a:extLst>
+              </a:tr>
+              <a:tr h="472108">
+                <a:tc>
+                  <a:txBody>
+                    <a:bodyPr/>
+                    <a:lstStyle/>
+                    <a:p>
+                      <a:r>
+                        <a:rPr lang="fr-FR" b="1" dirty="0" err="1"/>
+                        <a:t>Ratio_pop</a:t>
+                      </a:r>
+                      <a:endParaRPr lang="fr-FR" b="1" dirty="0"/>
+                    </a:p>
+                  </a:txBody>
+                  <a:tcPr/>
+                </a:tc>
+                <a:tc>
+                  <a:txBody>
+                    <a:bodyPr/>
+                    <a:lstStyle/>
+                    <a:p>
+                      <a:r>
+                        <a:rPr lang="fr-FR" b="1" dirty="0"/>
+                        <a:t>Oui</a:t>
+                      </a:r>
+                    </a:p>
+                  </a:txBody>
+                  <a:tcPr/>
+                </a:tc>
+                <a:extLst>
+                  <a:ext uri="{0D108BD9-81ED-4DB2-BD59-A6C34878D82A}">
+                    <a16:rowId xmlns:a16="http://schemas.microsoft.com/office/drawing/2014/main" val="1299062537"/>
+                  </a:ext>
+                </a:extLst>
+              </a:tr>
+              <a:tr h="472108">
+                <a:tc>
+                  <a:txBody>
+                    <a:bodyPr/>
+                    <a:lstStyle/>
+                    <a:p>
+                      <a:r>
+                        <a:rPr lang="fr-FR" b="1" dirty="0" err="1"/>
+                        <a:t>Ratio_prot</a:t>
+                      </a:r>
+                      <a:endParaRPr lang="fr-FR" b="1" dirty="0"/>
+                    </a:p>
+                  </a:txBody>
+                  <a:tcPr/>
+                </a:tc>
+                <a:tc>
+                  <a:txBody>
+                    <a:bodyPr/>
+                    <a:lstStyle/>
+                    <a:p>
+                      <a:r>
+                        <a:rPr lang="fr-FR" b="1" dirty="0"/>
+                        <a:t>Oui</a:t>
+                      </a:r>
+                    </a:p>
+                  </a:txBody>
+                  <a:tcPr/>
+                </a:tc>
+                <a:extLst>
+                  <a:ext uri="{0D108BD9-81ED-4DB2-BD59-A6C34878D82A}">
+                    <a16:rowId xmlns:a16="http://schemas.microsoft.com/office/drawing/2014/main" val="3351131164"/>
+                  </a:ext>
+                </a:extLst>
+              </a:tr>
+              <a:tr h="472108">
+                <a:tc>
+                  <a:txBody>
+                    <a:bodyPr/>
+                    <a:lstStyle/>
+                    <a:p>
+                      <a:r>
+                        <a:rPr lang="fr-FR" b="1" dirty="0" err="1"/>
+                        <a:t>Dispo_prot</a:t>
+                      </a:r>
+                      <a:endParaRPr lang="fr-FR" b="1" dirty="0"/>
+                    </a:p>
+                  </a:txBody>
+                  <a:tcPr/>
+                </a:tc>
+                <a:tc>
+                  <a:txBody>
+                    <a:bodyPr/>
+                    <a:lstStyle/>
+                    <a:p>
+                      <a:r>
+                        <a:rPr lang="fr-FR" b="1" dirty="0"/>
+                        <a:t>Oui</a:t>
+                      </a:r>
+                    </a:p>
+                  </a:txBody>
+                  <a:tcPr/>
+                </a:tc>
+                <a:extLst>
+                  <a:ext uri="{0D108BD9-81ED-4DB2-BD59-A6C34878D82A}">
+                    <a16:rowId xmlns:a16="http://schemas.microsoft.com/office/drawing/2014/main" val="3222942787"/>
+                  </a:ext>
+                </a:extLst>
+              </a:tr>
+              <a:tr h="472108">
+                <a:tc>
+                  <a:txBody>
+                    <a:bodyPr/>
+                    <a:lstStyle/>
+                    <a:p>
+                      <a:r>
+                        <a:rPr lang="fr-FR" b="1" dirty="0" err="1"/>
+                        <a:t>Dispo_alim_tot</a:t>
+                      </a:r>
+                      <a:endParaRPr lang="fr-FR" b="1" dirty="0"/>
+                    </a:p>
+                  </a:txBody>
+                  <a:tcPr/>
+                </a:tc>
+                <a:tc>
+                  <a:txBody>
+                    <a:bodyPr/>
+                    <a:lstStyle/>
+                    <a:p>
+                      <a:r>
+                        <a:rPr lang="fr-FR" b="1" dirty="0"/>
+                        <a:t>Oui</a:t>
+                      </a:r>
+                    </a:p>
+                  </a:txBody>
+                  <a:tcPr/>
+                </a:tc>
+                <a:extLst>
+                  <a:ext uri="{0D108BD9-81ED-4DB2-BD59-A6C34878D82A}">
+                    <a16:rowId xmlns:a16="http://schemas.microsoft.com/office/drawing/2014/main" val="2710394125"/>
+                  </a:ext>
+                </a:extLst>
+              </a:tr>
+              <a:tr h="472108">
+                <a:tc>
+                  <a:txBody>
+                    <a:bodyPr/>
+                    <a:lstStyle/>
+                    <a:p>
+                      <a:r>
+                        <a:rPr lang="fr-FR" b="1" dirty="0"/>
+                        <a:t>PIB/h</a:t>
+                      </a:r>
+                    </a:p>
+                  </a:txBody>
+                  <a:tcPr/>
+                </a:tc>
+                <a:tc>
+                  <a:txBody>
+                    <a:bodyPr/>
+                    <a:lstStyle/>
+                    <a:p>
+                      <a:r>
+                        <a:rPr lang="fr-FR" b="1" dirty="0">
+                          <a:solidFill>
+                            <a:srgbClr val="FF0000"/>
+                          </a:solidFill>
+                        </a:rPr>
+                        <a:t>Non</a:t>
+                      </a:r>
+                    </a:p>
+                  </a:txBody>
+                  <a:tcPr/>
+                </a:tc>
+                <a:extLst>
+                  <a:ext uri="{0D108BD9-81ED-4DB2-BD59-A6C34878D82A}">
+                    <a16:rowId xmlns:a16="http://schemas.microsoft.com/office/drawing/2014/main" val="2917215250"/>
+                  </a:ext>
+                </a:extLst>
+              </a:tr>
+              <a:tr h="472108">
+                <a:tc>
+                  <a:txBody>
+                    <a:bodyPr/>
+                    <a:lstStyle/>
+                    <a:p>
+                      <a:r>
+                        <a:rPr lang="fr-FR" b="1" dirty="0" err="1"/>
+                        <a:t>Ratio_PIB</a:t>
+                      </a:r>
+                      <a:endParaRPr lang="fr-FR" b="1" dirty="0"/>
+                    </a:p>
+                  </a:txBody>
+                  <a:tcPr/>
+                </a:tc>
+                <a:tc>
+                  <a:txBody>
+                    <a:bodyPr/>
+                    <a:lstStyle/>
+                    <a:p>
+                      <a:r>
+                        <a:rPr lang="fr-FR" b="1" dirty="0"/>
+                        <a:t>Oui</a:t>
+                      </a:r>
+                    </a:p>
+                  </a:txBody>
+                  <a:tcPr/>
+                </a:tc>
+                <a:extLst>
+                  <a:ext uri="{0D108BD9-81ED-4DB2-BD59-A6C34878D82A}">
+                    <a16:rowId xmlns:a16="http://schemas.microsoft.com/office/drawing/2014/main" val="876718467"/>
+                  </a:ext>
+                </a:extLst>
+              </a:tr>
+              <a:tr h="472108">
+                <a:tc>
+                  <a:txBody>
+                    <a:bodyPr/>
+                    <a:lstStyle/>
+                    <a:p>
+                      <a:r>
+                        <a:rPr lang="fr-FR" b="1" dirty="0"/>
+                        <a:t>Import (poulet)</a:t>
+                      </a:r>
+                    </a:p>
+                  </a:txBody>
+                  <a:tcPr/>
+                </a:tc>
+                <a:tc>
+                  <a:txBody>
+                    <a:bodyPr/>
+                    <a:lstStyle/>
+                    <a:p>
+                      <a:r>
+                        <a:rPr lang="fr-FR" b="1" dirty="0">
+                          <a:solidFill>
+                            <a:srgbClr val="FF0000"/>
+                          </a:solidFill>
+                        </a:rPr>
+                        <a:t>Non</a:t>
+                      </a:r>
+                    </a:p>
+                  </a:txBody>
+                  <a:tcPr/>
+                </a:tc>
+                <a:extLst>
+                  <a:ext uri="{0D108BD9-81ED-4DB2-BD59-A6C34878D82A}">
+                    <a16:rowId xmlns:a16="http://schemas.microsoft.com/office/drawing/2014/main" val="2911430410"/>
+                  </a:ext>
+                </a:extLst>
+              </a:tr>
+            </a:tbl>
+          </a:graphicData>
+        </a:graphic>
+      </p:graphicFrame>
+    </p:spTree>
+    <p:extLst>
+      <p:ext uri="{BB962C8B-B14F-4D97-AF65-F5344CB8AC3E}">
+        <p14:creationId xmlns:p14="http://schemas.microsoft.com/office/powerpoint/2010/main" val="845730027"/>
+      </p:ext>
+    </p:extLst>
+  </p:cSld>
+  <p:clrMapOvr>
+    <a:masterClrMapping/>
+  </p:clrMapOvr>
+  <p:timing>
+    <p:tnLst>
+      <p:par>
+        <p:cTn id="1" dur="indefinite" restart="never" nodeType="tmRoot">
+          <p:childTnLst>
+            <p:seq concurrent="1" nextAc="seek">
+              <p:cTn id="2" dur="indefinite" nodeType="mainSeq">
+                <p:childTnLst>
+                  <p:par>
+                    <p:cTn id="3" fill="hold">
+                      <p:stCondLst>
+                        <p:cond delay="indefinite"/>
+                      </p:stCondLst>
+                      <p:childTnLst>
+                        <p:par>
+                          <p:cTn id="4" fill="hold">
+                            <p:stCondLst>
+                              <p:cond delay="0"/>
+                            </p:stCondLst>
+                            <p:childTnLst>
+                              <p:par>
+                                <p:cTn id="5" presetID="1" presetClass="entr" presetSubtype="0" fill="hold" grpId="0" nodeType="clickEffect">
+                                  <p:stCondLst>
+                                    <p:cond delay="0"/>
+                                  </p:stCondLst>
+                                  <p:childTnLst>
+                                    <p:set>
+                                      <p:cBhvr>
+                                        <p:cTn id="6" dur="1" fill="hold">
+                                          <p:stCondLst>
+                                            <p:cond delay="0"/>
+                                          </p:stCondLst>
+                                        </p:cTn>
+                                        <p:tgtEl>
+                                          <p:spTgt spid="12"/>
+                                        </p:tgtEl>
+                                        <p:attrNameLst>
+                                          <p:attrName>style.visibility</p:attrName>
+                                        </p:attrNameLst>
+                                      </p:cBhvr>
+                                      <p:to>
+                                        <p:strVal val="visible"/>
+                                      </p:to>
+                                    </p:set>
+                                  </p:childTnLst>
+                                </p:cTn>
+                              </p:par>
+                            </p:childTnLst>
+                          </p:cTn>
+                        </p:par>
+                      </p:childTnLst>
+                    </p:cTn>
+                  </p:par>
+                  <p:par>
+                    <p:cTn id="7" fill="hold">
+                      <p:stCondLst>
+                        <p:cond delay="indefinite"/>
+                      </p:stCondLst>
+                      <p:childTnLst>
+                        <p:par>
+                          <p:cTn id="8" fill="hold">
+                            <p:stCondLst>
+                              <p:cond delay="0"/>
+                            </p:stCondLst>
+                            <p:childTnLst>
+                              <p:par>
+                                <p:cTn id="9" presetID="1" presetClass="entr" presetSubtype="0" fill="hold" grpId="0" nodeType="clickEffect">
+                                  <p:stCondLst>
+                                    <p:cond delay="0"/>
+                                  </p:stCondLst>
+                                  <p:childTnLst>
+                                    <p:set>
+                                      <p:cBhvr>
+                                        <p:cTn id="10" dur="1" fill="hold">
+                                          <p:stCondLst>
+                                            <p:cond delay="0"/>
+                                          </p:stCondLst>
+                                        </p:cTn>
+                                        <p:tgtEl>
+                                          <p:spTgt spid="13"/>
+                                        </p:tgtEl>
+                                        <p:attrNameLst>
+                                          <p:attrName>style.visibility</p:attrName>
+                                        </p:attrNameLst>
+                                      </p:cBhvr>
+                                      <p:to>
+                                        <p:strVal val="visible"/>
+                                      </p:to>
+                                    </p:set>
+                                  </p:childTnLst>
+                                </p:cTn>
+                              </p:par>
+                            </p:childTnLst>
+                          </p:cTn>
+                        </p:par>
+                      </p:childTnLst>
+                    </p:cTn>
+                  </p:par>
+                  <p:par>
+                    <p:cTn id="11" fill="hold">
+                      <p:stCondLst>
+                        <p:cond delay="indefinite"/>
+                      </p:stCondLst>
+                      <p:childTnLst>
+                        <p:par>
+                          <p:cTn id="12" fill="hold">
+                            <p:stCondLst>
+                              <p:cond delay="0"/>
+                            </p:stCondLst>
+                            <p:childTnLst>
+                              <p:par>
+                                <p:cTn id="13" presetID="1" presetClass="entr" presetSubtype="0" fill="hold" grpId="0" nodeType="clickEffect">
+                                  <p:stCondLst>
+                                    <p:cond delay="0"/>
+                                  </p:stCondLst>
+                                  <p:childTnLst>
+                                    <p:set>
+                                      <p:cBhvr>
+                                        <p:cTn id="14" dur="1" fill="hold">
+                                          <p:stCondLst>
+                                            <p:cond delay="0"/>
+                                          </p:stCondLst>
+                                        </p:cTn>
+                                        <p:tgtEl>
+                                          <p:spTgt spid="15"/>
+                                        </p:tgtEl>
+                                        <p:attrNameLst>
+                                          <p:attrName>style.visibility</p:attrName>
+                                        </p:attrNameLst>
+                                      </p:cBhvr>
+                                      <p:to>
+                                        <p:strVal val="visible"/>
+                                      </p:to>
+                                    </p:set>
+                                  </p:childTnLst>
+                                </p:cTn>
+                              </p:par>
+                            </p:childTnLst>
+                          </p:cTn>
+                        </p:par>
+                      </p:childTnLst>
+                    </p:cTn>
+                  </p:par>
+                  <p:par>
+                    <p:cTn id="15" fill="hold">
+                      <p:stCondLst>
+                        <p:cond delay="indefinite"/>
+                      </p:stCondLst>
+                      <p:childTnLst>
+                        <p:par>
+                          <p:cTn id="16" fill="hold">
+                            <p:stCondLst>
+                              <p:cond delay="0"/>
+                            </p:stCondLst>
+                            <p:childTnLst>
+                              <p:par>
+                                <p:cTn id="17" presetID="1" presetClass="entr" presetSubtype="0" fill="hold" grpId="0" nodeType="clickEffect">
+                                  <p:stCondLst>
+                                    <p:cond delay="0"/>
+                                  </p:stCondLst>
+                                  <p:childTnLst>
+                                    <p:set>
+                                      <p:cBhvr>
+                                        <p:cTn id="18" dur="1" fill="hold">
+                                          <p:stCondLst>
+                                            <p:cond delay="0"/>
+                                          </p:stCondLst>
+                                        </p:cTn>
+                                        <p:tgtEl>
+                                          <p:spTgt spid="16"/>
+                                        </p:tgtEl>
+                                        <p:attrNameLst>
+                                          <p:attrName>style.visibility</p:attrName>
+                                        </p:attrNameLst>
+                                      </p:cBhvr>
+                                      <p:to>
+                                        <p:strVal val="visible"/>
+                                      </p:to>
+                                    </p:set>
+                                  </p:childTnLst>
+                                </p:cTn>
+                              </p:par>
+                            </p:childTnLst>
+                          </p:cTn>
+                        </p:par>
+                      </p:childTnLst>
+                    </p:cTn>
+                  </p:par>
+                  <p:par>
+                    <p:cTn id="19" fill="hold">
+                      <p:stCondLst>
+                        <p:cond delay="indefinite"/>
+                      </p:stCondLst>
+                      <p:childTnLst>
+                        <p:par>
+                          <p:cTn id="20" fill="hold">
+                            <p:stCondLst>
+                              <p:cond delay="0"/>
+                            </p:stCondLst>
+                            <p:childTnLst>
+                              <p:par>
+                                <p:cTn id="21" presetID="1" presetClass="entr" presetSubtype="0" fill="hold" nodeType="clickEffect">
+                                  <p:stCondLst>
+                                    <p:cond delay="0"/>
+                                  </p:stCondLst>
+                                  <p:childTnLst>
+                                    <p:set>
+                                      <p:cBhvr>
+                                        <p:cTn id="22" dur="1" fill="hold">
+                                          <p:stCondLst>
+                                            <p:cond delay="0"/>
+                                          </p:stCondLst>
+                                        </p:cTn>
+                                        <p:tgtEl>
+                                          <p:spTgt spid="18"/>
+                                        </p:tgtEl>
+                                        <p:attrNameLst>
+                                          <p:attrName>style.visibility</p:attrName>
+                                        </p:attrNameLst>
+                                      </p:cBhvr>
+                                      <p:to>
+                                        <p:strVal val="visible"/>
+                                      </p:to>
+                                    </p:set>
+                                  </p:childTnLst>
+                                </p:cTn>
+                              </p:par>
+                            </p:childTnLst>
+                          </p:cTn>
+                        </p:par>
+                      </p:childTnLst>
+                    </p:cTn>
+                  </p:par>
+                </p:childTnLst>
+              </p:cTn>
+              <p:prevCondLst>
+                <p:cond evt="onPrev" delay="0">
+                  <p:tgtEl>
+                    <p:sldTgt/>
+                  </p:tgtEl>
+                </p:cond>
+              </p:prevCondLst>
+              <p:nextCondLst>
+                <p:cond evt="onNext" delay="0">
+                  <p:tgtEl>
+                    <p:sldTgt/>
+                  </p:tgtEl>
+                </p:cond>
+              </p:nextCondLst>
+            </p:seq>
+          </p:childTnLst>
+        </p:cTn>
+      </p:par>
+    </p:tnLst>
+    <p:bldLst>
+      <p:bldP spid="12" grpId="0" animBg="1"/>
+      <p:bldP spid="13" grpId="0" animBg="1"/>
+      <p:bldP spid="15" grpId="0" animBg="1"/>
+      <p:bldP spid="16" grpId="0" animBg="1"/>
+    </p:bldLst>
+  </p:timing>
+</p:sld>
+</file>
+
+<file path=ppt/slides/slide19.xml><?xml version="1.0" encoding="utf-8"?>
+<p:sld xmlns:a="http://schemas.openxmlformats.org/drawingml/2006/main" xmlns:r="http://schemas.openxmlformats.org/officeDocument/2006/relationships" xmlns:p="http://schemas.openxmlformats.org/presentationml/2006/main">
+  <p:cSld>
+    <p:spTree>
+      <p:nvGrpSpPr>
+        <p:cNvPr id="1" name=""/>
+        <p:cNvGrpSpPr/>
+        <p:nvPr/>
+      </p:nvGrpSpPr>
+      <p:grpSpPr>
+        <a:xfrm>
+          <a:off x="0" y="0"/>
+          <a:ext cx="0" cy="0"/>
+          <a:chOff x="0" y="0"/>
+          <a:chExt cx="0" cy="0"/>
+        </a:xfrm>
+      </p:grpSpPr>
+      <p:sp>
+        <p:nvSpPr>
+          <p:cNvPr id="2" name="Titre 1">
+            <a:extLst>
+              <a:ext uri="{FF2B5EF4-FFF2-40B4-BE49-F238E27FC236}">
+                <a16:creationId xmlns:a16="http://schemas.microsoft.com/office/drawing/2014/main" id="{CAA876EA-FED9-49A0-94CB-4283459215B9}"/>
+              </a:ext>
+            </a:extLst>
+          </p:cNvPr>
+          <p:cNvSpPr>
+            <a:spLocks noGrp="1"/>
+          </p:cNvSpPr>
+          <p:nvPr>
+            <p:ph type="ctrTitle"/>
+          </p:nvPr>
+        </p:nvSpPr>
+        <p:spPr>
+          <a:xfrm>
+            <a:off x="0" y="381317"/>
+            <a:ext cx="12191999" cy="1041083"/>
+          </a:xfrm>
+        </p:spPr>
+        <p:txBody>
+          <a:bodyPr>
+            <a:normAutofit/>
           </a:bodyPr>
           <a:lstStyle/>
           <a:p>
-            <a:pPr marL="0" marR="0" lvl="0" indent="0" algn="ctr" defTabSz="914400" rtl="0" eaLnBrk="1" fontAlgn="auto" latinLnBrk="0" hangingPunct="1">
-              <a:lnSpc>
-                <a:spcPct val="100000"/>
-              </a:lnSpc>
-              <a:spcBef>
-                <a:spcPts val="0"/>
-              </a:spcBef>
-              <a:spcAft>
-                <a:spcPts val="0"/>
-              </a:spcAft>
-              <a:buClrTx/>
-              <a:buSzTx/>
-              <a:buFontTx/>
-              <a:buNone/>
-              <a:tabLst/>
-              <a:defRPr/>
-            </a:pPr>
-            <a:endParaRPr kumimoji="0" lang="en-US" sz="1800" b="0" i="0" u="none" strike="noStrike" kern="1200" cap="none" spc="0" normalizeH="0" baseline="0" noProof="0">
-              <a:ln>
-                <a:noFill/>
-              </a:ln>
-              <a:solidFill>
-                <a:prstClr val="white"/>
-              </a:solidFill>
-              <a:effectLst/>
-              <a:uLnTx/>
-              <a:uFillTx/>
-              <a:latin typeface="Calibri" panose="020F0502020204030204"/>
-              <a:ea typeface="+mn-ea"/>
-              <a:cs typeface="+mn-cs"/>
-            </a:endParaRPr>
+            <a:r>
+              <a:rPr lang="fr-FR" dirty="0"/>
+              <a:t>Test de comparaison sur les groupes</a:t>
+            </a:r>
           </a:p>
         </p:txBody>
       </p:sp>
       <p:pic>
         <p:nvPicPr>
-          <p:cNvPr id="7" name="Image 6">
-            <a:extLst>
-              <a:ext uri="{FF2B5EF4-FFF2-40B4-BE49-F238E27FC236}">
-                <a16:creationId xmlns:a16="http://schemas.microsoft.com/office/drawing/2014/main" id="{D021A57B-D205-40D5-8AF4-029DC3971843}"/>
+          <p:cNvPr id="4" name="Image 3">
+            <a:extLst>
+              <a:ext uri="{FF2B5EF4-FFF2-40B4-BE49-F238E27FC236}">
+                <a16:creationId xmlns:a16="http://schemas.microsoft.com/office/drawing/2014/main" id="{D86C892C-1E6D-41AC-9500-A62F2106E5BF}"/>
               </a:ext>
             </a:extLst>
           </p:cNvPr>
@@ -8229,7 +10080,7 @@
           <p:nvPr/>
         </p:nvPicPr>
         <p:blipFill>
-          <a:blip r:embed="rId3">
+          <a:blip r:embed="rId2">
             <a:extLst>
               <a:ext uri="{28A0092B-C50C-407E-A947-70E740481C1C}">
                 <a14:useLocalDpi xmlns:a14="http://schemas.microsoft.com/office/drawing/2010/main" val="0"/>
@@ -8242,18 +10093,68 @@
         </p:blipFill>
         <p:spPr>
           <a:xfrm>
-            <a:off x="419382" y="720993"/>
-            <a:ext cx="4047843" cy="4047843"/>
+            <a:off x="10769600" y="5435600"/>
+            <a:ext cx="1422400" cy="1422400"/>
           </a:xfrm>
           <a:prstGeom prst="rect">
             <a:avLst/>
           </a:prstGeom>
         </p:spPr>
       </p:pic>
+      <p:sp>
+        <p:nvSpPr>
+          <p:cNvPr id="5" name="ZoneTexte 4">
+            <a:extLst>
+              <a:ext uri="{FF2B5EF4-FFF2-40B4-BE49-F238E27FC236}">
+                <a16:creationId xmlns:a16="http://schemas.microsoft.com/office/drawing/2014/main" id="{12A2BE7E-2453-4960-9F9F-0ABCFB98C6CA}"/>
+              </a:ext>
+            </a:extLst>
+          </p:cNvPr>
+          <p:cNvSpPr txBox="1"/>
+          <p:nvPr/>
+        </p:nvSpPr>
+        <p:spPr>
+          <a:xfrm>
+            <a:off x="2088292" y="2496065"/>
+            <a:ext cx="7710616" cy="2308324"/>
+          </a:xfrm>
+          <a:prstGeom prst="rect">
+            <a:avLst/>
+          </a:prstGeom>
+          <a:noFill/>
+        </p:spPr>
+        <p:txBody>
+          <a:bodyPr wrap="square" rtlCol="0">
+            <a:spAutoFit/>
+          </a:bodyPr>
+          <a:lstStyle/>
+          <a:p>
+            <a:r>
+              <a:rPr lang="fr-FR" dirty="0"/>
+              <a:t>Le but de ce test est de vérifier que les différents Clusters diffèrent bien entre eux ; </a:t>
+            </a:r>
+          </a:p>
+          <a:p>
+            <a:r>
+              <a:rPr lang="fr-FR" dirty="0"/>
+              <a:t>Pour cela nous allons faire un test de comparaison sur la Variance et la Moyenne entre deux Clusters.</a:t>
+            </a:r>
+          </a:p>
+          <a:p>
+            <a:endParaRPr lang="fr-FR" dirty="0"/>
+          </a:p>
+          <a:p>
+            <a:r>
+              <a:rPr lang="fr-FR" dirty="0"/>
+              <a:t>Pour que deux Clusters soient effectivement différents, il faut que leur Variances soient égales (ils suivent la même loi normale), mais que leur moyennes diffèrent.</a:t>
+            </a:r>
+          </a:p>
+        </p:txBody>
+      </p:sp>
     </p:spTree>
     <p:extLst>
       <p:ext uri="{BB962C8B-B14F-4D97-AF65-F5344CB8AC3E}">
-        <p14:creationId xmlns:p14="http://schemas.microsoft.com/office/powerpoint/2010/main" val="1730779172"/>
+        <p14:creationId xmlns:p14="http://schemas.microsoft.com/office/powerpoint/2010/main" val="2002950817"/>
       </p:ext>
     </p:extLst>
   </p:cSld>
@@ -9048,41 +10949,8 @@
         </p:nvSpPr>
         <p:spPr>
           <a:xfrm>
-            <a:off x="1524000" y="335279"/>
-            <a:ext cx="9144000" cy="1041083"/>
-          </a:xfrm>
-        </p:spPr>
-        <p:txBody>
-          <a:bodyPr/>
-          <a:lstStyle/>
-          <a:p>
-            <a:r>
-              <a:rPr lang="fr-FR" dirty="0"/>
-              <a:t>Voici la liste : </a:t>
-            </a:r>
-          </a:p>
-        </p:txBody>
-      </p:sp>
-      <p:sp>
-        <p:nvSpPr>
-          <p:cNvPr id="3" name="Sous-titre 2">
-            <a:extLst>
-              <a:ext uri="{FF2B5EF4-FFF2-40B4-BE49-F238E27FC236}">
-                <a16:creationId xmlns:a16="http://schemas.microsoft.com/office/drawing/2014/main" id="{218B9057-36A2-4CEF-8698-A320933B4FB0}"/>
-              </a:ext>
-            </a:extLst>
-          </p:cNvPr>
-          <p:cNvSpPr>
-            <a:spLocks noGrp="1"/>
-          </p:cNvSpPr>
-          <p:nvPr>
-            <p:ph type="subTitle" idx="1"/>
-          </p:nvPr>
-        </p:nvSpPr>
-        <p:spPr>
-          <a:xfrm>
-            <a:off x="1524000" y="1897539"/>
-            <a:ext cx="9245600" cy="3062922"/>
+            <a:off x="0" y="381317"/>
+            <a:ext cx="12191999" cy="1041083"/>
           </a:xfrm>
         </p:spPr>
         <p:txBody>
@@ -9091,7 +10959,10 @@
           </a:bodyPr>
           <a:lstStyle/>
           <a:p>
-            <a:endParaRPr lang="fr-FR" dirty="0"/>
+            <a:r>
+              <a:rPr lang="fr-FR" dirty="0"/>
+              <a:t>Préparation des fichiers</a:t>
+            </a:r>
           </a:p>
         </p:txBody>
       </p:sp>
@@ -9110,7 +10981,7 @@
           <p:nvPr/>
         </p:nvPicPr>
         <p:blipFill>
-          <a:blip r:embed="rId2">
+          <a:blip r:embed="rId3">
             <a:extLst>
               <a:ext uri="{28A0092B-C50C-407E-A947-70E740481C1C}">
                 <a14:useLocalDpi xmlns:a14="http://schemas.microsoft.com/office/drawing/2010/main" val="0"/>
@@ -9131,10 +11002,40 @@
           </a:prstGeom>
         </p:spPr>
       </p:pic>
+      <p:pic>
+        <p:nvPicPr>
+          <p:cNvPr id="3" name="Image 2">
+            <a:extLst>
+              <a:ext uri="{FF2B5EF4-FFF2-40B4-BE49-F238E27FC236}">
+                <a16:creationId xmlns:a16="http://schemas.microsoft.com/office/drawing/2014/main" id="{13308D89-6EF3-49FA-9DB9-8DAF356FC84F}"/>
+              </a:ext>
+            </a:extLst>
+          </p:cNvPr>
+          <p:cNvPicPr>
+            <a:picLocks noChangeAspect="1"/>
+          </p:cNvPicPr>
+          <p:nvPr/>
+        </p:nvPicPr>
+        <p:blipFill>
+          <a:blip r:embed="rId4"/>
+          <a:stretch>
+            <a:fillRect/>
+          </a:stretch>
+        </p:blipFill>
+        <p:spPr>
+          <a:xfrm>
+            <a:off x="623435" y="2530852"/>
+            <a:ext cx="10945127" cy="1796295"/>
+          </a:xfrm>
+          <a:prstGeom prst="rect">
+            <a:avLst/>
+          </a:prstGeom>
+        </p:spPr>
+      </p:pic>
     </p:spTree>
     <p:extLst>
       <p:ext uri="{BB962C8B-B14F-4D97-AF65-F5344CB8AC3E}">
-        <p14:creationId xmlns:p14="http://schemas.microsoft.com/office/powerpoint/2010/main" val="650731593"/>
+        <p14:creationId xmlns:p14="http://schemas.microsoft.com/office/powerpoint/2010/main" val="3687592911"/>
       </p:ext>
     </p:extLst>
   </p:cSld>
@@ -9179,38 +11080,8 @@
         </p:nvSpPr>
         <p:spPr>
           <a:xfrm>
-            <a:off x="1524000" y="335279"/>
-            <a:ext cx="9144000" cy="1041083"/>
-          </a:xfrm>
-        </p:spPr>
-        <p:txBody>
-          <a:bodyPr/>
-          <a:lstStyle/>
-          <a:p>
-            <a:endParaRPr lang="fr-FR" dirty="0"/>
-          </a:p>
-        </p:txBody>
-      </p:sp>
-      <p:sp>
-        <p:nvSpPr>
-          <p:cNvPr id="3" name="Sous-titre 2">
-            <a:extLst>
-              <a:ext uri="{FF2B5EF4-FFF2-40B4-BE49-F238E27FC236}">
-                <a16:creationId xmlns:a16="http://schemas.microsoft.com/office/drawing/2014/main" id="{218B9057-36A2-4CEF-8698-A320933B4FB0}"/>
-              </a:ext>
-            </a:extLst>
-          </p:cNvPr>
-          <p:cNvSpPr>
-            <a:spLocks noGrp="1"/>
-          </p:cNvSpPr>
-          <p:nvPr>
-            <p:ph type="subTitle" idx="1"/>
-          </p:nvPr>
-        </p:nvSpPr>
-        <p:spPr>
-          <a:xfrm>
-            <a:off x="1524000" y="1897539"/>
-            <a:ext cx="9245600" cy="3062922"/>
+            <a:off x="0" y="381317"/>
+            <a:ext cx="12191999" cy="1041083"/>
           </a:xfrm>
         </p:spPr>
         <p:txBody>
@@ -9219,7 +11090,10 @@
           </a:bodyPr>
           <a:lstStyle/>
           <a:p>
-            <a:endParaRPr lang="fr-FR" dirty="0"/>
+            <a:r>
+              <a:rPr lang="fr-FR" dirty="0"/>
+              <a:t>Test sur les variances :</a:t>
+            </a:r>
           </a:p>
         </p:txBody>
       </p:sp>
@@ -9238,7 +11112,7 @@
           <p:nvPr/>
         </p:nvPicPr>
         <p:blipFill>
-          <a:blip r:embed="rId2">
+          <a:blip r:embed="rId3">
             <a:extLst>
               <a:ext uri="{28A0092B-C50C-407E-A947-70E740481C1C}">
                 <a14:useLocalDpi xmlns:a14="http://schemas.microsoft.com/office/drawing/2010/main" val="0"/>
@@ -9259,16 +11133,226 @@
           </a:prstGeom>
         </p:spPr>
       </p:pic>
+      <p:pic>
+        <p:nvPicPr>
+          <p:cNvPr id="7" name="Image 6">
+            <a:extLst>
+              <a:ext uri="{FF2B5EF4-FFF2-40B4-BE49-F238E27FC236}">
+                <a16:creationId xmlns:a16="http://schemas.microsoft.com/office/drawing/2014/main" id="{E6FAB4E2-E70B-4E20-8380-943659DD8CAB}"/>
+              </a:ext>
+            </a:extLst>
+          </p:cNvPr>
+          <p:cNvPicPr>
+            <a:picLocks noChangeAspect="1"/>
+          </p:cNvPicPr>
+          <p:nvPr/>
+        </p:nvPicPr>
+        <p:blipFill>
+          <a:blip r:embed="rId4"/>
+          <a:stretch>
+            <a:fillRect/>
+          </a:stretch>
+        </p:blipFill>
+        <p:spPr>
+          <a:xfrm>
+            <a:off x="581024" y="1589258"/>
+            <a:ext cx="11029950" cy="1381125"/>
+          </a:xfrm>
+          <a:prstGeom prst="rect">
+            <a:avLst/>
+          </a:prstGeom>
+        </p:spPr>
+      </p:pic>
+      <p:pic>
+        <p:nvPicPr>
+          <p:cNvPr id="8" name="Image 7">
+            <a:extLst>
+              <a:ext uri="{FF2B5EF4-FFF2-40B4-BE49-F238E27FC236}">
+                <a16:creationId xmlns:a16="http://schemas.microsoft.com/office/drawing/2014/main" id="{EF6F59F5-EEF5-4D3E-B597-5979FDE4D704}"/>
+              </a:ext>
+            </a:extLst>
+          </p:cNvPr>
+          <p:cNvPicPr>
+            <a:picLocks noChangeAspect="1"/>
+          </p:cNvPicPr>
+          <p:nvPr/>
+        </p:nvPicPr>
+        <p:blipFill>
+          <a:blip r:embed="rId5"/>
+          <a:stretch>
+            <a:fillRect/>
+          </a:stretch>
+        </p:blipFill>
+        <p:spPr>
+          <a:xfrm>
+            <a:off x="581024" y="3137241"/>
+            <a:ext cx="11049000" cy="1390650"/>
+          </a:xfrm>
+          <a:prstGeom prst="rect">
+            <a:avLst/>
+          </a:prstGeom>
+        </p:spPr>
+      </p:pic>
+      <p:pic>
+        <p:nvPicPr>
+          <p:cNvPr id="9" name="Image 8">
+            <a:extLst>
+              <a:ext uri="{FF2B5EF4-FFF2-40B4-BE49-F238E27FC236}">
+                <a16:creationId xmlns:a16="http://schemas.microsoft.com/office/drawing/2014/main" id="{61AC62B8-A77A-4042-AD1D-18EC8D6DA641}"/>
+              </a:ext>
+            </a:extLst>
+          </p:cNvPr>
+          <p:cNvPicPr>
+            <a:picLocks noChangeAspect="1"/>
+          </p:cNvPicPr>
+          <p:nvPr/>
+        </p:nvPicPr>
+        <p:blipFill>
+          <a:blip r:embed="rId6"/>
+          <a:stretch>
+            <a:fillRect/>
+          </a:stretch>
+        </p:blipFill>
+        <p:spPr>
+          <a:xfrm>
+            <a:off x="581024" y="4948239"/>
+            <a:ext cx="8391525" cy="314325"/>
+          </a:xfrm>
+          <a:prstGeom prst="rect">
+            <a:avLst/>
+          </a:prstGeom>
+        </p:spPr>
+      </p:pic>
     </p:spTree>
     <p:extLst>
       <p:ext uri="{BB962C8B-B14F-4D97-AF65-F5344CB8AC3E}">
-        <p14:creationId xmlns:p14="http://schemas.microsoft.com/office/powerpoint/2010/main" val="2791180461"/>
+        <p14:creationId xmlns:p14="http://schemas.microsoft.com/office/powerpoint/2010/main" val="1836869086"/>
       </p:ext>
     </p:extLst>
   </p:cSld>
   <p:clrMapOvr>
     <a:masterClrMapping/>
   </p:clrMapOvr>
+  <p:timing>
+    <p:tnLst>
+      <p:par>
+        <p:cTn id="1" dur="indefinite" restart="never" nodeType="tmRoot">
+          <p:childTnLst>
+            <p:seq concurrent="1" nextAc="seek">
+              <p:cTn id="2" dur="indefinite" nodeType="mainSeq">
+                <p:childTnLst>
+                  <p:par>
+                    <p:cTn id="3" fill="hold">
+                      <p:stCondLst>
+                        <p:cond delay="indefinite"/>
+                      </p:stCondLst>
+                      <p:childTnLst>
+                        <p:par>
+                          <p:cTn id="4" fill="hold">
+                            <p:stCondLst>
+                              <p:cond delay="0"/>
+                            </p:stCondLst>
+                            <p:childTnLst>
+                              <p:par>
+                                <p:cTn id="5" presetID="1" presetClass="entr" presetSubtype="0" fill="hold" nodeType="clickEffect">
+                                  <p:stCondLst>
+                                    <p:cond delay="0"/>
+                                  </p:stCondLst>
+                                  <p:childTnLst>
+                                    <p:set>
+                                      <p:cBhvr>
+                                        <p:cTn id="6" dur="1" fill="hold">
+                                          <p:stCondLst>
+                                            <p:cond delay="0"/>
+                                          </p:stCondLst>
+                                        </p:cTn>
+                                        <p:tgtEl>
+                                          <p:spTgt spid="8"/>
+                                        </p:tgtEl>
+                                        <p:attrNameLst>
+                                          <p:attrName>style.visibility</p:attrName>
+                                        </p:attrNameLst>
+                                      </p:cBhvr>
+                                      <p:to>
+                                        <p:strVal val="visible"/>
+                                      </p:to>
+                                    </p:set>
+                                  </p:childTnLst>
+                                </p:cTn>
+                              </p:par>
+                            </p:childTnLst>
+                          </p:cTn>
+                        </p:par>
+                      </p:childTnLst>
+                    </p:cTn>
+                  </p:par>
+                  <p:par>
+                    <p:cTn id="7" fill="hold">
+                      <p:stCondLst>
+                        <p:cond delay="indefinite"/>
+                      </p:stCondLst>
+                      <p:childTnLst>
+                        <p:par>
+                          <p:cTn id="8" fill="hold">
+                            <p:stCondLst>
+                              <p:cond delay="0"/>
+                            </p:stCondLst>
+                            <p:childTnLst>
+                              <p:par>
+                                <p:cTn id="9" presetID="1" presetClass="entr" presetSubtype="0" fill="hold" nodeType="clickEffect">
+                                  <p:stCondLst>
+                                    <p:cond delay="0"/>
+                                  </p:stCondLst>
+                                  <p:childTnLst>
+                                    <p:set>
+                                      <p:cBhvr>
+                                        <p:cTn id="10" dur="1" fill="hold">
+                                          <p:stCondLst>
+                                            <p:cond delay="0"/>
+                                          </p:stCondLst>
+                                        </p:cTn>
+                                        <p:tgtEl>
+                                          <p:spTgt spid="9"/>
+                                        </p:tgtEl>
+                                        <p:attrNameLst>
+                                          <p:attrName>style.visibility</p:attrName>
+                                        </p:attrNameLst>
+                                      </p:cBhvr>
+                                      <p:to>
+                                        <p:strVal val="visible"/>
+                                      </p:to>
+                                    </p:set>
+                                  </p:childTnLst>
+                                </p:cTn>
+                              </p:par>
+                            </p:childTnLst>
+                          </p:cTn>
+                        </p:par>
+                      </p:childTnLst>
+                    </p:cTn>
+                  </p:par>
+                </p:childTnLst>
+              </p:cTn>
+              <p:prevCondLst>
+                <p:cond evt="onPrev" delay="0">
+                  <p:tgtEl>
+                    <p:sldTgt/>
+                  </p:tgtEl>
+                </p:cond>
+              </p:prevCondLst>
+              <p:nextCondLst>
+                <p:cond evt="onNext" delay="0">
+                  <p:tgtEl>
+                    <p:sldTgt/>
+                  </p:tgtEl>
+                </p:cond>
+              </p:nextCondLst>
+            </p:seq>
+          </p:childTnLst>
+        </p:cTn>
+      </p:par>
+    </p:tnLst>
+  </p:timing>
 </p:sld>
 </file>
 
@@ -9307,38 +11391,8 @@
         </p:nvSpPr>
         <p:spPr>
           <a:xfrm>
-            <a:off x="1524000" y="335279"/>
-            <a:ext cx="9144000" cy="1041083"/>
-          </a:xfrm>
-        </p:spPr>
-        <p:txBody>
-          <a:bodyPr/>
-          <a:lstStyle/>
-          <a:p>
-            <a:endParaRPr lang="fr-FR" dirty="0"/>
-          </a:p>
-        </p:txBody>
-      </p:sp>
-      <p:sp>
-        <p:nvSpPr>
-          <p:cNvPr id="3" name="Sous-titre 2">
-            <a:extLst>
-              <a:ext uri="{FF2B5EF4-FFF2-40B4-BE49-F238E27FC236}">
-                <a16:creationId xmlns:a16="http://schemas.microsoft.com/office/drawing/2014/main" id="{218B9057-36A2-4CEF-8698-A320933B4FB0}"/>
-              </a:ext>
-            </a:extLst>
-          </p:cNvPr>
-          <p:cNvSpPr>
-            <a:spLocks noGrp="1"/>
-          </p:cNvSpPr>
-          <p:nvPr>
-            <p:ph type="subTitle" idx="1"/>
-          </p:nvPr>
-        </p:nvSpPr>
-        <p:spPr>
-          <a:xfrm>
-            <a:off x="1524000" y="1897539"/>
-            <a:ext cx="9245600" cy="3062922"/>
+            <a:off x="0" y="381317"/>
+            <a:ext cx="12191999" cy="1041083"/>
           </a:xfrm>
         </p:spPr>
         <p:txBody>
@@ -9347,7 +11401,10 @@
           </a:bodyPr>
           <a:lstStyle/>
           <a:p>
-            <a:endParaRPr lang="fr-FR" dirty="0"/>
+            <a:r>
+              <a:rPr lang="fr-FR" dirty="0"/>
+              <a:t>Test sur les moyennes :</a:t>
+            </a:r>
           </a:p>
         </p:txBody>
       </p:sp>
@@ -9366,7 +11423,7 @@
           <p:nvPr/>
         </p:nvPicPr>
         <p:blipFill>
-          <a:blip r:embed="rId2">
+          <a:blip r:embed="rId3">
             <a:extLst>
               <a:ext uri="{28A0092B-C50C-407E-A947-70E740481C1C}">
                 <a14:useLocalDpi xmlns:a14="http://schemas.microsoft.com/office/drawing/2010/main" val="0"/>
@@ -9387,16 +11444,226 @@
           </a:prstGeom>
         </p:spPr>
       </p:pic>
+      <p:pic>
+        <p:nvPicPr>
+          <p:cNvPr id="3" name="Image 2">
+            <a:extLst>
+              <a:ext uri="{FF2B5EF4-FFF2-40B4-BE49-F238E27FC236}">
+                <a16:creationId xmlns:a16="http://schemas.microsoft.com/office/drawing/2014/main" id="{66BC3EB4-E42E-431F-8384-903505664D65}"/>
+              </a:ext>
+            </a:extLst>
+          </p:cNvPr>
+          <p:cNvPicPr>
+            <a:picLocks noChangeAspect="1"/>
+          </p:cNvPicPr>
+          <p:nvPr/>
+        </p:nvPicPr>
+        <p:blipFill>
+          <a:blip r:embed="rId4"/>
+          <a:stretch>
+            <a:fillRect/>
+          </a:stretch>
+        </p:blipFill>
+        <p:spPr>
+          <a:xfrm>
+            <a:off x="1685924" y="1422400"/>
+            <a:ext cx="8820150" cy="1590675"/>
+          </a:xfrm>
+          <a:prstGeom prst="rect">
+            <a:avLst/>
+          </a:prstGeom>
+        </p:spPr>
+      </p:pic>
+      <p:pic>
+        <p:nvPicPr>
+          <p:cNvPr id="5" name="Image 4">
+            <a:extLst>
+              <a:ext uri="{FF2B5EF4-FFF2-40B4-BE49-F238E27FC236}">
+                <a16:creationId xmlns:a16="http://schemas.microsoft.com/office/drawing/2014/main" id="{83B2A1EB-E0CE-48FD-A0D5-54202D6A8707}"/>
+              </a:ext>
+            </a:extLst>
+          </p:cNvPr>
+          <p:cNvPicPr>
+            <a:picLocks noChangeAspect="1"/>
+          </p:cNvPicPr>
+          <p:nvPr/>
+        </p:nvPicPr>
+        <p:blipFill>
+          <a:blip r:embed="rId5"/>
+          <a:stretch>
+            <a:fillRect/>
+          </a:stretch>
+        </p:blipFill>
+        <p:spPr>
+          <a:xfrm>
+            <a:off x="1652586" y="3145052"/>
+            <a:ext cx="8886825" cy="1581150"/>
+          </a:xfrm>
+          <a:prstGeom prst="rect">
+            <a:avLst/>
+          </a:prstGeom>
+        </p:spPr>
+      </p:pic>
+      <p:pic>
+        <p:nvPicPr>
+          <p:cNvPr id="6" name="Image 5">
+            <a:extLst>
+              <a:ext uri="{FF2B5EF4-FFF2-40B4-BE49-F238E27FC236}">
+                <a16:creationId xmlns:a16="http://schemas.microsoft.com/office/drawing/2014/main" id="{5CAEDE1C-57E3-49F5-A848-16B504F627C0}"/>
+              </a:ext>
+            </a:extLst>
+          </p:cNvPr>
+          <p:cNvPicPr>
+            <a:picLocks noChangeAspect="1"/>
+          </p:cNvPicPr>
+          <p:nvPr/>
+        </p:nvPicPr>
+        <p:blipFill>
+          <a:blip r:embed="rId6"/>
+          <a:stretch>
+            <a:fillRect/>
+          </a:stretch>
+        </p:blipFill>
+        <p:spPr>
+          <a:xfrm>
+            <a:off x="1685924" y="5264150"/>
+            <a:ext cx="7353300" cy="342900"/>
+          </a:xfrm>
+          <a:prstGeom prst="rect">
+            <a:avLst/>
+          </a:prstGeom>
+        </p:spPr>
+      </p:pic>
     </p:spTree>
     <p:extLst>
       <p:ext uri="{BB962C8B-B14F-4D97-AF65-F5344CB8AC3E}">
-        <p14:creationId xmlns:p14="http://schemas.microsoft.com/office/powerpoint/2010/main" val="2362791817"/>
+        <p14:creationId xmlns:p14="http://schemas.microsoft.com/office/powerpoint/2010/main" val="1802536330"/>
       </p:ext>
     </p:extLst>
   </p:cSld>
   <p:clrMapOvr>
     <a:masterClrMapping/>
   </p:clrMapOvr>
+  <p:timing>
+    <p:tnLst>
+      <p:par>
+        <p:cTn id="1" dur="indefinite" restart="never" nodeType="tmRoot">
+          <p:childTnLst>
+            <p:seq concurrent="1" nextAc="seek">
+              <p:cTn id="2" dur="indefinite" nodeType="mainSeq">
+                <p:childTnLst>
+                  <p:par>
+                    <p:cTn id="3" fill="hold">
+                      <p:stCondLst>
+                        <p:cond delay="indefinite"/>
+                      </p:stCondLst>
+                      <p:childTnLst>
+                        <p:par>
+                          <p:cTn id="4" fill="hold">
+                            <p:stCondLst>
+                              <p:cond delay="0"/>
+                            </p:stCondLst>
+                            <p:childTnLst>
+                              <p:par>
+                                <p:cTn id="5" presetID="1" presetClass="entr" presetSubtype="0" fill="hold" nodeType="clickEffect">
+                                  <p:stCondLst>
+                                    <p:cond delay="0"/>
+                                  </p:stCondLst>
+                                  <p:childTnLst>
+                                    <p:set>
+                                      <p:cBhvr>
+                                        <p:cTn id="6" dur="1" fill="hold">
+                                          <p:stCondLst>
+                                            <p:cond delay="0"/>
+                                          </p:stCondLst>
+                                        </p:cTn>
+                                        <p:tgtEl>
+                                          <p:spTgt spid="5"/>
+                                        </p:tgtEl>
+                                        <p:attrNameLst>
+                                          <p:attrName>style.visibility</p:attrName>
+                                        </p:attrNameLst>
+                                      </p:cBhvr>
+                                      <p:to>
+                                        <p:strVal val="visible"/>
+                                      </p:to>
+                                    </p:set>
+                                  </p:childTnLst>
+                                </p:cTn>
+                              </p:par>
+                            </p:childTnLst>
+                          </p:cTn>
+                        </p:par>
+                      </p:childTnLst>
+                    </p:cTn>
+                  </p:par>
+                  <p:par>
+                    <p:cTn id="7" fill="hold">
+                      <p:stCondLst>
+                        <p:cond delay="indefinite"/>
+                      </p:stCondLst>
+                      <p:childTnLst>
+                        <p:par>
+                          <p:cTn id="8" fill="hold">
+                            <p:stCondLst>
+                              <p:cond delay="0"/>
+                            </p:stCondLst>
+                            <p:childTnLst>
+                              <p:par>
+                                <p:cTn id="9" presetID="1" presetClass="entr" presetSubtype="0" fill="hold" nodeType="clickEffect">
+                                  <p:stCondLst>
+                                    <p:cond delay="0"/>
+                                  </p:stCondLst>
+                                  <p:childTnLst>
+                                    <p:set>
+                                      <p:cBhvr>
+                                        <p:cTn id="10" dur="1" fill="hold">
+                                          <p:stCondLst>
+                                            <p:cond delay="0"/>
+                                          </p:stCondLst>
+                                        </p:cTn>
+                                        <p:tgtEl>
+                                          <p:spTgt spid="6"/>
+                                        </p:tgtEl>
+                                        <p:attrNameLst>
+                                          <p:attrName>style.visibility</p:attrName>
+                                        </p:attrNameLst>
+                                      </p:cBhvr>
+                                      <p:to>
+                                        <p:strVal val="visible"/>
+                                      </p:to>
+                                    </p:set>
+                                  </p:childTnLst>
+                                </p:cTn>
+                              </p:par>
+                            </p:childTnLst>
+                          </p:cTn>
+                        </p:par>
+                      </p:childTnLst>
+                    </p:cTn>
+                  </p:par>
+                </p:childTnLst>
+              </p:cTn>
+              <p:prevCondLst>
+                <p:cond evt="onPrev" delay="0">
+                  <p:tgtEl>
+                    <p:sldTgt/>
+                  </p:tgtEl>
+                </p:cond>
+              </p:prevCondLst>
+              <p:nextCondLst>
+                <p:cond evt="onNext" delay="0">
+                  <p:tgtEl>
+                    <p:sldTgt/>
+                  </p:tgtEl>
+                </p:cond>
+              </p:nextCondLst>
+            </p:seq>
+          </p:childTnLst>
+        </p:cTn>
+      </p:par>
+    </p:tnLst>
+  </p:timing>
 </p:sld>
 </file>
 
@@ -9435,38 +11702,8 @@
         </p:nvSpPr>
         <p:spPr>
           <a:xfrm>
-            <a:off x="1524000" y="335279"/>
-            <a:ext cx="9144000" cy="1041083"/>
-          </a:xfrm>
-        </p:spPr>
-        <p:txBody>
-          <a:bodyPr/>
-          <a:lstStyle/>
-          <a:p>
-            <a:endParaRPr lang="fr-FR" dirty="0"/>
-          </a:p>
-        </p:txBody>
-      </p:sp>
-      <p:sp>
-        <p:nvSpPr>
-          <p:cNvPr id="3" name="Sous-titre 2">
-            <a:extLst>
-              <a:ext uri="{FF2B5EF4-FFF2-40B4-BE49-F238E27FC236}">
-                <a16:creationId xmlns:a16="http://schemas.microsoft.com/office/drawing/2014/main" id="{218B9057-36A2-4CEF-8698-A320933B4FB0}"/>
-              </a:ext>
-            </a:extLst>
-          </p:cNvPr>
-          <p:cNvSpPr>
-            <a:spLocks noGrp="1"/>
-          </p:cNvSpPr>
-          <p:nvPr>
-            <p:ph type="subTitle" idx="1"/>
-          </p:nvPr>
-        </p:nvSpPr>
-        <p:spPr>
-          <a:xfrm>
-            <a:off x="1524000" y="1897539"/>
-            <a:ext cx="9245600" cy="3062922"/>
+            <a:off x="0" y="381317"/>
+            <a:ext cx="12191999" cy="1041083"/>
           </a:xfrm>
         </p:spPr>
         <p:txBody>
@@ -9475,7 +11712,10 @@
           </a:bodyPr>
           <a:lstStyle/>
           <a:p>
-            <a:endParaRPr lang="fr-FR" dirty="0"/>
+            <a:r>
+              <a:rPr lang="fr-FR" dirty="0"/>
+              <a:t>Test de comparaison (Résultats) :</a:t>
+            </a:r>
           </a:p>
         </p:txBody>
       </p:sp>
@@ -9494,7 +11734,7 @@
           <p:nvPr/>
         </p:nvPicPr>
         <p:blipFill>
-          <a:blip r:embed="rId2">
+          <a:blip r:embed="rId3">
             <a:extLst>
               <a:ext uri="{28A0092B-C50C-407E-A947-70E740481C1C}">
                 <a14:useLocalDpi xmlns:a14="http://schemas.microsoft.com/office/drawing/2010/main" val="0"/>
@@ -9515,404 +11755,295 @@
           </a:prstGeom>
         </p:spPr>
       </p:pic>
+      <p:sp>
+        <p:nvSpPr>
+          <p:cNvPr id="7" name="ZoneTexte 6">
+            <a:extLst>
+              <a:ext uri="{FF2B5EF4-FFF2-40B4-BE49-F238E27FC236}">
+                <a16:creationId xmlns:a16="http://schemas.microsoft.com/office/drawing/2014/main" id="{6D79E63F-2571-4C9F-8B38-BD1086F04365}"/>
+              </a:ext>
+            </a:extLst>
+          </p:cNvPr>
+          <p:cNvSpPr txBox="1"/>
+          <p:nvPr/>
+        </p:nvSpPr>
+        <p:spPr>
+          <a:xfrm>
+            <a:off x="1717589" y="2038865"/>
+            <a:ext cx="6724661" cy="461665"/>
+          </a:xfrm>
+          <a:prstGeom prst="rect">
+            <a:avLst/>
+          </a:prstGeom>
+          <a:noFill/>
+        </p:spPr>
+        <p:txBody>
+          <a:bodyPr wrap="none" rtlCol="0">
+            <a:spAutoFit/>
+          </a:bodyPr>
+          <a:lstStyle/>
+          <a:p>
+            <a:r>
+              <a:rPr lang="fr-FR" sz="2400" b="1" dirty="0"/>
+              <a:t>Les Variances sont les mêmes d’un Cluster à l’autre </a:t>
+            </a:r>
+          </a:p>
+        </p:txBody>
+      </p:sp>
+      <p:sp>
+        <p:nvSpPr>
+          <p:cNvPr id="8" name="ZoneTexte 7">
+            <a:extLst>
+              <a:ext uri="{FF2B5EF4-FFF2-40B4-BE49-F238E27FC236}">
+                <a16:creationId xmlns:a16="http://schemas.microsoft.com/office/drawing/2014/main" id="{4046969A-29D8-4207-AF41-C7EE6CC4F381}"/>
+              </a:ext>
+            </a:extLst>
+          </p:cNvPr>
+          <p:cNvSpPr txBox="1"/>
+          <p:nvPr/>
+        </p:nvSpPr>
+        <p:spPr>
+          <a:xfrm>
+            <a:off x="3111336" y="3275567"/>
+            <a:ext cx="5969326" cy="461665"/>
+          </a:xfrm>
+          <a:prstGeom prst="rect">
+            <a:avLst/>
+          </a:prstGeom>
+          <a:noFill/>
+        </p:spPr>
+        <p:txBody>
+          <a:bodyPr wrap="none" rtlCol="0">
+            <a:spAutoFit/>
+          </a:bodyPr>
+          <a:lstStyle/>
+          <a:p>
+            <a:r>
+              <a:rPr lang="fr-FR" sz="2400" b="1" dirty="0"/>
+              <a:t>Les Moyennes diffèrent d’un Cluster à l’autre </a:t>
+            </a:r>
+          </a:p>
+        </p:txBody>
+      </p:sp>
+      <p:sp>
+        <p:nvSpPr>
+          <p:cNvPr id="9" name="ZoneTexte 8">
+            <a:extLst>
+              <a:ext uri="{FF2B5EF4-FFF2-40B4-BE49-F238E27FC236}">
+                <a16:creationId xmlns:a16="http://schemas.microsoft.com/office/drawing/2014/main" id="{5ED0658F-776B-4AEC-9D43-B1884E507F39}"/>
+              </a:ext>
+            </a:extLst>
+          </p:cNvPr>
+          <p:cNvSpPr txBox="1"/>
+          <p:nvPr/>
+        </p:nvSpPr>
+        <p:spPr>
+          <a:xfrm>
+            <a:off x="4444313" y="4512269"/>
+            <a:ext cx="7269682" cy="461665"/>
+          </a:xfrm>
+          <a:prstGeom prst="rect">
+            <a:avLst/>
+          </a:prstGeom>
+          <a:noFill/>
+        </p:spPr>
+        <p:txBody>
+          <a:bodyPr wrap="none" rtlCol="0">
+            <a:spAutoFit/>
+          </a:bodyPr>
+          <a:lstStyle/>
+          <a:p>
+            <a:r>
+              <a:rPr lang="fr-FR" sz="2400" b="1" dirty="0"/>
+              <a:t>Les Clusters sont donc bien différents les uns des autres</a:t>
+            </a:r>
+          </a:p>
+        </p:txBody>
+      </p:sp>
     </p:spTree>
     <p:extLst>
       <p:ext uri="{BB962C8B-B14F-4D97-AF65-F5344CB8AC3E}">
-        <p14:creationId xmlns:p14="http://schemas.microsoft.com/office/powerpoint/2010/main" val="1368233329"/>
+        <p14:creationId xmlns:p14="http://schemas.microsoft.com/office/powerpoint/2010/main" val="122399568"/>
       </p:ext>
     </p:extLst>
   </p:cSld>
   <p:clrMapOvr>
     <a:masterClrMapping/>
   </p:clrMapOvr>
+  <p:timing>
+    <p:tnLst>
+      <p:par>
+        <p:cTn id="1" dur="indefinite" restart="never" nodeType="tmRoot">
+          <p:childTnLst>
+            <p:seq concurrent="1" nextAc="seek">
+              <p:cTn id="2" dur="indefinite" nodeType="mainSeq">
+                <p:childTnLst>
+                  <p:par>
+                    <p:cTn id="3" fill="hold">
+                      <p:stCondLst>
+                        <p:cond delay="indefinite"/>
+                      </p:stCondLst>
+                      <p:childTnLst>
+                        <p:par>
+                          <p:cTn id="4" fill="hold">
+                            <p:stCondLst>
+                              <p:cond delay="0"/>
+                            </p:stCondLst>
+                            <p:childTnLst>
+                              <p:par>
+                                <p:cTn id="5" presetID="1" presetClass="entr" presetSubtype="0" fill="hold" grpId="0" nodeType="clickEffect">
+                                  <p:stCondLst>
+                                    <p:cond delay="0"/>
+                                  </p:stCondLst>
+                                  <p:childTnLst>
+                                    <p:set>
+                                      <p:cBhvr>
+                                        <p:cTn id="6" dur="1" fill="hold">
+                                          <p:stCondLst>
+                                            <p:cond delay="0"/>
+                                          </p:stCondLst>
+                                        </p:cTn>
+                                        <p:tgtEl>
+                                          <p:spTgt spid="7"/>
+                                        </p:tgtEl>
+                                        <p:attrNameLst>
+                                          <p:attrName>style.visibility</p:attrName>
+                                        </p:attrNameLst>
+                                      </p:cBhvr>
+                                      <p:to>
+                                        <p:strVal val="visible"/>
+                                      </p:to>
+                                    </p:set>
+                                  </p:childTnLst>
+                                </p:cTn>
+                              </p:par>
+                            </p:childTnLst>
+                          </p:cTn>
+                        </p:par>
+                      </p:childTnLst>
+                    </p:cTn>
+                  </p:par>
+                  <p:par>
+                    <p:cTn id="7" fill="hold">
+                      <p:stCondLst>
+                        <p:cond delay="indefinite"/>
+                      </p:stCondLst>
+                      <p:childTnLst>
+                        <p:par>
+                          <p:cTn id="8" fill="hold">
+                            <p:stCondLst>
+                              <p:cond delay="0"/>
+                            </p:stCondLst>
+                            <p:childTnLst>
+                              <p:par>
+                                <p:cTn id="9" presetID="1" presetClass="entr" presetSubtype="0" fill="hold" grpId="0" nodeType="clickEffect">
+                                  <p:stCondLst>
+                                    <p:cond delay="0"/>
+                                  </p:stCondLst>
+                                  <p:childTnLst>
+                                    <p:set>
+                                      <p:cBhvr>
+                                        <p:cTn id="10" dur="1" fill="hold">
+                                          <p:stCondLst>
+                                            <p:cond delay="0"/>
+                                          </p:stCondLst>
+                                        </p:cTn>
+                                        <p:tgtEl>
+                                          <p:spTgt spid="8"/>
+                                        </p:tgtEl>
+                                        <p:attrNameLst>
+                                          <p:attrName>style.visibility</p:attrName>
+                                        </p:attrNameLst>
+                                      </p:cBhvr>
+                                      <p:to>
+                                        <p:strVal val="visible"/>
+                                      </p:to>
+                                    </p:set>
+                                  </p:childTnLst>
+                                </p:cTn>
+                              </p:par>
+                            </p:childTnLst>
+                          </p:cTn>
+                        </p:par>
+                      </p:childTnLst>
+                    </p:cTn>
+                  </p:par>
+                  <p:par>
+                    <p:cTn id="11" fill="hold">
+                      <p:stCondLst>
+                        <p:cond delay="indefinite"/>
+                      </p:stCondLst>
+                      <p:childTnLst>
+                        <p:par>
+                          <p:cTn id="12" fill="hold">
+                            <p:stCondLst>
+                              <p:cond delay="0"/>
+                            </p:stCondLst>
+                            <p:childTnLst>
+                              <p:par>
+                                <p:cTn id="13" presetID="1" presetClass="entr" presetSubtype="0" fill="hold" grpId="0" nodeType="clickEffect">
+                                  <p:stCondLst>
+                                    <p:cond delay="0"/>
+                                  </p:stCondLst>
+                                  <p:childTnLst>
+                                    <p:set>
+                                      <p:cBhvr>
+                                        <p:cTn id="14" dur="1" fill="hold">
+                                          <p:stCondLst>
+                                            <p:cond delay="0"/>
+                                          </p:stCondLst>
+                                        </p:cTn>
+                                        <p:tgtEl>
+                                          <p:spTgt spid="9"/>
+                                        </p:tgtEl>
+                                        <p:attrNameLst>
+                                          <p:attrName>style.visibility</p:attrName>
+                                        </p:attrNameLst>
+                                      </p:cBhvr>
+                                      <p:to>
+                                        <p:strVal val="visible"/>
+                                      </p:to>
+                                    </p:set>
+                                  </p:childTnLst>
+                                </p:cTn>
+                              </p:par>
+                            </p:childTnLst>
+                          </p:cTn>
+                        </p:par>
+                      </p:childTnLst>
+                    </p:cTn>
+                  </p:par>
+                </p:childTnLst>
+              </p:cTn>
+              <p:prevCondLst>
+                <p:cond evt="onPrev" delay="0">
+                  <p:tgtEl>
+                    <p:sldTgt/>
+                  </p:tgtEl>
+                </p:cond>
+              </p:prevCondLst>
+              <p:nextCondLst>
+                <p:cond evt="onNext" delay="0">
+                  <p:tgtEl>
+                    <p:sldTgt/>
+                  </p:tgtEl>
+                </p:cond>
+              </p:nextCondLst>
+            </p:seq>
+          </p:childTnLst>
+        </p:cTn>
+      </p:par>
+    </p:tnLst>
+    <p:bldLst>
+      <p:bldP spid="7" grpId="0"/>
+      <p:bldP spid="8" grpId="0"/>
+      <p:bldP spid="9" grpId="0"/>
+    </p:bldLst>
+  </p:timing>
 </p:sld>
 </file>
 
 <file path=ppt/slides/slide24.xml><?xml version="1.0" encoding="utf-8"?>
-<p:sld xmlns:a="http://schemas.openxmlformats.org/drawingml/2006/main" xmlns:r="http://schemas.openxmlformats.org/officeDocument/2006/relationships" xmlns:p="http://schemas.openxmlformats.org/presentationml/2006/main">
-  <p:cSld>
-    <p:spTree>
-      <p:nvGrpSpPr>
-        <p:cNvPr id="1" name=""/>
-        <p:cNvGrpSpPr/>
-        <p:nvPr/>
-      </p:nvGrpSpPr>
-      <p:grpSpPr>
-        <a:xfrm>
-          <a:off x="0" y="0"/>
-          <a:ext cx="0" cy="0"/>
-          <a:chOff x="0" y="0"/>
-          <a:chExt cx="0" cy="0"/>
-        </a:xfrm>
-      </p:grpSpPr>
-      <p:sp>
-        <p:nvSpPr>
-          <p:cNvPr id="2" name="Titre 1">
-            <a:extLst>
-              <a:ext uri="{FF2B5EF4-FFF2-40B4-BE49-F238E27FC236}">
-                <a16:creationId xmlns:a16="http://schemas.microsoft.com/office/drawing/2014/main" id="{CAA876EA-FED9-49A0-94CB-4283459215B9}"/>
-              </a:ext>
-            </a:extLst>
-          </p:cNvPr>
-          <p:cNvSpPr>
-            <a:spLocks noGrp="1"/>
-          </p:cNvSpPr>
-          <p:nvPr>
-            <p:ph type="ctrTitle"/>
-          </p:nvPr>
-        </p:nvSpPr>
-        <p:spPr>
-          <a:xfrm>
-            <a:off x="1524000" y="335279"/>
-            <a:ext cx="9144000" cy="1041083"/>
-          </a:xfrm>
-        </p:spPr>
-        <p:txBody>
-          <a:bodyPr/>
-          <a:lstStyle/>
-          <a:p>
-            <a:endParaRPr lang="fr-FR" dirty="0"/>
-          </a:p>
-        </p:txBody>
-      </p:sp>
-      <p:sp>
-        <p:nvSpPr>
-          <p:cNvPr id="3" name="Sous-titre 2">
-            <a:extLst>
-              <a:ext uri="{FF2B5EF4-FFF2-40B4-BE49-F238E27FC236}">
-                <a16:creationId xmlns:a16="http://schemas.microsoft.com/office/drawing/2014/main" id="{218B9057-36A2-4CEF-8698-A320933B4FB0}"/>
-              </a:ext>
-            </a:extLst>
-          </p:cNvPr>
-          <p:cNvSpPr>
-            <a:spLocks noGrp="1"/>
-          </p:cNvSpPr>
-          <p:nvPr>
-            <p:ph type="subTitle" idx="1"/>
-          </p:nvPr>
-        </p:nvSpPr>
-        <p:spPr>
-          <a:xfrm>
-            <a:off x="1524000" y="1897539"/>
-            <a:ext cx="9245600" cy="3062922"/>
-          </a:xfrm>
-        </p:spPr>
-        <p:txBody>
-          <a:bodyPr>
-            <a:normAutofit/>
-          </a:bodyPr>
-          <a:lstStyle/>
-          <a:p>
-            <a:endParaRPr lang="fr-FR" dirty="0"/>
-          </a:p>
-        </p:txBody>
-      </p:sp>
-      <p:pic>
-        <p:nvPicPr>
-          <p:cNvPr id="4" name="Image 3">
-            <a:extLst>
-              <a:ext uri="{FF2B5EF4-FFF2-40B4-BE49-F238E27FC236}">
-                <a16:creationId xmlns:a16="http://schemas.microsoft.com/office/drawing/2014/main" id="{D86C892C-1E6D-41AC-9500-A62F2106E5BF}"/>
-              </a:ext>
-            </a:extLst>
-          </p:cNvPr>
-          <p:cNvPicPr>
-            <a:picLocks noChangeAspect="1"/>
-          </p:cNvPicPr>
-          <p:nvPr/>
-        </p:nvPicPr>
-        <p:blipFill>
-          <a:blip r:embed="rId2">
-            <a:extLst>
-              <a:ext uri="{28A0092B-C50C-407E-A947-70E740481C1C}">
-                <a14:useLocalDpi xmlns:a14="http://schemas.microsoft.com/office/drawing/2010/main" val="0"/>
-              </a:ext>
-            </a:extLst>
-          </a:blip>
-          <a:stretch>
-            <a:fillRect/>
-          </a:stretch>
-        </p:blipFill>
-        <p:spPr>
-          <a:xfrm>
-            <a:off x="10769600" y="5435600"/>
-            <a:ext cx="1422400" cy="1422400"/>
-          </a:xfrm>
-          <a:prstGeom prst="rect">
-            <a:avLst/>
-          </a:prstGeom>
-        </p:spPr>
-      </p:pic>
-    </p:spTree>
-    <p:extLst>
-      <p:ext uri="{BB962C8B-B14F-4D97-AF65-F5344CB8AC3E}">
-        <p14:creationId xmlns:p14="http://schemas.microsoft.com/office/powerpoint/2010/main" val="2218559134"/>
-      </p:ext>
-    </p:extLst>
-  </p:cSld>
-  <p:clrMapOvr>
-    <a:masterClrMapping/>
-  </p:clrMapOvr>
-</p:sld>
-</file>
-
-<file path=ppt/slides/slide25.xml><?xml version="1.0" encoding="utf-8"?>
-<p:sld xmlns:a="http://schemas.openxmlformats.org/drawingml/2006/main" xmlns:r="http://schemas.openxmlformats.org/officeDocument/2006/relationships" xmlns:p="http://schemas.openxmlformats.org/presentationml/2006/main">
-  <p:cSld>
-    <p:spTree>
-      <p:nvGrpSpPr>
-        <p:cNvPr id="1" name=""/>
-        <p:cNvGrpSpPr/>
-        <p:nvPr/>
-      </p:nvGrpSpPr>
-      <p:grpSpPr>
-        <a:xfrm>
-          <a:off x="0" y="0"/>
-          <a:ext cx="0" cy="0"/>
-          <a:chOff x="0" y="0"/>
-          <a:chExt cx="0" cy="0"/>
-        </a:xfrm>
-      </p:grpSpPr>
-      <p:sp>
-        <p:nvSpPr>
-          <p:cNvPr id="2" name="Titre 1">
-            <a:extLst>
-              <a:ext uri="{FF2B5EF4-FFF2-40B4-BE49-F238E27FC236}">
-                <a16:creationId xmlns:a16="http://schemas.microsoft.com/office/drawing/2014/main" id="{CAA876EA-FED9-49A0-94CB-4283459215B9}"/>
-              </a:ext>
-            </a:extLst>
-          </p:cNvPr>
-          <p:cNvSpPr>
-            <a:spLocks noGrp="1"/>
-          </p:cNvSpPr>
-          <p:nvPr>
-            <p:ph type="ctrTitle"/>
-          </p:nvPr>
-        </p:nvSpPr>
-        <p:spPr>
-          <a:xfrm>
-            <a:off x="1524000" y="335279"/>
-            <a:ext cx="9144000" cy="1041083"/>
-          </a:xfrm>
-        </p:spPr>
-        <p:txBody>
-          <a:bodyPr/>
-          <a:lstStyle/>
-          <a:p>
-            <a:endParaRPr lang="fr-FR" dirty="0"/>
-          </a:p>
-        </p:txBody>
-      </p:sp>
-      <p:sp>
-        <p:nvSpPr>
-          <p:cNvPr id="3" name="Sous-titre 2">
-            <a:extLst>
-              <a:ext uri="{FF2B5EF4-FFF2-40B4-BE49-F238E27FC236}">
-                <a16:creationId xmlns:a16="http://schemas.microsoft.com/office/drawing/2014/main" id="{218B9057-36A2-4CEF-8698-A320933B4FB0}"/>
-              </a:ext>
-            </a:extLst>
-          </p:cNvPr>
-          <p:cNvSpPr>
-            <a:spLocks noGrp="1"/>
-          </p:cNvSpPr>
-          <p:nvPr>
-            <p:ph type="subTitle" idx="1"/>
-          </p:nvPr>
-        </p:nvSpPr>
-        <p:spPr>
-          <a:xfrm>
-            <a:off x="1524000" y="1897539"/>
-            <a:ext cx="9245600" cy="3062922"/>
-          </a:xfrm>
-        </p:spPr>
-        <p:txBody>
-          <a:bodyPr>
-            <a:normAutofit/>
-          </a:bodyPr>
-          <a:lstStyle/>
-          <a:p>
-            <a:endParaRPr lang="fr-FR" dirty="0"/>
-          </a:p>
-        </p:txBody>
-      </p:sp>
-      <p:pic>
-        <p:nvPicPr>
-          <p:cNvPr id="4" name="Image 3">
-            <a:extLst>
-              <a:ext uri="{FF2B5EF4-FFF2-40B4-BE49-F238E27FC236}">
-                <a16:creationId xmlns:a16="http://schemas.microsoft.com/office/drawing/2014/main" id="{D86C892C-1E6D-41AC-9500-A62F2106E5BF}"/>
-              </a:ext>
-            </a:extLst>
-          </p:cNvPr>
-          <p:cNvPicPr>
-            <a:picLocks noChangeAspect="1"/>
-          </p:cNvPicPr>
-          <p:nvPr/>
-        </p:nvPicPr>
-        <p:blipFill>
-          <a:blip r:embed="rId2">
-            <a:extLst>
-              <a:ext uri="{28A0092B-C50C-407E-A947-70E740481C1C}">
-                <a14:useLocalDpi xmlns:a14="http://schemas.microsoft.com/office/drawing/2010/main" val="0"/>
-              </a:ext>
-            </a:extLst>
-          </a:blip>
-          <a:stretch>
-            <a:fillRect/>
-          </a:stretch>
-        </p:blipFill>
-        <p:spPr>
-          <a:xfrm>
-            <a:off x="10769600" y="5435600"/>
-            <a:ext cx="1422400" cy="1422400"/>
-          </a:xfrm>
-          <a:prstGeom prst="rect">
-            <a:avLst/>
-          </a:prstGeom>
-        </p:spPr>
-      </p:pic>
-    </p:spTree>
-    <p:extLst>
-      <p:ext uri="{BB962C8B-B14F-4D97-AF65-F5344CB8AC3E}">
-        <p14:creationId xmlns:p14="http://schemas.microsoft.com/office/powerpoint/2010/main" val="1762302374"/>
-      </p:ext>
-    </p:extLst>
-  </p:cSld>
-  <p:clrMapOvr>
-    <a:masterClrMapping/>
-  </p:clrMapOvr>
-</p:sld>
-</file>
-
-<file path=ppt/slides/slide26.xml><?xml version="1.0" encoding="utf-8"?>
-<p:sld xmlns:a="http://schemas.openxmlformats.org/drawingml/2006/main" xmlns:r="http://schemas.openxmlformats.org/officeDocument/2006/relationships" xmlns:p="http://schemas.openxmlformats.org/presentationml/2006/main">
-  <p:cSld>
-    <p:spTree>
-      <p:nvGrpSpPr>
-        <p:cNvPr id="1" name=""/>
-        <p:cNvGrpSpPr/>
-        <p:nvPr/>
-      </p:nvGrpSpPr>
-      <p:grpSpPr>
-        <a:xfrm>
-          <a:off x="0" y="0"/>
-          <a:ext cx="0" cy="0"/>
-          <a:chOff x="0" y="0"/>
-          <a:chExt cx="0" cy="0"/>
-        </a:xfrm>
-      </p:grpSpPr>
-      <p:sp>
-        <p:nvSpPr>
-          <p:cNvPr id="2" name="Titre 1">
-            <a:extLst>
-              <a:ext uri="{FF2B5EF4-FFF2-40B4-BE49-F238E27FC236}">
-                <a16:creationId xmlns:a16="http://schemas.microsoft.com/office/drawing/2014/main" id="{CAA876EA-FED9-49A0-94CB-4283459215B9}"/>
-              </a:ext>
-            </a:extLst>
-          </p:cNvPr>
-          <p:cNvSpPr>
-            <a:spLocks noGrp="1"/>
-          </p:cNvSpPr>
-          <p:nvPr>
-            <p:ph type="ctrTitle"/>
-          </p:nvPr>
-        </p:nvSpPr>
-        <p:spPr>
-          <a:xfrm>
-            <a:off x="1524000" y="335279"/>
-            <a:ext cx="9144000" cy="1041083"/>
-          </a:xfrm>
-        </p:spPr>
-        <p:txBody>
-          <a:bodyPr/>
-          <a:lstStyle/>
-          <a:p>
-            <a:endParaRPr lang="fr-FR" dirty="0"/>
-          </a:p>
-        </p:txBody>
-      </p:sp>
-      <p:sp>
-        <p:nvSpPr>
-          <p:cNvPr id="3" name="Sous-titre 2">
-            <a:extLst>
-              <a:ext uri="{FF2B5EF4-FFF2-40B4-BE49-F238E27FC236}">
-                <a16:creationId xmlns:a16="http://schemas.microsoft.com/office/drawing/2014/main" id="{218B9057-36A2-4CEF-8698-A320933B4FB0}"/>
-              </a:ext>
-            </a:extLst>
-          </p:cNvPr>
-          <p:cNvSpPr>
-            <a:spLocks noGrp="1"/>
-          </p:cNvSpPr>
-          <p:nvPr>
-            <p:ph type="subTitle" idx="1"/>
-          </p:nvPr>
-        </p:nvSpPr>
-        <p:spPr>
-          <a:xfrm>
-            <a:off x="1524000" y="1897539"/>
-            <a:ext cx="9245600" cy="3062922"/>
-          </a:xfrm>
-        </p:spPr>
-        <p:txBody>
-          <a:bodyPr>
-            <a:normAutofit/>
-          </a:bodyPr>
-          <a:lstStyle/>
-          <a:p>
-            <a:endParaRPr lang="fr-FR" dirty="0"/>
-          </a:p>
-        </p:txBody>
-      </p:sp>
-      <p:pic>
-        <p:nvPicPr>
-          <p:cNvPr id="4" name="Image 3">
-            <a:extLst>
-              <a:ext uri="{FF2B5EF4-FFF2-40B4-BE49-F238E27FC236}">
-                <a16:creationId xmlns:a16="http://schemas.microsoft.com/office/drawing/2014/main" id="{D86C892C-1E6D-41AC-9500-A62F2106E5BF}"/>
-              </a:ext>
-            </a:extLst>
-          </p:cNvPr>
-          <p:cNvPicPr>
-            <a:picLocks noChangeAspect="1"/>
-          </p:cNvPicPr>
-          <p:nvPr/>
-        </p:nvPicPr>
-        <p:blipFill>
-          <a:blip r:embed="rId2">
-            <a:extLst>
-              <a:ext uri="{28A0092B-C50C-407E-A947-70E740481C1C}">
-                <a14:useLocalDpi xmlns:a14="http://schemas.microsoft.com/office/drawing/2010/main" val="0"/>
-              </a:ext>
-            </a:extLst>
-          </a:blip>
-          <a:stretch>
-            <a:fillRect/>
-          </a:stretch>
-        </p:blipFill>
-        <p:spPr>
-          <a:xfrm>
-            <a:off x="10769600" y="5435600"/>
-            <a:ext cx="1422400" cy="1422400"/>
-          </a:xfrm>
-          <a:prstGeom prst="rect">
-            <a:avLst/>
-          </a:prstGeom>
-        </p:spPr>
-      </p:pic>
-    </p:spTree>
-    <p:extLst>
-      <p:ext uri="{BB962C8B-B14F-4D97-AF65-F5344CB8AC3E}">
-        <p14:creationId xmlns:p14="http://schemas.microsoft.com/office/powerpoint/2010/main" val="3731465055"/>
-      </p:ext>
-    </p:extLst>
-  </p:cSld>
-  <p:clrMapOvr>
-    <a:masterClrMapping/>
-  </p:clrMapOvr>
-</p:sld>
-</file>
-
-<file path=ppt/slides/slide3.xml><?xml version="1.0" encoding="utf-8"?>
 <p:sld xmlns:a="http://schemas.openxmlformats.org/drawingml/2006/main" xmlns:r="http://schemas.openxmlformats.org/officeDocument/2006/relationships" xmlns:p="http://schemas.openxmlformats.org/presentationml/2006/main">
   <p:cSld>
     <p:bg>
@@ -9939,7 +12070,7 @@
       </p:grpSpPr>
       <p:sp>
         <p:nvSpPr>
-          <p:cNvPr id="12" name="Rectangle 8">
+          <p:cNvPr id="12" name="Rectangle 11">
             <a:extLst>
               <a:ext uri="{FF2B5EF4-FFF2-40B4-BE49-F238E27FC236}">
                 <a16:creationId xmlns:a16="http://schemas.microsoft.com/office/drawing/2014/main" id="{C0B27210-D0CA-4654-B3E3-9ABB4F178EA1}"/>
@@ -10032,20 +12163,15 @@
           <a:lstStyle/>
           <a:p>
             <a:r>
-              <a:rPr lang="en-US" sz="6000" b="1" u="sng" dirty="0">
+              <a:rPr lang="en-US" sz="6000" b="1" u="sng" kern="1200" dirty="0" err="1">
                 <a:solidFill>
                   <a:schemeClr val="bg1"/>
                 </a:solidFill>
+                <a:latin typeface="+mj-lt"/>
+                <a:ea typeface="+mj-ea"/>
+                <a:cs typeface="+mj-cs"/>
               </a:rPr>
-              <a:t>Context et </a:t>
-            </a:r>
-            <a:r>
-              <a:rPr lang="en-US" sz="6000" b="1" u="sng" dirty="0" err="1">
-                <a:solidFill>
-                  <a:schemeClr val="bg1"/>
-                </a:solidFill>
-              </a:rPr>
-              <a:t>Enjeux</a:t>
+              <a:t>Résultats</a:t>
             </a:r>
             <a:r>
               <a:rPr lang="en-US" sz="6000" b="1" u="sng" kern="1200" dirty="0">
@@ -10056,7 +12182,29 @@
                 <a:ea typeface="+mj-ea"/>
                 <a:cs typeface="+mj-cs"/>
               </a:rPr>
-              <a:t>:</a:t>
+              <a:t> de </a:t>
+            </a:r>
+            <a:r>
+              <a:rPr lang="en-US" sz="6000" b="1" u="sng" kern="1200" dirty="0" err="1">
+                <a:solidFill>
+                  <a:schemeClr val="bg1"/>
+                </a:solidFill>
+                <a:latin typeface="+mj-lt"/>
+                <a:ea typeface="+mj-ea"/>
+                <a:cs typeface="+mj-cs"/>
+              </a:rPr>
+              <a:t>l’étude</a:t>
+            </a:r>
+            <a:r>
+              <a:rPr lang="en-US" sz="6000" b="1" u="sng" kern="1200" dirty="0">
+                <a:solidFill>
+                  <a:schemeClr val="bg1"/>
+                </a:solidFill>
+                <a:latin typeface="+mj-lt"/>
+                <a:ea typeface="+mj-ea"/>
+                <a:cs typeface="+mj-cs"/>
+              </a:rPr>
+              <a:t> :</a:t>
             </a:r>
             <a:endParaRPr lang="en-US" sz="6000" kern="1200" dirty="0">
               <a:solidFill>
@@ -10071,7 +12219,7 @@
       </p:sp>
       <p:sp>
         <p:nvSpPr>
-          <p:cNvPr id="11" name="Freeform: Shape 10">
+          <p:cNvPr id="14" name="Freeform: Shape 13">
             <a:extLst>
               <a:ext uri="{FF2B5EF4-FFF2-40B4-BE49-F238E27FC236}">
                 <a16:creationId xmlns:a16="http://schemas.microsoft.com/office/drawing/2014/main" id="{1DB7C82F-AB7E-4F0C-B829-FA1B9C415180}"/>
@@ -10238,7 +12386,7 @@
       </p:sp>
       <p:sp>
         <p:nvSpPr>
-          <p:cNvPr id="13" name="Freeform: Shape 12">
+          <p:cNvPr id="16" name="Freeform: Shape 15">
             <a:extLst>
               <a:ext uri="{FF2B5EF4-FFF2-40B4-BE49-F238E27FC236}">
                 <a16:creationId xmlns:a16="http://schemas.microsoft.com/office/drawing/2014/main" id="{70B66945-4967-4040-926D-DCA44313CDAB}"/>
@@ -10403,6 +12551,879 @@
       </p:sp>
       <p:pic>
         <p:nvPicPr>
+          <p:cNvPr id="7" name="Image 6">
+            <a:extLst>
+              <a:ext uri="{FF2B5EF4-FFF2-40B4-BE49-F238E27FC236}">
+                <a16:creationId xmlns:a16="http://schemas.microsoft.com/office/drawing/2014/main" id="{D021A57B-D205-40D5-8AF4-029DC3971843}"/>
+              </a:ext>
+            </a:extLst>
+          </p:cNvPr>
+          <p:cNvPicPr>
+            <a:picLocks noChangeAspect="1"/>
+          </p:cNvPicPr>
+          <p:nvPr/>
+        </p:nvPicPr>
+        <p:blipFill>
+          <a:blip r:embed="rId3">
+            <a:extLst>
+              <a:ext uri="{28A0092B-C50C-407E-A947-70E740481C1C}">
+                <a14:useLocalDpi xmlns:a14="http://schemas.microsoft.com/office/drawing/2010/main" val="0"/>
+              </a:ext>
+            </a:extLst>
+          </a:blip>
+          <a:stretch>
+            <a:fillRect/>
+          </a:stretch>
+        </p:blipFill>
+        <p:spPr>
+          <a:xfrm>
+            <a:off x="419382" y="720993"/>
+            <a:ext cx="4047843" cy="4047843"/>
+          </a:xfrm>
+          <a:prstGeom prst="rect">
+            <a:avLst/>
+          </a:prstGeom>
+        </p:spPr>
+      </p:pic>
+    </p:spTree>
+    <p:extLst>
+      <p:ext uri="{BB962C8B-B14F-4D97-AF65-F5344CB8AC3E}">
+        <p14:creationId xmlns:p14="http://schemas.microsoft.com/office/powerpoint/2010/main" val="1730779172"/>
+      </p:ext>
+    </p:extLst>
+  </p:cSld>
+  <p:clrMapOvr>
+    <a:masterClrMapping/>
+  </p:clrMapOvr>
+</p:sld>
+</file>
+
+<file path=ppt/slides/slide25.xml><?xml version="1.0" encoding="utf-8"?>
+<p:sld xmlns:a="http://schemas.openxmlformats.org/drawingml/2006/main" xmlns:r="http://schemas.openxmlformats.org/officeDocument/2006/relationships" xmlns:p="http://schemas.openxmlformats.org/presentationml/2006/main">
+  <p:cSld>
+    <p:spTree>
+      <p:nvGrpSpPr>
+        <p:cNvPr id="1" name=""/>
+        <p:cNvGrpSpPr/>
+        <p:nvPr/>
+      </p:nvGrpSpPr>
+      <p:grpSpPr>
+        <a:xfrm>
+          <a:off x="0" y="0"/>
+          <a:ext cx="0" cy="0"/>
+          <a:chOff x="0" y="0"/>
+          <a:chExt cx="0" cy="0"/>
+        </a:xfrm>
+      </p:grpSpPr>
+      <p:sp>
+        <p:nvSpPr>
+          <p:cNvPr id="2" name="Titre 1">
+            <a:extLst>
+              <a:ext uri="{FF2B5EF4-FFF2-40B4-BE49-F238E27FC236}">
+                <a16:creationId xmlns:a16="http://schemas.microsoft.com/office/drawing/2014/main" id="{CAA876EA-FED9-49A0-94CB-4283459215B9}"/>
+              </a:ext>
+            </a:extLst>
+          </p:cNvPr>
+          <p:cNvSpPr>
+            <a:spLocks noGrp="1"/>
+          </p:cNvSpPr>
+          <p:nvPr>
+            <p:ph type="ctrTitle"/>
+          </p:nvPr>
+        </p:nvSpPr>
+        <p:spPr>
+          <a:xfrm>
+            <a:off x="1524000" y="335279"/>
+            <a:ext cx="9144000" cy="1041083"/>
+          </a:xfrm>
+        </p:spPr>
+        <p:txBody>
+          <a:bodyPr/>
+          <a:lstStyle/>
+          <a:p>
+            <a:r>
+              <a:rPr lang="fr-FR" dirty="0"/>
+              <a:t>Les pays à cibler : </a:t>
+            </a:r>
+          </a:p>
+        </p:txBody>
+      </p:sp>
+      <p:pic>
+        <p:nvPicPr>
+          <p:cNvPr id="4" name="Image 3">
+            <a:extLst>
+              <a:ext uri="{FF2B5EF4-FFF2-40B4-BE49-F238E27FC236}">
+                <a16:creationId xmlns:a16="http://schemas.microsoft.com/office/drawing/2014/main" id="{D86C892C-1E6D-41AC-9500-A62F2106E5BF}"/>
+              </a:ext>
+            </a:extLst>
+          </p:cNvPr>
+          <p:cNvPicPr>
+            <a:picLocks noChangeAspect="1"/>
+          </p:cNvPicPr>
+          <p:nvPr/>
+        </p:nvPicPr>
+        <p:blipFill>
+          <a:blip r:embed="rId3">
+            <a:extLst>
+              <a:ext uri="{28A0092B-C50C-407E-A947-70E740481C1C}">
+                <a14:useLocalDpi xmlns:a14="http://schemas.microsoft.com/office/drawing/2010/main" val="0"/>
+              </a:ext>
+            </a:extLst>
+          </a:blip>
+          <a:stretch>
+            <a:fillRect/>
+          </a:stretch>
+        </p:blipFill>
+        <p:spPr>
+          <a:xfrm>
+            <a:off x="10769600" y="5435600"/>
+            <a:ext cx="1422400" cy="1422400"/>
+          </a:xfrm>
+          <a:prstGeom prst="rect">
+            <a:avLst/>
+          </a:prstGeom>
+        </p:spPr>
+      </p:pic>
+      <p:pic>
+        <p:nvPicPr>
+          <p:cNvPr id="5" name="Image 4">
+            <a:extLst>
+              <a:ext uri="{FF2B5EF4-FFF2-40B4-BE49-F238E27FC236}">
+                <a16:creationId xmlns:a16="http://schemas.microsoft.com/office/drawing/2014/main" id="{824F6203-BA09-410E-8D33-8BB403704249}"/>
+              </a:ext>
+            </a:extLst>
+          </p:cNvPr>
+          <p:cNvPicPr>
+            <a:picLocks noChangeAspect="1"/>
+          </p:cNvPicPr>
+          <p:nvPr/>
+        </p:nvPicPr>
+        <p:blipFill>
+          <a:blip r:embed="rId4"/>
+          <a:stretch>
+            <a:fillRect/>
+          </a:stretch>
+        </p:blipFill>
+        <p:spPr>
+          <a:xfrm>
+            <a:off x="249776" y="2275070"/>
+            <a:ext cx="11688638" cy="3134026"/>
+          </a:xfrm>
+          <a:prstGeom prst="rect">
+            <a:avLst/>
+          </a:prstGeom>
+        </p:spPr>
+      </p:pic>
+    </p:spTree>
+    <p:extLst>
+      <p:ext uri="{BB962C8B-B14F-4D97-AF65-F5344CB8AC3E}">
+        <p14:creationId xmlns:p14="http://schemas.microsoft.com/office/powerpoint/2010/main" val="650731593"/>
+      </p:ext>
+    </p:extLst>
+  </p:cSld>
+  <p:clrMapOvr>
+    <a:masterClrMapping/>
+  </p:clrMapOvr>
+  <p:timing>
+    <p:tnLst>
+      <p:par>
+        <p:cTn id="1" dur="indefinite" restart="never" nodeType="tmRoot">
+          <p:childTnLst>
+            <p:seq concurrent="1" nextAc="seek">
+              <p:cTn id="2" dur="indefinite" nodeType="mainSeq">
+                <p:childTnLst>
+                  <p:par>
+                    <p:cTn id="3" fill="hold">
+                      <p:stCondLst>
+                        <p:cond delay="indefinite"/>
+                        <p:cond evt="onBegin" delay="0">
+                          <p:tn val="2"/>
+                        </p:cond>
+                      </p:stCondLst>
+                      <p:childTnLst>
+                        <p:par>
+                          <p:cTn id="4" fill="hold">
+                            <p:stCondLst>
+                              <p:cond delay="0"/>
+                            </p:stCondLst>
+                            <p:childTnLst>
+                              <p:par>
+                                <p:cTn id="5" presetID="1" presetClass="entr" presetSubtype="0" fill="hold" nodeType="withEffect">
+                                  <p:stCondLst>
+                                    <p:cond delay="0"/>
+                                  </p:stCondLst>
+                                  <p:childTnLst>
+                                    <p:set>
+                                      <p:cBhvr>
+                                        <p:cTn id="6" dur="1" fill="hold">
+                                          <p:stCondLst>
+                                            <p:cond delay="0"/>
+                                          </p:stCondLst>
+                                        </p:cTn>
+                                        <p:tgtEl>
+                                          <p:spTgt spid="5"/>
+                                        </p:tgtEl>
+                                        <p:attrNameLst>
+                                          <p:attrName>style.visibility</p:attrName>
+                                        </p:attrNameLst>
+                                      </p:cBhvr>
+                                      <p:to>
+                                        <p:strVal val="visible"/>
+                                      </p:to>
+                                    </p:set>
+                                  </p:childTnLst>
+                                </p:cTn>
+                              </p:par>
+                            </p:childTnLst>
+                          </p:cTn>
+                        </p:par>
+                      </p:childTnLst>
+                    </p:cTn>
+                  </p:par>
+                </p:childTnLst>
+              </p:cTn>
+              <p:prevCondLst>
+                <p:cond evt="onPrev" delay="0">
+                  <p:tgtEl>
+                    <p:sldTgt/>
+                  </p:tgtEl>
+                </p:cond>
+              </p:prevCondLst>
+              <p:nextCondLst>
+                <p:cond evt="onNext" delay="0">
+                  <p:tgtEl>
+                    <p:sldTgt/>
+                  </p:tgtEl>
+                </p:cond>
+              </p:nextCondLst>
+            </p:seq>
+          </p:childTnLst>
+        </p:cTn>
+      </p:par>
+    </p:tnLst>
+  </p:timing>
+</p:sld>
+</file>
+
+<file path=ppt/slides/slide26.xml><?xml version="1.0" encoding="utf-8"?>
+<p:sld xmlns:a="http://schemas.openxmlformats.org/drawingml/2006/main" xmlns:r="http://schemas.openxmlformats.org/officeDocument/2006/relationships" xmlns:p="http://schemas.openxmlformats.org/presentationml/2006/main">
+  <p:cSld>
+    <p:spTree>
+      <p:nvGrpSpPr>
+        <p:cNvPr id="1" name=""/>
+        <p:cNvGrpSpPr/>
+        <p:nvPr/>
+      </p:nvGrpSpPr>
+      <p:grpSpPr>
+        <a:xfrm>
+          <a:off x="0" y="0"/>
+          <a:ext cx="0" cy="0"/>
+          <a:chOff x="0" y="0"/>
+          <a:chExt cx="0" cy="0"/>
+        </a:xfrm>
+      </p:grpSpPr>
+      <p:sp>
+        <p:nvSpPr>
+          <p:cNvPr id="2" name="Titre 1">
+            <a:extLst>
+              <a:ext uri="{FF2B5EF4-FFF2-40B4-BE49-F238E27FC236}">
+                <a16:creationId xmlns:a16="http://schemas.microsoft.com/office/drawing/2014/main" id="{CAA876EA-FED9-49A0-94CB-4283459215B9}"/>
+              </a:ext>
+            </a:extLst>
+          </p:cNvPr>
+          <p:cNvSpPr>
+            <a:spLocks noGrp="1"/>
+          </p:cNvSpPr>
+          <p:nvPr>
+            <p:ph type="ctrTitle"/>
+          </p:nvPr>
+        </p:nvSpPr>
+        <p:spPr>
+          <a:xfrm>
+            <a:off x="1524000" y="335279"/>
+            <a:ext cx="9144000" cy="1041083"/>
+          </a:xfrm>
+        </p:spPr>
+        <p:txBody>
+          <a:bodyPr/>
+          <a:lstStyle/>
+          <a:p>
+            <a:endParaRPr lang="fr-FR" dirty="0"/>
+          </a:p>
+        </p:txBody>
+      </p:sp>
+      <p:sp>
+        <p:nvSpPr>
+          <p:cNvPr id="3" name="Sous-titre 2">
+            <a:extLst>
+              <a:ext uri="{FF2B5EF4-FFF2-40B4-BE49-F238E27FC236}">
+                <a16:creationId xmlns:a16="http://schemas.microsoft.com/office/drawing/2014/main" id="{218B9057-36A2-4CEF-8698-A320933B4FB0}"/>
+              </a:ext>
+            </a:extLst>
+          </p:cNvPr>
+          <p:cNvSpPr>
+            <a:spLocks noGrp="1"/>
+          </p:cNvSpPr>
+          <p:nvPr>
+            <p:ph type="subTitle" idx="1"/>
+          </p:nvPr>
+        </p:nvSpPr>
+        <p:spPr>
+          <a:xfrm>
+            <a:off x="1524000" y="1897539"/>
+            <a:ext cx="9245600" cy="3062922"/>
+          </a:xfrm>
+        </p:spPr>
+        <p:txBody>
+          <a:bodyPr>
+            <a:normAutofit/>
+          </a:bodyPr>
+          <a:lstStyle/>
+          <a:p>
+            <a:endParaRPr lang="fr-FR" dirty="0"/>
+          </a:p>
+        </p:txBody>
+      </p:sp>
+      <p:pic>
+        <p:nvPicPr>
+          <p:cNvPr id="4" name="Image 3">
+            <a:extLst>
+              <a:ext uri="{FF2B5EF4-FFF2-40B4-BE49-F238E27FC236}">
+                <a16:creationId xmlns:a16="http://schemas.microsoft.com/office/drawing/2014/main" id="{D86C892C-1E6D-41AC-9500-A62F2106E5BF}"/>
+              </a:ext>
+            </a:extLst>
+          </p:cNvPr>
+          <p:cNvPicPr>
+            <a:picLocks noChangeAspect="1"/>
+          </p:cNvPicPr>
+          <p:nvPr/>
+        </p:nvPicPr>
+        <p:blipFill>
+          <a:blip r:embed="rId2">
+            <a:extLst>
+              <a:ext uri="{28A0092B-C50C-407E-A947-70E740481C1C}">
+                <a14:useLocalDpi xmlns:a14="http://schemas.microsoft.com/office/drawing/2010/main" val="0"/>
+              </a:ext>
+            </a:extLst>
+          </a:blip>
+          <a:stretch>
+            <a:fillRect/>
+          </a:stretch>
+        </p:blipFill>
+        <p:spPr>
+          <a:xfrm>
+            <a:off x="10769600" y="5435600"/>
+            <a:ext cx="1422400" cy="1422400"/>
+          </a:xfrm>
+          <a:prstGeom prst="rect">
+            <a:avLst/>
+          </a:prstGeom>
+        </p:spPr>
+      </p:pic>
+    </p:spTree>
+    <p:extLst>
+      <p:ext uri="{BB962C8B-B14F-4D97-AF65-F5344CB8AC3E}">
+        <p14:creationId xmlns:p14="http://schemas.microsoft.com/office/powerpoint/2010/main" val="2791180461"/>
+      </p:ext>
+    </p:extLst>
+  </p:cSld>
+  <p:clrMapOvr>
+    <a:masterClrMapping/>
+  </p:clrMapOvr>
+</p:sld>
+</file>
+
+<file path=ppt/slides/slide3.xml><?xml version="1.0" encoding="utf-8"?>
+<p:sld xmlns:a="http://schemas.openxmlformats.org/drawingml/2006/main" xmlns:r="http://schemas.openxmlformats.org/officeDocument/2006/relationships" xmlns:p="http://schemas.openxmlformats.org/presentationml/2006/main">
+  <p:cSld>
+    <p:bg>
+      <p:bgPr>
+        <a:solidFill>
+          <a:schemeClr val="bg1"/>
+        </a:solidFill>
+        <a:effectLst/>
+      </p:bgPr>
+    </p:bg>
+    <p:spTree>
+      <p:nvGrpSpPr>
+        <p:cNvPr id="1" name=""/>
+        <p:cNvGrpSpPr/>
+        <p:nvPr/>
+      </p:nvGrpSpPr>
+      <p:grpSpPr>
+        <a:xfrm>
+          <a:off x="0" y="0"/>
+          <a:ext cx="0" cy="0"/>
+          <a:chOff x="0" y="0"/>
+          <a:chExt cx="0" cy="0"/>
+        </a:xfrm>
+      </p:grpSpPr>
+      <p:sp>
+        <p:nvSpPr>
+          <p:cNvPr id="12" name="Rectangle 8">
+            <a:extLst>
+              <a:ext uri="{FF2B5EF4-FFF2-40B4-BE49-F238E27FC236}">
+                <a16:creationId xmlns:a16="http://schemas.microsoft.com/office/drawing/2014/main" id="{C0B27210-D0CA-4654-B3E3-9ABB4F178EA1}"/>
+              </a:ext>
+              <a:ext uri="{C183D7F6-B498-43B3-948B-1728B52AA6E4}">
+                <adec:decorative xmlns:adec="http://schemas.microsoft.com/office/drawing/2017/decorative" val="1"/>
+              </a:ext>
+            </a:extLst>
+          </p:cNvPr>
+          <p:cNvSpPr>
+            <a:spLocks noGrp="1" noRot="1" noChangeAspect="1" noMove="1" noResize="1" noEditPoints="1" noAdjustHandles="1" noChangeArrowheads="1" noChangeShapeType="1" noTextEdit="1"/>
+          </p:cNvSpPr>
+          <p:nvPr>
+            <p:extLst>
+              <p:ext uri="{386F3935-93C4-4BCD-93E2-E3B085C9AB24}">
+                <p16:designElem xmlns:p16="http://schemas.microsoft.com/office/powerpoint/2015/main" val="1"/>
+              </p:ext>
+            </p:extLst>
+          </p:nvPr>
+        </p:nvSpPr>
+        <p:spPr>
+          <a:xfrm>
+            <a:off x="0" y="0"/>
+            <a:ext cx="12192000" cy="6858000"/>
+          </a:xfrm>
+          <a:prstGeom prst="rect">
+            <a:avLst/>
+          </a:prstGeom>
+          <a:solidFill>
+            <a:schemeClr val="tx1">
+              <a:lumMod val="75000"/>
+              <a:lumOff val="25000"/>
+            </a:schemeClr>
+          </a:solidFill>
+          <a:ln>
+            <a:noFill/>
+          </a:ln>
+        </p:spPr>
+        <p:style>
+          <a:lnRef idx="2">
+            <a:schemeClr val="accent1">
+              <a:shade val="50000"/>
+            </a:schemeClr>
+          </a:lnRef>
+          <a:fillRef idx="1">
+            <a:schemeClr val="accent1"/>
+          </a:fillRef>
+          <a:effectRef idx="0">
+            <a:schemeClr val="accent1"/>
+          </a:effectRef>
+          <a:fontRef idx="minor">
+            <a:schemeClr val="lt1"/>
+          </a:fontRef>
+        </p:style>
+        <p:txBody>
+          <a:bodyPr rtlCol="0" anchor="ctr"/>
+          <a:lstStyle/>
+          <a:p>
+            <a:pPr algn="ctr"/>
+            <a:endParaRPr lang="en-US"/>
+          </a:p>
+        </p:txBody>
+      </p:sp>
+      <p:sp>
+        <p:nvSpPr>
+          <p:cNvPr id="2" name="Titre 1">
+            <a:extLst>
+              <a:ext uri="{FF2B5EF4-FFF2-40B4-BE49-F238E27FC236}">
+                <a16:creationId xmlns:a16="http://schemas.microsoft.com/office/drawing/2014/main" id="{612FA98D-5214-442A-97A7-973984024AE3}"/>
+              </a:ext>
+            </a:extLst>
+          </p:cNvPr>
+          <p:cNvSpPr>
+            <a:spLocks noGrp="1"/>
+          </p:cNvSpPr>
+          <p:nvPr>
+            <p:ph type="title"/>
+          </p:nvPr>
+        </p:nvSpPr>
+        <p:spPr>
+          <a:xfrm>
+            <a:off x="6746628" y="1783959"/>
+            <a:ext cx="4645250" cy="2889114"/>
+          </a:xfrm>
+        </p:spPr>
+        <p:txBody>
+          <a:bodyPr vert="horz" lIns="91440" tIns="45720" rIns="91440" bIns="45720" rtlCol="0" anchor="b">
+            <a:normAutofit/>
+          </a:bodyPr>
+          <a:lstStyle/>
+          <a:p>
+            <a:r>
+              <a:rPr lang="en-US" sz="6000" b="1" u="sng" dirty="0">
+                <a:solidFill>
+                  <a:schemeClr val="bg1"/>
+                </a:solidFill>
+              </a:rPr>
+              <a:t>Context et </a:t>
+            </a:r>
+            <a:r>
+              <a:rPr lang="en-US" sz="6000" b="1" u="sng" dirty="0" err="1">
+                <a:solidFill>
+                  <a:schemeClr val="bg1"/>
+                </a:solidFill>
+              </a:rPr>
+              <a:t>Enjeux</a:t>
+            </a:r>
+            <a:r>
+              <a:rPr lang="en-US" sz="6000" b="1" u="sng" kern="1200" dirty="0">
+                <a:solidFill>
+                  <a:schemeClr val="bg1"/>
+                </a:solidFill>
+                <a:latin typeface="+mj-lt"/>
+                <a:ea typeface="+mj-ea"/>
+                <a:cs typeface="+mj-cs"/>
+              </a:rPr>
+              <a:t>:</a:t>
+            </a:r>
+            <a:endParaRPr lang="en-US" sz="6000" kern="1200" dirty="0">
+              <a:solidFill>
+                <a:schemeClr val="bg1"/>
+              </a:solidFill>
+              <a:latin typeface="+mj-lt"/>
+              <a:ea typeface="+mj-ea"/>
+              <a:cs typeface="+mj-cs"/>
+            </a:endParaRPr>
+          </a:p>
+        </p:txBody>
+      </p:sp>
+      <p:sp>
+        <p:nvSpPr>
+          <p:cNvPr id="11" name="Freeform: Shape 10">
+            <a:extLst>
+              <a:ext uri="{FF2B5EF4-FFF2-40B4-BE49-F238E27FC236}">
+                <a16:creationId xmlns:a16="http://schemas.microsoft.com/office/drawing/2014/main" id="{1DB7C82F-AB7E-4F0C-B829-FA1B9C415180}"/>
+              </a:ext>
+              <a:ext uri="{C183D7F6-B498-43B3-948B-1728B52AA6E4}">
+                <adec:decorative xmlns:adec="http://schemas.microsoft.com/office/drawing/2017/decorative" val="1"/>
+              </a:ext>
+            </a:extLst>
+          </p:cNvPr>
+          <p:cNvSpPr>
+            <a:spLocks noGrp="1" noRot="1" noChangeAspect="1" noMove="1" noResize="1" noEditPoints="1" noAdjustHandles="1" noChangeArrowheads="1" noChangeShapeType="1" noTextEdit="1"/>
+          </p:cNvSpPr>
+          <p:nvPr>
+            <p:extLst>
+              <p:ext uri="{386F3935-93C4-4BCD-93E2-E3B085C9AB24}">
+                <p16:designElem xmlns:p16="http://schemas.microsoft.com/office/powerpoint/2015/main" val="1"/>
+              </p:ext>
+            </p:extLst>
+          </p:nvPr>
+        </p:nvSpPr>
+        <p:spPr>
+          <a:xfrm flipH="1">
+            <a:off x="0" y="0"/>
+            <a:ext cx="6172782" cy="6858000"/>
+          </a:xfrm>
+          <a:custGeom>
+            <a:avLst/>
+            <a:gdLst>
+              <a:gd name="connsiteX0" fmla="*/ 6172782 w 6172782"/>
+              <a:gd name="connsiteY0" fmla="*/ 0 h 6858000"/>
+              <a:gd name="connsiteX1" fmla="*/ 69075 w 6172782"/>
+              <a:gd name="connsiteY1" fmla="*/ 0 h 6858000"/>
+              <a:gd name="connsiteX2" fmla="*/ 35131 w 6172782"/>
+              <a:gd name="connsiteY2" fmla="*/ 267128 h 6858000"/>
+              <a:gd name="connsiteX3" fmla="*/ 0 w 6172782"/>
+              <a:gd name="connsiteY3" fmla="*/ 962845 h 6858000"/>
+              <a:gd name="connsiteX4" fmla="*/ 3276103 w 6172782"/>
+              <a:gd name="connsiteY4" fmla="*/ 6782205 h 6858000"/>
+              <a:gd name="connsiteX5" fmla="*/ 3407923 w 6172782"/>
+              <a:gd name="connsiteY5" fmla="*/ 6858000 h 6858000"/>
+              <a:gd name="connsiteX6" fmla="*/ 6172782 w 6172782"/>
+              <a:gd name="connsiteY6" fmla="*/ 6858000 h 6858000"/>
+            </a:gdLst>
+            <a:ahLst/>
+            <a:cxnLst>
+              <a:cxn ang="0">
+                <a:pos x="connsiteX0" y="connsiteY0"/>
+              </a:cxn>
+              <a:cxn ang="0">
+                <a:pos x="connsiteX1" y="connsiteY1"/>
+              </a:cxn>
+              <a:cxn ang="0">
+                <a:pos x="connsiteX2" y="connsiteY2"/>
+              </a:cxn>
+              <a:cxn ang="0">
+                <a:pos x="connsiteX3" y="connsiteY3"/>
+              </a:cxn>
+              <a:cxn ang="0">
+                <a:pos x="connsiteX4" y="connsiteY4"/>
+              </a:cxn>
+              <a:cxn ang="0">
+                <a:pos x="connsiteX5" y="connsiteY5"/>
+              </a:cxn>
+              <a:cxn ang="0">
+                <a:pos x="connsiteX6" y="connsiteY6"/>
+              </a:cxn>
+            </a:cxnLst>
+            <a:rect l="l" t="t" r="r" b="b"/>
+            <a:pathLst>
+              <a:path w="6172782" h="6858000">
+                <a:moveTo>
+                  <a:pt x="6172782" y="0"/>
+                </a:moveTo>
+                <a:lnTo>
+                  <a:pt x="69075" y="0"/>
+                </a:lnTo>
+                <a:lnTo>
+                  <a:pt x="35131" y="267128"/>
+                </a:lnTo>
+                <a:cubicBezTo>
+                  <a:pt x="11901" y="495874"/>
+                  <a:pt x="0" y="727970"/>
+                  <a:pt x="0" y="962845"/>
+                </a:cubicBezTo>
+                <a:cubicBezTo>
+                  <a:pt x="0" y="3429034"/>
+                  <a:pt x="1312002" y="5588789"/>
+                  <a:pt x="3276103" y="6782205"/>
+                </a:cubicBezTo>
+                <a:lnTo>
+                  <a:pt x="3407923" y="6858000"/>
+                </a:lnTo>
+                <a:lnTo>
+                  <a:pt x="6172782" y="6858000"/>
+                </a:lnTo>
+                <a:close/>
+              </a:path>
+            </a:pathLst>
+          </a:custGeom>
+          <a:solidFill>
+            <a:schemeClr val="bg1">
+              <a:alpha val="80000"/>
+            </a:schemeClr>
+          </a:solidFill>
+          <a:ln>
+            <a:noFill/>
+          </a:ln>
+        </p:spPr>
+        <p:style>
+          <a:lnRef idx="2">
+            <a:schemeClr val="accent1">
+              <a:shade val="50000"/>
+            </a:schemeClr>
+          </a:lnRef>
+          <a:fillRef idx="1">
+            <a:schemeClr val="accent1"/>
+          </a:fillRef>
+          <a:effectRef idx="0">
+            <a:schemeClr val="accent1"/>
+          </a:effectRef>
+          <a:fontRef idx="minor">
+            <a:schemeClr val="lt1"/>
+          </a:fontRef>
+        </p:style>
+        <p:txBody>
+          <a:bodyPr wrap="square" rtlCol="0" anchor="ctr">
+            <a:noAutofit/>
+          </a:bodyPr>
+          <a:lstStyle/>
+          <a:p>
+            <a:pPr marL="0" marR="0" lvl="0" indent="0" algn="ctr" defTabSz="914400" rtl="0" eaLnBrk="1" fontAlgn="auto" latinLnBrk="0" hangingPunct="1">
+              <a:lnSpc>
+                <a:spcPct val="100000"/>
+              </a:lnSpc>
+              <a:spcBef>
+                <a:spcPts val="0"/>
+              </a:spcBef>
+              <a:spcAft>
+                <a:spcPts val="0"/>
+              </a:spcAft>
+              <a:buClrTx/>
+              <a:buSzTx/>
+              <a:buFontTx/>
+              <a:buNone/>
+              <a:tabLst/>
+              <a:defRPr/>
+            </a:pPr>
+            <a:endParaRPr kumimoji="0" lang="en-US" sz="1800" b="0" i="0" u="none" strike="noStrike" kern="1200" cap="none" spc="0" normalizeH="0" baseline="0" noProof="0">
+              <a:ln>
+                <a:noFill/>
+              </a:ln>
+              <a:solidFill>
+                <a:prstClr val="white"/>
+              </a:solidFill>
+              <a:effectLst/>
+              <a:uLnTx/>
+              <a:uFillTx/>
+              <a:latin typeface="Calibri" panose="020F0502020204030204"/>
+              <a:ea typeface="+mn-ea"/>
+              <a:cs typeface="+mn-cs"/>
+            </a:endParaRPr>
+          </a:p>
+        </p:txBody>
+      </p:sp>
+      <p:sp>
+        <p:nvSpPr>
+          <p:cNvPr id="13" name="Freeform: Shape 12">
+            <a:extLst>
+              <a:ext uri="{FF2B5EF4-FFF2-40B4-BE49-F238E27FC236}">
+                <a16:creationId xmlns:a16="http://schemas.microsoft.com/office/drawing/2014/main" id="{70B66945-4967-4040-926D-DCA44313CDAB}"/>
+              </a:ext>
+              <a:ext uri="{C183D7F6-B498-43B3-948B-1728B52AA6E4}">
+                <adec:decorative xmlns:adec="http://schemas.microsoft.com/office/drawing/2017/decorative" val="1"/>
+              </a:ext>
+            </a:extLst>
+          </p:cNvPr>
+          <p:cNvSpPr>
+            <a:spLocks noGrp="1" noRot="1" noChangeAspect="1" noMove="1" noResize="1" noEditPoints="1" noAdjustHandles="1" noChangeArrowheads="1" noChangeShapeType="1" noTextEdit="1"/>
+          </p:cNvSpPr>
+          <p:nvPr>
+            <p:extLst>
+              <p:ext uri="{386F3935-93C4-4BCD-93E2-E3B085C9AB24}">
+                <p16:designElem xmlns:p16="http://schemas.microsoft.com/office/powerpoint/2015/main" val="1"/>
+              </p:ext>
+            </p:extLst>
+          </p:nvPr>
+        </p:nvSpPr>
+        <p:spPr>
+          <a:xfrm>
+            <a:off x="0" y="0"/>
+            <a:ext cx="6024154" cy="6858000"/>
+          </a:xfrm>
+          <a:custGeom>
+            <a:avLst/>
+            <a:gdLst>
+              <a:gd name="connsiteX0" fmla="*/ 0 w 6024154"/>
+              <a:gd name="connsiteY0" fmla="*/ 0 h 6858000"/>
+              <a:gd name="connsiteX1" fmla="*/ 5953780 w 6024154"/>
+              <a:gd name="connsiteY1" fmla="*/ 0 h 6858000"/>
+              <a:gd name="connsiteX2" fmla="*/ 5989880 w 6024154"/>
+              <a:gd name="connsiteY2" fmla="*/ 284091 h 6858000"/>
+              <a:gd name="connsiteX3" fmla="*/ 6024154 w 6024154"/>
+              <a:gd name="connsiteY3" fmla="*/ 962844 h 6858000"/>
+              <a:gd name="connsiteX4" fmla="*/ 2549934 w 6024154"/>
+              <a:gd name="connsiteY4" fmla="*/ 6800152 h 6858000"/>
+              <a:gd name="connsiteX5" fmla="*/ 2436987 w 6024154"/>
+              <a:gd name="connsiteY5" fmla="*/ 6858000 h 6858000"/>
+              <a:gd name="connsiteX6" fmla="*/ 0 w 6024154"/>
+              <a:gd name="connsiteY6" fmla="*/ 6858000 h 6858000"/>
+            </a:gdLst>
+            <a:ahLst/>
+            <a:cxnLst>
+              <a:cxn ang="0">
+                <a:pos x="connsiteX0" y="connsiteY0"/>
+              </a:cxn>
+              <a:cxn ang="0">
+                <a:pos x="connsiteX1" y="connsiteY1"/>
+              </a:cxn>
+              <a:cxn ang="0">
+                <a:pos x="connsiteX2" y="connsiteY2"/>
+              </a:cxn>
+              <a:cxn ang="0">
+                <a:pos x="connsiteX3" y="connsiteY3"/>
+              </a:cxn>
+              <a:cxn ang="0">
+                <a:pos x="connsiteX4" y="connsiteY4"/>
+              </a:cxn>
+              <a:cxn ang="0">
+                <a:pos x="connsiteX5" y="connsiteY5"/>
+              </a:cxn>
+              <a:cxn ang="0">
+                <a:pos x="connsiteX6" y="connsiteY6"/>
+              </a:cxn>
+            </a:cxnLst>
+            <a:rect l="l" t="t" r="r" b="b"/>
+            <a:pathLst>
+              <a:path w="6024154" h="6858000">
+                <a:moveTo>
+                  <a:pt x="0" y="0"/>
+                </a:moveTo>
+                <a:lnTo>
+                  <a:pt x="5953780" y="0"/>
+                </a:lnTo>
+                <a:lnTo>
+                  <a:pt x="5989880" y="284091"/>
+                </a:lnTo>
+                <a:cubicBezTo>
+                  <a:pt x="6012544" y="507260"/>
+                  <a:pt x="6024154" y="733696"/>
+                  <a:pt x="6024154" y="962844"/>
+                </a:cubicBezTo>
+                <a:cubicBezTo>
+                  <a:pt x="6024154" y="3483472"/>
+                  <a:pt x="4619336" y="5675986"/>
+                  <a:pt x="2549934" y="6800152"/>
+                </a:cubicBezTo>
+                <a:lnTo>
+                  <a:pt x="2436987" y="6858000"/>
+                </a:lnTo>
+                <a:lnTo>
+                  <a:pt x="0" y="6858000"/>
+                </a:lnTo>
+                <a:close/>
+              </a:path>
+            </a:pathLst>
+          </a:custGeom>
+          <a:solidFill>
+            <a:schemeClr val="bg1"/>
+          </a:solidFill>
+          <a:ln>
+            <a:noFill/>
+          </a:ln>
+        </p:spPr>
+        <p:style>
+          <a:lnRef idx="2">
+            <a:schemeClr val="accent1">
+              <a:shade val="50000"/>
+            </a:schemeClr>
+          </a:lnRef>
+          <a:fillRef idx="1">
+            <a:schemeClr val="accent1"/>
+          </a:fillRef>
+          <a:effectRef idx="0">
+            <a:schemeClr val="accent1"/>
+          </a:effectRef>
+          <a:fontRef idx="minor">
+            <a:schemeClr val="lt1"/>
+          </a:fontRef>
+        </p:style>
+        <p:txBody>
+          <a:bodyPr wrap="square" rtlCol="0" anchor="ctr">
+            <a:noAutofit/>
+          </a:bodyPr>
+          <a:lstStyle/>
+          <a:p>
+            <a:pPr marL="0" marR="0" lvl="0" indent="0" algn="ctr" defTabSz="914400" rtl="0" eaLnBrk="1" fontAlgn="auto" latinLnBrk="0" hangingPunct="1">
+              <a:lnSpc>
+                <a:spcPct val="100000"/>
+              </a:lnSpc>
+              <a:spcBef>
+                <a:spcPts val="0"/>
+              </a:spcBef>
+              <a:spcAft>
+                <a:spcPts val="0"/>
+              </a:spcAft>
+              <a:buClrTx/>
+              <a:buSzTx/>
+              <a:buFontTx/>
+              <a:buNone/>
+              <a:tabLst/>
+              <a:defRPr/>
+            </a:pPr>
+            <a:endParaRPr kumimoji="0" lang="en-US" sz="1800" b="0" i="0" u="none" strike="noStrike" kern="1200" cap="none" spc="0" normalizeH="0" baseline="0" noProof="0">
+              <a:ln>
+                <a:noFill/>
+              </a:ln>
+              <a:solidFill>
+                <a:prstClr val="white"/>
+              </a:solidFill>
+              <a:effectLst/>
+              <a:uLnTx/>
+              <a:uFillTx/>
+              <a:latin typeface="Calibri" panose="020F0502020204030204"/>
+              <a:ea typeface="+mn-ea"/>
+              <a:cs typeface="+mn-cs"/>
+            </a:endParaRPr>
+          </a:p>
+        </p:txBody>
+      </p:sp>
+      <p:pic>
+        <p:nvPicPr>
           <p:cNvPr id="4" name="Image 3">
             <a:extLst>
               <a:ext uri="{FF2B5EF4-FFF2-40B4-BE49-F238E27FC236}">
@@ -10531,7 +13552,7 @@
           </a:bodyPr>
           <a:lstStyle/>
           <a:p>
-            <a:pPr algn="l"/>
+            <a:pPr algn="just"/>
             <a:r>
               <a:rPr lang="fr-FR" dirty="0"/>
               <a:t>L’entreprise souhaite</a:t>
@@ -10637,28 +13658,28 @@
           </a:bodyPr>
           <a:lstStyle/>
           <a:p>
-            <a:pPr algn="l"/>
+            <a:pPr algn="just"/>
             <a:r>
               <a:rPr lang="fr-FR" dirty="0"/>
               <a:t>L’enjeux ici est d’accélérer l’étude de marché, en évitant à l’équipe Marketing de faire une étude précise sur un pays qui se révélera inintéressant par la suite (manque de richesse, consommation de viande trop faible, etc…).</a:t>
             </a:r>
           </a:p>
           <a:p>
-            <a:pPr algn="l"/>
+            <a:pPr algn="just"/>
             <a:r>
               <a:rPr lang="fr-FR" dirty="0"/>
               <a:t>Mon étude intervient donc pour faire un premier tri.</a:t>
             </a:r>
           </a:p>
           <a:p>
-            <a:pPr algn="l"/>
+            <a:pPr algn="just"/>
             <a:r>
               <a:rPr lang="fr-FR" dirty="0"/>
               <a:t>Afin de commencer à s’implanter</a:t>
             </a:r>
             <a:r>
               <a:rPr lang="fr-FR" baseline="0" dirty="0"/>
-              <a:t> à l’international, l’entreprise doit trouver des pays qui sont déjà développé, qui importe déjà de la viande de volaille. Il serait trop compliqué de créer un nouveau marché, et cela prendrait énormément de ressource ; Cela sera dans un deuxième temps quand l’entreprise aura grandit.</a:t>
+              <a:t> à l’international, l’entreprise doit trouver des pays qui soient déjà développés, qui importent déjà de la viande de volaille. Il serait trop compliqué de créer un nouveau marché, et cela prendrait énormément de ressource ; Cela sera dans un deuxième temps quand l’entreprise aura grandi.</a:t>
             </a:r>
             <a:endParaRPr lang="fr-FR" dirty="0"/>
           </a:p>

--- a/Projet_5_présentation.pptx
+++ b/Projet_5_présentation.pptx
@@ -619,39 +619,68 @@
           <a:p>
             <a:r>
               <a:rPr lang="fr-FR" dirty="0"/>
-              <a:t>Nous nous intéresserons ici à deux Clusters : </a:t>
-            </a:r>
-          </a:p>
-          <a:p>
-            <a:r>
+              <a:t>On peut voir sur PC1 que les variables ayant le plus de poids dans l'inertie sont : </a:t>
+            </a:r>
+            <a:br>
               <a:rPr lang="fr-FR" dirty="0"/>
-              <a:t>Le 5 et le 7 </a:t>
-            </a:r>
+            </a:br>
+            <a:endParaRPr lang="fr-FR" dirty="0"/>
           </a:p>
           <a:p>
             <a:r>
               <a:rPr lang="fr-FR" dirty="0"/>
-              <a:t>Ainsi qu’à deux variables – </a:t>
+              <a:t>La disponibilité en protéines</a:t>
+            </a:r>
+          </a:p>
+          <a:p>
+            <a:r>
+              <a:rPr lang="fr-FR" dirty="0"/>
+              <a:t>La </a:t>
             </a:r>
             <a:r>
               <a:rPr lang="fr-FR" dirty="0" err="1"/>
-              <a:t>Ratio_prot</a:t>
+              <a:t>disponinibilité</a:t>
             </a:r>
             <a:r>
               <a:rPr lang="fr-FR" dirty="0"/>
-              <a:t> et </a:t>
-            </a:r>
-            <a:r>
-              <a:rPr lang="fr-FR" dirty="0" err="1"/>
-              <a:t>Dispo_alim_tot</a:t>
-            </a:r>
+              <a:t> alimentaire totale</a:t>
+            </a:r>
+          </a:p>
+          <a:p>
+            <a:r>
+              <a:rPr lang="fr-FR" dirty="0"/>
+              <a:t>Le ratio de protéines animales / Protéines totales CLICK</a:t>
+            </a:r>
+          </a:p>
+          <a:p>
             <a:endParaRPr lang="fr-FR" dirty="0"/>
           </a:p>
           <a:p>
             <a:r>
               <a:rPr lang="fr-FR" dirty="0"/>
-              <a:t>Comme vu dans la partie précédente, ces deux variables suivent bien une loi normale.</a:t>
-            </a:r>
+              <a:t>On remarque aussi que le PIB/h est assez élevé (0,41) </a:t>
+            </a:r>
+          </a:p>
+          <a:p>
+            <a:endParaRPr lang="fr-FR" dirty="0"/>
+          </a:p>
+          <a:p>
+            <a:r>
+              <a:rPr lang="fr-FR" dirty="0"/>
+              <a:t>On peut donc conclure que la composante principale PC1 correspond au niveau de richesses du pays</a:t>
+            </a:r>
+          </a:p>
+          <a:p>
+            <a:endParaRPr lang="fr-FR" dirty="0"/>
+          </a:p>
+          <a:p>
+            <a:r>
+              <a:rPr lang="fr-FR" dirty="0"/>
+              <a:t>CLICK</a:t>
+            </a:r>
+          </a:p>
+          <a:p>
+            <a:endParaRPr lang="fr-FR" dirty="0"/>
           </a:p>
         </p:txBody>
       </p:sp>
@@ -672,7 +701,7 @@
           <a:p>
             <a:fld id="{F44DFA25-216B-4048-9E14-17772AFFB9C9}" type="slidenum">
               <a:rPr lang="fr-FR" smtClean="0"/>
-              <a:t>20</a:t>
+              <a:t>14</a:t>
             </a:fld>
             <a:endParaRPr lang="fr-FR"/>
           </a:p>
@@ -681,7 +710,7 @@
     </p:spTree>
     <p:extLst>
       <p:ext uri="{BB962C8B-B14F-4D97-AF65-F5344CB8AC3E}">
-        <p14:creationId xmlns:p14="http://schemas.microsoft.com/office/powerpoint/2010/main" val="3671374684"/>
+        <p14:creationId xmlns:p14="http://schemas.microsoft.com/office/powerpoint/2010/main" val="1988068708"/>
       </p:ext>
     </p:extLst>
   </p:cSld>
@@ -737,44 +766,62 @@
           <a:p>
             <a:r>
               <a:rPr lang="fr-FR" dirty="0"/>
-              <a:t>On utilise ici </a:t>
+              <a:t>A l'exception du cluster 6, les pays sont regroupés correctement par cluster sur F1. </a:t>
+            </a:r>
+            <a:br>
+              <a:rPr lang="fr-FR" dirty="0"/>
+            </a:br>
+            <a:r>
+              <a:rPr lang="fr-FR" dirty="0"/>
+              <a:t>Si certains semblent être confondus avec les autres, c'est F2 qui nous permet de voir la différence entre ces derniers. </a:t>
+            </a:r>
+          </a:p>
+          <a:p>
+            <a:endParaRPr lang="fr-FR" dirty="0"/>
+          </a:p>
+          <a:p>
+            <a:r>
+              <a:rPr lang="fr-FR" dirty="0"/>
+              <a:t>Dans la partie du </a:t>
             </a:r>
             <a:r>
               <a:rPr lang="fr-FR" dirty="0" err="1"/>
-              <a:t>scipy.stats.barlett</a:t>
+              <a:t>dendogramme</a:t>
             </a:r>
             <a:r>
               <a:rPr lang="fr-FR" dirty="0"/>
-              <a:t> pour comparer les deux échantillons ; </a:t>
-            </a:r>
+              <a:t>, nous avons vu que le cluster 7 était celui qui nous intéressait le plus, voyons donc comment sont répartis les pays de ce cluster, et à quoi est-ce qu'ils correspondent, après l'ACP.</a:t>
+            </a:r>
+          </a:p>
+          <a:p>
+            <a:endParaRPr lang="fr-FR" dirty="0"/>
           </a:p>
           <a:p>
             <a:r>
               <a:rPr lang="fr-FR" dirty="0"/>
-              <a:t>On peut ainsi savoir si les variances sont différentes en comparant Alpha et </a:t>
+              <a:t>Le cluster 7 représente les pays le plus à droite sur F1, avec donc une forte valeur. </a:t>
+            </a:r>
+            <a:br>
+              <a:rPr lang="fr-FR" dirty="0"/>
+            </a:br>
+            <a:r>
+              <a:rPr lang="fr-FR" dirty="0"/>
+              <a:t>Comme nous l'avons vu </a:t>
             </a:r>
             <a:r>
               <a:rPr lang="fr-FR" dirty="0" err="1"/>
-              <a:t>P_valeur</a:t>
+              <a:t>précédement</a:t>
             </a:r>
             <a:r>
               <a:rPr lang="fr-FR" dirty="0"/>
-              <a:t> ;</a:t>
-            </a:r>
-          </a:p>
-          <a:p>
-            <a:endParaRPr lang="fr-FR" dirty="0"/>
-          </a:p>
-          <a:p>
-            <a:r>
+              <a:t>, F1 représente le niveau de richesse du pays ; </a:t>
+            </a:r>
+            <a:br>
               <a:rPr lang="fr-FR" dirty="0"/>
-              <a:t>Ici, avec un niveau de test à 1%, les variances sont bien égales.</a:t>
-            </a:r>
-          </a:p>
-          <a:p>
+            </a:br>
             <a:r>
               <a:rPr lang="fr-FR" dirty="0"/>
-              <a:t>Les deux Clusters suivent donc la même loi normale.</a:t>
+              <a:t>Les pays du cluster 7 correspondent donc aux pays les plus riches.</a:t>
             </a:r>
           </a:p>
         </p:txBody>
@@ -796,7 +843,7 @@
           <a:p>
             <a:fld id="{F44DFA25-216B-4048-9E14-17772AFFB9C9}" type="slidenum">
               <a:rPr lang="fr-FR" smtClean="0"/>
-              <a:t>21</a:t>
+              <a:t>15</a:t>
             </a:fld>
             <a:endParaRPr lang="fr-FR"/>
           </a:p>
@@ -805,7 +852,7 @@
     </p:spTree>
     <p:extLst>
       <p:ext uri="{BB962C8B-B14F-4D97-AF65-F5344CB8AC3E}">
-        <p14:creationId xmlns:p14="http://schemas.microsoft.com/office/powerpoint/2010/main" val="3666263677"/>
+        <p14:creationId xmlns:p14="http://schemas.microsoft.com/office/powerpoint/2010/main" val="3528905593"/>
       </p:ext>
     </p:extLst>
   </p:cSld>
@@ -861,53 +908,7 @@
           <a:p>
             <a:r>
               <a:rPr lang="fr-FR" dirty="0"/>
-              <a:t>On utilise ici </a:t>
-            </a:r>
-            <a:r>
-              <a:rPr lang="fr-FR" dirty="0" err="1"/>
-              <a:t>scipy.stats.ttest_ind</a:t>
-            </a:r>
-            <a:r>
-              <a:rPr lang="fr-FR" dirty="0"/>
-              <a:t> pour comparer les deux Clusters </a:t>
-            </a:r>
-          </a:p>
-          <a:p>
-            <a:r>
-              <a:rPr lang="fr-FR" dirty="0"/>
-              <a:t>CLICK</a:t>
-            </a:r>
-          </a:p>
-          <a:p>
-            <a:endParaRPr lang="fr-FR" dirty="0"/>
-          </a:p>
-          <a:p>
-            <a:r>
-              <a:rPr lang="fr-FR" dirty="0"/>
-              <a:t>Encore une fois, en comparant alpha et </a:t>
-            </a:r>
-            <a:r>
-              <a:rPr lang="fr-FR" dirty="0" err="1"/>
-              <a:t>p_valeur</a:t>
-            </a:r>
-            <a:r>
-              <a:rPr lang="fr-FR" dirty="0"/>
-              <a:t>, on sait si les moyennes sont égales ou non</a:t>
-            </a:r>
-          </a:p>
-          <a:p>
-            <a:endParaRPr lang="fr-FR" dirty="0"/>
-          </a:p>
-          <a:p>
-            <a:r>
-              <a:rPr lang="fr-FR" dirty="0"/>
-              <a:t>CLICK </a:t>
-            </a:r>
-          </a:p>
-          <a:p>
-            <a:r>
-              <a:rPr lang="fr-FR" dirty="0"/>
-              <a:t>Ici, les moyennes diffèrent bien.</a:t>
+              <a:t>Pour rappel, la liste des clusters avec les centroïdes </a:t>
             </a:r>
           </a:p>
         </p:txBody>
@@ -929,7 +930,7 @@
           <a:p>
             <a:fld id="{F44DFA25-216B-4048-9E14-17772AFFB9C9}" type="slidenum">
               <a:rPr lang="fr-FR" smtClean="0"/>
-              <a:t>22</a:t>
+              <a:t>16</a:t>
             </a:fld>
             <a:endParaRPr lang="fr-FR"/>
           </a:p>
@@ -938,7 +939,7 @@
     </p:spTree>
     <p:extLst>
       <p:ext uri="{BB962C8B-B14F-4D97-AF65-F5344CB8AC3E}">
-        <p14:creationId xmlns:p14="http://schemas.microsoft.com/office/powerpoint/2010/main" val="1147614657"/>
+        <p14:creationId xmlns:p14="http://schemas.microsoft.com/office/powerpoint/2010/main" val="1567256808"/>
       </p:ext>
     </p:extLst>
   </p:cSld>
@@ -992,7 +993,341 @@
           <a:bodyPr/>
           <a:lstStyle/>
           <a:p>
+            <a:pPr marL="0" marR="0" lvl="0" indent="0" algn="l" defTabSz="914400" rtl="0" eaLnBrk="1" fontAlgn="auto" latinLnBrk="0" hangingPunct="1">
+              <a:lnSpc>
+                <a:spcPct val="100000"/>
+              </a:lnSpc>
+              <a:spcBef>
+                <a:spcPts val="0"/>
+              </a:spcBef>
+              <a:spcAft>
+                <a:spcPts val="0"/>
+              </a:spcAft>
+              <a:buClrTx/>
+              <a:buSzTx/>
+              <a:buFontTx/>
+              <a:buNone/>
+              <a:tabLst/>
+              <a:defRPr/>
+            </a:pPr>
+            <a:r>
+              <a:rPr lang="fr-FR" dirty="0"/>
+              <a:t>CLICK</a:t>
+            </a:r>
+          </a:p>
+          <a:p>
+            <a:pPr marL="0" marR="0" lvl="0" indent="0" algn="l" defTabSz="914400" rtl="0" eaLnBrk="1" fontAlgn="auto" latinLnBrk="0" hangingPunct="1">
+              <a:lnSpc>
+                <a:spcPct val="100000"/>
+              </a:lnSpc>
+              <a:spcBef>
+                <a:spcPts val="0"/>
+              </a:spcBef>
+              <a:spcAft>
+                <a:spcPts val="0"/>
+              </a:spcAft>
+              <a:buClrTx/>
+              <a:buSzTx/>
+              <a:buFontTx/>
+              <a:buNone/>
+              <a:tabLst/>
+              <a:defRPr/>
+            </a:pPr>
+            <a:r>
+              <a:rPr lang="fr-FR" dirty="0" err="1"/>
+              <a:t>Np.random.seed</a:t>
+            </a:r>
+            <a:r>
+              <a:rPr lang="fr-FR" dirty="0"/>
+              <a:t>(1) permet de bloquer le nombre de lancés aléatoires à 1 (afin d’éviter d’avoir des résultats différent entre chaque exécution)</a:t>
+            </a:r>
+          </a:p>
+          <a:p>
+            <a:pPr marL="0" marR="0" lvl="0" indent="0" algn="l" defTabSz="914400" rtl="0" eaLnBrk="1" fontAlgn="auto" latinLnBrk="0" hangingPunct="1">
+              <a:lnSpc>
+                <a:spcPct val="100000"/>
+              </a:lnSpc>
+              <a:spcBef>
+                <a:spcPts val="0"/>
+              </a:spcBef>
+              <a:spcAft>
+                <a:spcPts val="0"/>
+              </a:spcAft>
+              <a:buClrTx/>
+              <a:buSzTx/>
+              <a:buFontTx/>
+              <a:buNone/>
+              <a:tabLst/>
+              <a:defRPr/>
+            </a:pPr>
             <a:endParaRPr lang="fr-FR" dirty="0"/>
+          </a:p>
+          <a:p>
+            <a:pPr marL="0" marR="0" lvl="0" indent="0" algn="l" defTabSz="914400" rtl="0" eaLnBrk="1" fontAlgn="auto" latinLnBrk="0" hangingPunct="1">
+              <a:lnSpc>
+                <a:spcPct val="100000"/>
+              </a:lnSpc>
+              <a:spcBef>
+                <a:spcPts val="0"/>
+              </a:spcBef>
+              <a:spcAft>
+                <a:spcPts val="0"/>
+              </a:spcAft>
+              <a:buClrTx/>
+              <a:buSzTx/>
+              <a:buFontTx/>
+              <a:buNone/>
+              <a:tabLst/>
+              <a:defRPr/>
+            </a:pPr>
+            <a:r>
+              <a:rPr lang="fr-FR" dirty="0"/>
+              <a:t>CLICK</a:t>
+            </a:r>
+          </a:p>
+          <a:p>
+            <a:pPr marL="0" marR="0" lvl="0" indent="0" algn="l" defTabSz="914400" rtl="0" eaLnBrk="1" fontAlgn="auto" latinLnBrk="0" hangingPunct="1">
+              <a:lnSpc>
+                <a:spcPct val="100000"/>
+              </a:lnSpc>
+              <a:spcBef>
+                <a:spcPts val="0"/>
+              </a:spcBef>
+              <a:spcAft>
+                <a:spcPts val="0"/>
+              </a:spcAft>
+              <a:buClrTx/>
+              <a:buSzTx/>
+              <a:buFontTx/>
+              <a:buNone/>
+              <a:tabLst/>
+              <a:defRPr/>
+            </a:pPr>
+            <a:r>
+              <a:rPr lang="fr-FR" dirty="0"/>
+              <a:t>On utilise ensuite ks_2amp pour savoir si la variable suit une loi normale ou non : </a:t>
+            </a:r>
+          </a:p>
+          <a:p>
+            <a:pPr marL="0" marR="0" lvl="0" indent="0" algn="l" defTabSz="914400" rtl="0" eaLnBrk="1" fontAlgn="auto" latinLnBrk="0" hangingPunct="1">
+              <a:lnSpc>
+                <a:spcPct val="100000"/>
+              </a:lnSpc>
+              <a:spcBef>
+                <a:spcPts val="0"/>
+              </a:spcBef>
+              <a:spcAft>
+                <a:spcPts val="0"/>
+              </a:spcAft>
+              <a:buClrTx/>
+              <a:buSzTx/>
+              <a:buFontTx/>
+              <a:buNone/>
+              <a:tabLst/>
+              <a:defRPr/>
+            </a:pPr>
+            <a:endParaRPr lang="fr-FR" dirty="0"/>
+          </a:p>
+          <a:p>
+            <a:pPr marL="0" marR="0" lvl="0" indent="0" algn="l" defTabSz="914400" rtl="0" eaLnBrk="1" fontAlgn="auto" latinLnBrk="0" hangingPunct="1">
+              <a:lnSpc>
+                <a:spcPct val="100000"/>
+              </a:lnSpc>
+              <a:spcBef>
+                <a:spcPts val="0"/>
+              </a:spcBef>
+              <a:spcAft>
+                <a:spcPts val="0"/>
+              </a:spcAft>
+              <a:buClrTx/>
+              <a:buSzTx/>
+              <a:buFontTx/>
+              <a:buNone/>
+              <a:tabLst/>
+              <a:defRPr/>
+            </a:pPr>
+            <a:r>
+              <a:rPr lang="fr-FR" dirty="0"/>
+              <a:t>CLICK</a:t>
+            </a:r>
+          </a:p>
+          <a:p>
+            <a:pPr marL="0" marR="0" lvl="0" indent="0" algn="l" defTabSz="914400" rtl="0" eaLnBrk="1" fontAlgn="auto" latinLnBrk="0" hangingPunct="1">
+              <a:lnSpc>
+                <a:spcPct val="100000"/>
+              </a:lnSpc>
+              <a:spcBef>
+                <a:spcPts val="0"/>
+              </a:spcBef>
+              <a:spcAft>
+                <a:spcPts val="0"/>
+              </a:spcAft>
+              <a:buClrTx/>
+              <a:buSzTx/>
+              <a:buFontTx/>
+              <a:buNone/>
+              <a:tabLst/>
+              <a:defRPr/>
+            </a:pPr>
+            <a:r>
+              <a:rPr lang="fr-FR" dirty="0"/>
+              <a:t>On prend d’abord notre échantillon (avec la colonne que l’on veut tester) </a:t>
+            </a:r>
+          </a:p>
+          <a:p>
+            <a:pPr marL="0" marR="0" lvl="0" indent="0" algn="l" defTabSz="914400" rtl="0" eaLnBrk="1" fontAlgn="auto" latinLnBrk="0" hangingPunct="1">
+              <a:lnSpc>
+                <a:spcPct val="100000"/>
+              </a:lnSpc>
+              <a:spcBef>
+                <a:spcPts val="0"/>
+              </a:spcBef>
+              <a:spcAft>
+                <a:spcPts val="0"/>
+              </a:spcAft>
+              <a:buClrTx/>
+              <a:buSzTx/>
+              <a:buFontTx/>
+              <a:buNone/>
+              <a:tabLst/>
+              <a:defRPr/>
+            </a:pPr>
+            <a:endParaRPr lang="fr-FR" dirty="0"/>
+          </a:p>
+          <a:p>
+            <a:pPr marL="0" marR="0" lvl="0" indent="0" algn="l" defTabSz="914400" rtl="0" eaLnBrk="1" fontAlgn="auto" latinLnBrk="0" hangingPunct="1">
+              <a:lnSpc>
+                <a:spcPct val="100000"/>
+              </a:lnSpc>
+              <a:spcBef>
+                <a:spcPts val="0"/>
+              </a:spcBef>
+              <a:spcAft>
+                <a:spcPts val="0"/>
+              </a:spcAft>
+              <a:buClrTx/>
+              <a:buSzTx/>
+              <a:buFontTx/>
+              <a:buNone/>
+              <a:tabLst/>
+              <a:defRPr/>
+            </a:pPr>
+            <a:r>
+              <a:rPr lang="fr-FR" dirty="0"/>
+              <a:t>CLICK</a:t>
+            </a:r>
+          </a:p>
+          <a:p>
+            <a:pPr marL="0" marR="0" lvl="0" indent="0" algn="l" defTabSz="914400" rtl="0" eaLnBrk="1" fontAlgn="auto" latinLnBrk="0" hangingPunct="1">
+              <a:lnSpc>
+                <a:spcPct val="100000"/>
+              </a:lnSpc>
+              <a:spcBef>
+                <a:spcPts val="0"/>
+              </a:spcBef>
+              <a:spcAft>
+                <a:spcPts val="0"/>
+              </a:spcAft>
+              <a:buClrTx/>
+              <a:buSzTx/>
+              <a:buFontTx/>
+              <a:buNone/>
+              <a:tabLst/>
+              <a:defRPr/>
+            </a:pPr>
+            <a:r>
+              <a:rPr lang="fr-FR" dirty="0"/>
+              <a:t>Puis, en deuxième valeur, on transforme notre échantillon en échantillon suivant une loi normale, afin de comparer les deux.</a:t>
+            </a:r>
+          </a:p>
+          <a:p>
+            <a:pPr marL="0" marR="0" lvl="0" indent="0" algn="l" defTabSz="914400" rtl="0" eaLnBrk="1" fontAlgn="auto" latinLnBrk="0" hangingPunct="1">
+              <a:lnSpc>
+                <a:spcPct val="100000"/>
+              </a:lnSpc>
+              <a:spcBef>
+                <a:spcPts val="0"/>
+              </a:spcBef>
+              <a:spcAft>
+                <a:spcPts val="0"/>
+              </a:spcAft>
+              <a:buClrTx/>
+              <a:buSzTx/>
+              <a:buFontTx/>
+              <a:buNone/>
+              <a:tabLst/>
+              <a:defRPr/>
+            </a:pPr>
+            <a:endParaRPr lang="fr-FR" dirty="0"/>
+          </a:p>
+          <a:p>
+            <a:pPr marL="0" marR="0" lvl="0" indent="0" algn="l" defTabSz="914400" rtl="0" eaLnBrk="1" fontAlgn="auto" latinLnBrk="0" hangingPunct="1">
+              <a:lnSpc>
+                <a:spcPct val="100000"/>
+              </a:lnSpc>
+              <a:spcBef>
+                <a:spcPts val="0"/>
+              </a:spcBef>
+              <a:spcAft>
+                <a:spcPts val="0"/>
+              </a:spcAft>
+              <a:buClrTx/>
+              <a:buSzTx/>
+              <a:buFontTx/>
+              <a:buNone/>
+              <a:tabLst/>
+              <a:defRPr/>
+            </a:pPr>
+            <a:r>
+              <a:rPr lang="fr-FR" dirty="0"/>
+              <a:t>CLICK</a:t>
+            </a:r>
+          </a:p>
+          <a:p>
+            <a:pPr marL="0" marR="0" lvl="0" indent="0" algn="l" defTabSz="914400" rtl="0" eaLnBrk="1" fontAlgn="auto" latinLnBrk="0" hangingPunct="1">
+              <a:lnSpc>
+                <a:spcPct val="100000"/>
+              </a:lnSpc>
+              <a:spcBef>
+                <a:spcPts val="0"/>
+              </a:spcBef>
+              <a:spcAft>
+                <a:spcPts val="0"/>
+              </a:spcAft>
+              <a:buClrTx/>
+              <a:buSzTx/>
+              <a:buFontTx/>
+              <a:buNone/>
+              <a:tabLst/>
+              <a:defRPr/>
+            </a:pPr>
+            <a:r>
+              <a:rPr lang="fr-FR" dirty="0"/>
+              <a:t>Enfin, on utilise une condition IF pour afficher si la variable suit une loi normale ou non (grâce à la comparaison entre Alpha et </a:t>
+            </a:r>
+            <a:r>
+              <a:rPr lang="fr-FR" dirty="0" err="1"/>
+              <a:t>P_valeur</a:t>
+            </a:r>
+            <a:r>
+              <a:rPr lang="fr-FR" dirty="0"/>
+              <a:t>)</a:t>
+            </a:r>
+          </a:p>
+          <a:p>
+            <a:endParaRPr lang="fr-FR" dirty="0"/>
+          </a:p>
+          <a:p>
+            <a:r>
+              <a:rPr lang="fr-FR" dirty="0"/>
+              <a:t>CLICK</a:t>
+            </a:r>
+          </a:p>
+          <a:p>
+            <a:r>
+              <a:rPr lang="fr-FR" dirty="0"/>
+              <a:t>Ce qui nous donne le tableau suivant pour nos variables </a:t>
+            </a:r>
           </a:p>
         </p:txBody>
       </p:sp>
@@ -1013,7 +1348,7 @@
           <a:p>
             <a:fld id="{F44DFA25-216B-4048-9E14-17772AFFB9C9}" type="slidenum">
               <a:rPr lang="fr-FR" smtClean="0"/>
-              <a:t>23</a:t>
+              <a:t>18</a:t>
             </a:fld>
             <a:endParaRPr lang="fr-FR"/>
           </a:p>
@@ -1022,7 +1357,7 @@
     </p:spTree>
     <p:extLst>
       <p:ext uri="{BB962C8B-B14F-4D97-AF65-F5344CB8AC3E}">
-        <p14:creationId xmlns:p14="http://schemas.microsoft.com/office/powerpoint/2010/main" val="910795080"/>
+        <p14:creationId xmlns:p14="http://schemas.microsoft.com/office/powerpoint/2010/main" val="821450017"/>
       </p:ext>
     </p:extLst>
   </p:cSld>
@@ -1076,7 +1411,47 @@
           <a:bodyPr/>
           <a:lstStyle/>
           <a:p>
+            <a:r>
+              <a:rPr lang="fr-FR" dirty="0"/>
+              <a:t>Point à revoir</a:t>
+            </a:r>
+          </a:p>
+          <a:p>
             <a:endParaRPr lang="fr-FR" dirty="0"/>
+          </a:p>
+          <a:p>
+            <a:r>
+              <a:rPr lang="fr-FR" dirty="0"/>
+              <a:t>Le but du test est de vérifier que nos Clusters diffèrent bien entre eux.</a:t>
+            </a:r>
+          </a:p>
+          <a:p>
+            <a:endParaRPr lang="fr-FR" dirty="0"/>
+          </a:p>
+          <a:p>
+            <a:r>
+              <a:rPr lang="fr-FR" dirty="0"/>
+              <a:t>On s’apprête à tester nos variables suivant une loi normale ; On souhaite savoir si ces variables suivent la même loi normale en fonction des Clusters (en analysant la Variance), tout en étant différents (en testant la Moyenne) ; </a:t>
+            </a:r>
+          </a:p>
+          <a:p>
+            <a:endParaRPr lang="fr-FR" dirty="0"/>
+          </a:p>
+          <a:p>
+            <a:r>
+              <a:rPr lang="fr-FR" dirty="0"/>
+              <a:t>En fait, on veut que chaque Cluster prenne une partie de la variable globale (une partie de la courbe de la variable de l’échantillon, en loi normale donc), mais que ces Clusters diffèrent dans la partie de la loi normale qu’il prenne (moyenne différente). </a:t>
+            </a:r>
+            <a:br>
+              <a:rPr lang="fr-FR" dirty="0"/>
+            </a:br>
+            <a:br>
+              <a:rPr lang="fr-FR" dirty="0"/>
+            </a:br>
+            <a:r>
+              <a:rPr lang="fr-FR" dirty="0"/>
+              <a:t>Partie à expliquer plus clairement, mais voilà l’idée.</a:t>
+            </a:r>
           </a:p>
         </p:txBody>
       </p:sp>
@@ -1095,9 +1470,9 @@
           <a:bodyPr/>
           <a:lstStyle/>
           <a:p>
-            <a:fld id="{5F05756B-5F5C-4EED-907C-E25857D58D0B}" type="slidenum">
+            <a:fld id="{F44DFA25-216B-4048-9E14-17772AFFB9C9}" type="slidenum">
               <a:rPr lang="fr-FR" smtClean="0"/>
-              <a:t>24</a:t>
+              <a:t>19</a:t>
             </a:fld>
             <a:endParaRPr lang="fr-FR"/>
           </a:p>
@@ -1106,7 +1481,7 @@
     </p:spTree>
     <p:extLst>
       <p:ext uri="{BB962C8B-B14F-4D97-AF65-F5344CB8AC3E}">
-        <p14:creationId xmlns:p14="http://schemas.microsoft.com/office/powerpoint/2010/main" val="268619433"/>
+        <p14:creationId xmlns:p14="http://schemas.microsoft.com/office/powerpoint/2010/main" val="3805455055"/>
       </p:ext>
     </p:extLst>
   </p:cSld>
@@ -1162,15 +1537,38 @@
           <a:p>
             <a:r>
               <a:rPr lang="fr-FR" dirty="0"/>
-              <a:t>Remettre le </a:t>
+              <a:t>Nous nous intéresserons ici à deux Clusters : </a:t>
+            </a:r>
+          </a:p>
+          <a:p>
+            <a:r>
+              <a:rPr lang="fr-FR" dirty="0"/>
+              <a:t>Le 5 et le 7 </a:t>
+            </a:r>
+          </a:p>
+          <a:p>
+            <a:r>
+              <a:rPr lang="fr-FR" dirty="0"/>
+              <a:t>Ainsi qu’à deux variables – </a:t>
             </a:r>
             <a:r>
               <a:rPr lang="fr-FR" dirty="0" err="1"/>
-              <a:t>Df</a:t>
+              <a:t>Ratio_prot</a:t>
             </a:r>
             <a:r>
               <a:rPr lang="fr-FR" dirty="0"/>
-              <a:t> sans la France et voir pour les émirats arabes unis</a:t>
+              <a:t> et </a:t>
+            </a:r>
+            <a:r>
+              <a:rPr lang="fr-FR" dirty="0" err="1"/>
+              <a:t>Dispo_alim_tot</a:t>
+            </a:r>
+            <a:endParaRPr lang="fr-FR" dirty="0"/>
+          </a:p>
+          <a:p>
+            <a:r>
+              <a:rPr lang="fr-FR" dirty="0"/>
+              <a:t>Comme vu dans la partie précédente, ces deux variables suivent bien une loi normale.</a:t>
             </a:r>
           </a:p>
         </p:txBody>
@@ -1192,7 +1590,7 @@
           <a:p>
             <a:fld id="{F44DFA25-216B-4048-9E14-17772AFFB9C9}" type="slidenum">
               <a:rPr lang="fr-FR" smtClean="0"/>
-              <a:t>25</a:t>
+              <a:t>20</a:t>
             </a:fld>
             <a:endParaRPr lang="fr-FR"/>
           </a:p>
@@ -1201,7 +1599,432 @@
     </p:spTree>
     <p:extLst>
       <p:ext uri="{BB962C8B-B14F-4D97-AF65-F5344CB8AC3E}">
-        <p14:creationId xmlns:p14="http://schemas.microsoft.com/office/powerpoint/2010/main" val="2302832259"/>
+        <p14:creationId xmlns:p14="http://schemas.microsoft.com/office/powerpoint/2010/main" val="3671374684"/>
+      </p:ext>
+    </p:extLst>
+  </p:cSld>
+  <p:clrMapOvr>
+    <a:masterClrMapping/>
+  </p:clrMapOvr>
+</p:notes>
+</file>
+
+<file path=ppt/notesSlides/notesSlide16.xml><?xml version="1.0" encoding="utf-8"?>
+<p:notes xmlns:a="http://schemas.openxmlformats.org/drawingml/2006/main" xmlns:r="http://schemas.openxmlformats.org/officeDocument/2006/relationships" xmlns:p="http://schemas.openxmlformats.org/presentationml/2006/main">
+  <p:cSld>
+    <p:spTree>
+      <p:nvGrpSpPr>
+        <p:cNvPr id="1" name=""/>
+        <p:cNvGrpSpPr/>
+        <p:nvPr/>
+      </p:nvGrpSpPr>
+      <p:grpSpPr>
+        <a:xfrm>
+          <a:off x="0" y="0"/>
+          <a:ext cx="0" cy="0"/>
+          <a:chOff x="0" y="0"/>
+          <a:chExt cx="0" cy="0"/>
+        </a:xfrm>
+      </p:grpSpPr>
+      <p:sp>
+        <p:nvSpPr>
+          <p:cNvPr id="2" name="Espace réservé de l'image des diapositives 1"/>
+          <p:cNvSpPr>
+            <a:spLocks noGrp="1" noRot="1" noChangeAspect="1"/>
+          </p:cNvSpPr>
+          <p:nvPr>
+            <p:ph type="sldImg"/>
+          </p:nvPr>
+        </p:nvSpPr>
+        <p:spPr/>
+      </p:sp>
+      <p:sp>
+        <p:nvSpPr>
+          <p:cNvPr id="3" name="Espace réservé des notes 2"/>
+          <p:cNvSpPr>
+            <a:spLocks noGrp="1"/>
+          </p:cNvSpPr>
+          <p:nvPr>
+            <p:ph type="body" idx="1"/>
+          </p:nvPr>
+        </p:nvSpPr>
+        <p:spPr/>
+        <p:txBody>
+          <a:bodyPr/>
+          <a:lstStyle/>
+          <a:p>
+            <a:r>
+              <a:rPr lang="fr-FR" dirty="0"/>
+              <a:t>On utilise ici </a:t>
+            </a:r>
+            <a:r>
+              <a:rPr lang="fr-FR" dirty="0" err="1"/>
+              <a:t>scipy.stats.barlett</a:t>
+            </a:r>
+            <a:r>
+              <a:rPr lang="fr-FR" dirty="0"/>
+              <a:t> pour comparer les deux échantillons ; </a:t>
+            </a:r>
+          </a:p>
+          <a:p>
+            <a:r>
+              <a:rPr lang="fr-FR" dirty="0"/>
+              <a:t>On peut ainsi savoir si les variances sont différentes en comparant Alpha et </a:t>
+            </a:r>
+            <a:r>
+              <a:rPr lang="fr-FR" dirty="0" err="1"/>
+              <a:t>P_valeur</a:t>
+            </a:r>
+            <a:r>
+              <a:rPr lang="fr-FR" dirty="0"/>
+              <a:t> ;</a:t>
+            </a:r>
+          </a:p>
+          <a:p>
+            <a:endParaRPr lang="fr-FR" dirty="0"/>
+          </a:p>
+          <a:p>
+            <a:r>
+              <a:rPr lang="fr-FR" dirty="0"/>
+              <a:t>Ici, avec un niveau de test à 1%, les variances sont bien égales.</a:t>
+            </a:r>
+          </a:p>
+          <a:p>
+            <a:r>
+              <a:rPr lang="fr-FR" dirty="0"/>
+              <a:t>Les deux Clusters suivent donc la même loi normale.</a:t>
+            </a:r>
+          </a:p>
+        </p:txBody>
+      </p:sp>
+      <p:sp>
+        <p:nvSpPr>
+          <p:cNvPr id="4" name="Espace réservé du numéro de diapositive 3"/>
+          <p:cNvSpPr>
+            <a:spLocks noGrp="1"/>
+          </p:cNvSpPr>
+          <p:nvPr>
+            <p:ph type="sldNum" sz="quarter" idx="5"/>
+          </p:nvPr>
+        </p:nvSpPr>
+        <p:spPr/>
+        <p:txBody>
+          <a:bodyPr/>
+          <a:lstStyle/>
+          <a:p>
+            <a:fld id="{F44DFA25-216B-4048-9E14-17772AFFB9C9}" type="slidenum">
+              <a:rPr lang="fr-FR" smtClean="0"/>
+              <a:t>21</a:t>
+            </a:fld>
+            <a:endParaRPr lang="fr-FR"/>
+          </a:p>
+        </p:txBody>
+      </p:sp>
+    </p:spTree>
+    <p:extLst>
+      <p:ext uri="{BB962C8B-B14F-4D97-AF65-F5344CB8AC3E}">
+        <p14:creationId xmlns:p14="http://schemas.microsoft.com/office/powerpoint/2010/main" val="3666263677"/>
+      </p:ext>
+    </p:extLst>
+  </p:cSld>
+  <p:clrMapOvr>
+    <a:masterClrMapping/>
+  </p:clrMapOvr>
+</p:notes>
+</file>
+
+<file path=ppt/notesSlides/notesSlide17.xml><?xml version="1.0" encoding="utf-8"?>
+<p:notes xmlns:a="http://schemas.openxmlformats.org/drawingml/2006/main" xmlns:r="http://schemas.openxmlformats.org/officeDocument/2006/relationships" xmlns:p="http://schemas.openxmlformats.org/presentationml/2006/main">
+  <p:cSld>
+    <p:spTree>
+      <p:nvGrpSpPr>
+        <p:cNvPr id="1" name=""/>
+        <p:cNvGrpSpPr/>
+        <p:nvPr/>
+      </p:nvGrpSpPr>
+      <p:grpSpPr>
+        <a:xfrm>
+          <a:off x="0" y="0"/>
+          <a:ext cx="0" cy="0"/>
+          <a:chOff x="0" y="0"/>
+          <a:chExt cx="0" cy="0"/>
+        </a:xfrm>
+      </p:grpSpPr>
+      <p:sp>
+        <p:nvSpPr>
+          <p:cNvPr id="2" name="Espace réservé de l'image des diapositives 1"/>
+          <p:cNvSpPr>
+            <a:spLocks noGrp="1" noRot="1" noChangeAspect="1"/>
+          </p:cNvSpPr>
+          <p:nvPr>
+            <p:ph type="sldImg"/>
+          </p:nvPr>
+        </p:nvSpPr>
+        <p:spPr/>
+      </p:sp>
+      <p:sp>
+        <p:nvSpPr>
+          <p:cNvPr id="3" name="Espace réservé des notes 2"/>
+          <p:cNvSpPr>
+            <a:spLocks noGrp="1"/>
+          </p:cNvSpPr>
+          <p:nvPr>
+            <p:ph type="body" idx="1"/>
+          </p:nvPr>
+        </p:nvSpPr>
+        <p:spPr/>
+        <p:txBody>
+          <a:bodyPr/>
+          <a:lstStyle/>
+          <a:p>
+            <a:r>
+              <a:rPr lang="fr-FR" dirty="0"/>
+              <a:t>On utilise ici </a:t>
+            </a:r>
+            <a:r>
+              <a:rPr lang="fr-FR" dirty="0" err="1"/>
+              <a:t>scipy.stats.ttest_ind</a:t>
+            </a:r>
+            <a:r>
+              <a:rPr lang="fr-FR" dirty="0"/>
+              <a:t> pour comparer les deux Clusters </a:t>
+            </a:r>
+          </a:p>
+          <a:p>
+            <a:r>
+              <a:rPr lang="fr-FR" dirty="0"/>
+              <a:t>CLICK</a:t>
+            </a:r>
+          </a:p>
+          <a:p>
+            <a:endParaRPr lang="fr-FR" dirty="0"/>
+          </a:p>
+          <a:p>
+            <a:r>
+              <a:rPr lang="fr-FR" dirty="0"/>
+              <a:t>Encore une fois, en comparant alpha et </a:t>
+            </a:r>
+            <a:r>
+              <a:rPr lang="fr-FR" dirty="0" err="1"/>
+              <a:t>p_valeur</a:t>
+            </a:r>
+            <a:r>
+              <a:rPr lang="fr-FR" dirty="0"/>
+              <a:t>, on sait si les moyennes sont égales ou non</a:t>
+            </a:r>
+          </a:p>
+          <a:p>
+            <a:endParaRPr lang="fr-FR" dirty="0"/>
+          </a:p>
+          <a:p>
+            <a:r>
+              <a:rPr lang="fr-FR" dirty="0"/>
+              <a:t>CLICK </a:t>
+            </a:r>
+          </a:p>
+          <a:p>
+            <a:r>
+              <a:rPr lang="fr-FR" dirty="0"/>
+              <a:t>Ici, les moyennes diffèrent bien.</a:t>
+            </a:r>
+          </a:p>
+        </p:txBody>
+      </p:sp>
+      <p:sp>
+        <p:nvSpPr>
+          <p:cNvPr id="4" name="Espace réservé du numéro de diapositive 3"/>
+          <p:cNvSpPr>
+            <a:spLocks noGrp="1"/>
+          </p:cNvSpPr>
+          <p:nvPr>
+            <p:ph type="sldNum" sz="quarter" idx="5"/>
+          </p:nvPr>
+        </p:nvSpPr>
+        <p:spPr/>
+        <p:txBody>
+          <a:bodyPr/>
+          <a:lstStyle/>
+          <a:p>
+            <a:fld id="{F44DFA25-216B-4048-9E14-17772AFFB9C9}" type="slidenum">
+              <a:rPr lang="fr-FR" smtClean="0"/>
+              <a:t>22</a:t>
+            </a:fld>
+            <a:endParaRPr lang="fr-FR"/>
+          </a:p>
+        </p:txBody>
+      </p:sp>
+    </p:spTree>
+    <p:extLst>
+      <p:ext uri="{BB962C8B-B14F-4D97-AF65-F5344CB8AC3E}">
+        <p14:creationId xmlns:p14="http://schemas.microsoft.com/office/powerpoint/2010/main" val="1147614657"/>
+      </p:ext>
+    </p:extLst>
+  </p:cSld>
+  <p:clrMapOvr>
+    <a:masterClrMapping/>
+  </p:clrMapOvr>
+</p:notes>
+</file>
+
+<file path=ppt/notesSlides/notesSlide18.xml><?xml version="1.0" encoding="utf-8"?>
+<p:notes xmlns:a="http://schemas.openxmlformats.org/drawingml/2006/main" xmlns:r="http://schemas.openxmlformats.org/officeDocument/2006/relationships" xmlns:p="http://schemas.openxmlformats.org/presentationml/2006/main">
+  <p:cSld>
+    <p:spTree>
+      <p:nvGrpSpPr>
+        <p:cNvPr id="1" name=""/>
+        <p:cNvGrpSpPr/>
+        <p:nvPr/>
+      </p:nvGrpSpPr>
+      <p:grpSpPr>
+        <a:xfrm>
+          <a:off x="0" y="0"/>
+          <a:ext cx="0" cy="0"/>
+          <a:chOff x="0" y="0"/>
+          <a:chExt cx="0" cy="0"/>
+        </a:xfrm>
+      </p:grpSpPr>
+      <p:sp>
+        <p:nvSpPr>
+          <p:cNvPr id="2" name="Espace réservé de l'image des diapositives 1"/>
+          <p:cNvSpPr>
+            <a:spLocks noGrp="1" noRot="1" noChangeAspect="1"/>
+          </p:cNvSpPr>
+          <p:nvPr>
+            <p:ph type="sldImg"/>
+          </p:nvPr>
+        </p:nvSpPr>
+        <p:spPr/>
+      </p:sp>
+      <p:sp>
+        <p:nvSpPr>
+          <p:cNvPr id="3" name="Espace réservé des notes 2"/>
+          <p:cNvSpPr>
+            <a:spLocks noGrp="1"/>
+          </p:cNvSpPr>
+          <p:nvPr>
+            <p:ph type="body" idx="1"/>
+          </p:nvPr>
+        </p:nvSpPr>
+        <p:spPr/>
+        <p:txBody>
+          <a:bodyPr/>
+          <a:lstStyle/>
+          <a:p>
+            <a:endParaRPr lang="fr-FR" dirty="0"/>
+          </a:p>
+        </p:txBody>
+      </p:sp>
+      <p:sp>
+        <p:nvSpPr>
+          <p:cNvPr id="4" name="Espace réservé du numéro de diapositive 3"/>
+          <p:cNvSpPr>
+            <a:spLocks noGrp="1"/>
+          </p:cNvSpPr>
+          <p:nvPr>
+            <p:ph type="sldNum" sz="quarter" idx="5"/>
+          </p:nvPr>
+        </p:nvSpPr>
+        <p:spPr/>
+        <p:txBody>
+          <a:bodyPr/>
+          <a:lstStyle/>
+          <a:p>
+            <a:fld id="{F44DFA25-216B-4048-9E14-17772AFFB9C9}" type="slidenum">
+              <a:rPr lang="fr-FR" smtClean="0"/>
+              <a:t>23</a:t>
+            </a:fld>
+            <a:endParaRPr lang="fr-FR"/>
+          </a:p>
+        </p:txBody>
+      </p:sp>
+    </p:spTree>
+    <p:extLst>
+      <p:ext uri="{BB962C8B-B14F-4D97-AF65-F5344CB8AC3E}">
+        <p14:creationId xmlns:p14="http://schemas.microsoft.com/office/powerpoint/2010/main" val="910795080"/>
+      </p:ext>
+    </p:extLst>
+  </p:cSld>
+  <p:clrMapOvr>
+    <a:masterClrMapping/>
+  </p:clrMapOvr>
+</p:notes>
+</file>
+
+<file path=ppt/notesSlides/notesSlide19.xml><?xml version="1.0" encoding="utf-8"?>
+<p:notes xmlns:a="http://schemas.openxmlformats.org/drawingml/2006/main" xmlns:r="http://schemas.openxmlformats.org/officeDocument/2006/relationships" xmlns:p="http://schemas.openxmlformats.org/presentationml/2006/main">
+  <p:cSld>
+    <p:spTree>
+      <p:nvGrpSpPr>
+        <p:cNvPr id="1" name=""/>
+        <p:cNvGrpSpPr/>
+        <p:nvPr/>
+      </p:nvGrpSpPr>
+      <p:grpSpPr>
+        <a:xfrm>
+          <a:off x="0" y="0"/>
+          <a:ext cx="0" cy="0"/>
+          <a:chOff x="0" y="0"/>
+          <a:chExt cx="0" cy="0"/>
+        </a:xfrm>
+      </p:grpSpPr>
+      <p:sp>
+        <p:nvSpPr>
+          <p:cNvPr id="2" name="Espace réservé de l'image des diapositives 1"/>
+          <p:cNvSpPr>
+            <a:spLocks noGrp="1" noRot="1" noChangeAspect="1"/>
+          </p:cNvSpPr>
+          <p:nvPr>
+            <p:ph type="sldImg"/>
+          </p:nvPr>
+        </p:nvSpPr>
+        <p:spPr/>
+      </p:sp>
+      <p:sp>
+        <p:nvSpPr>
+          <p:cNvPr id="3" name="Espace réservé des notes 2"/>
+          <p:cNvSpPr>
+            <a:spLocks noGrp="1"/>
+          </p:cNvSpPr>
+          <p:nvPr>
+            <p:ph type="body" idx="1"/>
+          </p:nvPr>
+        </p:nvSpPr>
+        <p:spPr/>
+        <p:txBody>
+          <a:bodyPr/>
+          <a:lstStyle/>
+          <a:p>
+            <a:endParaRPr lang="fr-FR" dirty="0"/>
+          </a:p>
+        </p:txBody>
+      </p:sp>
+      <p:sp>
+        <p:nvSpPr>
+          <p:cNvPr id="4" name="Espace réservé du numéro de diapositive 3"/>
+          <p:cNvSpPr>
+            <a:spLocks noGrp="1"/>
+          </p:cNvSpPr>
+          <p:nvPr>
+            <p:ph type="sldNum" sz="quarter" idx="5"/>
+          </p:nvPr>
+        </p:nvSpPr>
+        <p:spPr/>
+        <p:txBody>
+          <a:bodyPr/>
+          <a:lstStyle/>
+          <a:p>
+            <a:fld id="{5F05756B-5F5C-4EED-907C-E25857D58D0B}" type="slidenum">
+              <a:rPr lang="fr-FR" smtClean="0"/>
+              <a:t>24</a:t>
+            </a:fld>
+            <a:endParaRPr lang="fr-FR"/>
+          </a:p>
+        </p:txBody>
+      </p:sp>
+    </p:spTree>
+    <p:extLst>
+      <p:ext uri="{BB962C8B-B14F-4D97-AF65-F5344CB8AC3E}">
+        <p14:creationId xmlns:p14="http://schemas.microsoft.com/office/powerpoint/2010/main" val="268619433"/>
       </p:ext>
     </p:extLst>
   </p:cSld>
@@ -1255,6 +2078,34 @@
           <a:bodyPr/>
           <a:lstStyle/>
           <a:p>
+            <a:pPr marL="0" marR="0" lvl="0" indent="0" algn="l" defTabSz="914400" rtl="0" eaLnBrk="1" fontAlgn="auto" latinLnBrk="0" hangingPunct="1">
+              <a:lnSpc>
+                <a:spcPct val="100000"/>
+              </a:lnSpc>
+              <a:spcBef>
+                <a:spcPts val="0"/>
+              </a:spcBef>
+              <a:spcAft>
+                <a:spcPts val="0"/>
+              </a:spcAft>
+              <a:buClrTx/>
+              <a:buSzTx/>
+              <a:buFontTx/>
+              <a:buNone/>
+              <a:tabLst/>
+              <a:defRPr/>
+            </a:pPr>
+            <a:r>
+              <a:rPr lang="fr-FR" dirty="0"/>
+              <a:t>L’entreprise souhaite</a:t>
+            </a:r>
+            <a:r>
+              <a:rPr lang="fr-FR" baseline="0" dirty="0"/>
+              <a:t> se développer à l’international, en exportant de la viande de volaille. Aucun pays n’est visé en particulier. Mon travail consiste donc à « dégrossir » le champ des possibles en ciblant les pays les plus intéressants ; Ensuite, l’équipe Marketing pourra rentrer plus en détails dans les recherches pour ces pays là. </a:t>
+            </a:r>
+            <a:endParaRPr lang="fr-FR" dirty="0"/>
+          </a:p>
+          <a:p>
             <a:endParaRPr lang="fr-FR" dirty="0"/>
           </a:p>
         </p:txBody>
@@ -1274,9 +2125,9 @@
           <a:bodyPr/>
           <a:lstStyle/>
           <a:p>
-            <a:fld id="{5F05756B-5F5C-4EED-907C-E25857D58D0B}" type="slidenum">
+            <a:fld id="{F44DFA25-216B-4048-9E14-17772AFFB9C9}" type="slidenum">
               <a:rPr lang="fr-FR" smtClean="0"/>
-              <a:t>6</a:t>
+              <a:t>4</a:t>
             </a:fld>
             <a:endParaRPr lang="fr-FR"/>
           </a:p>
@@ -1285,7 +2136,102 @@
     </p:spTree>
     <p:extLst>
       <p:ext uri="{BB962C8B-B14F-4D97-AF65-F5344CB8AC3E}">
-        <p14:creationId xmlns:p14="http://schemas.microsoft.com/office/powerpoint/2010/main" val="4010471913"/>
+        <p14:creationId xmlns:p14="http://schemas.microsoft.com/office/powerpoint/2010/main" val="3322199382"/>
+      </p:ext>
+    </p:extLst>
+  </p:cSld>
+  <p:clrMapOvr>
+    <a:masterClrMapping/>
+  </p:clrMapOvr>
+</p:notes>
+</file>
+
+<file path=ppt/notesSlides/notesSlide20.xml><?xml version="1.0" encoding="utf-8"?>
+<p:notes xmlns:a="http://schemas.openxmlformats.org/drawingml/2006/main" xmlns:r="http://schemas.openxmlformats.org/officeDocument/2006/relationships" xmlns:p="http://schemas.openxmlformats.org/presentationml/2006/main">
+  <p:cSld>
+    <p:spTree>
+      <p:nvGrpSpPr>
+        <p:cNvPr id="1" name=""/>
+        <p:cNvGrpSpPr/>
+        <p:nvPr/>
+      </p:nvGrpSpPr>
+      <p:grpSpPr>
+        <a:xfrm>
+          <a:off x="0" y="0"/>
+          <a:ext cx="0" cy="0"/>
+          <a:chOff x="0" y="0"/>
+          <a:chExt cx="0" cy="0"/>
+        </a:xfrm>
+      </p:grpSpPr>
+      <p:sp>
+        <p:nvSpPr>
+          <p:cNvPr id="2" name="Espace réservé de l'image des diapositives 1"/>
+          <p:cNvSpPr>
+            <a:spLocks noGrp="1" noRot="1" noChangeAspect="1"/>
+          </p:cNvSpPr>
+          <p:nvPr>
+            <p:ph type="sldImg"/>
+          </p:nvPr>
+        </p:nvSpPr>
+        <p:spPr/>
+      </p:sp>
+      <p:sp>
+        <p:nvSpPr>
+          <p:cNvPr id="3" name="Espace réservé des notes 2"/>
+          <p:cNvSpPr>
+            <a:spLocks noGrp="1"/>
+          </p:cNvSpPr>
+          <p:nvPr>
+            <p:ph type="body" idx="1"/>
+          </p:nvPr>
+        </p:nvSpPr>
+        <p:spPr/>
+        <p:txBody>
+          <a:bodyPr/>
+          <a:lstStyle/>
+          <a:p>
+            <a:r>
+              <a:rPr lang="fr-FR" dirty="0"/>
+              <a:t>Remettre le </a:t>
+            </a:r>
+            <a:r>
+              <a:rPr lang="fr-FR" dirty="0" err="1"/>
+              <a:t>Df</a:t>
+            </a:r>
+            <a:r>
+              <a:rPr lang="fr-FR" dirty="0"/>
+              <a:t> sans la France et voir pour les émirats arabes unis</a:t>
+            </a:r>
+          </a:p>
+        </p:txBody>
+      </p:sp>
+      <p:sp>
+        <p:nvSpPr>
+          <p:cNvPr id="4" name="Espace réservé du numéro de diapositive 3"/>
+          <p:cNvSpPr>
+            <a:spLocks noGrp="1"/>
+          </p:cNvSpPr>
+          <p:nvPr>
+            <p:ph type="sldNum" sz="quarter" idx="5"/>
+          </p:nvPr>
+        </p:nvSpPr>
+        <p:spPr/>
+        <p:txBody>
+          <a:bodyPr/>
+          <a:lstStyle/>
+          <a:p>
+            <a:fld id="{F44DFA25-216B-4048-9E14-17772AFFB9C9}" type="slidenum">
+              <a:rPr lang="fr-FR" smtClean="0"/>
+              <a:t>25</a:t>
+            </a:fld>
+            <a:endParaRPr lang="fr-FR"/>
+          </a:p>
+        </p:txBody>
+      </p:sp>
+    </p:spTree>
+    <p:extLst>
+      <p:ext uri="{BB962C8B-B14F-4D97-AF65-F5344CB8AC3E}">
+        <p14:creationId xmlns:p14="http://schemas.microsoft.com/office/powerpoint/2010/main" val="2302832259"/>
       </p:ext>
     </p:extLst>
   </p:cSld>
@@ -1339,16 +2285,33 @@
           <a:bodyPr/>
           <a:lstStyle/>
           <a:p>
+            <a:pPr algn="just"/>
             <a:r>
               <a:rPr lang="fr-FR" dirty="0"/>
-              <a:t>CLICK</a:t>
-            </a:r>
-          </a:p>
-          <a:p>
+              <a:t>L’enjeux ici est d’accélérer l’étude de marché, en évitant à l’équipe Marketing de faire une étude précise sur un pays qui se révélera inintéressant par la suite (manque de richesse, consommation de viande trop faible, etc…).</a:t>
+            </a:r>
+          </a:p>
+          <a:p>
+            <a:pPr algn="just"/>
             <a:r>
               <a:rPr lang="fr-FR" dirty="0"/>
-              <a:t>Voici le dendrogramme</a:t>
-            </a:r>
+              <a:t>Mon étude intervient donc pour faire un premier tri.</a:t>
+            </a:r>
+          </a:p>
+          <a:p>
+            <a:pPr algn="just"/>
+            <a:r>
+              <a:rPr lang="fr-FR" dirty="0"/>
+              <a:t>Afin de commencer à s’implanter</a:t>
+            </a:r>
+            <a:r>
+              <a:rPr lang="fr-FR" baseline="0" dirty="0"/>
+              <a:t> à l’international, l’entreprise doit trouver des pays qui soient déjà développés, qui importent déjà de la viande de volaille. Il serait trop compliqué de créer un nouveau marché, et cela prendrait énormément de ressource ; Cela sera dans un deuxième temps quand l’entreprise aura grandi.</a:t>
+            </a:r>
+            <a:endParaRPr lang="fr-FR" dirty="0"/>
+          </a:p>
+          <a:p>
+            <a:endParaRPr lang="fr-FR" dirty="0"/>
           </a:p>
         </p:txBody>
       </p:sp>
@@ -1369,7 +2332,7 @@
           <a:p>
             <a:fld id="{F44DFA25-216B-4048-9E14-17772AFFB9C9}" type="slidenum">
               <a:rPr lang="fr-FR" smtClean="0"/>
-              <a:t>10</a:t>
+              <a:t>5</a:t>
             </a:fld>
             <a:endParaRPr lang="fr-FR"/>
           </a:p>
@@ -1378,7 +2341,7 @@
     </p:spTree>
     <p:extLst>
       <p:ext uri="{BB962C8B-B14F-4D97-AF65-F5344CB8AC3E}">
-        <p14:creationId xmlns:p14="http://schemas.microsoft.com/office/powerpoint/2010/main" val="369983837"/>
+        <p14:creationId xmlns:p14="http://schemas.microsoft.com/office/powerpoint/2010/main" val="395216430"/>
       </p:ext>
     </p:extLst>
   </p:cSld>
@@ -1432,10 +2395,7 @@
           <a:bodyPr/>
           <a:lstStyle/>
           <a:p>
-            <a:r>
-              <a:rPr lang="fr-FR" dirty="0"/>
-              <a:t>Nous avons besoin de 6 composantes principales pour expliquer près de 100% des informations</a:t>
-            </a:r>
+            <a:endParaRPr lang="fr-FR" dirty="0"/>
           </a:p>
         </p:txBody>
       </p:sp>
@@ -1454,9 +2414,9 @@
           <a:bodyPr/>
           <a:lstStyle/>
           <a:p>
-            <a:fld id="{F44DFA25-216B-4048-9E14-17772AFFB9C9}" type="slidenum">
+            <a:fld id="{5F05756B-5F5C-4EED-907C-E25857D58D0B}" type="slidenum">
               <a:rPr lang="fr-FR" smtClean="0"/>
-              <a:t>12</a:t>
+              <a:t>6</a:t>
             </a:fld>
             <a:endParaRPr lang="fr-FR"/>
           </a:p>
@@ -1465,7 +2425,7 @@
     </p:spTree>
     <p:extLst>
       <p:ext uri="{BB962C8B-B14F-4D97-AF65-F5344CB8AC3E}">
-        <p14:creationId xmlns:p14="http://schemas.microsoft.com/office/powerpoint/2010/main" val="2838572695"/>
+        <p14:creationId xmlns:p14="http://schemas.microsoft.com/office/powerpoint/2010/main" val="4010471913"/>
       </p:ext>
     </p:extLst>
   </p:cSld>
@@ -1521,7 +2481,7 @@
           <a:p>
             <a:r>
               <a:rPr lang="fr-FR" dirty="0"/>
-              <a:t>Le cercle n’est pas très lisible sur la partie droite, affichons un zoom ; CLICK</a:t>
+              <a:t>Ratio en kg/personne ???</a:t>
             </a:r>
           </a:p>
         </p:txBody>
@@ -1543,7 +2503,7 @@
           <a:p>
             <a:fld id="{F44DFA25-216B-4048-9E14-17772AFFB9C9}" type="slidenum">
               <a:rPr lang="fr-FR" smtClean="0"/>
-              <a:t>13</a:t>
+              <a:t>7</a:t>
             </a:fld>
             <a:endParaRPr lang="fr-FR"/>
           </a:p>
@@ -1552,7 +2512,7 @@
     </p:spTree>
     <p:extLst>
       <p:ext uri="{BB962C8B-B14F-4D97-AF65-F5344CB8AC3E}">
-        <p14:creationId xmlns:p14="http://schemas.microsoft.com/office/powerpoint/2010/main" val="999907268"/>
+        <p14:creationId xmlns:p14="http://schemas.microsoft.com/office/powerpoint/2010/main" val="51407293"/>
       </p:ext>
     </p:extLst>
   </p:cSld>
@@ -1608,68 +2568,14 @@
           <a:p>
             <a:r>
               <a:rPr lang="fr-FR" dirty="0"/>
-              <a:t>On peut voir sur PC1 que les variables ayant le plus de poids dans l'inertie sont : </a:t>
-            </a:r>
-            <a:br>
+              <a:t>CLICK</a:t>
+            </a:r>
+          </a:p>
+          <a:p>
+            <a:r>
               <a:rPr lang="fr-FR" dirty="0"/>
-            </a:br>
-            <a:endParaRPr lang="fr-FR" dirty="0"/>
-          </a:p>
-          <a:p>
-            <a:r>
-              <a:rPr lang="fr-FR" dirty="0"/>
-              <a:t>La disponibilité en protéines</a:t>
-            </a:r>
-          </a:p>
-          <a:p>
-            <a:r>
-              <a:rPr lang="fr-FR" dirty="0"/>
-              <a:t>La </a:t>
-            </a:r>
-            <a:r>
-              <a:rPr lang="fr-FR" dirty="0" err="1"/>
-              <a:t>disponinibilité</a:t>
-            </a:r>
-            <a:r>
-              <a:rPr lang="fr-FR" dirty="0"/>
-              <a:t> alimentaire totale</a:t>
-            </a:r>
-          </a:p>
-          <a:p>
-            <a:r>
-              <a:rPr lang="fr-FR" dirty="0"/>
-              <a:t>Le ratio de protéines animales / Protéines totales CLICK</a:t>
-            </a:r>
-          </a:p>
-          <a:p>
-            <a:endParaRPr lang="fr-FR" dirty="0"/>
-          </a:p>
-          <a:p>
-            <a:r>
-              <a:rPr lang="fr-FR" dirty="0"/>
-              <a:t>On remarque aussi que le PIB/h est assez élevé (0,41) </a:t>
-            </a:r>
-          </a:p>
-          <a:p>
-            <a:endParaRPr lang="fr-FR" dirty="0"/>
-          </a:p>
-          <a:p>
-            <a:r>
-              <a:rPr lang="fr-FR" dirty="0"/>
-              <a:t>On peut donc conclure que la composante principale PC1 correspond au niveau de richesses du pays</a:t>
-            </a:r>
-          </a:p>
-          <a:p>
-            <a:endParaRPr lang="fr-FR" dirty="0"/>
-          </a:p>
-          <a:p>
-            <a:r>
-              <a:rPr lang="fr-FR" dirty="0"/>
-              <a:t>CLICK</a:t>
-            </a:r>
-          </a:p>
-          <a:p>
-            <a:endParaRPr lang="fr-FR" dirty="0"/>
+              <a:t>Voici le dendrogramme</a:t>
+            </a:r>
           </a:p>
         </p:txBody>
       </p:sp>
@@ -1690,7 +2596,7 @@
           <a:p>
             <a:fld id="{F44DFA25-216B-4048-9E14-17772AFFB9C9}" type="slidenum">
               <a:rPr lang="fr-FR" smtClean="0"/>
-              <a:t>14</a:t>
+              <a:t>10</a:t>
             </a:fld>
             <a:endParaRPr lang="fr-FR"/>
           </a:p>
@@ -1699,7 +2605,7 @@
     </p:spTree>
     <p:extLst>
       <p:ext uri="{BB962C8B-B14F-4D97-AF65-F5344CB8AC3E}">
-        <p14:creationId xmlns:p14="http://schemas.microsoft.com/office/powerpoint/2010/main" val="1988068708"/>
+        <p14:creationId xmlns:p14="http://schemas.microsoft.com/office/powerpoint/2010/main" val="369983837"/>
       </p:ext>
     </p:extLst>
   </p:cSld>
@@ -1755,14 +2661,40 @@
           <a:p>
             <a:r>
               <a:rPr lang="fr-FR" dirty="0"/>
-              <a:t>A l'exception du cluster 6, les pays sont regroupés correctement par cluster sur F1. </a:t>
-            </a:r>
-            <a:br>
+              <a:t>Pour les centroïdes, j’ai fait la moyenne de chaque variable par Cluster ; Le dendrogramme ne travaillant pas avec des centroïdes (contrairement au k-</a:t>
+            </a:r>
+            <a:r>
+              <a:rPr lang="fr-FR" dirty="0" err="1"/>
+              <a:t>means</a:t>
+            </a:r>
+            <a:r>
               <a:rPr lang="fr-FR" dirty="0"/>
-            </a:br>
+              <a:t>)</a:t>
+            </a:r>
+          </a:p>
+          <a:p>
+            <a:endParaRPr lang="fr-FR" dirty="0"/>
+          </a:p>
+          <a:p>
             <a:r>
               <a:rPr lang="fr-FR" dirty="0"/>
-              <a:t>Si certains semblent être confondus avec les autres, c'est F2 qui nous permet de voir la différence entre ces derniers. </a:t>
+              <a:t>Pour rappel, on recherche des pays développés –PIB important - , avec </a:t>
+            </a:r>
+            <a:r>
+              <a:rPr lang="fr-FR" dirty="0" err="1"/>
+              <a:t>ratio_prot</a:t>
+            </a:r>
+            <a:r>
+              <a:rPr lang="fr-FR" dirty="0"/>
+              <a:t> dispo </a:t>
+            </a:r>
+            <a:r>
+              <a:rPr lang="fr-FR" dirty="0" err="1"/>
+              <a:t>prot</a:t>
+            </a:r>
+            <a:r>
+              <a:rPr lang="fr-FR" dirty="0"/>
+              <a:t> dispo alim élevés, et un taux d’importation lui aussi élevé.</a:t>
             </a:r>
           </a:p>
           <a:p>
@@ -1771,15 +2703,13 @@
           <a:p>
             <a:r>
               <a:rPr lang="fr-FR" dirty="0"/>
-              <a:t>Dans la partie du </a:t>
-            </a:r>
-            <a:r>
-              <a:rPr lang="fr-FR" dirty="0" err="1"/>
-              <a:t>dendogramme</a:t>
-            </a:r>
+              <a:t>Le Cluster 7 semble donc correspondre à notre recherche.</a:t>
+            </a:r>
+          </a:p>
+          <a:p>
             <a:r>
               <a:rPr lang="fr-FR" dirty="0"/>
-              <a:t>, nous avons vu que le cluster 7 était celui qui nous intéressait le plus, voyons donc comment sont répartis les pays de ce cluster, et à quoi est-ce qu'ils correspondent, après l'ACP.</a:t>
+              <a:t>CLICK</a:t>
             </a:r>
           </a:p>
           <a:p>
@@ -1788,29 +2718,16 @@
           <a:p>
             <a:r>
               <a:rPr lang="fr-FR" dirty="0"/>
-              <a:t>Le cluster 7 représente les pays le plus à droite sur F1, avec donc une forte valeur. </a:t>
-            </a:r>
-            <a:br>
+              <a:t>L’importation nous donne une idée sur la taille du marché, mais n’étant pas ramenée par habitant on peut avoir des surprises</a:t>
+            </a:r>
+          </a:p>
+          <a:p>
+            <a:endParaRPr lang="fr-FR" dirty="0"/>
+          </a:p>
+          <a:p>
+            <a:r>
               <a:rPr lang="fr-FR" dirty="0"/>
-            </a:br>
-            <a:r>
-              <a:rPr lang="fr-FR" dirty="0"/>
-              <a:t>Comme nous l'avons vu </a:t>
-            </a:r>
-            <a:r>
-              <a:rPr lang="fr-FR" dirty="0" err="1"/>
-              <a:t>précédement</a:t>
-            </a:r>
-            <a:r>
-              <a:rPr lang="fr-FR" dirty="0"/>
-              <a:t>, F1 représente le niveau de richesse du pays ; </a:t>
-            </a:r>
-            <a:br>
-              <a:rPr lang="fr-FR" dirty="0"/>
-            </a:br>
-            <a:r>
-              <a:rPr lang="fr-FR" dirty="0"/>
-              <a:t>Les pays du cluster 7 correspondent donc aux pays les plus riches.</a:t>
+              <a:t>Ajouter la liste du Cluster 7 </a:t>
             </a:r>
           </a:p>
         </p:txBody>
@@ -1832,7 +2749,7 @@
           <a:p>
             <a:fld id="{F44DFA25-216B-4048-9E14-17772AFFB9C9}" type="slidenum">
               <a:rPr lang="fr-FR" smtClean="0"/>
-              <a:t>15</a:t>
+              <a:t>11</a:t>
             </a:fld>
             <a:endParaRPr lang="fr-FR"/>
           </a:p>
@@ -1841,7 +2758,7 @@
     </p:spTree>
     <p:extLst>
       <p:ext uri="{BB962C8B-B14F-4D97-AF65-F5344CB8AC3E}">
-        <p14:creationId xmlns:p14="http://schemas.microsoft.com/office/powerpoint/2010/main" val="3528905593"/>
+        <p14:creationId xmlns:p14="http://schemas.microsoft.com/office/powerpoint/2010/main" val="3079451134"/>
       </p:ext>
     </p:extLst>
   </p:cSld>
@@ -1897,7 +2814,7 @@
           <a:p>
             <a:r>
               <a:rPr lang="fr-FR" dirty="0"/>
-              <a:t>Pour rappel, la liste des clusters avec les centroïdes </a:t>
+              <a:t>Nous avons besoin de 6 composantes principales pour expliquer près de 100% des informations</a:t>
             </a:r>
           </a:p>
         </p:txBody>
@@ -1919,7 +2836,7 @@
           <a:p>
             <a:fld id="{F44DFA25-216B-4048-9E14-17772AFFB9C9}" type="slidenum">
               <a:rPr lang="fr-FR" smtClean="0"/>
-              <a:t>16</a:t>
+              <a:t>12</a:t>
             </a:fld>
             <a:endParaRPr lang="fr-FR"/>
           </a:p>
@@ -1928,7 +2845,7 @@
     </p:spTree>
     <p:extLst>
       <p:ext uri="{BB962C8B-B14F-4D97-AF65-F5344CB8AC3E}">
-        <p14:creationId xmlns:p14="http://schemas.microsoft.com/office/powerpoint/2010/main" val="1567256808"/>
+        <p14:creationId xmlns:p14="http://schemas.microsoft.com/office/powerpoint/2010/main" val="2838572695"/>
       </p:ext>
     </p:extLst>
   </p:cSld>
@@ -1982,340 +2899,9 @@
           <a:bodyPr/>
           <a:lstStyle/>
           <a:p>
-            <a:pPr marL="0" marR="0" lvl="0" indent="0" algn="l" defTabSz="914400" rtl="0" eaLnBrk="1" fontAlgn="auto" latinLnBrk="0" hangingPunct="1">
-              <a:lnSpc>
-                <a:spcPct val="100000"/>
-              </a:lnSpc>
-              <a:spcBef>
-                <a:spcPts val="0"/>
-              </a:spcBef>
-              <a:spcAft>
-                <a:spcPts val="0"/>
-              </a:spcAft>
-              <a:buClrTx/>
-              <a:buSzTx/>
-              <a:buFontTx/>
-              <a:buNone/>
-              <a:tabLst/>
-              <a:defRPr/>
-            </a:pPr>
             <a:r>
               <a:rPr lang="fr-FR" dirty="0"/>
-              <a:t>CLICK</a:t>
-            </a:r>
-          </a:p>
-          <a:p>
-            <a:pPr marL="0" marR="0" lvl="0" indent="0" algn="l" defTabSz="914400" rtl="0" eaLnBrk="1" fontAlgn="auto" latinLnBrk="0" hangingPunct="1">
-              <a:lnSpc>
-                <a:spcPct val="100000"/>
-              </a:lnSpc>
-              <a:spcBef>
-                <a:spcPts val="0"/>
-              </a:spcBef>
-              <a:spcAft>
-                <a:spcPts val="0"/>
-              </a:spcAft>
-              <a:buClrTx/>
-              <a:buSzTx/>
-              <a:buFontTx/>
-              <a:buNone/>
-              <a:tabLst/>
-              <a:defRPr/>
-            </a:pPr>
-            <a:r>
-              <a:rPr lang="fr-FR" dirty="0" err="1"/>
-              <a:t>Np.random.seed</a:t>
-            </a:r>
-            <a:r>
-              <a:rPr lang="fr-FR" dirty="0"/>
-              <a:t>(1) permet de bloquer le nombre de lancés aléatoires à 1 (afin d’éviter d’avoir des résultats différent entre chaque exécution)</a:t>
-            </a:r>
-          </a:p>
-          <a:p>
-            <a:pPr marL="0" marR="0" lvl="0" indent="0" algn="l" defTabSz="914400" rtl="0" eaLnBrk="1" fontAlgn="auto" latinLnBrk="0" hangingPunct="1">
-              <a:lnSpc>
-                <a:spcPct val="100000"/>
-              </a:lnSpc>
-              <a:spcBef>
-                <a:spcPts val="0"/>
-              </a:spcBef>
-              <a:spcAft>
-                <a:spcPts val="0"/>
-              </a:spcAft>
-              <a:buClrTx/>
-              <a:buSzTx/>
-              <a:buFontTx/>
-              <a:buNone/>
-              <a:tabLst/>
-              <a:defRPr/>
-            </a:pPr>
-            <a:endParaRPr lang="fr-FR" dirty="0"/>
-          </a:p>
-          <a:p>
-            <a:pPr marL="0" marR="0" lvl="0" indent="0" algn="l" defTabSz="914400" rtl="0" eaLnBrk="1" fontAlgn="auto" latinLnBrk="0" hangingPunct="1">
-              <a:lnSpc>
-                <a:spcPct val="100000"/>
-              </a:lnSpc>
-              <a:spcBef>
-                <a:spcPts val="0"/>
-              </a:spcBef>
-              <a:spcAft>
-                <a:spcPts val="0"/>
-              </a:spcAft>
-              <a:buClrTx/>
-              <a:buSzTx/>
-              <a:buFontTx/>
-              <a:buNone/>
-              <a:tabLst/>
-              <a:defRPr/>
-            </a:pPr>
-            <a:r>
-              <a:rPr lang="fr-FR" dirty="0"/>
-              <a:t>CLICK</a:t>
-            </a:r>
-          </a:p>
-          <a:p>
-            <a:pPr marL="0" marR="0" lvl="0" indent="0" algn="l" defTabSz="914400" rtl="0" eaLnBrk="1" fontAlgn="auto" latinLnBrk="0" hangingPunct="1">
-              <a:lnSpc>
-                <a:spcPct val="100000"/>
-              </a:lnSpc>
-              <a:spcBef>
-                <a:spcPts val="0"/>
-              </a:spcBef>
-              <a:spcAft>
-                <a:spcPts val="0"/>
-              </a:spcAft>
-              <a:buClrTx/>
-              <a:buSzTx/>
-              <a:buFontTx/>
-              <a:buNone/>
-              <a:tabLst/>
-              <a:defRPr/>
-            </a:pPr>
-            <a:r>
-              <a:rPr lang="fr-FR" dirty="0"/>
-              <a:t>On utilise ensuite ks_2amp pour savoir si la variable suit une loi normale ou non : </a:t>
-            </a:r>
-          </a:p>
-          <a:p>
-            <a:pPr marL="0" marR="0" lvl="0" indent="0" algn="l" defTabSz="914400" rtl="0" eaLnBrk="1" fontAlgn="auto" latinLnBrk="0" hangingPunct="1">
-              <a:lnSpc>
-                <a:spcPct val="100000"/>
-              </a:lnSpc>
-              <a:spcBef>
-                <a:spcPts val="0"/>
-              </a:spcBef>
-              <a:spcAft>
-                <a:spcPts val="0"/>
-              </a:spcAft>
-              <a:buClrTx/>
-              <a:buSzTx/>
-              <a:buFontTx/>
-              <a:buNone/>
-              <a:tabLst/>
-              <a:defRPr/>
-            </a:pPr>
-            <a:endParaRPr lang="fr-FR" dirty="0"/>
-          </a:p>
-          <a:p>
-            <a:pPr marL="0" marR="0" lvl="0" indent="0" algn="l" defTabSz="914400" rtl="0" eaLnBrk="1" fontAlgn="auto" latinLnBrk="0" hangingPunct="1">
-              <a:lnSpc>
-                <a:spcPct val="100000"/>
-              </a:lnSpc>
-              <a:spcBef>
-                <a:spcPts val="0"/>
-              </a:spcBef>
-              <a:spcAft>
-                <a:spcPts val="0"/>
-              </a:spcAft>
-              <a:buClrTx/>
-              <a:buSzTx/>
-              <a:buFontTx/>
-              <a:buNone/>
-              <a:tabLst/>
-              <a:defRPr/>
-            </a:pPr>
-            <a:r>
-              <a:rPr lang="fr-FR" dirty="0"/>
-              <a:t>CLICK</a:t>
-            </a:r>
-          </a:p>
-          <a:p>
-            <a:pPr marL="0" marR="0" lvl="0" indent="0" algn="l" defTabSz="914400" rtl="0" eaLnBrk="1" fontAlgn="auto" latinLnBrk="0" hangingPunct="1">
-              <a:lnSpc>
-                <a:spcPct val="100000"/>
-              </a:lnSpc>
-              <a:spcBef>
-                <a:spcPts val="0"/>
-              </a:spcBef>
-              <a:spcAft>
-                <a:spcPts val="0"/>
-              </a:spcAft>
-              <a:buClrTx/>
-              <a:buSzTx/>
-              <a:buFontTx/>
-              <a:buNone/>
-              <a:tabLst/>
-              <a:defRPr/>
-            </a:pPr>
-            <a:r>
-              <a:rPr lang="fr-FR" dirty="0"/>
-              <a:t>On prend d’abord notre échantillon (avec la colonne que l’on veut tester) </a:t>
-            </a:r>
-          </a:p>
-          <a:p>
-            <a:pPr marL="0" marR="0" lvl="0" indent="0" algn="l" defTabSz="914400" rtl="0" eaLnBrk="1" fontAlgn="auto" latinLnBrk="0" hangingPunct="1">
-              <a:lnSpc>
-                <a:spcPct val="100000"/>
-              </a:lnSpc>
-              <a:spcBef>
-                <a:spcPts val="0"/>
-              </a:spcBef>
-              <a:spcAft>
-                <a:spcPts val="0"/>
-              </a:spcAft>
-              <a:buClrTx/>
-              <a:buSzTx/>
-              <a:buFontTx/>
-              <a:buNone/>
-              <a:tabLst/>
-              <a:defRPr/>
-            </a:pPr>
-            <a:endParaRPr lang="fr-FR" dirty="0"/>
-          </a:p>
-          <a:p>
-            <a:pPr marL="0" marR="0" lvl="0" indent="0" algn="l" defTabSz="914400" rtl="0" eaLnBrk="1" fontAlgn="auto" latinLnBrk="0" hangingPunct="1">
-              <a:lnSpc>
-                <a:spcPct val="100000"/>
-              </a:lnSpc>
-              <a:spcBef>
-                <a:spcPts val="0"/>
-              </a:spcBef>
-              <a:spcAft>
-                <a:spcPts val="0"/>
-              </a:spcAft>
-              <a:buClrTx/>
-              <a:buSzTx/>
-              <a:buFontTx/>
-              <a:buNone/>
-              <a:tabLst/>
-              <a:defRPr/>
-            </a:pPr>
-            <a:r>
-              <a:rPr lang="fr-FR" dirty="0"/>
-              <a:t>CLICK</a:t>
-            </a:r>
-          </a:p>
-          <a:p>
-            <a:pPr marL="0" marR="0" lvl="0" indent="0" algn="l" defTabSz="914400" rtl="0" eaLnBrk="1" fontAlgn="auto" latinLnBrk="0" hangingPunct="1">
-              <a:lnSpc>
-                <a:spcPct val="100000"/>
-              </a:lnSpc>
-              <a:spcBef>
-                <a:spcPts val="0"/>
-              </a:spcBef>
-              <a:spcAft>
-                <a:spcPts val="0"/>
-              </a:spcAft>
-              <a:buClrTx/>
-              <a:buSzTx/>
-              <a:buFontTx/>
-              <a:buNone/>
-              <a:tabLst/>
-              <a:defRPr/>
-            </a:pPr>
-            <a:r>
-              <a:rPr lang="fr-FR" dirty="0"/>
-              <a:t>Puis, en deuxième valeur, on transforme notre échantillon en échantillon suivant une loi normale, afin de comparer les deux.</a:t>
-            </a:r>
-          </a:p>
-          <a:p>
-            <a:pPr marL="0" marR="0" lvl="0" indent="0" algn="l" defTabSz="914400" rtl="0" eaLnBrk="1" fontAlgn="auto" latinLnBrk="0" hangingPunct="1">
-              <a:lnSpc>
-                <a:spcPct val="100000"/>
-              </a:lnSpc>
-              <a:spcBef>
-                <a:spcPts val="0"/>
-              </a:spcBef>
-              <a:spcAft>
-                <a:spcPts val="0"/>
-              </a:spcAft>
-              <a:buClrTx/>
-              <a:buSzTx/>
-              <a:buFontTx/>
-              <a:buNone/>
-              <a:tabLst/>
-              <a:defRPr/>
-            </a:pPr>
-            <a:endParaRPr lang="fr-FR" dirty="0"/>
-          </a:p>
-          <a:p>
-            <a:pPr marL="0" marR="0" lvl="0" indent="0" algn="l" defTabSz="914400" rtl="0" eaLnBrk="1" fontAlgn="auto" latinLnBrk="0" hangingPunct="1">
-              <a:lnSpc>
-                <a:spcPct val="100000"/>
-              </a:lnSpc>
-              <a:spcBef>
-                <a:spcPts val="0"/>
-              </a:spcBef>
-              <a:spcAft>
-                <a:spcPts val="0"/>
-              </a:spcAft>
-              <a:buClrTx/>
-              <a:buSzTx/>
-              <a:buFontTx/>
-              <a:buNone/>
-              <a:tabLst/>
-              <a:defRPr/>
-            </a:pPr>
-            <a:r>
-              <a:rPr lang="fr-FR" dirty="0"/>
-              <a:t>CLICK</a:t>
-            </a:r>
-          </a:p>
-          <a:p>
-            <a:pPr marL="0" marR="0" lvl="0" indent="0" algn="l" defTabSz="914400" rtl="0" eaLnBrk="1" fontAlgn="auto" latinLnBrk="0" hangingPunct="1">
-              <a:lnSpc>
-                <a:spcPct val="100000"/>
-              </a:lnSpc>
-              <a:spcBef>
-                <a:spcPts val="0"/>
-              </a:spcBef>
-              <a:spcAft>
-                <a:spcPts val="0"/>
-              </a:spcAft>
-              <a:buClrTx/>
-              <a:buSzTx/>
-              <a:buFontTx/>
-              <a:buNone/>
-              <a:tabLst/>
-              <a:defRPr/>
-            </a:pPr>
-            <a:r>
-              <a:rPr lang="fr-FR" dirty="0"/>
-              <a:t>Enfin, on utilise une condition IF pour afficher si la variable suit une loi normale ou non (grâce à la comparaison entre Alpha et </a:t>
-            </a:r>
-            <a:r>
-              <a:rPr lang="fr-FR" dirty="0" err="1"/>
-              <a:t>P_valeur</a:t>
-            </a:r>
-            <a:r>
-              <a:rPr lang="fr-FR" dirty="0"/>
-              <a:t>)</a:t>
-            </a:r>
-          </a:p>
-          <a:p>
-            <a:endParaRPr lang="fr-FR" dirty="0"/>
-          </a:p>
-          <a:p>
-            <a:r>
-              <a:rPr lang="fr-FR" dirty="0"/>
-              <a:t>CLICK</a:t>
-            </a:r>
-          </a:p>
-          <a:p>
-            <a:r>
-              <a:rPr lang="fr-FR" dirty="0"/>
-              <a:t>Ce qui nous donne le tableau suivant pour nos variables </a:t>
+              <a:t>Le cercle n’est pas très lisible sur la partie droite, affichons un zoom ; CLICK</a:t>
             </a:r>
           </a:p>
         </p:txBody>
@@ -2337,7 +2923,7 @@
           <a:p>
             <a:fld id="{F44DFA25-216B-4048-9E14-17772AFFB9C9}" type="slidenum">
               <a:rPr lang="fr-FR" smtClean="0"/>
-              <a:t>18</a:t>
+              <a:t>13</a:t>
             </a:fld>
             <a:endParaRPr lang="fr-FR"/>
           </a:p>
@@ -2346,7 +2932,7 @@
     </p:spTree>
     <p:extLst>
       <p:ext uri="{BB962C8B-B14F-4D97-AF65-F5344CB8AC3E}">
-        <p14:creationId xmlns:p14="http://schemas.microsoft.com/office/powerpoint/2010/main" val="821450017"/>
+        <p14:creationId xmlns:p14="http://schemas.microsoft.com/office/powerpoint/2010/main" val="999907268"/>
       </p:ext>
     </p:extLst>
   </p:cSld>
@@ -6446,7 +7032,7 @@
           <p:nvPr/>
         </p:nvPicPr>
         <p:blipFill>
-          <a:blip r:embed="rId2">
+          <a:blip r:embed="rId3">
             <a:extLst>
               <a:ext uri="{28A0092B-C50C-407E-A947-70E740481C1C}">
                 <a14:useLocalDpi xmlns:a14="http://schemas.microsoft.com/office/drawing/2010/main" val="0"/>
@@ -6482,7 +7068,7 @@
           <p:nvPr/>
         </p:nvPicPr>
         <p:blipFill>
-          <a:blip r:embed="rId3"/>
+          <a:blip r:embed="rId4"/>
           <a:stretch>
             <a:fillRect/>
           </a:stretch>
@@ -9873,7 +10459,7 @@
                                           </p:stCondLst>
                                         </p:cTn>
                                         <p:tgtEl>
-                                          <p:spTgt spid="15"/>
+                                          <p:spTgt spid="14"/>
                                         </p:tgtEl>
                                         <p:attrNameLst>
                                           <p:attrName>style.visibility</p:attrName>
@@ -9918,7 +10504,7 @@
                                           </p:stCondLst>
                                         </p:cTn>
                                         <p:tgtEl>
-                                          <p:spTgt spid="16"/>
+                                          <p:spTgt spid="15"/>
                                         </p:tgtEl>
                                         <p:attrNameLst>
                                           <p:attrName>style.visibility</p:attrName>
@@ -9950,7 +10536,7 @@
                             </p:stCondLst>
                             <p:childTnLst>
                               <p:par>
-                                <p:cTn id="21" presetID="1" presetClass="entr" presetSubtype="0" fill="hold" nodeType="clickEffect">
+                                <p:cTn id="21" presetID="1" presetClass="entr" presetSubtype="0" fill="hold" grpId="0" nodeType="clickEffect">
                                   <p:stCondLst>
                                     <p:cond delay="0"/>
                                   </p:stCondLst>
@@ -9958,6 +10544,51 @@
                                     <p:set>
                                       <p:cBhvr>
                                         <p:cTn id="22" dur="1" fill="hold">
+                                          <p:stCondLst>
+                                            <p:cond delay="0"/>
+                                          </p:stCondLst>
+                                        </p:cTn>
+                                        <p:tgtEl>
+                                          <p:spTgt spid="16"/>
+                                        </p:tgtEl>
+                                        <p:attrNameLst>
+                                          <p:attrName>style.visibility</p:attrName>
+                                        </p:attrNameLst>
+                                      </p:cBhvr>
+                                      <p:to>
+                                        <p:strVal val="visible"/>
+                                      </p:to>
+                                    </p:set>
+                                  </p:childTnLst>
+                                </p:cTn>
+                              </p:par>
+                            </p:childTnLst>
+                          </p:cTn>
+                        </p:par>
+                      </p:childTnLst>
+                    </p:cTn>
+                  </p:par>
+                  <p:par>
+                    <p:cTn id="23" fill="hold">
+                      <p:stCondLst>
+                        <p:cond delay="indefinite"/>
+                      </p:stCondLst>
+                      <p:childTnLst>
+                        <p:par>
+                          <p:cTn id="24" fill="hold">
+                            <p:stCondLst>
+                              <p:cond delay="0"/>
+                            </p:stCondLst>
+                            <p:childTnLst>
+                              <p:par>
+                                <p:cTn id="25" presetID="1" presetClass="entr" presetSubtype="0" fill="hold" nodeType="clickEffect">
+                                  <p:stCondLst>
+                                    <p:cond delay="0"/>
+                                  </p:stCondLst>
+                                  <p:childTnLst>
+                                    <p:set>
+                                      <p:cBhvr>
+                                        <p:cTn id="26" dur="1" fill="hold">
                                           <p:stCondLst>
                                             <p:cond delay="0"/>
                                           </p:stCondLst>
@@ -10006,6 +10637,7 @@
     <p:bldLst>
       <p:bldP spid="12" grpId="0" animBg="1"/>
       <p:bldP spid="13" grpId="0" animBg="1"/>
+      <p:bldP spid="14" grpId="0" animBg="1"/>
       <p:bldP spid="15" grpId="0" animBg="1"/>
       <p:bldP spid="16" grpId="0" animBg="1"/>
     </p:bldLst>
@@ -10080,7 +10712,7 @@
           <p:nvPr/>
         </p:nvPicPr>
         <p:blipFill>
-          <a:blip r:embed="rId2">
+          <a:blip r:embed="rId3">
             <a:extLst>
               <a:ext uri="{28A0092B-C50C-407E-A947-70E740481C1C}">
                 <a14:useLocalDpi xmlns:a14="http://schemas.microsoft.com/office/drawing/2010/main" val="0"/>
@@ -10101,56 +10733,114 @@
           </a:prstGeom>
         </p:spPr>
       </p:pic>
-      <p:sp>
-        <p:nvSpPr>
-          <p:cNvPr id="5" name="ZoneTexte 4">
-            <a:extLst>
-              <a:ext uri="{FF2B5EF4-FFF2-40B4-BE49-F238E27FC236}">
-                <a16:creationId xmlns:a16="http://schemas.microsoft.com/office/drawing/2014/main" id="{12A2BE7E-2453-4960-9F9F-0ABCFB98C6CA}"/>
-              </a:ext>
-            </a:extLst>
-          </p:cNvPr>
-          <p:cNvSpPr txBox="1"/>
+      <p:pic>
+        <p:nvPicPr>
+          <p:cNvPr id="15" name="Image 14">
+            <a:extLst>
+              <a:ext uri="{FF2B5EF4-FFF2-40B4-BE49-F238E27FC236}">
+                <a16:creationId xmlns:a16="http://schemas.microsoft.com/office/drawing/2014/main" id="{87E37925-0385-4E5A-B44C-9DC0EF09C648}"/>
+              </a:ext>
+            </a:extLst>
+          </p:cNvPr>
+          <p:cNvPicPr>
+            <a:picLocks noChangeAspect="1"/>
+          </p:cNvPicPr>
           <p:nvPr/>
-        </p:nvSpPr>
+        </p:nvPicPr>
+        <p:blipFill>
+          <a:blip r:embed="rId4">
+            <a:extLst>
+              <a:ext uri="{28A0092B-C50C-407E-A947-70E740481C1C}">
+                <a14:useLocalDpi xmlns:a14="http://schemas.microsoft.com/office/drawing/2010/main" val="0"/>
+              </a:ext>
+            </a:extLst>
+          </a:blip>
+          <a:stretch>
+            <a:fillRect/>
+          </a:stretch>
+        </p:blipFill>
         <p:spPr>
           <a:xfrm>
-            <a:off x="2088292" y="2496065"/>
-            <a:ext cx="7710616" cy="2308324"/>
+            <a:off x="2019299" y="1422400"/>
+            <a:ext cx="8153401" cy="5435600"/>
           </a:xfrm>
           <a:prstGeom prst="rect">
             <a:avLst/>
           </a:prstGeom>
-          <a:noFill/>
         </p:spPr>
-        <p:txBody>
-          <a:bodyPr wrap="square" rtlCol="0">
-            <a:spAutoFit/>
-          </a:bodyPr>
-          <a:lstStyle/>
-          <a:p>
-            <a:r>
-              <a:rPr lang="fr-FR" dirty="0"/>
-              <a:t>Le but de ce test est de vérifier que les différents Clusters diffèrent bien entre eux ; </a:t>
-            </a:r>
-          </a:p>
-          <a:p>
-            <a:r>
-              <a:rPr lang="fr-FR" dirty="0"/>
-              <a:t>Pour cela nous allons faire un test de comparaison sur la Variance et la Moyenne entre deux Clusters.</a:t>
-            </a:r>
-          </a:p>
-          <a:p>
-            <a:endParaRPr lang="fr-FR" dirty="0"/>
-          </a:p>
-          <a:p>
-            <a:r>
-              <a:rPr lang="fr-FR" dirty="0"/>
-              <a:t>Pour que deux Clusters soient effectivement différents, il faut que leur Variances soient égales (ils suivent la même loi normale), mais que leur moyennes diffèrent.</a:t>
-            </a:r>
-          </a:p>
-        </p:txBody>
-      </p:sp>
+      </p:pic>
+      <p:pic>
+        <p:nvPicPr>
+          <p:cNvPr id="17" name="Image 16">
+            <a:extLst>
+              <a:ext uri="{FF2B5EF4-FFF2-40B4-BE49-F238E27FC236}">
+                <a16:creationId xmlns:a16="http://schemas.microsoft.com/office/drawing/2014/main" id="{9E28E25D-A14B-48E8-972E-549B4E5AE219}"/>
+              </a:ext>
+            </a:extLst>
+          </p:cNvPr>
+          <p:cNvPicPr>
+            <a:picLocks noChangeAspect="1"/>
+          </p:cNvPicPr>
+          <p:nvPr/>
+        </p:nvPicPr>
+        <p:blipFill>
+          <a:blip r:embed="rId5">
+            <a:extLst>
+              <a:ext uri="{28A0092B-C50C-407E-A947-70E740481C1C}">
+                <a14:useLocalDpi xmlns:a14="http://schemas.microsoft.com/office/drawing/2010/main" val="0"/>
+              </a:ext>
+            </a:extLst>
+          </a:blip>
+          <a:stretch>
+            <a:fillRect/>
+          </a:stretch>
+        </p:blipFill>
+        <p:spPr>
+          <a:xfrm>
+            <a:off x="2019299" y="1422399"/>
+            <a:ext cx="8153401" cy="5435601"/>
+          </a:xfrm>
+          <a:prstGeom prst="rect">
+            <a:avLst/>
+          </a:prstGeom>
+        </p:spPr>
+      </p:pic>
+      <p:pic>
+        <p:nvPicPr>
+          <p:cNvPr id="19" name="Image 18">
+            <a:extLst>
+              <a:ext uri="{FF2B5EF4-FFF2-40B4-BE49-F238E27FC236}">
+                <a16:creationId xmlns:a16="http://schemas.microsoft.com/office/drawing/2014/main" id="{3060126B-D2D4-46B9-9707-25D5343E30F1}"/>
+              </a:ext>
+            </a:extLst>
+          </p:cNvPr>
+          <p:cNvPicPr>
+            <a:picLocks noChangeAspect="1"/>
+          </p:cNvPicPr>
+          <p:nvPr/>
+        </p:nvPicPr>
+        <p:blipFill>
+          <a:blip r:embed="rId6">
+            <a:extLst>
+              <a:ext uri="{28A0092B-C50C-407E-A947-70E740481C1C}">
+                <a14:useLocalDpi xmlns:a14="http://schemas.microsoft.com/office/drawing/2010/main" val="0"/>
+              </a:ext>
+            </a:extLst>
+          </a:blip>
+          <a:stretch>
+            <a:fillRect/>
+          </a:stretch>
+        </p:blipFill>
+        <p:spPr>
+          <a:xfrm>
+            <a:off x="2019298" y="1422398"/>
+            <a:ext cx="8153401" cy="5435601"/>
+          </a:xfrm>
+          <a:prstGeom prst="rect">
+            <a:avLst/>
+          </a:prstGeom>
+        </p:spPr>
+      </p:pic>
     </p:spTree>
     <p:extLst>
       <p:ext uri="{BB962C8B-B14F-4D97-AF65-F5344CB8AC3E}">
@@ -10161,6 +10851,126 @@
   <p:clrMapOvr>
     <a:masterClrMapping/>
   </p:clrMapOvr>
+  <p:timing>
+    <p:tnLst>
+      <p:par>
+        <p:cTn id="1" dur="indefinite" restart="never" nodeType="tmRoot">
+          <p:childTnLst>
+            <p:seq concurrent="1" nextAc="seek">
+              <p:cTn id="2" dur="indefinite" nodeType="mainSeq">
+                <p:childTnLst>
+                  <p:par>
+                    <p:cTn id="3" fill="hold">
+                      <p:stCondLst>
+                        <p:cond delay="indefinite"/>
+                      </p:stCondLst>
+                      <p:childTnLst>
+                        <p:par>
+                          <p:cTn id="4" fill="hold">
+                            <p:stCondLst>
+                              <p:cond delay="0"/>
+                            </p:stCondLst>
+                            <p:childTnLst>
+                              <p:par>
+                                <p:cTn id="5" presetID="1" presetClass="entr" presetSubtype="0" fill="hold" nodeType="clickEffect">
+                                  <p:stCondLst>
+                                    <p:cond delay="0"/>
+                                  </p:stCondLst>
+                                  <p:childTnLst>
+                                    <p:set>
+                                      <p:cBhvr>
+                                        <p:cTn id="6" dur="1" fill="hold">
+                                          <p:stCondLst>
+                                            <p:cond delay="0"/>
+                                          </p:stCondLst>
+                                        </p:cTn>
+                                        <p:tgtEl>
+                                          <p:spTgt spid="17"/>
+                                        </p:tgtEl>
+                                        <p:attrNameLst>
+                                          <p:attrName>style.visibility</p:attrName>
+                                        </p:attrNameLst>
+                                      </p:cBhvr>
+                                      <p:to>
+                                        <p:strVal val="visible"/>
+                                      </p:to>
+                                    </p:set>
+                                  </p:childTnLst>
+                                </p:cTn>
+                              </p:par>
+                            </p:childTnLst>
+                          </p:cTn>
+                        </p:par>
+                      </p:childTnLst>
+                    </p:cTn>
+                  </p:par>
+                  <p:par>
+                    <p:cTn id="7" fill="hold">
+                      <p:stCondLst>
+                        <p:cond delay="indefinite"/>
+                      </p:stCondLst>
+                      <p:childTnLst>
+                        <p:par>
+                          <p:cTn id="8" fill="hold">
+                            <p:stCondLst>
+                              <p:cond delay="0"/>
+                            </p:stCondLst>
+                            <p:childTnLst>
+                              <p:par>
+                                <p:cTn id="9" presetID="1" presetClass="entr" presetSubtype="0" fill="hold" nodeType="clickEffect">
+                                  <p:stCondLst>
+                                    <p:cond delay="0"/>
+                                  </p:stCondLst>
+                                  <p:childTnLst>
+                                    <p:set>
+                                      <p:cBhvr>
+                                        <p:cTn id="10" dur="1" fill="hold">
+                                          <p:stCondLst>
+                                            <p:cond delay="0"/>
+                                          </p:stCondLst>
+                                        </p:cTn>
+                                        <p:tgtEl>
+                                          <p:spTgt spid="19"/>
+                                        </p:tgtEl>
+                                        <p:attrNameLst>
+                                          <p:attrName>style.visibility</p:attrName>
+                                        </p:attrNameLst>
+                                      </p:cBhvr>
+                                      <p:to>
+                                        <p:strVal val="visible"/>
+                                      </p:to>
+                                    </p:set>
+                                  </p:childTnLst>
+                                </p:cTn>
+                              </p:par>
+                            </p:childTnLst>
+                          </p:cTn>
+                        </p:par>
+                      </p:childTnLst>
+                    </p:cTn>
+                  </p:par>
+                </p:childTnLst>
+              </p:cTn>
+              <p:prevCondLst>
+                <p:cond evt="onPrev" delay="0">
+                  <p:tgtEl>
+                    <p:sldTgt/>
+                  </p:tgtEl>
+                </p:cond>
+              </p:prevCondLst>
+              <p:nextCondLst>
+                <p:cond evt="onNext" delay="0">
+                  <p:tgtEl>
+                    <p:sldTgt/>
+                  </p:tgtEl>
+                </p:cond>
+              </p:nextCondLst>
+            </p:seq>
+          </p:childTnLst>
+        </p:cTn>
+      </p:par>
+    </p:tnLst>
+  </p:timing>
 </p:sld>
 </file>
 
@@ -13474,6 +14284,14 @@
 <file path=ppt/slides/slide4.xml><?xml version="1.0" encoding="utf-8"?>
 <p:sld xmlns:a="http://schemas.openxmlformats.org/drawingml/2006/main" xmlns:r="http://schemas.openxmlformats.org/officeDocument/2006/relationships" xmlns:p="http://schemas.openxmlformats.org/presentationml/2006/main">
   <p:cSld>
+    <p:bg>
+      <p:bgPr>
+        <a:solidFill>
+          <a:srgbClr val="000000"/>
+        </a:solidFill>
+        <a:effectLst/>
+      </p:bgPr>
+    </p:bg>
     <p:spTree>
       <p:nvGrpSpPr>
         <p:cNvPr id="1" name=""/>
@@ -13490,6 +14308,105 @@
       </p:grpSpPr>
       <p:sp>
         <p:nvSpPr>
+          <p:cNvPr id="13" name="Rectangle 12">
+            <a:extLst>
+              <a:ext uri="{FF2B5EF4-FFF2-40B4-BE49-F238E27FC236}">
+                <a16:creationId xmlns:a16="http://schemas.microsoft.com/office/drawing/2014/main" id="{71B2258F-86CA-4D4D-8270-BC05FCDEBFB3}"/>
+              </a:ext>
+              <a:ext uri="{C183D7F6-B498-43B3-948B-1728B52AA6E4}">
+                <adec:decorative xmlns:adec="http://schemas.microsoft.com/office/drawing/2017/decorative" val="1"/>
+              </a:ext>
+            </a:extLst>
+          </p:cNvPr>
+          <p:cNvSpPr>
+            <a:spLocks noGrp="1" noRot="1" noChangeAspect="1" noMove="1" noResize="1" noEditPoints="1" noAdjustHandles="1" noChangeArrowheads="1" noChangeShapeType="1" noTextEdit="1"/>
+          </p:cNvSpPr>
+          <p:nvPr>
+            <p:extLst>
+              <p:ext uri="{386F3935-93C4-4BCD-93E2-E3B085C9AB24}">
+                <p16:designElem xmlns:p16="http://schemas.microsoft.com/office/powerpoint/2015/main" val="1"/>
+              </p:ext>
+            </p:extLst>
+          </p:nvPr>
+        </p:nvSpPr>
+        <p:spPr>
+          <a:xfrm>
+            <a:off x="0" y="0"/>
+            <a:ext cx="12192000" cy="6857999"/>
+          </a:xfrm>
+          <a:prstGeom prst="rect">
+            <a:avLst/>
+          </a:prstGeom>
+          <a:solidFill>
+            <a:srgbClr val="000000"/>
+          </a:solidFill>
+          <a:ln>
+            <a:noFill/>
+          </a:ln>
+        </p:spPr>
+        <p:style>
+          <a:lnRef idx="2">
+            <a:schemeClr val="accent1">
+              <a:shade val="50000"/>
+            </a:schemeClr>
+          </a:lnRef>
+          <a:fillRef idx="1">
+            <a:schemeClr val="accent1"/>
+          </a:fillRef>
+          <a:effectRef idx="0">
+            <a:schemeClr val="accent1"/>
+          </a:effectRef>
+          <a:fontRef idx="minor">
+            <a:schemeClr val="lt1"/>
+          </a:fontRef>
+        </p:style>
+        <p:txBody>
+          <a:bodyPr rtlCol="0" anchor="ctr"/>
+          <a:lstStyle/>
+          <a:p>
+            <a:pPr algn="ctr"/>
+            <a:endParaRPr lang="en-US"/>
+          </a:p>
+        </p:txBody>
+      </p:sp>
+      <p:pic>
+        <p:nvPicPr>
+          <p:cNvPr id="8" name="Image 7">
+            <a:extLst>
+              <a:ext uri="{FF2B5EF4-FFF2-40B4-BE49-F238E27FC236}">
+                <a16:creationId xmlns:a16="http://schemas.microsoft.com/office/drawing/2014/main" id="{D68292BD-772A-4AB2-AA3D-2287B8A4E6BB}"/>
+              </a:ext>
+            </a:extLst>
+          </p:cNvPr>
+          <p:cNvPicPr>
+            <a:picLocks noChangeAspect="1"/>
+          </p:cNvPicPr>
+          <p:nvPr/>
+        </p:nvPicPr>
+        <p:blipFill rotWithShape="1">
+          <a:blip r:embed="rId3">
+            <a:alphaModFix amt="50000"/>
+            <a:extLst>
+              <a:ext uri="{28A0092B-C50C-407E-A947-70E740481C1C}">
+                <a14:useLocalDpi xmlns:a14="http://schemas.microsoft.com/office/drawing/2010/main" val="0"/>
+              </a:ext>
+            </a:extLst>
+          </a:blip>
+          <a:srcRect b="15730"/>
+          <a:stretch/>
+        </p:blipFill>
+        <p:spPr>
+          <a:xfrm>
+            <a:off x="20" y="1"/>
+            <a:ext cx="12191980" cy="6857999"/>
+          </a:xfrm>
+          <a:prstGeom prst="rect">
+            <a:avLst/>
+          </a:prstGeom>
+        </p:spPr>
+      </p:pic>
+      <p:sp>
+        <p:nvSpPr>
           <p:cNvPr id="2" name="Titre 1">
             <a:extLst>
               <a:ext uri="{FF2B5EF4-FFF2-40B4-BE49-F238E27FC236}">
@@ -13506,8 +14423,8 @@
         </p:nvSpPr>
         <p:spPr>
           <a:xfrm>
-            <a:off x="1524000" y="329883"/>
-            <a:ext cx="9144000" cy="1082357"/>
+            <a:off x="1524000" y="1122362"/>
+            <a:ext cx="9144000" cy="2900518"/>
           </a:xfrm>
         </p:spPr>
         <p:txBody>
@@ -13517,51 +14434,13 @@
           <a:lstStyle/>
           <a:p>
             <a:r>
-              <a:rPr lang="fr-FR" dirty="0" err="1"/>
+              <a:rPr lang="fr-FR">
+                <a:solidFill>
+                  <a:srgbClr val="FFFFFF"/>
+                </a:solidFill>
+              </a:rPr>
               <a:t>Context</a:t>
             </a:r>
-            <a:endParaRPr lang="fr-FR" dirty="0"/>
-          </a:p>
-        </p:txBody>
-      </p:sp>
-      <p:sp>
-        <p:nvSpPr>
-          <p:cNvPr id="3" name="Sous-titre 2">
-            <a:extLst>
-              <a:ext uri="{FF2B5EF4-FFF2-40B4-BE49-F238E27FC236}">
-                <a16:creationId xmlns:a16="http://schemas.microsoft.com/office/drawing/2014/main" id="{8005F86F-E615-467E-BFD3-2221E96317A6}"/>
-              </a:ext>
-            </a:extLst>
-          </p:cNvPr>
-          <p:cNvSpPr>
-            <a:spLocks noGrp="1"/>
-          </p:cNvSpPr>
-          <p:nvPr>
-            <p:ph type="subTitle" idx="1"/>
-          </p:nvPr>
-        </p:nvSpPr>
-        <p:spPr>
-          <a:xfrm>
-            <a:off x="1524000" y="2468880"/>
-            <a:ext cx="9144000" cy="1920240"/>
-          </a:xfrm>
-        </p:spPr>
-        <p:txBody>
-          <a:bodyPr>
-            <a:normAutofit/>
-          </a:bodyPr>
-          <a:lstStyle/>
-          <a:p>
-            <a:pPr algn="just"/>
-            <a:r>
-              <a:rPr lang="fr-FR" dirty="0"/>
-              <a:t>L’entreprise souhaite</a:t>
-            </a:r>
-            <a:r>
-              <a:rPr lang="fr-FR" baseline="0" dirty="0"/>
-              <a:t> se développer à l’international, en exportant de la viande de volaille. Aucun pays n’est visé en particulier. Mon travail consiste donc à « dégrossir » le champ des possibles en ciblant les pays les plus intéressants ; Ensuite, l’équipe Marketing pourra rentrer plus en détails dans les recherches pour ces pays là. </a:t>
-            </a:r>
-            <a:endParaRPr lang="fr-FR" dirty="0"/>
           </a:p>
         </p:txBody>
       </p:sp>
@@ -13573,7 +14452,7 @@
     </p:extLst>
   </p:cSld>
   <p:clrMapOvr>
-    <a:masterClrMapping/>
+    <a:overrideClrMapping bg1="dk1" tx1="lt1" bg2="dk2" tx2="lt2" accent1="accent1" accent2="accent2" accent3="accent3" accent4="accent4" accent5="accent5" accent6="accent6" hlink="hlink" folHlink="folHlink"/>
   </p:clrMapOvr>
 </p:sld>
 </file>
@@ -13648,40 +14527,229 @@
         </p:nvSpPr>
         <p:spPr>
           <a:xfrm>
-            <a:off x="1524000" y="2468880"/>
-            <a:ext cx="9144000" cy="1991360"/>
+            <a:off x="4363713" y="1499961"/>
+            <a:ext cx="3464574" cy="600834"/>
           </a:xfrm>
         </p:spPr>
         <p:txBody>
           <a:bodyPr>
-            <a:normAutofit fontScale="77500" lnSpcReduction="20000"/>
+            <a:normAutofit/>
           </a:bodyPr>
           <a:lstStyle/>
           <a:p>
             <a:pPr algn="just"/>
             <a:r>
               <a:rPr lang="fr-FR" dirty="0"/>
-              <a:t>L’enjeux ici est d’accélérer l’étude de marché, en évitant à l’équipe Marketing de faire une étude précise sur un pays qui se révélera inintéressant par la suite (manque de richesse, consommation de viande trop faible, etc…).</a:t>
+              <a:t>Fournir une liste de pays :</a:t>
             </a:r>
           </a:p>
           <a:p>
             <a:pPr algn="just"/>
+            <a:endParaRPr lang="fr-FR" dirty="0"/>
+          </a:p>
+          <a:p>
+            <a:pPr algn="just"/>
+            <a:endParaRPr lang="fr-FR" dirty="0"/>
+          </a:p>
+          <a:p>
+            <a:pPr algn="just"/>
+            <a:endParaRPr lang="fr-FR" dirty="0"/>
+          </a:p>
+          <a:p>
+            <a:pPr algn="just"/>
+            <a:endParaRPr lang="fr-FR" dirty="0"/>
+          </a:p>
+        </p:txBody>
+      </p:sp>
+      <p:pic>
+        <p:nvPicPr>
+          <p:cNvPr id="5" name="Image 4">
+            <a:extLst>
+              <a:ext uri="{FF2B5EF4-FFF2-40B4-BE49-F238E27FC236}">
+                <a16:creationId xmlns:a16="http://schemas.microsoft.com/office/drawing/2014/main" id="{B41CCFEC-502B-436F-B3E2-4FC5657B1B8E}"/>
+              </a:ext>
+            </a:extLst>
+          </p:cNvPr>
+          <p:cNvPicPr>
+            <a:picLocks noChangeAspect="1"/>
+          </p:cNvPicPr>
+          <p:nvPr/>
+        </p:nvPicPr>
+        <p:blipFill rotWithShape="1">
+          <a:blip r:embed="rId3"/>
+          <a:srcRect l="41807" t="15807" r="2892" b="17398"/>
+          <a:stretch/>
+        </p:blipFill>
+        <p:spPr>
+          <a:xfrm>
+            <a:off x="671046" y="2502552"/>
+            <a:ext cx="2106976" cy="2544897"/>
+          </a:xfrm>
+          <a:prstGeom prst="rect">
+            <a:avLst/>
+          </a:prstGeom>
+        </p:spPr>
+      </p:pic>
+      <p:pic>
+        <p:nvPicPr>
+          <p:cNvPr id="6" name="Image 5">
+            <a:extLst>
+              <a:ext uri="{FF2B5EF4-FFF2-40B4-BE49-F238E27FC236}">
+                <a16:creationId xmlns:a16="http://schemas.microsoft.com/office/drawing/2014/main" id="{E0F1485B-FC03-47E5-A594-1A20E5198B6F}"/>
+              </a:ext>
+            </a:extLst>
+          </p:cNvPr>
+          <p:cNvPicPr>
+            <a:picLocks noChangeAspect="1"/>
+          </p:cNvPicPr>
+          <p:nvPr/>
+        </p:nvPicPr>
+        <p:blipFill rotWithShape="1">
+          <a:blip r:embed="rId4"/>
+          <a:srcRect l="16043" t="17246" r="20463" b="28520"/>
+          <a:stretch/>
+        </p:blipFill>
+        <p:spPr>
+          <a:xfrm>
+            <a:off x="5042511" y="2502552"/>
+            <a:ext cx="2106976" cy="1938136"/>
+          </a:xfrm>
+          <a:prstGeom prst="rect">
+            <a:avLst/>
+          </a:prstGeom>
+        </p:spPr>
+      </p:pic>
+      <p:pic>
+        <p:nvPicPr>
+          <p:cNvPr id="7" name="Image 6">
+            <a:extLst>
+              <a:ext uri="{FF2B5EF4-FFF2-40B4-BE49-F238E27FC236}">
+                <a16:creationId xmlns:a16="http://schemas.microsoft.com/office/drawing/2014/main" id="{2CB11B7D-CA7C-49E7-B4B0-B9E835C214C0}"/>
+              </a:ext>
+            </a:extLst>
+          </p:cNvPr>
+          <p:cNvPicPr>
+            <a:picLocks noChangeAspect="1"/>
+          </p:cNvPicPr>
+          <p:nvPr/>
+        </p:nvPicPr>
+        <p:blipFill rotWithShape="1">
+          <a:blip r:embed="rId5"/>
+          <a:srcRect l="26807" t="9783" r="26609" b="14537"/>
+          <a:stretch/>
+        </p:blipFill>
+        <p:spPr>
+          <a:xfrm>
+            <a:off x="8538446" y="2502552"/>
+            <a:ext cx="3141549" cy="1840123"/>
+          </a:xfrm>
+          <a:prstGeom prst="rect">
+            <a:avLst/>
+          </a:prstGeom>
+        </p:spPr>
+      </p:pic>
+      <p:sp>
+        <p:nvSpPr>
+          <p:cNvPr id="8" name="ZoneTexte 7">
+            <a:extLst>
+              <a:ext uri="{FF2B5EF4-FFF2-40B4-BE49-F238E27FC236}">
+                <a16:creationId xmlns:a16="http://schemas.microsoft.com/office/drawing/2014/main" id="{7627CF94-14BF-46B2-9DDC-8430C998B405}"/>
+              </a:ext>
+            </a:extLst>
+          </p:cNvPr>
+          <p:cNvSpPr txBox="1"/>
+          <p:nvPr/>
+        </p:nvSpPr>
+        <p:spPr>
+          <a:xfrm>
+            <a:off x="855643" y="2133220"/>
+            <a:ext cx="1737783" cy="369332"/>
+          </a:xfrm>
+          <a:prstGeom prst="rect">
+            <a:avLst/>
+          </a:prstGeom>
+          <a:noFill/>
+        </p:spPr>
+        <p:txBody>
+          <a:bodyPr wrap="none" rtlCol="0">
+            <a:spAutoFit/>
+          </a:bodyPr>
+          <a:lstStyle/>
+          <a:p>
             <a:r>
               <a:rPr lang="fr-FR" dirty="0"/>
-              <a:t>Mon étude intervient donc pour faire un premier tri.</a:t>
-            </a:r>
-          </a:p>
-          <a:p>
-            <a:pPr algn="just"/>
+              <a:t>Déjà développés</a:t>
+            </a:r>
+          </a:p>
+        </p:txBody>
+      </p:sp>
+      <p:sp>
+        <p:nvSpPr>
+          <p:cNvPr id="9" name="ZoneTexte 8">
+            <a:extLst>
+              <a:ext uri="{FF2B5EF4-FFF2-40B4-BE49-F238E27FC236}">
+                <a16:creationId xmlns:a16="http://schemas.microsoft.com/office/drawing/2014/main" id="{9EE62118-321E-41E4-99E0-0195D2886ED0}"/>
+              </a:ext>
+            </a:extLst>
+          </p:cNvPr>
+          <p:cNvSpPr txBox="1"/>
+          <p:nvPr/>
+        </p:nvSpPr>
+        <p:spPr>
+          <a:xfrm>
+            <a:off x="4783236" y="2133220"/>
+            <a:ext cx="2625527" cy="369332"/>
+          </a:xfrm>
+          <a:prstGeom prst="rect">
+            <a:avLst/>
+          </a:prstGeom>
+          <a:noFill/>
+        </p:spPr>
+        <p:txBody>
+          <a:bodyPr wrap="none" rtlCol="0">
+            <a:spAutoFit/>
+          </a:bodyPr>
+          <a:lstStyle/>
+          <a:p>
             <a:r>
               <a:rPr lang="fr-FR" dirty="0"/>
-              <a:t>Afin de commencer à s’implanter</a:t>
-            </a:r>
-            <a:r>
-              <a:rPr lang="fr-FR" baseline="0" dirty="0"/>
-              <a:t> à l’international, l’entreprise doit trouver des pays qui soient déjà développés, qui importent déjà de la viande de volaille. Il serait trop compliqué de créer un nouveau marché, et cela prendrait énormément de ressource ; Cela sera dans un deuxième temps quand l’entreprise aura grandi.</a:t>
-            </a:r>
-            <a:endParaRPr lang="fr-FR" dirty="0"/>
+              <a:t>Consommant de la viande</a:t>
+            </a:r>
+          </a:p>
+        </p:txBody>
+      </p:sp>
+      <p:sp>
+        <p:nvSpPr>
+          <p:cNvPr id="10" name="ZoneTexte 9">
+            <a:extLst>
+              <a:ext uri="{FF2B5EF4-FFF2-40B4-BE49-F238E27FC236}">
+                <a16:creationId xmlns:a16="http://schemas.microsoft.com/office/drawing/2014/main" id="{A0948C6D-FAC9-48B7-B0DA-20807F9004EC}"/>
+              </a:ext>
+            </a:extLst>
+          </p:cNvPr>
+          <p:cNvSpPr txBox="1"/>
+          <p:nvPr/>
+        </p:nvSpPr>
+        <p:spPr>
+          <a:xfrm>
+            <a:off x="8697489" y="2133220"/>
+            <a:ext cx="2823465" cy="369332"/>
+          </a:xfrm>
+          <a:prstGeom prst="rect">
+            <a:avLst/>
+          </a:prstGeom>
+          <a:noFill/>
+        </p:spPr>
+        <p:txBody>
+          <a:bodyPr wrap="none" rtlCol="0">
+            <a:spAutoFit/>
+          </a:bodyPr>
+          <a:lstStyle/>
+          <a:p>
+            <a:r>
+              <a:rPr lang="fr-FR" dirty="0"/>
+              <a:t>Importations déjà présentes</a:t>
+            </a:r>
           </a:p>
         </p:txBody>
       </p:sp>
@@ -13695,6 +14763,257 @@
   <p:clrMapOvr>
     <a:masterClrMapping/>
   </p:clrMapOvr>
+  <p:timing>
+    <p:tnLst>
+      <p:par>
+        <p:cTn id="1" dur="indefinite" restart="never" nodeType="tmRoot">
+          <p:childTnLst>
+            <p:seq concurrent="1" nextAc="seek">
+              <p:cTn id="2" dur="indefinite" nodeType="mainSeq">
+                <p:childTnLst>
+                  <p:par>
+                    <p:cTn id="3" fill="hold">
+                      <p:stCondLst>
+                        <p:cond delay="indefinite"/>
+                      </p:stCondLst>
+                      <p:childTnLst>
+                        <p:par>
+                          <p:cTn id="4" fill="hold">
+                            <p:stCondLst>
+                              <p:cond delay="0"/>
+                            </p:stCondLst>
+                            <p:childTnLst>
+                              <p:par>
+                                <p:cTn id="5" presetID="1" presetClass="entr" presetSubtype="0" fill="hold" grpId="0" nodeType="clickEffect">
+                                  <p:stCondLst>
+                                    <p:cond delay="0"/>
+                                  </p:stCondLst>
+                                  <p:childTnLst>
+                                    <p:set>
+                                      <p:cBhvr>
+                                        <p:cTn id="6" dur="1" fill="hold">
+                                          <p:stCondLst>
+                                            <p:cond delay="0"/>
+                                          </p:stCondLst>
+                                        </p:cTn>
+                                        <p:tgtEl>
+                                          <p:spTgt spid="8"/>
+                                        </p:tgtEl>
+                                        <p:attrNameLst>
+                                          <p:attrName>style.visibility</p:attrName>
+                                        </p:attrNameLst>
+                                      </p:cBhvr>
+                                      <p:to>
+                                        <p:strVal val="visible"/>
+                                      </p:to>
+                                    </p:set>
+                                  </p:childTnLst>
+                                </p:cTn>
+                              </p:par>
+                              <p:par>
+                                <p:cTn id="7" presetID="1" presetClass="entr" presetSubtype="0" fill="hold" nodeType="withEffect">
+                                  <p:stCondLst>
+                                    <p:cond delay="0"/>
+                                  </p:stCondLst>
+                                  <p:childTnLst>
+                                    <p:set>
+                                      <p:cBhvr>
+                                        <p:cTn id="8" dur="1" fill="hold">
+                                          <p:stCondLst>
+                                            <p:cond delay="0"/>
+                                          </p:stCondLst>
+                                        </p:cTn>
+                                        <p:tgtEl>
+                                          <p:spTgt spid="5"/>
+                                        </p:tgtEl>
+                                        <p:attrNameLst>
+                                          <p:attrName>style.visibility</p:attrName>
+                                        </p:attrNameLst>
+                                      </p:cBhvr>
+                                      <p:to>
+                                        <p:strVal val="visible"/>
+                                      </p:to>
+                                    </p:set>
+                                  </p:childTnLst>
+                                </p:cTn>
+                              </p:par>
+                            </p:childTnLst>
+                          </p:cTn>
+                        </p:par>
+                      </p:childTnLst>
+                    </p:cTn>
+                  </p:par>
+                  <p:par>
+                    <p:cTn id="9" fill="hold">
+                      <p:stCondLst>
+                        <p:cond delay="indefinite"/>
+                      </p:stCondLst>
+                      <p:childTnLst>
+                        <p:par>
+                          <p:cTn id="10" fill="hold">
+                            <p:stCondLst>
+                              <p:cond delay="0"/>
+                            </p:stCondLst>
+                            <p:childTnLst>
+                              <p:par>
+                                <p:cTn id="11" presetID="1" presetClass="entr" presetSubtype="0" fill="hold" grpId="0" nodeType="clickEffect">
+                                  <p:stCondLst>
+                                    <p:cond delay="0"/>
+                                  </p:stCondLst>
+                                  <p:childTnLst>
+                                    <p:set>
+                                      <p:cBhvr>
+                                        <p:cTn id="12" dur="1" fill="hold">
+                                          <p:stCondLst>
+                                            <p:cond delay="0"/>
+                                          </p:stCondLst>
+                                        </p:cTn>
+                                        <p:tgtEl>
+                                          <p:spTgt spid="9"/>
+                                        </p:tgtEl>
+                                        <p:attrNameLst>
+                                          <p:attrName>style.visibility</p:attrName>
+                                        </p:attrNameLst>
+                                      </p:cBhvr>
+                                      <p:to>
+                                        <p:strVal val="visible"/>
+                                      </p:to>
+                                    </p:set>
+                                  </p:childTnLst>
+                                </p:cTn>
+                              </p:par>
+                              <p:par>
+                                <p:cTn id="13" presetID="1" presetClass="entr" presetSubtype="0" fill="hold" nodeType="withEffect">
+                                  <p:stCondLst>
+                                    <p:cond delay="0"/>
+                                  </p:stCondLst>
+                                  <p:childTnLst>
+                                    <p:set>
+                                      <p:cBhvr>
+                                        <p:cTn id="14" dur="1" fill="hold">
+                                          <p:stCondLst>
+                                            <p:cond delay="0"/>
+                                          </p:stCondLst>
+                                        </p:cTn>
+                                        <p:tgtEl>
+                                          <p:spTgt spid="6"/>
+                                        </p:tgtEl>
+                                        <p:attrNameLst>
+                                          <p:attrName>style.visibility</p:attrName>
+                                        </p:attrNameLst>
+                                      </p:cBhvr>
+                                      <p:to>
+                                        <p:strVal val="visible"/>
+                                      </p:to>
+                                    </p:set>
+                                  </p:childTnLst>
+                                </p:cTn>
+                              </p:par>
+                            </p:childTnLst>
+                          </p:cTn>
+                        </p:par>
+                      </p:childTnLst>
+                    </p:cTn>
+                  </p:par>
+                  <p:par>
+                    <p:cTn id="15" fill="hold">
+                      <p:stCondLst>
+                        <p:cond delay="indefinite"/>
+                      </p:stCondLst>
+                      <p:childTnLst>
+                        <p:par>
+                          <p:cTn id="16" fill="hold">
+                            <p:stCondLst>
+                              <p:cond delay="0"/>
+                            </p:stCondLst>
+                            <p:childTnLst>
+                              <p:par>
+                                <p:cTn id="17" presetID="1" presetClass="entr" presetSubtype="0" fill="hold" grpId="0" nodeType="clickEffect">
+                                  <p:stCondLst>
+                                    <p:cond delay="0"/>
+                                  </p:stCondLst>
+                                  <p:childTnLst>
+                                    <p:set>
+                                      <p:cBhvr>
+                                        <p:cTn id="18" dur="1" fill="hold">
+                                          <p:stCondLst>
+                                            <p:cond delay="0"/>
+                                          </p:stCondLst>
+                                        </p:cTn>
+                                        <p:tgtEl>
+                                          <p:spTgt spid="10"/>
+                                        </p:tgtEl>
+                                        <p:attrNameLst>
+                                          <p:attrName>style.visibility</p:attrName>
+                                        </p:attrNameLst>
+                                      </p:cBhvr>
+                                      <p:to>
+                                        <p:strVal val="visible"/>
+                                      </p:to>
+                                    </p:set>
+                                  </p:childTnLst>
+                                </p:cTn>
+                              </p:par>
+                              <p:par>
+                                <p:cTn id="19" presetID="1" presetClass="entr" presetSubtype="0" fill="hold" nodeType="withEffect">
+                                  <p:stCondLst>
+                                    <p:cond delay="0"/>
+                                  </p:stCondLst>
+                                  <p:childTnLst>
+                                    <p:set>
+                                      <p:cBhvr>
+                                        <p:cTn id="20" dur="1" fill="hold">
+                                          <p:stCondLst>
+                                            <p:cond delay="0"/>
+                                          </p:stCondLst>
+                                        </p:cTn>
+                                        <p:tgtEl>
+                                          <p:spTgt spid="7"/>
+                                        </p:tgtEl>
+                                        <p:attrNameLst>
+                                          <p:attrName>style.visibility</p:attrName>
+                                        </p:attrNameLst>
+                                      </p:cBhvr>
+                                      <p:to>
+                                        <p:strVal val="visible"/>
+                                      </p:to>
+                                    </p:set>
+                                  </p:childTnLst>
+                                </p:cTn>
+                              </p:par>
+                            </p:childTnLst>
+                          </p:cTn>
+                        </p:par>
+                      </p:childTnLst>
+                    </p:cTn>
+                  </p:par>
+                </p:childTnLst>
+              </p:cTn>
+              <p:prevCondLst>
+                <p:cond evt="onPrev" delay="0">
+                  <p:tgtEl>
+                    <p:sldTgt/>
+                  </p:tgtEl>
+                </p:cond>
+              </p:prevCondLst>
+              <p:nextCondLst>
+                <p:cond evt="onNext" delay="0">
+                  <p:tgtEl>
+                    <p:sldTgt/>
+                  </p:tgtEl>
+                </p:cond>
+              </p:nextCondLst>
+            </p:seq>
+          </p:childTnLst>
+        </p:cTn>
+      </p:par>
+    </p:tnLst>
+    <p:bldLst>
+      <p:bldP spid="8" grpId="0"/>
+      <p:bldP spid="9" grpId="0"/>
+      <p:bldP spid="10" grpId="0"/>
+    </p:bldLst>
+  </p:timing>
 </p:sld>
 </file>
 
@@ -14291,12 +15610,12 @@
         <p:spPr>
           <a:xfrm>
             <a:off x="1391920" y="1999139"/>
-            <a:ext cx="9144000" cy="2859722"/>
+            <a:ext cx="9144000" cy="3536688"/>
           </a:xfrm>
         </p:spPr>
         <p:txBody>
           <a:bodyPr>
-            <a:normAutofit fontScale="85000" lnSpcReduction="20000"/>
+            <a:normAutofit fontScale="92500" lnSpcReduction="10000"/>
           </a:bodyPr>
           <a:lstStyle/>
           <a:p>
@@ -14373,6 +15692,16 @@
             <a:r>
               <a:rPr lang="fr-FR" dirty="0"/>
               <a:t>La ratio du PIB (n/n-1)</a:t>
+            </a:r>
+          </a:p>
+          <a:p>
+            <a:pPr marL="342900" indent="-342900" algn="l">
+              <a:buFont typeface="Arial" panose="020B0604020202020204" pitchFamily="34" charset="0"/>
+              <a:buChar char="•"/>
+            </a:pPr>
+            <a:r>
+              <a:rPr lang="fr-FR" dirty="0"/>
+              <a:t>Importations de viande de volaille (en Tonnes)</a:t>
             </a:r>
           </a:p>
         </p:txBody>
@@ -14392,7 +15721,7 @@
           <p:nvPr/>
         </p:nvPicPr>
         <p:blipFill>
-          <a:blip r:embed="rId2">
+          <a:blip r:embed="rId3">
             <a:extLst>
               <a:ext uri="{28A0092B-C50C-407E-A947-70E740481C1C}">
                 <a14:useLocalDpi xmlns:a14="http://schemas.microsoft.com/office/drawing/2010/main" val="0"/>
@@ -14423,6 +15752,379 @@
   <p:clrMapOvr>
     <a:masterClrMapping/>
   </p:clrMapOvr>
+  <p:timing>
+    <p:tnLst>
+      <p:par>
+        <p:cTn id="1" dur="indefinite" restart="never" nodeType="tmRoot">
+          <p:childTnLst>
+            <p:seq concurrent="1" nextAc="seek">
+              <p:cTn id="2" dur="indefinite" nodeType="mainSeq">
+                <p:childTnLst>
+                  <p:par>
+                    <p:cTn id="3" fill="hold">
+                      <p:stCondLst>
+                        <p:cond delay="indefinite"/>
+                      </p:stCondLst>
+                      <p:childTnLst>
+                        <p:par>
+                          <p:cTn id="4" fill="hold">
+                            <p:stCondLst>
+                              <p:cond delay="0"/>
+                            </p:stCondLst>
+                            <p:childTnLst>
+                              <p:par>
+                                <p:cTn id="5" presetID="1" presetClass="entr" presetSubtype="0" fill="hold" nodeType="clickEffect">
+                                  <p:stCondLst>
+                                    <p:cond delay="0"/>
+                                  </p:stCondLst>
+                                  <p:childTnLst>
+                                    <p:set>
+                                      <p:cBhvr>
+                                        <p:cTn id="6" dur="1" fill="hold">
+                                          <p:stCondLst>
+                                            <p:cond delay="0"/>
+                                          </p:stCondLst>
+                                        </p:cTn>
+                                        <p:tgtEl>
+                                          <p:spTgt spid="3">
+                                            <p:txEl>
+                                              <p:pRg st="2" end="2"/>
+                                            </p:txEl>
+                                          </p:spTgt>
+                                        </p:tgtEl>
+                                        <p:attrNameLst>
+                                          <p:attrName>style.visibility</p:attrName>
+                                        </p:attrNameLst>
+                                      </p:cBhvr>
+                                      <p:to>
+                                        <p:strVal val="visible"/>
+                                      </p:to>
+                                    </p:set>
+                                  </p:childTnLst>
+                                </p:cTn>
+                              </p:par>
+                            </p:childTnLst>
+                          </p:cTn>
+                        </p:par>
+                      </p:childTnLst>
+                    </p:cTn>
+                  </p:par>
+                  <p:par>
+                    <p:cTn id="7" fill="hold">
+                      <p:stCondLst>
+                        <p:cond delay="indefinite"/>
+                      </p:stCondLst>
+                      <p:childTnLst>
+                        <p:par>
+                          <p:cTn id="8" fill="hold">
+                            <p:stCondLst>
+                              <p:cond delay="0"/>
+                            </p:stCondLst>
+                            <p:childTnLst>
+                              <p:par>
+                                <p:cTn id="9" presetID="1" presetClass="entr" presetSubtype="0" fill="hold" nodeType="clickEffect">
+                                  <p:stCondLst>
+                                    <p:cond delay="0"/>
+                                  </p:stCondLst>
+                                  <p:childTnLst>
+                                    <p:set>
+                                      <p:cBhvr>
+                                        <p:cTn id="10" dur="1" fill="hold">
+                                          <p:stCondLst>
+                                            <p:cond delay="0"/>
+                                          </p:stCondLst>
+                                        </p:cTn>
+                                        <p:tgtEl>
+                                          <p:spTgt spid="3">
+                                            <p:txEl>
+                                              <p:pRg st="3" end="3"/>
+                                            </p:txEl>
+                                          </p:spTgt>
+                                        </p:tgtEl>
+                                        <p:attrNameLst>
+                                          <p:attrName>style.visibility</p:attrName>
+                                        </p:attrNameLst>
+                                      </p:cBhvr>
+                                      <p:to>
+                                        <p:strVal val="visible"/>
+                                      </p:to>
+                                    </p:set>
+                                  </p:childTnLst>
+                                </p:cTn>
+                              </p:par>
+                            </p:childTnLst>
+                          </p:cTn>
+                        </p:par>
+                      </p:childTnLst>
+                    </p:cTn>
+                  </p:par>
+                  <p:par>
+                    <p:cTn id="11" fill="hold">
+                      <p:stCondLst>
+                        <p:cond delay="indefinite"/>
+                      </p:stCondLst>
+                      <p:childTnLst>
+                        <p:par>
+                          <p:cTn id="12" fill="hold">
+                            <p:stCondLst>
+                              <p:cond delay="0"/>
+                            </p:stCondLst>
+                            <p:childTnLst>
+                              <p:par>
+                                <p:cTn id="13" presetID="1" presetClass="entr" presetSubtype="0" fill="hold" nodeType="clickEffect">
+                                  <p:stCondLst>
+                                    <p:cond delay="0"/>
+                                  </p:stCondLst>
+                                  <p:childTnLst>
+                                    <p:set>
+                                      <p:cBhvr>
+                                        <p:cTn id="14" dur="1" fill="hold">
+                                          <p:stCondLst>
+                                            <p:cond delay="0"/>
+                                          </p:stCondLst>
+                                        </p:cTn>
+                                        <p:tgtEl>
+                                          <p:spTgt spid="3">
+                                            <p:txEl>
+                                              <p:pRg st="4" end="4"/>
+                                            </p:txEl>
+                                          </p:spTgt>
+                                        </p:tgtEl>
+                                        <p:attrNameLst>
+                                          <p:attrName>style.visibility</p:attrName>
+                                        </p:attrNameLst>
+                                      </p:cBhvr>
+                                      <p:to>
+                                        <p:strVal val="visible"/>
+                                      </p:to>
+                                    </p:set>
+                                  </p:childTnLst>
+                                </p:cTn>
+                              </p:par>
+                            </p:childTnLst>
+                          </p:cTn>
+                        </p:par>
+                      </p:childTnLst>
+                    </p:cTn>
+                  </p:par>
+                  <p:par>
+                    <p:cTn id="15" fill="hold">
+                      <p:stCondLst>
+                        <p:cond delay="indefinite"/>
+                      </p:stCondLst>
+                      <p:childTnLst>
+                        <p:par>
+                          <p:cTn id="16" fill="hold">
+                            <p:stCondLst>
+                              <p:cond delay="0"/>
+                            </p:stCondLst>
+                            <p:childTnLst>
+                              <p:par>
+                                <p:cTn id="17" presetID="1" presetClass="entr" presetSubtype="0" fill="hold" nodeType="clickEffect">
+                                  <p:stCondLst>
+                                    <p:cond delay="0"/>
+                                  </p:stCondLst>
+                                  <p:childTnLst>
+                                    <p:set>
+                                      <p:cBhvr>
+                                        <p:cTn id="18" dur="1" fill="hold">
+                                          <p:stCondLst>
+                                            <p:cond delay="0"/>
+                                          </p:stCondLst>
+                                        </p:cTn>
+                                        <p:tgtEl>
+                                          <p:spTgt spid="3">
+                                            <p:txEl>
+                                              <p:pRg st="5" end="5"/>
+                                            </p:txEl>
+                                          </p:spTgt>
+                                        </p:tgtEl>
+                                        <p:attrNameLst>
+                                          <p:attrName>style.visibility</p:attrName>
+                                        </p:attrNameLst>
+                                      </p:cBhvr>
+                                      <p:to>
+                                        <p:strVal val="visible"/>
+                                      </p:to>
+                                    </p:set>
+                                  </p:childTnLst>
+                                </p:cTn>
+                              </p:par>
+                            </p:childTnLst>
+                          </p:cTn>
+                        </p:par>
+                      </p:childTnLst>
+                    </p:cTn>
+                  </p:par>
+                  <p:par>
+                    <p:cTn id="19" fill="hold">
+                      <p:stCondLst>
+                        <p:cond delay="indefinite"/>
+                      </p:stCondLst>
+                      <p:childTnLst>
+                        <p:par>
+                          <p:cTn id="20" fill="hold">
+                            <p:stCondLst>
+                              <p:cond delay="0"/>
+                            </p:stCondLst>
+                            <p:childTnLst>
+                              <p:par>
+                                <p:cTn id="21" presetID="1" presetClass="entr" presetSubtype="0" fill="hold" nodeType="clickEffect">
+                                  <p:stCondLst>
+                                    <p:cond delay="0"/>
+                                  </p:stCondLst>
+                                  <p:childTnLst>
+                                    <p:set>
+                                      <p:cBhvr>
+                                        <p:cTn id="22" dur="1" fill="hold">
+                                          <p:stCondLst>
+                                            <p:cond delay="0"/>
+                                          </p:stCondLst>
+                                        </p:cTn>
+                                        <p:tgtEl>
+                                          <p:spTgt spid="3">
+                                            <p:txEl>
+                                              <p:pRg st="6" end="6"/>
+                                            </p:txEl>
+                                          </p:spTgt>
+                                        </p:tgtEl>
+                                        <p:attrNameLst>
+                                          <p:attrName>style.visibility</p:attrName>
+                                        </p:attrNameLst>
+                                      </p:cBhvr>
+                                      <p:to>
+                                        <p:strVal val="visible"/>
+                                      </p:to>
+                                    </p:set>
+                                  </p:childTnLst>
+                                </p:cTn>
+                              </p:par>
+                            </p:childTnLst>
+                          </p:cTn>
+                        </p:par>
+                      </p:childTnLst>
+                    </p:cTn>
+                  </p:par>
+                  <p:par>
+                    <p:cTn id="23" fill="hold">
+                      <p:stCondLst>
+                        <p:cond delay="indefinite"/>
+                      </p:stCondLst>
+                      <p:childTnLst>
+                        <p:par>
+                          <p:cTn id="24" fill="hold">
+                            <p:stCondLst>
+                              <p:cond delay="0"/>
+                            </p:stCondLst>
+                            <p:childTnLst>
+                              <p:par>
+                                <p:cTn id="25" presetID="1" presetClass="entr" presetSubtype="0" fill="hold" nodeType="clickEffect">
+                                  <p:stCondLst>
+                                    <p:cond delay="0"/>
+                                  </p:stCondLst>
+                                  <p:childTnLst>
+                                    <p:set>
+                                      <p:cBhvr>
+                                        <p:cTn id="26" dur="1" fill="hold">
+                                          <p:stCondLst>
+                                            <p:cond delay="0"/>
+                                          </p:stCondLst>
+                                        </p:cTn>
+                                        <p:tgtEl>
+                                          <p:spTgt spid="3">
+                                            <p:txEl>
+                                              <p:pRg st="7" end="7"/>
+                                            </p:txEl>
+                                          </p:spTgt>
+                                        </p:tgtEl>
+                                        <p:attrNameLst>
+                                          <p:attrName>style.visibility</p:attrName>
+                                        </p:attrNameLst>
+                                      </p:cBhvr>
+                                      <p:to>
+                                        <p:strVal val="visible"/>
+                                      </p:to>
+                                    </p:set>
+                                  </p:childTnLst>
+                                </p:cTn>
+                              </p:par>
+                            </p:childTnLst>
+                          </p:cTn>
+                        </p:par>
+                      </p:childTnLst>
+                    </p:cTn>
+                  </p:par>
+                  <p:par>
+                    <p:cTn id="27" fill="hold">
+                      <p:stCondLst>
+                        <p:cond delay="indefinite"/>
+                      </p:stCondLst>
+                      <p:childTnLst>
+                        <p:par>
+                          <p:cTn id="28" fill="hold">
+                            <p:stCondLst>
+                              <p:cond delay="0"/>
+                            </p:stCondLst>
+                            <p:childTnLst>
+                              <p:par>
+                                <p:cTn id="29" presetID="1" presetClass="entr" presetSubtype="0" fill="hold" nodeType="clickEffect">
+                                  <p:stCondLst>
+                                    <p:cond delay="0"/>
+                                  </p:stCondLst>
+                                  <p:childTnLst>
+                                    <p:set>
+                                      <p:cBhvr>
+                                        <p:cTn id="30" dur="1" fill="hold">
+                                          <p:stCondLst>
+                                            <p:cond delay="0"/>
+                                          </p:stCondLst>
+                                        </p:cTn>
+                                        <p:tgtEl>
+                                          <p:spTgt spid="3">
+                                            <p:txEl>
+                                              <p:pRg st="8" end="8"/>
+                                            </p:txEl>
+                                          </p:spTgt>
+                                        </p:tgtEl>
+                                        <p:attrNameLst>
+                                          <p:attrName>style.visibility</p:attrName>
+                                        </p:attrNameLst>
+                                      </p:cBhvr>
+                                      <p:to>
+                                        <p:strVal val="visible"/>
+                                      </p:to>
+                                    </p:set>
+                                  </p:childTnLst>
+                                </p:cTn>
+                              </p:par>
+                            </p:childTnLst>
+                          </p:cTn>
+                        </p:par>
+                      </p:childTnLst>
+                    </p:cTn>
+                  </p:par>
+                </p:childTnLst>
+              </p:cTn>
+              <p:prevCondLst>
+                <p:cond evt="onPrev" delay="0">
+                  <p:tgtEl>
+                    <p:sldTgt/>
+                  </p:tgtEl>
+                </p:cond>
+              </p:prevCondLst>
+              <p:nextCondLst>
+                <p:cond evt="onNext" delay="0">
+                  <p:tgtEl>
+                    <p:sldTgt/>
+                  </p:tgtEl>
+                </p:cond>
+              </p:nextCondLst>
+            </p:seq>
+          </p:childTnLst>
+        </p:cTn>
+      </p:par>
+    </p:tnLst>
+  </p:timing>
 </p:sld>
 </file>
 

--- a/Projet_5_présentation.pptx
+++ b/Projet_5_présentation.pptx
@@ -33,7 +33,7 @@
     <p:sldId id="323" r:id="rId24"/>
     <p:sldId id="289" r:id="rId25"/>
     <p:sldId id="302" r:id="rId26"/>
-    <p:sldId id="303" r:id="rId27"/>
+    <p:sldId id="324" r:id="rId27"/>
   </p:sldIdLst>
   <p:sldSz cx="12192000" cy="6858000"/>
   <p:notesSz cx="6858000" cy="9144000"/>
@@ -222,7 +222,7 @@
           <a:p>
             <a:fld id="{F3F2F135-A303-4DD6-9894-2ECAD9E5DBC9}" type="datetimeFigureOut">
               <a:rPr lang="fr-FR" smtClean="0"/>
-              <a:t>24/04/2019</a:t>
+              <a:t>07/05/2019</a:t>
             </a:fld>
             <a:endParaRPr lang="fr-FR"/>
           </a:p>
@@ -911,6 +911,95 @@
               <a:t>Pour rappel, la liste des clusters avec les centroïdes </a:t>
             </a:r>
           </a:p>
+          <a:p>
+            <a:endParaRPr lang="fr-FR" dirty="0"/>
+          </a:p>
+          <a:p>
+            <a:r>
+              <a:rPr lang="fr-FR" dirty="0"/>
+              <a:t>CLICK</a:t>
+            </a:r>
+          </a:p>
+          <a:p>
+            <a:endParaRPr lang="fr-FR" dirty="0"/>
+          </a:p>
+          <a:p>
+            <a:r>
+              <a:rPr lang="fr-FR" dirty="0"/>
+              <a:t>Voici la liste des pays du Cluster 7, une liste très grande. On a ici les pays qui nous intéressent au niveau des </a:t>
+            </a:r>
+            <a:r>
+              <a:rPr lang="fr-FR" dirty="0" err="1"/>
+              <a:t>kpi</a:t>
+            </a:r>
+            <a:r>
+              <a:rPr lang="fr-FR" dirty="0"/>
+              <a:t> mis en place juste avant. Cependant certains pays possèdent très peu d’importations. Nous allons donc faire un tri sur cette liste, que l’on verra juste après.</a:t>
+            </a:r>
+          </a:p>
+          <a:p>
+            <a:endParaRPr lang="fr-FR" dirty="0"/>
+          </a:p>
+          <a:p>
+            <a:r>
+              <a:rPr lang="fr-FR" dirty="0"/>
+              <a:t>Intéressons nous maintenant aux deux pays du Cluster 6 que nous avons vu dans la partie « Projection des individus » afin de voir à quoi ils correspondent. </a:t>
+            </a:r>
+          </a:p>
+          <a:p>
+            <a:endParaRPr lang="fr-FR" dirty="0"/>
+          </a:p>
+          <a:p>
+            <a:r>
+              <a:rPr lang="fr-FR" dirty="0"/>
+              <a:t>CLICK</a:t>
+            </a:r>
+          </a:p>
+          <a:p>
+            <a:endParaRPr lang="fr-FR" dirty="0"/>
+          </a:p>
+          <a:p>
+            <a:r>
+              <a:rPr lang="fr-FR" dirty="0"/>
+              <a:t>Nous voyons ici qu’il s’agit de la CHINE – RAS de Hong Kong et de la Russie ; </a:t>
+            </a:r>
+          </a:p>
+          <a:p>
+            <a:r>
+              <a:rPr lang="fr-FR" dirty="0"/>
+              <a:t>Concernant Hong Kong, on peut voir que toutes les valeurs correspondent bien à ce que l’on attend dans nos KPIs, pour la Russie, le PIB est trop faible pour faire partie de notre liste.</a:t>
+            </a:r>
+          </a:p>
+          <a:p>
+            <a:endParaRPr lang="fr-FR" dirty="0"/>
+          </a:p>
+          <a:p>
+            <a:r>
+              <a:rPr lang="fr-FR" dirty="0"/>
+              <a:t>Nous allons donc rajouter Hong Kong à notre liste, et ne garder uniquement les pays ayant une importation supérieure à 130 000 tonnes. Cette valeur d’importation nous permet de s’assurer qu’un marché est déjà présent sur le territoire ciblé. Cette valeur est arbitraire, elle pourra être rediscuter avec l’équipe Marketing en fonction du nombre voulu de pays. Il s’agit ici de proposer une liste de pays réduite et très ciblée. </a:t>
+            </a:r>
+          </a:p>
+          <a:p>
+            <a:r>
+              <a:rPr lang="fr-FR" dirty="0"/>
+              <a:t>CLICK</a:t>
+            </a:r>
+          </a:p>
+          <a:p>
+            <a:r>
+              <a:rPr lang="fr-FR" dirty="0"/>
+              <a:t>CLICK</a:t>
+            </a:r>
+          </a:p>
+          <a:p>
+            <a:endParaRPr lang="fr-FR" dirty="0"/>
+          </a:p>
+          <a:p>
+            <a:r>
+              <a:rPr lang="fr-FR" dirty="0"/>
+              <a:t>Voici donc la liste des pays.</a:t>
+            </a:r>
+          </a:p>
         </p:txBody>
       </p:sp>
       <p:sp>
@@ -993,340 +1082,18 @@
           <a:bodyPr/>
           <a:lstStyle/>
           <a:p>
-            <a:pPr marL="0" marR="0" lvl="0" indent="0" algn="l" defTabSz="914400" rtl="0" eaLnBrk="1" fontAlgn="auto" latinLnBrk="0" hangingPunct="1">
-              <a:lnSpc>
-                <a:spcPct val="100000"/>
-              </a:lnSpc>
-              <a:spcBef>
-                <a:spcPts val="0"/>
-              </a:spcBef>
-              <a:spcAft>
-                <a:spcPts val="0"/>
-              </a:spcAft>
-              <a:buClrTx/>
-              <a:buSzTx/>
-              <a:buFontTx/>
-              <a:buNone/>
-              <a:tabLst/>
-              <a:defRPr/>
-            </a:pPr>
             <a:r>
               <a:rPr lang="fr-FR" dirty="0"/>
-              <a:t>CLICK</a:t>
-            </a:r>
-          </a:p>
-          <a:p>
-            <a:pPr marL="0" marR="0" lvl="0" indent="0" algn="l" defTabSz="914400" rtl="0" eaLnBrk="1" fontAlgn="auto" latinLnBrk="0" hangingPunct="1">
-              <a:lnSpc>
-                <a:spcPct val="100000"/>
-              </a:lnSpc>
-              <a:spcBef>
-                <a:spcPts val="0"/>
-              </a:spcBef>
-              <a:spcAft>
-                <a:spcPts val="0"/>
-              </a:spcAft>
-              <a:buClrTx/>
-              <a:buSzTx/>
-              <a:buFontTx/>
-              <a:buNone/>
-              <a:tabLst/>
-              <a:defRPr/>
-            </a:pPr>
-            <a:r>
-              <a:rPr lang="fr-FR" dirty="0" err="1"/>
-              <a:t>Np.random.seed</a:t>
-            </a:r>
+              <a:t>La liste des pays a été établie. </a:t>
+            </a:r>
+          </a:p>
+          <a:p>
+            <a:endParaRPr lang="fr-FR" dirty="0"/>
+          </a:p>
+          <a:p>
             <a:r>
               <a:rPr lang="fr-FR" dirty="0"/>
-              <a:t>(1) permet de bloquer le nombre de lancés aléatoires à 1 (afin d’éviter d’avoir des résultats différent entre chaque exécution)</a:t>
-            </a:r>
-          </a:p>
-          <a:p>
-            <a:pPr marL="0" marR="0" lvl="0" indent="0" algn="l" defTabSz="914400" rtl="0" eaLnBrk="1" fontAlgn="auto" latinLnBrk="0" hangingPunct="1">
-              <a:lnSpc>
-                <a:spcPct val="100000"/>
-              </a:lnSpc>
-              <a:spcBef>
-                <a:spcPts val="0"/>
-              </a:spcBef>
-              <a:spcAft>
-                <a:spcPts val="0"/>
-              </a:spcAft>
-              <a:buClrTx/>
-              <a:buSzTx/>
-              <a:buFontTx/>
-              <a:buNone/>
-              <a:tabLst/>
-              <a:defRPr/>
-            </a:pPr>
-            <a:endParaRPr lang="fr-FR" dirty="0"/>
-          </a:p>
-          <a:p>
-            <a:pPr marL="0" marR="0" lvl="0" indent="0" algn="l" defTabSz="914400" rtl="0" eaLnBrk="1" fontAlgn="auto" latinLnBrk="0" hangingPunct="1">
-              <a:lnSpc>
-                <a:spcPct val="100000"/>
-              </a:lnSpc>
-              <a:spcBef>
-                <a:spcPts val="0"/>
-              </a:spcBef>
-              <a:spcAft>
-                <a:spcPts val="0"/>
-              </a:spcAft>
-              <a:buClrTx/>
-              <a:buSzTx/>
-              <a:buFontTx/>
-              <a:buNone/>
-              <a:tabLst/>
-              <a:defRPr/>
-            </a:pPr>
-            <a:r>
-              <a:rPr lang="fr-FR" dirty="0"/>
-              <a:t>CLICK</a:t>
-            </a:r>
-          </a:p>
-          <a:p>
-            <a:pPr marL="0" marR="0" lvl="0" indent="0" algn="l" defTabSz="914400" rtl="0" eaLnBrk="1" fontAlgn="auto" latinLnBrk="0" hangingPunct="1">
-              <a:lnSpc>
-                <a:spcPct val="100000"/>
-              </a:lnSpc>
-              <a:spcBef>
-                <a:spcPts val="0"/>
-              </a:spcBef>
-              <a:spcAft>
-                <a:spcPts val="0"/>
-              </a:spcAft>
-              <a:buClrTx/>
-              <a:buSzTx/>
-              <a:buFontTx/>
-              <a:buNone/>
-              <a:tabLst/>
-              <a:defRPr/>
-            </a:pPr>
-            <a:r>
-              <a:rPr lang="fr-FR" dirty="0"/>
-              <a:t>On utilise ensuite ks_2amp pour savoir si la variable suit une loi normale ou non : </a:t>
-            </a:r>
-          </a:p>
-          <a:p>
-            <a:pPr marL="0" marR="0" lvl="0" indent="0" algn="l" defTabSz="914400" rtl="0" eaLnBrk="1" fontAlgn="auto" latinLnBrk="0" hangingPunct="1">
-              <a:lnSpc>
-                <a:spcPct val="100000"/>
-              </a:lnSpc>
-              <a:spcBef>
-                <a:spcPts val="0"/>
-              </a:spcBef>
-              <a:spcAft>
-                <a:spcPts val="0"/>
-              </a:spcAft>
-              <a:buClrTx/>
-              <a:buSzTx/>
-              <a:buFontTx/>
-              <a:buNone/>
-              <a:tabLst/>
-              <a:defRPr/>
-            </a:pPr>
-            <a:endParaRPr lang="fr-FR" dirty="0"/>
-          </a:p>
-          <a:p>
-            <a:pPr marL="0" marR="0" lvl="0" indent="0" algn="l" defTabSz="914400" rtl="0" eaLnBrk="1" fontAlgn="auto" latinLnBrk="0" hangingPunct="1">
-              <a:lnSpc>
-                <a:spcPct val="100000"/>
-              </a:lnSpc>
-              <a:spcBef>
-                <a:spcPts val="0"/>
-              </a:spcBef>
-              <a:spcAft>
-                <a:spcPts val="0"/>
-              </a:spcAft>
-              <a:buClrTx/>
-              <a:buSzTx/>
-              <a:buFontTx/>
-              <a:buNone/>
-              <a:tabLst/>
-              <a:defRPr/>
-            </a:pPr>
-            <a:r>
-              <a:rPr lang="fr-FR" dirty="0"/>
-              <a:t>CLICK</a:t>
-            </a:r>
-          </a:p>
-          <a:p>
-            <a:pPr marL="0" marR="0" lvl="0" indent="0" algn="l" defTabSz="914400" rtl="0" eaLnBrk="1" fontAlgn="auto" latinLnBrk="0" hangingPunct="1">
-              <a:lnSpc>
-                <a:spcPct val="100000"/>
-              </a:lnSpc>
-              <a:spcBef>
-                <a:spcPts val="0"/>
-              </a:spcBef>
-              <a:spcAft>
-                <a:spcPts val="0"/>
-              </a:spcAft>
-              <a:buClrTx/>
-              <a:buSzTx/>
-              <a:buFontTx/>
-              <a:buNone/>
-              <a:tabLst/>
-              <a:defRPr/>
-            </a:pPr>
-            <a:r>
-              <a:rPr lang="fr-FR" dirty="0"/>
-              <a:t>On prend d’abord notre échantillon (avec la colonne que l’on veut tester) </a:t>
-            </a:r>
-          </a:p>
-          <a:p>
-            <a:pPr marL="0" marR="0" lvl="0" indent="0" algn="l" defTabSz="914400" rtl="0" eaLnBrk="1" fontAlgn="auto" latinLnBrk="0" hangingPunct="1">
-              <a:lnSpc>
-                <a:spcPct val="100000"/>
-              </a:lnSpc>
-              <a:spcBef>
-                <a:spcPts val="0"/>
-              </a:spcBef>
-              <a:spcAft>
-                <a:spcPts val="0"/>
-              </a:spcAft>
-              <a:buClrTx/>
-              <a:buSzTx/>
-              <a:buFontTx/>
-              <a:buNone/>
-              <a:tabLst/>
-              <a:defRPr/>
-            </a:pPr>
-            <a:endParaRPr lang="fr-FR" dirty="0"/>
-          </a:p>
-          <a:p>
-            <a:pPr marL="0" marR="0" lvl="0" indent="0" algn="l" defTabSz="914400" rtl="0" eaLnBrk="1" fontAlgn="auto" latinLnBrk="0" hangingPunct="1">
-              <a:lnSpc>
-                <a:spcPct val="100000"/>
-              </a:lnSpc>
-              <a:spcBef>
-                <a:spcPts val="0"/>
-              </a:spcBef>
-              <a:spcAft>
-                <a:spcPts val="0"/>
-              </a:spcAft>
-              <a:buClrTx/>
-              <a:buSzTx/>
-              <a:buFontTx/>
-              <a:buNone/>
-              <a:tabLst/>
-              <a:defRPr/>
-            </a:pPr>
-            <a:r>
-              <a:rPr lang="fr-FR" dirty="0"/>
-              <a:t>CLICK</a:t>
-            </a:r>
-          </a:p>
-          <a:p>
-            <a:pPr marL="0" marR="0" lvl="0" indent="0" algn="l" defTabSz="914400" rtl="0" eaLnBrk="1" fontAlgn="auto" latinLnBrk="0" hangingPunct="1">
-              <a:lnSpc>
-                <a:spcPct val="100000"/>
-              </a:lnSpc>
-              <a:spcBef>
-                <a:spcPts val="0"/>
-              </a:spcBef>
-              <a:spcAft>
-                <a:spcPts val="0"/>
-              </a:spcAft>
-              <a:buClrTx/>
-              <a:buSzTx/>
-              <a:buFontTx/>
-              <a:buNone/>
-              <a:tabLst/>
-              <a:defRPr/>
-            </a:pPr>
-            <a:r>
-              <a:rPr lang="fr-FR" dirty="0"/>
-              <a:t>Puis, en deuxième valeur, on transforme notre échantillon en échantillon suivant une loi normale, afin de comparer les deux.</a:t>
-            </a:r>
-          </a:p>
-          <a:p>
-            <a:pPr marL="0" marR="0" lvl="0" indent="0" algn="l" defTabSz="914400" rtl="0" eaLnBrk="1" fontAlgn="auto" latinLnBrk="0" hangingPunct="1">
-              <a:lnSpc>
-                <a:spcPct val="100000"/>
-              </a:lnSpc>
-              <a:spcBef>
-                <a:spcPts val="0"/>
-              </a:spcBef>
-              <a:spcAft>
-                <a:spcPts val="0"/>
-              </a:spcAft>
-              <a:buClrTx/>
-              <a:buSzTx/>
-              <a:buFontTx/>
-              <a:buNone/>
-              <a:tabLst/>
-              <a:defRPr/>
-            </a:pPr>
-            <a:endParaRPr lang="fr-FR" dirty="0"/>
-          </a:p>
-          <a:p>
-            <a:pPr marL="0" marR="0" lvl="0" indent="0" algn="l" defTabSz="914400" rtl="0" eaLnBrk="1" fontAlgn="auto" latinLnBrk="0" hangingPunct="1">
-              <a:lnSpc>
-                <a:spcPct val="100000"/>
-              </a:lnSpc>
-              <a:spcBef>
-                <a:spcPts val="0"/>
-              </a:spcBef>
-              <a:spcAft>
-                <a:spcPts val="0"/>
-              </a:spcAft>
-              <a:buClrTx/>
-              <a:buSzTx/>
-              <a:buFontTx/>
-              <a:buNone/>
-              <a:tabLst/>
-              <a:defRPr/>
-            </a:pPr>
-            <a:r>
-              <a:rPr lang="fr-FR" dirty="0"/>
-              <a:t>CLICK</a:t>
-            </a:r>
-          </a:p>
-          <a:p>
-            <a:pPr marL="0" marR="0" lvl="0" indent="0" algn="l" defTabSz="914400" rtl="0" eaLnBrk="1" fontAlgn="auto" latinLnBrk="0" hangingPunct="1">
-              <a:lnSpc>
-                <a:spcPct val="100000"/>
-              </a:lnSpc>
-              <a:spcBef>
-                <a:spcPts val="0"/>
-              </a:spcBef>
-              <a:spcAft>
-                <a:spcPts val="0"/>
-              </a:spcAft>
-              <a:buClrTx/>
-              <a:buSzTx/>
-              <a:buFontTx/>
-              <a:buNone/>
-              <a:tabLst/>
-              <a:defRPr/>
-            </a:pPr>
-            <a:r>
-              <a:rPr lang="fr-FR" dirty="0"/>
-              <a:t>Enfin, on utilise une condition IF pour afficher si la variable suit une loi normale ou non (grâce à la comparaison entre Alpha et </a:t>
-            </a:r>
-            <a:r>
-              <a:rPr lang="fr-FR" dirty="0" err="1"/>
-              <a:t>P_valeur</a:t>
-            </a:r>
-            <a:r>
-              <a:rPr lang="fr-FR" dirty="0"/>
-              <a:t>)</a:t>
-            </a:r>
-          </a:p>
-          <a:p>
-            <a:endParaRPr lang="fr-FR" dirty="0"/>
-          </a:p>
-          <a:p>
-            <a:r>
-              <a:rPr lang="fr-FR" dirty="0"/>
-              <a:t>CLICK</a:t>
-            </a:r>
-          </a:p>
-          <a:p>
-            <a:r>
-              <a:rPr lang="fr-FR" dirty="0"/>
-              <a:t>Ce qui nous donne le tableau suivant pour nos variables </a:t>
+              <a:t>Intéressons nous maintenant aux variables en elles même afin de s’assurer que nos différents Clusters diffèrent bien.</a:t>
             </a:r>
           </a:p>
         </p:txBody>
@@ -1348,7 +1115,7 @@
           <a:p>
             <a:fld id="{F44DFA25-216B-4048-9E14-17772AFFB9C9}" type="slidenum">
               <a:rPr lang="fr-FR" smtClean="0"/>
-              <a:t>18</a:t>
+              <a:t>17</a:t>
             </a:fld>
             <a:endParaRPr lang="fr-FR"/>
           </a:p>
@@ -1357,7 +1124,7 @@
     </p:spTree>
     <p:extLst>
       <p:ext uri="{BB962C8B-B14F-4D97-AF65-F5344CB8AC3E}">
-        <p14:creationId xmlns:p14="http://schemas.microsoft.com/office/powerpoint/2010/main" val="821450017"/>
+        <p14:creationId xmlns:p14="http://schemas.microsoft.com/office/powerpoint/2010/main" val="2192376994"/>
       </p:ext>
     </p:extLst>
   </p:cSld>
@@ -1411,46 +1178,340 @@
           <a:bodyPr/>
           <a:lstStyle/>
           <a:p>
+            <a:pPr marL="0" marR="0" lvl="0" indent="0" algn="l" defTabSz="914400" rtl="0" eaLnBrk="1" fontAlgn="auto" latinLnBrk="0" hangingPunct="1">
+              <a:lnSpc>
+                <a:spcPct val="100000"/>
+              </a:lnSpc>
+              <a:spcBef>
+                <a:spcPts val="0"/>
+              </a:spcBef>
+              <a:spcAft>
+                <a:spcPts val="0"/>
+              </a:spcAft>
+              <a:buClrTx/>
+              <a:buSzTx/>
+              <a:buFontTx/>
+              <a:buNone/>
+              <a:tabLst/>
+              <a:defRPr/>
+            </a:pPr>
             <a:r>
               <a:rPr lang="fr-FR" dirty="0"/>
-              <a:t>Point à revoir</a:t>
-            </a:r>
-          </a:p>
-          <a:p>
+              <a:t>CLICK</a:t>
+            </a:r>
+          </a:p>
+          <a:p>
+            <a:pPr marL="0" marR="0" lvl="0" indent="0" algn="l" defTabSz="914400" rtl="0" eaLnBrk="1" fontAlgn="auto" latinLnBrk="0" hangingPunct="1">
+              <a:lnSpc>
+                <a:spcPct val="100000"/>
+              </a:lnSpc>
+              <a:spcBef>
+                <a:spcPts val="0"/>
+              </a:spcBef>
+              <a:spcAft>
+                <a:spcPts val="0"/>
+              </a:spcAft>
+              <a:buClrTx/>
+              <a:buSzTx/>
+              <a:buFontTx/>
+              <a:buNone/>
+              <a:tabLst/>
+              <a:defRPr/>
+            </a:pPr>
+            <a:r>
+              <a:rPr lang="fr-FR" dirty="0" err="1"/>
+              <a:t>Np.random.seed</a:t>
+            </a:r>
+            <a:r>
+              <a:rPr lang="fr-FR" dirty="0"/>
+              <a:t>(1) permet de bloquer le nombre de lancés aléatoires à 1 (afin d’éviter d’avoir des résultats différent entre chaque exécution)</a:t>
+            </a:r>
+          </a:p>
+          <a:p>
+            <a:pPr marL="0" marR="0" lvl="0" indent="0" algn="l" defTabSz="914400" rtl="0" eaLnBrk="1" fontAlgn="auto" latinLnBrk="0" hangingPunct="1">
+              <a:lnSpc>
+                <a:spcPct val="100000"/>
+              </a:lnSpc>
+              <a:spcBef>
+                <a:spcPts val="0"/>
+              </a:spcBef>
+              <a:spcAft>
+                <a:spcPts val="0"/>
+              </a:spcAft>
+              <a:buClrTx/>
+              <a:buSzTx/>
+              <a:buFontTx/>
+              <a:buNone/>
+              <a:tabLst/>
+              <a:defRPr/>
+            </a:pPr>
             <a:endParaRPr lang="fr-FR" dirty="0"/>
           </a:p>
           <a:p>
+            <a:pPr marL="0" marR="0" lvl="0" indent="0" algn="l" defTabSz="914400" rtl="0" eaLnBrk="1" fontAlgn="auto" latinLnBrk="0" hangingPunct="1">
+              <a:lnSpc>
+                <a:spcPct val="100000"/>
+              </a:lnSpc>
+              <a:spcBef>
+                <a:spcPts val="0"/>
+              </a:spcBef>
+              <a:spcAft>
+                <a:spcPts val="0"/>
+              </a:spcAft>
+              <a:buClrTx/>
+              <a:buSzTx/>
+              <a:buFontTx/>
+              <a:buNone/>
+              <a:tabLst/>
+              <a:defRPr/>
+            </a:pPr>
             <a:r>
               <a:rPr lang="fr-FR" dirty="0"/>
-              <a:t>Le but du test est de vérifier que nos Clusters diffèrent bien entre eux.</a:t>
-            </a:r>
-          </a:p>
-          <a:p>
+              <a:t>CLICK</a:t>
+            </a:r>
+          </a:p>
+          <a:p>
+            <a:pPr marL="0" marR="0" lvl="0" indent="0" algn="l" defTabSz="914400" rtl="0" eaLnBrk="1" fontAlgn="auto" latinLnBrk="0" hangingPunct="1">
+              <a:lnSpc>
+                <a:spcPct val="100000"/>
+              </a:lnSpc>
+              <a:spcBef>
+                <a:spcPts val="0"/>
+              </a:spcBef>
+              <a:spcAft>
+                <a:spcPts val="0"/>
+              </a:spcAft>
+              <a:buClrTx/>
+              <a:buSzTx/>
+              <a:buFontTx/>
+              <a:buNone/>
+              <a:tabLst/>
+              <a:defRPr/>
+            </a:pPr>
+            <a:r>
+              <a:rPr lang="fr-FR" dirty="0"/>
+              <a:t>On utilise ensuite ks_2amp pour savoir si la variable suit une loi normale ou non : </a:t>
+            </a:r>
+          </a:p>
+          <a:p>
+            <a:pPr marL="0" marR="0" lvl="0" indent="0" algn="l" defTabSz="914400" rtl="0" eaLnBrk="1" fontAlgn="auto" latinLnBrk="0" hangingPunct="1">
+              <a:lnSpc>
+                <a:spcPct val="100000"/>
+              </a:lnSpc>
+              <a:spcBef>
+                <a:spcPts val="0"/>
+              </a:spcBef>
+              <a:spcAft>
+                <a:spcPts val="0"/>
+              </a:spcAft>
+              <a:buClrTx/>
+              <a:buSzTx/>
+              <a:buFontTx/>
+              <a:buNone/>
+              <a:tabLst/>
+              <a:defRPr/>
+            </a:pPr>
             <a:endParaRPr lang="fr-FR" dirty="0"/>
           </a:p>
           <a:p>
+            <a:pPr marL="0" marR="0" lvl="0" indent="0" algn="l" defTabSz="914400" rtl="0" eaLnBrk="1" fontAlgn="auto" latinLnBrk="0" hangingPunct="1">
+              <a:lnSpc>
+                <a:spcPct val="100000"/>
+              </a:lnSpc>
+              <a:spcBef>
+                <a:spcPts val="0"/>
+              </a:spcBef>
+              <a:spcAft>
+                <a:spcPts val="0"/>
+              </a:spcAft>
+              <a:buClrTx/>
+              <a:buSzTx/>
+              <a:buFontTx/>
+              <a:buNone/>
+              <a:tabLst/>
+              <a:defRPr/>
+            </a:pPr>
             <a:r>
               <a:rPr lang="fr-FR" dirty="0"/>
-              <a:t>On s’apprête à tester nos variables suivant une loi normale ; On souhaite savoir si ces variables suivent la même loi normale en fonction des Clusters (en analysant la Variance), tout en étant différents (en testant la Moyenne) ; </a:t>
-            </a:r>
-          </a:p>
-          <a:p>
+              <a:t>CLICK</a:t>
+            </a:r>
+          </a:p>
+          <a:p>
+            <a:pPr marL="0" marR="0" lvl="0" indent="0" algn="l" defTabSz="914400" rtl="0" eaLnBrk="1" fontAlgn="auto" latinLnBrk="0" hangingPunct="1">
+              <a:lnSpc>
+                <a:spcPct val="100000"/>
+              </a:lnSpc>
+              <a:spcBef>
+                <a:spcPts val="0"/>
+              </a:spcBef>
+              <a:spcAft>
+                <a:spcPts val="0"/>
+              </a:spcAft>
+              <a:buClrTx/>
+              <a:buSzTx/>
+              <a:buFontTx/>
+              <a:buNone/>
+              <a:tabLst/>
+              <a:defRPr/>
+            </a:pPr>
+            <a:r>
+              <a:rPr lang="fr-FR" dirty="0"/>
+              <a:t>On prend d’abord notre échantillon (avec la colonne que l’on veut tester) </a:t>
+            </a:r>
+          </a:p>
+          <a:p>
+            <a:pPr marL="0" marR="0" lvl="0" indent="0" algn="l" defTabSz="914400" rtl="0" eaLnBrk="1" fontAlgn="auto" latinLnBrk="0" hangingPunct="1">
+              <a:lnSpc>
+                <a:spcPct val="100000"/>
+              </a:lnSpc>
+              <a:spcBef>
+                <a:spcPts val="0"/>
+              </a:spcBef>
+              <a:spcAft>
+                <a:spcPts val="0"/>
+              </a:spcAft>
+              <a:buClrTx/>
+              <a:buSzTx/>
+              <a:buFontTx/>
+              <a:buNone/>
+              <a:tabLst/>
+              <a:defRPr/>
+            </a:pPr>
             <a:endParaRPr lang="fr-FR" dirty="0"/>
           </a:p>
           <a:p>
+            <a:pPr marL="0" marR="0" lvl="0" indent="0" algn="l" defTabSz="914400" rtl="0" eaLnBrk="1" fontAlgn="auto" latinLnBrk="0" hangingPunct="1">
+              <a:lnSpc>
+                <a:spcPct val="100000"/>
+              </a:lnSpc>
+              <a:spcBef>
+                <a:spcPts val="0"/>
+              </a:spcBef>
+              <a:spcAft>
+                <a:spcPts val="0"/>
+              </a:spcAft>
+              <a:buClrTx/>
+              <a:buSzTx/>
+              <a:buFontTx/>
+              <a:buNone/>
+              <a:tabLst/>
+              <a:defRPr/>
+            </a:pPr>
             <a:r>
               <a:rPr lang="fr-FR" dirty="0"/>
-              <a:t>En fait, on veut que chaque Cluster prenne une partie de la variable globale (une partie de la courbe de la variable de l’échantillon, en loi normale donc), mais que ces Clusters diffèrent dans la partie de la loi normale qu’il prenne (moyenne différente). </a:t>
-            </a:r>
-            <a:br>
+              <a:t>CLICK</a:t>
+            </a:r>
+          </a:p>
+          <a:p>
+            <a:pPr marL="0" marR="0" lvl="0" indent="0" algn="l" defTabSz="914400" rtl="0" eaLnBrk="1" fontAlgn="auto" latinLnBrk="0" hangingPunct="1">
+              <a:lnSpc>
+                <a:spcPct val="100000"/>
+              </a:lnSpc>
+              <a:spcBef>
+                <a:spcPts val="0"/>
+              </a:spcBef>
+              <a:spcAft>
+                <a:spcPts val="0"/>
+              </a:spcAft>
+              <a:buClrTx/>
+              <a:buSzTx/>
+              <a:buFontTx/>
+              <a:buNone/>
+              <a:tabLst/>
+              <a:defRPr/>
+            </a:pPr>
+            <a:r>
               <a:rPr lang="fr-FR" dirty="0"/>
-            </a:br>
-            <a:br>
+              <a:t>Puis, en deuxième valeur, on transforme notre échantillon en échantillon suivant une loi normale, afin de comparer les deux.</a:t>
+            </a:r>
+          </a:p>
+          <a:p>
+            <a:pPr marL="0" marR="0" lvl="0" indent="0" algn="l" defTabSz="914400" rtl="0" eaLnBrk="1" fontAlgn="auto" latinLnBrk="0" hangingPunct="1">
+              <a:lnSpc>
+                <a:spcPct val="100000"/>
+              </a:lnSpc>
+              <a:spcBef>
+                <a:spcPts val="0"/>
+              </a:spcBef>
+              <a:spcAft>
+                <a:spcPts val="0"/>
+              </a:spcAft>
+              <a:buClrTx/>
+              <a:buSzTx/>
+              <a:buFontTx/>
+              <a:buNone/>
+              <a:tabLst/>
+              <a:defRPr/>
+            </a:pPr>
+            <a:endParaRPr lang="fr-FR" dirty="0"/>
+          </a:p>
+          <a:p>
+            <a:pPr marL="0" marR="0" lvl="0" indent="0" algn="l" defTabSz="914400" rtl="0" eaLnBrk="1" fontAlgn="auto" latinLnBrk="0" hangingPunct="1">
+              <a:lnSpc>
+                <a:spcPct val="100000"/>
+              </a:lnSpc>
+              <a:spcBef>
+                <a:spcPts val="0"/>
+              </a:spcBef>
+              <a:spcAft>
+                <a:spcPts val="0"/>
+              </a:spcAft>
+              <a:buClrTx/>
+              <a:buSzTx/>
+              <a:buFontTx/>
+              <a:buNone/>
+              <a:tabLst/>
+              <a:defRPr/>
+            </a:pPr>
+            <a:r>
               <a:rPr lang="fr-FR" dirty="0"/>
-            </a:br>
+              <a:t>CLICK</a:t>
+            </a:r>
+          </a:p>
+          <a:p>
+            <a:pPr marL="0" marR="0" lvl="0" indent="0" algn="l" defTabSz="914400" rtl="0" eaLnBrk="1" fontAlgn="auto" latinLnBrk="0" hangingPunct="1">
+              <a:lnSpc>
+                <a:spcPct val="100000"/>
+              </a:lnSpc>
+              <a:spcBef>
+                <a:spcPts val="0"/>
+              </a:spcBef>
+              <a:spcAft>
+                <a:spcPts val="0"/>
+              </a:spcAft>
+              <a:buClrTx/>
+              <a:buSzTx/>
+              <a:buFontTx/>
+              <a:buNone/>
+              <a:tabLst/>
+              <a:defRPr/>
+            </a:pPr>
             <a:r>
               <a:rPr lang="fr-FR" dirty="0"/>
-              <a:t>Partie à expliquer plus clairement, mais voilà l’idée.</a:t>
+              <a:t>Enfin, on utilise une condition IF pour afficher si la variable suit une loi normale ou non (grâce à la comparaison entre Alpha et </a:t>
+            </a:r>
+            <a:r>
+              <a:rPr lang="fr-FR" dirty="0" err="1"/>
+              <a:t>P_valeur</a:t>
+            </a:r>
+            <a:r>
+              <a:rPr lang="fr-FR" dirty="0"/>
+              <a:t>)</a:t>
+            </a:r>
+          </a:p>
+          <a:p>
+            <a:endParaRPr lang="fr-FR" dirty="0"/>
+          </a:p>
+          <a:p>
+            <a:r>
+              <a:rPr lang="fr-FR" dirty="0"/>
+              <a:t>CLICK</a:t>
+            </a:r>
+          </a:p>
+          <a:p>
+            <a:r>
+              <a:rPr lang="fr-FR" dirty="0"/>
+              <a:t>Ce qui nous donne le tableau suivant pour nos variables </a:t>
             </a:r>
           </a:p>
         </p:txBody>
@@ -1472,7 +1533,7 @@
           <a:p>
             <a:fld id="{F44DFA25-216B-4048-9E14-17772AFFB9C9}" type="slidenum">
               <a:rPr lang="fr-FR" smtClean="0"/>
-              <a:t>19</a:t>
+              <a:t>18</a:t>
             </a:fld>
             <a:endParaRPr lang="fr-FR"/>
           </a:p>
@@ -1481,7 +1542,7 @@
     </p:spTree>
     <p:extLst>
       <p:ext uri="{BB962C8B-B14F-4D97-AF65-F5344CB8AC3E}">
-        <p14:creationId xmlns:p14="http://schemas.microsoft.com/office/powerpoint/2010/main" val="3805455055"/>
+        <p14:creationId xmlns:p14="http://schemas.microsoft.com/office/powerpoint/2010/main" val="821450017"/>
       </p:ext>
     </p:extLst>
   </p:cSld>
@@ -1537,38 +1598,53 @@
           <a:p>
             <a:r>
               <a:rPr lang="fr-FR" dirty="0"/>
-              <a:t>Nous nous intéresserons ici à deux Clusters : </a:t>
-            </a:r>
+              <a:t>XXXXX</a:t>
+            </a:r>
+          </a:p>
+          <a:p>
+            <a:endParaRPr lang="fr-FR" dirty="0"/>
           </a:p>
           <a:p>
             <a:r>
               <a:rPr lang="fr-FR" dirty="0"/>
-              <a:t>Le 5 et le 7 </a:t>
-            </a:r>
+              <a:t>Point à revoir</a:t>
+            </a:r>
+          </a:p>
+          <a:p>
+            <a:endParaRPr lang="fr-FR" dirty="0"/>
           </a:p>
           <a:p>
             <a:r>
               <a:rPr lang="fr-FR" dirty="0"/>
-              <a:t>Ainsi qu’à deux variables – </a:t>
-            </a:r>
-            <a:r>
-              <a:rPr lang="fr-FR" dirty="0" err="1"/>
-              <a:t>Ratio_prot</a:t>
-            </a:r>
+              <a:t>Le but du test est de vérifier que nos Clusters diffèrent bien entre eux.</a:t>
+            </a:r>
+          </a:p>
+          <a:p>
+            <a:endParaRPr lang="fr-FR" dirty="0"/>
+          </a:p>
+          <a:p>
             <a:r>
               <a:rPr lang="fr-FR" dirty="0"/>
-              <a:t> et </a:t>
-            </a:r>
-            <a:r>
-              <a:rPr lang="fr-FR" dirty="0" err="1"/>
-              <a:t>Dispo_alim_tot</a:t>
-            </a:r>
+              <a:t>On s’apprête à tester nos variables suivant une loi normale ; On souhaite savoir si ces variables suivent la même loi normale en fonction des Clusters (en analysant la Variance), tout en étant différents (en testant la Moyenne) ; </a:t>
+            </a:r>
+          </a:p>
+          <a:p>
             <a:endParaRPr lang="fr-FR" dirty="0"/>
           </a:p>
           <a:p>
             <a:r>
               <a:rPr lang="fr-FR" dirty="0"/>
-              <a:t>Comme vu dans la partie précédente, ces deux variables suivent bien une loi normale.</a:t>
+              <a:t>En fait, on veut que chaque Cluster prenne une partie de la variable globale (une partie de la courbe de la variable de l’échantillon, en loi normale donc), mais que ces Clusters diffèrent dans la partie de la loi normale qu’il prenne (moyenne différente). </a:t>
+            </a:r>
+            <a:br>
+              <a:rPr lang="fr-FR" dirty="0"/>
+            </a:br>
+            <a:br>
+              <a:rPr lang="fr-FR" dirty="0"/>
+            </a:br>
+            <a:r>
+              <a:rPr lang="fr-FR" dirty="0"/>
+              <a:t>Partie à expliquer plus clairement, mais voilà l’idée.</a:t>
             </a:r>
           </a:p>
         </p:txBody>
@@ -1590,7 +1666,7 @@
           <a:p>
             <a:fld id="{F44DFA25-216B-4048-9E14-17772AFFB9C9}" type="slidenum">
               <a:rPr lang="fr-FR" smtClean="0"/>
-              <a:t>20</a:t>
+              <a:t>19</a:t>
             </a:fld>
             <a:endParaRPr lang="fr-FR"/>
           </a:p>
@@ -1599,7 +1675,7 @@
     </p:spTree>
     <p:extLst>
       <p:ext uri="{BB962C8B-B14F-4D97-AF65-F5344CB8AC3E}">
-        <p14:creationId xmlns:p14="http://schemas.microsoft.com/office/powerpoint/2010/main" val="3671374684"/>
+        <p14:creationId xmlns:p14="http://schemas.microsoft.com/office/powerpoint/2010/main" val="3805455055"/>
       </p:ext>
     </p:extLst>
   </p:cSld>
@@ -1655,44 +1731,38 @@
           <a:p>
             <a:r>
               <a:rPr lang="fr-FR" dirty="0"/>
-              <a:t>On utilise ici </a:t>
+              <a:t>Nous nous intéresserons ici à deux Clusters : </a:t>
+            </a:r>
+          </a:p>
+          <a:p>
+            <a:r>
+              <a:rPr lang="fr-FR" dirty="0"/>
+              <a:t>Le 5 et le 7 </a:t>
+            </a:r>
+          </a:p>
+          <a:p>
+            <a:r>
+              <a:rPr lang="fr-FR" dirty="0"/>
+              <a:t>Ainsi qu’à deux variables – </a:t>
             </a:r>
             <a:r>
               <a:rPr lang="fr-FR" dirty="0" err="1"/>
-              <a:t>scipy.stats.barlett</a:t>
+              <a:t>Ratio_prot</a:t>
             </a:r>
             <a:r>
               <a:rPr lang="fr-FR" dirty="0"/>
-              <a:t> pour comparer les deux échantillons ; </a:t>
-            </a:r>
+              <a:t> et </a:t>
+            </a:r>
+            <a:r>
+              <a:rPr lang="fr-FR" dirty="0" err="1"/>
+              <a:t>Dispo_alim_tot</a:t>
+            </a:r>
+            <a:endParaRPr lang="fr-FR" dirty="0"/>
           </a:p>
           <a:p>
             <a:r>
               <a:rPr lang="fr-FR" dirty="0"/>
-              <a:t>On peut ainsi savoir si les variances sont différentes en comparant Alpha et </a:t>
-            </a:r>
-            <a:r>
-              <a:rPr lang="fr-FR" dirty="0" err="1"/>
-              <a:t>P_valeur</a:t>
-            </a:r>
-            <a:r>
-              <a:rPr lang="fr-FR" dirty="0"/>
-              <a:t> ;</a:t>
-            </a:r>
-          </a:p>
-          <a:p>
-            <a:endParaRPr lang="fr-FR" dirty="0"/>
-          </a:p>
-          <a:p>
-            <a:r>
-              <a:rPr lang="fr-FR" dirty="0"/>
-              <a:t>Ici, avec un niveau de test à 1%, les variances sont bien égales.</a:t>
-            </a:r>
-          </a:p>
-          <a:p>
-            <a:r>
-              <a:rPr lang="fr-FR" dirty="0"/>
-              <a:t>Les deux Clusters suivent donc la même loi normale.</a:t>
+              <a:t>Comme vu dans la partie précédente, ces deux variables suivent bien une loi normale.</a:t>
             </a:r>
           </a:p>
         </p:txBody>
@@ -1714,7 +1784,7 @@
           <a:p>
             <a:fld id="{F44DFA25-216B-4048-9E14-17772AFFB9C9}" type="slidenum">
               <a:rPr lang="fr-FR" smtClean="0"/>
-              <a:t>21</a:t>
+              <a:t>20</a:t>
             </a:fld>
             <a:endParaRPr lang="fr-FR"/>
           </a:p>
@@ -1723,7 +1793,7 @@
     </p:spTree>
     <p:extLst>
       <p:ext uri="{BB962C8B-B14F-4D97-AF65-F5344CB8AC3E}">
-        <p14:creationId xmlns:p14="http://schemas.microsoft.com/office/powerpoint/2010/main" val="3666263677"/>
+        <p14:creationId xmlns:p14="http://schemas.microsoft.com/office/powerpoint/2010/main" val="3671374684"/>
       </p:ext>
     </p:extLst>
   </p:cSld>
@@ -1783,17 +1853,25 @@
             </a:r>
             <a:r>
               <a:rPr lang="fr-FR" dirty="0" err="1"/>
-              <a:t>scipy.stats.ttest_ind</a:t>
+              <a:t>scipy.stats.barlett</a:t>
             </a:r>
             <a:r>
               <a:rPr lang="fr-FR" dirty="0"/>
-              <a:t> pour comparer les deux Clusters </a:t>
+              <a:t> pour comparer les deux échantillons ; </a:t>
             </a:r>
           </a:p>
           <a:p>
             <a:r>
               <a:rPr lang="fr-FR" dirty="0"/>
-              <a:t>CLICK</a:t>
+              <a:t>On peut ainsi savoir si les variances sont différentes en comparant Alpha et </a:t>
+            </a:r>
+            <a:r>
+              <a:rPr lang="fr-FR" dirty="0" err="1"/>
+              <a:t>P_valeur</a:t>
+            </a:r>
+            <a:r>
+              <a:rPr lang="fr-FR" dirty="0"/>
+              <a:t> ;</a:t>
             </a:r>
           </a:p>
           <a:p>
@@ -1802,30 +1880,13 @@
           <a:p>
             <a:r>
               <a:rPr lang="fr-FR" dirty="0"/>
-              <a:t>Encore une fois, en comparant alpha et </a:t>
-            </a:r>
-            <a:r>
-              <a:rPr lang="fr-FR" dirty="0" err="1"/>
-              <a:t>p_valeur</a:t>
-            </a:r>
+              <a:t>Ici, avec un niveau de test à 1%, les variances sont bien égales.</a:t>
+            </a:r>
+          </a:p>
+          <a:p>
             <a:r>
               <a:rPr lang="fr-FR" dirty="0"/>
-              <a:t>, on sait si les moyennes sont égales ou non</a:t>
-            </a:r>
-          </a:p>
-          <a:p>
-            <a:endParaRPr lang="fr-FR" dirty="0"/>
-          </a:p>
-          <a:p>
-            <a:r>
-              <a:rPr lang="fr-FR" dirty="0"/>
-              <a:t>CLICK </a:t>
-            </a:r>
-          </a:p>
-          <a:p>
-            <a:r>
-              <a:rPr lang="fr-FR" dirty="0"/>
-              <a:t>Ici, les moyennes diffèrent bien.</a:t>
+              <a:t>Les deux Clusters suivent donc la même loi normale.</a:t>
             </a:r>
           </a:p>
         </p:txBody>
@@ -1847,7 +1908,7 @@
           <a:p>
             <a:fld id="{F44DFA25-216B-4048-9E14-17772AFFB9C9}" type="slidenum">
               <a:rPr lang="fr-FR" smtClean="0"/>
-              <a:t>22</a:t>
+              <a:t>21</a:t>
             </a:fld>
             <a:endParaRPr lang="fr-FR"/>
           </a:p>
@@ -1856,7 +1917,7 @@
     </p:spTree>
     <p:extLst>
       <p:ext uri="{BB962C8B-B14F-4D97-AF65-F5344CB8AC3E}">
-        <p14:creationId xmlns:p14="http://schemas.microsoft.com/office/powerpoint/2010/main" val="1147614657"/>
+        <p14:creationId xmlns:p14="http://schemas.microsoft.com/office/powerpoint/2010/main" val="3666263677"/>
       </p:ext>
     </p:extLst>
   </p:cSld>
@@ -1910,7 +1971,56 @@
           <a:bodyPr/>
           <a:lstStyle/>
           <a:p>
+            <a:r>
+              <a:rPr lang="fr-FR" dirty="0"/>
+              <a:t>On utilise ici </a:t>
+            </a:r>
+            <a:r>
+              <a:rPr lang="fr-FR" dirty="0" err="1"/>
+              <a:t>scipy.stats.ttest_ind</a:t>
+            </a:r>
+            <a:r>
+              <a:rPr lang="fr-FR" dirty="0"/>
+              <a:t> pour comparer les deux Clusters </a:t>
+            </a:r>
+          </a:p>
+          <a:p>
+            <a:r>
+              <a:rPr lang="fr-FR" dirty="0"/>
+              <a:t>CLICK</a:t>
+            </a:r>
+          </a:p>
+          <a:p>
             <a:endParaRPr lang="fr-FR" dirty="0"/>
+          </a:p>
+          <a:p>
+            <a:r>
+              <a:rPr lang="fr-FR" dirty="0"/>
+              <a:t>Encore une fois, en comparant alpha et </a:t>
+            </a:r>
+            <a:r>
+              <a:rPr lang="fr-FR" dirty="0" err="1"/>
+              <a:t>p_valeur</a:t>
+            </a:r>
+            <a:r>
+              <a:rPr lang="fr-FR" dirty="0"/>
+              <a:t>, on sait si les moyennes sont égales ou non</a:t>
+            </a:r>
+          </a:p>
+          <a:p>
+            <a:endParaRPr lang="fr-FR" dirty="0"/>
+          </a:p>
+          <a:p>
+            <a:r>
+              <a:rPr lang="fr-FR" dirty="0"/>
+              <a:t>CLICK </a:t>
+            </a:r>
+          </a:p>
+          <a:p>
+            <a:r>
+              <a:rPr lang="fr-FR" dirty="0"/>
+              <a:t>Ici, les moyennes diffèrent bien.</a:t>
+            </a:r>
           </a:p>
         </p:txBody>
       </p:sp>
@@ -1931,7 +2041,7 @@
           <a:p>
             <a:fld id="{F44DFA25-216B-4048-9E14-17772AFFB9C9}" type="slidenum">
               <a:rPr lang="fr-FR" smtClean="0"/>
-              <a:t>23</a:t>
+              <a:t>22</a:t>
             </a:fld>
             <a:endParaRPr lang="fr-FR"/>
           </a:p>
@@ -1940,7 +2050,7 @@
     </p:spTree>
     <p:extLst>
       <p:ext uri="{BB962C8B-B14F-4D97-AF65-F5344CB8AC3E}">
-        <p14:creationId xmlns:p14="http://schemas.microsoft.com/office/powerpoint/2010/main" val="910795080"/>
+        <p14:creationId xmlns:p14="http://schemas.microsoft.com/office/powerpoint/2010/main" val="1147614657"/>
       </p:ext>
     </p:extLst>
   </p:cSld>
@@ -2013,9 +2123,9 @@
           <a:bodyPr/>
           <a:lstStyle/>
           <a:p>
-            <a:fld id="{5F05756B-5F5C-4EED-907C-E25857D58D0B}" type="slidenum">
+            <a:fld id="{F44DFA25-216B-4048-9E14-17772AFFB9C9}" type="slidenum">
               <a:rPr lang="fr-FR" smtClean="0"/>
-              <a:t>24</a:t>
+              <a:t>23</a:t>
             </a:fld>
             <a:endParaRPr lang="fr-FR"/>
           </a:p>
@@ -2024,7 +2134,7 @@
     </p:spTree>
     <p:extLst>
       <p:ext uri="{BB962C8B-B14F-4D97-AF65-F5344CB8AC3E}">
-        <p14:creationId xmlns:p14="http://schemas.microsoft.com/office/powerpoint/2010/main" val="268619433"/>
+        <p14:creationId xmlns:p14="http://schemas.microsoft.com/office/powerpoint/2010/main" val="910795080"/>
       </p:ext>
     </p:extLst>
   </p:cSld>
@@ -2190,18 +2300,7 @@
           <a:bodyPr/>
           <a:lstStyle/>
           <a:p>
-            <a:r>
-              <a:rPr lang="fr-FR" dirty="0"/>
-              <a:t>Remettre le </a:t>
-            </a:r>
-            <a:r>
-              <a:rPr lang="fr-FR" dirty="0" err="1"/>
-              <a:t>Df</a:t>
-            </a:r>
-            <a:r>
-              <a:rPr lang="fr-FR" dirty="0"/>
-              <a:t> sans la France et voir pour les émirats arabes unis</a:t>
-            </a:r>
+            <a:endParaRPr lang="fr-FR" dirty="0"/>
           </a:p>
         </p:txBody>
       </p:sp>
@@ -2220,6 +2319,161 @@
           <a:bodyPr/>
           <a:lstStyle/>
           <a:p>
+            <a:fld id="{5F05756B-5F5C-4EED-907C-E25857D58D0B}" type="slidenum">
+              <a:rPr lang="fr-FR" smtClean="0"/>
+              <a:t>24</a:t>
+            </a:fld>
+            <a:endParaRPr lang="fr-FR"/>
+          </a:p>
+        </p:txBody>
+      </p:sp>
+    </p:spTree>
+    <p:extLst>
+      <p:ext uri="{BB962C8B-B14F-4D97-AF65-F5344CB8AC3E}">
+        <p14:creationId xmlns:p14="http://schemas.microsoft.com/office/powerpoint/2010/main" val="268619433"/>
+      </p:ext>
+    </p:extLst>
+  </p:cSld>
+  <p:clrMapOvr>
+    <a:masterClrMapping/>
+  </p:clrMapOvr>
+</p:notes>
+</file>
+
+<file path=ppt/notesSlides/notesSlide21.xml><?xml version="1.0" encoding="utf-8"?>
+<p:notes xmlns:a="http://schemas.openxmlformats.org/drawingml/2006/main" xmlns:r="http://schemas.openxmlformats.org/officeDocument/2006/relationships" xmlns:p="http://schemas.openxmlformats.org/presentationml/2006/main">
+  <p:cSld>
+    <p:spTree>
+      <p:nvGrpSpPr>
+        <p:cNvPr id="1" name=""/>
+        <p:cNvGrpSpPr/>
+        <p:nvPr/>
+      </p:nvGrpSpPr>
+      <p:grpSpPr>
+        <a:xfrm>
+          <a:off x="0" y="0"/>
+          <a:ext cx="0" cy="0"/>
+          <a:chOff x="0" y="0"/>
+          <a:chExt cx="0" cy="0"/>
+        </a:xfrm>
+      </p:grpSpPr>
+      <p:sp>
+        <p:nvSpPr>
+          <p:cNvPr id="2" name="Espace réservé de l'image des diapositives 1"/>
+          <p:cNvSpPr>
+            <a:spLocks noGrp="1" noRot="1" noChangeAspect="1"/>
+          </p:cNvSpPr>
+          <p:nvPr>
+            <p:ph type="sldImg"/>
+          </p:nvPr>
+        </p:nvSpPr>
+        <p:spPr/>
+      </p:sp>
+      <p:sp>
+        <p:nvSpPr>
+          <p:cNvPr id="3" name="Espace réservé des notes 2"/>
+          <p:cNvSpPr>
+            <a:spLocks noGrp="1"/>
+          </p:cNvSpPr>
+          <p:nvPr>
+            <p:ph type="body" idx="1"/>
+          </p:nvPr>
+        </p:nvSpPr>
+        <p:spPr/>
+        <p:txBody>
+          <a:bodyPr/>
+          <a:lstStyle/>
+          <a:p>
+            <a:r>
+              <a:rPr lang="fr-FR" dirty="0"/>
+              <a:t>Voici la liste que nous avions obtenue plus tôt dans cette présentation. </a:t>
+            </a:r>
+          </a:p>
+          <a:p>
+            <a:endParaRPr lang="fr-FR" dirty="0"/>
+          </a:p>
+          <a:p>
+            <a:r>
+              <a:rPr lang="fr-FR" dirty="0"/>
+              <a:t>Les pays présents dans la liste sont les pays les plus intéressants, présentant des chiffres proches de ceux de la France, et permettent donc une implantation plus facile et avec moins de risques </a:t>
+            </a:r>
+          </a:p>
+          <a:p>
+            <a:endParaRPr lang="fr-FR" dirty="0"/>
+          </a:p>
+          <a:p>
+            <a:r>
+              <a:rPr lang="fr-FR" dirty="0"/>
+              <a:t>Cependant, on remarque que 3 pays sortent du lot sur un critère non négligeable : les facilités d'imports/exports ; </a:t>
+            </a:r>
+            <a:br>
+              <a:rPr lang="fr-FR" dirty="0"/>
+            </a:br>
+            <a:r>
+              <a:rPr lang="fr-FR" dirty="0"/>
+              <a:t>Les pays européens présentent un intérêt majeur : L'espace Schengen </a:t>
+            </a:r>
+          </a:p>
+          <a:p>
+            <a:endParaRPr lang="fr-FR" dirty="0"/>
+          </a:p>
+          <a:p>
+            <a:r>
+              <a:rPr lang="fr-FR" dirty="0"/>
+              <a:t>Ce dernier choix est beaucoup plus arbitraire que les précédents, cependant il s'inscrit dans une logique d'expansion en plusieurs phases : </a:t>
+            </a:r>
+            <a:br>
+              <a:rPr lang="fr-FR" dirty="0"/>
+            </a:br>
+            <a:endParaRPr lang="fr-FR" dirty="0"/>
+          </a:p>
+          <a:p>
+            <a:r>
+              <a:rPr lang="fr-FR" dirty="0"/>
+              <a:t>Phase 1 : S'implanter des dans pays développés, ayant déjà un marché d'import de viandes de volailles, et présentant des facilités (imports/exports, langue). </a:t>
+            </a:r>
+          </a:p>
+          <a:p>
+            <a:endParaRPr lang="fr-FR" dirty="0"/>
+          </a:p>
+          <a:p>
+            <a:r>
+              <a:rPr lang="fr-FR" dirty="0"/>
+              <a:t>Phase 2 : S'implanter dans les pays développés avec un marché d'import de viandes de volailles déjà présent, mais ne présentant pas de facilités particulières (Canada, Royaume-Uni, Hong Kong, Emirats Arabes Unis) </a:t>
+            </a:r>
+          </a:p>
+          <a:p>
+            <a:endParaRPr lang="fr-FR" dirty="0"/>
+          </a:p>
+          <a:p>
+            <a:r>
+              <a:rPr lang="fr-FR" dirty="0"/>
+              <a:t>Voici donc les 3 pays à regarder en priorité : </a:t>
+            </a:r>
+          </a:p>
+          <a:p>
+            <a:r>
+              <a:rPr lang="fr-FR" dirty="0"/>
+              <a:t>CLICK</a:t>
+            </a:r>
+          </a:p>
+        </p:txBody>
+      </p:sp>
+      <p:sp>
+        <p:nvSpPr>
+          <p:cNvPr id="4" name="Espace réservé du numéro de diapositive 3"/>
+          <p:cNvSpPr>
+            <a:spLocks noGrp="1"/>
+          </p:cNvSpPr>
+          <p:nvPr>
+            <p:ph type="sldNum" sz="quarter" idx="5"/>
+          </p:nvPr>
+        </p:nvSpPr>
+        <p:spPr/>
+        <p:txBody>
+          <a:bodyPr/>
+          <a:lstStyle/>
+          <a:p>
             <a:fld id="{F44DFA25-216B-4048-9E14-17772AFFB9C9}" type="slidenum">
               <a:rPr lang="fr-FR" smtClean="0"/>
               <a:t>25</a:t>
@@ -2232,6 +2486,90 @@
     <p:extLst>
       <p:ext uri="{BB962C8B-B14F-4D97-AF65-F5344CB8AC3E}">
         <p14:creationId xmlns:p14="http://schemas.microsoft.com/office/powerpoint/2010/main" val="2302832259"/>
+      </p:ext>
+    </p:extLst>
+  </p:cSld>
+  <p:clrMapOvr>
+    <a:masterClrMapping/>
+  </p:clrMapOvr>
+</p:notes>
+</file>
+
+<file path=ppt/notesSlides/notesSlide22.xml><?xml version="1.0" encoding="utf-8"?>
+<p:notes xmlns:a="http://schemas.openxmlformats.org/drawingml/2006/main" xmlns:r="http://schemas.openxmlformats.org/officeDocument/2006/relationships" xmlns:p="http://schemas.openxmlformats.org/presentationml/2006/main">
+  <p:cSld>
+    <p:spTree>
+      <p:nvGrpSpPr>
+        <p:cNvPr id="1" name=""/>
+        <p:cNvGrpSpPr/>
+        <p:nvPr/>
+      </p:nvGrpSpPr>
+      <p:grpSpPr>
+        <a:xfrm>
+          <a:off x="0" y="0"/>
+          <a:ext cx="0" cy="0"/>
+          <a:chOff x="0" y="0"/>
+          <a:chExt cx="0" cy="0"/>
+        </a:xfrm>
+      </p:grpSpPr>
+      <p:sp>
+        <p:nvSpPr>
+          <p:cNvPr id="2" name="Espace réservé de l'image des diapositives 1"/>
+          <p:cNvSpPr>
+            <a:spLocks noGrp="1" noRot="1" noChangeAspect="1"/>
+          </p:cNvSpPr>
+          <p:nvPr>
+            <p:ph type="sldImg"/>
+          </p:nvPr>
+        </p:nvSpPr>
+        <p:spPr/>
+      </p:sp>
+      <p:sp>
+        <p:nvSpPr>
+          <p:cNvPr id="3" name="Espace réservé des notes 2"/>
+          <p:cNvSpPr>
+            <a:spLocks noGrp="1"/>
+          </p:cNvSpPr>
+          <p:nvPr>
+            <p:ph type="body" idx="1"/>
+          </p:nvPr>
+        </p:nvSpPr>
+        <p:spPr/>
+        <p:txBody>
+          <a:bodyPr/>
+          <a:lstStyle/>
+          <a:p>
+            <a:endParaRPr lang="fr-FR" dirty="0"/>
+          </a:p>
+        </p:txBody>
+      </p:sp>
+      <p:sp>
+        <p:nvSpPr>
+          <p:cNvPr id="4" name="Espace réservé du numéro de diapositive 3"/>
+          <p:cNvSpPr>
+            <a:spLocks noGrp="1"/>
+          </p:cNvSpPr>
+          <p:nvPr>
+            <p:ph type="sldNum" sz="quarter" idx="5"/>
+          </p:nvPr>
+        </p:nvSpPr>
+        <p:spPr/>
+        <p:txBody>
+          <a:bodyPr/>
+          <a:lstStyle/>
+          <a:p>
+            <a:fld id="{5F05756B-5F5C-4EED-907C-E25857D58D0B}" type="slidenum">
+              <a:rPr lang="fr-FR" smtClean="0"/>
+              <a:t>26</a:t>
+            </a:fld>
+            <a:endParaRPr lang="fr-FR"/>
+          </a:p>
+        </p:txBody>
+      </p:sp>
+    </p:spTree>
+    <p:extLst>
+      <p:ext uri="{BB962C8B-B14F-4D97-AF65-F5344CB8AC3E}">
+        <p14:creationId xmlns:p14="http://schemas.microsoft.com/office/powerpoint/2010/main" val="1544918475"/>
       </p:ext>
     </p:extLst>
   </p:cSld>
@@ -2577,6 +2915,9 @@
               <a:t>Voici le dendrogramme</a:t>
             </a:r>
           </a:p>
+          <a:p>
+            <a:endParaRPr lang="fr-FR" dirty="0"/>
+          </a:p>
         </p:txBody>
       </p:sp>
       <p:sp>
@@ -2727,8 +3068,11 @@
           <a:p>
             <a:r>
               <a:rPr lang="fr-FR" dirty="0"/>
-              <a:t>Ajouter la liste du Cluster 7 </a:t>
-            </a:r>
+              <a:t>Différences entre les Clusters : </a:t>
+            </a:r>
+          </a:p>
+          <a:p>
+            <a:endParaRPr lang="fr-FR" dirty="0"/>
           </a:p>
         </p:txBody>
       </p:sp>
@@ -3089,7 +3433,7 @@
           <a:p>
             <a:fld id="{E565D739-1F39-46A1-82E5-C30CDDBD57CA}" type="datetimeFigureOut">
               <a:rPr lang="fr-FR" smtClean="0"/>
-              <a:t>24/04/2019</a:t>
+              <a:t>07/05/2019</a:t>
             </a:fld>
             <a:endParaRPr lang="fr-FR"/>
           </a:p>
@@ -3287,7 +3631,7 @@
           <a:p>
             <a:fld id="{E565D739-1F39-46A1-82E5-C30CDDBD57CA}" type="datetimeFigureOut">
               <a:rPr lang="fr-FR" smtClean="0"/>
-              <a:t>24/04/2019</a:t>
+              <a:t>07/05/2019</a:t>
             </a:fld>
             <a:endParaRPr lang="fr-FR"/>
           </a:p>
@@ -3495,7 +3839,7 @@
           <a:p>
             <a:fld id="{E565D739-1F39-46A1-82E5-C30CDDBD57CA}" type="datetimeFigureOut">
               <a:rPr lang="fr-FR" smtClean="0"/>
-              <a:t>24/04/2019</a:t>
+              <a:t>07/05/2019</a:t>
             </a:fld>
             <a:endParaRPr lang="fr-FR"/>
           </a:p>
@@ -3693,7 +4037,7 @@
           <a:p>
             <a:fld id="{E565D739-1F39-46A1-82E5-C30CDDBD57CA}" type="datetimeFigureOut">
               <a:rPr lang="fr-FR" smtClean="0"/>
-              <a:t>24/04/2019</a:t>
+              <a:t>07/05/2019</a:t>
             </a:fld>
             <a:endParaRPr lang="fr-FR"/>
           </a:p>
@@ -3968,7 +4312,7 @@
           <a:p>
             <a:fld id="{E565D739-1F39-46A1-82E5-C30CDDBD57CA}" type="datetimeFigureOut">
               <a:rPr lang="fr-FR" smtClean="0"/>
-              <a:t>24/04/2019</a:t>
+              <a:t>07/05/2019</a:t>
             </a:fld>
             <a:endParaRPr lang="fr-FR"/>
           </a:p>
@@ -4233,7 +4577,7 @@
           <a:p>
             <a:fld id="{E565D739-1F39-46A1-82E5-C30CDDBD57CA}" type="datetimeFigureOut">
               <a:rPr lang="fr-FR" smtClean="0"/>
-              <a:t>24/04/2019</a:t>
+              <a:t>07/05/2019</a:t>
             </a:fld>
             <a:endParaRPr lang="fr-FR"/>
           </a:p>
@@ -4645,7 +4989,7 @@
           <a:p>
             <a:fld id="{E565D739-1F39-46A1-82E5-C30CDDBD57CA}" type="datetimeFigureOut">
               <a:rPr lang="fr-FR" smtClean="0"/>
-              <a:t>24/04/2019</a:t>
+              <a:t>07/05/2019</a:t>
             </a:fld>
             <a:endParaRPr lang="fr-FR"/>
           </a:p>
@@ -4786,7 +5130,7 @@
           <a:p>
             <a:fld id="{E565D739-1F39-46A1-82E5-C30CDDBD57CA}" type="datetimeFigureOut">
               <a:rPr lang="fr-FR" smtClean="0"/>
-              <a:t>24/04/2019</a:t>
+              <a:t>07/05/2019</a:t>
             </a:fld>
             <a:endParaRPr lang="fr-FR"/>
           </a:p>
@@ -4899,7 +5243,7 @@
           <a:p>
             <a:fld id="{E565D739-1F39-46A1-82E5-C30CDDBD57CA}" type="datetimeFigureOut">
               <a:rPr lang="fr-FR" smtClean="0"/>
-              <a:t>24/04/2019</a:t>
+              <a:t>07/05/2019</a:t>
             </a:fld>
             <a:endParaRPr lang="fr-FR"/>
           </a:p>
@@ -5210,7 +5554,7 @@
           <a:p>
             <a:fld id="{E565D739-1F39-46A1-82E5-C30CDDBD57CA}" type="datetimeFigureOut">
               <a:rPr lang="fr-FR" smtClean="0"/>
-              <a:t>24/04/2019</a:t>
+              <a:t>07/05/2019</a:t>
             </a:fld>
             <a:endParaRPr lang="fr-FR"/>
           </a:p>
@@ -5498,7 +5842,7 @@
           <a:p>
             <a:fld id="{E565D739-1F39-46A1-82E5-C30CDDBD57CA}" type="datetimeFigureOut">
               <a:rPr lang="fr-FR" smtClean="0"/>
-              <a:t>24/04/2019</a:t>
+              <a:t>07/05/2019</a:t>
             </a:fld>
             <a:endParaRPr lang="fr-FR"/>
           </a:p>
@@ -5739,7 +6083,7 @@
           <a:p>
             <a:fld id="{E565D739-1F39-46A1-82E5-C30CDDBD57CA}" type="datetimeFigureOut">
               <a:rPr lang="fr-FR" smtClean="0"/>
-              <a:t>24/04/2019</a:t>
+              <a:t>07/05/2019</a:t>
             </a:fld>
             <a:endParaRPr lang="fr-FR"/>
           </a:p>
@@ -6664,13 +7008,13 @@
               </a:ext>
             </a:extLst>
           </a:blip>
-          <a:srcRect l="74879" t="48207" r="11914"/>
+          <a:srcRect l="74879" t="48207" r="11914" b="9771"/>
           <a:stretch/>
         </p:blipFill>
         <p:spPr>
           <a:xfrm rot="16200000">
-            <a:off x="3427355" y="-276198"/>
-            <a:ext cx="5321148" cy="8347116"/>
+            <a:off x="2639958" y="511199"/>
+            <a:ext cx="5321148" cy="6772321"/>
           </a:xfrm>
           <a:prstGeom prst="rect">
             <a:avLst/>
@@ -6726,6 +7070,216 @@
           <a:p>
             <a:pPr algn="ctr"/>
             <a:endParaRPr lang="fr-FR"/>
+          </a:p>
+        </p:txBody>
+      </p:sp>
+      <p:sp>
+        <p:nvSpPr>
+          <p:cNvPr id="3" name="ZoneTexte 2">
+            <a:extLst>
+              <a:ext uri="{FF2B5EF4-FFF2-40B4-BE49-F238E27FC236}">
+                <a16:creationId xmlns:a16="http://schemas.microsoft.com/office/drawing/2014/main" id="{56D30F1F-477D-4499-A72B-33DFA04AF920}"/>
+              </a:ext>
+            </a:extLst>
+          </p:cNvPr>
+          <p:cNvSpPr txBox="1"/>
+          <p:nvPr/>
+        </p:nvSpPr>
+        <p:spPr>
+          <a:xfrm>
+            <a:off x="8686692" y="1236785"/>
+            <a:ext cx="1778051" cy="5401479"/>
+          </a:xfrm>
+          <a:prstGeom prst="rect">
+            <a:avLst/>
+          </a:prstGeom>
+          <a:noFill/>
+        </p:spPr>
+        <p:txBody>
+          <a:bodyPr wrap="none" rtlCol="0">
+            <a:spAutoFit/>
+          </a:bodyPr>
+          <a:lstStyle/>
+          <a:p>
+            <a:r>
+              <a:rPr lang="fr-FR" sz="1150" dirty="0"/>
+              <a:t>Canada</a:t>
+            </a:r>
+          </a:p>
+          <a:p>
+            <a:r>
+              <a:rPr lang="fr-FR" sz="1150" dirty="0"/>
+              <a:t>Belgique</a:t>
+            </a:r>
+          </a:p>
+          <a:p>
+            <a:r>
+              <a:rPr lang="fr-FR" sz="1150" dirty="0"/>
+              <a:t>Etats-Unis d’Amérique</a:t>
+            </a:r>
+          </a:p>
+          <a:p>
+            <a:r>
+              <a:rPr lang="fr-FR" sz="1150" dirty="0"/>
+              <a:t>Autriche</a:t>
+            </a:r>
+          </a:p>
+          <a:p>
+            <a:r>
+              <a:rPr lang="fr-FR" sz="1150" dirty="0"/>
+              <a:t>Irlande</a:t>
+            </a:r>
+          </a:p>
+          <a:p>
+            <a:r>
+              <a:rPr lang="fr-FR" sz="1150" dirty="0"/>
+              <a:t>Suède</a:t>
+            </a:r>
+          </a:p>
+          <a:p>
+            <a:r>
+              <a:rPr lang="fr-FR" sz="1150" dirty="0"/>
+              <a:t>Danemark</a:t>
+            </a:r>
+          </a:p>
+          <a:p>
+            <a:r>
+              <a:rPr lang="fr-FR" sz="1150" dirty="0"/>
+              <a:t>Finlande</a:t>
+            </a:r>
+          </a:p>
+          <a:p>
+            <a:r>
+              <a:rPr lang="fr-FR" sz="1150" dirty="0"/>
+              <a:t>Israël</a:t>
+            </a:r>
+          </a:p>
+          <a:p>
+            <a:r>
+              <a:rPr lang="fr-FR" sz="1150" dirty="0"/>
+              <a:t>Irlande</a:t>
+            </a:r>
+          </a:p>
+          <a:p>
+            <a:r>
+              <a:rPr lang="fr-FR" sz="1150" dirty="0" err="1"/>
+              <a:t>Kowaït</a:t>
+            </a:r>
+            <a:endParaRPr lang="fr-FR" sz="1150" dirty="0"/>
+          </a:p>
+          <a:p>
+            <a:r>
+              <a:rPr lang="fr-FR" sz="1150" dirty="0"/>
+              <a:t>Royaume-Uni</a:t>
+            </a:r>
+          </a:p>
+          <a:p>
+            <a:r>
+              <a:rPr lang="fr-FR" sz="1150" dirty="0"/>
+              <a:t>France</a:t>
+            </a:r>
+          </a:p>
+          <a:p>
+            <a:r>
+              <a:rPr lang="fr-FR" sz="1150" dirty="0"/>
+              <a:t>Allemagne</a:t>
+            </a:r>
+          </a:p>
+          <a:p>
+            <a:r>
+              <a:rPr lang="fr-FR" sz="1150" dirty="0"/>
+              <a:t>Pays-Bas</a:t>
+            </a:r>
+          </a:p>
+          <a:p>
+            <a:r>
+              <a:rPr lang="fr-FR" sz="1150" dirty="0"/>
+              <a:t>Emirats Arabes Unis</a:t>
+            </a:r>
+          </a:p>
+          <a:p>
+            <a:r>
+              <a:rPr lang="fr-FR" sz="1150" dirty="0"/>
+              <a:t>Suisse</a:t>
+            </a:r>
+          </a:p>
+          <a:p>
+            <a:r>
+              <a:rPr lang="fr-FR" sz="1150" dirty="0"/>
+              <a:t>Australie</a:t>
+            </a:r>
+          </a:p>
+          <a:p>
+            <a:r>
+              <a:rPr lang="fr-FR" sz="1150" dirty="0"/>
+              <a:t>Bermudes</a:t>
+            </a:r>
+          </a:p>
+          <a:p>
+            <a:r>
+              <a:rPr lang="fr-FR" sz="1150" dirty="0"/>
+              <a:t>Norvège</a:t>
+            </a:r>
+          </a:p>
+          <a:p>
+            <a:r>
+              <a:rPr lang="fr-FR" sz="1150" dirty="0"/>
+              <a:t>Luxembourg</a:t>
+            </a:r>
+          </a:p>
+          <a:p>
+            <a:r>
+              <a:rPr lang="fr-FR" sz="1150" dirty="0"/>
+              <a:t>Chine – RAS de Macao</a:t>
+            </a:r>
+          </a:p>
+          <a:p>
+            <a:r>
+              <a:rPr lang="fr-FR" sz="1150" dirty="0"/>
+              <a:t>Chine – RAS de Hong-Kong</a:t>
+            </a:r>
+          </a:p>
+          <a:p>
+            <a:r>
+              <a:rPr lang="fr-FR" sz="1150" dirty="0"/>
+              <a:t>Arabie Saoudite</a:t>
+            </a:r>
+          </a:p>
+          <a:p>
+            <a:r>
+              <a:rPr lang="fr-FR" sz="1150" dirty="0"/>
+              <a:t>Mexique</a:t>
+            </a:r>
+          </a:p>
+          <a:p>
+            <a:r>
+              <a:rPr lang="fr-FR" sz="1150" dirty="0"/>
+              <a:t>Chine – Continentale</a:t>
+            </a:r>
+          </a:p>
+          <a:p>
+            <a:r>
+              <a:rPr lang="fr-FR" sz="1150" dirty="0"/>
+              <a:t>Fédération de Russie</a:t>
+            </a:r>
+          </a:p>
+          <a:p>
+            <a:r>
+              <a:rPr lang="fr-FR" sz="1150" dirty="0"/>
+              <a:t>Venezuela</a:t>
+            </a:r>
+          </a:p>
+          <a:p>
+            <a:r>
+              <a:rPr lang="fr-FR" sz="1150" dirty="0"/>
+              <a:t>Afrique du Sud</a:t>
+            </a:r>
+          </a:p>
+          <a:p>
+            <a:r>
+              <a:rPr lang="fr-FR" sz="1150" dirty="0"/>
+              <a:t>Japon</a:t>
+            </a:r>
           </a:p>
         </p:txBody>
       </p:sp>
@@ -6904,7 +7458,7 @@
                                 </p:cTn>
                               </p:par>
                               <p:par>
-                                <p:cTn id="17" presetID="1" presetClass="entr" presetSubtype="0" fill="hold" nodeType="withEffect">
+                                <p:cTn id="17" presetID="1" presetClass="entr" presetSubtype="0" fill="hold" grpId="0" nodeType="withEffect">
                                   <p:stCondLst>
                                     <p:cond delay="0"/>
                                   </p:stCondLst>
@@ -6912,6 +7466,33 @@
                                     <p:set>
                                       <p:cBhvr>
                                         <p:cTn id="18" dur="1" fill="hold">
+                                          <p:stCondLst>
+                                            <p:cond delay="0"/>
+                                          </p:stCondLst>
+                                        </p:cTn>
+                                        <p:tgtEl>
+                                          <p:spTgt spid="3"/>
+                                        </p:tgtEl>
+                                        <p:attrNameLst>
+                                          <p:attrName>style.visibility</p:attrName>
+                                        </p:attrNameLst>
+                                      </p:cBhvr>
+                                      <p:to>
+                                        <p:strVal val="visible"/>
+                                      </p:to>
+                                    </p:set>
+                                  </p:childTnLst>
+                                </p:cTn>
+                              </p:par>
+                              <p:par>
+                                <p:cTn id="19" presetID="1" presetClass="entr" presetSubtype="0" fill="hold" nodeType="withEffect">
+                                  <p:stCondLst>
+                                    <p:cond delay="0"/>
+                                  </p:stCondLst>
+                                  <p:childTnLst>
+                                    <p:set>
+                                      <p:cBhvr>
+                                        <p:cTn id="20" dur="1" fill="hold">
                                           <p:stCondLst>
                                             <p:cond delay="0"/>
                                           </p:stCondLst>
@@ -6960,6 +7541,7 @@
     <p:bldLst>
       <p:bldP spid="8" grpId="0" animBg="1"/>
       <p:bldP spid="8" grpId="1" animBg="1"/>
+      <p:bldP spid="3" grpId="0"/>
     </p:bldLst>
   </p:timing>
 </p:sld>
@@ -7316,10 +7898,10 @@
       </p:pic>
       <p:pic>
         <p:nvPicPr>
-          <p:cNvPr id="9" name="Image 8">
-            <a:extLst>
-              <a:ext uri="{FF2B5EF4-FFF2-40B4-BE49-F238E27FC236}">
-                <a16:creationId xmlns:a16="http://schemas.microsoft.com/office/drawing/2014/main" id="{C9230A34-03C6-493D-9CC9-6EAFF5EAD5AD}"/>
+          <p:cNvPr id="5" name="Image 4">
+            <a:extLst>
+              <a:ext uri="{FF2B5EF4-FFF2-40B4-BE49-F238E27FC236}">
+                <a16:creationId xmlns:a16="http://schemas.microsoft.com/office/drawing/2014/main" id="{FFE228B8-8829-444F-A15D-6FDE1E2E5437}"/>
               </a:ext>
             </a:extLst>
           </p:cNvPr>
@@ -7328,7 +7910,7 @@
           </p:cNvPicPr>
           <p:nvPr/>
         </p:nvPicPr>
-        <p:blipFill rotWithShape="1">
+        <p:blipFill>
           <a:blip r:embed="rId4">
             <a:extLst>
               <a:ext uri="{28A0092B-C50C-407E-A947-70E740481C1C}">
@@ -7336,13 +7918,14 @@
               </a:ext>
             </a:extLst>
           </a:blip>
-          <a:srcRect l="2027" t="4590" r="8322"/>
-          <a:stretch/>
+          <a:stretch>
+            <a:fillRect/>
+          </a:stretch>
         </p:blipFill>
         <p:spPr>
           <a:xfrm>
-            <a:off x="2475711" y="1385596"/>
-            <a:ext cx="7240578" cy="5137125"/>
+            <a:off x="2277666" y="1376362"/>
+            <a:ext cx="7636667" cy="5091111"/>
           </a:xfrm>
           <a:prstGeom prst="rect">
             <a:avLst/>
@@ -8895,10 +9478,10 @@
       </p:pic>
       <p:pic>
         <p:nvPicPr>
-          <p:cNvPr id="5" name="Image 4">
-            <a:extLst>
-              <a:ext uri="{FF2B5EF4-FFF2-40B4-BE49-F238E27FC236}">
-                <a16:creationId xmlns:a16="http://schemas.microsoft.com/office/drawing/2014/main" id="{C920E7A0-66D9-43B0-8D3E-20C2DA342A28}"/>
+          <p:cNvPr id="9" name="Image 8">
+            <a:extLst>
+              <a:ext uri="{FF2B5EF4-FFF2-40B4-BE49-F238E27FC236}">
+                <a16:creationId xmlns:a16="http://schemas.microsoft.com/office/drawing/2014/main" id="{1F6DA860-1872-4130-9A89-191353990418}"/>
               </a:ext>
             </a:extLst>
           </p:cNvPr>
@@ -8925,10 +9508,10 @@
       </p:pic>
       <p:pic>
         <p:nvPicPr>
-          <p:cNvPr id="6" name="Image 5">
-            <a:extLst>
-              <a:ext uri="{FF2B5EF4-FFF2-40B4-BE49-F238E27FC236}">
-                <a16:creationId xmlns:a16="http://schemas.microsoft.com/office/drawing/2014/main" id="{DDC1526B-72D8-4671-98A9-EF46A5FA01C9}"/>
+          <p:cNvPr id="3" name="Image 2">
+            <a:extLst>
+              <a:ext uri="{FF2B5EF4-FFF2-40B4-BE49-F238E27FC236}">
+                <a16:creationId xmlns:a16="http://schemas.microsoft.com/office/drawing/2014/main" id="{DA564157-FCA3-41AA-BC3E-63E24BDD6FB0}"/>
               </a:ext>
             </a:extLst>
           </p:cNvPr>
@@ -8945,8 +9528,8 @@
         </p:blipFill>
         <p:spPr>
           <a:xfrm>
-            <a:off x="253586" y="3049267"/>
-            <a:ext cx="11687368" cy="1795590"/>
+            <a:off x="1761255" y="365153"/>
+            <a:ext cx="8669489" cy="6127694"/>
           </a:xfrm>
           <a:prstGeom prst="rect">
             <a:avLst/>
@@ -8955,10 +9538,10 @@
       </p:pic>
       <p:pic>
         <p:nvPicPr>
-          <p:cNvPr id="7" name="Image 6">
-            <a:extLst>
-              <a:ext uri="{FF2B5EF4-FFF2-40B4-BE49-F238E27FC236}">
-                <a16:creationId xmlns:a16="http://schemas.microsoft.com/office/drawing/2014/main" id="{DD2ACCD4-4BB7-47F6-ADF5-2278C67468E9}"/>
+          <p:cNvPr id="10" name="Image 9">
+            <a:extLst>
+              <a:ext uri="{FF2B5EF4-FFF2-40B4-BE49-F238E27FC236}">
+                <a16:creationId xmlns:a16="http://schemas.microsoft.com/office/drawing/2014/main" id="{9A0D50CC-BBA7-40D7-AB67-2D2A2B6C0D41}"/>
               </a:ext>
             </a:extLst>
           </p:cNvPr>
@@ -8975,8 +9558,8 @@
         </p:blipFill>
         <p:spPr>
           <a:xfrm>
-            <a:off x="249776" y="2301574"/>
-            <a:ext cx="11688638" cy="3134026"/>
+            <a:off x="251046" y="2727278"/>
+            <a:ext cx="11687368" cy="1795590"/>
           </a:xfrm>
           <a:prstGeom prst="rect">
             <a:avLst/>
@@ -8985,10 +9568,10 @@
       </p:pic>
       <p:sp>
         <p:nvSpPr>
-          <p:cNvPr id="8" name="ZoneTexte 7">
-            <a:extLst>
-              <a:ext uri="{FF2B5EF4-FFF2-40B4-BE49-F238E27FC236}">
-                <a16:creationId xmlns:a16="http://schemas.microsoft.com/office/drawing/2014/main" id="{639A5ED9-ED07-4AC4-8FB9-5FCD4AB0962D}"/>
+          <p:cNvPr id="11" name="ZoneTexte 10">
+            <a:extLst>
+              <a:ext uri="{FF2B5EF4-FFF2-40B4-BE49-F238E27FC236}">
+                <a16:creationId xmlns:a16="http://schemas.microsoft.com/office/drawing/2014/main" id="{549B5C71-A737-43B6-9BE1-46AE0091BCA0}"/>
               </a:ext>
             </a:extLst>
           </p:cNvPr>
@@ -8997,7 +9580,7 @@
         </p:nvSpPr>
         <p:spPr>
           <a:xfrm>
-            <a:off x="3249827" y="5894173"/>
+            <a:off x="4504683" y="5834439"/>
             <a:ext cx="3178819" cy="369332"/>
           </a:xfrm>
           <a:prstGeom prst="rect">
@@ -9018,6 +9601,36 @@
           </a:p>
         </p:txBody>
       </p:sp>
+      <p:pic>
+        <p:nvPicPr>
+          <p:cNvPr id="12" name="Image 11">
+            <a:extLst>
+              <a:ext uri="{FF2B5EF4-FFF2-40B4-BE49-F238E27FC236}">
+                <a16:creationId xmlns:a16="http://schemas.microsoft.com/office/drawing/2014/main" id="{F85A96F0-F42A-4A25-9D57-6C4333CC9FE9}"/>
+              </a:ext>
+            </a:extLst>
+          </p:cNvPr>
+          <p:cNvPicPr>
+            <a:picLocks noChangeAspect="1"/>
+          </p:cNvPicPr>
+          <p:nvPr/>
+        </p:nvPicPr>
+        <p:blipFill>
+          <a:blip r:embed="rId7"/>
+          <a:stretch>
+            <a:fillRect/>
+          </a:stretch>
+        </p:blipFill>
+        <p:spPr>
+          <a:xfrm>
+            <a:off x="716437" y="1559819"/>
+            <a:ext cx="10755313" cy="3840582"/>
+          </a:xfrm>
+          <a:prstGeom prst="rect">
+            <a:avLst/>
+          </a:prstGeom>
+        </p:spPr>
+      </p:pic>
     </p:spTree>
     <p:extLst>
       <p:ext uri="{BB962C8B-B14F-4D97-AF65-F5344CB8AC3E}">
@@ -9062,7 +9675,7 @@
                                           </p:stCondLst>
                                         </p:cTn>
                                         <p:tgtEl>
-                                          <p:spTgt spid="5"/>
+                                          <p:spTgt spid="9"/>
                                         </p:tgtEl>
                                         <p:attrNameLst>
                                           <p:attrName>style.visibility</p:attrName>
@@ -9089,7 +9702,7 @@
                                           </p:stCondLst>
                                         </p:cTn>
                                         <p:tgtEl>
-                                          <p:spTgt spid="6"/>
+                                          <p:spTgt spid="3"/>
                                         </p:tgtEl>
                                         <p:attrNameLst>
                                           <p:attrName>style.visibility</p:attrName>
@@ -9134,7 +9747,7 @@
                                           </p:stCondLst>
                                         </p:cTn>
                                         <p:tgtEl>
-                                          <p:spTgt spid="6"/>
+                                          <p:spTgt spid="3"/>
                                         </p:tgtEl>
                                         <p:attrNameLst>
                                           <p:attrName>style.visibility</p:attrName>
@@ -9147,21 +9760,30 @@
                                   </p:childTnLst>
                                 </p:cTn>
                               </p:par>
+                            </p:childTnLst>
+                          </p:cTn>
+                        </p:par>
+                        <p:par>
+                          <p:cTn id="13" fill="hold">
+                            <p:stCondLst>
+                              <p:cond delay="0"/>
+                            </p:stCondLst>
+                            <p:childTnLst>
                               <p:par>
-                                <p:cTn id="13" presetID="1" presetClass="entr" presetSubtype="0" fill="hold" nodeType="withEffect">
+                                <p:cTn id="14" presetID="1" presetClass="entr" presetSubtype="0" fill="hold" nodeType="afterEffect">
                                   <p:stCondLst>
                                     <p:cond delay="0"/>
                                   </p:stCondLst>
                                   <p:childTnLst>
                                     <p:set>
                                       <p:cBhvr>
-                                        <p:cTn id="14" dur="1" fill="hold">
+                                        <p:cTn id="15" dur="1" fill="hold">
                                           <p:stCondLst>
                                             <p:cond delay="0"/>
                                           </p:stCondLst>
                                         </p:cTn>
                                         <p:tgtEl>
-                                          <p:spTgt spid="7"/>
+                                          <p:spTgt spid="10"/>
                                         </p:tgtEl>
                                         <p:attrNameLst>
                                           <p:attrName>style.visibility</p:attrName>
@@ -9181,32 +9803,113 @@
                     </p:cTn>
                   </p:par>
                   <p:par>
-                    <p:cTn id="15" fill="hold">
+                    <p:cTn id="16" fill="hold">
                       <p:stCondLst>
                         <p:cond delay="indefinite"/>
                       </p:stCondLst>
                       <p:childTnLst>
                         <p:par>
-                          <p:cTn id="16" fill="hold">
+                          <p:cTn id="17" fill="hold">
                             <p:stCondLst>
                               <p:cond delay="0"/>
                             </p:stCondLst>
                             <p:childTnLst>
                               <p:par>
-                                <p:cTn id="17" presetID="1" presetClass="entr" presetSubtype="0" fill="hold" grpId="0" nodeType="clickEffect">
+                                <p:cTn id="18" presetID="1" presetClass="exit" presetSubtype="0" fill="hold" nodeType="clickEffect">
                                   <p:stCondLst>
                                     <p:cond delay="0"/>
                                   </p:stCondLst>
                                   <p:childTnLst>
                                     <p:set>
                                       <p:cBhvr>
-                                        <p:cTn id="18" dur="1" fill="hold">
+                                        <p:cTn id="19" dur="1" fill="hold">
                                           <p:stCondLst>
                                             <p:cond delay="0"/>
                                           </p:stCondLst>
                                         </p:cTn>
                                         <p:tgtEl>
-                                          <p:spTgt spid="8"/>
+                                          <p:spTgt spid="10"/>
+                                        </p:tgtEl>
+                                        <p:attrNameLst>
+                                          <p:attrName>style.visibility</p:attrName>
+                                        </p:attrNameLst>
+                                      </p:cBhvr>
+                                      <p:to>
+                                        <p:strVal val="hidden"/>
+                                      </p:to>
+                                    </p:set>
+                                  </p:childTnLst>
+                                </p:cTn>
+                              </p:par>
+                            </p:childTnLst>
+                          </p:cTn>
+                        </p:par>
+                        <p:par>
+                          <p:cTn id="20" fill="hold">
+                            <p:stCondLst>
+                              <p:cond delay="0"/>
+                            </p:stCondLst>
+                            <p:childTnLst>
+                              <p:par>
+                                <p:cTn id="21" presetID="1" presetClass="entr" presetSubtype="0" fill="hold" nodeType="afterEffect">
+                                  <p:stCondLst>
+                                    <p:cond delay="0"/>
+                                  </p:stCondLst>
+                                  <p:childTnLst>
+                                    <p:set>
+                                      <p:cBhvr>
+                                        <p:cTn id="22" dur="1" fill="hold">
+                                          <p:stCondLst>
+                                            <p:cond delay="0"/>
+                                          </p:stCondLst>
+                                        </p:cTn>
+                                        <p:tgtEl>
+                                          <p:spTgt spid="12"/>
+                                        </p:tgtEl>
+                                        <p:attrNameLst>
+                                          <p:attrName>style.visibility</p:attrName>
+                                        </p:attrNameLst>
+                                      </p:cBhvr>
+                                      <p:to>
+                                        <p:strVal val="visible"/>
+                                      </p:to>
+                                    </p:set>
+                                  </p:childTnLst>
+                                </p:cTn>
+                              </p:par>
+                            </p:childTnLst>
+                          </p:cTn>
+                        </p:par>
+                      </p:childTnLst>
+                    </p:cTn>
+                  </p:par>
+                  <p:par>
+                    <p:cTn id="23" fill="hold">
+                      <p:stCondLst>
+                        <p:cond delay="indefinite"/>
+                      </p:stCondLst>
+                      <p:childTnLst>
+                        <p:par>
+                          <p:cTn id="24" fill="hold">
+                            <p:stCondLst>
+                              <p:cond delay="0"/>
+                            </p:stCondLst>
+                            <p:childTnLst>
+                              <p:par>
+                                <p:cTn id="25" presetID="1" presetClass="entr" presetSubtype="0" fill="hold" grpId="0" nodeType="clickEffect">
+                                  <p:stCondLst>
+                                    <p:cond delay="0"/>
+                                  </p:stCondLst>
+                                  <p:childTnLst>
+                                    <p:set>
+                                      <p:cBhvr>
+                                        <p:cTn id="26" dur="1" fill="hold">
+                                          <p:stCondLst>
+                                            <p:cond delay="0"/>
+                                          </p:stCondLst>
+                                        </p:cTn>
+                                        <p:tgtEl>
+                                          <p:spTgt spid="11"/>
                                         </p:tgtEl>
                                         <p:attrNameLst>
                                           <p:attrName>style.visibility</p:attrName>
@@ -9247,7 +9950,7 @@
       </p:par>
     </p:tnLst>
     <p:bldLst>
-      <p:bldP spid="8" grpId="0"/>
+      <p:bldP spid="11" grpId="0"/>
     </p:bldLst>
   </p:timing>
 </p:sld>
@@ -9382,7 +10085,7 @@
           <p:nvPr/>
         </p:nvPicPr>
         <p:blipFill>
-          <a:blip r:embed="rId2">
+          <a:blip r:embed="rId3">
             <a:extLst>
               <a:ext uri="{28A0092B-C50C-407E-A947-70E740481C1C}">
                 <a14:useLocalDpi xmlns:a14="http://schemas.microsoft.com/office/drawing/2010/main" val="0"/>
@@ -10733,12 +11436,174 @@
           </a:prstGeom>
         </p:spPr>
       </p:pic>
+      <p:sp>
+        <p:nvSpPr>
+          <p:cNvPr id="3" name="ZoneTexte 2">
+            <a:extLst>
+              <a:ext uri="{FF2B5EF4-FFF2-40B4-BE49-F238E27FC236}">
+                <a16:creationId xmlns:a16="http://schemas.microsoft.com/office/drawing/2014/main" id="{60EE723B-833B-46CE-9D05-F56FCD3E0679}"/>
+              </a:ext>
+            </a:extLst>
+          </p:cNvPr>
+          <p:cNvSpPr txBox="1"/>
+          <p:nvPr/>
+        </p:nvSpPr>
+        <p:spPr>
+          <a:xfrm>
+            <a:off x="662402" y="1882738"/>
+            <a:ext cx="6864672" cy="646331"/>
+          </a:xfrm>
+          <a:prstGeom prst="rect">
+            <a:avLst/>
+          </a:prstGeom>
+          <a:noFill/>
+        </p:spPr>
+        <p:txBody>
+          <a:bodyPr wrap="square" rtlCol="0">
+            <a:spAutoFit/>
+          </a:bodyPr>
+          <a:lstStyle/>
+          <a:p>
+            <a:r>
+              <a:rPr lang="fr-FR" dirty="0"/>
+              <a:t>Le but du test est de vérifier que nos Clusters diffèrent bien entre eux.</a:t>
+            </a:r>
+          </a:p>
+          <a:p>
+            <a:endParaRPr lang="fr-FR" dirty="0"/>
+          </a:p>
+        </p:txBody>
+      </p:sp>
+      <p:sp>
+        <p:nvSpPr>
+          <p:cNvPr id="6" name="ZoneTexte 5">
+            <a:extLst>
+              <a:ext uri="{FF2B5EF4-FFF2-40B4-BE49-F238E27FC236}">
+                <a16:creationId xmlns:a16="http://schemas.microsoft.com/office/drawing/2014/main" id="{B7D73A11-B1F2-4942-BD97-B71F61F5923D}"/>
+              </a:ext>
+            </a:extLst>
+          </p:cNvPr>
+          <p:cNvSpPr txBox="1"/>
+          <p:nvPr/>
+        </p:nvSpPr>
+        <p:spPr>
+          <a:xfrm>
+            <a:off x="662402" y="2829532"/>
+            <a:ext cx="7006213" cy="646331"/>
+          </a:xfrm>
+          <a:prstGeom prst="rect">
+            <a:avLst/>
+          </a:prstGeom>
+          <a:noFill/>
+        </p:spPr>
+        <p:txBody>
+          <a:bodyPr wrap="none" rtlCol="0">
+            <a:spAutoFit/>
+          </a:bodyPr>
+          <a:lstStyle/>
+          <a:p>
+            <a:r>
+              <a:rPr lang="fr-FR" dirty="0"/>
+              <a:t>Analyse de la variance : </a:t>
+            </a:r>
+          </a:p>
+          <a:p>
+            <a:r>
+              <a:rPr lang="fr-FR" dirty="0"/>
+              <a:t>Permet de confirmer que nos variables suivent bien la même loi normale</a:t>
+            </a:r>
+          </a:p>
+        </p:txBody>
+      </p:sp>
+      <p:sp>
+        <p:nvSpPr>
+          <p:cNvPr id="7" name="ZoneTexte 6">
+            <a:extLst>
+              <a:ext uri="{FF2B5EF4-FFF2-40B4-BE49-F238E27FC236}">
+                <a16:creationId xmlns:a16="http://schemas.microsoft.com/office/drawing/2014/main" id="{B8007079-9ED0-4E82-8BAE-760487DB89D4}"/>
+              </a:ext>
+            </a:extLst>
+          </p:cNvPr>
+          <p:cNvSpPr txBox="1"/>
+          <p:nvPr/>
+        </p:nvSpPr>
+        <p:spPr>
+          <a:xfrm>
+            <a:off x="662402" y="3936201"/>
+            <a:ext cx="6187591" cy="646331"/>
+          </a:xfrm>
+          <a:prstGeom prst="rect">
+            <a:avLst/>
+          </a:prstGeom>
+          <a:noFill/>
+        </p:spPr>
+        <p:txBody>
+          <a:bodyPr wrap="none" rtlCol="0">
+            <a:spAutoFit/>
+          </a:bodyPr>
+          <a:lstStyle/>
+          <a:p>
+            <a:r>
+              <a:rPr lang="fr-FR" dirty="0"/>
+              <a:t>Analyse de la moyenne : </a:t>
+            </a:r>
+          </a:p>
+          <a:p>
+            <a:r>
+              <a:rPr lang="fr-FR" dirty="0"/>
+              <a:t>Permet de confirmer que nos variables diffèrent bien entre elles</a:t>
+            </a:r>
+          </a:p>
+        </p:txBody>
+      </p:sp>
+      <p:sp>
+        <p:nvSpPr>
+          <p:cNvPr id="8" name="ZoneTexte 7">
+            <a:extLst>
+              <a:ext uri="{FF2B5EF4-FFF2-40B4-BE49-F238E27FC236}">
+                <a16:creationId xmlns:a16="http://schemas.microsoft.com/office/drawing/2014/main" id="{42C273F6-5402-4505-9A0F-5161C6202E5C}"/>
+              </a:ext>
+            </a:extLst>
+          </p:cNvPr>
+          <p:cNvSpPr txBox="1"/>
+          <p:nvPr/>
+        </p:nvSpPr>
+        <p:spPr>
+          <a:xfrm>
+            <a:off x="869795" y="5062654"/>
+            <a:ext cx="4115037" cy="646331"/>
+          </a:xfrm>
+          <a:prstGeom prst="rect">
+            <a:avLst/>
+          </a:prstGeom>
+          <a:noFill/>
+        </p:spPr>
+        <p:txBody>
+          <a:bodyPr wrap="none" rtlCol="0">
+            <a:spAutoFit/>
+          </a:bodyPr>
+          <a:lstStyle/>
+          <a:p>
+            <a:r>
+              <a:rPr lang="fr-FR" dirty="0"/>
+              <a:t>Si le test est concluant, alors on obtient :</a:t>
+            </a:r>
+          </a:p>
+          <a:p>
+            <a:r>
+              <a:rPr lang="fr-FR" i="1" dirty="0"/>
+              <a:t> </a:t>
+            </a:r>
+            <a:endParaRPr lang="fr-FR" dirty="0"/>
+          </a:p>
+        </p:txBody>
+      </p:sp>
       <p:pic>
         <p:nvPicPr>
-          <p:cNvPr id="15" name="Image 14">
-            <a:extLst>
-              <a:ext uri="{FF2B5EF4-FFF2-40B4-BE49-F238E27FC236}">
-                <a16:creationId xmlns:a16="http://schemas.microsoft.com/office/drawing/2014/main" id="{87E37925-0385-4E5A-B44C-9DC0EF09C648}"/>
+          <p:cNvPr id="9" name="Image 8">
+            <a:extLst>
+              <a:ext uri="{FF2B5EF4-FFF2-40B4-BE49-F238E27FC236}">
+                <a16:creationId xmlns:a16="http://schemas.microsoft.com/office/drawing/2014/main" id="{02F86BB7-F3EC-4E82-9B9F-61CD38CEDDF6}"/>
               </a:ext>
             </a:extLst>
           </p:cNvPr>
@@ -10748,99 +11613,100 @@
           <p:nvPr/>
         </p:nvPicPr>
         <p:blipFill>
-          <a:blip r:embed="rId4">
-            <a:extLst>
-              <a:ext uri="{28A0092B-C50C-407E-A947-70E740481C1C}">
-                <a14:useLocalDpi xmlns:a14="http://schemas.microsoft.com/office/drawing/2010/main" val="0"/>
-              </a:ext>
-            </a:extLst>
-          </a:blip>
+          <a:blip r:embed="rId4"/>
           <a:stretch>
             <a:fillRect/>
           </a:stretch>
         </p:blipFill>
         <p:spPr>
           <a:xfrm>
-            <a:off x="2019299" y="1422400"/>
-            <a:ext cx="8153401" cy="5435600"/>
+            <a:off x="869795" y="5489910"/>
+            <a:ext cx="1562100" cy="438150"/>
           </a:xfrm>
           <a:prstGeom prst="rect">
             <a:avLst/>
           </a:prstGeom>
         </p:spPr>
       </p:pic>
-      <p:pic>
-        <p:nvPicPr>
-          <p:cNvPr id="17" name="Image 16">
-            <a:extLst>
-              <a:ext uri="{FF2B5EF4-FFF2-40B4-BE49-F238E27FC236}">
-                <a16:creationId xmlns:a16="http://schemas.microsoft.com/office/drawing/2014/main" id="{9E28E25D-A14B-48E8-972E-549B4E5AE219}"/>
-              </a:ext>
-            </a:extLst>
-          </p:cNvPr>
-          <p:cNvPicPr>
-            <a:picLocks noChangeAspect="1"/>
-          </p:cNvPicPr>
+      <p:sp>
+        <p:nvSpPr>
+          <p:cNvPr id="10" name="ZoneTexte 9">
+            <a:extLst>
+              <a:ext uri="{FF2B5EF4-FFF2-40B4-BE49-F238E27FC236}">
+                <a16:creationId xmlns:a16="http://schemas.microsoft.com/office/drawing/2014/main" id="{816D9577-BEC0-4E7F-89D2-5E2B9F68A3C4}"/>
+              </a:ext>
+            </a:extLst>
+          </p:cNvPr>
+          <p:cNvSpPr txBox="1"/>
           <p:nvPr/>
-        </p:nvPicPr>
-        <p:blipFill>
-          <a:blip r:embed="rId5">
-            <a:extLst>
-              <a:ext uri="{28A0092B-C50C-407E-A947-70E740481C1C}">
-                <a14:useLocalDpi xmlns:a14="http://schemas.microsoft.com/office/drawing/2010/main" val="0"/>
-              </a:ext>
-            </a:extLst>
-          </a:blip>
-          <a:stretch>
-            <a:fillRect/>
-          </a:stretch>
-        </p:blipFill>
+        </p:nvSpPr>
         <p:spPr>
           <a:xfrm>
-            <a:off x="2019299" y="1422399"/>
-            <a:ext cx="8153401" cy="5435601"/>
+            <a:off x="869795" y="6004441"/>
+            <a:ext cx="5413277" cy="369332"/>
           </a:xfrm>
           <a:prstGeom prst="rect">
             <a:avLst/>
           </a:prstGeom>
+          <a:noFill/>
         </p:spPr>
-      </p:pic>
-      <p:pic>
-        <p:nvPicPr>
-          <p:cNvPr id="19" name="Image 18">
-            <a:extLst>
-              <a:ext uri="{FF2B5EF4-FFF2-40B4-BE49-F238E27FC236}">
-                <a16:creationId xmlns:a16="http://schemas.microsoft.com/office/drawing/2014/main" id="{3060126B-D2D4-46B9-9707-25D5343E30F1}"/>
-              </a:ext>
-            </a:extLst>
-          </p:cNvPr>
-          <p:cNvPicPr>
-            <a:picLocks noChangeAspect="1"/>
-          </p:cNvPicPr>
-          <p:nvPr/>
-        </p:nvPicPr>
-        <p:blipFill>
-          <a:blip r:embed="rId6">
-            <a:extLst>
-              <a:ext uri="{28A0092B-C50C-407E-A947-70E740481C1C}">
-                <a14:useLocalDpi xmlns:a14="http://schemas.microsoft.com/office/drawing/2010/main" val="0"/>
-              </a:ext>
-            </a:extLst>
-          </a:blip>
-          <a:stretch>
-            <a:fillRect/>
-          </a:stretch>
-        </p:blipFill>
-        <p:spPr>
-          <a:xfrm>
-            <a:off x="2019298" y="1422398"/>
-            <a:ext cx="8153401" cy="5435601"/>
-          </a:xfrm>
-          <a:prstGeom prst="rect">
-            <a:avLst/>
-          </a:prstGeom>
-        </p:spPr>
-      </p:pic>
+        <p:txBody>
+          <a:bodyPr wrap="none" rtlCol="0">
+            <a:spAutoFit/>
+          </a:bodyPr>
+          <a:lstStyle/>
+          <a:p>
+            <a:r>
+              <a:rPr lang="fr-FR" b="1" dirty="0">
+                <a:solidFill>
+                  <a:srgbClr val="FF0000"/>
+                </a:solidFill>
+              </a:rPr>
+              <a:t>Où </a:t>
+            </a:r>
+            <a:r>
+              <a:rPr lang="el-GR" b="1" i="1" dirty="0">
+                <a:solidFill>
+                  <a:srgbClr val="FF0000"/>
+                </a:solidFill>
+              </a:rPr>
+              <a:t>σ</a:t>
+            </a:r>
+            <a:r>
+              <a:rPr lang="el-GR" b="1" baseline="30000" dirty="0">
+                <a:solidFill>
+                  <a:srgbClr val="FF0000"/>
+                </a:solidFill>
+              </a:rPr>
+              <a:t>2</a:t>
+            </a:r>
+            <a:r>
+              <a:rPr lang="fr-FR" b="1" dirty="0">
+                <a:solidFill>
+                  <a:srgbClr val="FF0000"/>
+                </a:solidFill>
+              </a:rPr>
+              <a:t> est toujours le même et </a:t>
+            </a:r>
+            <a:r>
+              <a:rPr lang="el-GR" b="1" i="1" dirty="0">
+                <a:solidFill>
+                  <a:srgbClr val="FF0000"/>
+                </a:solidFill>
+              </a:rPr>
+              <a:t>μ</a:t>
+            </a:r>
+            <a:r>
+              <a:rPr lang="fr-FR" b="1" dirty="0">
+                <a:solidFill>
+                  <a:srgbClr val="FF0000"/>
+                </a:solidFill>
+              </a:rPr>
+              <a:t> diffère selon le Cluster</a:t>
+            </a:r>
+          </a:p>
+        </p:txBody>
+      </p:sp>
     </p:spTree>
     <p:extLst>
       <p:ext uri="{BB962C8B-B14F-4D97-AF65-F5344CB8AC3E}">
@@ -10872,7 +11738,7 @@
                             </p:stCondLst>
                             <p:childTnLst>
                               <p:par>
-                                <p:cTn id="5" presetID="1" presetClass="entr" presetSubtype="0" fill="hold" nodeType="clickEffect">
+                                <p:cTn id="5" presetID="1" presetClass="entr" presetSubtype="0" fill="hold" grpId="0" nodeType="clickEffect">
                                   <p:stCondLst>
                                     <p:cond delay="0"/>
                                   </p:stCondLst>
@@ -10885,7 +11751,7 @@
                                           </p:stCondLst>
                                         </p:cTn>
                                         <p:tgtEl>
-                                          <p:spTgt spid="17"/>
+                                          <p:spTgt spid="3"/>
                                         </p:tgtEl>
                                         <p:attrNameLst>
                                           <p:attrName>style.visibility</p:attrName>
@@ -10917,7 +11783,7 @@
                             </p:stCondLst>
                             <p:childTnLst>
                               <p:par>
-                                <p:cTn id="9" presetID="1" presetClass="entr" presetSubtype="0" fill="hold" nodeType="clickEffect">
+                                <p:cTn id="9" presetID="1" presetClass="entr" presetSubtype="0" fill="hold" grpId="0" nodeType="clickEffect">
                                   <p:stCondLst>
                                     <p:cond delay="0"/>
                                   </p:stCondLst>
@@ -10930,7 +11796,169 @@
                                           </p:stCondLst>
                                         </p:cTn>
                                         <p:tgtEl>
-                                          <p:spTgt spid="19"/>
+                                          <p:spTgt spid="6"/>
+                                        </p:tgtEl>
+                                        <p:attrNameLst>
+                                          <p:attrName>style.visibility</p:attrName>
+                                        </p:attrNameLst>
+                                      </p:cBhvr>
+                                      <p:to>
+                                        <p:strVal val="visible"/>
+                                      </p:to>
+                                    </p:set>
+                                  </p:childTnLst>
+                                </p:cTn>
+                              </p:par>
+                            </p:childTnLst>
+                          </p:cTn>
+                        </p:par>
+                      </p:childTnLst>
+                    </p:cTn>
+                  </p:par>
+                  <p:par>
+                    <p:cTn id="11" fill="hold">
+                      <p:stCondLst>
+                        <p:cond delay="indefinite"/>
+                      </p:stCondLst>
+                      <p:childTnLst>
+                        <p:par>
+                          <p:cTn id="12" fill="hold">
+                            <p:stCondLst>
+                              <p:cond delay="0"/>
+                            </p:stCondLst>
+                            <p:childTnLst>
+                              <p:par>
+                                <p:cTn id="13" presetID="1" presetClass="entr" presetSubtype="0" fill="hold" grpId="0" nodeType="clickEffect">
+                                  <p:stCondLst>
+                                    <p:cond delay="0"/>
+                                  </p:stCondLst>
+                                  <p:childTnLst>
+                                    <p:set>
+                                      <p:cBhvr>
+                                        <p:cTn id="14" dur="1" fill="hold">
+                                          <p:stCondLst>
+                                            <p:cond delay="0"/>
+                                          </p:stCondLst>
+                                        </p:cTn>
+                                        <p:tgtEl>
+                                          <p:spTgt spid="7"/>
+                                        </p:tgtEl>
+                                        <p:attrNameLst>
+                                          <p:attrName>style.visibility</p:attrName>
+                                        </p:attrNameLst>
+                                      </p:cBhvr>
+                                      <p:to>
+                                        <p:strVal val="visible"/>
+                                      </p:to>
+                                    </p:set>
+                                  </p:childTnLst>
+                                </p:cTn>
+                              </p:par>
+                            </p:childTnLst>
+                          </p:cTn>
+                        </p:par>
+                      </p:childTnLst>
+                    </p:cTn>
+                  </p:par>
+                  <p:par>
+                    <p:cTn id="15" fill="hold">
+                      <p:stCondLst>
+                        <p:cond delay="indefinite"/>
+                      </p:stCondLst>
+                      <p:childTnLst>
+                        <p:par>
+                          <p:cTn id="16" fill="hold">
+                            <p:stCondLst>
+                              <p:cond delay="0"/>
+                            </p:stCondLst>
+                            <p:childTnLst>
+                              <p:par>
+                                <p:cTn id="17" presetID="1" presetClass="entr" presetSubtype="0" fill="hold" grpId="0" nodeType="clickEffect">
+                                  <p:stCondLst>
+                                    <p:cond delay="0"/>
+                                  </p:stCondLst>
+                                  <p:childTnLst>
+                                    <p:set>
+                                      <p:cBhvr>
+                                        <p:cTn id="18" dur="1" fill="hold">
+                                          <p:stCondLst>
+                                            <p:cond delay="0"/>
+                                          </p:stCondLst>
+                                        </p:cTn>
+                                        <p:tgtEl>
+                                          <p:spTgt spid="8"/>
+                                        </p:tgtEl>
+                                        <p:attrNameLst>
+                                          <p:attrName>style.visibility</p:attrName>
+                                        </p:attrNameLst>
+                                      </p:cBhvr>
+                                      <p:to>
+                                        <p:strVal val="visible"/>
+                                      </p:to>
+                                    </p:set>
+                                  </p:childTnLst>
+                                </p:cTn>
+                              </p:par>
+                              <p:par>
+                                <p:cTn id="19" presetID="1" presetClass="entr" presetSubtype="0" fill="hold" nodeType="withEffect">
+                                  <p:stCondLst>
+                                    <p:cond delay="0"/>
+                                  </p:stCondLst>
+                                  <p:childTnLst>
+                                    <p:set>
+                                      <p:cBhvr>
+                                        <p:cTn id="20" dur="1" fill="hold">
+                                          <p:stCondLst>
+                                            <p:cond delay="0"/>
+                                          </p:stCondLst>
+                                        </p:cTn>
+                                        <p:tgtEl>
+                                          <p:spTgt spid="9"/>
+                                        </p:tgtEl>
+                                        <p:attrNameLst>
+                                          <p:attrName>style.visibility</p:attrName>
+                                        </p:attrNameLst>
+                                      </p:cBhvr>
+                                      <p:to>
+                                        <p:strVal val="visible"/>
+                                      </p:to>
+                                    </p:set>
+                                  </p:childTnLst>
+                                </p:cTn>
+                              </p:par>
+                            </p:childTnLst>
+                          </p:cTn>
+                        </p:par>
+                      </p:childTnLst>
+                    </p:cTn>
+                  </p:par>
+                  <p:par>
+                    <p:cTn id="21" fill="hold">
+                      <p:stCondLst>
+                        <p:cond delay="indefinite"/>
+                      </p:stCondLst>
+                      <p:childTnLst>
+                        <p:par>
+                          <p:cTn id="22" fill="hold">
+                            <p:stCondLst>
+                              <p:cond delay="0"/>
+                            </p:stCondLst>
+                            <p:childTnLst>
+                              <p:par>
+                                <p:cTn id="23" presetID="1" presetClass="entr" presetSubtype="0" fill="hold" grpId="0" nodeType="clickEffect">
+                                  <p:stCondLst>
+                                    <p:cond delay="0"/>
+                                  </p:stCondLst>
+                                  <p:childTnLst>
+                                    <p:set>
+                                      <p:cBhvr>
+                                        <p:cTn id="24" dur="1" fill="hold">
+                                          <p:stCondLst>
+                                            <p:cond delay="0"/>
+                                          </p:stCondLst>
+                                        </p:cTn>
+                                        <p:tgtEl>
+                                          <p:spTgt spid="10"/>
                                         </p:tgtEl>
                                         <p:attrNameLst>
                                           <p:attrName>style.visibility</p:attrName>
@@ -10970,6 +11998,13 @@
         </p:cTn>
       </p:par>
     </p:tnLst>
+    <p:bldLst>
+      <p:bldP spid="3" grpId="0"/>
+      <p:bldP spid="6" grpId="0"/>
+      <p:bldP spid="7" grpId="0"/>
+      <p:bldP spid="8" grpId="0"/>
+      <p:bldP spid="10" grpId="0"/>
+    </p:bldLst>
   </p:timing>
 </p:sld>
 </file>
@@ -13499,7 +14534,7 @@
           <p:cNvPr id="5" name="Image 4">
             <a:extLst>
               <a:ext uri="{FF2B5EF4-FFF2-40B4-BE49-F238E27FC236}">
-                <a16:creationId xmlns:a16="http://schemas.microsoft.com/office/drawing/2014/main" id="{824F6203-BA09-410E-8D33-8BB403704249}"/>
+                <a16:creationId xmlns:a16="http://schemas.microsoft.com/office/drawing/2014/main" id="{C11F3868-BF08-449A-9072-A0BD01B01061}"/>
               </a:ext>
             </a:extLst>
           </p:cNvPr>
@@ -13516,8 +14551,38 @@
         </p:blipFill>
         <p:spPr>
           <a:xfrm>
-            <a:off x="249776" y="2275070"/>
-            <a:ext cx="11688638" cy="3134026"/>
+            <a:off x="716437" y="1559819"/>
+            <a:ext cx="10755313" cy="3840582"/>
+          </a:xfrm>
+          <a:prstGeom prst="rect">
+            <a:avLst/>
+          </a:prstGeom>
+        </p:spPr>
+      </p:pic>
+      <p:pic>
+        <p:nvPicPr>
+          <p:cNvPr id="6" name="Image 5">
+            <a:extLst>
+              <a:ext uri="{FF2B5EF4-FFF2-40B4-BE49-F238E27FC236}">
+                <a16:creationId xmlns:a16="http://schemas.microsoft.com/office/drawing/2014/main" id="{670D63C1-4909-4BC0-833D-3F9465D54EC0}"/>
+              </a:ext>
+            </a:extLst>
+          </p:cNvPr>
+          <p:cNvPicPr>
+            <a:picLocks noChangeAspect="1"/>
+          </p:cNvPicPr>
+          <p:nvPr/>
+        </p:nvPicPr>
+        <p:blipFill>
+          <a:blip r:embed="rId5"/>
+          <a:stretch>
+            <a:fillRect/>
+          </a:stretch>
+        </p:blipFill>
+        <p:spPr>
+          <a:xfrm>
+            <a:off x="627240" y="2628960"/>
+            <a:ext cx="10933705" cy="1702299"/>
           </a:xfrm>
           <a:prstGeom prst="rect">
             <a:avLst/>
@@ -13546,9 +14611,6 @@
                     <p:cTn id="3" fill="hold">
                       <p:stCondLst>
                         <p:cond delay="indefinite"/>
-                        <p:cond evt="onBegin" delay="0">
-                          <p:tn val="2"/>
-                        </p:cond>
                       </p:stCondLst>
                       <p:childTnLst>
                         <p:par>
@@ -13558,7 +14620,7 @@
                             </p:stCondLst>
                             <p:childTnLst>
                               <p:par>
-                                <p:cTn id="5" presetID="1" presetClass="entr" presetSubtype="0" fill="hold" nodeType="withEffect">
+                                <p:cTn id="5" presetID="1" presetClass="exit" presetSubtype="0" fill="hold" nodeType="clickEffect">
                                   <p:stCondLst>
                                     <p:cond delay="0"/>
                                   </p:stCondLst>
@@ -13572,6 +14634,33 @@
                                         </p:cTn>
                                         <p:tgtEl>
                                           <p:spTgt spid="5"/>
+                                        </p:tgtEl>
+                                        <p:attrNameLst>
+                                          <p:attrName>style.visibility</p:attrName>
+                                        </p:attrNameLst>
+                                      </p:cBhvr>
+                                      <p:to>
+                                        <p:strVal val="hidden"/>
+                                      </p:to>
+                                    </p:set>
+                                  </p:childTnLst>
+                                </p:cTn>
+                              </p:par>
+                              <p:par>
+                                <p:cTn id="7" presetID="1" presetClass="entr" presetSubtype="0" fill="hold" nodeType="withEffect">
+                                  <p:stCondLst>
+                                    <p:cond delay="0"/>
+                                  </p:stCondLst>
+                                  <p:childTnLst>
+                                    <p:set>
+                                      <p:cBhvr>
+                                        <p:cTn id="8" dur="1" fill="hold">
+                                          <p:stCondLst>
+                                            <p:cond delay="0"/>
+                                          </p:stCondLst>
+                                        </p:cTn>
+                                        <p:tgtEl>
+                                          <p:spTgt spid="6"/>
                                         </p:tgtEl>
                                         <p:attrNameLst>
                                           <p:attrName>style.visibility</p:attrName>
@@ -13618,6 +14707,17 @@
 <file path=ppt/slides/slide26.xml><?xml version="1.0" encoding="utf-8"?>
 <p:sld xmlns:a="http://schemas.openxmlformats.org/drawingml/2006/main" xmlns:r="http://schemas.openxmlformats.org/officeDocument/2006/relationships" xmlns:p="http://schemas.openxmlformats.org/presentationml/2006/main">
   <p:cSld>
+    <p:bg>
+      <p:bgPr>
+        <a:solidFill>
+          <a:schemeClr val="bg1">
+            <a:tint val="95000"/>
+            <a:satMod val="170000"/>
+          </a:schemeClr>
+        </a:solidFill>
+        <a:effectLst/>
+      </p:bgPr>
+    </p:bg>
     <p:spTree>
       <p:nvGrpSpPr>
         <p:cNvPr id="1" name=""/>
@@ -13637,7 +14737,7 @@
           <p:cNvPr id="2" name="Titre 1">
             <a:extLst>
               <a:ext uri="{FF2B5EF4-FFF2-40B4-BE49-F238E27FC236}">
-                <a16:creationId xmlns:a16="http://schemas.microsoft.com/office/drawing/2014/main" id="{CAA876EA-FED9-49A0-94CB-4283459215B9}"/>
+                <a16:creationId xmlns:a16="http://schemas.microsoft.com/office/drawing/2014/main" id="{612FA98D-5214-442A-97A7-973984024AE3}"/>
               </a:ext>
             </a:extLst>
           </p:cNvPr>
@@ -13645,61 +14745,203 @@
             <a:spLocks noGrp="1"/>
           </p:cNvSpPr>
           <p:nvPr>
-            <p:ph type="ctrTitle"/>
+            <p:ph type="title"/>
           </p:nvPr>
         </p:nvSpPr>
         <p:spPr>
           <a:xfrm>
-            <a:off x="1524000" y="335279"/>
-            <a:ext cx="9144000" cy="1041083"/>
+            <a:off x="6746628" y="1783959"/>
+            <a:ext cx="4645250" cy="2889114"/>
           </a:xfrm>
         </p:spPr>
         <p:txBody>
-          <a:bodyPr/>
-          <a:lstStyle/>
-          <a:p>
-            <a:endParaRPr lang="fr-FR" dirty="0"/>
-          </a:p>
-        </p:txBody>
-      </p:sp>
-      <p:sp>
-        <p:nvSpPr>
-          <p:cNvPr id="3" name="Sous-titre 2">
-            <a:extLst>
-              <a:ext uri="{FF2B5EF4-FFF2-40B4-BE49-F238E27FC236}">
-                <a16:creationId xmlns:a16="http://schemas.microsoft.com/office/drawing/2014/main" id="{218B9057-36A2-4CEF-8698-A320933B4FB0}"/>
-              </a:ext>
-            </a:extLst>
-          </p:cNvPr>
-          <p:cNvSpPr>
-            <a:spLocks noGrp="1"/>
-          </p:cNvSpPr>
-          <p:nvPr>
-            <p:ph type="subTitle" idx="1"/>
-          </p:nvPr>
-        </p:nvSpPr>
-        <p:spPr>
-          <a:xfrm>
-            <a:off x="1524000" y="1897539"/>
-            <a:ext cx="9245600" cy="3062922"/>
-          </a:xfrm>
-        </p:spPr>
-        <p:txBody>
-          <a:bodyPr>
+          <a:bodyPr vert="horz" lIns="91440" tIns="45720" rIns="91440" bIns="45720" rtlCol="0" anchor="b">
             <a:normAutofit/>
           </a:bodyPr>
           <a:lstStyle/>
           <a:p>
-            <a:endParaRPr lang="fr-FR" dirty="0"/>
+            <a:pPr algn="ctr"/>
+            <a:r>
+              <a:rPr lang="en-US" sz="6000" b="1" dirty="0"/>
+              <a:t>Merci</a:t>
+            </a:r>
+            <a:endParaRPr lang="en-US" sz="6000" dirty="0"/>
+          </a:p>
+        </p:txBody>
+      </p:sp>
+      <p:sp>
+        <p:nvSpPr>
+          <p:cNvPr id="13" name="Freeform: Shape 12">
+            <a:extLst>
+              <a:ext uri="{FF2B5EF4-FFF2-40B4-BE49-F238E27FC236}">
+                <a16:creationId xmlns:a16="http://schemas.microsoft.com/office/drawing/2014/main" id="{1DB7C82F-AB7E-4F0C-B829-FA1B9C415180}"/>
+              </a:ext>
+              <a:ext uri="{C183D7F6-B498-43B3-948B-1728B52AA6E4}">
+                <adec:decorative xmlns:adec="http://schemas.microsoft.com/office/drawing/2017/decorative" val="1"/>
+              </a:ext>
+            </a:extLst>
+          </p:cNvPr>
+          <p:cNvSpPr>
+            <a:spLocks noGrp="1" noRot="1" noChangeAspect="1" noMove="1" noResize="1" noEditPoints="1" noAdjustHandles="1" noChangeArrowheads="1" noChangeShapeType="1" noTextEdit="1"/>
+          </p:cNvSpPr>
+          <p:nvPr>
+            <p:extLst>
+              <p:ext uri="{386F3935-93C4-4BCD-93E2-E3B085C9AB24}">
+                <p16:designElem xmlns:p16="http://schemas.microsoft.com/office/powerpoint/2015/main" val="1"/>
+              </p:ext>
+            </p:extLst>
+          </p:nvPr>
+        </p:nvSpPr>
+        <p:spPr>
+          <a:xfrm flipH="1">
+            <a:off x="0" y="0"/>
+            <a:ext cx="6172782" cy="6858000"/>
+          </a:xfrm>
+          <a:custGeom>
+            <a:avLst/>
+            <a:gdLst>
+              <a:gd name="connsiteX0" fmla="*/ 6172782 w 6172782"/>
+              <a:gd name="connsiteY0" fmla="*/ 0 h 6858000"/>
+              <a:gd name="connsiteX1" fmla="*/ 69075 w 6172782"/>
+              <a:gd name="connsiteY1" fmla="*/ 0 h 6858000"/>
+              <a:gd name="connsiteX2" fmla="*/ 35131 w 6172782"/>
+              <a:gd name="connsiteY2" fmla="*/ 267128 h 6858000"/>
+              <a:gd name="connsiteX3" fmla="*/ 0 w 6172782"/>
+              <a:gd name="connsiteY3" fmla="*/ 962845 h 6858000"/>
+              <a:gd name="connsiteX4" fmla="*/ 3276103 w 6172782"/>
+              <a:gd name="connsiteY4" fmla="*/ 6782205 h 6858000"/>
+              <a:gd name="connsiteX5" fmla="*/ 3407923 w 6172782"/>
+              <a:gd name="connsiteY5" fmla="*/ 6858000 h 6858000"/>
+              <a:gd name="connsiteX6" fmla="*/ 6172782 w 6172782"/>
+              <a:gd name="connsiteY6" fmla="*/ 6858000 h 6858000"/>
+            </a:gdLst>
+            <a:ahLst/>
+            <a:cxnLst>
+              <a:cxn ang="0">
+                <a:pos x="connsiteX0" y="connsiteY0"/>
+              </a:cxn>
+              <a:cxn ang="0">
+                <a:pos x="connsiteX1" y="connsiteY1"/>
+              </a:cxn>
+              <a:cxn ang="0">
+                <a:pos x="connsiteX2" y="connsiteY2"/>
+              </a:cxn>
+              <a:cxn ang="0">
+                <a:pos x="connsiteX3" y="connsiteY3"/>
+              </a:cxn>
+              <a:cxn ang="0">
+                <a:pos x="connsiteX4" y="connsiteY4"/>
+              </a:cxn>
+              <a:cxn ang="0">
+                <a:pos x="connsiteX5" y="connsiteY5"/>
+              </a:cxn>
+              <a:cxn ang="0">
+                <a:pos x="connsiteX6" y="connsiteY6"/>
+              </a:cxn>
+            </a:cxnLst>
+            <a:rect l="l" t="t" r="r" b="b"/>
+            <a:pathLst>
+              <a:path w="6172782" h="6858000">
+                <a:moveTo>
+                  <a:pt x="6172782" y="0"/>
+                </a:moveTo>
+                <a:lnTo>
+                  <a:pt x="69075" y="0"/>
+                </a:lnTo>
+                <a:lnTo>
+                  <a:pt x="35131" y="267128"/>
+                </a:lnTo>
+                <a:cubicBezTo>
+                  <a:pt x="11901" y="495874"/>
+                  <a:pt x="0" y="727970"/>
+                  <a:pt x="0" y="962845"/>
+                </a:cubicBezTo>
+                <a:cubicBezTo>
+                  <a:pt x="0" y="3429034"/>
+                  <a:pt x="1312002" y="5588789"/>
+                  <a:pt x="3276103" y="6782205"/>
+                </a:cubicBezTo>
+                <a:lnTo>
+                  <a:pt x="3407923" y="6858000"/>
+                </a:lnTo>
+                <a:lnTo>
+                  <a:pt x="6172782" y="6858000"/>
+                </a:lnTo>
+                <a:close/>
+              </a:path>
+            </a:pathLst>
+          </a:custGeom>
+          <a:solidFill>
+            <a:srgbClr val="FFFFFF">
+              <a:alpha val="80000"/>
+            </a:srgbClr>
+          </a:solidFill>
+          <a:ln>
+            <a:noFill/>
+          </a:ln>
+        </p:spPr>
+        <p:style>
+          <a:lnRef idx="2">
+            <a:schemeClr val="accent1">
+              <a:shade val="50000"/>
+            </a:schemeClr>
+          </a:lnRef>
+          <a:fillRef idx="1">
+            <a:schemeClr val="accent1"/>
+          </a:fillRef>
+          <a:effectRef idx="0">
+            <a:schemeClr val="accent1"/>
+          </a:effectRef>
+          <a:fontRef idx="minor">
+            <a:schemeClr val="lt1"/>
+          </a:fontRef>
+        </p:style>
+        <p:txBody>
+          <a:bodyPr wrap="square" rtlCol="0" anchor="ctr">
+            <a:noAutofit/>
+          </a:bodyPr>
+          <a:lstStyle/>
+          <a:p>
+            <a:pPr marL="0" marR="0" lvl="0" indent="0" algn="ctr" defTabSz="914400" rtl="0" eaLnBrk="1" fontAlgn="auto" latinLnBrk="0" hangingPunct="1">
+              <a:lnSpc>
+                <a:spcPct val="100000"/>
+              </a:lnSpc>
+              <a:spcBef>
+                <a:spcPts val="0"/>
+              </a:spcBef>
+              <a:spcAft>
+                <a:spcPts val="0"/>
+              </a:spcAft>
+              <a:buClrTx/>
+              <a:buSzTx/>
+              <a:buFontTx/>
+              <a:buNone/>
+              <a:tabLst/>
+              <a:defRPr/>
+            </a:pPr>
+            <a:endParaRPr kumimoji="0" lang="en-US" sz="1800" b="0" i="0" u="none" strike="noStrike" kern="1200" cap="none" spc="0" normalizeH="0" baseline="0" noProof="0">
+              <a:ln>
+                <a:noFill/>
+              </a:ln>
+              <a:solidFill>
+                <a:prstClr val="white"/>
+              </a:solidFill>
+              <a:effectLst/>
+              <a:uLnTx/>
+              <a:uFillTx/>
+              <a:latin typeface="Calibri" panose="020F0502020204030204"/>
+              <a:ea typeface="+mn-ea"/>
+              <a:cs typeface="+mn-cs"/>
+            </a:endParaRPr>
           </a:p>
         </p:txBody>
       </p:sp>
       <p:pic>
         <p:nvPicPr>
-          <p:cNvPr id="4" name="Image 3">
-            <a:extLst>
-              <a:ext uri="{FF2B5EF4-FFF2-40B4-BE49-F238E27FC236}">
-                <a16:creationId xmlns:a16="http://schemas.microsoft.com/office/drawing/2014/main" id="{D86C892C-1E6D-41AC-9500-A62F2106E5BF}"/>
+          <p:cNvPr id="8" name="Image 7">
+            <a:extLst>
+              <a:ext uri="{FF2B5EF4-FFF2-40B4-BE49-F238E27FC236}">
+                <a16:creationId xmlns:a16="http://schemas.microsoft.com/office/drawing/2014/main" id="{6544D499-1984-49D0-93AC-9584A893DE63}"/>
               </a:ext>
             </a:extLst>
           </p:cNvPr>
@@ -13708,37 +14950,107 @@
           </p:cNvPicPr>
           <p:nvPr/>
         </p:nvPicPr>
-        <p:blipFill>
-          <a:blip r:embed="rId2">
+        <p:blipFill rotWithShape="1">
+          <a:blip r:embed="rId3">
             <a:extLst>
               <a:ext uri="{28A0092B-C50C-407E-A947-70E740481C1C}">
                 <a14:useLocalDpi xmlns:a14="http://schemas.microsoft.com/office/drawing/2010/main" val="0"/>
               </a:ext>
             </a:extLst>
           </a:blip>
-          <a:stretch>
-            <a:fillRect/>
-          </a:stretch>
+          <a:srcRect l="10851" r="1308"/>
+          <a:stretch/>
         </p:blipFill>
         <p:spPr>
           <a:xfrm>
-            <a:off x="10769600" y="5435600"/>
-            <a:ext cx="1422400" cy="1422400"/>
+            <a:off x="20" y="10"/>
+            <a:ext cx="6024134" cy="6857990"/>
           </a:xfrm>
-          <a:prstGeom prst="rect">
+          <a:custGeom>
             <a:avLst/>
-          </a:prstGeom>
+            <a:gdLst>
+              <a:gd name="connsiteX0" fmla="*/ 0 w 6024154"/>
+              <a:gd name="connsiteY0" fmla="*/ 0 h 6858000"/>
+              <a:gd name="connsiteX1" fmla="*/ 5953780 w 6024154"/>
+              <a:gd name="connsiteY1" fmla="*/ 0 h 6858000"/>
+              <a:gd name="connsiteX2" fmla="*/ 5989880 w 6024154"/>
+              <a:gd name="connsiteY2" fmla="*/ 284091 h 6858000"/>
+              <a:gd name="connsiteX3" fmla="*/ 6024154 w 6024154"/>
+              <a:gd name="connsiteY3" fmla="*/ 962844 h 6858000"/>
+              <a:gd name="connsiteX4" fmla="*/ 2549934 w 6024154"/>
+              <a:gd name="connsiteY4" fmla="*/ 6800152 h 6858000"/>
+              <a:gd name="connsiteX5" fmla="*/ 2436987 w 6024154"/>
+              <a:gd name="connsiteY5" fmla="*/ 6858000 h 6858000"/>
+              <a:gd name="connsiteX6" fmla="*/ 0 w 6024154"/>
+              <a:gd name="connsiteY6" fmla="*/ 6858000 h 6858000"/>
+            </a:gdLst>
+            <a:ahLst/>
+            <a:cxnLst>
+              <a:cxn ang="0">
+                <a:pos x="connsiteX0" y="connsiteY0"/>
+              </a:cxn>
+              <a:cxn ang="0">
+                <a:pos x="connsiteX1" y="connsiteY1"/>
+              </a:cxn>
+              <a:cxn ang="0">
+                <a:pos x="connsiteX2" y="connsiteY2"/>
+              </a:cxn>
+              <a:cxn ang="0">
+                <a:pos x="connsiteX3" y="connsiteY3"/>
+              </a:cxn>
+              <a:cxn ang="0">
+                <a:pos x="connsiteX4" y="connsiteY4"/>
+              </a:cxn>
+              <a:cxn ang="0">
+                <a:pos x="connsiteX5" y="connsiteY5"/>
+              </a:cxn>
+              <a:cxn ang="0">
+                <a:pos x="connsiteX6" y="connsiteY6"/>
+              </a:cxn>
+            </a:cxnLst>
+            <a:rect l="l" t="t" r="r" b="b"/>
+            <a:pathLst>
+              <a:path w="6024154" h="6858000">
+                <a:moveTo>
+                  <a:pt x="0" y="0"/>
+                </a:moveTo>
+                <a:lnTo>
+                  <a:pt x="5953780" y="0"/>
+                </a:lnTo>
+                <a:lnTo>
+                  <a:pt x="5989880" y="284091"/>
+                </a:lnTo>
+                <a:cubicBezTo>
+                  <a:pt x="6012544" y="507260"/>
+                  <a:pt x="6024154" y="733696"/>
+                  <a:pt x="6024154" y="962844"/>
+                </a:cubicBezTo>
+                <a:cubicBezTo>
+                  <a:pt x="6024154" y="3483472"/>
+                  <a:pt x="4619336" y="5675986"/>
+                  <a:pt x="2549934" y="6800152"/>
+                </a:cubicBezTo>
+                <a:lnTo>
+                  <a:pt x="2436987" y="6858000"/>
+                </a:lnTo>
+                <a:lnTo>
+                  <a:pt x="0" y="6858000"/>
+                </a:lnTo>
+                <a:close/>
+              </a:path>
+            </a:pathLst>
+          </a:custGeom>
         </p:spPr>
       </p:pic>
     </p:spTree>
     <p:extLst>
       <p:ext uri="{BB962C8B-B14F-4D97-AF65-F5344CB8AC3E}">
-        <p14:creationId xmlns:p14="http://schemas.microsoft.com/office/powerpoint/2010/main" val="2791180461"/>
+        <p14:creationId xmlns:p14="http://schemas.microsoft.com/office/powerpoint/2010/main" val="2148296200"/>
       </p:ext>
     </p:extLst>
   </p:cSld>
   <p:clrMapOvr>
-    <a:masterClrMapping/>
+    <a:overrideClrMapping bg1="dk1" tx1="lt1" bg2="dk2" tx2="lt2" accent1="accent1" accent2="accent2" accent3="accent3" accent4="accent4" accent5="accent5" accent6="accent6" hlink="hlink" folHlink="folHlink"/>
   </p:clrMapOvr>
 </p:sld>
 </file>
@@ -17042,240 +18354,6 @@
                       </p:childTnLst>
                     </p:cTn>
                   </p:par>
-                  <p:par>
-                    <p:cTn id="31" fill="hold">
-                      <p:stCondLst>
-                        <p:cond delay="indefinite"/>
-                      </p:stCondLst>
-                      <p:childTnLst>
-                        <p:par>
-                          <p:cTn id="32" fill="hold">
-                            <p:stCondLst>
-                              <p:cond delay="0"/>
-                            </p:stCondLst>
-                            <p:childTnLst>
-                              <p:par>
-                                <p:cTn id="33" presetID="1" presetClass="exit" presetSubtype="0" fill="hold" grpId="1" nodeType="clickEffect">
-                                  <p:stCondLst>
-                                    <p:cond delay="0"/>
-                                  </p:stCondLst>
-                                  <p:childTnLst>
-                                    <p:set>
-                                      <p:cBhvr>
-                                        <p:cTn id="34" dur="1" fill="hold">
-                                          <p:stCondLst>
-                                            <p:cond delay="0"/>
-                                          </p:stCondLst>
-                                        </p:cTn>
-                                        <p:tgtEl>
-                                          <p:spTgt spid="6"/>
-                                        </p:tgtEl>
-                                        <p:attrNameLst>
-                                          <p:attrName>style.visibility</p:attrName>
-                                        </p:attrNameLst>
-                                      </p:cBhvr>
-                                      <p:to>
-                                        <p:strVal val="hidden"/>
-                                      </p:to>
-                                    </p:set>
-                                  </p:childTnLst>
-                                </p:cTn>
-                              </p:par>
-                              <p:par>
-                                <p:cTn id="35" presetID="1" presetClass="exit" presetSubtype="0" fill="hold" grpId="1" nodeType="withEffect">
-                                  <p:stCondLst>
-                                    <p:cond delay="0"/>
-                                  </p:stCondLst>
-                                  <p:childTnLst>
-                                    <p:set>
-                                      <p:cBhvr>
-                                        <p:cTn id="36" dur="1" fill="hold">
-                                          <p:stCondLst>
-                                            <p:cond delay="0"/>
-                                          </p:stCondLst>
-                                        </p:cTn>
-                                        <p:tgtEl>
-                                          <p:spTgt spid="7"/>
-                                        </p:tgtEl>
-                                        <p:attrNameLst>
-                                          <p:attrName>style.visibility</p:attrName>
-                                        </p:attrNameLst>
-                                      </p:cBhvr>
-                                      <p:to>
-                                        <p:strVal val="hidden"/>
-                                      </p:to>
-                                    </p:set>
-                                  </p:childTnLst>
-                                </p:cTn>
-                              </p:par>
-                              <p:par>
-                                <p:cTn id="37" presetID="1" presetClass="exit" presetSubtype="0" fill="hold" grpId="1" nodeType="withEffect">
-                                  <p:stCondLst>
-                                    <p:cond delay="0"/>
-                                  </p:stCondLst>
-                                  <p:childTnLst>
-                                    <p:set>
-                                      <p:cBhvr>
-                                        <p:cTn id="38" dur="1" fill="hold">
-                                          <p:stCondLst>
-                                            <p:cond delay="0"/>
-                                          </p:stCondLst>
-                                        </p:cTn>
-                                        <p:tgtEl>
-                                          <p:spTgt spid="8"/>
-                                        </p:tgtEl>
-                                        <p:attrNameLst>
-                                          <p:attrName>style.visibility</p:attrName>
-                                        </p:attrNameLst>
-                                      </p:cBhvr>
-                                      <p:to>
-                                        <p:strVal val="hidden"/>
-                                      </p:to>
-                                    </p:set>
-                                  </p:childTnLst>
-                                </p:cTn>
-                              </p:par>
-                              <p:par>
-                                <p:cTn id="39" presetID="1" presetClass="exit" presetSubtype="0" fill="hold" grpId="1" nodeType="withEffect">
-                                  <p:stCondLst>
-                                    <p:cond delay="0"/>
-                                  </p:stCondLst>
-                                  <p:childTnLst>
-                                    <p:set>
-                                      <p:cBhvr>
-                                        <p:cTn id="40" dur="1" fill="hold">
-                                          <p:stCondLst>
-                                            <p:cond delay="0"/>
-                                          </p:stCondLst>
-                                        </p:cTn>
-                                        <p:tgtEl>
-                                          <p:spTgt spid="9"/>
-                                        </p:tgtEl>
-                                        <p:attrNameLst>
-                                          <p:attrName>style.visibility</p:attrName>
-                                        </p:attrNameLst>
-                                      </p:cBhvr>
-                                      <p:to>
-                                        <p:strVal val="hidden"/>
-                                      </p:to>
-                                    </p:set>
-                                  </p:childTnLst>
-                                </p:cTn>
-                              </p:par>
-                              <p:par>
-                                <p:cTn id="41" presetID="1" presetClass="exit" presetSubtype="0" fill="hold" grpId="1" nodeType="withEffect">
-                                  <p:stCondLst>
-                                    <p:cond delay="0"/>
-                                  </p:stCondLst>
-                                  <p:childTnLst>
-                                    <p:set>
-                                      <p:cBhvr>
-                                        <p:cTn id="42" dur="1" fill="hold">
-                                          <p:stCondLst>
-                                            <p:cond delay="0"/>
-                                          </p:stCondLst>
-                                        </p:cTn>
-                                        <p:tgtEl>
-                                          <p:spTgt spid="10"/>
-                                        </p:tgtEl>
-                                        <p:attrNameLst>
-                                          <p:attrName>style.visibility</p:attrName>
-                                        </p:attrNameLst>
-                                      </p:cBhvr>
-                                      <p:to>
-                                        <p:strVal val="hidden"/>
-                                      </p:to>
-                                    </p:set>
-                                  </p:childTnLst>
-                                </p:cTn>
-                              </p:par>
-                              <p:par>
-                                <p:cTn id="43" presetID="1" presetClass="exit" presetSubtype="0" fill="hold" grpId="1" nodeType="withEffect">
-                                  <p:stCondLst>
-                                    <p:cond delay="0"/>
-                                  </p:stCondLst>
-                                  <p:childTnLst>
-                                    <p:set>
-                                      <p:cBhvr>
-                                        <p:cTn id="44" dur="1" fill="hold">
-                                          <p:stCondLst>
-                                            <p:cond delay="0"/>
-                                          </p:stCondLst>
-                                        </p:cTn>
-                                        <p:tgtEl>
-                                          <p:spTgt spid="11"/>
-                                        </p:tgtEl>
-                                        <p:attrNameLst>
-                                          <p:attrName>style.visibility</p:attrName>
-                                        </p:attrNameLst>
-                                      </p:cBhvr>
-                                      <p:to>
-                                        <p:strVal val="hidden"/>
-                                      </p:to>
-                                    </p:set>
-                                  </p:childTnLst>
-                                </p:cTn>
-                              </p:par>
-                              <p:par>
-                                <p:cTn id="45" presetID="1" presetClass="exit" presetSubtype="0" fill="hold" grpId="1" nodeType="withEffect">
-                                  <p:stCondLst>
-                                    <p:cond delay="0"/>
-                                  </p:stCondLst>
-                                  <p:childTnLst>
-                                    <p:set>
-                                      <p:cBhvr>
-                                        <p:cTn id="46" dur="1" fill="hold">
-                                          <p:stCondLst>
-                                            <p:cond delay="0"/>
-                                          </p:stCondLst>
-                                        </p:cTn>
-                                        <p:tgtEl>
-                                          <p:spTgt spid="12"/>
-                                        </p:tgtEl>
-                                        <p:attrNameLst>
-                                          <p:attrName>style.visibility</p:attrName>
-                                        </p:attrNameLst>
-                                      </p:cBhvr>
-                                      <p:to>
-                                        <p:strVal val="hidden"/>
-                                      </p:to>
-                                    </p:set>
-                                  </p:childTnLst>
-                                </p:cTn>
-                              </p:par>
-                              <p:par>
-                                <p:cTn id="47" presetID="1" presetClass="exit" presetSubtype="0" fill="hold" nodeType="withEffect">
-                                  <p:stCondLst>
-                                    <p:cond delay="0"/>
-                                  </p:stCondLst>
-                                  <p:childTnLst>
-                                    <p:set>
-                                      <p:cBhvr>
-                                        <p:cTn id="48" dur="1" fill="hold">
-                                          <p:stCondLst>
-                                            <p:cond delay="0"/>
-                                          </p:stCondLst>
-                                        </p:cTn>
-                                        <p:tgtEl>
-                                          <p:spTgt spid="5"/>
-                                        </p:tgtEl>
-                                        <p:attrNameLst>
-                                          <p:attrName>style.visibility</p:attrName>
-                                        </p:attrNameLst>
-                                      </p:cBhvr>
-                                      <p:to>
-                                        <p:strVal val="hidden"/>
-                                      </p:to>
-                                    </p:set>
-                                  </p:childTnLst>
-                                </p:cTn>
-                              </p:par>
-                            </p:childTnLst>
-                          </p:cTn>
-                        </p:par>
-                      </p:childTnLst>
-                    </p:cTn>
-                  </p:par>
                 </p:childTnLst>
               </p:cTn>
               <p:prevCondLst>
@@ -17299,19 +18377,12 @@
     </p:tnLst>
     <p:bldLst>
       <p:bldP spid="6" grpId="0" animBg="1"/>
-      <p:bldP spid="6" grpId="1" animBg="1"/>
       <p:bldP spid="7" grpId="0" animBg="1"/>
-      <p:bldP spid="7" grpId="1" animBg="1"/>
       <p:bldP spid="8" grpId="0" animBg="1"/>
-      <p:bldP spid="8" grpId="1" animBg="1"/>
       <p:bldP spid="9" grpId="0" animBg="1"/>
-      <p:bldP spid="9" grpId="1" animBg="1"/>
       <p:bldP spid="10" grpId="0" animBg="1"/>
-      <p:bldP spid="10" grpId="1" animBg="1"/>
       <p:bldP spid="11" grpId="0" animBg="1"/>
-      <p:bldP spid="11" grpId="1" animBg="1"/>
       <p:bldP spid="12" grpId="0" animBg="1"/>
-      <p:bldP spid="12" grpId="1" animBg="1"/>
     </p:bldLst>
   </p:timing>
 </p:sld>
